--- a/slides/Tag-1_4-Git-Remote.pptx
+++ b/slides/Tag-1_4-Git-Remote.pptx
@@ -4,27 +4,28 @@
   <p:sldMasterIdLst>
     <p:sldMasterId id="2147483648" r:id="rId1"/>
     <p:sldMasterId id="2147483649" r:id="rId2"/>
-    <p:sldMasterId id="2147483897" r:id="rId3"/>
+    <p:sldMasterId id="2147483899" r:id="rId3"/>
   </p:sldMasterIdLst>
   <p:notesMasterIdLst>
-    <p:notesMasterId r:id="rId16"/>
+    <p:notesMasterId r:id="rId17"/>
   </p:notesMasterIdLst>
   <p:handoutMasterIdLst>
-    <p:handoutMasterId r:id="rId17"/>
+    <p:handoutMasterId r:id="rId18"/>
   </p:handoutMasterIdLst>
   <p:sldIdLst>
     <p:sldId id="288" r:id="rId4"/>
-    <p:sldId id="287" r:id="rId5"/>
-    <p:sldId id="371" r:id="rId6"/>
-    <p:sldId id="372" r:id="rId7"/>
-    <p:sldId id="373" r:id="rId8"/>
-    <p:sldId id="374" r:id="rId9"/>
-    <p:sldId id="375" r:id="rId10"/>
-    <p:sldId id="376" r:id="rId11"/>
+    <p:sldId id="387" r:id="rId5"/>
+    <p:sldId id="596" r:id="rId6"/>
+    <p:sldId id="371" r:id="rId7"/>
+    <p:sldId id="372" r:id="rId8"/>
+    <p:sldId id="373" r:id="rId9"/>
+    <p:sldId id="374" r:id="rId10"/>
+    <p:sldId id="375" r:id="rId11"/>
     <p:sldId id="377" r:id="rId12"/>
-    <p:sldId id="378" r:id="rId13"/>
-    <p:sldId id="379" r:id="rId14"/>
-    <p:sldId id="380" r:id="rId15"/>
+    <p:sldId id="376" r:id="rId13"/>
+    <p:sldId id="378" r:id="rId14"/>
+    <p:sldId id="379" r:id="rId15"/>
+    <p:sldId id="380" r:id="rId16"/>
   </p:sldIdLst>
   <p:sldSz cx="9144000" cy="6858000" type="screen4x3"/>
   <p:notesSz cx="6784975" cy="9921875"/>
@@ -932,315 +933,6 @@
 </p:notesMaster>
 </file>
 
-<file path=ppt/notesSlides/notesSlide1.xml><?xml version="1.0" encoding="utf-8"?>
-<p:notes xmlns:a="http://schemas.openxmlformats.org/drawingml/2006/main" xmlns:r="http://schemas.openxmlformats.org/officeDocument/2006/relationships" xmlns:p="http://schemas.openxmlformats.org/presentationml/2006/main">
-  <p:cSld>
-    <p:spTree>
-      <p:nvGrpSpPr>
-        <p:cNvPr id="1" name=""/>
-        <p:cNvGrpSpPr/>
-        <p:nvPr/>
-      </p:nvGrpSpPr>
-      <p:grpSpPr>
-        <a:xfrm>
-          <a:off x="0" y="0"/>
-          <a:ext cx="0" cy="0"/>
-          <a:chOff x="0" y="0"/>
-          <a:chExt cx="0" cy="0"/>
-        </a:xfrm>
-      </p:grpSpPr>
-      <p:sp>
-        <p:nvSpPr>
-          <p:cNvPr id="9218" name="Rectangle 5">
-            <a:extLst>
-              <a:ext uri="{FF2B5EF4-FFF2-40B4-BE49-F238E27FC236}">
-                <a16:creationId xmlns:a16="http://schemas.microsoft.com/office/drawing/2014/main" id="{CAB5EC0A-C9CC-A6BA-EE54-8860552589C9}"/>
-              </a:ext>
-            </a:extLst>
-          </p:cNvPr>
-          <p:cNvSpPr>
-            <a:spLocks noGrp="1" noChangeArrowheads="1"/>
-          </p:cNvSpPr>
-          <p:nvPr>
-            <p:ph type="sldNum" sz="quarter" idx="5"/>
-          </p:nvPr>
-        </p:nvSpPr>
-        <p:spPr>
-          <a:noFill/>
-          <a:ln/>
-          <a:extLst>
-            <a:ext uri="{909E8E84-426E-40DD-AFC4-6F175D3DCCD1}">
-              <a14:hiddenFill xmlns:a14="http://schemas.microsoft.com/office/drawing/2010/main">
-                <a:solidFill>
-                  <a:srgbClr val="FFFFFF"/>
-                </a:solidFill>
-              </a14:hiddenFill>
-            </a:ext>
-            <a:ext uri="{91240B29-F687-4F45-9708-019B960494DF}">
-              <a14:hiddenLine xmlns:a14="http://schemas.microsoft.com/office/drawing/2010/main" w="9525">
-                <a:solidFill>
-                  <a:srgbClr val="000000"/>
-                </a:solidFill>
-                <a:miter lim="800000"/>
-                <a:headEnd/>
-                <a:tailEnd/>
-              </a14:hiddenLine>
-            </a:ext>
-          </a:extLst>
-        </p:spPr>
-        <p:txBody>
-          <a:bodyPr/>
-          <a:lstStyle>
-            <a:lvl1pPr defTabSz="762000">
-              <a:defRPr sz="2400">
-                <a:solidFill>
-                  <a:schemeClr val="tx1"/>
-                </a:solidFill>
-                <a:latin typeface="Times New Roman" panose="02020603050405020304" pitchFamily="18" charset="0"/>
-              </a:defRPr>
-            </a:lvl1pPr>
-            <a:lvl2pPr marL="742950" indent="-285750" defTabSz="762000">
-              <a:defRPr sz="2400">
-                <a:solidFill>
-                  <a:schemeClr val="tx1"/>
-                </a:solidFill>
-                <a:latin typeface="Times New Roman" panose="02020603050405020304" pitchFamily="18" charset="0"/>
-              </a:defRPr>
-            </a:lvl2pPr>
-            <a:lvl3pPr marL="1143000" indent="-228600" defTabSz="762000">
-              <a:defRPr sz="2400">
-                <a:solidFill>
-                  <a:schemeClr val="tx1"/>
-                </a:solidFill>
-                <a:latin typeface="Times New Roman" panose="02020603050405020304" pitchFamily="18" charset="0"/>
-              </a:defRPr>
-            </a:lvl3pPr>
-            <a:lvl4pPr marL="1600200" indent="-228600" defTabSz="762000">
-              <a:defRPr sz="2400">
-                <a:solidFill>
-                  <a:schemeClr val="tx1"/>
-                </a:solidFill>
-                <a:latin typeface="Times New Roman" panose="02020603050405020304" pitchFamily="18" charset="0"/>
-              </a:defRPr>
-            </a:lvl4pPr>
-            <a:lvl5pPr marL="2057400" indent="-228600" defTabSz="762000">
-              <a:defRPr sz="2400">
-                <a:solidFill>
-                  <a:schemeClr val="tx1"/>
-                </a:solidFill>
-                <a:latin typeface="Times New Roman" panose="02020603050405020304" pitchFamily="18" charset="0"/>
-              </a:defRPr>
-            </a:lvl5pPr>
-            <a:lvl6pPr marL="2514600" indent="-228600" defTabSz="762000" eaLnBrk="0" fontAlgn="base" hangingPunct="0">
-              <a:spcBef>
-                <a:spcPct val="0"/>
-              </a:spcBef>
-              <a:spcAft>
-                <a:spcPct val="0"/>
-              </a:spcAft>
-              <a:defRPr sz="2400">
-                <a:solidFill>
-                  <a:schemeClr val="tx1"/>
-                </a:solidFill>
-                <a:latin typeface="Times New Roman" panose="02020603050405020304" pitchFamily="18" charset="0"/>
-              </a:defRPr>
-            </a:lvl6pPr>
-            <a:lvl7pPr marL="2971800" indent="-228600" defTabSz="762000" eaLnBrk="0" fontAlgn="base" hangingPunct="0">
-              <a:spcBef>
-                <a:spcPct val="0"/>
-              </a:spcBef>
-              <a:spcAft>
-                <a:spcPct val="0"/>
-              </a:spcAft>
-              <a:defRPr sz="2400">
-                <a:solidFill>
-                  <a:schemeClr val="tx1"/>
-                </a:solidFill>
-                <a:latin typeface="Times New Roman" panose="02020603050405020304" pitchFamily="18" charset="0"/>
-              </a:defRPr>
-            </a:lvl7pPr>
-            <a:lvl8pPr marL="3429000" indent="-228600" defTabSz="762000" eaLnBrk="0" fontAlgn="base" hangingPunct="0">
-              <a:spcBef>
-                <a:spcPct val="0"/>
-              </a:spcBef>
-              <a:spcAft>
-                <a:spcPct val="0"/>
-              </a:spcAft>
-              <a:defRPr sz="2400">
-                <a:solidFill>
-                  <a:schemeClr val="tx1"/>
-                </a:solidFill>
-                <a:latin typeface="Times New Roman" panose="02020603050405020304" pitchFamily="18" charset="0"/>
-              </a:defRPr>
-            </a:lvl8pPr>
-            <a:lvl9pPr marL="3886200" indent="-228600" defTabSz="762000" eaLnBrk="0" fontAlgn="base" hangingPunct="0">
-              <a:spcBef>
-                <a:spcPct val="0"/>
-              </a:spcBef>
-              <a:spcAft>
-                <a:spcPct val="0"/>
-              </a:spcAft>
-              <a:defRPr sz="2400">
-                <a:solidFill>
-                  <a:schemeClr val="tx1"/>
-                </a:solidFill>
-                <a:latin typeface="Times New Roman" panose="02020603050405020304" pitchFamily="18" charset="0"/>
-              </a:defRPr>
-            </a:lvl9pPr>
-          </a:lstStyle>
-          <a:p>
-            <a:pPr marL="0" marR="0" lvl="0" indent="0" algn="r" defTabSz="762000" rtl="0" eaLnBrk="0" fontAlgn="base" latinLnBrk="0" hangingPunct="0">
-              <a:lnSpc>
-                <a:spcPct val="100000"/>
-              </a:lnSpc>
-              <a:spcBef>
-                <a:spcPct val="0"/>
-              </a:spcBef>
-              <a:spcAft>
-                <a:spcPct val="0"/>
-              </a:spcAft>
-              <a:buClrTx/>
-              <a:buSzTx/>
-              <a:buFontTx/>
-              <a:buNone/>
-              <a:tabLst/>
-              <a:defRPr/>
-            </a:pPr>
-            <a:fld id="{0DFA95FD-393F-42A8-A207-199B4A6476FA}" type="slidenum">
-              <a:rPr kumimoji="0" lang="de-DE" altLang="de-DE" sz="1000" b="0" i="1" u="none" strike="noStrike" kern="1200" cap="none" spc="0" normalizeH="0" baseline="0" noProof="0">
-                <a:ln>
-                  <a:noFill/>
-                </a:ln>
-                <a:solidFill>
-                  <a:srgbClr val="000000"/>
-                </a:solidFill>
-                <a:effectLst/>
-                <a:uLnTx/>
-                <a:uFillTx/>
-                <a:latin typeface="Arial" panose="020B0604020202020204" pitchFamily="34" charset="0"/>
-                <a:ea typeface="+mn-ea"/>
-                <a:cs typeface="+mn-cs"/>
-              </a:rPr>
-              <a:pPr marL="0" marR="0" lvl="0" indent="0" algn="r" defTabSz="762000" rtl="0" eaLnBrk="0" fontAlgn="base" latinLnBrk="0" hangingPunct="0">
-                <a:lnSpc>
-                  <a:spcPct val="100000"/>
-                </a:lnSpc>
-                <a:spcBef>
-                  <a:spcPct val="0"/>
-                </a:spcBef>
-                <a:spcAft>
-                  <a:spcPct val="0"/>
-                </a:spcAft>
-                <a:buClrTx/>
-                <a:buSzTx/>
-                <a:buFontTx/>
-                <a:buNone/>
-                <a:tabLst/>
-                <a:defRPr/>
-              </a:pPr>
-              <a:t>2</a:t>
-            </a:fld>
-            <a:endParaRPr kumimoji="0" lang="de-DE" altLang="de-DE" sz="1000" b="0" i="1" u="none" strike="noStrike" kern="1200" cap="none" spc="0" normalizeH="0" baseline="0" noProof="0">
-              <a:ln>
-                <a:noFill/>
-              </a:ln>
-              <a:solidFill>
-                <a:srgbClr val="000000"/>
-              </a:solidFill>
-              <a:effectLst/>
-              <a:uLnTx/>
-              <a:uFillTx/>
-              <a:latin typeface="Arial" panose="020B0604020202020204" pitchFamily="34" charset="0"/>
-              <a:ea typeface="+mn-ea"/>
-              <a:cs typeface="+mn-cs"/>
-            </a:endParaRPr>
-          </a:p>
-        </p:txBody>
-      </p:sp>
-      <p:sp>
-        <p:nvSpPr>
-          <p:cNvPr id="9219" name="Rectangle 2">
-            <a:extLst>
-              <a:ext uri="{FF2B5EF4-FFF2-40B4-BE49-F238E27FC236}">
-                <a16:creationId xmlns:a16="http://schemas.microsoft.com/office/drawing/2014/main" id="{55ADAD09-5AD8-D6A8-82FA-8696898FF393}"/>
-              </a:ext>
-            </a:extLst>
-          </p:cNvPr>
-          <p:cNvSpPr>
-            <a:spLocks noGrp="1" noRot="1" noChangeAspect="1" noChangeArrowheads="1" noTextEdit="1"/>
-          </p:cNvSpPr>
-          <p:nvPr>
-            <p:ph type="sldImg"/>
-          </p:nvPr>
-        </p:nvSpPr>
-        <p:spPr>
-          <a:xfrm>
-            <a:off x="911225" y="744538"/>
-            <a:ext cx="4962525" cy="3722687"/>
-          </a:xfrm>
-          <a:ln/>
-        </p:spPr>
-      </p:sp>
-      <p:sp>
-        <p:nvSpPr>
-          <p:cNvPr id="9220" name="Rectangle 3">
-            <a:extLst>
-              <a:ext uri="{FF2B5EF4-FFF2-40B4-BE49-F238E27FC236}">
-                <a16:creationId xmlns:a16="http://schemas.microsoft.com/office/drawing/2014/main" id="{6CD01483-3634-269A-689A-A2F198F34B73}"/>
-              </a:ext>
-            </a:extLst>
-          </p:cNvPr>
-          <p:cNvSpPr>
-            <a:spLocks noGrp="1" noChangeArrowheads="1"/>
-          </p:cNvSpPr>
-          <p:nvPr>
-            <p:ph type="body" idx="1"/>
-          </p:nvPr>
-        </p:nvSpPr>
-        <p:spPr>
-          <a:xfrm>
-            <a:off x="679450" y="4713288"/>
-            <a:ext cx="5426075" cy="4464050"/>
-          </a:xfrm>
-          <a:noFill/>
-          <a:ln/>
-          <a:extLst>
-            <a:ext uri="{909E8E84-426E-40DD-AFC4-6F175D3DCCD1}">
-              <a14:hiddenFill xmlns:a14="http://schemas.microsoft.com/office/drawing/2010/main">
-                <a:solidFill>
-                  <a:srgbClr val="FFFFFF"/>
-                </a:solidFill>
-              </a14:hiddenFill>
-            </a:ext>
-            <a:ext uri="{91240B29-F687-4F45-9708-019B960494DF}">
-              <a14:hiddenLine xmlns:a14="http://schemas.microsoft.com/office/drawing/2010/main" w="9525">
-                <a:solidFill>
-                  <a:srgbClr val="000000"/>
-                </a:solidFill>
-                <a:miter lim="800000"/>
-                <a:headEnd/>
-                <a:tailEnd/>
-              </a14:hiddenLine>
-            </a:ext>
-          </a:extLst>
-        </p:spPr>
-        <p:txBody>
-          <a:bodyPr/>
-          <a:lstStyle/>
-          <a:p>
-            <a:pPr defTabSz="914400" eaLnBrk="1" hangingPunct="1"/>
-            <a:endParaRPr lang="de-DE" altLang="de-DE"/>
-          </a:p>
-        </p:txBody>
-      </p:sp>
-    </p:spTree>
-  </p:cSld>
-  <p:clrMapOvr>
-    <a:masterClrMapping/>
-  </p:clrMapOvr>
-</p:notes>
-</file>
-
 <file path=ppt/slideLayouts/slideLayout1.xml><?xml version="1.0" encoding="utf-8"?>
 <p:sldLayout xmlns:a="http://schemas.openxmlformats.org/drawingml/2006/main" xmlns:r="http://schemas.openxmlformats.org/officeDocument/2006/relationships" xmlns:p="http://schemas.openxmlformats.org/presentationml/2006/main" type="obj" preserve="1">
   <p:cSld name="Titel und Inhalt">
@@ -1396,6 +1088,132 @@
 </file>
 
 <file path=ppt/slideLayouts/slideLayout2.xml><?xml version="1.0" encoding="utf-8"?>
+<p:sldLayout xmlns:a="http://schemas.openxmlformats.org/drawingml/2006/main" xmlns:r="http://schemas.openxmlformats.org/officeDocument/2006/relationships" xmlns:p="http://schemas.openxmlformats.org/presentationml/2006/main" type="secHead">
+  <p:cSld name="Abschnittsüberschrift">
+    <p:spTree>
+      <p:nvGrpSpPr>
+        <p:cNvPr id="1" name=""/>
+        <p:cNvGrpSpPr/>
+        <p:nvPr/>
+      </p:nvGrpSpPr>
+      <p:grpSpPr>
+        <a:xfrm>
+          <a:off x="0" y="0"/>
+          <a:ext cx="0" cy="0"/>
+          <a:chOff x="0" y="0"/>
+          <a:chExt cx="0" cy="0"/>
+        </a:xfrm>
+      </p:grpSpPr>
+      <p:sp>
+        <p:nvSpPr>
+          <p:cNvPr id="2" name="Titel 1"/>
+          <p:cNvSpPr>
+            <a:spLocks noGrp="1"/>
+          </p:cNvSpPr>
+          <p:nvPr>
+            <p:ph type="title"/>
+          </p:nvPr>
+        </p:nvSpPr>
+        <p:spPr>
+          <a:xfrm>
+            <a:off x="722313" y="4406900"/>
+            <a:ext cx="7772400" cy="1362075"/>
+          </a:xfrm>
+        </p:spPr>
+        <p:txBody>
+          <a:bodyPr anchor="t"/>
+          <a:lstStyle>
+            <a:lvl1pPr algn="l">
+              <a:defRPr sz="4000" b="1" cap="all"/>
+            </a:lvl1pPr>
+          </a:lstStyle>
+          <a:p>
+            <a:r>
+              <a:rPr lang="de-DE" dirty="0"/>
+              <a:t>Titelmasterformat durch Klicken bearbeiten</a:t>
+            </a:r>
+          </a:p>
+        </p:txBody>
+      </p:sp>
+      <p:sp>
+        <p:nvSpPr>
+          <p:cNvPr id="3" name="Textplatzhalter 2"/>
+          <p:cNvSpPr>
+            <a:spLocks noGrp="1"/>
+          </p:cNvSpPr>
+          <p:nvPr>
+            <p:ph type="body" idx="1"/>
+          </p:nvPr>
+        </p:nvSpPr>
+        <p:spPr>
+          <a:xfrm>
+            <a:off x="722313" y="2906713"/>
+            <a:ext cx="7772400" cy="1500187"/>
+          </a:xfrm>
+        </p:spPr>
+        <p:txBody>
+          <a:bodyPr anchor="b"/>
+          <a:lstStyle>
+            <a:lvl1pPr marL="0" indent="0">
+              <a:buNone/>
+              <a:defRPr sz="2000"/>
+            </a:lvl1pPr>
+            <a:lvl2pPr marL="457200" indent="0">
+              <a:buNone/>
+              <a:defRPr sz="1800"/>
+            </a:lvl2pPr>
+            <a:lvl3pPr marL="914400" indent="0">
+              <a:buNone/>
+              <a:defRPr sz="1600"/>
+            </a:lvl3pPr>
+            <a:lvl4pPr marL="1371600" indent="0">
+              <a:buNone/>
+              <a:defRPr sz="1400"/>
+            </a:lvl4pPr>
+            <a:lvl5pPr marL="1828800" indent="0">
+              <a:buNone/>
+              <a:defRPr sz="1400"/>
+            </a:lvl5pPr>
+            <a:lvl6pPr marL="2286000" indent="0">
+              <a:buNone/>
+              <a:defRPr sz="1400"/>
+            </a:lvl6pPr>
+            <a:lvl7pPr marL="2743200" indent="0">
+              <a:buNone/>
+              <a:defRPr sz="1400"/>
+            </a:lvl7pPr>
+            <a:lvl8pPr marL="3200400" indent="0">
+              <a:buNone/>
+              <a:defRPr sz="1400"/>
+            </a:lvl8pPr>
+            <a:lvl9pPr marL="3657600" indent="0">
+              <a:buNone/>
+              <a:defRPr sz="1400"/>
+            </a:lvl9pPr>
+          </a:lstStyle>
+          <a:p>
+            <a:pPr lvl="0"/>
+            <a:r>
+              <a:rPr lang="de-DE"/>
+              <a:t>Textmasterformate durch Klicken bearbeiten</a:t>
+            </a:r>
+          </a:p>
+        </p:txBody>
+      </p:sp>
+    </p:spTree>
+    <p:extLst>
+      <p:ext uri="{BB962C8B-B14F-4D97-AF65-F5344CB8AC3E}">
+        <p14:creationId xmlns:p14="http://schemas.microsoft.com/office/powerpoint/2010/main" val="1405584099"/>
+      </p:ext>
+    </p:extLst>
+  </p:cSld>
+  <p:clrMapOvr>
+    <a:masterClrMapping/>
+  </p:clrMapOvr>
+</p:sldLayout>
+</file>
+
+<file path=ppt/slideLayouts/slideLayout3.xml><?xml version="1.0" encoding="utf-8"?>
 <p:sldLayout xmlns:a="http://schemas.openxmlformats.org/drawingml/2006/main" xmlns:r="http://schemas.openxmlformats.org/officeDocument/2006/relationships" xmlns:p="http://schemas.openxmlformats.org/presentationml/2006/main" preserve="1" userDrawn="1">
   <p:cSld name="Titelfolie">
     <p:spTree>
@@ -1470,7 +1288,7 @@
 </p:sldLayout>
 </file>
 
-<file path=ppt/slideLayouts/slideLayout3.xml><?xml version="1.0" encoding="utf-8"?>
+<file path=ppt/slideLayouts/slideLayout4.xml><?xml version="1.0" encoding="utf-8"?>
 <p:sldLayout xmlns:a="http://schemas.openxmlformats.org/drawingml/2006/main" xmlns:r="http://schemas.openxmlformats.org/officeDocument/2006/relationships" xmlns:p="http://schemas.openxmlformats.org/presentationml/2006/main" type="obj" preserve="1">
   <p:cSld name="Titel und Inhalt">
     <p:spTree>
@@ -1527,94 +1345,175 @@
         <p:spPr/>
         <p:txBody>
           <a:bodyPr/>
-          <a:lstStyle>
-            <a:lvl1pPr>
-              <a:spcBef>
-                <a:spcPts val="1200"/>
-              </a:spcBef>
-              <a:spcAft>
-                <a:spcPts val="0"/>
-              </a:spcAft>
-              <a:defRPr sz="2000"/>
-            </a:lvl1pPr>
-            <a:lvl2pPr>
-              <a:spcBef>
-                <a:spcPts val="600"/>
-              </a:spcBef>
-              <a:spcAft>
-                <a:spcPts val="0"/>
-              </a:spcAft>
-              <a:defRPr sz="1600"/>
-            </a:lvl2pPr>
-            <a:lvl3pPr>
-              <a:spcBef>
-                <a:spcPts val="600"/>
-              </a:spcBef>
-              <a:spcAft>
-                <a:spcPts val="0"/>
-              </a:spcAft>
-              <a:defRPr/>
-            </a:lvl3pPr>
-            <a:lvl4pPr>
-              <a:spcBef>
-                <a:spcPts val="600"/>
-              </a:spcBef>
-              <a:spcAft>
-                <a:spcPts val="0"/>
-              </a:spcAft>
-              <a:defRPr/>
-            </a:lvl4pPr>
-            <a:lvl5pPr>
-              <a:spcBef>
-                <a:spcPts val="600"/>
-              </a:spcBef>
-              <a:spcAft>
-                <a:spcPts val="0"/>
-              </a:spcAft>
-              <a:defRPr/>
-            </a:lvl5pPr>
-          </a:lstStyle>
+          <a:lstStyle/>
           <a:p>
             <a:pPr lvl="0"/>
             <a:r>
-              <a:rPr lang="de-DE" dirty="0"/>
+              <a:rPr lang="de-DE"/>
               <a:t>Mastertextformat bearbeiten</a:t>
             </a:r>
           </a:p>
           <a:p>
             <a:pPr lvl="1"/>
             <a:r>
-              <a:rPr lang="de-DE" dirty="0"/>
+              <a:rPr lang="de-DE"/>
               <a:t>Zweite Ebene</a:t>
             </a:r>
           </a:p>
           <a:p>
             <a:pPr lvl="2"/>
             <a:r>
-              <a:rPr lang="de-DE" dirty="0"/>
+              <a:rPr lang="de-DE"/>
               <a:t>Dritte Ebene</a:t>
             </a:r>
           </a:p>
           <a:p>
             <a:pPr lvl="3"/>
             <a:r>
-              <a:rPr lang="de-DE" dirty="0"/>
+              <a:rPr lang="de-DE"/>
               <a:t>Vierte Ebene</a:t>
             </a:r>
           </a:p>
           <a:p>
             <a:pPr lvl="4"/>
             <a:r>
-              <a:rPr lang="de-DE" dirty="0"/>
+              <a:rPr lang="de-DE"/>
               <a:t>Fünfte Ebene</a:t>
             </a:r>
+            <a:endParaRPr lang="de-DE" dirty="0"/>
           </a:p>
         </p:txBody>
       </p:sp>
     </p:spTree>
     <p:extLst>
       <p:ext uri="{BB962C8B-B14F-4D97-AF65-F5344CB8AC3E}">
-        <p14:creationId xmlns:p14="http://schemas.microsoft.com/office/powerpoint/2010/main" val="3028396463"/>
+        <p14:creationId xmlns:p14="http://schemas.microsoft.com/office/powerpoint/2010/main" val="389969457"/>
+      </p:ext>
+    </p:extLst>
+  </p:cSld>
+  <p:clrMapOvr>
+    <a:masterClrMapping/>
+  </p:clrMapOvr>
+</p:sldLayout>
+</file>
+
+<file path=ppt/slideLayouts/slideLayout5.xml><?xml version="1.0" encoding="utf-8"?>
+<p:sldLayout xmlns:a="http://schemas.openxmlformats.org/drawingml/2006/main" xmlns:r="http://schemas.openxmlformats.org/officeDocument/2006/relationships" xmlns:p="http://schemas.openxmlformats.org/presentationml/2006/main" type="secHead">
+  <p:cSld name="Abschnittsüberschrift">
+    <p:spTree>
+      <p:nvGrpSpPr>
+        <p:cNvPr id="1" name=""/>
+        <p:cNvGrpSpPr/>
+        <p:nvPr/>
+      </p:nvGrpSpPr>
+      <p:grpSpPr>
+        <a:xfrm>
+          <a:off x="0" y="0"/>
+          <a:ext cx="0" cy="0"/>
+          <a:chOff x="0" y="0"/>
+          <a:chExt cx="0" cy="0"/>
+        </a:xfrm>
+      </p:grpSpPr>
+      <p:sp>
+        <p:nvSpPr>
+          <p:cNvPr id="2" name="Titel 1"/>
+          <p:cNvSpPr>
+            <a:spLocks noGrp="1"/>
+          </p:cNvSpPr>
+          <p:nvPr>
+            <p:ph type="title"/>
+          </p:nvPr>
+        </p:nvSpPr>
+        <p:spPr>
+          <a:xfrm>
+            <a:off x="722313" y="4406900"/>
+            <a:ext cx="7772400" cy="1362075"/>
+          </a:xfrm>
+        </p:spPr>
+        <p:txBody>
+          <a:bodyPr anchor="t"/>
+          <a:lstStyle>
+            <a:lvl1pPr algn="l">
+              <a:defRPr sz="4000" b="1" cap="all"/>
+            </a:lvl1pPr>
+          </a:lstStyle>
+          <a:p>
+            <a:r>
+              <a:rPr lang="de-DE" dirty="0"/>
+              <a:t>Titelmasterformat durch Klicken bearbeiten</a:t>
+            </a:r>
+          </a:p>
+        </p:txBody>
+      </p:sp>
+      <p:sp>
+        <p:nvSpPr>
+          <p:cNvPr id="3" name="Textplatzhalter 2"/>
+          <p:cNvSpPr>
+            <a:spLocks noGrp="1"/>
+          </p:cNvSpPr>
+          <p:nvPr>
+            <p:ph type="body" idx="1"/>
+          </p:nvPr>
+        </p:nvSpPr>
+        <p:spPr>
+          <a:xfrm>
+            <a:off x="722313" y="2906713"/>
+            <a:ext cx="7772400" cy="1500187"/>
+          </a:xfrm>
+        </p:spPr>
+        <p:txBody>
+          <a:bodyPr anchor="b"/>
+          <a:lstStyle>
+            <a:lvl1pPr marL="0" indent="0">
+              <a:buNone/>
+              <a:defRPr sz="2000"/>
+            </a:lvl1pPr>
+            <a:lvl2pPr marL="457200" indent="0">
+              <a:buNone/>
+              <a:defRPr sz="1800"/>
+            </a:lvl2pPr>
+            <a:lvl3pPr marL="914400" indent="0">
+              <a:buNone/>
+              <a:defRPr sz="1600"/>
+            </a:lvl3pPr>
+            <a:lvl4pPr marL="1371600" indent="0">
+              <a:buNone/>
+              <a:defRPr sz="1400"/>
+            </a:lvl4pPr>
+            <a:lvl5pPr marL="1828800" indent="0">
+              <a:buNone/>
+              <a:defRPr sz="1400"/>
+            </a:lvl5pPr>
+            <a:lvl6pPr marL="2286000" indent="0">
+              <a:buNone/>
+              <a:defRPr sz="1400"/>
+            </a:lvl6pPr>
+            <a:lvl7pPr marL="2743200" indent="0">
+              <a:buNone/>
+              <a:defRPr sz="1400"/>
+            </a:lvl7pPr>
+            <a:lvl8pPr marL="3200400" indent="0">
+              <a:buNone/>
+              <a:defRPr sz="1400"/>
+            </a:lvl8pPr>
+            <a:lvl9pPr marL="3657600" indent="0">
+              <a:buNone/>
+              <a:defRPr sz="1400"/>
+            </a:lvl9pPr>
+          </a:lstStyle>
+          <a:p>
+            <a:pPr lvl="0"/>
+            <a:r>
+              <a:rPr lang="de-DE"/>
+              <a:t>Textmasterformate durch Klicken bearbeiten</a:t>
+            </a:r>
+          </a:p>
+        </p:txBody>
+      </p:sp>
+    </p:spTree>
+    <p:extLst>
+      <p:ext uri="{BB962C8B-B14F-4D97-AF65-F5344CB8AC3E}">
+        <p14:creationId xmlns:p14="http://schemas.microsoft.com/office/powerpoint/2010/main" val="555999082"/>
       </p:ext>
     </p:extLst>
   </p:cSld>
@@ -1789,7 +1688,7 @@
               <a:pPr algn="ctr">
                 <a:defRPr/>
               </a:pPr>
-              <a:t>26.05.2024</a:t>
+              <a:t>06.06.2024</a:t>
             </a:fld>
             <a:endParaRPr lang="de-DE" sz="1000" dirty="0">
               <a:solidFill>
@@ -2227,7 +2126,7 @@
       <p:sp>
         <p:nvSpPr>
           <p:cNvPr id="1063" name="Rectangle 39">
-            <a:hlinkClick r:id="rId3"/>
+            <a:hlinkClick r:id="rId4"/>
             <a:extLst>
               <a:ext uri="{FF2B5EF4-FFF2-40B4-BE49-F238E27FC236}">
                 <a16:creationId xmlns:a16="http://schemas.microsoft.com/office/drawing/2014/main" id="{613611E0-DAA0-F230-CD0B-8592F1472163}"/>
@@ -2478,7 +2377,7 @@
           <p:nvPr userDrawn="1"/>
         </p:nvPicPr>
         <p:blipFill>
-          <a:blip r:embed="rId4">
+          <a:blip r:embed="rId5">
             <a:extLst>
               <a:ext uri="{28A0092B-C50C-407E-A947-70E740481C1C}">
                 <a14:useLocalDpi xmlns:a14="http://schemas.microsoft.com/office/drawing/2010/main" val="0"/>
@@ -2538,7 +2437,7 @@
           <p:nvPr userDrawn="1"/>
         </p:nvPicPr>
         <p:blipFill>
-          <a:blip r:embed="rId5">
+          <a:blip r:embed="rId6">
             <a:extLst>
               <a:ext uri="{28A0092B-C50C-407E-A947-70E740481C1C}">
                 <a14:useLocalDpi xmlns:a14="http://schemas.microsoft.com/office/drawing/2010/main" val="0"/>
@@ -2652,6 +2551,7 @@
   <p:clrMap bg1="lt1" tx1="dk1" bg2="lt2" tx2="dk2" accent1="accent1" accent2="accent2" accent3="accent3" accent4="accent4" accent5="accent5" accent6="accent6" hlink="hlink" folHlink="folHlink"/>
   <p:sldLayoutIdLst>
     <p:sldLayoutId id="2147483895" r:id="rId1"/>
+    <p:sldLayoutId id="2147483902" r:id="rId2"/>
   </p:sldLayoutIdLst>
   <p:txStyles>
     <p:titleStyle>
@@ -3895,9 +3795,9 @@
               <a:pPr algn="ctr">
                 <a:defRPr/>
               </a:pPr>
-              <a:t>26.05.2024</a:t>
+              <a:t>06.06.2024</a:t>
             </a:fld>
-            <a:endParaRPr lang="de-DE" sz="1000" dirty="0">
+            <a:endParaRPr lang="de-DE" sz="1000">
               <a:solidFill>
                 <a:schemeClr val="bg1"/>
               </a:solidFill>
@@ -4051,7 +3951,7 @@
               <a:pPr algn="r"/>
               <a:t>‹Nr.›</a:t>
             </a:fld>
-            <a:endParaRPr lang="de-DE" altLang="de-DE" sz="1000" dirty="0">
+            <a:endParaRPr lang="de-DE" altLang="de-DE" sz="1000">
               <a:solidFill>
                 <a:schemeClr val="bg1"/>
               </a:solidFill>
@@ -4146,7 +4046,7 @@
           <a:p>
             <a:pPr lvl="4"/>
             <a:r>
-              <a:rPr lang="de-DE" altLang="de-DE" dirty="0"/>
+              <a:rPr lang="de-DE" altLang="de-DE"/>
               <a:t>Fünfte Ebene</a:t>
             </a:r>
           </a:p>
@@ -4280,7 +4180,7 @@
         <p:spPr bwMode="auto">
           <a:xfrm>
             <a:off x="4252913" y="6424613"/>
-            <a:ext cx="1163637" cy="246062"/>
+            <a:ext cx="1891865" cy="246221"/>
           </a:xfrm>
           <a:prstGeom prst="rect">
             <a:avLst/>
@@ -4310,16 +4210,7 @@
                 </a:solidFill>
                 <a:latin typeface="Arial" charset="0"/>
               </a:rPr>
-              <a:t>&lt;Dateiname&gt;.</a:t>
-            </a:r>
-            <a:r>
-              <a:rPr lang="de-DE" sz="1000" dirty="0" err="1">
-                <a:solidFill>
-                  <a:schemeClr val="bg1"/>
-                </a:solidFill>
-                <a:latin typeface="Arial" charset="0"/>
-              </a:rPr>
-              <a:t>ppt</a:t>
+              <a:t>Tag-3_2_1-GitLab-Runner.ppt</a:t>
             </a:r>
             <a:endParaRPr lang="de-DE" dirty="0">
               <a:solidFill>
@@ -4333,7 +4224,7 @@
       <p:sp>
         <p:nvSpPr>
           <p:cNvPr id="1063" name="Rectangle 39">
-            <a:hlinkClick r:id="rId3"/>
+            <a:hlinkClick r:id="rId4"/>
             <a:extLst>
               <a:ext uri="{FF2B5EF4-FFF2-40B4-BE49-F238E27FC236}">
                 <a16:creationId xmlns:a16="http://schemas.microsoft.com/office/drawing/2014/main" id="{613611E0-DAA0-F230-CD0B-8592F1472163}"/>
@@ -4584,7 +4475,7 @@
           <p:nvPr userDrawn="1"/>
         </p:nvPicPr>
         <p:blipFill>
-          <a:blip r:embed="rId4">
+          <a:blip r:embed="rId5">
             <a:extLst>
               <a:ext uri="{28A0092B-C50C-407E-A947-70E740481C1C}">
                 <a14:useLocalDpi xmlns:a14="http://schemas.microsoft.com/office/drawing/2010/main" val="0"/>
@@ -4644,7 +4535,7 @@
           <p:nvPr userDrawn="1"/>
         </p:nvPicPr>
         <p:blipFill>
-          <a:blip r:embed="rId5">
+          <a:blip r:embed="rId6">
             <a:extLst>
               <a:ext uri="{28A0092B-C50C-407E-A947-70E740481C1C}">
                 <a14:useLocalDpi xmlns:a14="http://schemas.microsoft.com/office/drawing/2010/main" val="0"/>
@@ -4756,13 +4647,14 @@
     </p:spTree>
     <p:extLst>
       <p:ext uri="{BB962C8B-B14F-4D97-AF65-F5344CB8AC3E}">
-        <p14:creationId xmlns:p14="http://schemas.microsoft.com/office/powerpoint/2010/main" val="160863298"/>
+        <p14:creationId xmlns:p14="http://schemas.microsoft.com/office/powerpoint/2010/main" val="3281233229"/>
       </p:ext>
     </p:extLst>
   </p:cSld>
   <p:clrMap bg1="lt1" tx1="dk1" bg2="lt2" tx2="dk2" accent1="accent1" accent2="accent2" accent3="accent3" accent4="accent4" accent5="accent5" accent6="accent6" hlink="hlink" folHlink="folHlink"/>
   <p:sldLayoutIdLst>
-    <p:sldLayoutId id="2147483898" r:id="rId1"/>
+    <p:sldLayoutId id="2147483900" r:id="rId1"/>
+    <p:sldLayoutId id="2147483901" r:id="rId2"/>
   </p:sldLayoutIdLst>
   <p:txStyles>
     <p:titleStyle>
@@ -4921,8 +4813,8 @@
         <a:buClr>
           <a:srgbClr val="008C5A"/>
         </a:buClr>
-        <a:buFont typeface="Arial" panose="020B0604020202020204" pitchFamily="34" charset="0"/>
-        <a:buChar char="•"/>
+        <a:buFont typeface="Monotype Sorts" pitchFamily="2" charset="2"/>
+        <a:buChar char="l"/>
         <a:defRPr sz="2400">
           <a:solidFill>
             <a:schemeClr val="tx1"/>
@@ -4942,8 +4834,8 @@
         <a:buClr>
           <a:srgbClr val="008C5A"/>
         </a:buClr>
-        <a:buFont typeface="Arial" panose="020B0604020202020204" pitchFamily="34" charset="0"/>
-        <a:buChar char="•"/>
+        <a:buFont typeface="Monotype Sorts" pitchFamily="2" charset="2"/>
+        <a:buChar char="l"/>
         <a:defRPr sz="2000">
           <a:solidFill>
             <a:schemeClr val="tx1"/>
@@ -4961,9 +4853,9 @@
         <a:buClr>
           <a:srgbClr val="008C5A"/>
         </a:buClr>
-        <a:buFont typeface="Arial" panose="020B0604020202020204" pitchFamily="34" charset="0"/>
-        <a:buChar char="•"/>
-        <a:defRPr sz="1600">
+        <a:buFont typeface="Monotype Sorts" pitchFamily="2" charset="2"/>
+        <a:buChar char="l"/>
+        <a:defRPr sz="2400">
           <a:solidFill>
             <a:schemeClr val="tx1"/>
           </a:solidFill>
@@ -4980,8 +4872,8 @@
         <a:buClr>
           <a:srgbClr val="008C5A"/>
         </a:buClr>
-        <a:buFont typeface="Arial" panose="020B0604020202020204" pitchFamily="34" charset="0"/>
-        <a:buChar char="•"/>
+        <a:buFont typeface="Monotype Sorts" pitchFamily="2" charset="2"/>
+        <a:buChar char="l"/>
         <a:defRPr sz="1600">
           <a:solidFill>
             <a:schemeClr val="tx1"/>
@@ -4999,8 +4891,8 @@
         <a:buClr>
           <a:srgbClr val="008C5A"/>
         </a:buClr>
-        <a:buFont typeface="Arial" panose="020B0604020202020204" pitchFamily="34" charset="0"/>
-        <a:buChar char="•"/>
+        <a:buFont typeface="Monotype Sorts" pitchFamily="2" charset="2"/>
+        <a:buChar char="l"/>
         <a:defRPr sz="1600">
           <a:solidFill>
             <a:schemeClr val="tx1"/>
@@ -5535,168 +5427,41 @@
           <a:lstStyle/>
           <a:p>
             <a:pPr marL="400050">
-              <a:spcBef>
-                <a:spcPts val="600"/>
-              </a:spcBef>
               <a:spcAft>
                 <a:spcPts val="300"/>
               </a:spcAft>
             </a:pPr>
             <a:r>
-              <a:rPr lang="de-DE" altLang="de-DE" dirty="0"/>
-              <a:t>Einem lokalen Branch einen Remote Upstream hinzufügen </a:t>
-            </a:r>
-          </a:p>
-          <a:p>
-            <a:pPr marL="57150" indent="0">
-              <a:spcBef>
-                <a:spcPts val="600"/>
-              </a:spcBef>
-              <a:spcAft>
-                <a:spcPts val="300"/>
-              </a:spcAft>
-              <a:buNone/>
-            </a:pPr>
-            <a:r>
-              <a:rPr lang="de-DE" altLang="de-DE" dirty="0"/>
-              <a:t>	</a:t>
-            </a:r>
-            <a:r>
-              <a:rPr lang="de-DE" altLang="de-DE" dirty="0" err="1">
-                <a:latin typeface="Consolas" panose="020B0609020204030204" pitchFamily="49" charset="0"/>
-              </a:rPr>
-              <a:t>git</a:t>
-            </a:r>
-            <a:r>
-              <a:rPr lang="de-DE" altLang="de-DE" dirty="0">
-                <a:latin typeface="Consolas" panose="020B0609020204030204" pitchFamily="49" charset="0"/>
-              </a:rPr>
+              <a:rPr lang="en-US" altLang="de-DE" dirty="0" err="1"/>
+              <a:t>Mergeverhalten</a:t>
+            </a:r>
+            <a:r>
+              <a:rPr lang="en-US" altLang="de-DE" dirty="0"/>
               <a:t> </a:t>
             </a:r>
             <a:r>
-              <a:rPr lang="de-DE" altLang="de-DE" dirty="0" err="1">
-                <a:latin typeface="Consolas" panose="020B0609020204030204" pitchFamily="49" charset="0"/>
-              </a:rPr>
-              <a:t>branch</a:t>
-            </a:r>
-            <a:r>
-              <a:rPr lang="de-DE" altLang="de-DE" dirty="0">
-                <a:latin typeface="Consolas" panose="020B0609020204030204" pitchFamily="49" charset="0"/>
-              </a:rPr>
-              <a:t> --set-</a:t>
-            </a:r>
-            <a:r>
-              <a:rPr lang="de-DE" altLang="de-DE" dirty="0" err="1">
-                <a:latin typeface="Consolas" panose="020B0609020204030204" pitchFamily="49" charset="0"/>
-              </a:rPr>
-              <a:t>upstream</a:t>
-            </a:r>
-            <a:r>
-              <a:rPr lang="de-DE" altLang="de-DE" dirty="0">
-                <a:latin typeface="Consolas" panose="020B0609020204030204" pitchFamily="49" charset="0"/>
-              </a:rPr>
-              <a:t> &lt;remote&gt; &lt;</a:t>
-            </a:r>
-            <a:r>
-              <a:rPr lang="de-DE" altLang="de-DE" dirty="0" err="1">
-                <a:latin typeface="Consolas" panose="020B0609020204030204" pitchFamily="49" charset="0"/>
-              </a:rPr>
-              <a:t>branch</a:t>
-            </a:r>
-            <a:r>
-              <a:rPr lang="de-DE" altLang="de-DE" dirty="0">
-                <a:latin typeface="Consolas" panose="020B0609020204030204" pitchFamily="49" charset="0"/>
-              </a:rPr>
-              <a:t>&gt;</a:t>
-            </a:r>
-          </a:p>
-          <a:p>
-            <a:pPr marL="400050">
-              <a:spcAft>
-                <a:spcPts val="300"/>
-              </a:spcAft>
-            </a:pPr>
-            <a:r>
-              <a:rPr lang="de-DE" altLang="de-DE" dirty="0">
-                <a:latin typeface="Consolas" panose="020B0609020204030204" pitchFamily="49" charset="0"/>
-              </a:rPr>
-              <a:t>&lt;</a:t>
-            </a:r>
-            <a:r>
-              <a:rPr lang="de-DE" altLang="de-DE" dirty="0" err="1">
-                <a:latin typeface="Consolas" panose="020B0609020204030204" pitchFamily="49" charset="0"/>
-              </a:rPr>
-              <a:t>branch</a:t>
-            </a:r>
-            <a:r>
-              <a:rPr lang="de-DE" altLang="de-DE" dirty="0">
-                <a:latin typeface="Consolas" panose="020B0609020204030204" pitchFamily="49" charset="0"/>
-              </a:rPr>
-              <a:t>&gt; </a:t>
-            </a:r>
-            <a:r>
-              <a:rPr lang="de-DE" altLang="de-DE" dirty="0"/>
-              <a:t>ist optional und kann bei gleicher Benennung weggelassen werden</a:t>
-            </a:r>
-          </a:p>
-          <a:p>
-            <a:pPr marL="400050">
-              <a:spcAft>
-                <a:spcPts val="300"/>
-              </a:spcAft>
-            </a:pPr>
-            <a:r>
-              <a:rPr lang="de-DE" altLang="de-DE" dirty="0"/>
-              <a:t>Verknüpft lokalen Branch mit Remote Branch und ermöglicht </a:t>
-            </a:r>
-            <a:r>
-              <a:rPr lang="de-DE" altLang="de-DE" dirty="0" err="1">
-                <a:latin typeface="Consolas" panose="020B0609020204030204" pitchFamily="49" charset="0"/>
-              </a:rPr>
-              <a:t>fetch</a:t>
-            </a:r>
-            <a:r>
-              <a:rPr lang="de-DE" altLang="de-DE" dirty="0"/>
-              <a:t>, </a:t>
-            </a:r>
-            <a:r>
-              <a:rPr lang="de-DE" altLang="de-DE" dirty="0">
-                <a:latin typeface="Consolas" panose="020B0609020204030204" pitchFamily="49" charset="0"/>
-              </a:rPr>
-              <a:t>pull</a:t>
-            </a:r>
-            <a:r>
-              <a:rPr lang="de-DE" altLang="de-DE" dirty="0"/>
-              <a:t> und </a:t>
-            </a:r>
-            <a:r>
-              <a:rPr lang="de-DE" altLang="de-DE" dirty="0">
-                <a:latin typeface="Consolas" panose="020B0609020204030204" pitchFamily="49" charset="0"/>
-              </a:rPr>
-              <a:t>push</a:t>
-            </a:r>
-            <a:r>
-              <a:rPr lang="de-DE" altLang="de-DE" dirty="0"/>
-              <a:t> Operationen</a:t>
-            </a:r>
-          </a:p>
-          <a:p>
-            <a:pPr marL="400050">
-              <a:spcAft>
-                <a:spcPts val="300"/>
-              </a:spcAft>
-            </a:pPr>
-            <a:r>
-              <a:rPr lang="de-DE" altLang="de-DE" dirty="0"/>
-              <a:t>Ein lokaler Branch lässt sich mit </a:t>
-            </a:r>
-            <a:r>
-              <a:rPr lang="de-DE" altLang="de-DE" dirty="0" err="1"/>
-              <a:t>reset</a:t>
-            </a:r>
-            <a:r>
-              <a:rPr lang="de-DE" altLang="de-DE" dirty="0"/>
-              <a:t> auf den Remote Branch zurücksetzen</a:t>
+              <a:rPr lang="en-US" altLang="de-DE" dirty="0" err="1"/>
+              <a:t>kann</a:t>
+            </a:r>
+            <a:r>
+              <a:rPr lang="en-US" altLang="de-DE" dirty="0"/>
+              <a:t> </a:t>
+            </a:r>
+            <a:r>
+              <a:rPr lang="en-US" altLang="de-DE" dirty="0" err="1"/>
+              <a:t>ebenfalls</a:t>
+            </a:r>
+            <a:r>
+              <a:rPr lang="en-US" altLang="de-DE" dirty="0"/>
+              <a:t> </a:t>
+            </a:r>
+            <a:r>
+              <a:rPr lang="en-US" altLang="de-DE" dirty="0" err="1"/>
+              <a:t>konfiguriert</a:t>
+            </a:r>
+            <a:r>
+              <a:rPr lang="en-US" altLang="de-DE" dirty="0"/>
+              <a:t> warden</a:t>
             </a:r>
           </a:p>
           <a:p>
@@ -5707,57 +5472,198 @@
               <a:buNone/>
             </a:pPr>
             <a:r>
-              <a:rPr lang="de-DE" altLang="de-DE" dirty="0"/>
-              <a:t>	</a:t>
-            </a:r>
-            <a:r>
-              <a:rPr lang="de-DE" altLang="de-DE" dirty="0" err="1">
-                <a:latin typeface="Consolas" panose="020B0609020204030204" pitchFamily="49" charset="0"/>
-              </a:rPr>
-              <a:t>git</a:t>
-            </a:r>
-            <a:r>
-              <a:rPr lang="de-DE" altLang="de-DE" dirty="0">
-                <a:latin typeface="Consolas" panose="020B0609020204030204" pitchFamily="49" charset="0"/>
-              </a:rPr>
+              <a:rPr lang="en-US" altLang="de-DE" dirty="0"/>
+              <a:t>	git config --global </a:t>
+            </a:r>
+            <a:r>
+              <a:rPr lang="en-US" altLang="de-DE" dirty="0" err="1"/>
+              <a:t>pull.ff</a:t>
+            </a:r>
+            <a:r>
+              <a:rPr lang="en-US" altLang="de-DE" dirty="0"/>
+              <a:t> [ true | only | false ]</a:t>
+            </a:r>
+          </a:p>
+          <a:p>
+            <a:pPr lvl="1">
+              <a:spcAft>
+                <a:spcPts val="300"/>
+              </a:spcAft>
+            </a:pPr>
+            <a:r>
+              <a:rPr lang="en-US" altLang="de-DE" b="1" dirty="0"/>
+              <a:t>true</a:t>
+            </a:r>
+            <a:r>
+              <a:rPr lang="en-US" altLang="de-DE" dirty="0"/>
+              <a:t> (Default) </a:t>
+            </a:r>
+            <a:br>
+              <a:rPr lang="en-US" altLang="de-DE" dirty="0"/>
+            </a:br>
+            <a:r>
+              <a:rPr lang="en-US" altLang="de-DE" dirty="0" err="1"/>
+              <a:t>Versucht</a:t>
+            </a:r>
+            <a:r>
+              <a:rPr lang="en-US" altLang="de-DE" dirty="0"/>
               <a:t> </a:t>
             </a:r>
             <a:r>
-              <a:rPr lang="de-DE" altLang="de-DE" dirty="0" err="1">
-                <a:latin typeface="Consolas" panose="020B0609020204030204" pitchFamily="49" charset="0"/>
-              </a:rPr>
-              <a:t>reset</a:t>
-            </a:r>
-            <a:r>
-              <a:rPr lang="de-DE" altLang="de-DE" dirty="0">
-                <a:latin typeface="Consolas" panose="020B0609020204030204" pitchFamily="49" charset="0"/>
-              </a:rPr>
-              <a:t> --</a:t>
-            </a:r>
-            <a:r>
-              <a:rPr lang="de-DE" altLang="de-DE" dirty="0" err="1">
-                <a:latin typeface="Consolas" panose="020B0609020204030204" pitchFamily="49" charset="0"/>
-              </a:rPr>
-              <a:t>hard</a:t>
-            </a:r>
-            <a:r>
-              <a:rPr lang="de-DE" altLang="de-DE" dirty="0">
-                <a:latin typeface="Consolas" panose="020B0609020204030204" pitchFamily="49" charset="0"/>
-              </a:rPr>
-              <a:t> &lt;remote&gt;/&lt;remote-</a:t>
-            </a:r>
-            <a:r>
-              <a:rPr lang="de-DE" altLang="de-DE" dirty="0" err="1">
-                <a:latin typeface="Consolas" panose="020B0609020204030204" pitchFamily="49" charset="0"/>
-              </a:rPr>
-              <a:t>branch</a:t>
-            </a:r>
-            <a:r>
-              <a:rPr lang="de-DE" altLang="de-DE" dirty="0">
-                <a:latin typeface="Consolas" panose="020B0609020204030204" pitchFamily="49" charset="0"/>
-              </a:rPr>
-              <a:t>&gt;</a:t>
-            </a:r>
+              <a:rPr lang="en-US" altLang="de-DE" dirty="0" err="1"/>
+              <a:t>beim</a:t>
+            </a:r>
+            <a:r>
+              <a:rPr lang="en-US" altLang="de-DE" dirty="0"/>
+              <a:t> Pull </a:t>
+            </a:r>
+            <a:r>
+              <a:rPr lang="en-US" altLang="de-DE" dirty="0" err="1"/>
+              <a:t>ein</a:t>
+            </a:r>
+            <a:r>
+              <a:rPr lang="en-US" altLang="de-DE" dirty="0"/>
+              <a:t> Fast-Forward Merge </a:t>
+            </a:r>
+            <a:r>
+              <a:rPr lang="en-US" altLang="de-DE" dirty="0" err="1"/>
+              <a:t>durchzuführen</a:t>
+            </a:r>
+            <a:r>
+              <a:rPr lang="en-US" altLang="de-DE" dirty="0"/>
+              <a:t>. Falls </a:t>
+            </a:r>
+            <a:r>
+              <a:rPr lang="en-US" altLang="de-DE" dirty="0" err="1"/>
+              <a:t>nicht</a:t>
+            </a:r>
+            <a:r>
+              <a:rPr lang="en-US" altLang="de-DE" dirty="0"/>
+              <a:t> </a:t>
+            </a:r>
+            <a:r>
+              <a:rPr lang="en-US" altLang="de-DE" dirty="0" err="1"/>
+              <a:t>möglich</a:t>
+            </a:r>
+            <a:r>
+              <a:rPr lang="en-US" altLang="de-DE" dirty="0"/>
+              <a:t>, </a:t>
+            </a:r>
+            <a:r>
+              <a:rPr lang="en-US" altLang="de-DE" dirty="0" err="1"/>
+              <a:t>wird</a:t>
+            </a:r>
+            <a:r>
+              <a:rPr lang="en-US" altLang="de-DE" dirty="0"/>
+              <a:t> </a:t>
+            </a:r>
+            <a:r>
+              <a:rPr lang="en-US" altLang="de-DE" dirty="0" err="1"/>
+              <a:t>ein</a:t>
+            </a:r>
+            <a:r>
+              <a:rPr lang="en-US" altLang="de-DE" dirty="0"/>
+              <a:t> Merge-Commit </a:t>
+            </a:r>
+            <a:r>
+              <a:rPr lang="en-US" altLang="de-DE" dirty="0" err="1"/>
+              <a:t>erstellt</a:t>
+            </a:r>
+            <a:endParaRPr lang="en-US" altLang="de-DE" dirty="0"/>
+          </a:p>
+          <a:p>
+            <a:pPr lvl="1">
+              <a:spcAft>
+                <a:spcPts val="300"/>
+              </a:spcAft>
+            </a:pPr>
+            <a:r>
+              <a:rPr lang="en-US" altLang="de-DE" b="1" dirty="0"/>
+              <a:t>false </a:t>
+            </a:r>
+            <a:br>
+              <a:rPr lang="en-US" altLang="de-DE" dirty="0"/>
+            </a:br>
+            <a:r>
+              <a:rPr lang="en-US" altLang="de-DE" dirty="0"/>
+              <a:t>Kein FF, Merge-Commit </a:t>
+            </a:r>
+            <a:r>
+              <a:rPr lang="en-US" altLang="de-DE" dirty="0" err="1"/>
+              <a:t>wird</a:t>
+            </a:r>
+            <a:r>
+              <a:rPr lang="en-US" altLang="de-DE" dirty="0"/>
+              <a:t> </a:t>
+            </a:r>
+            <a:r>
+              <a:rPr lang="en-US" altLang="de-DE" dirty="0" err="1"/>
+              <a:t>immer</a:t>
+            </a:r>
+            <a:r>
+              <a:rPr lang="en-US" altLang="de-DE" dirty="0"/>
+              <a:t> </a:t>
+            </a:r>
+            <a:r>
+              <a:rPr lang="en-US" altLang="de-DE" dirty="0" err="1"/>
+              <a:t>erstellt</a:t>
+            </a:r>
+            <a:endParaRPr lang="en-US" altLang="de-DE" dirty="0"/>
+          </a:p>
+          <a:p>
+            <a:pPr lvl="1">
+              <a:spcAft>
+                <a:spcPts val="300"/>
+              </a:spcAft>
+            </a:pPr>
+            <a:r>
+              <a:rPr lang="en-US" altLang="de-DE" b="1" dirty="0"/>
+              <a:t>only</a:t>
+            </a:r>
+            <a:br>
+              <a:rPr lang="en-US" altLang="de-DE" dirty="0"/>
+            </a:br>
+            <a:r>
+              <a:rPr lang="en-US" altLang="de-DE" dirty="0"/>
+              <a:t>Nur FF, </a:t>
+            </a:r>
+            <a:r>
+              <a:rPr lang="en-US" altLang="de-DE" dirty="0" err="1"/>
+              <a:t>wenn</a:t>
+            </a:r>
+            <a:r>
+              <a:rPr lang="en-US" altLang="de-DE" dirty="0"/>
+              <a:t> </a:t>
+            </a:r>
+            <a:r>
+              <a:rPr lang="en-US" altLang="de-DE" dirty="0" err="1"/>
+              <a:t>nicht</a:t>
+            </a:r>
+            <a:r>
+              <a:rPr lang="en-US" altLang="de-DE" dirty="0"/>
+              <a:t> </a:t>
+            </a:r>
+            <a:r>
+              <a:rPr lang="en-US" altLang="de-DE" dirty="0" err="1"/>
+              <a:t>möglich</a:t>
+            </a:r>
+            <a:r>
+              <a:rPr lang="en-US" altLang="de-DE" dirty="0"/>
+              <a:t> </a:t>
+            </a:r>
+            <a:r>
+              <a:rPr lang="en-US" altLang="de-DE" dirty="0" err="1"/>
+              <a:t>wird</a:t>
+            </a:r>
+            <a:r>
+              <a:rPr lang="en-US" altLang="de-DE" dirty="0"/>
+              <a:t> pull </a:t>
+            </a:r>
+            <a:r>
+              <a:rPr lang="en-US" altLang="de-DE" dirty="0" err="1"/>
+              <a:t>abgebrochen</a:t>
+            </a:r>
+            <a:endParaRPr lang="en-US" altLang="de-DE" dirty="0"/>
           </a:p>
         </p:txBody>
       </p:sp>
@@ -5789,7 +5695,7 @@
           <a:p>
             <a:r>
               <a:rPr lang="de-DE" altLang="de-DE" dirty="0"/>
-              <a:t>Remote Branch</a:t>
+              <a:t>Remote Repository</a:t>
             </a:r>
           </a:p>
         </p:txBody>
@@ -5797,7 +5703,7 @@
     </p:spTree>
     <p:extLst>
       <p:ext uri="{BB962C8B-B14F-4D97-AF65-F5344CB8AC3E}">
-        <p14:creationId xmlns:p14="http://schemas.microsoft.com/office/powerpoint/2010/main" val="218934106"/>
+        <p14:creationId xmlns:p14="http://schemas.microsoft.com/office/powerpoint/2010/main" val="281920756"/>
       </p:ext>
     </p:extLst>
   </p:cSld>
@@ -5850,20 +5756,6 @@
           <a:bodyPr/>
           <a:lstStyle/>
           <a:p>
-            <a:pPr marL="400050">
-              <a:spcBef>
-                <a:spcPts val="600"/>
-              </a:spcBef>
-              <a:spcAft>
-                <a:spcPts val="300"/>
-              </a:spcAft>
-            </a:pPr>
-            <a:r>
-              <a:rPr lang="de-DE" altLang="de-DE" dirty="0"/>
-              <a:t>Lokale Änderungen ins Remote Repository übertragen</a:t>
-            </a:r>
-          </a:p>
-          <a:p>
             <a:pPr marL="57150" indent="0">
               <a:spcBef>
                 <a:spcPts val="600"/>
@@ -5874,22 +5766,73 @@
               <a:buNone/>
             </a:pPr>
             <a:r>
+              <a:rPr lang="de-DE" altLang="de-DE" b="1" dirty="0"/>
+              <a:t>Remote Branch</a:t>
+            </a:r>
+          </a:p>
+          <a:p>
+            <a:pPr marL="400050">
+              <a:spcBef>
+                <a:spcPts val="600"/>
+              </a:spcBef>
+              <a:spcAft>
+                <a:spcPts val="300"/>
+              </a:spcAft>
+            </a:pPr>
+            <a:r>
+              <a:rPr lang="de-DE" altLang="de-DE" dirty="0"/>
+              <a:t>Einem lokalen Branch einen Remote Upstream hinzufügen </a:t>
+            </a:r>
+          </a:p>
+          <a:p>
+            <a:pPr marL="57150" indent="0">
+              <a:spcBef>
+                <a:spcPts val="600"/>
+              </a:spcBef>
+              <a:spcAft>
+                <a:spcPts val="300"/>
+              </a:spcAft>
+              <a:buNone/>
+            </a:pPr>
+            <a:r>
+              <a:rPr lang="de-DE" altLang="de-DE" dirty="0"/>
+              <a:t>	</a:t>
+            </a:r>
+            <a:r>
+              <a:rPr lang="de-DE" altLang="de-DE" dirty="0" err="1">
+                <a:latin typeface="Consolas" panose="020B0609020204030204" pitchFamily="49" charset="0"/>
+              </a:rPr>
+              <a:t>git</a:t>
+            </a:r>
+            <a:r>
               <a:rPr lang="de-DE" altLang="de-DE" dirty="0">
                 <a:latin typeface="Consolas" panose="020B0609020204030204" pitchFamily="49" charset="0"/>
               </a:rPr>
-              <a:t>	</a:t>
+              <a:t> </a:t>
             </a:r>
             <a:r>
               <a:rPr lang="de-DE" altLang="de-DE" dirty="0" err="1">
                 <a:latin typeface="Consolas" panose="020B0609020204030204" pitchFamily="49" charset="0"/>
               </a:rPr>
-              <a:t>git</a:t>
+              <a:t>branch</a:t>
             </a:r>
             <a:r>
               <a:rPr lang="de-DE" altLang="de-DE" dirty="0">
                 <a:latin typeface="Consolas" panose="020B0609020204030204" pitchFamily="49" charset="0"/>
               </a:rPr>
-              <a:t> push &lt;remote&gt; &lt;remote-</a:t>
+              <a:t> --set-</a:t>
+            </a:r>
+            <a:r>
+              <a:rPr lang="de-DE" altLang="de-DE" dirty="0" err="1">
+                <a:latin typeface="Consolas" panose="020B0609020204030204" pitchFamily="49" charset="0"/>
+              </a:rPr>
+              <a:t>upstream</a:t>
+            </a:r>
+            <a:r>
+              <a:rPr lang="de-DE" altLang="de-DE" dirty="0">
+                <a:latin typeface="Consolas" panose="020B0609020204030204" pitchFamily="49" charset="0"/>
+              </a:rPr>
+              <a:t> &lt;remote&gt; &lt;</a:t>
             </a:r>
             <a:r>
               <a:rPr lang="de-DE" altLang="de-DE" dirty="0" err="1">
@@ -5911,16 +5854,26 @@
               </a:spcAft>
             </a:pPr>
             <a:r>
+              <a:rPr lang="de-DE" altLang="de-DE" dirty="0">
+                <a:latin typeface="Consolas" panose="020B0609020204030204" pitchFamily="49" charset="0"/>
+              </a:rPr>
+              <a:t>&lt;</a:t>
+            </a:r>
+            <a:r>
+              <a:rPr lang="de-DE" altLang="de-DE" dirty="0" err="1">
+                <a:latin typeface="Consolas" panose="020B0609020204030204" pitchFamily="49" charset="0"/>
+              </a:rPr>
+              <a:t>branch</a:t>
+            </a:r>
+            <a:r>
+              <a:rPr lang="de-DE" altLang="de-DE" dirty="0">
+                <a:latin typeface="Consolas" panose="020B0609020204030204" pitchFamily="49" charset="0"/>
+              </a:rPr>
+              <a:t>&gt; </a:t>
+            </a:r>
+            <a:r>
               <a:rPr lang="de-DE" altLang="de-DE" dirty="0"/>
-              <a:t>Ohne explizite Angabe von &lt;remote&gt; und &lt;remote-</a:t>
-            </a:r>
-            <a:r>
-              <a:rPr lang="de-DE" altLang="de-DE" dirty="0" err="1"/>
-              <a:t>branch</a:t>
-            </a:r>
-            <a:r>
-              <a:rPr lang="de-DE" altLang="de-DE" dirty="0"/>
-              <a:t>&gt; wird der konfigurierte Upstream genutzt</a:t>
+              <a:t>ist optional und kann bei gleicher Benennung weggelassen werden</a:t>
             </a:r>
           </a:p>
           <a:p>
@@ -5931,7 +5884,70 @@
             </a:pPr>
             <a:r>
               <a:rPr lang="de-DE" altLang="de-DE" dirty="0"/>
-              <a:t>Mittels -u kann auch beim push ein Upstream eingerichtet werden</a:t>
+              <a:t>Verknüpft lokalen Branch mit Remote Branch und ermöglicht </a:t>
+            </a:r>
+            <a:r>
+              <a:rPr lang="de-DE" altLang="de-DE" dirty="0" err="1">
+                <a:latin typeface="Consolas" panose="020B0609020204030204" pitchFamily="49" charset="0"/>
+              </a:rPr>
+              <a:t>fetch</a:t>
+            </a:r>
+            <a:r>
+              <a:rPr lang="de-DE" altLang="de-DE" dirty="0"/>
+              <a:t>, </a:t>
+            </a:r>
+            <a:r>
+              <a:rPr lang="de-DE" altLang="de-DE" dirty="0">
+                <a:latin typeface="Consolas" panose="020B0609020204030204" pitchFamily="49" charset="0"/>
+              </a:rPr>
+              <a:t>pull</a:t>
+            </a:r>
+            <a:r>
+              <a:rPr lang="de-DE" altLang="de-DE" dirty="0"/>
+              <a:t> und </a:t>
+            </a:r>
+            <a:r>
+              <a:rPr lang="de-DE" altLang="de-DE" dirty="0">
+                <a:latin typeface="Consolas" panose="020B0609020204030204" pitchFamily="49" charset="0"/>
+              </a:rPr>
+              <a:t>push</a:t>
+            </a:r>
+            <a:r>
+              <a:rPr lang="de-DE" altLang="de-DE" dirty="0"/>
+              <a:t> Operationen</a:t>
+            </a:r>
+          </a:p>
+          <a:p>
+            <a:pPr marL="400050">
+              <a:spcAft>
+                <a:spcPts val="300"/>
+              </a:spcAft>
+            </a:pPr>
+            <a:r>
+              <a:rPr lang="de-DE" altLang="de-DE" dirty="0"/>
+              <a:t>Ein lokaler Branch lässt sich mit </a:t>
+            </a:r>
+            <a:r>
+              <a:rPr lang="de-DE" altLang="de-DE" dirty="0" err="1">
+                <a:latin typeface="Consolas" panose="020B0609020204030204" pitchFamily="49" charset="0"/>
+              </a:rPr>
+              <a:t>git</a:t>
+            </a:r>
+            <a:r>
+              <a:rPr lang="de-DE" altLang="de-DE" dirty="0">
+                <a:latin typeface="Consolas" panose="020B0609020204030204" pitchFamily="49" charset="0"/>
+              </a:rPr>
+              <a:t> </a:t>
+            </a:r>
+            <a:r>
+              <a:rPr lang="de-DE" altLang="de-DE" dirty="0" err="1">
+                <a:latin typeface="Consolas" panose="020B0609020204030204" pitchFamily="49" charset="0"/>
+              </a:rPr>
+              <a:t>reset</a:t>
+            </a:r>
+            <a:r>
+              <a:rPr lang="de-DE" altLang="de-DE" dirty="0"/>
+              <a:t> auf den Remote Branch zurücksetzen</a:t>
             </a:r>
           </a:p>
           <a:p>
@@ -5946,153 +5962,53 @@
               <a:t>	</a:t>
             </a:r>
             <a:r>
-              <a:rPr lang="de-DE" altLang="de-DE" dirty="0" err="1"/>
+              <a:rPr lang="de-DE" altLang="de-DE" dirty="0" err="1">
+                <a:latin typeface="Consolas" panose="020B0609020204030204" pitchFamily="49" charset="0"/>
+              </a:rPr>
               <a:t>git</a:t>
             </a:r>
             <a:r>
-              <a:rPr lang="de-DE" altLang="de-DE" dirty="0"/>
-              <a:t> push -u &lt;remote&gt; &lt;remote-</a:t>
-            </a:r>
-            <a:r>
-              <a:rPr lang="de-DE" altLang="de-DE" dirty="0" err="1"/>
+              <a:rPr lang="de-DE" altLang="de-DE" dirty="0">
+                <a:latin typeface="Consolas" panose="020B0609020204030204" pitchFamily="49" charset="0"/>
+              </a:rPr>
+              <a:t> </a:t>
+            </a:r>
+            <a:r>
+              <a:rPr lang="de-DE" altLang="de-DE" dirty="0" err="1">
+                <a:latin typeface="Consolas" panose="020B0609020204030204" pitchFamily="49" charset="0"/>
+              </a:rPr>
+              <a:t>reset</a:t>
+            </a:r>
+            <a:r>
+              <a:rPr lang="de-DE" altLang="de-DE" dirty="0">
+                <a:latin typeface="Consolas" panose="020B0609020204030204" pitchFamily="49" charset="0"/>
+              </a:rPr>
+              <a:t> --</a:t>
+            </a:r>
+            <a:r>
+              <a:rPr lang="de-DE" altLang="de-DE" dirty="0" err="1">
+                <a:latin typeface="Consolas" panose="020B0609020204030204" pitchFamily="49" charset="0"/>
+              </a:rPr>
+              <a:t>hard</a:t>
+            </a:r>
+            <a:r>
+              <a:rPr lang="de-DE" altLang="de-DE" dirty="0">
+                <a:latin typeface="Consolas" panose="020B0609020204030204" pitchFamily="49" charset="0"/>
+              </a:rPr>
+              <a:t> &lt;remote&gt;/&lt;remote-</a:t>
+            </a:r>
+            <a:r>
+              <a:rPr lang="de-DE" altLang="de-DE" dirty="0" err="1">
+                <a:latin typeface="Consolas" panose="020B0609020204030204" pitchFamily="49" charset="0"/>
+              </a:rPr>
               <a:t>branch</a:t>
             </a:r>
             <a:r>
-              <a:rPr lang="de-DE" altLang="de-DE" dirty="0"/>
+              <a:rPr lang="de-DE" altLang="de-DE" dirty="0">
+                <a:latin typeface="Consolas" panose="020B0609020204030204" pitchFamily="49" charset="0"/>
+              </a:rPr>
               <a:t>&gt;</a:t>
             </a:r>
-          </a:p>
-          <a:p>
-            <a:pPr marL="800100" lvl="1">
-              <a:spcAft>
-                <a:spcPts val="300"/>
-              </a:spcAft>
-            </a:pPr>
-            <a:r>
-              <a:rPr lang="de-DE" altLang="de-DE" dirty="0"/>
-              <a:t>Kurzform für </a:t>
-            </a:r>
-            <a:r>
-              <a:rPr lang="de-DE" altLang="de-DE" dirty="0" err="1"/>
-              <a:t>git</a:t>
-            </a:r>
-            <a:r>
-              <a:rPr lang="de-DE" altLang="de-DE" dirty="0"/>
-              <a:t> </a:t>
-            </a:r>
-            <a:r>
-              <a:rPr lang="de-DE" altLang="de-DE" dirty="0" err="1"/>
-              <a:t>branch</a:t>
-            </a:r>
-            <a:r>
-              <a:rPr lang="de-DE" altLang="de-DE" dirty="0"/>
-              <a:t> --set-</a:t>
-            </a:r>
-            <a:r>
-              <a:rPr lang="de-DE" altLang="de-DE" dirty="0" err="1"/>
-              <a:t>upstream</a:t>
-            </a:r>
-            <a:r>
-              <a:rPr lang="de-DE" altLang="de-DE" dirty="0"/>
-              <a:t> und </a:t>
-            </a:r>
-            <a:r>
-              <a:rPr lang="de-DE" altLang="de-DE" dirty="0" err="1"/>
-              <a:t>git</a:t>
-            </a:r>
-            <a:r>
-              <a:rPr lang="de-DE" altLang="de-DE" dirty="0"/>
-              <a:t> push</a:t>
-            </a:r>
-          </a:p>
-          <a:p>
-            <a:pPr marL="800100" lvl="1">
-              <a:spcAft>
-                <a:spcPts val="300"/>
-              </a:spcAft>
-            </a:pPr>
-            <a:r>
-              <a:rPr lang="de-DE" altLang="de-DE" dirty="0"/>
-              <a:t>Üblich bei neuen </a:t>
-            </a:r>
-            <a:r>
-              <a:rPr lang="de-DE" altLang="de-DE" dirty="0" err="1"/>
-              <a:t>Branches</a:t>
-            </a:r>
-            <a:r>
-              <a:rPr lang="de-DE" altLang="de-DE" dirty="0"/>
-              <a:t>, die Remote noch nicht existieren</a:t>
-            </a:r>
-          </a:p>
-          <a:p>
-            <a:pPr marL="400050">
-              <a:spcAft>
-                <a:spcPts val="300"/>
-              </a:spcAft>
-            </a:pPr>
-            <a:r>
-              <a:rPr lang="de-DE" altLang="de-DE" dirty="0"/>
-              <a:t>--all ermöglicht pushen von allen </a:t>
-            </a:r>
-            <a:r>
-              <a:rPr lang="de-DE" altLang="de-DE" dirty="0" err="1"/>
-              <a:t>Branches</a:t>
-            </a:r>
-            <a:endParaRPr lang="de-DE" altLang="de-DE" dirty="0"/>
-          </a:p>
-          <a:p>
-            <a:pPr marL="400050">
-              <a:spcAft>
-                <a:spcPts val="300"/>
-              </a:spcAft>
-            </a:pPr>
-            <a:r>
-              <a:rPr lang="de-DE" altLang="de-DE" dirty="0"/>
-              <a:t>--tags </a:t>
-            </a:r>
-            <a:r>
-              <a:rPr lang="de-DE" altLang="de-DE" dirty="0" err="1"/>
-              <a:t>pushed</a:t>
-            </a:r>
-            <a:r>
-              <a:rPr lang="de-DE" altLang="de-DE" dirty="0"/>
-              <a:t> zusätzlich zu dem </a:t>
-            </a:r>
-            <a:r>
-              <a:rPr lang="de-DE" altLang="de-DE" dirty="0" err="1"/>
-              <a:t>angebenen</a:t>
-            </a:r>
-            <a:r>
-              <a:rPr lang="de-DE" altLang="de-DE" dirty="0"/>
-              <a:t> Branch alle Tags</a:t>
-            </a:r>
-          </a:p>
-          <a:p>
-            <a:pPr marL="400050">
-              <a:spcAft>
-                <a:spcPts val="300"/>
-              </a:spcAft>
-            </a:pPr>
-            <a:r>
-              <a:rPr lang="de-DE" altLang="de-DE" dirty="0"/>
-              <a:t>--</a:t>
-            </a:r>
-            <a:r>
-              <a:rPr lang="de-DE" altLang="de-DE" dirty="0" err="1"/>
-              <a:t>force</a:t>
-            </a:r>
-            <a:r>
-              <a:rPr lang="de-DE" altLang="de-DE" dirty="0"/>
-              <a:t> oder -f ermöglicht Push, auch wenn Commit-Historie nicht zusammenpasst</a:t>
-            </a:r>
-          </a:p>
-          <a:p>
-            <a:pPr marL="800100" lvl="1">
-              <a:spcAft>
-                <a:spcPts val="300"/>
-              </a:spcAft>
-            </a:pPr>
-            <a:endParaRPr lang="de-DE" altLang="de-DE" dirty="0"/>
           </a:p>
         </p:txBody>
       </p:sp>
@@ -6124,7 +6040,7 @@
           <a:p>
             <a:r>
               <a:rPr lang="de-DE" altLang="de-DE" dirty="0"/>
-              <a:t>Push</a:t>
+              <a:t>Remote Repository</a:t>
             </a:r>
           </a:p>
         </p:txBody>
@@ -6132,7 +6048,7 @@
     </p:spTree>
     <p:extLst>
       <p:ext uri="{BB962C8B-B14F-4D97-AF65-F5344CB8AC3E}">
-        <p14:creationId xmlns:p14="http://schemas.microsoft.com/office/powerpoint/2010/main" val="2174251504"/>
+        <p14:creationId xmlns:p14="http://schemas.microsoft.com/office/powerpoint/2010/main" val="218934106"/>
       </p:ext>
     </p:extLst>
   </p:cSld>
@@ -6185,6 +6101,21 @@
           <a:bodyPr/>
           <a:lstStyle/>
           <a:p>
+            <a:pPr marL="57150" indent="0">
+              <a:spcBef>
+                <a:spcPts val="600"/>
+              </a:spcBef>
+              <a:spcAft>
+                <a:spcPts val="300"/>
+              </a:spcAft>
+              <a:buNone/>
+            </a:pPr>
+            <a:r>
+              <a:rPr lang="de-DE" altLang="de-DE" b="1" dirty="0"/>
+              <a:t>Push Befehl</a:t>
+            </a:r>
+          </a:p>
+          <a:p>
             <a:pPr marL="400050">
               <a:spcBef>
                 <a:spcPts val="600"/>
@@ -6195,37 +6126,114 @@
             </a:pPr>
             <a:r>
               <a:rPr lang="de-DE" altLang="de-DE" dirty="0"/>
-              <a:t>Für einen Push benötigt man Schreibrechte auf dem jeweiligen Remote Repository</a:t>
-            </a:r>
-          </a:p>
-          <a:p>
-            <a:pPr marL="400050">
+              <a:t>Lokale Änderungen ins Remote Repository übertragen</a:t>
+            </a:r>
+          </a:p>
+          <a:p>
+            <a:pPr marL="57150" indent="0">
               <a:spcBef>
                 <a:spcPts val="600"/>
               </a:spcBef>
               <a:spcAft>
                 <a:spcPts val="300"/>
               </a:spcAft>
+              <a:buNone/>
+            </a:pPr>
+            <a:r>
+              <a:rPr lang="de-DE" altLang="de-DE" dirty="0">
+                <a:latin typeface="Consolas" panose="020B0609020204030204" pitchFamily="49" charset="0"/>
+              </a:rPr>
+              <a:t>	</a:t>
+            </a:r>
+            <a:r>
+              <a:rPr lang="de-DE" altLang="de-DE" dirty="0" err="1">
+                <a:latin typeface="Consolas" panose="020B0609020204030204" pitchFamily="49" charset="0"/>
+              </a:rPr>
+              <a:t>git</a:t>
+            </a:r>
+            <a:r>
+              <a:rPr lang="de-DE" altLang="de-DE" dirty="0">
+                <a:latin typeface="Consolas" panose="020B0609020204030204" pitchFamily="49" charset="0"/>
+              </a:rPr>
+              <a:t> push &lt;remote&gt; &lt;remote-</a:t>
+            </a:r>
+            <a:r>
+              <a:rPr lang="de-DE" altLang="de-DE" dirty="0" err="1">
+                <a:latin typeface="Consolas" panose="020B0609020204030204" pitchFamily="49" charset="0"/>
+              </a:rPr>
+              <a:t>branch</a:t>
+            </a:r>
+            <a:r>
+              <a:rPr lang="de-DE" altLang="de-DE" dirty="0">
+                <a:latin typeface="Consolas" panose="020B0609020204030204" pitchFamily="49" charset="0"/>
+              </a:rPr>
+              <a:t>&gt;</a:t>
+            </a:r>
+          </a:p>
+          <a:p>
+            <a:pPr marL="400050">
+              <a:spcAft>
+                <a:spcPts val="300"/>
+              </a:spcAft>
             </a:pPr>
             <a:r>
               <a:rPr lang="de-DE" altLang="de-DE" dirty="0"/>
-              <a:t>Änderungen des </a:t>
+              <a:t>Ohne explizite Angabe von &lt;remote&gt; und &lt;remote-</a:t>
             </a:r>
             <a:r>
               <a:rPr lang="de-DE" altLang="de-DE" dirty="0" err="1"/>
-              <a:t>Pushes</a:t>
+              <a:t>branch</a:t>
             </a:r>
             <a:r>
               <a:rPr lang="de-DE" altLang="de-DE" dirty="0"/>
-              <a:t> müssen via Fast-Forward </a:t>
-            </a:r>
-            <a:r>
-              <a:rPr lang="de-DE" altLang="de-DE" dirty="0" err="1"/>
-              <a:t>Merge</a:t>
-            </a:r>
+              <a:t>&gt; wird der konfigurierte Upstream genutzt</a:t>
+            </a:r>
+          </a:p>
+          <a:p>
+            <a:pPr marL="400050">
+              <a:spcAft>
+                <a:spcPts val="300"/>
+              </a:spcAft>
+            </a:pPr>
             <a:r>
               <a:rPr lang="de-DE" altLang="de-DE" dirty="0"/>
-              <a:t> im Remote Repository eingebaut werden können</a:t>
+              <a:t>Mittels -u kann auch beim push ein Upstream eingerichtet werden</a:t>
+            </a:r>
+          </a:p>
+          <a:p>
+            <a:pPr marL="57150" indent="0">
+              <a:spcAft>
+                <a:spcPts val="300"/>
+              </a:spcAft>
+              <a:buNone/>
+            </a:pPr>
+            <a:r>
+              <a:rPr lang="de-DE" altLang="de-DE" dirty="0"/>
+              <a:t>	</a:t>
+            </a:r>
+            <a:r>
+              <a:rPr lang="de-DE" altLang="de-DE" dirty="0" err="1">
+                <a:latin typeface="Consolas" panose="020B0609020204030204" pitchFamily="49" charset="0"/>
+              </a:rPr>
+              <a:t>git</a:t>
+            </a:r>
+            <a:r>
+              <a:rPr lang="de-DE" altLang="de-DE" dirty="0">
+                <a:latin typeface="Consolas" panose="020B0609020204030204" pitchFamily="49" charset="0"/>
+              </a:rPr>
+              <a:t> push -u &lt;remote&gt; &lt;remote-</a:t>
+            </a:r>
+            <a:r>
+              <a:rPr lang="de-DE" altLang="de-DE" dirty="0" err="1">
+                <a:latin typeface="Consolas" panose="020B0609020204030204" pitchFamily="49" charset="0"/>
+              </a:rPr>
+              <a:t>branch</a:t>
+            </a:r>
+            <a:r>
+              <a:rPr lang="de-DE" altLang="de-DE" dirty="0">
+                <a:latin typeface="Consolas" panose="020B0609020204030204" pitchFamily="49" charset="0"/>
+              </a:rPr>
+              <a:t>&gt;</a:t>
             </a:r>
           </a:p>
           <a:p>
@@ -6236,15 +6244,59 @@
             </a:pPr>
             <a:r>
               <a:rPr lang="de-DE" altLang="de-DE" dirty="0"/>
-              <a:t>Es dürfen keine </a:t>
-            </a:r>
-            <a:r>
-              <a:rPr lang="de-DE" altLang="de-DE" dirty="0" err="1"/>
-              <a:t>Commits</a:t>
+              <a:t>Kurzform für </a:t>
+            </a:r>
+            <a:r>
+              <a:rPr lang="de-DE" altLang="de-DE" dirty="0" err="1">
+                <a:latin typeface="Consolas" panose="020B0609020204030204" pitchFamily="49" charset="0"/>
+              </a:rPr>
+              <a:t>git</a:t>
+            </a:r>
+            <a:r>
+              <a:rPr lang="de-DE" altLang="de-DE" dirty="0">
+                <a:latin typeface="Consolas" panose="020B0609020204030204" pitchFamily="49" charset="0"/>
+              </a:rPr>
+              <a:t> </a:t>
+            </a:r>
+            <a:r>
+              <a:rPr lang="de-DE" altLang="de-DE" dirty="0" err="1">
+                <a:latin typeface="Consolas" panose="020B0609020204030204" pitchFamily="49" charset="0"/>
+              </a:rPr>
+              <a:t>branch</a:t>
+            </a:r>
+            <a:r>
+              <a:rPr lang="de-DE" altLang="de-DE" dirty="0">
+                <a:latin typeface="Consolas" panose="020B0609020204030204" pitchFamily="49" charset="0"/>
+              </a:rPr>
+              <a:t> --set-</a:t>
+            </a:r>
+            <a:r>
+              <a:rPr lang="de-DE" altLang="de-DE" dirty="0" err="1">
+                <a:latin typeface="Consolas" panose="020B0609020204030204" pitchFamily="49" charset="0"/>
+              </a:rPr>
+              <a:t>upstream</a:t>
+            </a:r>
+            <a:r>
+              <a:rPr lang="de-DE" altLang="de-DE" dirty="0">
+                <a:latin typeface="Consolas" panose="020B0609020204030204" pitchFamily="49" charset="0"/>
+              </a:rPr>
+              <a:t> </a:t>
             </a:r>
             <a:r>
               <a:rPr lang="de-DE" altLang="de-DE" dirty="0"/>
-              <a:t> im Remote Repository vorhanden sein, die lokal nicht existieren</a:t>
+              <a:t>und </a:t>
+            </a:r>
+            <a:r>
+              <a:rPr lang="de-DE" altLang="de-DE" dirty="0" err="1">
+                <a:latin typeface="Consolas" panose="020B0609020204030204" pitchFamily="49" charset="0"/>
+              </a:rPr>
+              <a:t>git</a:t>
+            </a:r>
+            <a:r>
+              <a:rPr lang="de-DE" altLang="de-DE" dirty="0">
+                <a:latin typeface="Consolas" panose="020B0609020204030204" pitchFamily="49" charset="0"/>
+              </a:rPr>
+              <a:t> push</a:t>
             </a:r>
           </a:p>
           <a:p>
@@ -6255,39 +6307,114 @@
             </a:pPr>
             <a:r>
               <a:rPr lang="de-DE" altLang="de-DE" dirty="0"/>
-              <a:t>Ggf. lokalen Branch via pull updaten, um Konflikt zu beheben</a:t>
-            </a:r>
-          </a:p>
-          <a:p>
-            <a:pPr marL="457200">
+              <a:t>Üblich bei neuen </a:t>
+            </a:r>
+            <a:r>
+              <a:rPr lang="de-DE" altLang="de-DE" dirty="0" err="1"/>
+              <a:t>Branches</a:t>
+            </a:r>
+            <a:r>
+              <a:rPr lang="de-DE" altLang="de-DE" dirty="0"/>
+              <a:t>, die Remote noch nicht existieren</a:t>
+            </a:r>
+          </a:p>
+          <a:p>
+            <a:pPr marL="400050">
               <a:spcAft>
                 <a:spcPts val="300"/>
               </a:spcAft>
             </a:pPr>
             <a:r>
+              <a:rPr lang="de-DE" altLang="de-DE" dirty="0">
+                <a:latin typeface="Consolas" panose="020B0609020204030204" pitchFamily="49" charset="0"/>
+              </a:rPr>
+              <a:t>--all </a:t>
+            </a:r>
+            <a:r>
+              <a:rPr lang="de-DE" altLang="de-DE" dirty="0"/>
+              <a:t>ermöglicht pushen von allen </a:t>
+            </a:r>
+            <a:r>
               <a:rPr lang="de-DE" altLang="de-DE" dirty="0" err="1"/>
-              <a:t>Git</a:t>
-            </a:r>
-            <a:r>
-              <a:rPr lang="de-DE" altLang="de-DE" dirty="0"/>
-              <a:t> erlaubt ausschließlich Push in Bare </a:t>
-            </a:r>
-            <a:r>
-              <a:rPr lang="de-DE" altLang="de-DE" dirty="0" err="1"/>
-              <a:t>Repositories</a:t>
+              <a:t>Branches</a:t>
             </a:r>
             <a:endParaRPr lang="de-DE" altLang="de-DE" dirty="0"/>
           </a:p>
           <a:p>
-            <a:pPr marL="857250" lvl="1">
+            <a:pPr marL="400050">
               <a:spcAft>
                 <a:spcPts val="300"/>
               </a:spcAft>
             </a:pPr>
             <a:r>
+              <a:rPr lang="de-DE" altLang="de-DE" dirty="0">
+                <a:latin typeface="Consolas" panose="020B0609020204030204" pitchFamily="49" charset="0"/>
+              </a:rPr>
+              <a:t>--tags </a:t>
+            </a:r>
+            <a:r>
+              <a:rPr lang="de-DE" altLang="de-DE" dirty="0" err="1"/>
+              <a:t>pushed</a:t>
+            </a:r>
+            <a:r>
               <a:rPr lang="de-DE" altLang="de-DE" dirty="0"/>
-              <a:t>Push in ein Repository mit lokalem Workspace würde inkonsistenten Zustand zwischen lokalem Workspace und Remote Tracking Bereich verursachen </a:t>
-            </a:r>
+              <a:t> zusätzlich zu dem </a:t>
+            </a:r>
+            <a:r>
+              <a:rPr lang="de-DE" altLang="de-DE" dirty="0" err="1"/>
+              <a:t>angebenen</a:t>
+            </a:r>
+            <a:r>
+              <a:rPr lang="de-DE" altLang="de-DE" dirty="0"/>
+              <a:t> Branch alle Tags</a:t>
+            </a:r>
+          </a:p>
+          <a:p>
+            <a:pPr marL="400050">
+              <a:spcAft>
+                <a:spcPts val="300"/>
+              </a:spcAft>
+            </a:pPr>
+            <a:r>
+              <a:rPr lang="de-DE" altLang="de-DE" dirty="0">
+                <a:latin typeface="Consolas" panose="020B0609020204030204" pitchFamily="49" charset="0"/>
+              </a:rPr>
+              <a:t>--</a:t>
+            </a:r>
+            <a:r>
+              <a:rPr lang="de-DE" altLang="de-DE" dirty="0" err="1">
+                <a:latin typeface="Consolas" panose="020B0609020204030204" pitchFamily="49" charset="0"/>
+              </a:rPr>
+              <a:t>force</a:t>
+            </a:r>
+            <a:r>
+              <a:rPr lang="de-DE" altLang="de-DE" dirty="0">
+                <a:latin typeface="Consolas" panose="020B0609020204030204" pitchFamily="49" charset="0"/>
+              </a:rPr>
+              <a:t> </a:t>
+            </a:r>
+            <a:r>
+              <a:rPr lang="de-DE" altLang="de-DE" dirty="0"/>
+              <a:t>oder </a:t>
+            </a:r>
+            <a:r>
+              <a:rPr lang="de-DE" altLang="de-DE" dirty="0">
+                <a:latin typeface="Consolas" panose="020B0609020204030204" pitchFamily="49" charset="0"/>
+              </a:rPr>
+              <a:t>-f</a:t>
+            </a:r>
+            <a:r>
+              <a:rPr lang="de-DE" altLang="de-DE" dirty="0"/>
+              <a:t> ermöglicht Push, auch wenn Commit-Historie nicht zusammenpasst</a:t>
+            </a:r>
+          </a:p>
+          <a:p>
+            <a:pPr marL="800100" lvl="1">
+              <a:spcAft>
+                <a:spcPts val="300"/>
+              </a:spcAft>
+            </a:pPr>
+            <a:endParaRPr lang="de-DE" altLang="de-DE" dirty="0"/>
           </a:p>
         </p:txBody>
       </p:sp>
@@ -6319,7 +6446,202 @@
           <a:p>
             <a:r>
               <a:rPr lang="de-DE" altLang="de-DE" dirty="0"/>
-              <a:t>Push</a:t>
+              <a:t>Remote Repository</a:t>
+            </a:r>
+          </a:p>
+        </p:txBody>
+      </p:sp>
+    </p:spTree>
+    <p:extLst>
+      <p:ext uri="{BB962C8B-B14F-4D97-AF65-F5344CB8AC3E}">
+        <p14:creationId xmlns:p14="http://schemas.microsoft.com/office/powerpoint/2010/main" val="2174251504"/>
+      </p:ext>
+    </p:extLst>
+  </p:cSld>
+  <p:clrMapOvr>
+    <a:masterClrMapping/>
+  </p:clrMapOvr>
+</p:sld>
+</file>
+
+<file path=ppt/slides/slide13.xml><?xml version="1.0" encoding="utf-8"?>
+<p:sld xmlns:a="http://schemas.openxmlformats.org/drawingml/2006/main" xmlns:r="http://schemas.openxmlformats.org/officeDocument/2006/relationships" xmlns:p="http://schemas.openxmlformats.org/presentationml/2006/main">
+  <p:cSld>
+    <p:spTree>
+      <p:nvGrpSpPr>
+        <p:cNvPr id="1" name=""/>
+        <p:cNvGrpSpPr/>
+        <p:nvPr/>
+      </p:nvGrpSpPr>
+      <p:grpSpPr>
+        <a:xfrm>
+          <a:off x="0" y="0"/>
+          <a:ext cx="0" cy="0"/>
+          <a:chOff x="0" y="0"/>
+          <a:chExt cx="0" cy="0"/>
+        </a:xfrm>
+      </p:grpSpPr>
+      <p:sp>
+        <p:nvSpPr>
+          <p:cNvPr id="6146" name="Inhaltsplatzhalter 18">
+            <a:extLst>
+              <a:ext uri="{FF2B5EF4-FFF2-40B4-BE49-F238E27FC236}">
+                <a16:creationId xmlns:a16="http://schemas.microsoft.com/office/drawing/2014/main" id="{BE3C4C95-FD5D-27F0-ED0C-AB8113CAC9F1}"/>
+              </a:ext>
+            </a:extLst>
+          </p:cNvPr>
+          <p:cNvSpPr>
+            <a:spLocks noGrp="1"/>
+          </p:cNvSpPr>
+          <p:nvPr>
+            <p:ph idx="1"/>
+          </p:nvPr>
+        </p:nvSpPr>
+        <p:spPr>
+          <a:xfrm>
+            <a:off x="303213" y="981075"/>
+            <a:ext cx="8517259" cy="5400675"/>
+          </a:xfrm>
+        </p:spPr>
+        <p:txBody>
+          <a:bodyPr/>
+          <a:lstStyle/>
+          <a:p>
+            <a:pPr marL="400050">
+              <a:spcBef>
+                <a:spcPts val="600"/>
+              </a:spcBef>
+              <a:spcAft>
+                <a:spcPts val="300"/>
+              </a:spcAft>
+            </a:pPr>
+            <a:r>
+              <a:rPr lang="de-DE" altLang="de-DE" dirty="0"/>
+              <a:t>Für einen Push benötigt man Schreibrechte auf dem jeweiligen Remote Repository</a:t>
+            </a:r>
+          </a:p>
+          <a:p>
+            <a:pPr marL="400050">
+              <a:spcBef>
+                <a:spcPts val="600"/>
+              </a:spcBef>
+              <a:spcAft>
+                <a:spcPts val="300"/>
+              </a:spcAft>
+            </a:pPr>
+            <a:r>
+              <a:rPr lang="de-DE" altLang="de-DE" dirty="0"/>
+              <a:t>Änderungen des </a:t>
+            </a:r>
+            <a:r>
+              <a:rPr lang="de-DE" altLang="de-DE" dirty="0" err="1"/>
+              <a:t>Pushes</a:t>
+            </a:r>
+            <a:r>
+              <a:rPr lang="de-DE" altLang="de-DE" dirty="0"/>
+              <a:t> müssen via Fast-Forward </a:t>
+            </a:r>
+            <a:r>
+              <a:rPr lang="de-DE" altLang="de-DE" dirty="0" err="1"/>
+              <a:t>Merge</a:t>
+            </a:r>
+            <a:r>
+              <a:rPr lang="de-DE" altLang="de-DE" dirty="0"/>
+              <a:t> im Remote Repository eingebaut werden können</a:t>
+            </a:r>
+          </a:p>
+          <a:p>
+            <a:pPr marL="800100" lvl="1">
+              <a:spcAft>
+                <a:spcPts val="300"/>
+              </a:spcAft>
+            </a:pPr>
+            <a:r>
+              <a:rPr lang="de-DE" altLang="de-DE" dirty="0"/>
+              <a:t>Es dürfen keine </a:t>
+            </a:r>
+            <a:r>
+              <a:rPr lang="de-DE" altLang="de-DE" dirty="0" err="1"/>
+              <a:t>Commits</a:t>
+            </a:r>
+            <a:r>
+              <a:rPr lang="de-DE" altLang="de-DE" dirty="0"/>
+              <a:t> im Remote Repository vorhanden sein, die lokal nicht existieren</a:t>
+            </a:r>
+          </a:p>
+          <a:p>
+            <a:pPr marL="800100" lvl="1">
+              <a:spcAft>
+                <a:spcPts val="300"/>
+              </a:spcAft>
+            </a:pPr>
+            <a:r>
+              <a:rPr lang="de-DE" altLang="de-DE" dirty="0"/>
+              <a:t>Ggf. lokalen Branch via pull updaten, um Konflikt zu beheben</a:t>
+            </a:r>
+          </a:p>
+          <a:p>
+            <a:pPr marL="457200">
+              <a:spcAft>
+                <a:spcPts val="300"/>
+              </a:spcAft>
+            </a:pPr>
+            <a:r>
+              <a:rPr lang="de-DE" altLang="de-DE" dirty="0" err="1"/>
+              <a:t>Git</a:t>
+            </a:r>
+            <a:r>
+              <a:rPr lang="de-DE" altLang="de-DE" dirty="0"/>
+              <a:t> erlaubt ausschließlich Push in Bare </a:t>
+            </a:r>
+            <a:r>
+              <a:rPr lang="de-DE" altLang="de-DE" dirty="0" err="1"/>
+              <a:t>Repositories</a:t>
+            </a:r>
+            <a:endParaRPr lang="de-DE" altLang="de-DE" dirty="0"/>
+          </a:p>
+          <a:p>
+            <a:pPr marL="857250" lvl="1">
+              <a:spcAft>
+                <a:spcPts val="300"/>
+              </a:spcAft>
+            </a:pPr>
+            <a:r>
+              <a:rPr lang="de-DE" altLang="de-DE" dirty="0"/>
+              <a:t>Push in ein Repository mit lokalem Workspace würde inkonsistenten Zustand zwischen lokalem Workspace und Remote Tracking Bereich verursachen </a:t>
+            </a:r>
+          </a:p>
+        </p:txBody>
+      </p:sp>
+      <p:sp>
+        <p:nvSpPr>
+          <p:cNvPr id="6147" name="Rectangle 1062">
+            <a:extLst>
+              <a:ext uri="{FF2B5EF4-FFF2-40B4-BE49-F238E27FC236}">
+                <a16:creationId xmlns:a16="http://schemas.microsoft.com/office/drawing/2014/main" id="{C46E9340-3256-8D55-A265-94F2F41E288E}"/>
+              </a:ext>
+            </a:extLst>
+          </p:cNvPr>
+          <p:cNvSpPr>
+            <a:spLocks noGrp="1" noChangeArrowheads="1"/>
+          </p:cNvSpPr>
+          <p:nvPr>
+            <p:ph type="title"/>
+          </p:nvPr>
+        </p:nvSpPr>
+        <p:spPr>
+          <a:xfrm>
+            <a:off x="285750" y="142875"/>
+            <a:ext cx="5654675" cy="706438"/>
+          </a:xfrm>
+        </p:spPr>
+        <p:txBody>
+          <a:bodyPr/>
+          <a:lstStyle/>
+          <a:p>
+            <a:r>
+              <a:rPr lang="de-DE" altLang="de-DE" dirty="0"/>
+              <a:t>Remote Repository</a:t>
             </a:r>
           </a:p>
         </p:txBody>
@@ -6356,10 +6678,342 @@
       </p:grpSpPr>
       <p:sp>
         <p:nvSpPr>
-          <p:cNvPr id="5123" name="Rectangle 6">
+          <p:cNvPr id="6146" name="Inhaltsplatzhalter 18">
             <a:extLst>
               <a:ext uri="{FF2B5EF4-FFF2-40B4-BE49-F238E27FC236}">
-                <a16:creationId xmlns:a16="http://schemas.microsoft.com/office/drawing/2014/main" id="{BC4BC2CC-AA18-345B-63ED-7D24CA6BD3B5}"/>
+                <a16:creationId xmlns:a16="http://schemas.microsoft.com/office/drawing/2014/main" id="{BE3C4C95-FD5D-27F0-ED0C-AB8113CAC9F1}"/>
+              </a:ext>
+            </a:extLst>
+          </p:cNvPr>
+          <p:cNvSpPr>
+            <a:spLocks noGrp="1"/>
+          </p:cNvSpPr>
+          <p:nvPr>
+            <p:ph idx="1"/>
+          </p:nvPr>
+        </p:nvSpPr>
+        <p:spPr/>
+        <p:txBody>
+          <a:bodyPr/>
+          <a:lstStyle/>
+          <a:p>
+            <a:pPr>
+              <a:buFont typeface="Arial" panose="020B0604020202020204" pitchFamily="34" charset="0"/>
+              <a:buChar char="•"/>
+            </a:pPr>
+            <a:endParaRPr lang="de-DE" altLang="de-DE" sz="1800" b="1" dirty="0"/>
+          </a:p>
+          <a:p>
+            <a:pPr>
+              <a:buFont typeface="Arial" panose="020B0604020202020204" pitchFamily="34" charset="0"/>
+              <a:buChar char="•"/>
+            </a:pPr>
+            <a:r>
+              <a:rPr lang="de-DE" altLang="de-DE" sz="1800" b="1" dirty="0"/>
+              <a:t>Tag 1 – Einführung in </a:t>
+            </a:r>
+            <a:r>
+              <a:rPr lang="de-DE" altLang="de-DE" sz="1800" b="1" dirty="0" err="1"/>
+              <a:t>Git</a:t>
+            </a:r>
+            <a:r>
+              <a:rPr lang="de-DE" altLang="de-DE" sz="1800" b="1" dirty="0"/>
+              <a:t> und </a:t>
+            </a:r>
+            <a:r>
+              <a:rPr lang="de-DE" altLang="de-DE" sz="1800" b="1" dirty="0" err="1"/>
+              <a:t>GitLab</a:t>
+            </a:r>
+            <a:r>
+              <a:rPr lang="de-DE" altLang="de-DE" sz="1800" b="1" dirty="0"/>
+              <a:t>, </a:t>
+            </a:r>
+            <a:r>
+              <a:rPr lang="de-DE" altLang="de-DE" sz="1800" b="1" dirty="0" err="1"/>
+              <a:t>Git</a:t>
+            </a:r>
+            <a:r>
+              <a:rPr lang="de-DE" altLang="de-DE" sz="1800" b="1" dirty="0"/>
+              <a:t>-Workflow im Team</a:t>
+            </a:r>
+          </a:p>
+          <a:p>
+            <a:pPr lvl="1">
+              <a:buFont typeface="Arial" panose="020B0604020202020204" pitchFamily="34" charset="0"/>
+              <a:buChar char="•"/>
+            </a:pPr>
+            <a:r>
+              <a:rPr lang="de-DE" altLang="de-DE" sz="1400" dirty="0"/>
+              <a:t>Einführung &amp; Kursüberblick</a:t>
+            </a:r>
+          </a:p>
+          <a:p>
+            <a:pPr lvl="1">
+              <a:buFont typeface="Arial" panose="020B0604020202020204" pitchFamily="34" charset="0"/>
+              <a:buChar char="•"/>
+            </a:pPr>
+            <a:r>
+              <a:rPr lang="de-DE" altLang="de-DE" sz="1400" dirty="0"/>
+              <a:t>Grundlagen von </a:t>
+            </a:r>
+            <a:r>
+              <a:rPr lang="de-DE" altLang="de-DE" sz="1400" dirty="0" err="1"/>
+              <a:t>Git</a:t>
+            </a:r>
+            <a:r>
+              <a:rPr lang="de-DE" altLang="de-DE" sz="1400" dirty="0"/>
+              <a:t> und </a:t>
+            </a:r>
+            <a:r>
+              <a:rPr lang="de-DE" altLang="de-DE" sz="1400" dirty="0" err="1"/>
+              <a:t>GitLab</a:t>
+            </a:r>
+            <a:endParaRPr lang="de-DE" altLang="de-DE" sz="1400" dirty="0"/>
+          </a:p>
+          <a:p>
+            <a:pPr lvl="1">
+              <a:buFont typeface="Arial" panose="020B0604020202020204" pitchFamily="34" charset="0"/>
+              <a:buChar char="•"/>
+            </a:pPr>
+            <a:r>
+              <a:rPr lang="de-DE" altLang="de-DE" sz="1400" dirty="0" err="1"/>
+              <a:t>Git</a:t>
+            </a:r>
+            <a:r>
+              <a:rPr lang="de-DE" altLang="de-DE" sz="1400" dirty="0"/>
+              <a:t> </a:t>
+            </a:r>
+            <a:r>
+              <a:rPr lang="de-DE" altLang="de-DE" sz="1400" dirty="0" err="1"/>
+              <a:t>Rebase</a:t>
+            </a:r>
+            <a:r>
+              <a:rPr lang="de-DE" altLang="de-DE" sz="1400" dirty="0"/>
+              <a:t> &amp; </a:t>
+            </a:r>
+            <a:r>
+              <a:rPr lang="de-DE" altLang="de-DE" sz="1400" dirty="0" err="1"/>
+              <a:t>Merge</a:t>
+            </a:r>
+            <a:r>
+              <a:rPr lang="de-DE" altLang="de-DE" sz="1400" dirty="0"/>
+              <a:t>-Strategien</a:t>
+            </a:r>
+          </a:p>
+          <a:p>
+            <a:pPr lvl="1">
+              <a:buFont typeface="Arial" panose="020B0604020202020204" pitchFamily="34" charset="0"/>
+              <a:buChar char="•"/>
+            </a:pPr>
+            <a:r>
+              <a:rPr lang="de-DE" altLang="de-DE" sz="1400" dirty="0" err="1"/>
+              <a:t>Git</a:t>
+            </a:r>
+            <a:r>
+              <a:rPr lang="de-DE" altLang="de-DE" sz="1400" dirty="0"/>
+              <a:t>-Workflow im Team</a:t>
+            </a:r>
+          </a:p>
+          <a:p>
+            <a:pPr lvl="1">
+              <a:buFont typeface="Arial" panose="020B0604020202020204" pitchFamily="34" charset="0"/>
+              <a:buChar char="•"/>
+            </a:pPr>
+            <a:endParaRPr lang="de-DE" altLang="de-DE" sz="1400" dirty="0"/>
+          </a:p>
+          <a:p>
+            <a:pPr>
+              <a:buFont typeface="Arial" panose="020B0604020202020204" pitchFamily="34" charset="0"/>
+              <a:buChar char="•"/>
+            </a:pPr>
+            <a:r>
+              <a:rPr lang="de-DE" altLang="de-DE" sz="1800" b="1" dirty="0"/>
+              <a:t>Tag 2 – Vertiefung </a:t>
+            </a:r>
+            <a:r>
+              <a:rPr lang="de-DE" altLang="de-DE" sz="1800" b="1" dirty="0" err="1"/>
+              <a:t>Git</a:t>
+            </a:r>
+            <a:r>
+              <a:rPr lang="de-DE" altLang="de-DE" sz="1800" b="1" dirty="0"/>
+              <a:t>-Workflow, CI/CD &amp; </a:t>
+            </a:r>
+            <a:r>
+              <a:rPr lang="de-DE" altLang="de-DE" sz="1800" b="1" dirty="0" err="1"/>
+              <a:t>GitOps</a:t>
+            </a:r>
+            <a:endParaRPr lang="de-DE" altLang="de-DE" sz="1800" b="1" dirty="0"/>
+          </a:p>
+          <a:p>
+            <a:pPr lvl="1">
+              <a:buFont typeface="Arial" panose="020B0604020202020204" pitchFamily="34" charset="0"/>
+              <a:buChar char="•"/>
+            </a:pPr>
+            <a:r>
+              <a:rPr lang="de-DE" altLang="de-DE" sz="1400" dirty="0" err="1"/>
+              <a:t>Gitflow</a:t>
+            </a:r>
+            <a:r>
+              <a:rPr lang="de-DE" altLang="de-DE" sz="1400" dirty="0"/>
+              <a:t>-Workflow</a:t>
+            </a:r>
+          </a:p>
+          <a:p>
+            <a:pPr lvl="1">
+              <a:buFont typeface="Arial" panose="020B0604020202020204" pitchFamily="34" charset="0"/>
+              <a:buChar char="•"/>
+            </a:pPr>
+            <a:r>
+              <a:rPr lang="de-DE" altLang="de-DE" sz="1400" dirty="0"/>
+              <a:t>Tags, Releases &amp; deren Verwaltung</a:t>
+            </a:r>
+          </a:p>
+          <a:p>
+            <a:pPr lvl="1">
+              <a:buFont typeface="Arial" panose="020B0604020202020204" pitchFamily="34" charset="0"/>
+              <a:buChar char="•"/>
+            </a:pPr>
+            <a:r>
+              <a:rPr lang="de-DE" altLang="de-DE" sz="1400" dirty="0"/>
+              <a:t>Einführung in </a:t>
+            </a:r>
+            <a:r>
+              <a:rPr lang="de-DE" altLang="de-DE" sz="1400" dirty="0" err="1"/>
+              <a:t>GitLab</a:t>
+            </a:r>
+            <a:r>
+              <a:rPr lang="de-DE" altLang="de-DE" sz="1400" dirty="0"/>
+              <a:t> CI/CD &amp; </a:t>
+            </a:r>
+            <a:r>
+              <a:rPr lang="de-DE" altLang="de-DE" sz="1400" dirty="0" err="1"/>
+              <a:t>gitlab.yml</a:t>
+            </a:r>
+            <a:endParaRPr lang="de-DE" altLang="de-DE" sz="1400" dirty="0"/>
+          </a:p>
+          <a:p>
+            <a:pPr lvl="1">
+              <a:buFont typeface="Arial" panose="020B0604020202020204" pitchFamily="34" charset="0"/>
+              <a:buChar char="•"/>
+            </a:pPr>
+            <a:r>
+              <a:rPr lang="de-DE" altLang="de-DE" sz="1400" dirty="0"/>
+              <a:t>Grundlagen von </a:t>
+            </a:r>
+            <a:r>
+              <a:rPr lang="de-DE" altLang="de-DE" sz="1400" dirty="0" err="1"/>
+              <a:t>GitOps</a:t>
+            </a:r>
+            <a:endParaRPr lang="de-DE" altLang="de-DE" sz="1400" dirty="0"/>
+          </a:p>
+          <a:p>
+            <a:pPr lvl="1">
+              <a:buFont typeface="Arial" panose="020B0604020202020204" pitchFamily="34" charset="0"/>
+              <a:buChar char="•"/>
+            </a:pPr>
+            <a:endParaRPr lang="de-DE" altLang="de-DE" sz="1400" dirty="0"/>
+          </a:p>
+          <a:p>
+            <a:pPr>
+              <a:buFont typeface="Arial" panose="020B0604020202020204" pitchFamily="34" charset="0"/>
+              <a:buChar char="•"/>
+            </a:pPr>
+            <a:r>
+              <a:rPr lang="de-DE" altLang="de-DE" sz="1800" b="1" dirty="0"/>
+              <a:t>Tag 3 – Docker in der Entwicklung, </a:t>
+            </a:r>
+            <a:r>
+              <a:rPr lang="de-DE" altLang="de-DE" sz="1800" b="1" dirty="0" err="1"/>
+              <a:t>GitLab</a:t>
+            </a:r>
+            <a:r>
+              <a:rPr lang="de-DE" altLang="de-DE" sz="1800" b="1" dirty="0"/>
+              <a:t> CI und </a:t>
+            </a:r>
+            <a:r>
+              <a:rPr lang="de-DE" altLang="de-DE" sz="1800" b="1" dirty="0" err="1"/>
+              <a:t>Deployment</a:t>
+            </a:r>
+            <a:r>
+              <a:rPr lang="de-DE" altLang="de-DE" sz="1800" b="1" dirty="0"/>
+              <a:t>-Strategien</a:t>
+            </a:r>
+          </a:p>
+          <a:p>
+            <a:pPr lvl="1">
+              <a:buFont typeface="Arial" panose="020B0604020202020204" pitchFamily="34" charset="0"/>
+              <a:buChar char="•"/>
+            </a:pPr>
+            <a:r>
+              <a:rPr lang="de-DE" altLang="de-DE" sz="1400" dirty="0"/>
+              <a:t>Lokale Entwicklung mit Docker</a:t>
+            </a:r>
+          </a:p>
+          <a:p>
+            <a:pPr lvl="1">
+              <a:buFont typeface="Arial" panose="020B0604020202020204" pitchFamily="34" charset="0"/>
+              <a:buChar char="•"/>
+            </a:pPr>
+            <a:r>
+              <a:rPr lang="de-DE" altLang="de-DE" sz="1400" dirty="0" err="1"/>
+              <a:t>GitLab</a:t>
+            </a:r>
+            <a:r>
+              <a:rPr lang="de-DE" altLang="de-DE" sz="1400" dirty="0"/>
+              <a:t>-Runner &amp; Docker-Registry</a:t>
+            </a:r>
+          </a:p>
+          <a:p>
+            <a:pPr lvl="1">
+              <a:buFont typeface="Arial" panose="020B0604020202020204" pitchFamily="34" charset="0"/>
+              <a:buChar char="•"/>
+            </a:pPr>
+            <a:r>
+              <a:rPr lang="de-DE" altLang="de-DE" sz="1400" dirty="0"/>
+              <a:t>Erstellen von Release- und </a:t>
+            </a:r>
+            <a:r>
+              <a:rPr lang="de-DE" altLang="de-DE" sz="1400" dirty="0" err="1"/>
+              <a:t>Tagged</a:t>
+            </a:r>
+            <a:r>
+              <a:rPr lang="de-DE" altLang="de-DE" sz="1400" dirty="0"/>
+              <a:t>-Images</a:t>
+            </a:r>
+          </a:p>
+          <a:p>
+            <a:pPr lvl="1">
+              <a:buFont typeface="Arial" panose="020B0604020202020204" pitchFamily="34" charset="0"/>
+              <a:buChar char="•"/>
+            </a:pPr>
+            <a:r>
+              <a:rPr lang="de-DE" altLang="de-DE" sz="1400" dirty="0"/>
+              <a:t>Möglichkeiten des </a:t>
+            </a:r>
+            <a:r>
+              <a:rPr lang="de-DE" altLang="de-DE" sz="1400" dirty="0" err="1"/>
+              <a:t>Deployments</a:t>
+            </a:r>
+            <a:r>
+              <a:rPr lang="de-DE" altLang="de-DE" sz="1400" dirty="0"/>
+              <a:t> &amp; Verwaltung von Konfiguration</a:t>
+            </a:r>
+          </a:p>
+          <a:p>
+            <a:pPr lvl="1">
+              <a:buFont typeface="Arial" panose="020B0604020202020204" pitchFamily="34" charset="0"/>
+              <a:buChar char="•"/>
+            </a:pPr>
+            <a:endParaRPr lang="de-DE" altLang="de-DE" sz="1400" dirty="0"/>
+          </a:p>
+        </p:txBody>
+      </p:sp>
+      <p:sp>
+        <p:nvSpPr>
+          <p:cNvPr id="6147" name="Rectangle 1062">
+            <a:extLst>
+              <a:ext uri="{FF2B5EF4-FFF2-40B4-BE49-F238E27FC236}">
+                <a16:creationId xmlns:a16="http://schemas.microsoft.com/office/drawing/2014/main" id="{C46E9340-3256-8D55-A265-94F2F41E288E}"/>
               </a:ext>
             </a:extLst>
           </p:cNvPr>
@@ -6372,8 +7026,8 @@
         </p:nvSpPr>
         <p:spPr>
           <a:xfrm>
-            <a:off x="457200" y="115888"/>
-            <a:ext cx="3409950" cy="706437"/>
+            <a:off x="285750" y="142875"/>
+            <a:ext cx="5654675" cy="706438"/>
           </a:xfrm>
         </p:spPr>
         <p:txBody>
@@ -6381,115 +7035,9 @@
           <a:lstStyle/>
           <a:p>
             <a:r>
-              <a:rPr lang="de-DE" altLang="de-DE"/>
-              <a:t>Inhalt</a:t>
-            </a:r>
-          </a:p>
-        </p:txBody>
-      </p:sp>
-      <p:sp>
-        <p:nvSpPr>
-          <p:cNvPr id="3" name="Inhaltsplatzhalter 18">
-            <a:extLst>
-              <a:ext uri="{FF2B5EF4-FFF2-40B4-BE49-F238E27FC236}">
-                <a16:creationId xmlns:a16="http://schemas.microsoft.com/office/drawing/2014/main" id="{722A59E8-4DC4-18C6-04BE-E59EF5F3246C}"/>
-              </a:ext>
-            </a:extLst>
-          </p:cNvPr>
-          <p:cNvSpPr>
-            <a:spLocks noGrp="1"/>
-          </p:cNvSpPr>
-          <p:nvPr>
-            <p:ph idx="1"/>
-          </p:nvPr>
-        </p:nvSpPr>
-        <p:spPr>
-          <a:xfrm>
-            <a:off x="303214" y="981075"/>
-            <a:ext cx="8517258" cy="5400675"/>
-          </a:xfrm>
-        </p:spPr>
-        <p:txBody>
-          <a:bodyPr/>
-          <a:lstStyle/>
-          <a:p>
-            <a:pPr>
-              <a:spcBef>
-                <a:spcPts val="300"/>
-              </a:spcBef>
-            </a:pPr>
-            <a:r>
               <a:rPr lang="de-DE" altLang="de-DE" dirty="0"/>
-              <a:t>Remote Repository</a:t>
-            </a:r>
-          </a:p>
-          <a:p>
-            <a:pPr lvl="1">
-              <a:spcBef>
-                <a:spcPts val="300"/>
-              </a:spcBef>
-            </a:pPr>
-            <a:r>
-              <a:rPr lang="de-DE" altLang="de-DE" dirty="0"/>
-              <a:t>Einführung</a:t>
-            </a:r>
-          </a:p>
-          <a:p>
-            <a:pPr lvl="1">
-              <a:spcBef>
-                <a:spcPts val="300"/>
-              </a:spcBef>
-            </a:pPr>
-            <a:r>
-              <a:rPr lang="de-DE" altLang="de-DE" dirty="0" err="1"/>
-              <a:t>Clonen</a:t>
-            </a:r>
-            <a:r>
-              <a:rPr lang="de-DE" altLang="de-DE" dirty="0"/>
-              <a:t> eines </a:t>
-            </a:r>
-            <a:r>
-              <a:rPr lang="de-DE" altLang="de-DE" dirty="0" err="1"/>
-              <a:t>Repositories</a:t>
-            </a:r>
-            <a:endParaRPr lang="de-DE" altLang="de-DE" dirty="0"/>
-          </a:p>
-          <a:p>
-            <a:pPr lvl="1">
-              <a:spcBef>
-                <a:spcPts val="300"/>
-              </a:spcBef>
-            </a:pPr>
-            <a:r>
-              <a:rPr lang="de-DE" altLang="de-DE" dirty="0"/>
-              <a:t>Pull und Push Befehle</a:t>
-            </a:r>
-          </a:p>
-          <a:p>
-            <a:pPr lvl="1">
-              <a:spcBef>
-                <a:spcPts val="300"/>
-              </a:spcBef>
-            </a:pPr>
-            <a:endParaRPr lang="de-DE" altLang="de-DE" dirty="0"/>
-          </a:p>
-          <a:p>
-            <a:pPr lvl="1">
-              <a:spcBef>
-                <a:spcPts val="300"/>
-              </a:spcBef>
-            </a:pPr>
-            <a:endParaRPr lang="de-DE" altLang="de-DE" dirty="0"/>
-          </a:p>
-          <a:p>
-            <a:pPr lvl="1"/>
-            <a:endParaRPr lang="de-DE" altLang="de-DE" dirty="0"/>
-          </a:p>
-          <a:p>
-            <a:pPr marL="0" indent="0">
-              <a:buNone/>
-            </a:pPr>
-            <a:endParaRPr lang="de-DE" altLang="de-DE" dirty="0"/>
+              <a:t>Agenda</a:t>
+            </a:r>
           </a:p>
         </p:txBody>
       </p:sp>
@@ -6520,281 +7068,57 @@
       </p:grpSpPr>
       <p:sp>
         <p:nvSpPr>
-          <p:cNvPr id="6146" name="Inhaltsplatzhalter 18">
-            <a:extLst>
-              <a:ext uri="{FF2B5EF4-FFF2-40B4-BE49-F238E27FC236}">
-                <a16:creationId xmlns:a16="http://schemas.microsoft.com/office/drawing/2014/main" id="{BE3C4C95-FD5D-27F0-ED0C-AB8113CAC9F1}"/>
-              </a:ext>
-            </a:extLst>
-          </p:cNvPr>
+          <p:cNvPr id="2" name="Titel 1"/>
           <p:cNvSpPr>
             <a:spLocks noGrp="1"/>
-          </p:cNvSpPr>
-          <p:nvPr>
-            <p:ph idx="1"/>
-          </p:nvPr>
-        </p:nvSpPr>
-        <p:spPr>
-          <a:xfrm>
-            <a:off x="303214" y="981075"/>
-            <a:ext cx="8517258" cy="5400675"/>
-          </a:xfrm>
-        </p:spPr>
-        <p:txBody>
-          <a:bodyPr/>
-          <a:lstStyle/>
-          <a:p>
-            <a:r>
-              <a:rPr lang="de-DE" altLang="de-DE" dirty="0"/>
-              <a:t>Arbeiten mit Remote Repository ist eine zentrale Komponente in der Nutzung von </a:t>
-            </a:r>
-            <a:r>
-              <a:rPr lang="de-DE" altLang="de-DE" dirty="0" err="1"/>
-              <a:t>Git</a:t>
-            </a:r>
-            <a:r>
-              <a:rPr lang="de-DE" altLang="de-DE" dirty="0"/>
-              <a:t> mit mehreren Personen</a:t>
-            </a:r>
-          </a:p>
-          <a:p>
-            <a:r>
-              <a:rPr lang="de-DE" altLang="de-DE" dirty="0">
-                <a:sym typeface="Wingdings" panose="05000000000000000000" pitchFamily="2" charset="2"/>
-              </a:rPr>
-              <a:t>Auch oft einfach nur als Remote bezeichnet</a:t>
-            </a:r>
-          </a:p>
-          <a:p>
-            <a:r>
-              <a:rPr lang="de-DE" altLang="de-DE" dirty="0">
-                <a:sym typeface="Wingdings" panose="05000000000000000000" pitchFamily="2" charset="2"/>
-              </a:rPr>
-              <a:t>Wird im Netzwerk gehostet</a:t>
-            </a:r>
-          </a:p>
-          <a:p>
-            <a:pPr lvl="1"/>
-            <a:r>
-              <a:rPr lang="de-DE" altLang="de-DE" dirty="0">
-                <a:sym typeface="Wingdings" panose="05000000000000000000" pitchFamily="2" charset="2"/>
-              </a:rPr>
-              <a:t>Kann als einfaches </a:t>
-            </a:r>
-            <a:r>
-              <a:rPr lang="de-DE" altLang="de-DE" dirty="0" err="1">
-                <a:sym typeface="Wingdings" panose="05000000000000000000" pitchFamily="2" charset="2"/>
-              </a:rPr>
-              <a:t>Git</a:t>
-            </a:r>
-            <a:r>
-              <a:rPr lang="de-DE" altLang="de-DE" dirty="0">
-                <a:sym typeface="Wingdings" panose="05000000000000000000" pitchFamily="2" charset="2"/>
-              </a:rPr>
-              <a:t> Repository auf eigenem Server gehostet werden</a:t>
-            </a:r>
-          </a:p>
-          <a:p>
-            <a:pPr lvl="1"/>
-            <a:r>
-              <a:rPr lang="de-DE" altLang="de-DE" dirty="0">
-                <a:sym typeface="Wingdings" panose="05000000000000000000" pitchFamily="2" charset="2"/>
-              </a:rPr>
-              <a:t>Andere Konzepte wie </a:t>
-            </a:r>
-            <a:r>
-              <a:rPr lang="de-DE" altLang="de-DE" dirty="0" err="1">
-                <a:sym typeface="Wingdings" panose="05000000000000000000" pitchFamily="2" charset="2"/>
-              </a:rPr>
-              <a:t>GitLab</a:t>
-            </a:r>
-            <a:r>
-              <a:rPr lang="de-DE" altLang="de-DE" dirty="0">
-                <a:sym typeface="Wingdings" panose="05000000000000000000" pitchFamily="2" charset="2"/>
-              </a:rPr>
-              <a:t>, GitHub, </a:t>
-            </a:r>
-            <a:r>
-              <a:rPr lang="de-DE" altLang="de-DE" dirty="0" err="1">
-                <a:sym typeface="Wingdings" panose="05000000000000000000" pitchFamily="2" charset="2"/>
-              </a:rPr>
-              <a:t>BitBucket</a:t>
-            </a:r>
-            <a:r>
-              <a:rPr lang="de-DE" altLang="de-DE" dirty="0">
-                <a:sym typeface="Wingdings" panose="05000000000000000000" pitchFamily="2" charset="2"/>
-              </a:rPr>
-              <a:t> usw. ergänzen reines Hosting von </a:t>
-            </a:r>
-            <a:r>
-              <a:rPr lang="de-DE" altLang="de-DE" dirty="0" err="1">
-                <a:sym typeface="Wingdings" panose="05000000000000000000" pitchFamily="2" charset="2"/>
-              </a:rPr>
-              <a:t>Repositories</a:t>
-            </a:r>
-            <a:r>
-              <a:rPr lang="de-DE" altLang="de-DE" dirty="0">
-                <a:sym typeface="Wingdings" panose="05000000000000000000" pitchFamily="2" charset="2"/>
-              </a:rPr>
-              <a:t> um viele nützliche Features und sind weit verbreitet</a:t>
-            </a:r>
-          </a:p>
-          <a:p>
-            <a:r>
-              <a:rPr lang="de-DE" altLang="de-DE" dirty="0">
-                <a:sym typeface="Wingdings" panose="05000000000000000000" pitchFamily="2" charset="2"/>
-              </a:rPr>
-              <a:t>Unterscheidet sich technisch nicht von einem lokalen Repository</a:t>
-            </a:r>
-          </a:p>
-          <a:p>
-            <a:pPr lvl="1"/>
-            <a:r>
-              <a:rPr lang="de-DE" altLang="de-DE" dirty="0">
-                <a:sym typeface="Wingdings" panose="05000000000000000000" pitchFamily="2" charset="2"/>
-              </a:rPr>
-              <a:t>Man könnte bspw. das Repository des Kollegen bei sich als Remote Repository hinzufügen</a:t>
-            </a:r>
-          </a:p>
-          <a:p>
-            <a:pPr lvl="1"/>
-            <a:r>
-              <a:rPr lang="de-DE" altLang="de-DE" dirty="0">
-                <a:sym typeface="Wingdings" panose="05000000000000000000" pitchFamily="2" charset="2"/>
-              </a:rPr>
-              <a:t>Remote </a:t>
-            </a:r>
-            <a:r>
-              <a:rPr lang="de-DE" altLang="de-DE" dirty="0" err="1">
-                <a:sym typeface="Wingdings" panose="05000000000000000000" pitchFamily="2" charset="2"/>
-              </a:rPr>
-              <a:t>Repositories</a:t>
-            </a:r>
-            <a:r>
-              <a:rPr lang="de-DE" altLang="de-DE" dirty="0">
-                <a:sym typeface="Wingdings" panose="05000000000000000000" pitchFamily="2" charset="2"/>
-              </a:rPr>
-              <a:t> sind häufig sogenannte </a:t>
-            </a:r>
-            <a:r>
-              <a:rPr lang="de-DE" altLang="de-DE" b="1" dirty="0">
-                <a:sym typeface="Wingdings" panose="05000000000000000000" pitchFamily="2" charset="2"/>
-              </a:rPr>
-              <a:t>Bare</a:t>
-            </a:r>
-            <a:r>
-              <a:rPr lang="de-DE" altLang="de-DE" dirty="0">
-                <a:sym typeface="Wingdings" panose="05000000000000000000" pitchFamily="2" charset="2"/>
-              </a:rPr>
-              <a:t> </a:t>
-            </a:r>
-            <a:r>
-              <a:rPr lang="de-DE" altLang="de-DE" dirty="0" err="1">
-                <a:sym typeface="Wingdings" panose="05000000000000000000" pitchFamily="2" charset="2"/>
-              </a:rPr>
-              <a:t>Repositories</a:t>
-            </a:r>
-            <a:r>
-              <a:rPr lang="de-DE" altLang="de-DE" dirty="0">
-                <a:sym typeface="Wingdings" panose="05000000000000000000" pitchFamily="2" charset="2"/>
-              </a:rPr>
-              <a:t>, besitzen also kein lokalen Workspace</a:t>
-            </a:r>
-          </a:p>
-          <a:p>
-            <a:pPr lvl="1"/>
-            <a:r>
-              <a:rPr lang="de-DE" altLang="de-DE" dirty="0">
-                <a:sym typeface="Wingdings" panose="05000000000000000000" pitchFamily="2" charset="2"/>
-              </a:rPr>
-              <a:t>Bare </a:t>
-            </a:r>
-            <a:r>
-              <a:rPr lang="de-DE" altLang="de-DE" dirty="0" err="1">
-                <a:sym typeface="Wingdings" panose="05000000000000000000" pitchFamily="2" charset="2"/>
-              </a:rPr>
-              <a:t>Repositories</a:t>
-            </a:r>
-            <a:r>
-              <a:rPr lang="de-DE" altLang="de-DE" dirty="0">
-                <a:sym typeface="Wingdings" panose="05000000000000000000" pitchFamily="2" charset="2"/>
-              </a:rPr>
-              <a:t> können keine Dateien auschecken und daher auch keine potenziellen Konflikte lösen</a:t>
-            </a:r>
-          </a:p>
-          <a:p>
-            <a:r>
-              <a:rPr lang="de-DE" altLang="de-DE" dirty="0">
-                <a:sym typeface="Wingdings" panose="05000000000000000000" pitchFamily="2" charset="2"/>
-              </a:rPr>
-              <a:t>Man kann mehrere </a:t>
-            </a:r>
-            <a:r>
-              <a:rPr lang="de-DE" altLang="de-DE" dirty="0" err="1">
-                <a:sym typeface="Wingdings" panose="05000000000000000000" pitchFamily="2" charset="2"/>
-              </a:rPr>
-              <a:t>Remotes</a:t>
-            </a:r>
-            <a:r>
-              <a:rPr lang="de-DE" altLang="de-DE" dirty="0">
-                <a:sym typeface="Wingdings" panose="05000000000000000000" pitchFamily="2" charset="2"/>
-              </a:rPr>
-              <a:t> zu einem lokalen Repository hinzufügen</a:t>
-            </a:r>
-          </a:p>
-          <a:p>
-            <a:pPr lvl="1"/>
-            <a:endParaRPr lang="de-DE" altLang="de-DE" dirty="0">
-              <a:sym typeface="Wingdings" panose="05000000000000000000" pitchFamily="2" charset="2"/>
-            </a:endParaRPr>
-          </a:p>
-          <a:p>
-            <a:pPr marL="358775" indent="0">
-              <a:buNone/>
-            </a:pPr>
-            <a:endParaRPr lang="de-DE" altLang="de-DE" dirty="0">
-              <a:sym typeface="Wingdings" panose="05000000000000000000" pitchFamily="2" charset="2"/>
-            </a:endParaRPr>
-          </a:p>
-        </p:txBody>
-      </p:sp>
-      <p:sp>
-        <p:nvSpPr>
-          <p:cNvPr id="6147" name="Rectangle 1062">
-            <a:extLst>
-              <a:ext uri="{FF2B5EF4-FFF2-40B4-BE49-F238E27FC236}">
-                <a16:creationId xmlns:a16="http://schemas.microsoft.com/office/drawing/2014/main" id="{C46E9340-3256-8D55-A265-94F2F41E288E}"/>
-              </a:ext>
-            </a:extLst>
-          </p:cNvPr>
-          <p:cNvSpPr>
-            <a:spLocks noGrp="1" noChangeArrowheads="1"/>
           </p:cNvSpPr>
           <p:nvPr>
             <p:ph type="title"/>
           </p:nvPr>
         </p:nvSpPr>
-        <p:spPr>
-          <a:xfrm>
-            <a:off x="285750" y="142875"/>
-            <a:ext cx="5654675" cy="706438"/>
-          </a:xfrm>
-        </p:spPr>
+        <p:spPr/>
         <p:txBody>
           <a:bodyPr/>
           <a:lstStyle/>
           <a:p>
             <a:r>
-              <a:rPr lang="de-DE" altLang="de-DE" dirty="0"/>
+              <a:rPr lang="de-DE" cap="none" dirty="0"/>
               <a:t>Remote Repository</a:t>
             </a:r>
+          </a:p>
+        </p:txBody>
+      </p:sp>
+      <p:sp>
+        <p:nvSpPr>
+          <p:cNvPr id="3" name="Untertitel 2"/>
+          <p:cNvSpPr>
+            <a:spLocks noGrp="1"/>
+          </p:cNvSpPr>
+          <p:nvPr>
+            <p:ph type="body" idx="1"/>
+          </p:nvPr>
+        </p:nvSpPr>
+        <p:spPr/>
+        <p:txBody>
+          <a:bodyPr/>
+          <a:lstStyle/>
+          <a:p>
+            <a:r>
+              <a:rPr lang="de-DE" dirty="0"/>
+              <a:t>Arbeiten mit einem </a:t>
+            </a:r>
+            <a:r>
+              <a:rPr lang="de-DE" dirty="0" err="1"/>
+              <a:t>Git</a:t>
+            </a:r>
+            <a:endParaRPr lang="de-DE" dirty="0"/>
           </a:p>
         </p:txBody>
       </p:sp>
     </p:spTree>
     <p:extLst>
       <p:ext uri="{BB962C8B-B14F-4D97-AF65-F5344CB8AC3E}">
-        <p14:creationId xmlns:p14="http://schemas.microsoft.com/office/powerpoint/2010/main" val="123332739"/>
+        <p14:creationId xmlns:p14="http://schemas.microsoft.com/office/powerpoint/2010/main" val="3092047359"/>
       </p:ext>
     </p:extLst>
   </p:cSld>
@@ -6839,393 +7163,225 @@
         </p:nvSpPr>
         <p:spPr>
           <a:xfrm>
-            <a:off x="303213" y="981075"/>
-            <a:ext cx="8517259" cy="5400675"/>
+            <a:off x="303214" y="981075"/>
+            <a:ext cx="8517258" cy="5400675"/>
           </a:xfrm>
         </p:spPr>
         <p:txBody>
           <a:bodyPr/>
           <a:lstStyle/>
           <a:p>
-            <a:pPr marL="400050">
-              <a:spcBef>
-                <a:spcPts val="600"/>
-              </a:spcBef>
-              <a:spcAft>
-                <a:spcPts val="300"/>
-              </a:spcAft>
-            </a:pPr>
             <a:r>
               <a:rPr lang="de-DE" altLang="de-DE" dirty="0"/>
-              <a:t>Erzeugt eine lokale Kopie (</a:t>
-            </a:r>
-            <a:r>
-              <a:rPr lang="de-DE" altLang="de-DE" b="1" dirty="0" err="1"/>
-              <a:t>local</a:t>
+              <a:t>Arbeiten mit Remote Repository ist eine zentrale Komponente in der Nutzung von </a:t>
+            </a:r>
+            <a:r>
+              <a:rPr lang="de-DE" altLang="de-DE" dirty="0" err="1"/>
+              <a:t>Git</a:t>
             </a:r>
             <a:r>
               <a:rPr lang="de-DE" altLang="de-DE" dirty="0"/>
-              <a:t>) eines bereits existierenden Remote Repository (</a:t>
-            </a:r>
-            <a:r>
-              <a:rPr lang="de-DE" altLang="de-DE" b="1" dirty="0" err="1"/>
-              <a:t>origin</a:t>
-            </a:r>
-            <a:r>
-              <a:rPr lang="de-DE" altLang="de-DE" dirty="0"/>
-              <a:t>) mittels</a:t>
-            </a:r>
-          </a:p>
-          <a:p>
-            <a:pPr marL="57150" indent="0">
-              <a:spcBef>
-                <a:spcPts val="600"/>
-              </a:spcBef>
-              <a:spcAft>
-                <a:spcPts val="300"/>
-              </a:spcAft>
+              <a:t> mit mehreren Personen</a:t>
+            </a:r>
+          </a:p>
+          <a:p>
+            <a:r>
+              <a:rPr lang="de-DE" altLang="de-DE" dirty="0">
+                <a:sym typeface="Wingdings" panose="05000000000000000000" pitchFamily="2" charset="2"/>
+              </a:rPr>
+              <a:t>Auch oft einfach nur als Remote bezeichnet</a:t>
+            </a:r>
+          </a:p>
+          <a:p>
+            <a:r>
+              <a:rPr lang="de-DE" altLang="de-DE" dirty="0">
+                <a:sym typeface="Wingdings" panose="05000000000000000000" pitchFamily="2" charset="2"/>
+              </a:rPr>
+              <a:t>Wird im Netzwerk gehostet</a:t>
+            </a:r>
+          </a:p>
+          <a:p>
+            <a:pPr lvl="1"/>
+            <a:r>
+              <a:rPr lang="de-DE" altLang="de-DE" dirty="0">
+                <a:sym typeface="Wingdings" panose="05000000000000000000" pitchFamily="2" charset="2"/>
+              </a:rPr>
+              <a:t>Kann als einfaches </a:t>
+            </a:r>
+            <a:r>
+              <a:rPr lang="de-DE" altLang="de-DE" dirty="0" err="1">
+                <a:sym typeface="Wingdings" panose="05000000000000000000" pitchFamily="2" charset="2"/>
+              </a:rPr>
+              <a:t>Git</a:t>
+            </a:r>
+            <a:r>
+              <a:rPr lang="de-DE" altLang="de-DE" dirty="0">
+                <a:sym typeface="Wingdings" panose="05000000000000000000" pitchFamily="2" charset="2"/>
+              </a:rPr>
+              <a:t> Repository auf eigenem Server gehostet werden</a:t>
+            </a:r>
+          </a:p>
+          <a:p>
+            <a:pPr lvl="1"/>
+            <a:r>
+              <a:rPr lang="de-DE" altLang="de-DE" dirty="0">
+                <a:sym typeface="Wingdings" panose="05000000000000000000" pitchFamily="2" charset="2"/>
+              </a:rPr>
+              <a:t>Andere Konzepte wie </a:t>
+            </a:r>
+            <a:r>
+              <a:rPr lang="de-DE" altLang="de-DE" dirty="0" err="1">
+                <a:sym typeface="Wingdings" panose="05000000000000000000" pitchFamily="2" charset="2"/>
+              </a:rPr>
+              <a:t>GitLab</a:t>
+            </a:r>
+            <a:r>
+              <a:rPr lang="de-DE" altLang="de-DE" dirty="0">
+                <a:sym typeface="Wingdings" panose="05000000000000000000" pitchFamily="2" charset="2"/>
+              </a:rPr>
+              <a:t>, GitHub, </a:t>
+            </a:r>
+            <a:r>
+              <a:rPr lang="de-DE" altLang="de-DE" dirty="0" err="1">
+                <a:sym typeface="Wingdings" panose="05000000000000000000" pitchFamily="2" charset="2"/>
+              </a:rPr>
+              <a:t>BitBucket</a:t>
+            </a:r>
+            <a:r>
+              <a:rPr lang="de-DE" altLang="de-DE" dirty="0">
+                <a:sym typeface="Wingdings" panose="05000000000000000000" pitchFamily="2" charset="2"/>
+              </a:rPr>
+              <a:t> usw. ergänzen reines Hosting von </a:t>
+            </a:r>
+            <a:r>
+              <a:rPr lang="de-DE" altLang="de-DE" dirty="0" err="1">
+                <a:sym typeface="Wingdings" panose="05000000000000000000" pitchFamily="2" charset="2"/>
+              </a:rPr>
+              <a:t>Repositories</a:t>
+            </a:r>
+            <a:r>
+              <a:rPr lang="de-DE" altLang="de-DE" dirty="0">
+                <a:sym typeface="Wingdings" panose="05000000000000000000" pitchFamily="2" charset="2"/>
+              </a:rPr>
+              <a:t> um viele nützliche Features und sind weit verbreitet</a:t>
+            </a:r>
+          </a:p>
+          <a:p>
+            <a:r>
+              <a:rPr lang="de-DE" altLang="de-DE" dirty="0">
+                <a:sym typeface="Wingdings" panose="05000000000000000000" pitchFamily="2" charset="2"/>
+              </a:rPr>
+              <a:t>Unterscheidet sich technisch nicht von einem lokalen Repository</a:t>
+            </a:r>
+          </a:p>
+          <a:p>
+            <a:pPr lvl="1"/>
+            <a:r>
+              <a:rPr lang="de-DE" altLang="de-DE" dirty="0">
+                <a:sym typeface="Wingdings" panose="05000000000000000000" pitchFamily="2" charset="2"/>
+              </a:rPr>
+              <a:t>Man könnte bspw. das Repository des Kollegen bei sich als Remote Repository hinzufügen</a:t>
+            </a:r>
+          </a:p>
+          <a:p>
+            <a:pPr lvl="1"/>
+            <a:r>
+              <a:rPr lang="de-DE" altLang="de-DE" dirty="0">
+                <a:sym typeface="Wingdings" panose="05000000000000000000" pitchFamily="2" charset="2"/>
+              </a:rPr>
+              <a:t>Remote </a:t>
+            </a:r>
+            <a:r>
+              <a:rPr lang="de-DE" altLang="de-DE" dirty="0" err="1">
+                <a:sym typeface="Wingdings" panose="05000000000000000000" pitchFamily="2" charset="2"/>
+              </a:rPr>
+              <a:t>Repositories</a:t>
+            </a:r>
+            <a:r>
+              <a:rPr lang="de-DE" altLang="de-DE" dirty="0">
+                <a:sym typeface="Wingdings" panose="05000000000000000000" pitchFamily="2" charset="2"/>
+              </a:rPr>
+              <a:t> sind häufig sogenannte </a:t>
+            </a:r>
+            <a:r>
+              <a:rPr lang="de-DE" altLang="de-DE" b="1" dirty="0">
+                <a:sym typeface="Wingdings" panose="05000000000000000000" pitchFamily="2" charset="2"/>
+              </a:rPr>
+              <a:t>Bare</a:t>
+            </a:r>
+            <a:r>
+              <a:rPr lang="de-DE" altLang="de-DE" dirty="0">
+                <a:sym typeface="Wingdings" panose="05000000000000000000" pitchFamily="2" charset="2"/>
+              </a:rPr>
+              <a:t> </a:t>
+            </a:r>
+            <a:r>
+              <a:rPr lang="de-DE" altLang="de-DE" dirty="0" err="1">
+                <a:sym typeface="Wingdings" panose="05000000000000000000" pitchFamily="2" charset="2"/>
+              </a:rPr>
+              <a:t>Repositories</a:t>
+            </a:r>
+            <a:r>
+              <a:rPr lang="de-DE" altLang="de-DE" dirty="0">
+                <a:sym typeface="Wingdings" panose="05000000000000000000" pitchFamily="2" charset="2"/>
+              </a:rPr>
+              <a:t>, besitzen also kein lokalen Workspace</a:t>
+            </a:r>
+          </a:p>
+          <a:p>
+            <a:pPr lvl="1"/>
+            <a:r>
+              <a:rPr lang="de-DE" altLang="de-DE" dirty="0">
+                <a:sym typeface="Wingdings" panose="05000000000000000000" pitchFamily="2" charset="2"/>
+              </a:rPr>
+              <a:t>Bare </a:t>
+            </a:r>
+            <a:r>
+              <a:rPr lang="de-DE" altLang="de-DE" dirty="0" err="1">
+                <a:sym typeface="Wingdings" panose="05000000000000000000" pitchFamily="2" charset="2"/>
+              </a:rPr>
+              <a:t>Repositories</a:t>
+            </a:r>
+            <a:r>
+              <a:rPr lang="de-DE" altLang="de-DE" dirty="0">
+                <a:sym typeface="Wingdings" panose="05000000000000000000" pitchFamily="2" charset="2"/>
+              </a:rPr>
+              <a:t> können keine Dateien auschecken und daher auch keine potenziellen Konflikte lösen</a:t>
+            </a:r>
+          </a:p>
+          <a:p>
+            <a:r>
+              <a:rPr lang="de-DE" altLang="de-DE" dirty="0">
+                <a:sym typeface="Wingdings" panose="05000000000000000000" pitchFamily="2" charset="2"/>
+              </a:rPr>
+              <a:t>Man kann mehrere </a:t>
+            </a:r>
+            <a:r>
+              <a:rPr lang="de-DE" altLang="de-DE" dirty="0" err="1">
+                <a:sym typeface="Wingdings" panose="05000000000000000000" pitchFamily="2" charset="2"/>
+              </a:rPr>
+              <a:t>Remotes</a:t>
+            </a:r>
+            <a:r>
+              <a:rPr lang="de-DE" altLang="de-DE" dirty="0">
+                <a:sym typeface="Wingdings" panose="05000000000000000000" pitchFamily="2" charset="2"/>
+              </a:rPr>
+              <a:t> zu einem lokalen Repository hinzufügen</a:t>
+            </a:r>
+          </a:p>
+          <a:p>
+            <a:pPr lvl="1"/>
+            <a:endParaRPr lang="de-DE" altLang="de-DE" dirty="0">
+              <a:sym typeface="Wingdings" panose="05000000000000000000" pitchFamily="2" charset="2"/>
+            </a:endParaRPr>
+          </a:p>
+          <a:p>
+            <a:pPr marL="358775" indent="0">
               <a:buNone/>
             </a:pPr>
-            <a:r>
-              <a:rPr lang="de-DE" altLang="de-DE" dirty="0"/>
-              <a:t>	</a:t>
-            </a:r>
-            <a:r>
-              <a:rPr lang="de-DE" altLang="de-DE" dirty="0" err="1">
-                <a:latin typeface="Consolas" panose="020B0609020204030204" pitchFamily="49" charset="0"/>
-              </a:rPr>
-              <a:t>git</a:t>
-            </a:r>
-            <a:r>
-              <a:rPr lang="de-DE" altLang="de-DE" dirty="0">
-                <a:latin typeface="Consolas" panose="020B0609020204030204" pitchFamily="49" charset="0"/>
-              </a:rPr>
-              <a:t> </a:t>
-            </a:r>
-            <a:r>
-              <a:rPr lang="de-DE" altLang="de-DE" dirty="0" err="1">
-                <a:latin typeface="Consolas" panose="020B0609020204030204" pitchFamily="49" charset="0"/>
-              </a:rPr>
-              <a:t>clone</a:t>
-            </a:r>
-            <a:r>
-              <a:rPr lang="de-DE" altLang="de-DE" dirty="0">
-                <a:latin typeface="Consolas" panose="020B0609020204030204" pitchFamily="49" charset="0"/>
-              </a:rPr>
-              <a:t> &lt;remote-</a:t>
-            </a:r>
-            <a:r>
-              <a:rPr lang="de-DE" altLang="de-DE" dirty="0" err="1">
-                <a:latin typeface="Consolas" panose="020B0609020204030204" pitchFamily="49" charset="0"/>
-              </a:rPr>
-              <a:t>refernce</a:t>
-            </a:r>
-            <a:r>
-              <a:rPr lang="de-DE" altLang="de-DE" dirty="0">
-                <a:latin typeface="Consolas" panose="020B0609020204030204" pitchFamily="49" charset="0"/>
-              </a:rPr>
-              <a:t>&gt;</a:t>
-            </a:r>
-          </a:p>
-          <a:p>
-            <a:pPr marL="400050">
-              <a:spcBef>
-                <a:spcPts val="600"/>
-              </a:spcBef>
-              <a:spcAft>
-                <a:spcPts val="300"/>
-              </a:spcAft>
-            </a:pPr>
-            <a:r>
-              <a:rPr lang="de-DE" altLang="de-DE" dirty="0"/>
-              <a:t>Erstellt Verknüpfung zwischen </a:t>
-            </a:r>
-            <a:r>
-              <a:rPr lang="de-DE" altLang="de-DE" b="1" dirty="0" err="1"/>
-              <a:t>local</a:t>
-            </a:r>
-            <a:r>
-              <a:rPr lang="de-DE" altLang="de-DE" dirty="0"/>
-              <a:t> und </a:t>
-            </a:r>
-            <a:r>
-              <a:rPr lang="de-DE" altLang="de-DE" b="1" dirty="0" err="1"/>
-              <a:t>origin</a:t>
-            </a:r>
-            <a:r>
-              <a:rPr lang="de-DE" altLang="de-DE" dirty="0"/>
-              <a:t>, um Synchronisation zu ermöglichen (</a:t>
-            </a:r>
-            <a:r>
-              <a:rPr lang="de-DE" altLang="de-DE" dirty="0">
-                <a:latin typeface="Consolas" panose="020B0609020204030204" pitchFamily="49" charset="0"/>
-              </a:rPr>
-              <a:t>push</a:t>
-            </a:r>
-            <a:r>
-              <a:rPr lang="de-DE" altLang="de-DE" dirty="0"/>
-              <a:t>,</a:t>
-            </a:r>
-            <a:r>
-              <a:rPr lang="de-DE" altLang="de-DE" dirty="0">
-                <a:latin typeface="Consolas" panose="020B0609020204030204" pitchFamily="49" charset="0"/>
-              </a:rPr>
-              <a:t> pull</a:t>
-            </a:r>
-            <a:r>
-              <a:rPr lang="de-DE" altLang="de-DE" dirty="0"/>
-              <a:t>,</a:t>
-            </a:r>
-            <a:r>
-              <a:rPr lang="de-DE" altLang="de-DE" dirty="0">
-                <a:latin typeface="Consolas" panose="020B0609020204030204" pitchFamily="49" charset="0"/>
-              </a:rPr>
-              <a:t> </a:t>
-            </a:r>
-            <a:r>
-              <a:rPr lang="de-DE" altLang="de-DE" dirty="0" err="1">
-                <a:latin typeface="Consolas" panose="020B0609020204030204" pitchFamily="49" charset="0"/>
-              </a:rPr>
-              <a:t>fetch</a:t>
-            </a:r>
-            <a:r>
-              <a:rPr lang="de-DE" altLang="de-DE" dirty="0"/>
-              <a:t>, …)</a:t>
-            </a:r>
-          </a:p>
-          <a:p>
-            <a:pPr marL="400050">
-              <a:spcBef>
-                <a:spcPts val="600"/>
-              </a:spcBef>
-              <a:spcAft>
-                <a:spcPts val="300"/>
-              </a:spcAft>
-            </a:pPr>
-            <a:r>
-              <a:rPr lang="de-DE" altLang="de-DE" b="1" dirty="0" err="1"/>
-              <a:t>local</a:t>
-            </a:r>
-            <a:r>
-              <a:rPr lang="de-DE" altLang="de-DE" dirty="0"/>
-              <a:t> besteht zunächst nur aus </a:t>
-            </a:r>
-            <a:r>
-              <a:rPr lang="de-DE" altLang="de-DE" b="1" dirty="0" err="1"/>
-              <a:t>default</a:t>
-            </a:r>
-            <a:r>
-              <a:rPr lang="de-DE" altLang="de-DE" dirty="0"/>
-              <a:t> Branch</a:t>
-            </a:r>
-          </a:p>
-          <a:p>
-            <a:pPr marL="400050">
-              <a:spcBef>
-                <a:spcPts val="600"/>
-              </a:spcBef>
-              <a:spcAft>
-                <a:spcPts val="300"/>
-              </a:spcAft>
-            </a:pPr>
-            <a:r>
-              <a:rPr lang="de-DE" altLang="de-DE" dirty="0"/>
-              <a:t>Informationen über andere </a:t>
-            </a:r>
-            <a:r>
-              <a:rPr lang="de-DE" altLang="de-DE" dirty="0" err="1"/>
-              <a:t>Branches</a:t>
-            </a:r>
-            <a:r>
-              <a:rPr lang="de-DE" altLang="de-DE" dirty="0"/>
-              <a:t> werden trotzdem abgerufen und können auch </a:t>
-            </a:r>
-            <a:r>
-              <a:rPr lang="de-DE" altLang="de-DE" dirty="0" err="1"/>
-              <a:t>read-only</a:t>
-            </a:r>
-            <a:r>
-              <a:rPr lang="de-DE" altLang="de-DE" dirty="0"/>
-              <a:t> mittels </a:t>
-            </a:r>
-            <a:r>
-              <a:rPr lang="de-DE" altLang="de-DE" dirty="0" err="1">
-                <a:latin typeface="Consolas" panose="020B0609020204030204" pitchFamily="49" charset="0"/>
-              </a:rPr>
-              <a:t>git</a:t>
-            </a:r>
-            <a:r>
-              <a:rPr lang="de-DE" altLang="de-DE" dirty="0">
-                <a:latin typeface="Consolas" panose="020B0609020204030204" pitchFamily="49" charset="0"/>
-              </a:rPr>
-              <a:t> </a:t>
-            </a:r>
-            <a:r>
-              <a:rPr lang="de-DE" altLang="de-DE" dirty="0" err="1">
-                <a:latin typeface="Consolas" panose="020B0609020204030204" pitchFamily="49" charset="0"/>
-              </a:rPr>
-              <a:t>checkout</a:t>
-            </a:r>
-            <a:r>
-              <a:rPr lang="de-DE" altLang="de-DE" dirty="0">
-                <a:latin typeface="Consolas" panose="020B0609020204030204" pitchFamily="49" charset="0"/>
-              </a:rPr>
-              <a:t> </a:t>
-            </a:r>
-            <a:r>
-              <a:rPr lang="de-DE" altLang="de-DE" dirty="0" err="1">
-                <a:latin typeface="Consolas" panose="020B0609020204030204" pitchFamily="49" charset="0"/>
-              </a:rPr>
-              <a:t>origin</a:t>
-            </a:r>
-            <a:r>
-              <a:rPr lang="de-DE" altLang="de-DE" dirty="0">
-                <a:latin typeface="Consolas" panose="020B0609020204030204" pitchFamily="49" charset="0"/>
-              </a:rPr>
-              <a:t>/&lt;</a:t>
-            </a:r>
-            <a:r>
-              <a:rPr lang="de-DE" altLang="de-DE" dirty="0" err="1">
-                <a:latin typeface="Consolas" panose="020B0609020204030204" pitchFamily="49" charset="0"/>
-              </a:rPr>
-              <a:t>branch</a:t>
-            </a:r>
-            <a:r>
-              <a:rPr lang="de-DE" altLang="de-DE" dirty="0">
-                <a:latin typeface="Consolas" panose="020B0609020204030204" pitchFamily="49" charset="0"/>
-              </a:rPr>
-              <a:t>&gt; </a:t>
-            </a:r>
-            <a:r>
-              <a:rPr lang="de-DE" altLang="de-DE" dirty="0"/>
-              <a:t>angeschaut werden (</a:t>
-            </a:r>
-            <a:r>
-              <a:rPr lang="de-DE" altLang="de-DE" b="1" dirty="0"/>
-              <a:t>Remote Tracking</a:t>
-            </a:r>
-            <a:r>
-              <a:rPr lang="de-DE" altLang="de-DE" dirty="0"/>
-              <a:t> Bereich)</a:t>
-            </a:r>
-          </a:p>
-          <a:p>
-            <a:pPr marL="400050">
-              <a:spcBef>
-                <a:spcPts val="600"/>
-              </a:spcBef>
-              <a:spcAft>
-                <a:spcPts val="300"/>
-              </a:spcAft>
-            </a:pPr>
-            <a:r>
-              <a:rPr lang="de-DE" altLang="de-DE" dirty="0"/>
-              <a:t>Erst durch </a:t>
-            </a:r>
-            <a:r>
-              <a:rPr lang="de-DE" altLang="de-DE" dirty="0" err="1">
-                <a:latin typeface="Consolas" panose="020B0609020204030204" pitchFamily="49" charset="0"/>
-              </a:rPr>
-              <a:t>git</a:t>
-            </a:r>
-            <a:r>
-              <a:rPr lang="de-DE" altLang="de-DE" dirty="0">
-                <a:latin typeface="Consolas" panose="020B0609020204030204" pitchFamily="49" charset="0"/>
-              </a:rPr>
-              <a:t> </a:t>
-            </a:r>
-            <a:r>
-              <a:rPr lang="de-DE" altLang="de-DE" dirty="0" err="1">
-                <a:latin typeface="Consolas" panose="020B0609020204030204" pitchFamily="49" charset="0"/>
-              </a:rPr>
-              <a:t>checkout</a:t>
-            </a:r>
-            <a:r>
-              <a:rPr lang="de-DE" altLang="de-DE" dirty="0">
-                <a:latin typeface="Consolas" panose="020B0609020204030204" pitchFamily="49" charset="0"/>
-              </a:rPr>
-              <a:t> &lt;</a:t>
-            </a:r>
-            <a:r>
-              <a:rPr lang="de-DE" altLang="de-DE" dirty="0" err="1">
-                <a:latin typeface="Consolas" panose="020B0609020204030204" pitchFamily="49" charset="0"/>
-              </a:rPr>
-              <a:t>branch</a:t>
-            </a:r>
-            <a:r>
-              <a:rPr lang="de-DE" altLang="de-DE" dirty="0">
-                <a:latin typeface="Consolas" panose="020B0609020204030204" pitchFamily="49" charset="0"/>
-              </a:rPr>
-              <a:t>&gt; </a:t>
-            </a:r>
-            <a:r>
-              <a:rPr lang="de-DE" altLang="de-DE" dirty="0"/>
-              <a:t>wird eine volle lokale Kopie in </a:t>
-            </a:r>
-            <a:r>
-              <a:rPr lang="de-DE" altLang="de-DE" b="1" dirty="0" err="1"/>
-              <a:t>local</a:t>
-            </a:r>
-            <a:r>
-              <a:rPr lang="de-DE" altLang="de-DE" dirty="0"/>
-              <a:t> angelegt und der zugehörige Remote Branch mit diesem als </a:t>
-            </a:r>
-            <a:r>
-              <a:rPr lang="de-DE" altLang="de-DE" b="1" dirty="0"/>
-              <a:t>Upstream</a:t>
-            </a:r>
-            <a:r>
-              <a:rPr lang="de-DE" altLang="de-DE" dirty="0"/>
-              <a:t> verknüpft</a:t>
-            </a:r>
-          </a:p>
-          <a:p>
-            <a:pPr marL="400050">
-              <a:spcBef>
-                <a:spcPts val="600"/>
-              </a:spcBef>
-              <a:spcAft>
-                <a:spcPts val="300"/>
-              </a:spcAft>
-            </a:pPr>
-            <a:r>
-              <a:rPr lang="de-DE" altLang="de-DE" b="1" dirty="0"/>
-              <a:t>Upstream</a:t>
-            </a:r>
-            <a:r>
-              <a:rPr lang="de-DE" altLang="de-DE" dirty="0"/>
-              <a:t> definiert den zu einem lokalen Branch zugehörigen Branch, auf dem beim </a:t>
-            </a:r>
-            <a:r>
-              <a:rPr lang="de-DE" altLang="de-DE" dirty="0" err="1">
-                <a:latin typeface="Consolas" panose="020B0609020204030204" pitchFamily="49" charset="0"/>
-              </a:rPr>
-              <a:t>fetch</a:t>
-            </a:r>
-            <a:r>
-              <a:rPr lang="de-DE" altLang="de-DE" dirty="0"/>
-              <a:t>, </a:t>
-            </a:r>
-            <a:r>
-              <a:rPr lang="de-DE" altLang="de-DE" dirty="0">
-                <a:latin typeface="Consolas" panose="020B0609020204030204" pitchFamily="49" charset="0"/>
-              </a:rPr>
-              <a:t>pull</a:t>
-            </a:r>
-            <a:r>
-              <a:rPr lang="de-DE" altLang="de-DE" dirty="0"/>
-              <a:t> oder </a:t>
-            </a:r>
-            <a:r>
-              <a:rPr lang="de-DE" altLang="de-DE" dirty="0">
-                <a:latin typeface="Consolas" panose="020B0609020204030204" pitchFamily="49" charset="0"/>
-              </a:rPr>
-              <a:t>push</a:t>
-            </a:r>
-            <a:r>
-              <a:rPr lang="de-DE" altLang="de-DE" dirty="0"/>
-              <a:t> zugegriffen wird</a:t>
-            </a:r>
+            <a:endParaRPr lang="de-DE" altLang="de-DE" dirty="0">
+              <a:sym typeface="Wingdings" panose="05000000000000000000" pitchFamily="2" charset="2"/>
+            </a:endParaRPr>
           </a:p>
         </p:txBody>
       </p:sp>
@@ -7256,12 +7412,8 @@
           <a:lstStyle/>
           <a:p>
             <a:r>
-              <a:rPr lang="de-DE" altLang="de-DE" dirty="0" err="1"/>
-              <a:t>Clonen</a:t>
-            </a:r>
-            <a:r>
               <a:rPr lang="de-DE" altLang="de-DE" dirty="0"/>
-              <a:t> eines Projektes</a:t>
+              <a:t>Remote Repository</a:t>
             </a:r>
           </a:p>
         </p:txBody>
@@ -7269,7 +7421,7 @@
     </p:spTree>
     <p:extLst>
       <p:ext uri="{BB962C8B-B14F-4D97-AF65-F5344CB8AC3E}">
-        <p14:creationId xmlns:p14="http://schemas.microsoft.com/office/powerpoint/2010/main" val="4293719170"/>
+        <p14:creationId xmlns:p14="http://schemas.microsoft.com/office/powerpoint/2010/main" val="123332739"/>
       </p:ext>
     </p:extLst>
   </p:cSld>
@@ -7322,231 +7474,409 @@
           <a:bodyPr/>
           <a:lstStyle/>
           <a:p>
+            <a:pPr marL="57150" indent="0">
+              <a:spcBef>
+                <a:spcPts val="600"/>
+              </a:spcBef>
+              <a:spcAft>
+                <a:spcPts val="300"/>
+              </a:spcAft>
+              <a:buNone/>
+            </a:pPr>
+            <a:r>
+              <a:rPr lang="de-DE" altLang="de-DE" b="1" dirty="0" err="1"/>
+              <a:t>Clonen</a:t>
+            </a:r>
+            <a:r>
+              <a:rPr lang="de-DE" altLang="de-DE" b="1" dirty="0"/>
+              <a:t> eines vorhandenen Remote </a:t>
+            </a:r>
+            <a:r>
+              <a:rPr lang="de-DE" altLang="de-DE" b="1" dirty="0" err="1"/>
+              <a:t>Repositories</a:t>
+            </a:r>
+            <a:endParaRPr lang="de-DE" altLang="de-DE" b="1" dirty="0"/>
+          </a:p>
+          <a:p>
             <a:pPr marL="400050">
               <a:spcBef>
                 <a:spcPts val="600"/>
               </a:spcBef>
+              <a:spcAft>
+                <a:spcPts val="300"/>
+              </a:spcAft>
             </a:pPr>
             <a:r>
               <a:rPr lang="de-DE" altLang="de-DE" dirty="0"/>
-              <a:t>Beispiel</a:t>
-            </a:r>
-          </a:p>
-          <a:p>
-            <a:pPr marL="514350" lvl="1" indent="0">
+              <a:t>Erzeugt eine lokale Kopie (</a:t>
+            </a:r>
+            <a:r>
+              <a:rPr lang="de-DE" altLang="de-DE" b="1" dirty="0" err="1"/>
+              <a:t>local</a:t>
+            </a:r>
+            <a:r>
+              <a:rPr lang="de-DE" altLang="de-DE" dirty="0"/>
+              <a:t>) eines bereits existierenden Remote Repository (</a:t>
+            </a:r>
+            <a:r>
+              <a:rPr lang="de-DE" altLang="de-DE" b="1" dirty="0" err="1"/>
+              <a:t>origin</a:t>
+            </a:r>
+            <a:r>
+              <a:rPr lang="de-DE" altLang="de-DE" dirty="0"/>
+              <a:t>) mittels</a:t>
+            </a:r>
+          </a:p>
+          <a:p>
+            <a:pPr marL="57150" indent="0">
+              <a:spcBef>
+                <a:spcPts val="600"/>
+              </a:spcBef>
+              <a:spcAft>
+                <a:spcPts val="300"/>
+              </a:spcAft>
               <a:buNone/>
             </a:pPr>
-            <a:endParaRPr lang="de-DE" altLang="de-DE" sz="1200" dirty="0">
-              <a:latin typeface="Consolas" panose="020B0609020204030204" pitchFamily="49" charset="0"/>
-            </a:endParaRPr>
-          </a:p>
-          <a:p>
-            <a:pPr marL="514350" lvl="1" indent="0">
-              <a:buNone/>
-            </a:pPr>
-            <a:r>
-              <a:rPr lang="de-DE" altLang="de-DE" sz="1200" dirty="0">
-                <a:latin typeface="Consolas" panose="020B0609020204030204" pitchFamily="49" charset="0"/>
-              </a:rPr>
-              <a:t>$ </a:t>
-            </a:r>
-            <a:r>
-              <a:rPr lang="de-DE" altLang="de-DE" sz="1200" dirty="0" err="1">
+            <a:r>
+              <a:rPr lang="de-DE" altLang="de-DE" dirty="0"/>
+              <a:t>	</a:t>
+            </a:r>
+            <a:r>
+              <a:rPr lang="de-DE" altLang="de-DE" dirty="0" err="1">
                 <a:latin typeface="Consolas" panose="020B0609020204030204" pitchFamily="49" charset="0"/>
               </a:rPr>
               <a:t>git</a:t>
             </a:r>
             <a:r>
-              <a:rPr lang="de-DE" altLang="de-DE" sz="1200" dirty="0">
+              <a:rPr lang="de-DE" altLang="de-DE" dirty="0">
                 <a:latin typeface="Consolas" panose="020B0609020204030204" pitchFamily="49" charset="0"/>
               </a:rPr>
               <a:t> </a:t>
             </a:r>
             <a:r>
-              <a:rPr lang="de-DE" altLang="de-DE" sz="1200" dirty="0" err="1">
+              <a:rPr lang="de-DE" altLang="de-DE" dirty="0" err="1">
                 <a:latin typeface="Consolas" panose="020B0609020204030204" pitchFamily="49" charset="0"/>
               </a:rPr>
               <a:t>clone</a:t>
             </a:r>
             <a:r>
-              <a:rPr lang="de-DE" altLang="de-DE" sz="1200" dirty="0">
-                <a:latin typeface="Consolas" panose="020B0609020204030204" pitchFamily="49" charset="0"/>
-              </a:rPr>
-              <a:t> </a:t>
-            </a:r>
-            <a:r>
-              <a:rPr lang="de-DE" altLang="de-DE" sz="1200" dirty="0" err="1">
-                <a:latin typeface="Consolas" panose="020B0609020204030204" pitchFamily="49" charset="0"/>
-              </a:rPr>
-              <a:t>gituser@gitlab.example.de:git_demo</a:t>
-            </a:r>
-            <a:endParaRPr lang="de-DE" altLang="de-DE" sz="1200" dirty="0">
-              <a:latin typeface="Consolas" panose="020B0609020204030204" pitchFamily="49" charset="0"/>
-            </a:endParaRPr>
-          </a:p>
-          <a:p>
-            <a:pPr marL="514350" lvl="1" indent="0">
-              <a:buNone/>
-            </a:pPr>
-            <a:r>
-              <a:rPr lang="de-DE" altLang="de-DE" sz="1200" dirty="0">
-                <a:latin typeface="Consolas" panose="020B0609020204030204" pitchFamily="49" charset="0"/>
-              </a:rPr>
-              <a:t>$ </a:t>
-            </a:r>
-            <a:r>
-              <a:rPr lang="de-DE" altLang="de-DE" sz="1200" dirty="0" err="1">
-                <a:latin typeface="Consolas" panose="020B0609020204030204" pitchFamily="49" charset="0"/>
-              </a:rPr>
-              <a:t>git</a:t>
-            </a:r>
-            <a:r>
-              <a:rPr lang="de-DE" altLang="de-DE" sz="1200" dirty="0">
-                <a:latin typeface="Consolas" panose="020B0609020204030204" pitchFamily="49" charset="0"/>
-              </a:rPr>
-              <a:t> </a:t>
-            </a:r>
-            <a:r>
-              <a:rPr lang="de-DE" altLang="de-DE" sz="1200" dirty="0" err="1">
-                <a:latin typeface="Consolas" panose="020B0609020204030204" pitchFamily="49" charset="0"/>
-              </a:rPr>
-              <a:t>branch</a:t>
-            </a:r>
-            <a:endParaRPr lang="de-DE" altLang="de-DE" sz="1200" dirty="0">
-              <a:latin typeface="Consolas" panose="020B0609020204030204" pitchFamily="49" charset="0"/>
-            </a:endParaRPr>
-          </a:p>
-          <a:p>
-            <a:pPr marL="514350" lvl="1" indent="0">
-              <a:buNone/>
-            </a:pPr>
-            <a:r>
-              <a:rPr lang="de-DE" altLang="de-DE" sz="1200" dirty="0">
-                <a:latin typeface="Consolas" panose="020B0609020204030204" pitchFamily="49" charset="0"/>
-              </a:rPr>
-              <a:t>* Main</a:t>
-            </a:r>
-          </a:p>
-          <a:p>
-            <a:pPr marL="514350" lvl="1" indent="0">
-              <a:buNone/>
-            </a:pPr>
-            <a:endParaRPr lang="de-DE" altLang="de-DE" sz="1200" dirty="0">
-              <a:latin typeface="Consolas" panose="020B0609020204030204" pitchFamily="49" charset="0"/>
-            </a:endParaRPr>
+              <a:rPr lang="de-DE" altLang="de-DE" dirty="0">
+                <a:latin typeface="Consolas" panose="020B0609020204030204" pitchFamily="49" charset="0"/>
+              </a:rPr>
+              <a:t> &lt;remote-</a:t>
+            </a:r>
+            <a:r>
+              <a:rPr lang="de-DE" altLang="de-DE" dirty="0" err="1">
+                <a:latin typeface="Consolas" panose="020B0609020204030204" pitchFamily="49" charset="0"/>
+              </a:rPr>
+              <a:t>refernce</a:t>
+            </a:r>
+            <a:r>
+              <a:rPr lang="de-DE" altLang="de-DE" dirty="0">
+                <a:latin typeface="Consolas" panose="020B0609020204030204" pitchFamily="49" charset="0"/>
+              </a:rPr>
+              <a:t>&gt;</a:t>
+            </a:r>
           </a:p>
           <a:p>
             <a:pPr marL="400050">
               <a:spcBef>
                 <a:spcPts val="600"/>
               </a:spcBef>
-            </a:pPr>
-            <a:r>
-              <a:rPr lang="de-DE" altLang="de-DE" dirty="0"/>
-              <a:t>Alle Remote </a:t>
-            </a:r>
-            <a:r>
-              <a:rPr lang="de-DE" altLang="de-DE" dirty="0" err="1"/>
-              <a:t>Branches</a:t>
-            </a:r>
-            <a:r>
-              <a:rPr lang="de-DE" altLang="de-DE" dirty="0"/>
-              <a:t> anzeigen</a:t>
-            </a:r>
-          </a:p>
-          <a:p>
-            <a:pPr marL="457200" lvl="1" indent="0">
-              <a:buNone/>
-            </a:pPr>
-            <a:endParaRPr lang="en-US" altLang="de-DE" sz="1200" dirty="0">
-              <a:latin typeface="Consolas" panose="020B0609020204030204" pitchFamily="49" charset="0"/>
-            </a:endParaRPr>
-          </a:p>
-          <a:p>
-            <a:pPr marL="457200" lvl="1" indent="0">
-              <a:buNone/>
-            </a:pPr>
-            <a:r>
-              <a:rPr lang="en-US" altLang="de-DE" sz="1200" dirty="0">
-                <a:latin typeface="Consolas" panose="020B0609020204030204" pitchFamily="49" charset="0"/>
-              </a:rPr>
-              <a:t>$ git branch --all </a:t>
-            </a:r>
-          </a:p>
-          <a:p>
-            <a:pPr marL="457200" lvl="1" indent="0">
-              <a:buNone/>
-            </a:pPr>
-            <a:r>
-              <a:rPr lang="en-US" altLang="de-DE" sz="1200" dirty="0">
-                <a:latin typeface="Consolas" panose="020B0609020204030204" pitchFamily="49" charset="0"/>
-              </a:rPr>
-              <a:t>* main </a:t>
-            </a:r>
-          </a:p>
-          <a:p>
-            <a:pPr marL="457200" lvl="1" indent="0">
-              <a:buNone/>
-            </a:pPr>
-            <a:r>
-              <a:rPr lang="en-US" altLang="de-DE" sz="1200" dirty="0">
-                <a:latin typeface="Consolas" panose="020B0609020204030204" pitchFamily="49" charset="0"/>
-              </a:rPr>
-              <a:t>remotes/origin/HEAD -&gt; origin/main </a:t>
-            </a:r>
-            <a:br>
-              <a:rPr lang="en-US" altLang="de-DE" sz="1200" dirty="0">
-                <a:latin typeface="Consolas" panose="020B0609020204030204" pitchFamily="49" charset="0"/>
-              </a:rPr>
-            </a:br>
-            <a:r>
-              <a:rPr lang="en-US" altLang="de-DE" sz="1200" dirty="0">
-                <a:latin typeface="Consolas" panose="020B0609020204030204" pitchFamily="49" charset="0"/>
-              </a:rPr>
-              <a:t>remotes/origin/feature1</a:t>
-            </a:r>
-            <a:br>
-              <a:rPr lang="en-US" altLang="de-DE" sz="1200" dirty="0">
-                <a:latin typeface="Consolas" panose="020B0609020204030204" pitchFamily="49" charset="0"/>
-              </a:rPr>
-            </a:br>
-            <a:r>
-              <a:rPr lang="en-US" altLang="de-DE" sz="1200" dirty="0">
-                <a:latin typeface="Consolas" panose="020B0609020204030204" pitchFamily="49" charset="0"/>
-              </a:rPr>
-              <a:t>remotes/origin/feature2</a:t>
-            </a:r>
-            <a:br>
-              <a:rPr lang="en-US" altLang="de-DE" sz="1200" dirty="0">
-                <a:latin typeface="Consolas" panose="020B0609020204030204" pitchFamily="49" charset="0"/>
-              </a:rPr>
-            </a:br>
-            <a:r>
-              <a:rPr lang="en-US" altLang="de-DE" sz="1200" dirty="0">
-                <a:latin typeface="Consolas" panose="020B0609020204030204" pitchFamily="49" charset="0"/>
-              </a:rPr>
-              <a:t>...</a:t>
-            </a:r>
-          </a:p>
-          <a:p>
-            <a:pPr marL="457200" lvl="1" indent="0">
               <a:spcAft>
                 <a:spcPts val="300"/>
               </a:spcAft>
-              <a:buNone/>
-            </a:pPr>
-            <a:endParaRPr lang="en-US" altLang="de-DE" sz="1200" dirty="0">
-              <a:latin typeface="Consolas" panose="020B0609020204030204" pitchFamily="49" charset="0"/>
-            </a:endParaRPr>
-          </a:p>
-          <a:p>
-            <a:pPr marL="457200" lvl="1" indent="0">
+            </a:pPr>
+            <a:r>
+              <a:rPr lang="de-DE" altLang="de-DE" dirty="0"/>
+              <a:t>Erstellt Verknüpfung zwischen </a:t>
+            </a:r>
+            <a:r>
+              <a:rPr lang="de-DE" altLang="de-DE" b="1" dirty="0" err="1"/>
+              <a:t>local</a:t>
+            </a:r>
+            <a:r>
+              <a:rPr lang="de-DE" altLang="de-DE" dirty="0"/>
+              <a:t> und </a:t>
+            </a:r>
+            <a:r>
+              <a:rPr lang="de-DE" altLang="de-DE" b="1" dirty="0" err="1"/>
+              <a:t>origin</a:t>
+            </a:r>
+            <a:r>
+              <a:rPr lang="de-DE" altLang="de-DE" dirty="0"/>
+              <a:t>, um Synchronisation zu ermöglichen (</a:t>
+            </a:r>
+            <a:r>
+              <a:rPr lang="de-DE" altLang="de-DE" dirty="0">
+                <a:latin typeface="Consolas" panose="020B0609020204030204" pitchFamily="49" charset="0"/>
+              </a:rPr>
+              <a:t>push</a:t>
+            </a:r>
+            <a:r>
+              <a:rPr lang="de-DE" altLang="de-DE" dirty="0"/>
+              <a:t>,</a:t>
+            </a:r>
+            <a:r>
+              <a:rPr lang="de-DE" altLang="de-DE" dirty="0">
+                <a:latin typeface="Consolas" panose="020B0609020204030204" pitchFamily="49" charset="0"/>
+              </a:rPr>
+              <a:t> pull</a:t>
+            </a:r>
+            <a:r>
+              <a:rPr lang="de-DE" altLang="de-DE" dirty="0"/>
+              <a:t>,</a:t>
+            </a:r>
+            <a:r>
+              <a:rPr lang="de-DE" altLang="de-DE" dirty="0">
+                <a:latin typeface="Consolas" panose="020B0609020204030204" pitchFamily="49" charset="0"/>
+              </a:rPr>
+              <a:t> </a:t>
+            </a:r>
+            <a:r>
+              <a:rPr lang="de-DE" altLang="de-DE" dirty="0" err="1">
+                <a:latin typeface="Consolas" panose="020B0609020204030204" pitchFamily="49" charset="0"/>
+              </a:rPr>
+              <a:t>fetch</a:t>
+            </a:r>
+            <a:r>
+              <a:rPr lang="de-DE" altLang="de-DE" dirty="0"/>
+              <a:t>, …)</a:t>
+            </a:r>
+          </a:p>
+          <a:p>
+            <a:pPr marL="400050">
+              <a:spcBef>
+                <a:spcPts val="600"/>
+              </a:spcBef>
               <a:spcAft>
                 <a:spcPts val="300"/>
               </a:spcAft>
-              <a:buNone/>
-            </a:pPr>
-            <a:endParaRPr lang="de-DE" altLang="de-DE" dirty="0"/>
+            </a:pPr>
+            <a:r>
+              <a:rPr lang="de-DE" altLang="de-DE" b="1" dirty="0" err="1"/>
+              <a:t>local</a:t>
+            </a:r>
+            <a:r>
+              <a:rPr lang="de-DE" altLang="de-DE" dirty="0"/>
+              <a:t> besteht zunächst nur aus </a:t>
+            </a:r>
+            <a:r>
+              <a:rPr lang="de-DE" altLang="de-DE" b="1" dirty="0" err="1"/>
+              <a:t>default</a:t>
+            </a:r>
+            <a:r>
+              <a:rPr lang="de-DE" altLang="de-DE" dirty="0"/>
+              <a:t> Branch</a:t>
+            </a:r>
+          </a:p>
+          <a:p>
+            <a:pPr marL="400050">
+              <a:spcBef>
+                <a:spcPts val="600"/>
+              </a:spcBef>
+              <a:spcAft>
+                <a:spcPts val="300"/>
+              </a:spcAft>
+            </a:pPr>
+            <a:r>
+              <a:rPr lang="de-DE" altLang="de-DE" dirty="0"/>
+              <a:t>Informationen über andere </a:t>
+            </a:r>
+            <a:r>
+              <a:rPr lang="de-DE" altLang="de-DE" dirty="0" err="1"/>
+              <a:t>Branches</a:t>
+            </a:r>
+            <a:r>
+              <a:rPr lang="de-DE" altLang="de-DE" dirty="0"/>
+              <a:t> werden trotzdem abgerufen und können auch </a:t>
+            </a:r>
+            <a:r>
+              <a:rPr lang="de-DE" altLang="de-DE" dirty="0" err="1"/>
+              <a:t>read-only</a:t>
+            </a:r>
+            <a:r>
+              <a:rPr lang="de-DE" altLang="de-DE" dirty="0"/>
+              <a:t> mittels </a:t>
+            </a:r>
+            <a:r>
+              <a:rPr lang="de-DE" altLang="de-DE" dirty="0" err="1">
+                <a:latin typeface="Consolas" panose="020B0609020204030204" pitchFamily="49" charset="0"/>
+              </a:rPr>
+              <a:t>git</a:t>
+            </a:r>
+            <a:r>
+              <a:rPr lang="de-DE" altLang="de-DE" dirty="0">
+                <a:latin typeface="Consolas" panose="020B0609020204030204" pitchFamily="49" charset="0"/>
+              </a:rPr>
+              <a:t> </a:t>
+            </a:r>
+            <a:r>
+              <a:rPr lang="de-DE" altLang="de-DE" dirty="0" err="1">
+                <a:latin typeface="Consolas" panose="020B0609020204030204" pitchFamily="49" charset="0"/>
+              </a:rPr>
+              <a:t>checkout</a:t>
+            </a:r>
+            <a:r>
+              <a:rPr lang="de-DE" altLang="de-DE" dirty="0">
+                <a:latin typeface="Consolas" panose="020B0609020204030204" pitchFamily="49" charset="0"/>
+              </a:rPr>
+              <a:t> </a:t>
+            </a:r>
+            <a:r>
+              <a:rPr lang="de-DE" altLang="de-DE" dirty="0" err="1">
+                <a:latin typeface="Consolas" panose="020B0609020204030204" pitchFamily="49" charset="0"/>
+              </a:rPr>
+              <a:t>origin</a:t>
+            </a:r>
+            <a:r>
+              <a:rPr lang="de-DE" altLang="de-DE" dirty="0">
+                <a:latin typeface="Consolas" panose="020B0609020204030204" pitchFamily="49" charset="0"/>
+              </a:rPr>
+              <a:t>/&lt;</a:t>
+            </a:r>
+            <a:r>
+              <a:rPr lang="de-DE" altLang="de-DE" dirty="0" err="1">
+                <a:latin typeface="Consolas" panose="020B0609020204030204" pitchFamily="49" charset="0"/>
+              </a:rPr>
+              <a:t>branch</a:t>
+            </a:r>
+            <a:r>
+              <a:rPr lang="de-DE" altLang="de-DE" dirty="0">
+                <a:latin typeface="Consolas" panose="020B0609020204030204" pitchFamily="49" charset="0"/>
+              </a:rPr>
+              <a:t>&gt; </a:t>
+            </a:r>
+            <a:r>
+              <a:rPr lang="de-DE" altLang="de-DE" dirty="0"/>
+              <a:t>angeschaut werden (</a:t>
+            </a:r>
+            <a:r>
+              <a:rPr lang="de-DE" altLang="de-DE" b="1" dirty="0"/>
+              <a:t>Remote Tracking</a:t>
+            </a:r>
+            <a:r>
+              <a:rPr lang="de-DE" altLang="de-DE" dirty="0"/>
+              <a:t> Bereich)</a:t>
+            </a:r>
+          </a:p>
+          <a:p>
+            <a:pPr marL="400050">
+              <a:spcBef>
+                <a:spcPts val="600"/>
+              </a:spcBef>
+              <a:spcAft>
+                <a:spcPts val="300"/>
+              </a:spcAft>
+            </a:pPr>
+            <a:r>
+              <a:rPr lang="de-DE" altLang="de-DE" dirty="0"/>
+              <a:t>Erst durch </a:t>
+            </a:r>
+            <a:r>
+              <a:rPr lang="de-DE" altLang="de-DE" dirty="0" err="1">
+                <a:latin typeface="Consolas" panose="020B0609020204030204" pitchFamily="49" charset="0"/>
+              </a:rPr>
+              <a:t>git</a:t>
+            </a:r>
+            <a:r>
+              <a:rPr lang="de-DE" altLang="de-DE" dirty="0">
+                <a:latin typeface="Consolas" panose="020B0609020204030204" pitchFamily="49" charset="0"/>
+              </a:rPr>
+              <a:t> </a:t>
+            </a:r>
+            <a:r>
+              <a:rPr lang="de-DE" altLang="de-DE" dirty="0" err="1">
+                <a:latin typeface="Consolas" panose="020B0609020204030204" pitchFamily="49" charset="0"/>
+              </a:rPr>
+              <a:t>checkout</a:t>
+            </a:r>
+            <a:r>
+              <a:rPr lang="de-DE" altLang="de-DE" dirty="0">
+                <a:latin typeface="Consolas" panose="020B0609020204030204" pitchFamily="49" charset="0"/>
+              </a:rPr>
+              <a:t> &lt;</a:t>
+            </a:r>
+            <a:r>
+              <a:rPr lang="de-DE" altLang="de-DE" dirty="0" err="1">
+                <a:latin typeface="Consolas" panose="020B0609020204030204" pitchFamily="49" charset="0"/>
+              </a:rPr>
+              <a:t>branch</a:t>
+            </a:r>
+            <a:r>
+              <a:rPr lang="de-DE" altLang="de-DE" dirty="0">
+                <a:latin typeface="Consolas" panose="020B0609020204030204" pitchFamily="49" charset="0"/>
+              </a:rPr>
+              <a:t>&gt; </a:t>
+            </a:r>
+            <a:r>
+              <a:rPr lang="de-DE" altLang="de-DE" dirty="0"/>
+              <a:t>wird eine volle lokale Kopie in </a:t>
+            </a:r>
+            <a:r>
+              <a:rPr lang="de-DE" altLang="de-DE" b="1" dirty="0" err="1"/>
+              <a:t>local</a:t>
+            </a:r>
+            <a:r>
+              <a:rPr lang="de-DE" altLang="de-DE" dirty="0"/>
+              <a:t> angelegt und der zugehörige Remote Branch mit diesem als </a:t>
+            </a:r>
+            <a:r>
+              <a:rPr lang="de-DE" altLang="de-DE" b="1" dirty="0"/>
+              <a:t>Upstream</a:t>
+            </a:r>
+            <a:r>
+              <a:rPr lang="de-DE" altLang="de-DE" dirty="0"/>
+              <a:t> verknüpft</a:t>
+            </a:r>
+          </a:p>
+          <a:p>
+            <a:pPr marL="400050">
+              <a:spcBef>
+                <a:spcPts val="600"/>
+              </a:spcBef>
+              <a:spcAft>
+                <a:spcPts val="300"/>
+              </a:spcAft>
+            </a:pPr>
+            <a:r>
+              <a:rPr lang="de-DE" altLang="de-DE" b="1" dirty="0"/>
+              <a:t>Upstream</a:t>
+            </a:r>
+            <a:r>
+              <a:rPr lang="de-DE" altLang="de-DE" dirty="0"/>
+              <a:t> definiert den zu einem lokalen Branch zugehörigen Branch, auf dem beim </a:t>
+            </a:r>
+            <a:r>
+              <a:rPr lang="de-DE" altLang="de-DE" dirty="0" err="1">
+                <a:latin typeface="Consolas" panose="020B0609020204030204" pitchFamily="49" charset="0"/>
+              </a:rPr>
+              <a:t>fetch</a:t>
+            </a:r>
+            <a:r>
+              <a:rPr lang="de-DE" altLang="de-DE" dirty="0"/>
+              <a:t>, </a:t>
+            </a:r>
+            <a:r>
+              <a:rPr lang="de-DE" altLang="de-DE" dirty="0">
+                <a:latin typeface="Consolas" panose="020B0609020204030204" pitchFamily="49" charset="0"/>
+              </a:rPr>
+              <a:t>pull</a:t>
+            </a:r>
+            <a:r>
+              <a:rPr lang="de-DE" altLang="de-DE" dirty="0"/>
+              <a:t> oder </a:t>
+            </a:r>
+            <a:r>
+              <a:rPr lang="de-DE" altLang="de-DE" dirty="0">
+                <a:latin typeface="Consolas" panose="020B0609020204030204" pitchFamily="49" charset="0"/>
+              </a:rPr>
+              <a:t>push</a:t>
+            </a:r>
+            <a:r>
+              <a:rPr lang="de-DE" altLang="de-DE" dirty="0"/>
+              <a:t> zugegriffen wird</a:t>
+            </a:r>
           </a:p>
         </p:txBody>
       </p:sp>
@@ -7577,12 +7907,8 @@
           <a:lstStyle/>
           <a:p>
             <a:r>
-              <a:rPr lang="de-DE" altLang="de-DE" dirty="0" err="1"/>
-              <a:t>Clonen</a:t>
-            </a:r>
-            <a:r>
               <a:rPr lang="de-DE" altLang="de-DE" dirty="0"/>
-              <a:t> eines Projektes</a:t>
+              <a:t>Remote Repository</a:t>
             </a:r>
           </a:p>
         </p:txBody>
@@ -7590,7 +7916,7 @@
     </p:spTree>
     <p:extLst>
       <p:ext uri="{BB962C8B-B14F-4D97-AF65-F5344CB8AC3E}">
-        <p14:creationId xmlns:p14="http://schemas.microsoft.com/office/powerpoint/2010/main" val="2739601707"/>
+        <p14:creationId xmlns:p14="http://schemas.microsoft.com/office/powerpoint/2010/main" val="4293719170"/>
       </p:ext>
     </p:extLst>
   </p:cSld>
@@ -7643,316 +7969,240 @@
           <a:bodyPr/>
           <a:lstStyle/>
           <a:p>
+            <a:pPr marL="57150" indent="0">
+              <a:spcBef>
+                <a:spcPts val="600"/>
+              </a:spcBef>
+              <a:buNone/>
+            </a:pPr>
+            <a:r>
+              <a:rPr lang="de-DE" altLang="de-DE" b="1" dirty="0"/>
+              <a:t>Beispiel </a:t>
+            </a:r>
+            <a:r>
+              <a:rPr lang="de-DE" altLang="de-DE" dirty="0" err="1"/>
+              <a:t>clonen</a:t>
+            </a:r>
+            <a:r>
+              <a:rPr lang="de-DE" altLang="de-DE" dirty="0"/>
+              <a:t> eines Projektes</a:t>
+            </a:r>
+          </a:p>
+          <a:p>
+            <a:pPr marL="514350" lvl="1" indent="0">
+              <a:buNone/>
+            </a:pPr>
+            <a:endParaRPr lang="de-DE" altLang="de-DE" sz="1200" dirty="0">
+              <a:latin typeface="Consolas" panose="020B0609020204030204" pitchFamily="49" charset="0"/>
+            </a:endParaRPr>
+          </a:p>
+          <a:p>
+            <a:pPr marL="514350" lvl="1" indent="0">
+              <a:buNone/>
+            </a:pPr>
+            <a:r>
+              <a:rPr lang="de-DE" altLang="de-DE" sz="1200" dirty="0">
+                <a:latin typeface="Consolas" panose="020B0609020204030204" pitchFamily="49" charset="0"/>
+              </a:rPr>
+              <a:t>$ </a:t>
+            </a:r>
+            <a:r>
+              <a:rPr lang="de-DE" altLang="de-DE" sz="1200" dirty="0" err="1">
+                <a:latin typeface="Consolas" panose="020B0609020204030204" pitchFamily="49" charset="0"/>
+              </a:rPr>
+              <a:t>git</a:t>
+            </a:r>
+            <a:r>
+              <a:rPr lang="de-DE" altLang="de-DE" sz="1200" dirty="0">
+                <a:latin typeface="Consolas" panose="020B0609020204030204" pitchFamily="49" charset="0"/>
+              </a:rPr>
+              <a:t> </a:t>
+            </a:r>
+            <a:r>
+              <a:rPr lang="de-DE" altLang="de-DE" sz="1200" dirty="0" err="1">
+                <a:latin typeface="Consolas" panose="020B0609020204030204" pitchFamily="49" charset="0"/>
+              </a:rPr>
+              <a:t>clone</a:t>
+            </a:r>
+            <a:r>
+              <a:rPr lang="de-DE" altLang="de-DE" sz="1200" dirty="0">
+                <a:latin typeface="Consolas" panose="020B0609020204030204" pitchFamily="49" charset="0"/>
+              </a:rPr>
+              <a:t> </a:t>
+            </a:r>
+            <a:r>
+              <a:rPr lang="de-DE" altLang="de-DE" sz="1200" dirty="0" err="1">
+                <a:latin typeface="Consolas" panose="020B0609020204030204" pitchFamily="49" charset="0"/>
+              </a:rPr>
+              <a:t>gituser@gitlab.example.de:git_demo</a:t>
+            </a:r>
+            <a:endParaRPr lang="de-DE" altLang="de-DE" sz="1200" dirty="0">
+              <a:latin typeface="Consolas" panose="020B0609020204030204" pitchFamily="49" charset="0"/>
+            </a:endParaRPr>
+          </a:p>
+          <a:p>
+            <a:pPr marL="514350" lvl="1" indent="0">
+              <a:buNone/>
+            </a:pPr>
+            <a:r>
+              <a:rPr lang="de-DE" altLang="de-DE" sz="1200" dirty="0">
+                <a:latin typeface="Consolas" panose="020B0609020204030204" pitchFamily="49" charset="0"/>
+              </a:rPr>
+              <a:t>$ </a:t>
+            </a:r>
+            <a:r>
+              <a:rPr lang="de-DE" altLang="de-DE" sz="1200" dirty="0" err="1">
+                <a:latin typeface="Consolas" panose="020B0609020204030204" pitchFamily="49" charset="0"/>
+              </a:rPr>
+              <a:t>git</a:t>
+            </a:r>
+            <a:r>
+              <a:rPr lang="de-DE" altLang="de-DE" sz="1200" dirty="0">
+                <a:latin typeface="Consolas" panose="020B0609020204030204" pitchFamily="49" charset="0"/>
+              </a:rPr>
+              <a:t> </a:t>
+            </a:r>
+            <a:r>
+              <a:rPr lang="de-DE" altLang="de-DE" sz="1200" dirty="0" err="1">
+                <a:latin typeface="Consolas" panose="020B0609020204030204" pitchFamily="49" charset="0"/>
+              </a:rPr>
+              <a:t>branch</a:t>
+            </a:r>
+            <a:endParaRPr lang="de-DE" altLang="de-DE" sz="1200" dirty="0">
+              <a:latin typeface="Consolas" panose="020B0609020204030204" pitchFamily="49" charset="0"/>
+            </a:endParaRPr>
+          </a:p>
+          <a:p>
+            <a:pPr marL="514350" lvl="1" indent="0">
+              <a:buNone/>
+            </a:pPr>
+            <a:r>
+              <a:rPr lang="de-DE" altLang="de-DE" sz="1200" dirty="0">
+                <a:latin typeface="Consolas" panose="020B0609020204030204" pitchFamily="49" charset="0"/>
+              </a:rPr>
+              <a:t>* Main</a:t>
+            </a:r>
+          </a:p>
+          <a:p>
+            <a:pPr marL="514350" lvl="1" indent="0">
+              <a:buNone/>
+            </a:pPr>
+            <a:endParaRPr lang="de-DE" altLang="de-DE" sz="1200" dirty="0">
+              <a:latin typeface="Consolas" panose="020B0609020204030204" pitchFamily="49" charset="0"/>
+            </a:endParaRPr>
+          </a:p>
+          <a:p>
             <a:pPr marL="400050">
               <a:spcBef>
                 <a:spcPts val="600"/>
               </a:spcBef>
-              <a:spcAft>
-                <a:spcPts val="300"/>
-              </a:spcAft>
             </a:pPr>
             <a:r>
               <a:rPr lang="de-DE" altLang="de-DE" dirty="0"/>
-              <a:t>Um einem lokalen Repository ein Remote hinzuzufügen </a:t>
-            </a:r>
-          </a:p>
-          <a:p>
-            <a:pPr marL="57150" indent="0">
-              <a:spcBef>
-                <a:spcPts val="600"/>
-              </a:spcBef>
+              <a:t>Alle Remote </a:t>
+            </a:r>
+            <a:r>
+              <a:rPr lang="de-DE" altLang="de-DE" dirty="0" err="1"/>
+              <a:t>Branches</a:t>
+            </a:r>
+            <a:r>
+              <a:rPr lang="de-DE" altLang="de-DE" dirty="0"/>
+              <a:t> anzeigen</a:t>
+            </a:r>
+          </a:p>
+          <a:p>
+            <a:pPr marL="457200" lvl="1" indent="0">
+              <a:buNone/>
+            </a:pPr>
+            <a:endParaRPr lang="en-US" altLang="de-DE" sz="1200" dirty="0">
+              <a:latin typeface="Consolas" panose="020B0609020204030204" pitchFamily="49" charset="0"/>
+            </a:endParaRPr>
+          </a:p>
+          <a:p>
+            <a:pPr marL="457200" lvl="1" indent="0">
+              <a:buNone/>
+            </a:pPr>
+            <a:r>
+              <a:rPr lang="en-US" altLang="de-DE" sz="1200" dirty="0">
+                <a:latin typeface="Consolas" panose="020B0609020204030204" pitchFamily="49" charset="0"/>
+              </a:rPr>
+              <a:t>$ git branch --all </a:t>
+            </a:r>
+          </a:p>
+          <a:p>
+            <a:pPr marL="457200" lvl="1" indent="0">
+              <a:buNone/>
+            </a:pPr>
+            <a:r>
+              <a:rPr lang="en-US" altLang="de-DE" sz="1200" dirty="0">
+                <a:latin typeface="Consolas" panose="020B0609020204030204" pitchFamily="49" charset="0"/>
+              </a:rPr>
+              <a:t>* main </a:t>
+            </a:r>
+          </a:p>
+          <a:p>
+            <a:pPr marL="457200" lvl="1" indent="0">
+              <a:buNone/>
+            </a:pPr>
+            <a:r>
+              <a:rPr lang="en-US" altLang="de-DE" sz="1200" dirty="0">
+                <a:latin typeface="Consolas" panose="020B0609020204030204" pitchFamily="49" charset="0"/>
+              </a:rPr>
+              <a:t>remotes/origin/HEAD -&gt; origin/main </a:t>
+            </a:r>
+            <a:br>
+              <a:rPr lang="en-US" altLang="de-DE" sz="1200" dirty="0">
+                <a:latin typeface="Consolas" panose="020B0609020204030204" pitchFamily="49" charset="0"/>
+              </a:rPr>
+            </a:br>
+            <a:r>
+              <a:rPr lang="en-US" altLang="de-DE" sz="1200" dirty="0">
+                <a:latin typeface="Consolas" panose="020B0609020204030204" pitchFamily="49" charset="0"/>
+              </a:rPr>
+              <a:t>remotes/origin/feature1</a:t>
+            </a:r>
+            <a:br>
+              <a:rPr lang="en-US" altLang="de-DE" sz="1200" dirty="0">
+                <a:latin typeface="Consolas" panose="020B0609020204030204" pitchFamily="49" charset="0"/>
+              </a:rPr>
+            </a:br>
+            <a:r>
+              <a:rPr lang="en-US" altLang="de-DE" sz="1200" dirty="0">
+                <a:latin typeface="Consolas" panose="020B0609020204030204" pitchFamily="49" charset="0"/>
+              </a:rPr>
+              <a:t>remotes/origin/feature2</a:t>
+            </a:r>
+            <a:br>
+              <a:rPr lang="en-US" altLang="de-DE" sz="1200" dirty="0">
+                <a:latin typeface="Consolas" panose="020B0609020204030204" pitchFamily="49" charset="0"/>
+              </a:rPr>
+            </a:br>
+            <a:r>
+              <a:rPr lang="en-US" altLang="de-DE" sz="1200" dirty="0">
+                <a:latin typeface="Consolas" panose="020B0609020204030204" pitchFamily="49" charset="0"/>
+              </a:rPr>
+              <a:t>...</a:t>
+            </a:r>
+          </a:p>
+          <a:p>
+            <a:pPr marL="457200" lvl="1" indent="0">
               <a:spcAft>
                 <a:spcPts val="300"/>
               </a:spcAft>
               <a:buNone/>
             </a:pPr>
-            <a:r>
-              <a:rPr lang="de-DE" altLang="de-DE" dirty="0"/>
-              <a:t>	</a:t>
-            </a:r>
-            <a:r>
-              <a:rPr lang="de-DE" altLang="de-DE" dirty="0" err="1">
-                <a:latin typeface="Consolas" panose="020B0609020204030204" pitchFamily="49" charset="0"/>
-              </a:rPr>
-              <a:t>git</a:t>
-            </a:r>
-            <a:r>
-              <a:rPr lang="de-DE" altLang="de-DE" dirty="0">
-                <a:latin typeface="Consolas" panose="020B0609020204030204" pitchFamily="49" charset="0"/>
-              </a:rPr>
-              <a:t> remote </a:t>
-            </a:r>
-            <a:r>
-              <a:rPr lang="de-DE" altLang="de-DE" dirty="0" err="1">
-                <a:latin typeface="Consolas" panose="020B0609020204030204" pitchFamily="49" charset="0"/>
-              </a:rPr>
-              <a:t>add</a:t>
-            </a:r>
-            <a:r>
-              <a:rPr lang="de-DE" altLang="de-DE" dirty="0">
-                <a:latin typeface="Consolas" panose="020B0609020204030204" pitchFamily="49" charset="0"/>
-              </a:rPr>
-              <a:t> &lt;</a:t>
-            </a:r>
-            <a:r>
-              <a:rPr lang="de-DE" altLang="de-DE" dirty="0" err="1">
-                <a:latin typeface="Consolas" panose="020B0609020204030204" pitchFamily="49" charset="0"/>
-              </a:rPr>
-              <a:t>name</a:t>
-            </a:r>
-            <a:r>
-              <a:rPr lang="de-DE" altLang="de-DE" dirty="0">
-                <a:latin typeface="Consolas" panose="020B0609020204030204" pitchFamily="49" charset="0"/>
-              </a:rPr>
-              <a:t>&gt; &lt;remote-</a:t>
-            </a:r>
-            <a:r>
-              <a:rPr lang="de-DE" altLang="de-DE" dirty="0" err="1">
-                <a:latin typeface="Consolas" panose="020B0609020204030204" pitchFamily="49" charset="0"/>
-              </a:rPr>
-              <a:t>uri</a:t>
-            </a:r>
-            <a:r>
-              <a:rPr lang="de-DE" altLang="de-DE" dirty="0">
-                <a:latin typeface="Consolas" panose="020B0609020204030204" pitchFamily="49" charset="0"/>
-              </a:rPr>
-              <a:t>&gt;</a:t>
-            </a:r>
-          </a:p>
-          <a:p>
-            <a:pPr marL="400050">
-              <a:spcAft>
-                <a:spcPts val="300"/>
-              </a:spcAft>
-            </a:pPr>
-            <a:r>
-              <a:rPr lang="de-DE" altLang="de-DE" dirty="0" err="1">
-                <a:latin typeface="Consolas" panose="020B0609020204030204" pitchFamily="49" charset="0"/>
-              </a:rPr>
-              <a:t>git</a:t>
-            </a:r>
-            <a:r>
-              <a:rPr lang="de-DE" altLang="de-DE" dirty="0">
-                <a:latin typeface="Consolas" panose="020B0609020204030204" pitchFamily="49" charset="0"/>
-              </a:rPr>
-              <a:t> remote </a:t>
-            </a:r>
-            <a:r>
-              <a:rPr lang="de-DE" altLang="de-DE" dirty="0" err="1">
-                <a:latin typeface="Consolas" panose="020B0609020204030204" pitchFamily="49" charset="0"/>
-              </a:rPr>
-              <a:t>add</a:t>
-            </a:r>
-            <a:r>
-              <a:rPr lang="de-DE" altLang="de-DE" dirty="0"/>
-              <a:t> legt alias für die Remote </a:t>
-            </a:r>
-            <a:r>
-              <a:rPr lang="de-DE" altLang="de-DE" dirty="0" err="1"/>
-              <a:t>Addresse</a:t>
-            </a:r>
-            <a:r>
-              <a:rPr lang="de-DE" altLang="de-DE" dirty="0"/>
-              <a:t> an und ruft Informationen über verfügbare </a:t>
-            </a:r>
-            <a:r>
-              <a:rPr lang="de-DE" altLang="de-DE" dirty="0" err="1"/>
-              <a:t>Branches</a:t>
-            </a:r>
-            <a:r>
-              <a:rPr lang="de-DE" altLang="de-DE" dirty="0"/>
-              <a:t> ab, </a:t>
-            </a:r>
-            <a:r>
-              <a:rPr lang="de-DE" altLang="de-DE" dirty="0" err="1"/>
-              <a:t>läd</a:t>
-            </a:r>
-            <a:r>
-              <a:rPr lang="de-DE" altLang="de-DE" dirty="0"/>
-              <a:t> diese aber nicht herunter</a:t>
-            </a:r>
-          </a:p>
-          <a:p>
-            <a:pPr marL="400050">
-              <a:spcAft>
-                <a:spcPts val="300"/>
-              </a:spcAft>
-            </a:pPr>
-            <a:r>
-              <a:rPr lang="de-DE" altLang="de-DE" dirty="0"/>
-              <a:t>Kann sowohl genutzt werden, um nach </a:t>
-            </a:r>
-            <a:r>
-              <a:rPr lang="de-DE" altLang="de-DE" dirty="0" err="1"/>
-              <a:t>git</a:t>
-            </a:r>
-            <a:r>
-              <a:rPr lang="de-DE" altLang="de-DE" dirty="0"/>
-              <a:t> </a:t>
-            </a:r>
-            <a:r>
-              <a:rPr lang="de-DE" altLang="de-DE" dirty="0" err="1"/>
-              <a:t>clone</a:t>
-            </a:r>
-            <a:r>
-              <a:rPr lang="de-DE" altLang="de-DE" dirty="0"/>
-              <a:t> weitere </a:t>
-            </a:r>
-            <a:r>
-              <a:rPr lang="de-DE" altLang="de-DE" dirty="0" err="1"/>
-              <a:t>Remotes</a:t>
-            </a:r>
-            <a:r>
-              <a:rPr lang="de-DE" altLang="de-DE" dirty="0"/>
-              <a:t> hinzuzufügen, als auch um initiales Remote anzugeben (ohne vorher geklont zu haben)</a:t>
-            </a:r>
-          </a:p>
-          <a:p>
-            <a:pPr marL="400050">
-              <a:spcAft>
-                <a:spcPts val="300"/>
-              </a:spcAft>
-            </a:pPr>
-            <a:r>
-              <a:rPr lang="de-DE" altLang="de-DE" dirty="0"/>
-              <a:t>Beispiel</a:t>
-            </a:r>
-          </a:p>
-          <a:p>
-            <a:pPr marL="514350" lvl="1" indent="0">
+            <a:endParaRPr lang="en-US" altLang="de-DE" sz="1200" dirty="0">
+              <a:latin typeface="Consolas" panose="020B0609020204030204" pitchFamily="49" charset="0"/>
+            </a:endParaRPr>
+          </a:p>
+          <a:p>
+            <a:pPr marL="457200" lvl="1" indent="0">
               <a:spcAft>
                 <a:spcPts val="300"/>
               </a:spcAft>
               <a:buNone/>
             </a:pPr>
-            <a:r>
-              <a:rPr lang="en-US" sz="1200" dirty="0">
-                <a:latin typeface="Consolas" panose="020B0609020204030204" pitchFamily="49" charset="0"/>
-              </a:rPr>
-              <a:t>$ git remote add </a:t>
-            </a:r>
-            <a:r>
-              <a:rPr lang="en-US" sz="1200" dirty="0">
-                <a:solidFill>
-                  <a:srgbClr val="0249FC"/>
-                </a:solidFill>
-                <a:latin typeface="Consolas" panose="020B0609020204030204" pitchFamily="49" charset="0"/>
-              </a:rPr>
-              <a:t>other</a:t>
-            </a:r>
-            <a:r>
-              <a:rPr lang="en-US" sz="1200" dirty="0">
-                <a:latin typeface="Consolas" panose="020B0609020204030204" pitchFamily="49" charset="0"/>
-              </a:rPr>
-              <a:t> git@gitlab.example.de:git_demo_2 </a:t>
-            </a:r>
-          </a:p>
-          <a:p>
-            <a:pPr marL="514350" lvl="1" indent="0">
-              <a:spcAft>
-                <a:spcPts val="300"/>
-              </a:spcAft>
-              <a:buNone/>
-            </a:pPr>
-            <a:r>
-              <a:rPr lang="en-US" sz="1200" dirty="0">
-                <a:latin typeface="Consolas" panose="020B0609020204030204" pitchFamily="49" charset="0"/>
-              </a:rPr>
-              <a:t>$ git branch --all </a:t>
-            </a:r>
-          </a:p>
-          <a:p>
-            <a:pPr marL="514350" lvl="1" indent="0">
-              <a:spcAft>
-                <a:spcPts val="300"/>
-              </a:spcAft>
-              <a:buNone/>
-            </a:pPr>
-            <a:r>
-              <a:rPr lang="en-US" sz="1200" dirty="0">
-                <a:latin typeface="Consolas" panose="020B0609020204030204" pitchFamily="49" charset="0"/>
-              </a:rPr>
-              <a:t>* main </a:t>
-            </a:r>
-            <a:br>
-              <a:rPr lang="en-US" sz="1200" dirty="0">
-                <a:latin typeface="Consolas" panose="020B0609020204030204" pitchFamily="49" charset="0"/>
-              </a:rPr>
-            </a:br>
-            <a:r>
-              <a:rPr lang="en-US" sz="1200" dirty="0">
-                <a:latin typeface="Consolas" panose="020B0609020204030204" pitchFamily="49" charset="0"/>
-              </a:rPr>
-              <a:t>remotes/origin/HEAD -&gt; origin/main </a:t>
-            </a:r>
-            <a:br>
-              <a:rPr lang="en-US" sz="1200" dirty="0">
-                <a:latin typeface="Consolas" panose="020B0609020204030204" pitchFamily="49" charset="0"/>
-              </a:rPr>
-            </a:br>
-            <a:r>
-              <a:rPr lang="en-US" sz="1200" dirty="0">
-                <a:latin typeface="Consolas" panose="020B0609020204030204" pitchFamily="49" charset="0"/>
-              </a:rPr>
-              <a:t>remotes/origin/feature1 </a:t>
-            </a:r>
-            <a:br>
-              <a:rPr lang="en-US" sz="1200" dirty="0">
-                <a:latin typeface="Consolas" panose="020B0609020204030204" pitchFamily="49" charset="0"/>
-              </a:rPr>
-            </a:br>
-            <a:r>
-              <a:rPr lang="en-US" sz="1200" dirty="0">
-                <a:latin typeface="Consolas" panose="020B0609020204030204" pitchFamily="49" charset="0"/>
-              </a:rPr>
-              <a:t>remotes/origin/feature2 </a:t>
-            </a:r>
-            <a:br>
-              <a:rPr lang="en-US" sz="1200" dirty="0">
-                <a:latin typeface="Consolas" panose="020B0609020204030204" pitchFamily="49" charset="0"/>
-              </a:rPr>
-            </a:br>
-            <a:r>
-              <a:rPr lang="en-US" sz="1200" dirty="0">
-                <a:latin typeface="Consolas" panose="020B0609020204030204" pitchFamily="49" charset="0"/>
-              </a:rPr>
-              <a:t>…</a:t>
-            </a:r>
-            <a:br>
-              <a:rPr lang="en-US" sz="1200" dirty="0">
-                <a:latin typeface="Consolas" panose="020B0609020204030204" pitchFamily="49" charset="0"/>
-              </a:rPr>
-            </a:br>
-            <a:r>
-              <a:rPr lang="en-US" sz="1200" dirty="0">
-                <a:latin typeface="Consolas" panose="020B0609020204030204" pitchFamily="49" charset="0"/>
-              </a:rPr>
-              <a:t>remotes/</a:t>
-            </a:r>
-            <a:r>
-              <a:rPr lang="en-US" sz="1200" dirty="0">
-                <a:solidFill>
-                  <a:srgbClr val="0249FC"/>
-                </a:solidFill>
-                <a:latin typeface="Consolas" panose="020B0609020204030204" pitchFamily="49" charset="0"/>
-              </a:rPr>
-              <a:t>other</a:t>
-            </a:r>
-            <a:r>
-              <a:rPr lang="en-US" sz="1200" dirty="0">
-                <a:latin typeface="Consolas" panose="020B0609020204030204" pitchFamily="49" charset="0"/>
-              </a:rPr>
-              <a:t>/</a:t>
-            </a:r>
-            <a:r>
-              <a:rPr lang="en-US" sz="1200" dirty="0" err="1">
-                <a:latin typeface="Consolas" panose="020B0609020204030204" pitchFamily="49" charset="0"/>
-              </a:rPr>
-              <a:t>other_feature</a:t>
-            </a:r>
-            <a:endParaRPr lang="de-DE" altLang="de-DE" sz="1200" dirty="0">
-              <a:latin typeface="Consolas" panose="020B0609020204030204" pitchFamily="49" charset="0"/>
-            </a:endParaRPr>
+            <a:endParaRPr lang="de-DE" altLang="de-DE" dirty="0"/>
           </a:p>
         </p:txBody>
       </p:sp>
@@ -7984,20 +8234,15 @@
           <a:p>
             <a:r>
               <a:rPr lang="de-DE" altLang="de-DE" dirty="0"/>
-              <a:t>Hinzufügen eine </a:t>
-            </a:r>
-            <a:r>
-              <a:rPr lang="de-DE" altLang="de-DE" dirty="0" err="1"/>
-              <a:t>Remotes</a:t>
-            </a:r>
-            <a:endParaRPr lang="de-DE" altLang="de-DE" dirty="0"/>
+              <a:t>Remote Repository</a:t>
+            </a:r>
           </a:p>
         </p:txBody>
       </p:sp>
     </p:spTree>
     <p:extLst>
       <p:ext uri="{BB962C8B-B14F-4D97-AF65-F5344CB8AC3E}">
-        <p14:creationId xmlns:p14="http://schemas.microsoft.com/office/powerpoint/2010/main" val="995659121"/>
+        <p14:creationId xmlns:p14="http://schemas.microsoft.com/office/powerpoint/2010/main" val="2739601707"/>
       </p:ext>
     </p:extLst>
   </p:cSld>
@@ -8050,36 +8295,6 @@
           <a:bodyPr/>
           <a:lstStyle/>
           <a:p>
-            <a:pPr marL="400050">
-              <a:spcBef>
-                <a:spcPts val="600"/>
-              </a:spcBef>
-              <a:spcAft>
-                <a:spcPts val="300"/>
-              </a:spcAft>
-            </a:pPr>
-            <a:r>
-              <a:rPr lang="de-DE" altLang="de-DE" dirty="0"/>
-              <a:t>Informationen über </a:t>
-            </a:r>
-            <a:r>
-              <a:rPr lang="de-DE" altLang="de-DE" dirty="0" err="1"/>
-              <a:t>Commits</a:t>
-            </a:r>
-            <a:r>
-              <a:rPr lang="de-DE" altLang="de-DE" dirty="0"/>
-              <a:t>, </a:t>
-            </a:r>
-            <a:r>
-              <a:rPr lang="de-DE" altLang="de-DE" dirty="0" err="1"/>
-              <a:t>Branches</a:t>
-            </a:r>
-            <a:r>
-              <a:rPr lang="de-DE" altLang="de-DE" dirty="0"/>
-              <a:t>, Tags, … abrufen</a:t>
-            </a:r>
-          </a:p>
-          <a:p>
             <a:pPr marL="57150" indent="0">
               <a:spcBef>
                 <a:spcPts val="600"/>
@@ -8090,32 +8305,22 @@
               <a:buNone/>
             </a:pPr>
             <a:r>
+              <a:rPr lang="de-DE" altLang="de-DE" b="1" dirty="0"/>
+              <a:t>Hinzufügen eines Remote Repository</a:t>
+            </a:r>
+          </a:p>
+          <a:p>
+            <a:pPr marL="400050">
+              <a:spcBef>
+                <a:spcPts val="600"/>
+              </a:spcBef>
+              <a:spcAft>
+                <a:spcPts val="300"/>
+              </a:spcAft>
+            </a:pPr>
+            <a:r>
               <a:rPr lang="de-DE" altLang="de-DE" dirty="0"/>
-              <a:t>	</a:t>
-            </a:r>
-            <a:r>
-              <a:rPr lang="de-DE" altLang="de-DE" dirty="0" err="1">
-                <a:latin typeface="Consolas" panose="020B0609020204030204" pitchFamily="49" charset="0"/>
-              </a:rPr>
-              <a:t>git</a:t>
-            </a:r>
-            <a:r>
-              <a:rPr lang="de-DE" altLang="de-DE" dirty="0">
-                <a:latin typeface="Consolas" panose="020B0609020204030204" pitchFamily="49" charset="0"/>
-              </a:rPr>
-              <a:t> </a:t>
-            </a:r>
-            <a:r>
-              <a:rPr lang="de-DE" altLang="de-DE" dirty="0" err="1">
-                <a:latin typeface="Consolas" panose="020B0609020204030204" pitchFamily="49" charset="0"/>
-              </a:rPr>
-              <a:t>fetch</a:t>
-            </a:r>
-            <a:r>
-              <a:rPr lang="de-DE" altLang="de-DE" dirty="0">
-                <a:latin typeface="Consolas" panose="020B0609020204030204" pitchFamily="49" charset="0"/>
-              </a:rPr>
-              <a:t> &lt;remote&gt;</a:t>
+              <a:t>Um einem lokalen Repository ein Remote hinzuzufügen </a:t>
             </a:r>
           </a:p>
           <a:p>
@@ -8129,48 +8334,56 @@
               <a:buNone/>
             </a:pPr>
             <a:r>
+              <a:rPr lang="de-DE" altLang="de-DE" dirty="0"/>
+              <a:t>	</a:t>
+            </a:r>
+            <a:r>
+              <a:rPr lang="de-DE" altLang="de-DE" dirty="0" err="1">
+                <a:latin typeface="Consolas" panose="020B0609020204030204" pitchFamily="49" charset="0"/>
+              </a:rPr>
+              <a:t>git</a:t>
+            </a:r>
+            <a:r>
               <a:rPr lang="de-DE" altLang="de-DE" dirty="0">
                 <a:latin typeface="Consolas" panose="020B0609020204030204" pitchFamily="49" charset="0"/>
               </a:rPr>
-              <a:t>	</a:t>
+              <a:t> remote </a:t>
             </a:r>
             <a:r>
               <a:rPr lang="de-DE" altLang="de-DE" dirty="0" err="1">
                 <a:latin typeface="Consolas" panose="020B0609020204030204" pitchFamily="49" charset="0"/>
               </a:rPr>
-              <a:t>git</a:t>
+              <a:t>add</a:t>
             </a:r>
             <a:r>
               <a:rPr lang="de-DE" altLang="de-DE" dirty="0">
                 <a:latin typeface="Consolas" panose="020B0609020204030204" pitchFamily="49" charset="0"/>
               </a:rPr>
-              <a:t> </a:t>
+              <a:t> &lt;</a:t>
             </a:r>
             <a:r>
               <a:rPr lang="de-DE" altLang="de-DE" dirty="0" err="1">
                 <a:latin typeface="Consolas" panose="020B0609020204030204" pitchFamily="49" charset="0"/>
               </a:rPr>
-              <a:t>fetch</a:t>
+              <a:t>name</a:t>
             </a:r>
             <a:r>
               <a:rPr lang="de-DE" altLang="de-DE" dirty="0">
                 <a:latin typeface="Consolas" panose="020B0609020204030204" pitchFamily="49" charset="0"/>
               </a:rPr>
-              <a:t> –all (</a:t>
-            </a:r>
-            <a:r>
-              <a:rPr lang="de-DE" altLang="de-DE" dirty="0"/>
-              <a:t>alle verknüpften </a:t>
-            </a:r>
-            <a:r>
-              <a:rPr lang="de-DE" altLang="de-DE" dirty="0" err="1"/>
-              <a:t>Remotes</a:t>
+              <a:t>&gt; &lt;remote-</a:t>
+            </a:r>
+            <a:r>
+              <a:rPr lang="de-DE" altLang="de-DE" dirty="0" err="1">
+                <a:latin typeface="Consolas" panose="020B0609020204030204" pitchFamily="49" charset="0"/>
+              </a:rPr>
+              <a:t>uri</a:t>
             </a:r>
             <a:r>
               <a:rPr lang="de-DE" altLang="de-DE" dirty="0">
                 <a:latin typeface="Consolas" panose="020B0609020204030204" pitchFamily="49" charset="0"/>
               </a:rPr>
-              <a:t>)</a:t>
+              <a:t>&gt;</a:t>
             </a:r>
           </a:p>
           <a:p>
@@ -8180,23 +8393,34 @@
               </a:spcAft>
             </a:pPr>
             <a:r>
+              <a:rPr lang="de-DE" altLang="de-DE" dirty="0" err="1">
+                <a:latin typeface="Consolas" panose="020B0609020204030204" pitchFamily="49" charset="0"/>
+              </a:rPr>
+              <a:t>git</a:t>
+            </a:r>
+            <a:r>
+              <a:rPr lang="de-DE" altLang="de-DE" dirty="0">
+                <a:latin typeface="Consolas" panose="020B0609020204030204" pitchFamily="49" charset="0"/>
+              </a:rPr>
+              <a:t> remote </a:t>
+            </a:r>
+            <a:r>
+              <a:rPr lang="de-DE" altLang="de-DE" dirty="0" err="1">
+                <a:latin typeface="Consolas" panose="020B0609020204030204" pitchFamily="49" charset="0"/>
+              </a:rPr>
+              <a:t>add</a:t>
+            </a:r>
+            <a:r>
               <a:rPr lang="de-DE" altLang="de-DE" dirty="0"/>
-              <a:t>Aktualisiert nur Remote Tracking Bereich des </a:t>
+              <a:t> legt alias für die Remote </a:t>
             </a:r>
             <a:r>
               <a:rPr lang="de-DE" altLang="de-DE" dirty="0" err="1"/>
-              <a:t>Repositories</a:t>
+              <a:t>Addresse</a:t>
             </a:r>
             <a:r>
               <a:rPr lang="de-DE" altLang="de-DE" dirty="0"/>
-              <a:t> </a:t>
-            </a:r>
-            <a:br>
-              <a:rPr lang="de-DE" altLang="de-DE" dirty="0"/>
-            </a:br>
-            <a:r>
-              <a:rPr lang="de-DE" altLang="de-DE" dirty="0"/>
-              <a:t>(z.B. </a:t>
+              <a:t> an und ruft Informationen über verfügbare </a:t>
             </a:r>
             <a:r>
               <a:rPr lang="de-DE" altLang="de-DE" dirty="0" err="1"/>
@@ -8204,35 +8428,15 @@
             </a:r>
             <a:r>
               <a:rPr lang="de-DE" altLang="de-DE" dirty="0"/>
-              <a:t> unter </a:t>
-            </a:r>
-            <a:r>
-              <a:rPr lang="de-DE" altLang="de-DE" dirty="0" err="1">
-                <a:latin typeface="Consolas" panose="020B0609020204030204" pitchFamily="49" charset="0"/>
-              </a:rPr>
-              <a:t>remotes</a:t>
-            </a:r>
-            <a:r>
-              <a:rPr lang="de-DE" altLang="de-DE" dirty="0">
-                <a:latin typeface="Consolas" panose="020B0609020204030204" pitchFamily="49" charset="0"/>
-              </a:rPr>
-              <a:t>/&lt;remote&gt;/&lt;</a:t>
-            </a:r>
-            <a:r>
-              <a:rPr lang="de-DE" altLang="de-DE" dirty="0" err="1">
-                <a:latin typeface="Consolas" panose="020B0609020204030204" pitchFamily="49" charset="0"/>
-              </a:rPr>
-              <a:t>branch</a:t>
-            </a:r>
-            <a:r>
-              <a:rPr lang="de-DE" altLang="de-DE" dirty="0">
-                <a:latin typeface="Consolas" panose="020B0609020204030204" pitchFamily="49" charset="0"/>
-              </a:rPr>
-              <a:t>&gt;</a:t>
+              <a:t> ab, </a:t>
+            </a:r>
+            <a:r>
+              <a:rPr lang="de-DE" altLang="de-DE" dirty="0" err="1"/>
+              <a:t>läd</a:t>
             </a:r>
             <a:r>
               <a:rPr lang="de-DE" altLang="de-DE" dirty="0"/>
-              <a:t>)</a:t>
+              <a:t> diese aber nicht herunter</a:t>
             </a:r>
           </a:p>
           <a:p>
@@ -8243,236 +8447,170 @@
             </a:pPr>
             <a:r>
               <a:rPr lang="de-DE" altLang="de-DE" dirty="0"/>
-              <a:t>Änderungen müssen mittels </a:t>
+              <a:t>Kann sowohl genutzt werden, um nach </a:t>
             </a:r>
             <a:r>
               <a:rPr lang="de-DE" altLang="de-DE" dirty="0" err="1"/>
-              <a:t>Merge</a:t>
+              <a:t>git</a:t>
             </a:r>
             <a:r>
               <a:rPr lang="de-DE" altLang="de-DE" dirty="0"/>
-              <a:t> oder </a:t>
+              <a:t> </a:t>
             </a:r>
             <a:r>
               <a:rPr lang="de-DE" altLang="de-DE" dirty="0" err="1"/>
-              <a:t>Rebase</a:t>
+              <a:t>clone</a:t>
             </a:r>
             <a:r>
               <a:rPr lang="de-DE" altLang="de-DE" dirty="0"/>
-              <a:t> in lokalen Branch übernommen werden</a:t>
-            </a:r>
-          </a:p>
-          <a:p>
-            <a:pPr marL="57150" indent="0">
+              <a:t> weitere </a:t>
+            </a:r>
+            <a:r>
+              <a:rPr lang="de-DE" altLang="de-DE" dirty="0" err="1"/>
+              <a:t>Remotes</a:t>
+            </a:r>
+            <a:r>
+              <a:rPr lang="de-DE" altLang="de-DE" dirty="0"/>
+              <a:t> hinzuzufügen, als auch um initiales Remote anzugeben (ohne vorher geklont zu haben)</a:t>
+            </a:r>
+          </a:p>
+          <a:p>
+            <a:pPr marL="400050">
               <a:spcAft>
                 <a:spcPts val="300"/>
               </a:spcAft>
+            </a:pPr>
+            <a:r>
+              <a:rPr lang="de-DE" altLang="de-DE" dirty="0"/>
+              <a:t>Beispiel</a:t>
+            </a:r>
+          </a:p>
+          <a:p>
+            <a:pPr marL="514350" lvl="1" indent="0">
               <a:buNone/>
             </a:pPr>
             <a:r>
-              <a:rPr lang="de-DE" altLang="de-DE" dirty="0"/>
-              <a:t>	</a:t>
-            </a:r>
-            <a:r>
-              <a:rPr lang="de-DE" altLang="de-DE" dirty="0" err="1">
-                <a:latin typeface="Consolas" panose="020B0609020204030204" pitchFamily="49" charset="0"/>
-              </a:rPr>
-              <a:t>git</a:t>
-            </a:r>
-            <a:r>
-              <a:rPr lang="de-DE" altLang="de-DE" dirty="0">
-                <a:latin typeface="Consolas" panose="020B0609020204030204" pitchFamily="49" charset="0"/>
-              </a:rPr>
-              <a:t> </a:t>
-            </a:r>
-            <a:r>
-              <a:rPr lang="de-DE" altLang="de-DE" dirty="0" err="1">
-                <a:latin typeface="Consolas" panose="020B0609020204030204" pitchFamily="49" charset="0"/>
-              </a:rPr>
-              <a:t>checkout</a:t>
-            </a:r>
-            <a:r>
-              <a:rPr lang="de-DE" altLang="de-DE" dirty="0">
-                <a:latin typeface="Consolas" panose="020B0609020204030204" pitchFamily="49" charset="0"/>
-              </a:rPr>
-              <a:t> feature</a:t>
-            </a:r>
-          </a:p>
-          <a:p>
-            <a:pPr marL="57150" indent="0">
-              <a:spcAft>
-                <a:spcPts val="300"/>
-              </a:spcAft>
+              <a:rPr lang="en-US" sz="1200" dirty="0">
+                <a:latin typeface="Consolas" panose="020B0609020204030204" pitchFamily="49" charset="0"/>
+              </a:rPr>
+              <a:t>$ git remote add </a:t>
+            </a:r>
+            <a:r>
+              <a:rPr lang="en-US" sz="1200" dirty="0">
+                <a:solidFill>
+                  <a:srgbClr val="0249FC"/>
+                </a:solidFill>
+                <a:latin typeface="Consolas" panose="020B0609020204030204" pitchFamily="49" charset="0"/>
+              </a:rPr>
+              <a:t>other</a:t>
+            </a:r>
+            <a:r>
+              <a:rPr lang="en-US" sz="1200" dirty="0">
+                <a:latin typeface="Consolas" panose="020B0609020204030204" pitchFamily="49" charset="0"/>
+              </a:rPr>
+              <a:t> git@gitlab.example.de:git_demo_2 </a:t>
+            </a:r>
+          </a:p>
+          <a:p>
+            <a:pPr marL="514350" lvl="1" indent="0">
               <a:buNone/>
             </a:pPr>
             <a:r>
-              <a:rPr lang="de-DE" altLang="de-DE" dirty="0">
-                <a:latin typeface="Consolas" panose="020B0609020204030204" pitchFamily="49" charset="0"/>
-              </a:rPr>
-              <a:t>	</a:t>
-            </a:r>
-            <a:r>
-              <a:rPr lang="de-DE" altLang="de-DE" dirty="0" err="1">
-                <a:latin typeface="Consolas" panose="020B0609020204030204" pitchFamily="49" charset="0"/>
-              </a:rPr>
-              <a:t>git</a:t>
-            </a:r>
-            <a:r>
-              <a:rPr lang="de-DE" altLang="de-DE" dirty="0">
-                <a:latin typeface="Consolas" panose="020B0609020204030204" pitchFamily="49" charset="0"/>
-              </a:rPr>
-              <a:t> </a:t>
-            </a:r>
-            <a:r>
-              <a:rPr lang="de-DE" altLang="de-DE" dirty="0" err="1">
-                <a:latin typeface="Consolas" panose="020B0609020204030204" pitchFamily="49" charset="0"/>
-              </a:rPr>
-              <a:t>fetch</a:t>
-            </a:r>
-            <a:r>
-              <a:rPr lang="de-DE" altLang="de-DE" dirty="0">
-                <a:latin typeface="Consolas" panose="020B0609020204030204" pitchFamily="49" charset="0"/>
-              </a:rPr>
-              <a:t> </a:t>
-            </a:r>
-            <a:r>
-              <a:rPr lang="de-DE" altLang="de-DE" dirty="0" err="1">
-                <a:latin typeface="Consolas" panose="020B0609020204030204" pitchFamily="49" charset="0"/>
-              </a:rPr>
-              <a:t>origin</a:t>
-            </a:r>
-            <a:endParaRPr lang="de-DE" altLang="de-DE" dirty="0">
+              <a:rPr lang="en-US" sz="1200" dirty="0">
+                <a:latin typeface="Consolas" panose="020B0609020204030204" pitchFamily="49" charset="0"/>
+              </a:rPr>
+              <a:t>$ git branch --all </a:t>
+            </a:r>
+          </a:p>
+          <a:p>
+            <a:pPr marL="514350" lvl="1" indent="0">
+              <a:buNone/>
+            </a:pPr>
+            <a:r>
+              <a:rPr lang="en-US" sz="1200" dirty="0">
+                <a:latin typeface="Consolas" panose="020B0609020204030204" pitchFamily="49" charset="0"/>
+              </a:rPr>
+              <a:t>* main </a:t>
+            </a:r>
+            <a:br>
+              <a:rPr lang="en-US" sz="1200" dirty="0">
+                <a:latin typeface="Consolas" panose="020B0609020204030204" pitchFamily="49" charset="0"/>
+              </a:rPr>
+            </a:br>
+            <a:r>
+              <a:rPr lang="en-US" sz="1200" dirty="0">
+                <a:latin typeface="Consolas" panose="020B0609020204030204" pitchFamily="49" charset="0"/>
+              </a:rPr>
+              <a:t>remotes/origin/HEAD -&gt; origin/main </a:t>
+            </a:r>
+            <a:br>
+              <a:rPr lang="en-US" sz="1200" dirty="0">
+                <a:latin typeface="Consolas" panose="020B0609020204030204" pitchFamily="49" charset="0"/>
+              </a:rPr>
+            </a:br>
+            <a:r>
+              <a:rPr lang="en-US" sz="1200" dirty="0">
+                <a:latin typeface="Consolas" panose="020B0609020204030204" pitchFamily="49" charset="0"/>
+              </a:rPr>
+              <a:t>remotes/origin/feature1 </a:t>
+            </a:r>
+            <a:br>
+              <a:rPr lang="en-US" sz="1200" dirty="0">
+                <a:latin typeface="Consolas" panose="020B0609020204030204" pitchFamily="49" charset="0"/>
+              </a:rPr>
+            </a:br>
+            <a:r>
+              <a:rPr lang="en-US" sz="1200" dirty="0">
+                <a:latin typeface="Consolas" panose="020B0609020204030204" pitchFamily="49" charset="0"/>
+              </a:rPr>
+              <a:t>remotes/origin/feature2 </a:t>
+            </a:r>
+            <a:br>
+              <a:rPr lang="en-US" sz="1200" dirty="0">
+                <a:latin typeface="Consolas" panose="020B0609020204030204" pitchFamily="49" charset="0"/>
+              </a:rPr>
+            </a:br>
+            <a:r>
+              <a:rPr lang="en-US" sz="1200" dirty="0">
+                <a:latin typeface="Consolas" panose="020B0609020204030204" pitchFamily="49" charset="0"/>
+              </a:rPr>
+              <a:t>…</a:t>
+            </a:r>
+            <a:br>
+              <a:rPr lang="en-US" sz="1200" dirty="0">
+                <a:latin typeface="Consolas" panose="020B0609020204030204" pitchFamily="49" charset="0"/>
+              </a:rPr>
+            </a:br>
+            <a:r>
+              <a:rPr lang="en-US" sz="1200" dirty="0">
+                <a:latin typeface="Consolas" panose="020B0609020204030204" pitchFamily="49" charset="0"/>
+              </a:rPr>
+              <a:t>remotes/</a:t>
+            </a:r>
+            <a:r>
+              <a:rPr lang="en-US" sz="1200" dirty="0">
+                <a:solidFill>
+                  <a:srgbClr val="0249FC"/>
+                </a:solidFill>
+                <a:latin typeface="Consolas" panose="020B0609020204030204" pitchFamily="49" charset="0"/>
+              </a:rPr>
+              <a:t>other</a:t>
+            </a:r>
+            <a:r>
+              <a:rPr lang="en-US" sz="1200" dirty="0">
+                <a:latin typeface="Consolas" panose="020B0609020204030204" pitchFamily="49" charset="0"/>
+              </a:rPr>
+              <a:t>/</a:t>
+            </a:r>
+            <a:r>
+              <a:rPr lang="en-US" sz="1200" dirty="0" err="1">
+                <a:latin typeface="Consolas" panose="020B0609020204030204" pitchFamily="49" charset="0"/>
+              </a:rPr>
+              <a:t>other_feature</a:t>
+            </a:r>
+            <a:endParaRPr lang="de-DE" altLang="de-DE" sz="1200" dirty="0">
               <a:latin typeface="Consolas" panose="020B0609020204030204" pitchFamily="49" charset="0"/>
             </a:endParaRPr>
-          </a:p>
-          <a:p>
-            <a:pPr marL="57150" indent="0">
-              <a:spcAft>
-                <a:spcPts val="300"/>
-              </a:spcAft>
-              <a:buNone/>
-            </a:pPr>
-            <a:endParaRPr lang="de-DE" altLang="de-DE" dirty="0">
-              <a:latin typeface="Consolas" panose="020B0609020204030204" pitchFamily="49" charset="0"/>
-            </a:endParaRPr>
-          </a:p>
-          <a:p>
-            <a:pPr marL="57150" indent="0">
-              <a:spcAft>
-                <a:spcPts val="300"/>
-              </a:spcAft>
-              <a:buNone/>
-            </a:pPr>
-            <a:r>
-              <a:rPr lang="de-DE" altLang="de-DE" dirty="0">
-                <a:latin typeface="Consolas" panose="020B0609020204030204" pitchFamily="49" charset="0"/>
-              </a:rPr>
-              <a:t>	</a:t>
-            </a:r>
-            <a:r>
-              <a:rPr lang="de-DE" altLang="de-DE" dirty="0" err="1">
-                <a:latin typeface="Consolas" panose="020B0609020204030204" pitchFamily="49" charset="0"/>
-              </a:rPr>
-              <a:t>git</a:t>
-            </a:r>
-            <a:r>
-              <a:rPr lang="de-DE" altLang="de-DE" dirty="0">
-                <a:latin typeface="Consolas" panose="020B0609020204030204" pitchFamily="49" charset="0"/>
-              </a:rPr>
-              <a:t> </a:t>
-            </a:r>
-            <a:r>
-              <a:rPr lang="de-DE" altLang="de-DE" dirty="0" err="1">
-                <a:latin typeface="Consolas" panose="020B0609020204030204" pitchFamily="49" charset="0"/>
-              </a:rPr>
-              <a:t>merge</a:t>
-            </a:r>
-            <a:r>
-              <a:rPr lang="de-DE" altLang="de-DE" dirty="0">
-                <a:latin typeface="Consolas" panose="020B0609020204030204" pitchFamily="49" charset="0"/>
-              </a:rPr>
-              <a:t> </a:t>
-            </a:r>
-            <a:r>
-              <a:rPr lang="de-DE" altLang="de-DE" dirty="0" err="1">
-                <a:latin typeface="Consolas" panose="020B0609020204030204" pitchFamily="49" charset="0"/>
-              </a:rPr>
-              <a:t>origin</a:t>
-            </a:r>
-            <a:r>
-              <a:rPr lang="de-DE" altLang="de-DE" dirty="0">
-                <a:latin typeface="Consolas" panose="020B0609020204030204" pitchFamily="49" charset="0"/>
-              </a:rPr>
-              <a:t>/feature </a:t>
-            </a:r>
-          </a:p>
-          <a:p>
-            <a:pPr marL="57150" indent="0">
-              <a:spcAft>
-                <a:spcPts val="300"/>
-              </a:spcAft>
-              <a:buNone/>
-            </a:pPr>
-            <a:r>
-              <a:rPr lang="de-DE" altLang="de-DE" dirty="0">
-                <a:latin typeface="Consolas" panose="020B0609020204030204" pitchFamily="49" charset="0"/>
-              </a:rPr>
-              <a:t>	</a:t>
-            </a:r>
-            <a:r>
-              <a:rPr lang="de-DE" altLang="de-DE" dirty="0"/>
-              <a:t>oder </a:t>
-            </a:r>
-          </a:p>
-          <a:p>
-            <a:pPr marL="57150" indent="0">
-              <a:spcAft>
-                <a:spcPts val="300"/>
-              </a:spcAft>
-              <a:buNone/>
-            </a:pPr>
-            <a:r>
-              <a:rPr lang="de-DE" altLang="de-DE" dirty="0">
-                <a:latin typeface="Consolas" panose="020B0609020204030204" pitchFamily="49" charset="0"/>
-              </a:rPr>
-              <a:t>	</a:t>
-            </a:r>
-            <a:r>
-              <a:rPr lang="de-DE" altLang="de-DE" dirty="0" err="1">
-                <a:latin typeface="Consolas" panose="020B0609020204030204" pitchFamily="49" charset="0"/>
-              </a:rPr>
-              <a:t>git</a:t>
-            </a:r>
-            <a:r>
-              <a:rPr lang="de-DE" altLang="de-DE" dirty="0">
-                <a:latin typeface="Consolas" panose="020B0609020204030204" pitchFamily="49" charset="0"/>
-              </a:rPr>
-              <a:t> </a:t>
-            </a:r>
-            <a:r>
-              <a:rPr lang="de-DE" altLang="de-DE" dirty="0" err="1">
-                <a:latin typeface="Consolas" panose="020B0609020204030204" pitchFamily="49" charset="0"/>
-              </a:rPr>
-              <a:t>rebase</a:t>
-            </a:r>
-            <a:r>
-              <a:rPr lang="de-DE" altLang="de-DE" dirty="0">
-                <a:latin typeface="Consolas" panose="020B0609020204030204" pitchFamily="49" charset="0"/>
-              </a:rPr>
-              <a:t> </a:t>
-            </a:r>
-            <a:r>
-              <a:rPr lang="de-DE" altLang="de-DE" dirty="0" err="1">
-                <a:latin typeface="Consolas" panose="020B0609020204030204" pitchFamily="49" charset="0"/>
-              </a:rPr>
-              <a:t>origin</a:t>
-            </a:r>
-            <a:r>
-              <a:rPr lang="de-DE" altLang="de-DE" dirty="0">
-                <a:latin typeface="Consolas" panose="020B0609020204030204" pitchFamily="49" charset="0"/>
-              </a:rPr>
-              <a:t>/feature</a:t>
-            </a:r>
           </a:p>
         </p:txBody>
       </p:sp>
@@ -8504,20 +8642,15 @@
           <a:p>
             <a:r>
               <a:rPr lang="de-DE" altLang="de-DE" dirty="0"/>
-              <a:t>Abrufen eines </a:t>
-            </a:r>
-            <a:r>
-              <a:rPr lang="de-DE" altLang="de-DE" dirty="0" err="1"/>
-              <a:t>Remotes</a:t>
-            </a:r>
-            <a:endParaRPr lang="de-DE" altLang="de-DE" dirty="0"/>
+              <a:t>Remote Repository</a:t>
+            </a:r>
           </a:p>
         </p:txBody>
       </p:sp>
     </p:spTree>
     <p:extLst>
       <p:ext uri="{BB962C8B-B14F-4D97-AF65-F5344CB8AC3E}">
-        <p14:creationId xmlns:p14="http://schemas.microsoft.com/office/powerpoint/2010/main" val="3053364118"/>
+        <p14:creationId xmlns:p14="http://schemas.microsoft.com/office/powerpoint/2010/main" val="995659121"/>
       </p:ext>
     </p:extLst>
   </p:cSld>
@@ -8570,42 +8703,185 @@
           <a:bodyPr/>
           <a:lstStyle/>
           <a:p>
+            <a:pPr marL="57150" indent="0">
+              <a:spcBef>
+                <a:spcPts val="600"/>
+              </a:spcBef>
+              <a:spcAft>
+                <a:spcPts val="300"/>
+              </a:spcAft>
+              <a:buNone/>
+            </a:pPr>
+            <a:r>
+              <a:rPr lang="de-DE" altLang="de-DE" b="1" dirty="0"/>
+              <a:t>Abrufen von Änderungen aus Remote Repository</a:t>
+            </a:r>
+          </a:p>
+          <a:p>
+            <a:pPr marL="400050">
+              <a:spcBef>
+                <a:spcPts val="600"/>
+              </a:spcBef>
+              <a:spcAft>
+                <a:spcPts val="300"/>
+              </a:spcAft>
+            </a:pPr>
+            <a:r>
+              <a:rPr lang="de-DE" altLang="de-DE" dirty="0"/>
+              <a:t>Informationen über </a:t>
+            </a:r>
+            <a:r>
+              <a:rPr lang="de-DE" altLang="de-DE" dirty="0" err="1"/>
+              <a:t>Commits</a:t>
+            </a:r>
+            <a:r>
+              <a:rPr lang="de-DE" altLang="de-DE" dirty="0"/>
+              <a:t>, </a:t>
+            </a:r>
+            <a:r>
+              <a:rPr lang="de-DE" altLang="de-DE" dirty="0" err="1"/>
+              <a:t>Branches</a:t>
+            </a:r>
+            <a:r>
+              <a:rPr lang="de-DE" altLang="de-DE" dirty="0"/>
+              <a:t>, Tags, … abrufen</a:t>
+            </a:r>
+          </a:p>
+          <a:p>
+            <a:pPr marL="57150" indent="0">
+              <a:spcBef>
+                <a:spcPts val="600"/>
+              </a:spcBef>
+              <a:spcAft>
+                <a:spcPts val="300"/>
+              </a:spcAft>
+              <a:buNone/>
+            </a:pPr>
+            <a:r>
+              <a:rPr lang="de-DE" altLang="de-DE" dirty="0"/>
+              <a:t>	</a:t>
+            </a:r>
+            <a:r>
+              <a:rPr lang="de-DE" altLang="de-DE" dirty="0" err="1">
+                <a:latin typeface="Consolas" panose="020B0609020204030204" pitchFamily="49" charset="0"/>
+              </a:rPr>
+              <a:t>git</a:t>
+            </a:r>
+            <a:r>
+              <a:rPr lang="de-DE" altLang="de-DE" dirty="0">
+                <a:latin typeface="Consolas" panose="020B0609020204030204" pitchFamily="49" charset="0"/>
+              </a:rPr>
+              <a:t> </a:t>
+            </a:r>
+            <a:r>
+              <a:rPr lang="de-DE" altLang="de-DE" dirty="0" err="1">
+                <a:latin typeface="Consolas" panose="020B0609020204030204" pitchFamily="49" charset="0"/>
+              </a:rPr>
+              <a:t>fetch</a:t>
+            </a:r>
+            <a:r>
+              <a:rPr lang="de-DE" altLang="de-DE" dirty="0">
+                <a:latin typeface="Consolas" panose="020B0609020204030204" pitchFamily="49" charset="0"/>
+              </a:rPr>
+              <a:t> &lt;remote&gt;</a:t>
+            </a:r>
+          </a:p>
+          <a:p>
+            <a:pPr marL="57150" indent="0">
+              <a:spcBef>
+                <a:spcPts val="600"/>
+              </a:spcBef>
+              <a:spcAft>
+                <a:spcPts val="300"/>
+              </a:spcAft>
+              <a:buNone/>
+            </a:pPr>
+            <a:r>
+              <a:rPr lang="de-DE" altLang="de-DE" dirty="0">
+                <a:latin typeface="Consolas" panose="020B0609020204030204" pitchFamily="49" charset="0"/>
+              </a:rPr>
+              <a:t>	</a:t>
+            </a:r>
+            <a:r>
+              <a:rPr lang="de-DE" altLang="de-DE" dirty="0" err="1">
+                <a:latin typeface="Consolas" panose="020B0609020204030204" pitchFamily="49" charset="0"/>
+              </a:rPr>
+              <a:t>git</a:t>
+            </a:r>
+            <a:r>
+              <a:rPr lang="de-DE" altLang="de-DE" dirty="0">
+                <a:latin typeface="Consolas" panose="020B0609020204030204" pitchFamily="49" charset="0"/>
+              </a:rPr>
+              <a:t> </a:t>
+            </a:r>
+            <a:r>
+              <a:rPr lang="de-DE" altLang="de-DE" dirty="0" err="1">
+                <a:latin typeface="Consolas" panose="020B0609020204030204" pitchFamily="49" charset="0"/>
+              </a:rPr>
+              <a:t>fetch</a:t>
+            </a:r>
+            <a:r>
+              <a:rPr lang="de-DE" altLang="de-DE" dirty="0">
+                <a:latin typeface="Consolas" panose="020B0609020204030204" pitchFamily="49" charset="0"/>
+              </a:rPr>
+              <a:t> –all (</a:t>
+            </a:r>
+            <a:r>
+              <a:rPr lang="de-DE" altLang="de-DE" dirty="0"/>
+              <a:t>alle verknüpften </a:t>
+            </a:r>
+            <a:r>
+              <a:rPr lang="de-DE" altLang="de-DE" dirty="0" err="1"/>
+              <a:t>Remotes</a:t>
+            </a:r>
+            <a:r>
+              <a:rPr lang="de-DE" altLang="de-DE" dirty="0">
+                <a:latin typeface="Consolas" panose="020B0609020204030204" pitchFamily="49" charset="0"/>
+              </a:rPr>
+              <a:t>)</a:t>
+            </a:r>
+          </a:p>
+          <a:p>
             <a:pPr marL="400050">
               <a:spcAft>
                 <a:spcPts val="300"/>
               </a:spcAft>
             </a:pPr>
             <a:r>
-              <a:rPr lang="en-US" altLang="de-DE" dirty="0" err="1"/>
-              <a:t>Mergeverhalten</a:t>
-            </a:r>
-            <a:r>
-              <a:rPr lang="en-US" altLang="de-DE" dirty="0"/>
-              <a:t> </a:t>
-            </a:r>
-            <a:r>
-              <a:rPr lang="en-US" altLang="de-DE" dirty="0" err="1"/>
-              <a:t>kann</a:t>
-            </a:r>
-            <a:r>
-              <a:rPr lang="en-US" altLang="de-DE" dirty="0"/>
-              <a:t> </a:t>
-            </a:r>
-            <a:r>
-              <a:rPr lang="en-US" altLang="de-DE" dirty="0" err="1"/>
-              <a:t>ebenfalls</a:t>
-            </a:r>
-            <a:r>
-              <a:rPr lang="en-US" altLang="de-DE" dirty="0"/>
-              <a:t> </a:t>
-            </a:r>
-            <a:r>
-              <a:rPr lang="en-US" altLang="de-DE" dirty="0" err="1"/>
-              <a:t>konfiguriert</a:t>
-            </a:r>
-            <a:r>
-              <a:rPr lang="en-US" altLang="de-DE" dirty="0"/>
-              <a:t> warden</a:t>
+              <a:rPr lang="de-DE" altLang="de-DE" dirty="0"/>
+              <a:t>Aktualisiert nur Remote Tracking Bereich des </a:t>
+            </a:r>
+            <a:r>
+              <a:rPr lang="de-DE" altLang="de-DE" dirty="0" err="1"/>
+              <a:t>Repositories</a:t>
+            </a:r>
+            <a:endParaRPr lang="de-DE" altLang="de-DE" dirty="0"/>
+          </a:p>
+          <a:p>
+            <a:pPr marL="400050">
+              <a:spcAft>
+                <a:spcPts val="300"/>
+              </a:spcAft>
+            </a:pPr>
+            <a:r>
+              <a:rPr lang="de-DE" altLang="de-DE" dirty="0"/>
+              <a:t>Änderungen müssen mittels </a:t>
+            </a:r>
+            <a:r>
+              <a:rPr lang="de-DE" altLang="de-DE" dirty="0" err="1"/>
+              <a:t>Merge</a:t>
+            </a:r>
+            <a:r>
+              <a:rPr lang="de-DE" altLang="de-DE" dirty="0"/>
+              <a:t> oder </a:t>
+            </a:r>
+            <a:r>
+              <a:rPr lang="de-DE" altLang="de-DE" dirty="0" err="1"/>
+              <a:t>Rebase</a:t>
+            </a:r>
+            <a:r>
+              <a:rPr lang="de-DE" altLang="de-DE" dirty="0"/>
+              <a:t> in lokalen Branch übernommen werden</a:t>
             </a:r>
           </a:p>
           <a:p>
@@ -8616,198 +8892,209 @@
               <a:buNone/>
             </a:pPr>
             <a:r>
-              <a:rPr lang="en-US" altLang="de-DE" dirty="0"/>
-              <a:t>	git config --global </a:t>
-            </a:r>
-            <a:r>
-              <a:rPr lang="en-US" altLang="de-DE" dirty="0" err="1"/>
-              <a:t>pull.ff</a:t>
-            </a:r>
-            <a:r>
-              <a:rPr lang="en-US" altLang="de-DE" dirty="0"/>
-              <a:t> [ true | only | false ]</a:t>
-            </a:r>
-          </a:p>
-          <a:p>
-            <a:pPr lvl="1">
+              <a:rPr lang="de-DE" altLang="de-DE" dirty="0"/>
+              <a:t>	</a:t>
+            </a:r>
+            <a:r>
+              <a:rPr lang="de-DE" altLang="de-DE" dirty="0" err="1">
+                <a:latin typeface="Consolas" panose="020B0609020204030204" pitchFamily="49" charset="0"/>
+              </a:rPr>
+              <a:t>git</a:t>
+            </a:r>
+            <a:r>
+              <a:rPr lang="de-DE" altLang="de-DE" dirty="0">
+                <a:latin typeface="Consolas" panose="020B0609020204030204" pitchFamily="49" charset="0"/>
+              </a:rPr>
+              <a:t> </a:t>
+            </a:r>
+            <a:r>
+              <a:rPr lang="de-DE" altLang="de-DE" dirty="0" err="1">
+                <a:latin typeface="Consolas" panose="020B0609020204030204" pitchFamily="49" charset="0"/>
+              </a:rPr>
+              <a:t>checkout</a:t>
+            </a:r>
+            <a:r>
+              <a:rPr lang="de-DE" altLang="de-DE" dirty="0">
+                <a:latin typeface="Consolas" panose="020B0609020204030204" pitchFamily="49" charset="0"/>
+              </a:rPr>
+              <a:t> feature</a:t>
+            </a:r>
+          </a:p>
+          <a:p>
+            <a:pPr marL="57150" indent="0">
               <a:spcAft>
                 <a:spcPts val="300"/>
               </a:spcAft>
-            </a:pPr>
-            <a:r>
-              <a:rPr lang="en-US" altLang="de-DE" b="1" dirty="0"/>
-              <a:t>true</a:t>
-            </a:r>
-            <a:r>
-              <a:rPr lang="en-US" altLang="de-DE" dirty="0"/>
-              <a:t> (Default) </a:t>
-            </a:r>
-            <a:br>
-              <a:rPr lang="en-US" altLang="de-DE" dirty="0"/>
-            </a:br>
-            <a:r>
-              <a:rPr lang="en-US" altLang="de-DE" dirty="0" err="1"/>
-              <a:t>Versucht</a:t>
-            </a:r>
-            <a:r>
-              <a:rPr lang="en-US" altLang="de-DE" dirty="0"/>
+              <a:buNone/>
+            </a:pPr>
+            <a:r>
+              <a:rPr lang="de-DE" altLang="de-DE" dirty="0">
+                <a:latin typeface="Consolas" panose="020B0609020204030204" pitchFamily="49" charset="0"/>
+              </a:rPr>
+              <a:t>	</a:t>
+            </a:r>
+            <a:r>
+              <a:rPr lang="de-DE" altLang="de-DE" dirty="0" err="1">
+                <a:latin typeface="Consolas" panose="020B0609020204030204" pitchFamily="49" charset="0"/>
+              </a:rPr>
+              <a:t>git</a:t>
+            </a:r>
+            <a:r>
+              <a:rPr lang="de-DE" altLang="de-DE" dirty="0">
+                <a:latin typeface="Consolas" panose="020B0609020204030204" pitchFamily="49" charset="0"/>
+              </a:rPr>
               <a:t> </a:t>
             </a:r>
             <a:r>
-              <a:rPr lang="en-US" altLang="de-DE" dirty="0" err="1"/>
-              <a:t>beim</a:t>
-            </a:r>
-            <a:r>
-              <a:rPr lang="en-US" altLang="de-DE" dirty="0"/>
-              <a:t> Pull </a:t>
-            </a:r>
-            <a:r>
-              <a:rPr lang="en-US" altLang="de-DE" dirty="0" err="1"/>
-              <a:t>ein</a:t>
-            </a:r>
-            <a:r>
-              <a:rPr lang="en-US" altLang="de-DE" dirty="0"/>
-              <a:t> Fast-Forward Merge </a:t>
-            </a:r>
-            <a:r>
-              <a:rPr lang="en-US" altLang="de-DE" dirty="0" err="1"/>
-              <a:t>durchzuführen</a:t>
-            </a:r>
-            <a:r>
-              <a:rPr lang="en-US" altLang="de-DE" dirty="0"/>
-              <a:t>. Falls </a:t>
-            </a:r>
-            <a:r>
-              <a:rPr lang="en-US" altLang="de-DE" dirty="0" err="1"/>
-              <a:t>nicht</a:t>
-            </a:r>
-            <a:r>
-              <a:rPr lang="en-US" altLang="de-DE" dirty="0"/>
+              <a:rPr lang="de-DE" altLang="de-DE" dirty="0" err="1">
+                <a:latin typeface="Consolas" panose="020B0609020204030204" pitchFamily="49" charset="0"/>
+              </a:rPr>
+              <a:t>fetch</a:t>
+            </a:r>
+            <a:r>
+              <a:rPr lang="de-DE" altLang="de-DE" dirty="0">
+                <a:latin typeface="Consolas" panose="020B0609020204030204" pitchFamily="49" charset="0"/>
+              </a:rPr>
               <a:t> </a:t>
             </a:r>
             <a:r>
-              <a:rPr lang="en-US" altLang="de-DE" dirty="0" err="1"/>
-              <a:t>möglich</a:t>
-            </a:r>
-            <a:r>
-              <a:rPr lang="en-US" altLang="de-DE" dirty="0"/>
-              <a:t>, </a:t>
-            </a:r>
-            <a:r>
-              <a:rPr lang="en-US" altLang="de-DE" dirty="0" err="1"/>
-              <a:t>wird</a:t>
-            </a:r>
-            <a:r>
-              <a:rPr lang="en-US" altLang="de-DE" dirty="0"/>
-              <a:t> </a:t>
-            </a:r>
-            <a:r>
-              <a:rPr lang="en-US" altLang="de-DE" dirty="0" err="1"/>
-              <a:t>ein</a:t>
-            </a:r>
-            <a:r>
-              <a:rPr lang="en-US" altLang="de-DE" dirty="0"/>
-              <a:t> Merge-Commit </a:t>
-            </a:r>
-            <a:r>
-              <a:rPr lang="en-US" altLang="de-DE" dirty="0" err="1"/>
-              <a:t>erstellt</a:t>
-            </a:r>
-            <a:endParaRPr lang="en-US" altLang="de-DE" dirty="0"/>
-          </a:p>
-          <a:p>
-            <a:pPr lvl="1">
+              <a:rPr lang="de-DE" altLang="de-DE" dirty="0" err="1">
+                <a:latin typeface="Consolas" panose="020B0609020204030204" pitchFamily="49" charset="0"/>
+              </a:rPr>
+              <a:t>origin</a:t>
+            </a:r>
+            <a:endParaRPr lang="de-DE" altLang="de-DE" dirty="0">
+              <a:latin typeface="Consolas" panose="020B0609020204030204" pitchFamily="49" charset="0"/>
+            </a:endParaRPr>
+          </a:p>
+          <a:p>
+            <a:pPr marL="57150" indent="0">
               <a:spcAft>
                 <a:spcPts val="300"/>
               </a:spcAft>
-            </a:pPr>
-            <a:r>
-              <a:rPr lang="en-US" altLang="de-DE" b="1" dirty="0"/>
-              <a:t>false </a:t>
-            </a:r>
-            <a:br>
-              <a:rPr lang="en-US" altLang="de-DE" dirty="0"/>
-            </a:br>
-            <a:r>
-              <a:rPr lang="en-US" altLang="de-DE" dirty="0"/>
-              <a:t>Kein FF, Merge-Commit </a:t>
-            </a:r>
-            <a:r>
-              <a:rPr lang="en-US" altLang="de-DE" dirty="0" err="1"/>
-              <a:t>wird</a:t>
-            </a:r>
-            <a:r>
-              <a:rPr lang="en-US" altLang="de-DE" dirty="0"/>
-              <a:t> </a:t>
-            </a:r>
-            <a:r>
-              <a:rPr lang="en-US" altLang="de-DE" dirty="0" err="1"/>
-              <a:t>immer</a:t>
-            </a:r>
-            <a:r>
-              <a:rPr lang="en-US" altLang="de-DE" dirty="0"/>
-              <a:t> </a:t>
-            </a:r>
-            <a:r>
-              <a:rPr lang="en-US" altLang="de-DE" dirty="0" err="1"/>
-              <a:t>erstellt</a:t>
-            </a:r>
-            <a:endParaRPr lang="en-US" altLang="de-DE" dirty="0"/>
-          </a:p>
-          <a:p>
-            <a:pPr lvl="1">
+              <a:buNone/>
+            </a:pPr>
+            <a:endParaRPr lang="de-DE" altLang="de-DE" dirty="0">
+              <a:latin typeface="Consolas" panose="020B0609020204030204" pitchFamily="49" charset="0"/>
+            </a:endParaRPr>
+          </a:p>
+          <a:p>
+            <a:pPr marL="57150" indent="0">
               <a:spcAft>
                 <a:spcPts val="300"/>
               </a:spcAft>
-            </a:pPr>
-            <a:r>
-              <a:rPr lang="en-US" altLang="de-DE" b="1" dirty="0"/>
-              <a:t>only</a:t>
-            </a:r>
-            <a:br>
-              <a:rPr lang="en-US" altLang="de-DE" dirty="0"/>
-            </a:br>
-            <a:r>
-              <a:rPr lang="en-US" altLang="de-DE" dirty="0"/>
-              <a:t>Nur FF, </a:t>
-            </a:r>
-            <a:r>
-              <a:rPr lang="en-US" altLang="de-DE" dirty="0" err="1"/>
-              <a:t>wenn</a:t>
-            </a:r>
-            <a:r>
-              <a:rPr lang="en-US" altLang="de-DE" dirty="0"/>
+              <a:buNone/>
+            </a:pPr>
+            <a:r>
+              <a:rPr lang="de-DE" altLang="de-DE" dirty="0">
+                <a:latin typeface="Consolas" panose="020B0609020204030204" pitchFamily="49" charset="0"/>
+              </a:rPr>
+              <a:t>	</a:t>
+            </a:r>
+            <a:r>
+              <a:rPr lang="de-DE" altLang="de-DE" dirty="0" err="1">
+                <a:latin typeface="Consolas" panose="020B0609020204030204" pitchFamily="49" charset="0"/>
+              </a:rPr>
+              <a:t>git</a:t>
+            </a:r>
+            <a:r>
+              <a:rPr lang="de-DE" altLang="de-DE" dirty="0">
+                <a:latin typeface="Consolas" panose="020B0609020204030204" pitchFamily="49" charset="0"/>
+              </a:rPr>
               <a:t> </a:t>
             </a:r>
             <a:r>
-              <a:rPr lang="en-US" altLang="de-DE" dirty="0" err="1"/>
-              <a:t>nicht</a:t>
-            </a:r>
-            <a:r>
-              <a:rPr lang="en-US" altLang="de-DE" dirty="0"/>
+              <a:rPr lang="de-DE" altLang="de-DE" dirty="0" err="1">
+                <a:latin typeface="Consolas" panose="020B0609020204030204" pitchFamily="49" charset="0"/>
+              </a:rPr>
+              <a:t>merge</a:t>
+            </a:r>
+            <a:r>
+              <a:rPr lang="de-DE" altLang="de-DE" dirty="0">
+                <a:latin typeface="Consolas" panose="020B0609020204030204" pitchFamily="49" charset="0"/>
+              </a:rPr>
               <a:t> </a:t>
             </a:r>
             <a:r>
-              <a:rPr lang="en-US" altLang="de-DE" dirty="0" err="1"/>
-              <a:t>möglich</a:t>
-            </a:r>
-            <a:r>
-              <a:rPr lang="en-US" altLang="de-DE" dirty="0"/>
+              <a:rPr lang="de-DE" altLang="de-DE" dirty="0" err="1">
+                <a:latin typeface="Consolas" panose="020B0609020204030204" pitchFamily="49" charset="0"/>
+              </a:rPr>
+              <a:t>origin</a:t>
+            </a:r>
+            <a:r>
+              <a:rPr lang="de-DE" altLang="de-DE" dirty="0">
+                <a:latin typeface="Consolas" panose="020B0609020204030204" pitchFamily="49" charset="0"/>
+              </a:rPr>
+              <a:t>/feature </a:t>
+            </a:r>
+          </a:p>
+          <a:p>
+            <a:pPr marL="57150" indent="0">
+              <a:spcAft>
+                <a:spcPts val="300"/>
+              </a:spcAft>
+              <a:buNone/>
+            </a:pPr>
+            <a:r>
+              <a:rPr lang="de-DE" altLang="de-DE" dirty="0">
+                <a:latin typeface="Consolas" panose="020B0609020204030204" pitchFamily="49" charset="0"/>
+              </a:rPr>
+              <a:t>	</a:t>
+            </a:r>
+            <a:r>
+              <a:rPr lang="de-DE" altLang="de-DE" dirty="0"/>
+              <a:t>oder </a:t>
+            </a:r>
+          </a:p>
+          <a:p>
+            <a:pPr marL="57150" indent="0">
+              <a:spcAft>
+                <a:spcPts val="300"/>
+              </a:spcAft>
+              <a:buNone/>
+            </a:pPr>
+            <a:r>
+              <a:rPr lang="de-DE" altLang="de-DE" dirty="0">
+                <a:latin typeface="Consolas" panose="020B0609020204030204" pitchFamily="49" charset="0"/>
+              </a:rPr>
+              <a:t>	</a:t>
+            </a:r>
+            <a:r>
+              <a:rPr lang="de-DE" altLang="de-DE" dirty="0" err="1">
+                <a:latin typeface="Consolas" panose="020B0609020204030204" pitchFamily="49" charset="0"/>
+              </a:rPr>
+              <a:t>git</a:t>
+            </a:r>
+            <a:r>
+              <a:rPr lang="de-DE" altLang="de-DE" dirty="0">
+                <a:latin typeface="Consolas" panose="020B0609020204030204" pitchFamily="49" charset="0"/>
+              </a:rPr>
               <a:t> </a:t>
             </a:r>
             <a:r>
-              <a:rPr lang="en-US" altLang="de-DE" dirty="0" err="1"/>
-              <a:t>wird</a:t>
-            </a:r>
-            <a:r>
-              <a:rPr lang="en-US" altLang="de-DE" dirty="0"/>
-              <a:t> pull </a:t>
-            </a:r>
-            <a:r>
-              <a:rPr lang="en-US" altLang="de-DE" dirty="0" err="1"/>
-              <a:t>abgebrochen</a:t>
-            </a:r>
-            <a:endParaRPr lang="en-US" altLang="de-DE" dirty="0"/>
+              <a:rPr lang="de-DE" altLang="de-DE" dirty="0" err="1">
+                <a:latin typeface="Consolas" panose="020B0609020204030204" pitchFamily="49" charset="0"/>
+              </a:rPr>
+              <a:t>rebase</a:t>
+            </a:r>
+            <a:r>
+              <a:rPr lang="de-DE" altLang="de-DE" dirty="0">
+                <a:latin typeface="Consolas" panose="020B0609020204030204" pitchFamily="49" charset="0"/>
+              </a:rPr>
+              <a:t> </a:t>
+            </a:r>
+            <a:r>
+              <a:rPr lang="de-DE" altLang="de-DE" dirty="0" err="1">
+                <a:latin typeface="Consolas" panose="020B0609020204030204" pitchFamily="49" charset="0"/>
+              </a:rPr>
+              <a:t>origin</a:t>
+            </a:r>
+            <a:r>
+              <a:rPr lang="de-DE" altLang="de-DE" dirty="0">
+                <a:latin typeface="Consolas" panose="020B0609020204030204" pitchFamily="49" charset="0"/>
+              </a:rPr>
+              <a:t>/feature</a:t>
+            </a:r>
           </a:p>
         </p:txBody>
       </p:sp>
@@ -8839,7 +9126,7 @@
           <a:p>
             <a:r>
               <a:rPr lang="de-DE" altLang="de-DE" dirty="0"/>
-              <a:t>Pull</a:t>
+              <a:t>Remote Repository</a:t>
             </a:r>
           </a:p>
         </p:txBody>
@@ -8847,7 +9134,7 @@
     </p:spTree>
     <p:extLst>
       <p:ext uri="{BB962C8B-B14F-4D97-AF65-F5344CB8AC3E}">
-        <p14:creationId xmlns:p14="http://schemas.microsoft.com/office/powerpoint/2010/main" val="281920756"/>
+        <p14:creationId xmlns:p14="http://schemas.microsoft.com/office/powerpoint/2010/main" val="3053364118"/>
       </p:ext>
     </p:extLst>
   </p:cSld>
@@ -8900,6 +9187,21 @@
           <a:bodyPr/>
           <a:lstStyle/>
           <a:p>
+            <a:pPr marL="57150" indent="0">
+              <a:spcBef>
+                <a:spcPts val="600"/>
+              </a:spcBef>
+              <a:spcAft>
+                <a:spcPts val="300"/>
+              </a:spcAft>
+              <a:buNone/>
+            </a:pPr>
+            <a:r>
+              <a:rPr lang="de-DE" altLang="de-DE" b="1" dirty="0"/>
+              <a:t>Pull Befehl</a:t>
+            </a:r>
+          </a:p>
+          <a:p>
             <a:pPr marL="400050">
               <a:spcBef>
                 <a:spcPts val="600"/>
@@ -9354,7 +9656,7 @@
           <a:p>
             <a:r>
               <a:rPr lang="de-DE" altLang="de-DE" dirty="0"/>
-              <a:t>Pull</a:t>
+              <a:t>Remote Repository</a:t>
             </a:r>
           </a:p>
         </p:txBody>
@@ -11007,7 +11309,7 @@
 </file>
 
 <file path=ppt/theme/theme3.xml><?xml version="1.0" encoding="utf-8"?>
-<a:theme xmlns:a="http://schemas.openxmlformats.org/drawingml/2006/main" name="1_vorlneu">
+<a:theme xmlns:a="http://schemas.openxmlformats.org/drawingml/2006/main" name="2_vorlneu">
   <a:themeElements>
     <a:clrScheme name="">
       <a:dk1>

--- a/slides/Tag-1_4-Git-Remote.pptx
+++ b/slides/Tag-1_4-Git-Remote.pptx
@@ -1688,7 +1688,7 @@
               <a:pPr algn="ctr">
                 <a:defRPr/>
               </a:pPr>
-              <a:t>06.06.2024</a:t>
+              <a:t>10.06.2024</a:t>
             </a:fld>
             <a:endParaRPr lang="de-DE" sz="1000" dirty="0">
               <a:solidFill>
@@ -3795,7 +3795,7 @@
               <a:pPr algn="ctr">
                 <a:defRPr/>
               </a:pPr>
-              <a:t>06.06.2024</a:t>
+              <a:t>10.06.2024</a:t>
             </a:fld>
             <a:endParaRPr lang="de-DE" sz="1000">
               <a:solidFill>
@@ -6178,15 +6178,39 @@
             </a:pPr>
             <a:r>
               <a:rPr lang="de-DE" altLang="de-DE" dirty="0"/>
-              <a:t>Ohne explizite Angabe von &lt;remote&gt; und &lt;remote-</a:t>
-            </a:r>
-            <a:r>
-              <a:rPr lang="de-DE" altLang="de-DE" dirty="0" err="1"/>
+              <a:t>Ohne explizite Angabe von </a:t>
+            </a:r>
+            <a:r>
+              <a:rPr lang="de-DE" altLang="de-DE" dirty="0">
+                <a:latin typeface="Consolas" panose="020B0609020204030204" pitchFamily="49" charset="0"/>
+              </a:rPr>
+              <a:t>&lt;remote&gt;</a:t>
+            </a:r>
+            <a:r>
+              <a:rPr lang="de-DE" altLang="de-DE" dirty="0"/>
+              <a:t> und </a:t>
+            </a:r>
+            <a:r>
+              <a:rPr lang="de-DE" altLang="de-DE" dirty="0">
+                <a:latin typeface="Consolas" panose="020B0609020204030204" pitchFamily="49" charset="0"/>
+              </a:rPr>
+              <a:t>&lt;remote-</a:t>
+            </a:r>
+            <a:r>
+              <a:rPr lang="de-DE" altLang="de-DE" dirty="0" err="1">
+                <a:latin typeface="Consolas" panose="020B0609020204030204" pitchFamily="49" charset="0"/>
+              </a:rPr>
               <a:t>branch</a:t>
             </a:r>
             <a:r>
+              <a:rPr lang="de-DE" altLang="de-DE" dirty="0">
+                <a:latin typeface="Consolas" panose="020B0609020204030204" pitchFamily="49" charset="0"/>
+              </a:rPr>
+              <a:t>&gt;</a:t>
+            </a:r>
+            <a:r>
               <a:rPr lang="de-DE" altLang="de-DE" dirty="0"/>
-              <a:t>&gt; wird der konfigurierte Upstream genutzt</a:t>
+              <a:t> wird der konfigurierte Upstream genutzt</a:t>
             </a:r>
           </a:p>
           <a:p>
@@ -6197,7 +6221,17 @@
             </a:pPr>
             <a:r>
               <a:rPr lang="de-DE" altLang="de-DE" dirty="0"/>
-              <a:t>Mittels -u kann auch beim push ein Upstream eingerichtet werden</a:t>
+              <a:t>Mittels </a:t>
+            </a:r>
+            <a:r>
+              <a:rPr lang="de-DE" altLang="de-DE" dirty="0">
+                <a:latin typeface="Consolas" panose="020B0609020204030204" pitchFamily="49" charset="0"/>
+              </a:rPr>
+              <a:t>-u</a:t>
+            </a:r>
+            <a:r>
+              <a:rPr lang="de-DE" altLang="de-DE" dirty="0"/>
+              <a:t> kann auch beim push ein Upstream eingerichtet werden</a:t>
             </a:r>
           </a:p>
           <a:p>
@@ -8450,15 +8484,21 @@
               <a:t>Kann sowohl genutzt werden, um nach </a:t>
             </a:r>
             <a:r>
-              <a:rPr lang="de-DE" altLang="de-DE" dirty="0" err="1"/>
+              <a:rPr lang="de-DE" altLang="de-DE" dirty="0" err="1">
+                <a:latin typeface="Consolas" panose="020B0609020204030204" pitchFamily="49" charset="0"/>
+              </a:rPr>
               <a:t>git</a:t>
             </a:r>
             <a:r>
-              <a:rPr lang="de-DE" altLang="de-DE" dirty="0"/>
+              <a:rPr lang="de-DE" altLang="de-DE" dirty="0">
+                <a:latin typeface="Consolas" panose="020B0609020204030204" pitchFamily="49" charset="0"/>
+              </a:rPr>
               <a:t> </a:t>
             </a:r>
             <a:r>
-              <a:rPr lang="de-DE" altLang="de-DE" dirty="0" err="1"/>
+              <a:rPr lang="de-DE" altLang="de-DE" dirty="0" err="1">
+                <a:latin typeface="Consolas" panose="020B0609020204030204" pitchFamily="49" charset="0"/>
+              </a:rPr>
               <a:t>clone</a:t>
             </a:r>
             <a:r>

--- a/slides/Tag-1_4-Git-Remote.pptx
+++ b/slides/Tag-1_4-Git-Remote.pptx
@@ -7,25 +7,26 @@
     <p:sldMasterId id="2147483899" r:id="rId3"/>
   </p:sldMasterIdLst>
   <p:notesMasterIdLst>
-    <p:notesMasterId r:id="rId17"/>
+    <p:notesMasterId r:id="rId18"/>
   </p:notesMasterIdLst>
   <p:handoutMasterIdLst>
-    <p:handoutMasterId r:id="rId18"/>
+    <p:handoutMasterId r:id="rId19"/>
   </p:handoutMasterIdLst>
   <p:sldIdLst>
-    <p:sldId id="288" r:id="rId4"/>
-    <p:sldId id="387" r:id="rId5"/>
-    <p:sldId id="596" r:id="rId6"/>
-    <p:sldId id="371" r:id="rId7"/>
-    <p:sldId id="372" r:id="rId8"/>
-    <p:sldId id="373" r:id="rId9"/>
-    <p:sldId id="374" r:id="rId10"/>
-    <p:sldId id="375" r:id="rId11"/>
-    <p:sldId id="377" r:id="rId12"/>
-    <p:sldId id="376" r:id="rId13"/>
-    <p:sldId id="378" r:id="rId14"/>
-    <p:sldId id="379" r:id="rId15"/>
-    <p:sldId id="380" r:id="rId16"/>
+    <p:sldId id="604" r:id="rId4"/>
+    <p:sldId id="289" r:id="rId5"/>
+    <p:sldId id="598" r:id="rId6"/>
+    <p:sldId id="596" r:id="rId7"/>
+    <p:sldId id="371" r:id="rId8"/>
+    <p:sldId id="372" r:id="rId9"/>
+    <p:sldId id="373" r:id="rId10"/>
+    <p:sldId id="374" r:id="rId11"/>
+    <p:sldId id="375" r:id="rId12"/>
+    <p:sldId id="377" r:id="rId13"/>
+    <p:sldId id="376" r:id="rId14"/>
+    <p:sldId id="378" r:id="rId15"/>
+    <p:sldId id="379" r:id="rId16"/>
+    <p:sldId id="380" r:id="rId17"/>
   </p:sldIdLst>
   <p:sldSz cx="9144000" cy="6858000" type="screen4x3"/>
   <p:notesSz cx="6784975" cy="9921875"/>
@@ -2051,7 +2052,7 @@
                 </a:solidFill>
                 <a:latin typeface="Arial" charset="0"/>
               </a:rPr>
-              <a:t>&lt;Autor&gt;</a:t>
+              <a:t>Daniel Krämer &amp; Malte Fischer</a:t>
             </a:r>
           </a:p>
         </p:txBody>
@@ -2073,7 +2074,7 @@
         <p:spPr bwMode="auto">
           <a:xfrm>
             <a:off x="4252913" y="6424613"/>
-            <a:ext cx="1163637" cy="246062"/>
+            <a:ext cx="1632178" cy="246221"/>
           </a:xfrm>
           <a:prstGeom prst="rect">
             <a:avLst/>
@@ -2103,16 +2104,7 @@
                 </a:solidFill>
                 <a:latin typeface="Arial" charset="0"/>
               </a:rPr>
-              <a:t>&lt;Dateiname&gt;.</a:t>
-            </a:r>
-            <a:r>
-              <a:rPr lang="de-DE" sz="1000" dirty="0" err="1">
-                <a:solidFill>
-                  <a:schemeClr val="bg1"/>
-                </a:solidFill>
-                <a:latin typeface="Arial" charset="0"/>
-              </a:rPr>
-              <a:t>ppt</a:t>
+              <a:t>Tag-1_4-Git-Remote.pptx</a:t>
             </a:r>
             <a:endParaRPr lang="de-DE" dirty="0">
               <a:solidFill>
@@ -4158,7 +4150,7 @@
                 </a:solidFill>
                 <a:latin typeface="Arial" charset="0"/>
               </a:rPr>
-              <a:t>&lt;Autor&gt;</a:t>
+              <a:t>Daniel Krämer &amp; Malte Fischer</a:t>
             </a:r>
           </a:p>
         </p:txBody>
@@ -4180,7 +4172,7 @@
         <p:spPr bwMode="auto">
           <a:xfrm>
             <a:off x="4252913" y="6424613"/>
-            <a:ext cx="1891865" cy="246221"/>
+            <a:ext cx="1632178" cy="246221"/>
           </a:xfrm>
           <a:prstGeom prst="rect">
             <a:avLst/>
@@ -4210,7 +4202,7 @@
                 </a:solidFill>
                 <a:latin typeface="Arial" charset="0"/>
               </a:rPr>
-              <a:t>Tag-3_2_1-GitLab-Runner.ppt</a:t>
+              <a:t>Tag-1_4-Git-Remote.pptx</a:t>
             </a:r>
             <a:endParaRPr lang="de-DE" dirty="0">
               <a:solidFill>
@@ -5144,14 +5136,33 @@
           <a:p>
             <a:pPr algn="l" eaLnBrk="1" hangingPunct="1"/>
             <a:r>
-              <a:rPr lang="de-DE" altLang="de-DE" dirty="0" err="1"/>
+              <a:rPr lang="de-DE" altLang="de-DE" sz="3200" dirty="0"/>
+              <a:t>Tag 1: Einführung in </a:t>
+            </a:r>
+            <a:r>
+              <a:rPr lang="de-DE" altLang="de-DE" sz="3200" dirty="0" err="1"/>
               <a:t>Git</a:t>
             </a:r>
             <a:r>
-              <a:rPr lang="de-DE" altLang="de-DE"/>
-              <a:t>-Remote</a:t>
-            </a:r>
-            <a:endParaRPr lang="de-DE" altLang="de-DE" dirty="0"/>
+              <a:rPr lang="de-DE" altLang="de-DE" sz="3200" dirty="0"/>
+              <a:t> und </a:t>
+            </a:r>
+            <a:r>
+              <a:rPr lang="de-DE" altLang="de-DE" sz="3200" dirty="0" err="1"/>
+              <a:t>GitLab</a:t>
+            </a:r>
+            <a:r>
+              <a:rPr lang="de-DE" altLang="de-DE" sz="3200" dirty="0"/>
+              <a:t>, </a:t>
+            </a:r>
+            <a:r>
+              <a:rPr lang="de-DE" altLang="de-DE" sz="3200" dirty="0" err="1"/>
+              <a:t>Git</a:t>
+            </a:r>
+            <a:r>
+              <a:rPr lang="de-DE" altLang="de-DE" sz="3200" dirty="0"/>
+              <a:t>-Workflow im Team</a:t>
+            </a:r>
           </a:p>
         </p:txBody>
       </p:sp>
@@ -5173,8 +5184,8 @@
         </p:nvSpPr>
         <p:spPr bwMode="auto">
           <a:xfrm>
-            <a:off x="468313" y="4462463"/>
-            <a:ext cx="2159000" cy="622300"/>
+            <a:off x="468312" y="4462463"/>
+            <a:ext cx="4190603" cy="622300"/>
           </a:xfrm>
           <a:prstGeom prst="rect">
             <a:avLst/>
@@ -5209,8 +5220,8 @@
               <a:buNone/>
             </a:pPr>
             <a:r>
-              <a:rPr lang="de-DE" altLang="de-DE" sz="1600"/>
-              <a:t>&lt;Datum, Autor&gt;</a:t>
+              <a:rPr lang="de-DE" altLang="de-DE" sz="1600" dirty="0"/>
+              <a:t>17.06.2024, Daniel Krämer &amp; Malte Fischer</a:t>
             </a:r>
           </a:p>
         </p:txBody>
@@ -5363,18 +5374,54 @@
           </a:lstStyle>
           <a:p>
             <a:pPr eaLnBrk="1" hangingPunct="1"/>
-            <a:r>
-              <a:rPr lang="de-DE" altLang="de-DE" sz="4400">
-                <a:solidFill>
-                  <a:schemeClr val="tx2"/>
-                </a:solidFill>
-                <a:latin typeface="Arial" panose="020B0604020202020204" pitchFamily="34" charset="0"/>
-              </a:rPr>
-              <a:t>&lt;Kundenlogo&gt;</a:t>
-            </a:r>
+            <a:endParaRPr lang="de-DE" altLang="de-DE" sz="4400" dirty="0">
+              <a:solidFill>
+                <a:schemeClr val="tx2"/>
+              </a:solidFill>
+              <a:latin typeface="Arial" panose="020B0604020202020204" pitchFamily="34" charset="0"/>
+            </a:endParaRPr>
           </a:p>
         </p:txBody>
       </p:sp>
+      <p:pic>
+        <p:nvPicPr>
+          <p:cNvPr id="3" name="Grafik 2">
+            <a:extLst>
+              <a:ext uri="{FF2B5EF4-FFF2-40B4-BE49-F238E27FC236}">
+                <a16:creationId xmlns:a16="http://schemas.microsoft.com/office/drawing/2014/main" id="{F795EC6A-86ED-78D6-3916-EC81E8315965}"/>
+              </a:ext>
+            </a:extLst>
+          </p:cNvPr>
+          <p:cNvPicPr>
+            <a:picLocks noChangeAspect="1"/>
+          </p:cNvPicPr>
+          <p:nvPr/>
+        </p:nvPicPr>
+        <p:blipFill>
+          <a:blip r:embed="rId2">
+            <a:extLst>
+              <a:ext uri="{28A0092B-C50C-407E-A947-70E740481C1C}">
+                <a14:useLocalDpi xmlns:a14="http://schemas.microsoft.com/office/drawing/2010/main" val="0"/>
+              </a:ext>
+              <a:ext uri="{96DAC541-7B7A-43D3-8B79-37D633B846F1}">
+                <asvg:svgBlip xmlns:asvg="http://schemas.microsoft.com/office/drawing/2016/SVG/main" r:embed="rId3"/>
+              </a:ext>
+            </a:extLst>
+          </a:blip>
+          <a:stretch>
+            <a:fillRect/>
+          </a:stretch>
+        </p:blipFill>
+        <p:spPr>
+          <a:xfrm>
+            <a:off x="309959" y="263970"/>
+            <a:ext cx="4348957" cy="1508822"/>
+          </a:xfrm>
+          <a:prstGeom prst="rect">
+            <a:avLst/>
+          </a:prstGeom>
+        </p:spPr>
+      </p:pic>
     </p:spTree>
   </p:cSld>
   <p:clrMapOvr>
@@ -5426,43 +5473,415 @@
           <a:bodyPr/>
           <a:lstStyle/>
           <a:p>
+            <a:pPr marL="57150" indent="0">
+              <a:spcBef>
+                <a:spcPts val="600"/>
+              </a:spcBef>
+              <a:spcAft>
+                <a:spcPts val="300"/>
+              </a:spcAft>
+              <a:buNone/>
+            </a:pPr>
+            <a:r>
+              <a:rPr lang="de-DE" altLang="de-DE" b="1" dirty="0"/>
+              <a:t>Pull Befehl</a:t>
+            </a:r>
+          </a:p>
+          <a:p>
+            <a:pPr marL="400050">
+              <a:spcBef>
+                <a:spcPts val="600"/>
+              </a:spcBef>
+              <a:spcAft>
+                <a:spcPts val="300"/>
+              </a:spcAft>
+            </a:pPr>
+            <a:r>
+              <a:rPr lang="de-DE" altLang="de-DE" dirty="0" err="1">
+                <a:latin typeface="Consolas" panose="020B0609020204030204" pitchFamily="49" charset="0"/>
+              </a:rPr>
+              <a:t>git</a:t>
+            </a:r>
+            <a:r>
+              <a:rPr lang="de-DE" altLang="de-DE" dirty="0">
+                <a:latin typeface="Consolas" panose="020B0609020204030204" pitchFamily="49" charset="0"/>
+              </a:rPr>
+              <a:t> pull </a:t>
+            </a:r>
+            <a:r>
+              <a:rPr lang="de-DE" altLang="de-DE" dirty="0"/>
+              <a:t>als Kombination von </a:t>
+            </a:r>
+            <a:r>
+              <a:rPr lang="de-DE" altLang="de-DE" dirty="0" err="1">
+                <a:latin typeface="Consolas" panose="020B0609020204030204" pitchFamily="49" charset="0"/>
+              </a:rPr>
+              <a:t>git</a:t>
+            </a:r>
+            <a:r>
+              <a:rPr lang="de-DE" altLang="de-DE" dirty="0">
+                <a:latin typeface="Consolas" panose="020B0609020204030204" pitchFamily="49" charset="0"/>
+              </a:rPr>
+              <a:t> </a:t>
+            </a:r>
+            <a:r>
+              <a:rPr lang="de-DE" altLang="de-DE" dirty="0" err="1">
+                <a:latin typeface="Consolas" panose="020B0609020204030204" pitchFamily="49" charset="0"/>
+              </a:rPr>
+              <a:t>fetch</a:t>
+            </a:r>
+            <a:r>
+              <a:rPr lang="de-DE" altLang="de-DE" dirty="0">
+                <a:latin typeface="Consolas" panose="020B0609020204030204" pitchFamily="49" charset="0"/>
+              </a:rPr>
+              <a:t> </a:t>
+            </a:r>
+            <a:r>
+              <a:rPr lang="de-DE" altLang="de-DE" dirty="0"/>
+              <a:t>und </a:t>
+            </a:r>
+            <a:r>
+              <a:rPr lang="de-DE" altLang="de-DE" dirty="0" err="1">
+                <a:latin typeface="Consolas" panose="020B0609020204030204" pitchFamily="49" charset="0"/>
+              </a:rPr>
+              <a:t>git</a:t>
+            </a:r>
+            <a:r>
+              <a:rPr lang="de-DE" altLang="de-DE" dirty="0">
+                <a:latin typeface="Consolas" panose="020B0609020204030204" pitchFamily="49" charset="0"/>
+              </a:rPr>
+              <a:t> </a:t>
+            </a:r>
+            <a:r>
+              <a:rPr lang="de-DE" altLang="de-DE" dirty="0" err="1">
+                <a:latin typeface="Consolas" panose="020B0609020204030204" pitchFamily="49" charset="0"/>
+              </a:rPr>
+              <a:t>merge</a:t>
+            </a:r>
+            <a:r>
+              <a:rPr lang="de-DE" altLang="de-DE" dirty="0">
+                <a:latin typeface="Consolas" panose="020B0609020204030204" pitchFamily="49" charset="0"/>
+              </a:rPr>
+              <a:t> </a:t>
+            </a:r>
+            <a:r>
+              <a:rPr lang="de-DE" altLang="de-DE" dirty="0"/>
+              <a:t>oder </a:t>
+            </a:r>
+            <a:r>
+              <a:rPr lang="de-DE" altLang="de-DE" dirty="0" err="1">
+                <a:latin typeface="Consolas" panose="020B0609020204030204" pitchFamily="49" charset="0"/>
+              </a:rPr>
+              <a:t>git</a:t>
+            </a:r>
+            <a:r>
+              <a:rPr lang="de-DE" altLang="de-DE" dirty="0">
+                <a:latin typeface="Consolas" panose="020B0609020204030204" pitchFamily="49" charset="0"/>
+              </a:rPr>
+              <a:t> </a:t>
+            </a:r>
+            <a:r>
+              <a:rPr lang="de-DE" altLang="de-DE" dirty="0" err="1">
+                <a:latin typeface="Consolas" panose="020B0609020204030204" pitchFamily="49" charset="0"/>
+              </a:rPr>
+              <a:t>rebase</a:t>
+            </a:r>
+            <a:endParaRPr lang="de-DE" altLang="de-DE" dirty="0">
+              <a:latin typeface="Consolas" panose="020B0609020204030204" pitchFamily="49" charset="0"/>
+            </a:endParaRPr>
+          </a:p>
+          <a:p>
+            <a:pPr marL="57150" indent="0">
+              <a:spcBef>
+                <a:spcPts val="600"/>
+              </a:spcBef>
+              <a:spcAft>
+                <a:spcPts val="300"/>
+              </a:spcAft>
+              <a:buNone/>
+            </a:pPr>
+            <a:r>
+              <a:rPr lang="de-DE" altLang="de-DE" dirty="0">
+                <a:latin typeface="Consolas" panose="020B0609020204030204" pitchFamily="49" charset="0"/>
+              </a:rPr>
+              <a:t>	</a:t>
+            </a:r>
+            <a:r>
+              <a:rPr lang="de-DE" altLang="de-DE" dirty="0" err="1">
+                <a:latin typeface="Consolas" panose="020B0609020204030204" pitchFamily="49" charset="0"/>
+              </a:rPr>
+              <a:t>git</a:t>
+            </a:r>
+            <a:r>
+              <a:rPr lang="de-DE" altLang="de-DE" dirty="0">
+                <a:latin typeface="Consolas" panose="020B0609020204030204" pitchFamily="49" charset="0"/>
+              </a:rPr>
+              <a:t> pull</a:t>
+            </a:r>
+          </a:p>
+          <a:p>
+            <a:pPr marL="57150" indent="0">
+              <a:spcBef>
+                <a:spcPts val="600"/>
+              </a:spcBef>
+              <a:spcAft>
+                <a:spcPts val="300"/>
+              </a:spcAft>
+              <a:buNone/>
+            </a:pPr>
+            <a:r>
+              <a:rPr lang="de-DE" altLang="de-DE" dirty="0">
+                <a:latin typeface="Consolas" panose="020B0609020204030204" pitchFamily="49" charset="0"/>
+              </a:rPr>
+              <a:t>	</a:t>
+            </a:r>
+            <a:r>
+              <a:rPr lang="de-DE" altLang="de-DE" dirty="0" err="1">
+                <a:latin typeface="Consolas" panose="020B0609020204030204" pitchFamily="49" charset="0"/>
+              </a:rPr>
+              <a:t>git</a:t>
+            </a:r>
+            <a:r>
+              <a:rPr lang="de-DE" altLang="de-DE" dirty="0">
+                <a:latin typeface="Consolas" panose="020B0609020204030204" pitchFamily="49" charset="0"/>
+              </a:rPr>
+              <a:t> pull --</a:t>
+            </a:r>
+            <a:r>
+              <a:rPr lang="de-DE" altLang="de-DE" dirty="0" err="1">
+                <a:latin typeface="Consolas" panose="020B0609020204030204" pitchFamily="49" charset="0"/>
+              </a:rPr>
+              <a:t>merge</a:t>
+            </a:r>
+            <a:endParaRPr lang="de-DE" altLang="de-DE" dirty="0">
+              <a:latin typeface="Consolas" panose="020B0609020204030204" pitchFamily="49" charset="0"/>
+            </a:endParaRPr>
+          </a:p>
+          <a:p>
+            <a:pPr marL="57150" indent="0">
+              <a:spcBef>
+                <a:spcPts val="600"/>
+              </a:spcBef>
+              <a:spcAft>
+                <a:spcPts val="300"/>
+              </a:spcAft>
+              <a:buNone/>
+            </a:pPr>
+            <a:r>
+              <a:rPr lang="de-DE" altLang="de-DE" dirty="0">
+                <a:latin typeface="Consolas" panose="020B0609020204030204" pitchFamily="49" charset="0"/>
+              </a:rPr>
+              <a:t>	</a:t>
+            </a:r>
+            <a:r>
+              <a:rPr lang="de-DE" altLang="de-DE" dirty="0" err="1">
+                <a:latin typeface="Consolas" panose="020B0609020204030204" pitchFamily="49" charset="0"/>
+              </a:rPr>
+              <a:t>git</a:t>
+            </a:r>
+            <a:r>
+              <a:rPr lang="de-DE" altLang="de-DE" dirty="0">
+                <a:latin typeface="Consolas" panose="020B0609020204030204" pitchFamily="49" charset="0"/>
+              </a:rPr>
+              <a:t> pull --</a:t>
+            </a:r>
+            <a:r>
+              <a:rPr lang="de-DE" altLang="de-DE" dirty="0" err="1">
+                <a:latin typeface="Consolas" panose="020B0609020204030204" pitchFamily="49" charset="0"/>
+              </a:rPr>
+              <a:t>rebase</a:t>
+            </a:r>
+            <a:endParaRPr lang="de-DE" altLang="de-DE" dirty="0">
+              <a:latin typeface="Consolas" panose="020B0609020204030204" pitchFamily="49" charset="0"/>
+            </a:endParaRPr>
+          </a:p>
+          <a:p>
+            <a:pPr marL="400050">
+              <a:spcBef>
+                <a:spcPts val="600"/>
+              </a:spcBef>
+              <a:spcAft>
+                <a:spcPts val="300"/>
+              </a:spcAft>
+            </a:pPr>
+            <a:r>
+              <a:rPr lang="de-DE" altLang="de-DE" dirty="0"/>
+              <a:t>Default bei </a:t>
+            </a:r>
+            <a:r>
+              <a:rPr lang="de-DE" altLang="de-DE" dirty="0" err="1"/>
+              <a:t>git</a:t>
+            </a:r>
+            <a:r>
+              <a:rPr lang="de-DE" altLang="de-DE" dirty="0"/>
+              <a:t> pull ist </a:t>
+            </a:r>
+            <a:r>
+              <a:rPr lang="de-DE" altLang="de-DE" dirty="0" err="1"/>
+              <a:t>Merge</a:t>
+            </a:r>
+            <a:endParaRPr lang="de-DE" altLang="de-DE" dirty="0"/>
+          </a:p>
+          <a:p>
+            <a:pPr marL="400050">
+              <a:spcBef>
+                <a:spcPts val="600"/>
+              </a:spcBef>
+              <a:spcAft>
+                <a:spcPts val="300"/>
+              </a:spcAft>
+            </a:pPr>
+            <a:r>
+              <a:rPr lang="de-DE" altLang="de-DE" dirty="0"/>
+              <a:t>Kann in .</a:t>
+            </a:r>
+            <a:r>
+              <a:rPr lang="de-DE" altLang="de-DE" dirty="0" err="1"/>
+              <a:t>gitconfig</a:t>
+            </a:r>
+            <a:r>
+              <a:rPr lang="de-DE" altLang="de-DE" dirty="0"/>
+              <a:t> umgestellt werden</a:t>
+            </a:r>
+          </a:p>
+          <a:p>
+            <a:pPr marL="57150" indent="0">
+              <a:spcBef>
+                <a:spcPts val="600"/>
+              </a:spcBef>
+              <a:spcAft>
+                <a:spcPts val="300"/>
+              </a:spcAft>
+              <a:buNone/>
+            </a:pPr>
+            <a:r>
+              <a:rPr lang="de-DE" altLang="de-DE" dirty="0"/>
+              <a:t>	</a:t>
+            </a:r>
+            <a:r>
+              <a:rPr lang="en-US" altLang="de-DE" dirty="0">
+                <a:latin typeface="Consolas" panose="020B0609020204030204" pitchFamily="49" charset="0"/>
+              </a:rPr>
+              <a:t>git config --global </a:t>
+            </a:r>
+            <a:r>
+              <a:rPr lang="en-US" altLang="de-DE" dirty="0" err="1">
+                <a:latin typeface="Consolas" panose="020B0609020204030204" pitchFamily="49" charset="0"/>
+              </a:rPr>
+              <a:t>pull.rebase</a:t>
+            </a:r>
+            <a:r>
+              <a:rPr lang="en-US" altLang="de-DE" dirty="0">
+                <a:latin typeface="Consolas" panose="020B0609020204030204" pitchFamily="49" charset="0"/>
+              </a:rPr>
+              <a:t> false</a:t>
+            </a:r>
+            <a:r>
+              <a:rPr lang="en-US" altLang="de-DE" dirty="0"/>
+              <a:t> 	</a:t>
+            </a:r>
+            <a:r>
+              <a:rPr lang="en-US" altLang="de-DE" dirty="0">
+                <a:sym typeface="Wingdings" panose="05000000000000000000" pitchFamily="2" charset="2"/>
+              </a:rPr>
+              <a:t> Merge</a:t>
+            </a:r>
+          </a:p>
+          <a:p>
+            <a:pPr marL="57150" indent="0">
+              <a:spcBef>
+                <a:spcPts val="600"/>
+              </a:spcBef>
+              <a:spcAft>
+                <a:spcPts val="300"/>
+              </a:spcAft>
+              <a:buNone/>
+            </a:pPr>
+            <a:r>
+              <a:rPr lang="en-US" altLang="de-DE" dirty="0">
+                <a:sym typeface="Wingdings" panose="05000000000000000000" pitchFamily="2" charset="2"/>
+              </a:rPr>
+              <a:t>	</a:t>
+            </a:r>
+            <a:r>
+              <a:rPr lang="en-US" altLang="de-DE" dirty="0">
+                <a:latin typeface="Consolas" panose="020B0609020204030204" pitchFamily="49" charset="0"/>
+                <a:sym typeface="Wingdings" panose="05000000000000000000" pitchFamily="2" charset="2"/>
+              </a:rPr>
+              <a:t>git config --global </a:t>
+            </a:r>
+            <a:r>
+              <a:rPr lang="en-US" altLang="de-DE" dirty="0" err="1">
+                <a:latin typeface="Consolas" panose="020B0609020204030204" pitchFamily="49" charset="0"/>
+                <a:sym typeface="Wingdings" panose="05000000000000000000" pitchFamily="2" charset="2"/>
+              </a:rPr>
+              <a:t>pull.rebase</a:t>
+            </a:r>
+            <a:r>
+              <a:rPr lang="en-US" altLang="de-DE" dirty="0">
+                <a:latin typeface="Consolas" panose="020B0609020204030204" pitchFamily="49" charset="0"/>
+                <a:sym typeface="Wingdings" panose="05000000000000000000" pitchFamily="2" charset="2"/>
+              </a:rPr>
+              <a:t> true 	</a:t>
+            </a:r>
+            <a:r>
+              <a:rPr lang="en-US" altLang="de-DE" dirty="0">
+                <a:sym typeface="Wingdings" panose="05000000000000000000" pitchFamily="2" charset="2"/>
+              </a:rPr>
+              <a:t> Rebase</a:t>
+            </a:r>
+          </a:p>
+          <a:p>
             <a:pPr marL="400050">
               <a:spcAft>
                 <a:spcPts val="300"/>
               </a:spcAft>
             </a:pPr>
             <a:r>
-              <a:rPr lang="en-US" altLang="de-DE" dirty="0" err="1"/>
-              <a:t>Mergeverhalten</a:t>
-            </a:r>
-            <a:r>
-              <a:rPr lang="en-US" altLang="de-DE" dirty="0"/>
+              <a:rPr lang="en-US" altLang="de-DE" dirty="0" err="1">
+                <a:sym typeface="Wingdings" panose="05000000000000000000" pitchFamily="2" charset="2"/>
+              </a:rPr>
+              <a:t>Einstellung</a:t>
+            </a:r>
+            <a:r>
+              <a:rPr lang="en-US" altLang="de-DE" dirty="0">
+                <a:sym typeface="Wingdings" panose="05000000000000000000" pitchFamily="2" charset="2"/>
+              </a:rPr>
+              <a:t> für </a:t>
+            </a:r>
+            <a:r>
+              <a:rPr lang="en-US" altLang="de-DE" dirty="0" err="1">
+                <a:sym typeface="Wingdings" panose="05000000000000000000" pitchFamily="2" charset="2"/>
+              </a:rPr>
+              <a:t>einzelne</a:t>
+            </a:r>
+            <a:r>
+              <a:rPr lang="en-US" altLang="de-DE" dirty="0">
+                <a:sym typeface="Wingdings" panose="05000000000000000000" pitchFamily="2" charset="2"/>
+              </a:rPr>
+              <a:t> Branches </a:t>
+            </a:r>
+            <a:r>
+              <a:rPr lang="en-US" altLang="de-DE" dirty="0" err="1">
+                <a:sym typeface="Wingdings" panose="05000000000000000000" pitchFamily="2" charset="2"/>
+              </a:rPr>
+              <a:t>ebenfalls</a:t>
+            </a:r>
+            <a:r>
+              <a:rPr lang="en-US" altLang="de-DE" dirty="0">
+                <a:sym typeface="Wingdings" panose="05000000000000000000" pitchFamily="2" charset="2"/>
+              </a:rPr>
               <a:t> </a:t>
             </a:r>
             <a:r>
-              <a:rPr lang="en-US" altLang="de-DE" dirty="0" err="1"/>
-              <a:t>kann</a:t>
-            </a:r>
-            <a:r>
-              <a:rPr lang="en-US" altLang="de-DE" dirty="0"/>
-              <a:t> </a:t>
-            </a:r>
-            <a:r>
-              <a:rPr lang="en-US" altLang="de-DE" dirty="0" err="1"/>
-              <a:t>ebenfalls</a:t>
-            </a:r>
-            <a:r>
-              <a:rPr lang="en-US" altLang="de-DE" dirty="0"/>
-              <a:t> </a:t>
-            </a:r>
-            <a:r>
-              <a:rPr lang="en-US" altLang="de-DE" dirty="0" err="1"/>
-              <a:t>konfiguriert</a:t>
-            </a:r>
-            <a:r>
-              <a:rPr lang="en-US" altLang="de-DE" dirty="0"/>
-              <a:t> warden</a:t>
-            </a:r>
+              <a:rPr lang="en-US" altLang="de-DE" dirty="0" err="1">
+                <a:sym typeface="Wingdings" panose="05000000000000000000" pitchFamily="2" charset="2"/>
+              </a:rPr>
+              <a:t>möglich</a:t>
+            </a:r>
+            <a:endParaRPr lang="en-US" altLang="de-DE" dirty="0">
+              <a:sym typeface="Wingdings" panose="05000000000000000000" pitchFamily="2" charset="2"/>
+            </a:endParaRPr>
           </a:p>
           <a:p>
             <a:pPr marL="57150" indent="0">
@@ -5472,197 +5891,25 @@
               <a:buNone/>
             </a:pPr>
             <a:r>
-              <a:rPr lang="en-US" altLang="de-DE" dirty="0"/>
-              <a:t>	git config --global </a:t>
-            </a:r>
-            <a:r>
-              <a:rPr lang="en-US" altLang="de-DE" dirty="0" err="1"/>
-              <a:t>pull.ff</a:t>
-            </a:r>
-            <a:r>
-              <a:rPr lang="en-US" altLang="de-DE" dirty="0"/>
-              <a:t> [ true | only | false ]</a:t>
-            </a:r>
-          </a:p>
-          <a:p>
-            <a:pPr lvl="1">
+              <a:rPr lang="de-DE" altLang="de-DE" dirty="0"/>
+              <a:t>	</a:t>
+            </a:r>
+            <a:r>
+              <a:rPr lang="en-US" altLang="de-DE" dirty="0">
+                <a:latin typeface="Consolas" panose="020B0609020204030204" pitchFamily="49" charset="0"/>
+              </a:rPr>
+              <a:t>git config branch.&lt;branch-name&gt;.rebase true</a:t>
+            </a:r>
+            <a:endParaRPr lang="de-DE" altLang="de-DE" dirty="0">
+              <a:latin typeface="Consolas" panose="020B0609020204030204" pitchFamily="49" charset="0"/>
+            </a:endParaRPr>
+          </a:p>
+          <a:p>
+            <a:pPr marL="400050">
               <a:spcAft>
                 <a:spcPts val="300"/>
               </a:spcAft>
             </a:pPr>
-            <a:r>
-              <a:rPr lang="en-US" altLang="de-DE" b="1" dirty="0"/>
-              <a:t>true</a:t>
-            </a:r>
-            <a:r>
-              <a:rPr lang="en-US" altLang="de-DE" dirty="0"/>
-              <a:t> (Default) </a:t>
-            </a:r>
-            <a:br>
-              <a:rPr lang="en-US" altLang="de-DE" dirty="0"/>
-            </a:br>
-            <a:r>
-              <a:rPr lang="en-US" altLang="de-DE" dirty="0" err="1"/>
-              <a:t>Versucht</a:t>
-            </a:r>
-            <a:r>
-              <a:rPr lang="en-US" altLang="de-DE" dirty="0"/>
-              <a:t> </a:t>
-            </a:r>
-            <a:r>
-              <a:rPr lang="en-US" altLang="de-DE" dirty="0" err="1"/>
-              <a:t>beim</a:t>
-            </a:r>
-            <a:r>
-              <a:rPr lang="en-US" altLang="de-DE" dirty="0"/>
-              <a:t> Pull </a:t>
-            </a:r>
-            <a:r>
-              <a:rPr lang="en-US" altLang="de-DE" dirty="0" err="1"/>
-              <a:t>ein</a:t>
-            </a:r>
-            <a:r>
-              <a:rPr lang="en-US" altLang="de-DE" dirty="0"/>
-              <a:t> Fast-Forward Merge </a:t>
-            </a:r>
-            <a:r>
-              <a:rPr lang="en-US" altLang="de-DE" dirty="0" err="1"/>
-              <a:t>durchzuführen</a:t>
-            </a:r>
-            <a:r>
-              <a:rPr lang="en-US" altLang="de-DE" dirty="0"/>
-              <a:t>. Falls </a:t>
-            </a:r>
-            <a:r>
-              <a:rPr lang="en-US" altLang="de-DE" dirty="0" err="1"/>
-              <a:t>nicht</a:t>
-            </a:r>
-            <a:r>
-              <a:rPr lang="en-US" altLang="de-DE" dirty="0"/>
-              <a:t> </a:t>
-            </a:r>
-            <a:r>
-              <a:rPr lang="en-US" altLang="de-DE" dirty="0" err="1"/>
-              <a:t>möglich</a:t>
-            </a:r>
-            <a:r>
-              <a:rPr lang="en-US" altLang="de-DE" dirty="0"/>
-              <a:t>, </a:t>
-            </a:r>
-            <a:r>
-              <a:rPr lang="en-US" altLang="de-DE" dirty="0" err="1"/>
-              <a:t>wird</a:t>
-            </a:r>
-            <a:r>
-              <a:rPr lang="en-US" altLang="de-DE" dirty="0"/>
-              <a:t> </a:t>
-            </a:r>
-            <a:r>
-              <a:rPr lang="en-US" altLang="de-DE" dirty="0" err="1"/>
-              <a:t>ein</a:t>
-            </a:r>
-            <a:r>
-              <a:rPr lang="en-US" altLang="de-DE" dirty="0"/>
-              <a:t> Merge-Commit </a:t>
-            </a:r>
-            <a:r>
-              <a:rPr lang="en-US" altLang="de-DE" dirty="0" err="1"/>
-              <a:t>erstellt</a:t>
-            </a:r>
-            <a:endParaRPr lang="en-US" altLang="de-DE" dirty="0"/>
-          </a:p>
-          <a:p>
-            <a:pPr lvl="1">
-              <a:spcAft>
-                <a:spcPts val="300"/>
-              </a:spcAft>
-            </a:pPr>
-            <a:r>
-              <a:rPr lang="en-US" altLang="de-DE" b="1" dirty="0"/>
-              <a:t>false </a:t>
-            </a:r>
-            <a:br>
-              <a:rPr lang="en-US" altLang="de-DE" dirty="0"/>
-            </a:br>
-            <a:r>
-              <a:rPr lang="en-US" altLang="de-DE" dirty="0"/>
-              <a:t>Kein FF, Merge-Commit </a:t>
-            </a:r>
-            <a:r>
-              <a:rPr lang="en-US" altLang="de-DE" dirty="0" err="1"/>
-              <a:t>wird</a:t>
-            </a:r>
-            <a:r>
-              <a:rPr lang="en-US" altLang="de-DE" dirty="0"/>
-              <a:t> </a:t>
-            </a:r>
-            <a:r>
-              <a:rPr lang="en-US" altLang="de-DE" dirty="0" err="1"/>
-              <a:t>immer</a:t>
-            </a:r>
-            <a:r>
-              <a:rPr lang="en-US" altLang="de-DE" dirty="0"/>
-              <a:t> </a:t>
-            </a:r>
-            <a:r>
-              <a:rPr lang="en-US" altLang="de-DE" dirty="0" err="1"/>
-              <a:t>erstellt</a:t>
-            </a:r>
-            <a:endParaRPr lang="en-US" altLang="de-DE" dirty="0"/>
-          </a:p>
-          <a:p>
-            <a:pPr lvl="1">
-              <a:spcAft>
-                <a:spcPts val="300"/>
-              </a:spcAft>
-            </a:pPr>
-            <a:r>
-              <a:rPr lang="en-US" altLang="de-DE" b="1" dirty="0"/>
-              <a:t>only</a:t>
-            </a:r>
-            <a:br>
-              <a:rPr lang="en-US" altLang="de-DE" dirty="0"/>
-            </a:br>
-            <a:r>
-              <a:rPr lang="en-US" altLang="de-DE" dirty="0"/>
-              <a:t>Nur FF, </a:t>
-            </a:r>
-            <a:r>
-              <a:rPr lang="en-US" altLang="de-DE" dirty="0" err="1"/>
-              <a:t>wenn</a:t>
-            </a:r>
-            <a:r>
-              <a:rPr lang="en-US" altLang="de-DE" dirty="0"/>
-              <a:t> </a:t>
-            </a:r>
-            <a:r>
-              <a:rPr lang="en-US" altLang="de-DE" dirty="0" err="1"/>
-              <a:t>nicht</a:t>
-            </a:r>
-            <a:r>
-              <a:rPr lang="en-US" altLang="de-DE" dirty="0"/>
-              <a:t> </a:t>
-            </a:r>
-            <a:r>
-              <a:rPr lang="en-US" altLang="de-DE" dirty="0" err="1"/>
-              <a:t>möglich</a:t>
-            </a:r>
-            <a:r>
-              <a:rPr lang="en-US" altLang="de-DE" dirty="0"/>
-              <a:t> </a:t>
-            </a:r>
-            <a:r>
-              <a:rPr lang="en-US" altLang="de-DE" dirty="0" err="1"/>
-              <a:t>wird</a:t>
-            </a:r>
-            <a:r>
-              <a:rPr lang="en-US" altLang="de-DE" dirty="0"/>
-              <a:t> pull </a:t>
-            </a:r>
-            <a:r>
-              <a:rPr lang="en-US" altLang="de-DE" dirty="0" err="1"/>
-              <a:t>abgebrochen</a:t>
-            </a:r>
             <a:endParaRPr lang="en-US" altLang="de-DE" dirty="0"/>
           </a:p>
         </p:txBody>
@@ -5703,7 +5950,7 @@
     </p:spTree>
     <p:extLst>
       <p:ext uri="{BB962C8B-B14F-4D97-AF65-F5344CB8AC3E}">
-        <p14:creationId xmlns:p14="http://schemas.microsoft.com/office/powerpoint/2010/main" val="281920756"/>
+        <p14:creationId xmlns:p14="http://schemas.microsoft.com/office/powerpoint/2010/main" val="2131263901"/>
       </p:ext>
     </p:extLst>
   </p:cSld>
@@ -5756,198 +6003,42 @@
           <a:bodyPr/>
           <a:lstStyle/>
           <a:p>
-            <a:pPr marL="57150" indent="0">
-              <a:spcBef>
-                <a:spcPts val="600"/>
-              </a:spcBef>
-              <a:spcAft>
-                <a:spcPts val="300"/>
-              </a:spcAft>
-              <a:buNone/>
-            </a:pPr>
-            <a:r>
-              <a:rPr lang="de-DE" altLang="de-DE" b="1" dirty="0"/>
-              <a:t>Remote Branch</a:t>
-            </a:r>
-          </a:p>
-          <a:p>
-            <a:pPr marL="400050">
-              <a:spcBef>
-                <a:spcPts val="600"/>
-              </a:spcBef>
-              <a:spcAft>
-                <a:spcPts val="300"/>
-              </a:spcAft>
-            </a:pPr>
-            <a:r>
-              <a:rPr lang="de-DE" altLang="de-DE" dirty="0"/>
-              <a:t>Einem lokalen Branch einen Remote Upstream hinzufügen </a:t>
-            </a:r>
-          </a:p>
-          <a:p>
-            <a:pPr marL="57150" indent="0">
-              <a:spcBef>
-                <a:spcPts val="600"/>
-              </a:spcBef>
-              <a:spcAft>
-                <a:spcPts val="300"/>
-              </a:spcAft>
-              <a:buNone/>
-            </a:pPr>
-            <a:r>
-              <a:rPr lang="de-DE" altLang="de-DE" dirty="0"/>
-              <a:t>	</a:t>
-            </a:r>
-            <a:r>
-              <a:rPr lang="de-DE" altLang="de-DE" dirty="0" err="1">
-                <a:latin typeface="Consolas" panose="020B0609020204030204" pitchFamily="49" charset="0"/>
-              </a:rPr>
-              <a:t>git</a:t>
-            </a:r>
-            <a:r>
-              <a:rPr lang="de-DE" altLang="de-DE" dirty="0">
-                <a:latin typeface="Consolas" panose="020B0609020204030204" pitchFamily="49" charset="0"/>
-              </a:rPr>
-              <a:t> </a:t>
-            </a:r>
-            <a:r>
-              <a:rPr lang="de-DE" altLang="de-DE" dirty="0" err="1">
-                <a:latin typeface="Consolas" panose="020B0609020204030204" pitchFamily="49" charset="0"/>
-              </a:rPr>
-              <a:t>branch</a:t>
-            </a:r>
-            <a:r>
-              <a:rPr lang="de-DE" altLang="de-DE" dirty="0">
-                <a:latin typeface="Consolas" panose="020B0609020204030204" pitchFamily="49" charset="0"/>
-              </a:rPr>
-              <a:t> --set-</a:t>
-            </a:r>
-            <a:r>
-              <a:rPr lang="de-DE" altLang="de-DE" dirty="0" err="1">
-                <a:latin typeface="Consolas" panose="020B0609020204030204" pitchFamily="49" charset="0"/>
-              </a:rPr>
-              <a:t>upstream</a:t>
-            </a:r>
-            <a:r>
-              <a:rPr lang="de-DE" altLang="de-DE" dirty="0">
-                <a:latin typeface="Consolas" panose="020B0609020204030204" pitchFamily="49" charset="0"/>
-              </a:rPr>
-              <a:t> &lt;remote&gt; &lt;</a:t>
-            </a:r>
-            <a:r>
-              <a:rPr lang="de-DE" altLang="de-DE" dirty="0" err="1">
-                <a:latin typeface="Consolas" panose="020B0609020204030204" pitchFamily="49" charset="0"/>
-              </a:rPr>
-              <a:t>branch</a:t>
-            </a:r>
-            <a:r>
-              <a:rPr lang="de-DE" altLang="de-DE" dirty="0">
-                <a:latin typeface="Consolas" panose="020B0609020204030204" pitchFamily="49" charset="0"/>
-              </a:rPr>
-              <a:t>&gt;</a:t>
-            </a:r>
-          </a:p>
-          <a:p>
             <a:pPr marL="400050">
               <a:spcAft>
                 <a:spcPts val="300"/>
               </a:spcAft>
             </a:pPr>
             <a:r>
-              <a:rPr lang="de-DE" altLang="de-DE" dirty="0">
-                <a:latin typeface="Consolas" panose="020B0609020204030204" pitchFamily="49" charset="0"/>
-              </a:rPr>
-              <a:t>&lt;</a:t>
-            </a:r>
-            <a:r>
-              <a:rPr lang="de-DE" altLang="de-DE" dirty="0" err="1">
-                <a:latin typeface="Consolas" panose="020B0609020204030204" pitchFamily="49" charset="0"/>
-              </a:rPr>
-              <a:t>branch</a:t>
-            </a:r>
-            <a:r>
-              <a:rPr lang="de-DE" altLang="de-DE" dirty="0">
-                <a:latin typeface="Consolas" panose="020B0609020204030204" pitchFamily="49" charset="0"/>
-              </a:rPr>
-              <a:t>&gt; </a:t>
-            </a:r>
-            <a:r>
-              <a:rPr lang="de-DE" altLang="de-DE" dirty="0"/>
-              <a:t>ist optional und kann bei gleicher Benennung weggelassen werden</a:t>
-            </a:r>
-          </a:p>
-          <a:p>
-            <a:pPr marL="400050">
-              <a:spcAft>
-                <a:spcPts val="300"/>
-              </a:spcAft>
-            </a:pPr>
-            <a:r>
-              <a:rPr lang="de-DE" altLang="de-DE" dirty="0"/>
-              <a:t>Verknüpft lokalen Branch mit Remote Branch und ermöglicht </a:t>
-            </a:r>
-            <a:r>
-              <a:rPr lang="de-DE" altLang="de-DE" dirty="0" err="1">
-                <a:latin typeface="Consolas" panose="020B0609020204030204" pitchFamily="49" charset="0"/>
-              </a:rPr>
-              <a:t>fetch</a:t>
-            </a:r>
-            <a:r>
-              <a:rPr lang="de-DE" altLang="de-DE" dirty="0"/>
-              <a:t>, </a:t>
-            </a:r>
-            <a:r>
-              <a:rPr lang="de-DE" altLang="de-DE" dirty="0">
-                <a:latin typeface="Consolas" panose="020B0609020204030204" pitchFamily="49" charset="0"/>
-              </a:rPr>
-              <a:t>pull</a:t>
-            </a:r>
-            <a:r>
-              <a:rPr lang="de-DE" altLang="de-DE" dirty="0"/>
-              <a:t> und </a:t>
-            </a:r>
-            <a:r>
-              <a:rPr lang="de-DE" altLang="de-DE" dirty="0">
-                <a:latin typeface="Consolas" panose="020B0609020204030204" pitchFamily="49" charset="0"/>
-              </a:rPr>
-              <a:t>push</a:t>
-            </a:r>
-            <a:r>
-              <a:rPr lang="de-DE" altLang="de-DE" dirty="0"/>
-              <a:t> Operationen</a:t>
-            </a:r>
-          </a:p>
-          <a:p>
-            <a:pPr marL="400050">
-              <a:spcAft>
-                <a:spcPts val="300"/>
-              </a:spcAft>
-            </a:pPr>
-            <a:r>
-              <a:rPr lang="de-DE" altLang="de-DE" dirty="0"/>
-              <a:t>Ein lokaler Branch lässt sich mit </a:t>
-            </a:r>
-            <a:r>
-              <a:rPr lang="de-DE" altLang="de-DE" dirty="0" err="1">
-                <a:latin typeface="Consolas" panose="020B0609020204030204" pitchFamily="49" charset="0"/>
-              </a:rPr>
-              <a:t>git</a:t>
-            </a:r>
-            <a:r>
-              <a:rPr lang="de-DE" altLang="de-DE" dirty="0">
-                <a:latin typeface="Consolas" panose="020B0609020204030204" pitchFamily="49" charset="0"/>
-              </a:rPr>
+              <a:rPr lang="en-US" altLang="de-DE" dirty="0" err="1"/>
+              <a:t>Mergeverhalten</a:t>
+            </a:r>
+            <a:r>
+              <a:rPr lang="en-US" altLang="de-DE" dirty="0"/>
               <a:t> </a:t>
             </a:r>
             <a:r>
-              <a:rPr lang="de-DE" altLang="de-DE" dirty="0" err="1">
-                <a:latin typeface="Consolas" panose="020B0609020204030204" pitchFamily="49" charset="0"/>
-              </a:rPr>
-              <a:t>reset</a:t>
-            </a:r>
-            <a:r>
-              <a:rPr lang="de-DE" altLang="de-DE" dirty="0"/>
-              <a:t> auf den Remote Branch zurücksetzen</a:t>
+              <a:rPr lang="en-US" altLang="de-DE" dirty="0" err="1"/>
+              <a:t>kann</a:t>
+            </a:r>
+            <a:r>
+              <a:rPr lang="en-US" altLang="de-DE" dirty="0"/>
+              <a:t> </a:t>
+            </a:r>
+            <a:r>
+              <a:rPr lang="en-US" altLang="de-DE" dirty="0" err="1"/>
+              <a:t>ebenfalls</a:t>
+            </a:r>
+            <a:r>
+              <a:rPr lang="en-US" altLang="de-DE" dirty="0"/>
+              <a:t> </a:t>
+            </a:r>
+            <a:r>
+              <a:rPr lang="en-US" altLang="de-DE" dirty="0" err="1"/>
+              <a:t>konfiguriert</a:t>
+            </a:r>
+            <a:r>
+              <a:rPr lang="en-US" altLang="de-DE" dirty="0"/>
+              <a:t> warden</a:t>
             </a:r>
           </a:p>
           <a:p>
@@ -5958,57 +6049,198 @@
               <a:buNone/>
             </a:pPr>
             <a:r>
-              <a:rPr lang="de-DE" altLang="de-DE" dirty="0"/>
-              <a:t>	</a:t>
-            </a:r>
-            <a:r>
-              <a:rPr lang="de-DE" altLang="de-DE" dirty="0" err="1">
-                <a:latin typeface="Consolas" panose="020B0609020204030204" pitchFamily="49" charset="0"/>
-              </a:rPr>
-              <a:t>git</a:t>
-            </a:r>
-            <a:r>
-              <a:rPr lang="de-DE" altLang="de-DE" dirty="0">
-                <a:latin typeface="Consolas" panose="020B0609020204030204" pitchFamily="49" charset="0"/>
-              </a:rPr>
+              <a:rPr lang="en-US" altLang="de-DE" dirty="0"/>
+              <a:t>	git config --global </a:t>
+            </a:r>
+            <a:r>
+              <a:rPr lang="en-US" altLang="de-DE" dirty="0" err="1"/>
+              <a:t>pull.ff</a:t>
+            </a:r>
+            <a:r>
+              <a:rPr lang="en-US" altLang="de-DE" dirty="0"/>
+              <a:t> [ true | only | false ]</a:t>
+            </a:r>
+          </a:p>
+          <a:p>
+            <a:pPr lvl="1">
+              <a:spcAft>
+                <a:spcPts val="300"/>
+              </a:spcAft>
+            </a:pPr>
+            <a:r>
+              <a:rPr lang="en-US" altLang="de-DE" b="1" dirty="0"/>
+              <a:t>true</a:t>
+            </a:r>
+            <a:r>
+              <a:rPr lang="en-US" altLang="de-DE" dirty="0"/>
+              <a:t> (Default) </a:t>
+            </a:r>
+            <a:br>
+              <a:rPr lang="en-US" altLang="de-DE" dirty="0"/>
+            </a:br>
+            <a:r>
+              <a:rPr lang="en-US" altLang="de-DE" dirty="0" err="1"/>
+              <a:t>Versucht</a:t>
+            </a:r>
+            <a:r>
+              <a:rPr lang="en-US" altLang="de-DE" dirty="0"/>
               <a:t> </a:t>
             </a:r>
             <a:r>
-              <a:rPr lang="de-DE" altLang="de-DE" dirty="0" err="1">
-                <a:latin typeface="Consolas" panose="020B0609020204030204" pitchFamily="49" charset="0"/>
-              </a:rPr>
-              <a:t>reset</a:t>
-            </a:r>
-            <a:r>
-              <a:rPr lang="de-DE" altLang="de-DE" dirty="0">
-                <a:latin typeface="Consolas" panose="020B0609020204030204" pitchFamily="49" charset="0"/>
-              </a:rPr>
-              <a:t> --</a:t>
-            </a:r>
-            <a:r>
-              <a:rPr lang="de-DE" altLang="de-DE" dirty="0" err="1">
-                <a:latin typeface="Consolas" panose="020B0609020204030204" pitchFamily="49" charset="0"/>
-              </a:rPr>
-              <a:t>hard</a:t>
-            </a:r>
-            <a:r>
-              <a:rPr lang="de-DE" altLang="de-DE" dirty="0">
-                <a:latin typeface="Consolas" panose="020B0609020204030204" pitchFamily="49" charset="0"/>
-              </a:rPr>
-              <a:t> &lt;remote&gt;/&lt;remote-</a:t>
-            </a:r>
-            <a:r>
-              <a:rPr lang="de-DE" altLang="de-DE" dirty="0" err="1">
-                <a:latin typeface="Consolas" panose="020B0609020204030204" pitchFamily="49" charset="0"/>
-              </a:rPr>
-              <a:t>branch</a:t>
-            </a:r>
-            <a:r>
-              <a:rPr lang="de-DE" altLang="de-DE" dirty="0">
-                <a:latin typeface="Consolas" panose="020B0609020204030204" pitchFamily="49" charset="0"/>
-              </a:rPr>
-              <a:t>&gt;</a:t>
-            </a:r>
+              <a:rPr lang="en-US" altLang="de-DE" dirty="0" err="1"/>
+              <a:t>beim</a:t>
+            </a:r>
+            <a:r>
+              <a:rPr lang="en-US" altLang="de-DE" dirty="0"/>
+              <a:t> Pull </a:t>
+            </a:r>
+            <a:r>
+              <a:rPr lang="en-US" altLang="de-DE" dirty="0" err="1"/>
+              <a:t>ein</a:t>
+            </a:r>
+            <a:r>
+              <a:rPr lang="en-US" altLang="de-DE" dirty="0"/>
+              <a:t> Fast-Forward Merge </a:t>
+            </a:r>
+            <a:r>
+              <a:rPr lang="en-US" altLang="de-DE" dirty="0" err="1"/>
+              <a:t>durchzuführen</a:t>
+            </a:r>
+            <a:r>
+              <a:rPr lang="en-US" altLang="de-DE" dirty="0"/>
+              <a:t>. Falls </a:t>
+            </a:r>
+            <a:r>
+              <a:rPr lang="en-US" altLang="de-DE" dirty="0" err="1"/>
+              <a:t>nicht</a:t>
+            </a:r>
+            <a:r>
+              <a:rPr lang="en-US" altLang="de-DE" dirty="0"/>
+              <a:t> </a:t>
+            </a:r>
+            <a:r>
+              <a:rPr lang="en-US" altLang="de-DE" dirty="0" err="1"/>
+              <a:t>möglich</a:t>
+            </a:r>
+            <a:r>
+              <a:rPr lang="en-US" altLang="de-DE" dirty="0"/>
+              <a:t>, </a:t>
+            </a:r>
+            <a:r>
+              <a:rPr lang="en-US" altLang="de-DE" dirty="0" err="1"/>
+              <a:t>wird</a:t>
+            </a:r>
+            <a:r>
+              <a:rPr lang="en-US" altLang="de-DE" dirty="0"/>
+              <a:t> </a:t>
+            </a:r>
+            <a:r>
+              <a:rPr lang="en-US" altLang="de-DE" dirty="0" err="1"/>
+              <a:t>ein</a:t>
+            </a:r>
+            <a:r>
+              <a:rPr lang="en-US" altLang="de-DE" dirty="0"/>
+              <a:t> Merge-Commit </a:t>
+            </a:r>
+            <a:r>
+              <a:rPr lang="en-US" altLang="de-DE" dirty="0" err="1"/>
+              <a:t>erstellt</a:t>
+            </a:r>
+            <a:endParaRPr lang="en-US" altLang="de-DE" dirty="0"/>
+          </a:p>
+          <a:p>
+            <a:pPr lvl="1">
+              <a:spcAft>
+                <a:spcPts val="300"/>
+              </a:spcAft>
+            </a:pPr>
+            <a:r>
+              <a:rPr lang="en-US" altLang="de-DE" b="1" dirty="0"/>
+              <a:t>false </a:t>
+            </a:r>
+            <a:br>
+              <a:rPr lang="en-US" altLang="de-DE" dirty="0"/>
+            </a:br>
+            <a:r>
+              <a:rPr lang="en-US" altLang="de-DE" dirty="0"/>
+              <a:t>Kein FF, Merge-Commit </a:t>
+            </a:r>
+            <a:r>
+              <a:rPr lang="en-US" altLang="de-DE" dirty="0" err="1"/>
+              <a:t>wird</a:t>
+            </a:r>
+            <a:r>
+              <a:rPr lang="en-US" altLang="de-DE" dirty="0"/>
+              <a:t> </a:t>
+            </a:r>
+            <a:r>
+              <a:rPr lang="en-US" altLang="de-DE" dirty="0" err="1"/>
+              <a:t>immer</a:t>
+            </a:r>
+            <a:r>
+              <a:rPr lang="en-US" altLang="de-DE" dirty="0"/>
+              <a:t> </a:t>
+            </a:r>
+            <a:r>
+              <a:rPr lang="en-US" altLang="de-DE" dirty="0" err="1"/>
+              <a:t>erstellt</a:t>
+            </a:r>
+            <a:endParaRPr lang="en-US" altLang="de-DE" dirty="0"/>
+          </a:p>
+          <a:p>
+            <a:pPr lvl="1">
+              <a:spcAft>
+                <a:spcPts val="300"/>
+              </a:spcAft>
+            </a:pPr>
+            <a:r>
+              <a:rPr lang="en-US" altLang="de-DE" b="1" dirty="0"/>
+              <a:t>only</a:t>
+            </a:r>
+            <a:br>
+              <a:rPr lang="en-US" altLang="de-DE" dirty="0"/>
+            </a:br>
+            <a:r>
+              <a:rPr lang="en-US" altLang="de-DE" dirty="0"/>
+              <a:t>Nur FF, </a:t>
+            </a:r>
+            <a:r>
+              <a:rPr lang="en-US" altLang="de-DE" dirty="0" err="1"/>
+              <a:t>wenn</a:t>
+            </a:r>
+            <a:r>
+              <a:rPr lang="en-US" altLang="de-DE" dirty="0"/>
+              <a:t> </a:t>
+            </a:r>
+            <a:r>
+              <a:rPr lang="en-US" altLang="de-DE" dirty="0" err="1"/>
+              <a:t>nicht</a:t>
+            </a:r>
+            <a:r>
+              <a:rPr lang="en-US" altLang="de-DE" dirty="0"/>
+              <a:t> </a:t>
+            </a:r>
+            <a:r>
+              <a:rPr lang="en-US" altLang="de-DE" dirty="0" err="1"/>
+              <a:t>möglich</a:t>
+            </a:r>
+            <a:r>
+              <a:rPr lang="en-US" altLang="de-DE" dirty="0"/>
+              <a:t> </a:t>
+            </a:r>
+            <a:r>
+              <a:rPr lang="en-US" altLang="de-DE" dirty="0" err="1"/>
+              <a:t>wird</a:t>
+            </a:r>
+            <a:r>
+              <a:rPr lang="en-US" altLang="de-DE" dirty="0"/>
+              <a:t> pull </a:t>
+            </a:r>
+            <a:r>
+              <a:rPr lang="en-US" altLang="de-DE" dirty="0" err="1"/>
+              <a:t>abgebrochen</a:t>
+            </a:r>
+            <a:endParaRPr lang="en-US" altLang="de-DE" dirty="0"/>
           </a:p>
         </p:txBody>
       </p:sp>
@@ -6048,7 +6280,7 @@
     </p:spTree>
     <p:extLst>
       <p:ext uri="{BB962C8B-B14F-4D97-AF65-F5344CB8AC3E}">
-        <p14:creationId xmlns:p14="http://schemas.microsoft.com/office/powerpoint/2010/main" val="218934106"/>
+        <p14:creationId xmlns:p14="http://schemas.microsoft.com/office/powerpoint/2010/main" val="281920756"/>
       </p:ext>
     </p:extLst>
   </p:cSld>
@@ -6112,7 +6344,7 @@
             </a:pPr>
             <a:r>
               <a:rPr lang="de-DE" altLang="de-DE" b="1" dirty="0"/>
-              <a:t>Push Befehl</a:t>
+              <a:t>Remote Branch</a:t>
             </a:r>
           </a:p>
           <a:p>
@@ -6126,7 +6358,7 @@
             </a:pPr>
             <a:r>
               <a:rPr lang="de-DE" altLang="de-DE" dirty="0"/>
-              <a:t>Lokale Änderungen ins Remote Repository übertragen</a:t>
+              <a:t>Einem lokalen Branch einen Remote Upstream hinzufügen </a:t>
             </a:r>
           </a:p>
           <a:p>
@@ -6140,22 +6372,44 @@
               <a:buNone/>
             </a:pPr>
             <a:r>
+              <a:rPr lang="de-DE" altLang="de-DE" dirty="0"/>
+              <a:t>	</a:t>
+            </a:r>
+            <a:r>
+              <a:rPr lang="de-DE" altLang="de-DE" dirty="0" err="1">
+                <a:latin typeface="Consolas" panose="020B0609020204030204" pitchFamily="49" charset="0"/>
+              </a:rPr>
+              <a:t>git</a:t>
+            </a:r>
+            <a:r>
               <a:rPr lang="de-DE" altLang="de-DE" dirty="0">
                 <a:latin typeface="Consolas" panose="020B0609020204030204" pitchFamily="49" charset="0"/>
               </a:rPr>
-              <a:t>	</a:t>
+              <a:t> </a:t>
             </a:r>
             <a:r>
               <a:rPr lang="de-DE" altLang="de-DE" dirty="0" err="1">
                 <a:latin typeface="Consolas" panose="020B0609020204030204" pitchFamily="49" charset="0"/>
               </a:rPr>
-              <a:t>git</a:t>
+              <a:t>branch</a:t>
             </a:r>
             <a:r>
               <a:rPr lang="de-DE" altLang="de-DE" dirty="0">
                 <a:latin typeface="Consolas" panose="020B0609020204030204" pitchFamily="49" charset="0"/>
               </a:rPr>
-              <a:t> push &lt;remote&gt; &lt;remote-</a:t>
+              <a:t> --set-</a:t>
+            </a:r>
+            <a:r>
+              <a:rPr lang="de-DE" altLang="de-DE" dirty="0" err="1">
+                <a:latin typeface="Consolas" panose="020B0609020204030204" pitchFamily="49" charset="0"/>
+              </a:rPr>
+              <a:t>upstream</a:t>
+            </a:r>
+            <a:r>
+              <a:rPr lang="de-DE" altLang="de-DE" dirty="0">
+                <a:latin typeface="Consolas" panose="020B0609020204030204" pitchFamily="49" charset="0"/>
+              </a:rPr>
+              <a:t> &lt;remote&gt; &lt;</a:t>
             </a:r>
             <a:r>
               <a:rPr lang="de-DE" altLang="de-DE" dirty="0" err="1">
@@ -6177,40 +6431,26 @@
               </a:spcAft>
             </a:pPr>
             <a:r>
+              <a:rPr lang="de-DE" altLang="de-DE" dirty="0">
+                <a:latin typeface="Consolas" panose="020B0609020204030204" pitchFamily="49" charset="0"/>
+              </a:rPr>
+              <a:t>&lt;</a:t>
+            </a:r>
+            <a:r>
+              <a:rPr lang="de-DE" altLang="de-DE" dirty="0" err="1">
+                <a:latin typeface="Consolas" panose="020B0609020204030204" pitchFamily="49" charset="0"/>
+              </a:rPr>
+              <a:t>branch</a:t>
+            </a:r>
+            <a:r>
+              <a:rPr lang="de-DE" altLang="de-DE" dirty="0">
+                <a:latin typeface="Consolas" panose="020B0609020204030204" pitchFamily="49" charset="0"/>
+              </a:rPr>
+              <a:t>&gt; </a:t>
+            </a:r>
+            <a:r>
               <a:rPr lang="de-DE" altLang="de-DE" dirty="0"/>
-              <a:t>Ohne explizite Angabe von </a:t>
-            </a:r>
-            <a:r>
-              <a:rPr lang="de-DE" altLang="de-DE" dirty="0">
-                <a:latin typeface="Consolas" panose="020B0609020204030204" pitchFamily="49" charset="0"/>
-              </a:rPr>
-              <a:t>&lt;remote&gt;</a:t>
-            </a:r>
-            <a:r>
-              <a:rPr lang="de-DE" altLang="de-DE" dirty="0"/>
-              <a:t> und </a:t>
-            </a:r>
-            <a:r>
-              <a:rPr lang="de-DE" altLang="de-DE" dirty="0">
-                <a:latin typeface="Consolas" panose="020B0609020204030204" pitchFamily="49" charset="0"/>
-              </a:rPr>
-              <a:t>&lt;remote-</a:t>
-            </a:r>
-            <a:r>
-              <a:rPr lang="de-DE" altLang="de-DE" dirty="0" err="1">
-                <a:latin typeface="Consolas" panose="020B0609020204030204" pitchFamily="49" charset="0"/>
-              </a:rPr>
-              <a:t>branch</a:t>
-            </a:r>
-            <a:r>
-              <a:rPr lang="de-DE" altLang="de-DE" dirty="0">
-                <a:latin typeface="Consolas" panose="020B0609020204030204" pitchFamily="49" charset="0"/>
-              </a:rPr>
-              <a:t>&gt;</a:t>
-            </a:r>
-            <a:r>
-              <a:rPr lang="de-DE" altLang="de-DE" dirty="0"/>
-              <a:t> wird der konfigurierte Upstream genutzt</a:t>
+              <a:t>ist optional und kann bei gleicher Benennung weggelassen werden</a:t>
             </a:r>
           </a:p>
           <a:p>
@@ -6221,17 +6461,70 @@
             </a:pPr>
             <a:r>
               <a:rPr lang="de-DE" altLang="de-DE" dirty="0"/>
-              <a:t>Mittels </a:t>
+              <a:t>Verknüpft lokalen Branch mit Remote Branch und ermöglicht </a:t>
+            </a:r>
+            <a:r>
+              <a:rPr lang="de-DE" altLang="de-DE" dirty="0" err="1">
+                <a:latin typeface="Consolas" panose="020B0609020204030204" pitchFamily="49" charset="0"/>
+              </a:rPr>
+              <a:t>fetch</a:t>
+            </a:r>
+            <a:r>
+              <a:rPr lang="de-DE" altLang="de-DE" dirty="0"/>
+              <a:t>, </a:t>
             </a:r>
             <a:r>
               <a:rPr lang="de-DE" altLang="de-DE" dirty="0">
                 <a:latin typeface="Consolas" panose="020B0609020204030204" pitchFamily="49" charset="0"/>
               </a:rPr>
-              <a:t>-u</a:t>
+              <a:t>pull</a:t>
             </a:r>
             <a:r>
               <a:rPr lang="de-DE" altLang="de-DE" dirty="0"/>
-              <a:t> kann auch beim push ein Upstream eingerichtet werden</a:t>
+              <a:t> und </a:t>
+            </a:r>
+            <a:r>
+              <a:rPr lang="de-DE" altLang="de-DE" dirty="0">
+                <a:latin typeface="Consolas" panose="020B0609020204030204" pitchFamily="49" charset="0"/>
+              </a:rPr>
+              <a:t>push</a:t>
+            </a:r>
+            <a:r>
+              <a:rPr lang="de-DE" altLang="de-DE" dirty="0"/>
+              <a:t> Operationen</a:t>
+            </a:r>
+          </a:p>
+          <a:p>
+            <a:pPr marL="400050">
+              <a:spcAft>
+                <a:spcPts val="300"/>
+              </a:spcAft>
+            </a:pPr>
+            <a:r>
+              <a:rPr lang="de-DE" altLang="de-DE" dirty="0"/>
+              <a:t>Ein lokaler Branch lässt sich mit </a:t>
+            </a:r>
+            <a:r>
+              <a:rPr lang="de-DE" altLang="de-DE" dirty="0" err="1">
+                <a:latin typeface="Consolas" panose="020B0609020204030204" pitchFamily="49" charset="0"/>
+              </a:rPr>
+              <a:t>git</a:t>
+            </a:r>
+            <a:r>
+              <a:rPr lang="de-DE" altLang="de-DE" dirty="0">
+                <a:latin typeface="Consolas" panose="020B0609020204030204" pitchFamily="49" charset="0"/>
+              </a:rPr>
+              <a:t> </a:t>
+            </a:r>
+            <a:r>
+              <a:rPr lang="de-DE" altLang="de-DE" dirty="0" err="1">
+                <a:latin typeface="Consolas" panose="020B0609020204030204" pitchFamily="49" charset="0"/>
+              </a:rPr>
+              <a:t>reset</a:t>
+            </a:r>
+            <a:r>
+              <a:rPr lang="de-DE" altLang="de-DE" dirty="0"/>
+              <a:t> auf den Remote Branch zurücksetzen</a:t>
             </a:r>
           </a:p>
           <a:p>
@@ -6255,12 +6548,36 @@
               <a:rPr lang="de-DE" altLang="de-DE" dirty="0">
                 <a:latin typeface="Consolas" panose="020B0609020204030204" pitchFamily="49" charset="0"/>
               </a:rPr>
-              <a:t> push -u &lt;remote&gt; &lt;remote-</a:t>
+              <a:t> </a:t>
             </a:r>
             <a:r>
               <a:rPr lang="de-DE" altLang="de-DE" dirty="0" err="1">
                 <a:latin typeface="Consolas" panose="020B0609020204030204" pitchFamily="49" charset="0"/>
               </a:rPr>
+              <a:t>reset</a:t>
+            </a:r>
+            <a:r>
+              <a:rPr lang="de-DE" altLang="de-DE" dirty="0">
+                <a:latin typeface="Consolas" panose="020B0609020204030204" pitchFamily="49" charset="0"/>
+              </a:rPr>
+              <a:t> --</a:t>
+            </a:r>
+            <a:r>
+              <a:rPr lang="de-DE" altLang="de-DE" dirty="0" err="1">
+                <a:latin typeface="Consolas" panose="020B0609020204030204" pitchFamily="49" charset="0"/>
+              </a:rPr>
+              <a:t>hard</a:t>
+            </a:r>
+            <a:r>
+              <a:rPr lang="de-DE" altLang="de-DE" dirty="0">
+                <a:latin typeface="Consolas" panose="020B0609020204030204" pitchFamily="49" charset="0"/>
+              </a:rPr>
+              <a:t> &lt;remote&gt;/&lt;remote-</a:t>
+            </a:r>
+            <a:r>
+              <a:rPr lang="de-DE" altLang="de-DE" dirty="0" err="1">
+                <a:latin typeface="Consolas" panose="020B0609020204030204" pitchFamily="49" charset="0"/>
+              </a:rPr>
               <a:t>branch</a:t>
             </a:r>
             <a:r>
@@ -6269,186 +6586,6 @@
               </a:rPr>
               <a:t>&gt;</a:t>
             </a:r>
-          </a:p>
-          <a:p>
-            <a:pPr marL="800100" lvl="1">
-              <a:spcAft>
-                <a:spcPts val="300"/>
-              </a:spcAft>
-            </a:pPr>
-            <a:r>
-              <a:rPr lang="de-DE" altLang="de-DE" dirty="0"/>
-              <a:t>Kurzform für </a:t>
-            </a:r>
-            <a:r>
-              <a:rPr lang="de-DE" altLang="de-DE" dirty="0" err="1">
-                <a:latin typeface="Consolas" panose="020B0609020204030204" pitchFamily="49" charset="0"/>
-              </a:rPr>
-              <a:t>git</a:t>
-            </a:r>
-            <a:r>
-              <a:rPr lang="de-DE" altLang="de-DE" dirty="0">
-                <a:latin typeface="Consolas" panose="020B0609020204030204" pitchFamily="49" charset="0"/>
-              </a:rPr>
-              <a:t> </a:t>
-            </a:r>
-            <a:r>
-              <a:rPr lang="de-DE" altLang="de-DE" dirty="0" err="1">
-                <a:latin typeface="Consolas" panose="020B0609020204030204" pitchFamily="49" charset="0"/>
-              </a:rPr>
-              <a:t>branch</a:t>
-            </a:r>
-            <a:r>
-              <a:rPr lang="de-DE" altLang="de-DE" dirty="0">
-                <a:latin typeface="Consolas" panose="020B0609020204030204" pitchFamily="49" charset="0"/>
-              </a:rPr>
-              <a:t> --set-</a:t>
-            </a:r>
-            <a:r>
-              <a:rPr lang="de-DE" altLang="de-DE" dirty="0" err="1">
-                <a:latin typeface="Consolas" panose="020B0609020204030204" pitchFamily="49" charset="0"/>
-              </a:rPr>
-              <a:t>upstream</a:t>
-            </a:r>
-            <a:r>
-              <a:rPr lang="de-DE" altLang="de-DE" dirty="0">
-                <a:latin typeface="Consolas" panose="020B0609020204030204" pitchFamily="49" charset="0"/>
-              </a:rPr>
-              <a:t> </a:t>
-            </a:r>
-            <a:r>
-              <a:rPr lang="de-DE" altLang="de-DE" dirty="0"/>
-              <a:t>und </a:t>
-            </a:r>
-            <a:r>
-              <a:rPr lang="de-DE" altLang="de-DE" dirty="0" err="1">
-                <a:latin typeface="Consolas" panose="020B0609020204030204" pitchFamily="49" charset="0"/>
-              </a:rPr>
-              <a:t>git</a:t>
-            </a:r>
-            <a:r>
-              <a:rPr lang="de-DE" altLang="de-DE" dirty="0">
-                <a:latin typeface="Consolas" panose="020B0609020204030204" pitchFamily="49" charset="0"/>
-              </a:rPr>
-              <a:t> push</a:t>
-            </a:r>
-          </a:p>
-          <a:p>
-            <a:pPr marL="800100" lvl="1">
-              <a:spcAft>
-                <a:spcPts val="300"/>
-              </a:spcAft>
-            </a:pPr>
-            <a:r>
-              <a:rPr lang="de-DE" altLang="de-DE" dirty="0"/>
-              <a:t>Üblich bei neuen </a:t>
-            </a:r>
-            <a:r>
-              <a:rPr lang="de-DE" altLang="de-DE" dirty="0" err="1"/>
-              <a:t>Branches</a:t>
-            </a:r>
-            <a:r>
-              <a:rPr lang="de-DE" altLang="de-DE" dirty="0"/>
-              <a:t>, die Remote noch nicht existieren</a:t>
-            </a:r>
-          </a:p>
-          <a:p>
-            <a:pPr marL="400050">
-              <a:spcAft>
-                <a:spcPts val="300"/>
-              </a:spcAft>
-            </a:pPr>
-            <a:r>
-              <a:rPr lang="de-DE" altLang="de-DE" dirty="0">
-                <a:latin typeface="Consolas" panose="020B0609020204030204" pitchFamily="49" charset="0"/>
-              </a:rPr>
-              <a:t>--all </a:t>
-            </a:r>
-            <a:r>
-              <a:rPr lang="de-DE" altLang="de-DE" dirty="0"/>
-              <a:t>ermöglicht pushen von allen </a:t>
-            </a:r>
-            <a:r>
-              <a:rPr lang="de-DE" altLang="de-DE" dirty="0" err="1"/>
-              <a:t>Branches</a:t>
-            </a:r>
-            <a:endParaRPr lang="de-DE" altLang="de-DE" dirty="0"/>
-          </a:p>
-          <a:p>
-            <a:pPr marL="400050">
-              <a:spcAft>
-                <a:spcPts val="300"/>
-              </a:spcAft>
-            </a:pPr>
-            <a:r>
-              <a:rPr lang="de-DE" altLang="de-DE" dirty="0">
-                <a:latin typeface="Consolas" panose="020B0609020204030204" pitchFamily="49" charset="0"/>
-              </a:rPr>
-              <a:t>--tags </a:t>
-            </a:r>
-            <a:r>
-              <a:rPr lang="de-DE" altLang="de-DE" dirty="0" err="1"/>
-              <a:t>pushed</a:t>
-            </a:r>
-            <a:r>
-              <a:rPr lang="de-DE" altLang="de-DE" dirty="0"/>
-              <a:t> zusätzlich zu dem </a:t>
-            </a:r>
-            <a:r>
-              <a:rPr lang="de-DE" altLang="de-DE" dirty="0" err="1"/>
-              <a:t>angebenen</a:t>
-            </a:r>
-            <a:r>
-              <a:rPr lang="de-DE" altLang="de-DE" dirty="0"/>
-              <a:t> Branch alle Tags</a:t>
-            </a:r>
-          </a:p>
-          <a:p>
-            <a:pPr marL="400050">
-              <a:spcAft>
-                <a:spcPts val="300"/>
-              </a:spcAft>
-            </a:pPr>
-            <a:r>
-              <a:rPr lang="de-DE" altLang="de-DE" dirty="0">
-                <a:latin typeface="Consolas" panose="020B0609020204030204" pitchFamily="49" charset="0"/>
-              </a:rPr>
-              <a:t>--</a:t>
-            </a:r>
-            <a:r>
-              <a:rPr lang="de-DE" altLang="de-DE" dirty="0" err="1">
-                <a:latin typeface="Consolas" panose="020B0609020204030204" pitchFamily="49" charset="0"/>
-              </a:rPr>
-              <a:t>force</a:t>
-            </a:r>
-            <a:r>
-              <a:rPr lang="de-DE" altLang="de-DE" dirty="0">
-                <a:latin typeface="Consolas" panose="020B0609020204030204" pitchFamily="49" charset="0"/>
-              </a:rPr>
-              <a:t> </a:t>
-            </a:r>
-            <a:r>
-              <a:rPr lang="de-DE" altLang="de-DE" dirty="0"/>
-              <a:t>oder </a:t>
-            </a:r>
-            <a:r>
-              <a:rPr lang="de-DE" altLang="de-DE" dirty="0">
-                <a:latin typeface="Consolas" panose="020B0609020204030204" pitchFamily="49" charset="0"/>
-              </a:rPr>
-              <a:t>-f</a:t>
-            </a:r>
-            <a:r>
-              <a:rPr lang="de-DE" altLang="de-DE" dirty="0"/>
-              <a:t> ermöglicht Push, auch wenn Commit-Historie nicht zusammenpasst</a:t>
-            </a:r>
-          </a:p>
-          <a:p>
-            <a:pPr marL="800100" lvl="1">
-              <a:spcAft>
-                <a:spcPts val="300"/>
-              </a:spcAft>
-            </a:pPr>
-            <a:endParaRPr lang="de-DE" altLang="de-DE" dirty="0"/>
           </a:p>
         </p:txBody>
       </p:sp>
@@ -6488,6 +6625,446 @@
     </p:spTree>
     <p:extLst>
       <p:ext uri="{BB962C8B-B14F-4D97-AF65-F5344CB8AC3E}">
+        <p14:creationId xmlns:p14="http://schemas.microsoft.com/office/powerpoint/2010/main" val="218934106"/>
+      </p:ext>
+    </p:extLst>
+  </p:cSld>
+  <p:clrMapOvr>
+    <a:masterClrMapping/>
+  </p:clrMapOvr>
+</p:sld>
+</file>
+
+<file path=ppt/slides/slide13.xml><?xml version="1.0" encoding="utf-8"?>
+<p:sld xmlns:a="http://schemas.openxmlformats.org/drawingml/2006/main" xmlns:r="http://schemas.openxmlformats.org/officeDocument/2006/relationships" xmlns:p="http://schemas.openxmlformats.org/presentationml/2006/main">
+  <p:cSld>
+    <p:spTree>
+      <p:nvGrpSpPr>
+        <p:cNvPr id="1" name=""/>
+        <p:cNvGrpSpPr/>
+        <p:nvPr/>
+      </p:nvGrpSpPr>
+      <p:grpSpPr>
+        <a:xfrm>
+          <a:off x="0" y="0"/>
+          <a:ext cx="0" cy="0"/>
+          <a:chOff x="0" y="0"/>
+          <a:chExt cx="0" cy="0"/>
+        </a:xfrm>
+      </p:grpSpPr>
+      <p:sp>
+        <p:nvSpPr>
+          <p:cNvPr id="6146" name="Inhaltsplatzhalter 18">
+            <a:extLst>
+              <a:ext uri="{FF2B5EF4-FFF2-40B4-BE49-F238E27FC236}">
+                <a16:creationId xmlns:a16="http://schemas.microsoft.com/office/drawing/2014/main" id="{BE3C4C95-FD5D-27F0-ED0C-AB8113CAC9F1}"/>
+              </a:ext>
+            </a:extLst>
+          </p:cNvPr>
+          <p:cNvSpPr>
+            <a:spLocks noGrp="1"/>
+          </p:cNvSpPr>
+          <p:nvPr>
+            <p:ph idx="1"/>
+          </p:nvPr>
+        </p:nvSpPr>
+        <p:spPr>
+          <a:xfrm>
+            <a:off x="303213" y="981075"/>
+            <a:ext cx="8517259" cy="5400675"/>
+          </a:xfrm>
+        </p:spPr>
+        <p:txBody>
+          <a:bodyPr/>
+          <a:lstStyle/>
+          <a:p>
+            <a:pPr marL="57150" indent="0">
+              <a:spcBef>
+                <a:spcPts val="600"/>
+              </a:spcBef>
+              <a:spcAft>
+                <a:spcPts val="300"/>
+              </a:spcAft>
+              <a:buNone/>
+            </a:pPr>
+            <a:r>
+              <a:rPr lang="de-DE" altLang="de-DE" b="1" dirty="0"/>
+              <a:t>Push Befehl</a:t>
+            </a:r>
+          </a:p>
+          <a:p>
+            <a:pPr marL="400050">
+              <a:spcBef>
+                <a:spcPts val="600"/>
+              </a:spcBef>
+              <a:spcAft>
+                <a:spcPts val="300"/>
+              </a:spcAft>
+            </a:pPr>
+            <a:r>
+              <a:rPr lang="de-DE" altLang="de-DE" dirty="0"/>
+              <a:t>Lokale Änderungen ins Remote Repository übertragen</a:t>
+            </a:r>
+          </a:p>
+          <a:p>
+            <a:pPr marL="57150" indent="0">
+              <a:spcBef>
+                <a:spcPts val="600"/>
+              </a:spcBef>
+              <a:spcAft>
+                <a:spcPts val="300"/>
+              </a:spcAft>
+              <a:buNone/>
+            </a:pPr>
+            <a:r>
+              <a:rPr lang="de-DE" altLang="de-DE" dirty="0">
+                <a:latin typeface="Consolas" panose="020B0609020204030204" pitchFamily="49" charset="0"/>
+              </a:rPr>
+              <a:t>	</a:t>
+            </a:r>
+            <a:r>
+              <a:rPr lang="de-DE" altLang="de-DE" dirty="0" err="1">
+                <a:latin typeface="Consolas" panose="020B0609020204030204" pitchFamily="49" charset="0"/>
+              </a:rPr>
+              <a:t>git</a:t>
+            </a:r>
+            <a:r>
+              <a:rPr lang="de-DE" altLang="de-DE" dirty="0">
+                <a:latin typeface="Consolas" panose="020B0609020204030204" pitchFamily="49" charset="0"/>
+              </a:rPr>
+              <a:t> push &lt;remote&gt; &lt;remote-</a:t>
+            </a:r>
+            <a:r>
+              <a:rPr lang="de-DE" altLang="de-DE" dirty="0" err="1">
+                <a:latin typeface="Consolas" panose="020B0609020204030204" pitchFamily="49" charset="0"/>
+              </a:rPr>
+              <a:t>branch</a:t>
+            </a:r>
+            <a:r>
+              <a:rPr lang="de-DE" altLang="de-DE" dirty="0">
+                <a:latin typeface="Consolas" panose="020B0609020204030204" pitchFamily="49" charset="0"/>
+              </a:rPr>
+              <a:t>&gt;</a:t>
+            </a:r>
+          </a:p>
+          <a:p>
+            <a:pPr marL="400050">
+              <a:spcAft>
+                <a:spcPts val="300"/>
+              </a:spcAft>
+            </a:pPr>
+            <a:r>
+              <a:rPr lang="de-DE" altLang="de-DE" dirty="0"/>
+              <a:t>Ohne explizite Angabe von </a:t>
+            </a:r>
+            <a:r>
+              <a:rPr lang="de-DE" altLang="de-DE" dirty="0">
+                <a:latin typeface="Consolas" panose="020B0609020204030204" pitchFamily="49" charset="0"/>
+              </a:rPr>
+              <a:t>&lt;remote&gt;</a:t>
+            </a:r>
+            <a:r>
+              <a:rPr lang="de-DE" altLang="de-DE" dirty="0"/>
+              <a:t> und </a:t>
+            </a:r>
+            <a:r>
+              <a:rPr lang="de-DE" altLang="de-DE" dirty="0">
+                <a:latin typeface="Consolas" panose="020B0609020204030204" pitchFamily="49" charset="0"/>
+              </a:rPr>
+              <a:t>&lt;remote-</a:t>
+            </a:r>
+            <a:r>
+              <a:rPr lang="de-DE" altLang="de-DE" dirty="0" err="1">
+                <a:latin typeface="Consolas" panose="020B0609020204030204" pitchFamily="49" charset="0"/>
+              </a:rPr>
+              <a:t>branch</a:t>
+            </a:r>
+            <a:r>
+              <a:rPr lang="de-DE" altLang="de-DE" dirty="0">
+                <a:latin typeface="Consolas" panose="020B0609020204030204" pitchFamily="49" charset="0"/>
+              </a:rPr>
+              <a:t>&gt;</a:t>
+            </a:r>
+            <a:r>
+              <a:rPr lang="de-DE" altLang="de-DE" dirty="0"/>
+              <a:t> wird der konfigurierte Upstream genutzt</a:t>
+            </a:r>
+          </a:p>
+          <a:p>
+            <a:pPr marL="400050">
+              <a:spcAft>
+                <a:spcPts val="300"/>
+              </a:spcAft>
+            </a:pPr>
+            <a:r>
+              <a:rPr lang="de-DE" altLang="de-DE" dirty="0"/>
+              <a:t>Mittels </a:t>
+            </a:r>
+            <a:r>
+              <a:rPr lang="de-DE" altLang="de-DE" dirty="0">
+                <a:latin typeface="Consolas" panose="020B0609020204030204" pitchFamily="49" charset="0"/>
+              </a:rPr>
+              <a:t>-u</a:t>
+            </a:r>
+            <a:r>
+              <a:rPr lang="de-DE" altLang="de-DE" dirty="0"/>
+              <a:t> kann auch beim push ein Upstream eingerichtet werden</a:t>
+            </a:r>
+          </a:p>
+          <a:p>
+            <a:pPr marL="57150" indent="0">
+              <a:spcAft>
+                <a:spcPts val="300"/>
+              </a:spcAft>
+              <a:buNone/>
+            </a:pPr>
+            <a:r>
+              <a:rPr lang="de-DE" altLang="de-DE" dirty="0"/>
+              <a:t>	</a:t>
+            </a:r>
+            <a:r>
+              <a:rPr lang="de-DE" altLang="de-DE" dirty="0" err="1">
+                <a:latin typeface="Consolas" panose="020B0609020204030204" pitchFamily="49" charset="0"/>
+              </a:rPr>
+              <a:t>git</a:t>
+            </a:r>
+            <a:r>
+              <a:rPr lang="de-DE" altLang="de-DE" dirty="0">
+                <a:latin typeface="Consolas" panose="020B0609020204030204" pitchFamily="49" charset="0"/>
+              </a:rPr>
+              <a:t> push -u &lt;remote&gt; &lt;remote-</a:t>
+            </a:r>
+            <a:r>
+              <a:rPr lang="de-DE" altLang="de-DE" dirty="0" err="1">
+                <a:latin typeface="Consolas" panose="020B0609020204030204" pitchFamily="49" charset="0"/>
+              </a:rPr>
+              <a:t>branch</a:t>
+            </a:r>
+            <a:r>
+              <a:rPr lang="de-DE" altLang="de-DE" dirty="0">
+                <a:latin typeface="Consolas" panose="020B0609020204030204" pitchFamily="49" charset="0"/>
+              </a:rPr>
+              <a:t>&gt;</a:t>
+            </a:r>
+          </a:p>
+          <a:p>
+            <a:pPr marL="800100" lvl="1">
+              <a:spcAft>
+                <a:spcPts val="300"/>
+              </a:spcAft>
+            </a:pPr>
+            <a:r>
+              <a:rPr lang="de-DE" altLang="de-DE" dirty="0"/>
+              <a:t>Kurzform für </a:t>
+            </a:r>
+            <a:r>
+              <a:rPr lang="de-DE" altLang="de-DE" dirty="0" err="1">
+                <a:latin typeface="Consolas" panose="020B0609020204030204" pitchFamily="49" charset="0"/>
+              </a:rPr>
+              <a:t>git</a:t>
+            </a:r>
+            <a:r>
+              <a:rPr lang="de-DE" altLang="de-DE" dirty="0">
+                <a:latin typeface="Consolas" panose="020B0609020204030204" pitchFamily="49" charset="0"/>
+              </a:rPr>
+              <a:t> </a:t>
+            </a:r>
+            <a:r>
+              <a:rPr lang="de-DE" altLang="de-DE" dirty="0" err="1">
+                <a:latin typeface="Consolas" panose="020B0609020204030204" pitchFamily="49" charset="0"/>
+              </a:rPr>
+              <a:t>branch</a:t>
+            </a:r>
+            <a:r>
+              <a:rPr lang="de-DE" altLang="de-DE" dirty="0">
+                <a:latin typeface="Consolas" panose="020B0609020204030204" pitchFamily="49" charset="0"/>
+              </a:rPr>
+              <a:t> --set-</a:t>
+            </a:r>
+            <a:r>
+              <a:rPr lang="de-DE" altLang="de-DE" dirty="0" err="1">
+                <a:latin typeface="Consolas" panose="020B0609020204030204" pitchFamily="49" charset="0"/>
+              </a:rPr>
+              <a:t>upstream</a:t>
+            </a:r>
+            <a:r>
+              <a:rPr lang="de-DE" altLang="de-DE" dirty="0">
+                <a:latin typeface="Consolas" panose="020B0609020204030204" pitchFamily="49" charset="0"/>
+              </a:rPr>
+              <a:t> </a:t>
+            </a:r>
+            <a:r>
+              <a:rPr lang="de-DE" altLang="de-DE" dirty="0"/>
+              <a:t>und </a:t>
+            </a:r>
+            <a:r>
+              <a:rPr lang="de-DE" altLang="de-DE" dirty="0" err="1">
+                <a:latin typeface="Consolas" panose="020B0609020204030204" pitchFamily="49" charset="0"/>
+              </a:rPr>
+              <a:t>git</a:t>
+            </a:r>
+            <a:r>
+              <a:rPr lang="de-DE" altLang="de-DE" dirty="0">
+                <a:latin typeface="Consolas" panose="020B0609020204030204" pitchFamily="49" charset="0"/>
+              </a:rPr>
+              <a:t> push</a:t>
+            </a:r>
+          </a:p>
+          <a:p>
+            <a:pPr marL="800100" lvl="1">
+              <a:spcAft>
+                <a:spcPts val="300"/>
+              </a:spcAft>
+            </a:pPr>
+            <a:r>
+              <a:rPr lang="de-DE" altLang="de-DE" dirty="0"/>
+              <a:t>Üblich bei neuen </a:t>
+            </a:r>
+            <a:r>
+              <a:rPr lang="de-DE" altLang="de-DE" dirty="0" err="1"/>
+              <a:t>Branches</a:t>
+            </a:r>
+            <a:r>
+              <a:rPr lang="de-DE" altLang="de-DE" dirty="0"/>
+              <a:t>, die Remote noch nicht existieren</a:t>
+            </a:r>
+          </a:p>
+          <a:p>
+            <a:pPr marL="400050">
+              <a:spcAft>
+                <a:spcPts val="300"/>
+              </a:spcAft>
+            </a:pPr>
+            <a:r>
+              <a:rPr lang="de-DE" altLang="de-DE" dirty="0">
+                <a:latin typeface="Consolas" panose="020B0609020204030204" pitchFamily="49" charset="0"/>
+              </a:rPr>
+              <a:t>--all </a:t>
+            </a:r>
+            <a:r>
+              <a:rPr lang="de-DE" altLang="de-DE" dirty="0"/>
+              <a:t>ermöglicht pushen von allen </a:t>
+            </a:r>
+            <a:r>
+              <a:rPr lang="de-DE" altLang="de-DE" dirty="0" err="1"/>
+              <a:t>Branches</a:t>
+            </a:r>
+            <a:endParaRPr lang="de-DE" altLang="de-DE" dirty="0"/>
+          </a:p>
+          <a:p>
+            <a:pPr marL="400050">
+              <a:spcAft>
+                <a:spcPts val="300"/>
+              </a:spcAft>
+            </a:pPr>
+            <a:r>
+              <a:rPr lang="de-DE" altLang="de-DE" dirty="0">
+                <a:latin typeface="Consolas" panose="020B0609020204030204" pitchFamily="49" charset="0"/>
+              </a:rPr>
+              <a:t>--tags </a:t>
+            </a:r>
+            <a:r>
+              <a:rPr lang="de-DE" altLang="de-DE" dirty="0" err="1"/>
+              <a:t>pushed</a:t>
+            </a:r>
+            <a:r>
+              <a:rPr lang="de-DE" altLang="de-DE" dirty="0"/>
+              <a:t> zusätzlich zu dem </a:t>
+            </a:r>
+            <a:r>
+              <a:rPr lang="de-DE" altLang="de-DE" dirty="0" err="1"/>
+              <a:t>angebenen</a:t>
+            </a:r>
+            <a:r>
+              <a:rPr lang="de-DE" altLang="de-DE" dirty="0"/>
+              <a:t> Branch alle Tags</a:t>
+            </a:r>
+          </a:p>
+          <a:p>
+            <a:pPr marL="400050">
+              <a:spcAft>
+                <a:spcPts val="300"/>
+              </a:spcAft>
+            </a:pPr>
+            <a:r>
+              <a:rPr lang="de-DE" altLang="de-DE" dirty="0">
+                <a:latin typeface="Consolas" panose="020B0609020204030204" pitchFamily="49" charset="0"/>
+              </a:rPr>
+              <a:t>--</a:t>
+            </a:r>
+            <a:r>
+              <a:rPr lang="de-DE" altLang="de-DE" dirty="0" err="1">
+                <a:latin typeface="Consolas" panose="020B0609020204030204" pitchFamily="49" charset="0"/>
+              </a:rPr>
+              <a:t>force</a:t>
+            </a:r>
+            <a:r>
+              <a:rPr lang="de-DE" altLang="de-DE" dirty="0">
+                <a:latin typeface="Consolas" panose="020B0609020204030204" pitchFamily="49" charset="0"/>
+              </a:rPr>
+              <a:t> </a:t>
+            </a:r>
+            <a:r>
+              <a:rPr lang="de-DE" altLang="de-DE" dirty="0"/>
+              <a:t>oder </a:t>
+            </a:r>
+            <a:r>
+              <a:rPr lang="de-DE" altLang="de-DE" dirty="0">
+                <a:latin typeface="Consolas" panose="020B0609020204030204" pitchFamily="49" charset="0"/>
+              </a:rPr>
+              <a:t>-f</a:t>
+            </a:r>
+            <a:r>
+              <a:rPr lang="de-DE" altLang="de-DE" dirty="0"/>
+              <a:t> ermöglicht Push, auch wenn Commit-Historie nicht zusammenpasst</a:t>
+            </a:r>
+          </a:p>
+          <a:p>
+            <a:pPr marL="800100" lvl="1">
+              <a:spcAft>
+                <a:spcPts val="300"/>
+              </a:spcAft>
+            </a:pPr>
+            <a:endParaRPr lang="de-DE" altLang="de-DE" dirty="0"/>
+          </a:p>
+        </p:txBody>
+      </p:sp>
+      <p:sp>
+        <p:nvSpPr>
+          <p:cNvPr id="6147" name="Rectangle 1062">
+            <a:extLst>
+              <a:ext uri="{FF2B5EF4-FFF2-40B4-BE49-F238E27FC236}">
+                <a16:creationId xmlns:a16="http://schemas.microsoft.com/office/drawing/2014/main" id="{C46E9340-3256-8D55-A265-94F2F41E288E}"/>
+              </a:ext>
+            </a:extLst>
+          </p:cNvPr>
+          <p:cNvSpPr>
+            <a:spLocks noGrp="1" noChangeArrowheads="1"/>
+          </p:cNvSpPr>
+          <p:nvPr>
+            <p:ph type="title"/>
+          </p:nvPr>
+        </p:nvSpPr>
+        <p:spPr>
+          <a:xfrm>
+            <a:off x="285750" y="142875"/>
+            <a:ext cx="5654675" cy="706438"/>
+          </a:xfrm>
+        </p:spPr>
+        <p:txBody>
+          <a:bodyPr/>
+          <a:lstStyle/>
+          <a:p>
+            <a:r>
+              <a:rPr lang="de-DE" altLang="de-DE" dirty="0"/>
+              <a:t>Remote Repository</a:t>
+            </a:r>
+          </a:p>
+        </p:txBody>
+      </p:sp>
+    </p:spTree>
+    <p:extLst>
+      <p:ext uri="{BB962C8B-B14F-4D97-AF65-F5344CB8AC3E}">
         <p14:creationId xmlns:p14="http://schemas.microsoft.com/office/powerpoint/2010/main" val="2174251504"/>
       </p:ext>
     </p:extLst>
@@ -6498,7 +7075,7 @@
 </p:sld>
 </file>
 
-<file path=ppt/slides/slide13.xml><?xml version="1.0" encoding="utf-8"?>
+<file path=ppt/slides/slide14.xml><?xml version="1.0" encoding="utf-8"?>
 <p:sld xmlns:a="http://schemas.openxmlformats.org/drawingml/2006/main" xmlns:r="http://schemas.openxmlformats.org/officeDocument/2006/relationships" xmlns:p="http://schemas.openxmlformats.org/presentationml/2006/main">
   <p:cSld>
     <p:spTree>
@@ -6735,7 +7312,132 @@
               <a:buFont typeface="Arial" panose="020B0604020202020204" pitchFamily="34" charset="0"/>
               <a:buChar char="•"/>
             </a:pPr>
-            <a:endParaRPr lang="de-DE" altLang="de-DE" sz="1800" b="1" dirty="0"/>
+            <a:r>
+              <a:rPr lang="de-DE" altLang="de-DE" sz="1800" b="1" dirty="0"/>
+              <a:t>Tag 1 – Einführung in </a:t>
+            </a:r>
+            <a:r>
+              <a:rPr lang="de-DE" altLang="de-DE" sz="1800" b="1" dirty="0" err="1"/>
+              <a:t>Git</a:t>
+            </a:r>
+            <a:r>
+              <a:rPr lang="de-DE" altLang="de-DE" sz="1800" b="1" dirty="0"/>
+              <a:t> und </a:t>
+            </a:r>
+            <a:r>
+              <a:rPr lang="de-DE" altLang="de-DE" sz="1800" b="1" dirty="0" err="1"/>
+              <a:t>GitLab</a:t>
+            </a:r>
+            <a:r>
+              <a:rPr lang="de-DE" altLang="de-DE" sz="1800" b="1" dirty="0"/>
+              <a:t>, </a:t>
+            </a:r>
+            <a:r>
+              <a:rPr lang="de-DE" altLang="de-DE" sz="1800" b="1" dirty="0" err="1"/>
+              <a:t>Git</a:t>
+            </a:r>
+            <a:r>
+              <a:rPr lang="de-DE" altLang="de-DE" sz="1800" b="1" dirty="0"/>
+              <a:t>-Workflow im Team</a:t>
+            </a:r>
+          </a:p>
+          <a:p>
+            <a:pPr lvl="1">
+              <a:buFont typeface="Arial" panose="020B0604020202020204" pitchFamily="34" charset="0"/>
+              <a:buChar char="•"/>
+            </a:pPr>
+            <a:r>
+              <a:rPr lang="de-DE" altLang="de-DE" sz="1400" dirty="0"/>
+              <a:t>Einführung &amp; Kursüberblick</a:t>
+            </a:r>
+          </a:p>
+          <a:p>
+            <a:pPr lvl="1">
+              <a:buFont typeface="Arial" panose="020B0604020202020204" pitchFamily="34" charset="0"/>
+              <a:buChar char="•"/>
+            </a:pPr>
+            <a:r>
+              <a:rPr lang="de-DE" altLang="de-DE" sz="1400" dirty="0"/>
+              <a:t>Grundlagen von </a:t>
+            </a:r>
+            <a:r>
+              <a:rPr lang="de-DE" altLang="de-DE" sz="1400" dirty="0" err="1"/>
+              <a:t>Git</a:t>
+            </a:r>
+            <a:endParaRPr lang="de-DE" altLang="de-DE" sz="1400" dirty="0"/>
+          </a:p>
+          <a:p>
+            <a:pPr lvl="1">
+              <a:buFont typeface="Arial" panose="020B0604020202020204" pitchFamily="34" charset="0"/>
+              <a:buChar char="•"/>
+            </a:pPr>
+            <a:r>
+              <a:rPr lang="de-DE" altLang="de-DE" sz="1400" dirty="0" err="1"/>
+              <a:t>Git</a:t>
+            </a:r>
+            <a:r>
+              <a:rPr lang="de-DE" altLang="de-DE" sz="1400" dirty="0"/>
+              <a:t> </a:t>
+            </a:r>
+            <a:r>
+              <a:rPr lang="de-DE" altLang="de-DE" sz="1400" dirty="0" err="1"/>
+              <a:t>Rebase</a:t>
+            </a:r>
+            <a:r>
+              <a:rPr lang="de-DE" altLang="de-DE" sz="1400" dirty="0"/>
+              <a:t> und </a:t>
+            </a:r>
+            <a:r>
+              <a:rPr lang="de-DE" altLang="de-DE" sz="1400" dirty="0" err="1"/>
+              <a:t>Merge</a:t>
+            </a:r>
+            <a:r>
+              <a:rPr lang="de-DE" altLang="de-DE" sz="1400" dirty="0"/>
+              <a:t>-Strategien</a:t>
+            </a:r>
+          </a:p>
+          <a:p>
+            <a:pPr lvl="1">
+              <a:buFont typeface="Arial" panose="020B0604020202020204" pitchFamily="34" charset="0"/>
+              <a:buChar char="•"/>
+            </a:pPr>
+            <a:r>
+              <a:rPr lang="de-DE" altLang="de-DE" sz="1400" dirty="0" err="1"/>
+              <a:t>Git</a:t>
+            </a:r>
+            <a:r>
+              <a:rPr lang="de-DE" altLang="de-DE" sz="1400" dirty="0"/>
+              <a:t> Remote</a:t>
+            </a:r>
+          </a:p>
+          <a:p>
+            <a:pPr lvl="1">
+              <a:buFont typeface="Arial" panose="020B0604020202020204" pitchFamily="34" charset="0"/>
+              <a:buChar char="•"/>
+            </a:pPr>
+            <a:r>
+              <a:rPr lang="de-DE" altLang="de-DE" sz="1400" dirty="0"/>
+              <a:t>Grundlagen von </a:t>
+            </a:r>
+            <a:r>
+              <a:rPr lang="de-DE" altLang="de-DE" sz="1400" dirty="0" err="1"/>
+              <a:t>GitLab</a:t>
+            </a:r>
+            <a:endParaRPr lang="de-DE" altLang="de-DE" sz="1400" dirty="0"/>
+          </a:p>
+          <a:p>
+            <a:pPr lvl="1">
+              <a:buFont typeface="Arial" panose="020B0604020202020204" pitchFamily="34" charset="0"/>
+              <a:buChar char="•"/>
+            </a:pPr>
+            <a:r>
+              <a:rPr lang="de-DE" altLang="de-DE" sz="1400" dirty="0" err="1"/>
+              <a:t>Git</a:t>
+            </a:r>
+            <a:r>
+              <a:rPr lang="de-DE" altLang="de-DE" sz="1400" dirty="0"/>
+              <a:t>-Workflow im Team</a:t>
+            </a:r>
           </a:p>
           <a:p>
             <a:pPr>
@@ -6744,7 +7446,7 @@
             </a:pPr>
             <a:r>
               <a:rPr lang="de-DE" altLang="de-DE" sz="1800" b="1" dirty="0"/>
-              <a:t>Tag 1 – Einführung in </a:t>
+              <a:t>Tag 2 – Vertiefung </a:t>
             </a:r>
             <a:r>
               <a:rPr lang="de-DE" altLang="de-DE" sz="1800" b="1" dirty="0" err="1"/>
@@ -6752,7 +7454,7 @@
             </a:r>
             <a:r>
               <a:rPr lang="de-DE" altLang="de-DE" sz="1800" b="1" dirty="0"/>
-              <a:t> und </a:t>
+              <a:t>-Workflow, CI/CD &amp; </a:t>
             </a:r>
             <a:r>
               <a:rPr lang="de-DE" altLang="de-DE" sz="1800" b="1" dirty="0" err="1"/>
@@ -6760,15 +7462,7 @@
             </a:r>
             <a:r>
               <a:rPr lang="de-DE" altLang="de-DE" sz="1800" b="1" dirty="0"/>
-              <a:t>, </a:t>
-            </a:r>
-            <a:r>
-              <a:rPr lang="de-DE" altLang="de-DE" sz="1800" b="1" dirty="0" err="1"/>
-              <a:t>Git</a:t>
-            </a:r>
-            <a:r>
-              <a:rPr lang="de-DE" altLang="de-DE" sz="1800" b="1" dirty="0"/>
-              <a:t>-Workflow im Team</a:t>
+              <a:t> CI </a:t>
             </a:r>
           </a:p>
           <a:p>
@@ -6777,8 +7471,12 @@
               <a:buChar char="•"/>
             </a:pPr>
             <a:r>
+              <a:rPr lang="de-DE" altLang="de-DE" sz="1400" dirty="0" err="1"/>
+              <a:t>Gitflow</a:t>
+            </a:r>
+            <a:r>
               <a:rPr lang="de-DE" altLang="de-DE" sz="1400" dirty="0"/>
-              <a:t>Einführung &amp; Kursüberblick</a:t>
+              <a:t>-Workflow</a:t>
             </a:r>
           </a:p>
           <a:p>
@@ -6788,21 +7486,8 @@
             </a:pPr>
             <a:r>
               <a:rPr lang="de-DE" altLang="de-DE" sz="1400" dirty="0"/>
-              <a:t>Grundlagen von </a:t>
-            </a:r>
-            <a:r>
-              <a:rPr lang="de-DE" altLang="de-DE" sz="1400" dirty="0" err="1"/>
-              <a:t>Git</a:t>
-            </a:r>
-            <a:r>
-              <a:rPr lang="de-DE" altLang="de-DE" sz="1400" dirty="0"/>
-              <a:t> und </a:t>
-            </a:r>
-            <a:r>
-              <a:rPr lang="de-DE" altLang="de-DE" sz="1400" dirty="0" err="1"/>
-              <a:t>GitLab</a:t>
-            </a:r>
-            <a:endParaRPr lang="de-DE" altLang="de-DE" sz="1400" dirty="0"/>
+              <a:t>Tags, Releases &amp; deren Verwaltung</a:t>
+            </a:r>
           </a:p>
           <a:p>
             <a:pPr lvl="1">
@@ -6811,27 +7496,11 @@
             </a:pPr>
             <a:r>
               <a:rPr lang="de-DE" altLang="de-DE" sz="1400" dirty="0" err="1"/>
-              <a:t>Git</a:t>
+              <a:t>GitLab</a:t>
             </a:r>
             <a:r>
               <a:rPr lang="de-DE" altLang="de-DE" sz="1400" dirty="0"/>
-              <a:t> </a:t>
-            </a:r>
-            <a:r>
-              <a:rPr lang="de-DE" altLang="de-DE" sz="1400" dirty="0" err="1"/>
-              <a:t>Rebase</a:t>
-            </a:r>
-            <a:r>
-              <a:rPr lang="de-DE" altLang="de-DE" sz="1400" dirty="0"/>
-              <a:t> &amp; </a:t>
-            </a:r>
-            <a:r>
-              <a:rPr lang="de-DE" altLang="de-DE" sz="1400" dirty="0" err="1"/>
-              <a:t>Merge</a:t>
-            </a:r>
-            <a:r>
-              <a:rPr lang="de-DE" altLang="de-DE" sz="1400" dirty="0"/>
-              <a:t>-Strategien</a:t>
+              <a:t>-Runner</a:t>
             </a:r>
           </a:p>
           <a:p>
@@ -6840,12 +7509,47 @@
               <a:buChar char="•"/>
             </a:pPr>
             <a:r>
+              <a:rPr lang="de-DE" altLang="de-DE" sz="1400" dirty="0"/>
+              <a:t>Einführung in </a:t>
+            </a:r>
+            <a:r>
               <a:rPr lang="de-DE" altLang="de-DE" sz="1400" dirty="0" err="1"/>
-              <a:t>Git</a:t>
+              <a:t>GitLab</a:t>
             </a:r>
             <a:r>
               <a:rPr lang="de-DE" altLang="de-DE" sz="1400" dirty="0"/>
-              <a:t>-Workflow im Team</a:t>
+              <a:t> CI/CD &amp; </a:t>
+            </a:r>
+            <a:r>
+              <a:rPr lang="de-DE" altLang="de-DE" sz="1400" dirty="0" err="1"/>
+              <a:t>gitlab.yml</a:t>
+            </a:r>
+            <a:endParaRPr lang="de-DE" altLang="de-DE" sz="1400" dirty="0"/>
+          </a:p>
+          <a:p>
+            <a:pPr>
+              <a:buFont typeface="Arial" panose="020B0604020202020204" pitchFamily="34" charset="0"/>
+              <a:buChar char="•"/>
+            </a:pPr>
+            <a:r>
+              <a:rPr lang="de-DE" altLang="de-DE" sz="1800" b="1" dirty="0"/>
+              <a:t>Tag 3 – </a:t>
+            </a:r>
+            <a:r>
+              <a:rPr lang="de-DE" altLang="de-DE" sz="1800" b="1" dirty="0" err="1"/>
+              <a:t>GitOps</a:t>
+            </a:r>
+            <a:r>
+              <a:rPr lang="de-DE" altLang="de-DE" sz="1800" b="1" dirty="0"/>
+              <a:t>, Docker in der Entwicklung und </a:t>
+            </a:r>
+            <a:r>
+              <a:rPr lang="de-DE" altLang="de-DE" sz="1800" b="1" dirty="0" err="1"/>
+              <a:t>Deployment</a:t>
+            </a:r>
+            <a:r>
+              <a:rPr lang="de-DE" altLang="de-DE" sz="1800" b="1" dirty="0"/>
+              <a:t>-Strategien</a:t>
             </a:r>
           </a:p>
           <a:p>
@@ -6853,30 +7557,14 @@
               <a:buFont typeface="Arial" panose="020B0604020202020204" pitchFamily="34" charset="0"/>
               <a:buChar char="•"/>
             </a:pPr>
-            <a:endParaRPr lang="de-DE" altLang="de-DE" sz="1400" dirty="0"/>
-          </a:p>
-          <a:p>
-            <a:pPr>
-              <a:buFont typeface="Arial" panose="020B0604020202020204" pitchFamily="34" charset="0"/>
-              <a:buChar char="•"/>
-            </a:pPr>
-            <a:r>
-              <a:rPr lang="de-DE" altLang="de-DE" sz="1800" b="1" dirty="0"/>
-              <a:t>Tag 2 – Vertiefung </a:t>
-            </a:r>
-            <a:r>
-              <a:rPr lang="de-DE" altLang="de-DE" sz="1800" b="1" dirty="0" err="1"/>
-              <a:t>Git</a:t>
-            </a:r>
-            <a:r>
-              <a:rPr lang="de-DE" altLang="de-DE" sz="1800" b="1" dirty="0"/>
-              <a:t>-Workflow, CI/CD &amp; </a:t>
-            </a:r>
-            <a:r>
-              <a:rPr lang="de-DE" altLang="de-DE" sz="1800" b="1" dirty="0" err="1"/>
+            <a:r>
+              <a:rPr lang="de-DE" altLang="de-DE" sz="1400" dirty="0" err="1"/>
               <a:t>GitOps</a:t>
             </a:r>
-            <a:endParaRPr lang="de-DE" altLang="de-DE" sz="1800" b="1" dirty="0"/>
+            <a:r>
+              <a:rPr lang="de-DE" altLang="de-DE" sz="1400" dirty="0"/>
+              <a:t> Grundlagen</a:t>
+            </a:r>
           </a:p>
           <a:p>
             <a:pPr lvl="1">
@@ -6884,12 +7572,8 @@
               <a:buChar char="•"/>
             </a:pPr>
             <a:r>
-              <a:rPr lang="de-DE" altLang="de-DE" sz="1400" dirty="0" err="1"/>
-              <a:t>Gitflow</a:t>
-            </a:r>
-            <a:r>
               <a:rPr lang="de-DE" altLang="de-DE" sz="1400" dirty="0"/>
-              <a:t>-Workflow</a:t>
+              <a:t>Lokale Entwicklung mit Docker</a:t>
             </a:r>
           </a:p>
           <a:p>
@@ -6899,7 +7583,7 @@
             </a:pPr>
             <a:r>
               <a:rPr lang="de-DE" altLang="de-DE" sz="1400" dirty="0"/>
-              <a:t>Tags, Releases &amp; deren Verwaltung</a:t>
+              <a:t>Container/Docker-Registry</a:t>
             </a:r>
           </a:p>
           <a:p>
@@ -6909,21 +7593,16 @@
             </a:pPr>
             <a:r>
               <a:rPr lang="de-DE" altLang="de-DE" sz="1400" dirty="0"/>
-              <a:t>Einführung in </a:t>
+              <a:t>Erstellen von Release- und </a:t>
             </a:r>
             <a:r>
               <a:rPr lang="de-DE" altLang="de-DE" sz="1400" dirty="0" err="1"/>
-              <a:t>GitLab</a:t>
+              <a:t>Tagged</a:t>
             </a:r>
             <a:r>
               <a:rPr lang="de-DE" altLang="de-DE" sz="1400" dirty="0"/>
-              <a:t> CI/CD &amp; </a:t>
-            </a:r>
-            <a:r>
-              <a:rPr lang="de-DE" altLang="de-DE" sz="1400" dirty="0" err="1"/>
-              <a:t>gitlab.yml</a:t>
-            </a:r>
-            <a:endParaRPr lang="de-DE" altLang="de-DE" sz="1400" dirty="0"/>
+              <a:t>-Images</a:t>
+            </a:r>
           </a:p>
           <a:p>
             <a:pPr lvl="1">
@@ -6932,105 +7611,25 @@
             </a:pPr>
             <a:r>
               <a:rPr lang="de-DE" altLang="de-DE" sz="1400" dirty="0"/>
-              <a:t>Grundlagen von </a:t>
+              <a:t>Möglichkeiten des </a:t>
             </a:r>
             <a:r>
               <a:rPr lang="de-DE" altLang="de-DE" sz="1400" dirty="0" err="1"/>
-              <a:t>GitOps</a:t>
-            </a:r>
-            <a:endParaRPr lang="de-DE" altLang="de-DE" sz="1400" dirty="0"/>
+              <a:t>Deployments</a:t>
+            </a:r>
+            <a:r>
+              <a:rPr lang="de-DE" altLang="de-DE" sz="1400" dirty="0"/>
+              <a:t> &amp; Verwaltung von Konfiguration</a:t>
+            </a:r>
           </a:p>
           <a:p>
             <a:pPr lvl="1">
               <a:buFont typeface="Arial" panose="020B0604020202020204" pitchFamily="34" charset="0"/>
               <a:buChar char="•"/>
             </a:pPr>
-            <a:endParaRPr lang="de-DE" altLang="de-DE" sz="1400" dirty="0"/>
-          </a:p>
-          <a:p>
-            <a:pPr>
-              <a:buFont typeface="Arial" panose="020B0604020202020204" pitchFamily="34" charset="0"/>
-              <a:buChar char="•"/>
-            </a:pPr>
-            <a:r>
-              <a:rPr lang="de-DE" altLang="de-DE" sz="1800" b="1" dirty="0"/>
-              <a:t>Tag 3 – Docker in der Entwicklung, </a:t>
-            </a:r>
-            <a:r>
-              <a:rPr lang="de-DE" altLang="de-DE" sz="1800" b="1" dirty="0" err="1"/>
-              <a:t>GitLab</a:t>
-            </a:r>
-            <a:r>
-              <a:rPr lang="de-DE" altLang="de-DE" sz="1800" b="1" dirty="0"/>
-              <a:t> CI und </a:t>
-            </a:r>
-            <a:r>
-              <a:rPr lang="de-DE" altLang="de-DE" sz="1800" b="1" dirty="0" err="1"/>
-              <a:t>Deployment</a:t>
-            </a:r>
-            <a:r>
-              <a:rPr lang="de-DE" altLang="de-DE" sz="1800" b="1" dirty="0"/>
-              <a:t>-Strategien</a:t>
-            </a:r>
-          </a:p>
-          <a:p>
-            <a:pPr lvl="1">
-              <a:buFont typeface="Arial" panose="020B0604020202020204" pitchFamily="34" charset="0"/>
-              <a:buChar char="•"/>
-            </a:pPr>
             <a:r>
               <a:rPr lang="de-DE" altLang="de-DE" sz="1400" dirty="0"/>
-              <a:t>Lokale Entwicklung mit Docker</a:t>
-            </a:r>
-          </a:p>
-          <a:p>
-            <a:pPr lvl="1">
-              <a:buFont typeface="Arial" panose="020B0604020202020204" pitchFamily="34" charset="0"/>
-              <a:buChar char="•"/>
-            </a:pPr>
-            <a:r>
-              <a:rPr lang="de-DE" altLang="de-DE" sz="1400" dirty="0" err="1"/>
-              <a:t>GitLab</a:t>
-            </a:r>
-            <a:r>
-              <a:rPr lang="de-DE" altLang="de-DE" sz="1400" dirty="0"/>
-              <a:t>-Runner &amp; Docker-Registry</a:t>
-            </a:r>
-          </a:p>
-          <a:p>
-            <a:pPr lvl="1">
-              <a:buFont typeface="Arial" panose="020B0604020202020204" pitchFamily="34" charset="0"/>
-              <a:buChar char="•"/>
-            </a:pPr>
-            <a:r>
-              <a:rPr lang="de-DE" altLang="de-DE" sz="1400" dirty="0"/>
-              <a:t>Erstellen von Release- und </a:t>
-            </a:r>
-            <a:r>
-              <a:rPr lang="de-DE" altLang="de-DE" sz="1400" dirty="0" err="1"/>
-              <a:t>Tagged</a:t>
-            </a:r>
-            <a:r>
-              <a:rPr lang="de-DE" altLang="de-DE" sz="1400" dirty="0"/>
-              <a:t>-Images</a:t>
-            </a:r>
-          </a:p>
-          <a:p>
-            <a:pPr lvl="1">
-              <a:buFont typeface="Arial" panose="020B0604020202020204" pitchFamily="34" charset="0"/>
-              <a:buChar char="•"/>
-            </a:pPr>
-            <a:r>
-              <a:rPr lang="de-DE" altLang="de-DE" sz="1400" dirty="0"/>
-              <a:t>Möglichkeiten des </a:t>
-            </a:r>
-            <a:r>
-              <a:rPr lang="de-DE" altLang="de-DE" sz="1400" dirty="0" err="1"/>
-              <a:t>Deployments</a:t>
-            </a:r>
-            <a:r>
-              <a:rPr lang="de-DE" altLang="de-DE" sz="1400" dirty="0"/>
-              <a:t> &amp; Verwaltung von Konfiguration</a:t>
+              <a:t>Abschlussübung &amp; Diskussion</a:t>
             </a:r>
           </a:p>
           <a:p>
@@ -7084,85 +7683,6 @@
 </file>
 
 <file path=ppt/slides/slide3.xml><?xml version="1.0" encoding="utf-8"?>
-<p:sld xmlns:a="http://schemas.openxmlformats.org/drawingml/2006/main" xmlns:r="http://schemas.openxmlformats.org/officeDocument/2006/relationships" xmlns:p="http://schemas.openxmlformats.org/presentationml/2006/main">
-  <p:cSld>
-    <p:spTree>
-      <p:nvGrpSpPr>
-        <p:cNvPr id="1" name=""/>
-        <p:cNvGrpSpPr/>
-        <p:nvPr/>
-      </p:nvGrpSpPr>
-      <p:grpSpPr>
-        <a:xfrm>
-          <a:off x="0" y="0"/>
-          <a:ext cx="0" cy="0"/>
-          <a:chOff x="0" y="0"/>
-          <a:chExt cx="0" cy="0"/>
-        </a:xfrm>
-      </p:grpSpPr>
-      <p:sp>
-        <p:nvSpPr>
-          <p:cNvPr id="2" name="Titel 1"/>
-          <p:cNvSpPr>
-            <a:spLocks noGrp="1"/>
-          </p:cNvSpPr>
-          <p:nvPr>
-            <p:ph type="title"/>
-          </p:nvPr>
-        </p:nvSpPr>
-        <p:spPr/>
-        <p:txBody>
-          <a:bodyPr/>
-          <a:lstStyle/>
-          <a:p>
-            <a:r>
-              <a:rPr lang="de-DE" cap="none" dirty="0"/>
-              <a:t>Remote Repository</a:t>
-            </a:r>
-          </a:p>
-        </p:txBody>
-      </p:sp>
-      <p:sp>
-        <p:nvSpPr>
-          <p:cNvPr id="3" name="Untertitel 2"/>
-          <p:cNvSpPr>
-            <a:spLocks noGrp="1"/>
-          </p:cNvSpPr>
-          <p:nvPr>
-            <p:ph type="body" idx="1"/>
-          </p:nvPr>
-        </p:nvSpPr>
-        <p:spPr/>
-        <p:txBody>
-          <a:bodyPr/>
-          <a:lstStyle/>
-          <a:p>
-            <a:r>
-              <a:rPr lang="de-DE" dirty="0"/>
-              <a:t>Arbeiten mit einem </a:t>
-            </a:r>
-            <a:r>
-              <a:rPr lang="de-DE" dirty="0" err="1"/>
-              <a:t>Git</a:t>
-            </a:r>
-            <a:endParaRPr lang="de-DE" dirty="0"/>
-          </a:p>
-        </p:txBody>
-      </p:sp>
-    </p:spTree>
-    <p:extLst>
-      <p:ext uri="{BB962C8B-B14F-4D97-AF65-F5344CB8AC3E}">
-        <p14:creationId xmlns:p14="http://schemas.microsoft.com/office/powerpoint/2010/main" val="3092047359"/>
-      </p:ext>
-    </p:extLst>
-  </p:cSld>
-  <p:clrMapOvr>
-    <a:masterClrMapping/>
-  </p:clrMapOvr>
-</p:sld>
-</file>
-
-<file path=ppt/slides/slide4.xml><?xml version="1.0" encoding="utf-8"?>
 <p:sld xmlns:a="http://schemas.openxmlformats.org/drawingml/2006/main" xmlns:r="http://schemas.openxmlformats.org/officeDocument/2006/relationships" xmlns:p="http://schemas.openxmlformats.org/presentationml/2006/main">
   <p:cSld>
     <p:spTree>
@@ -7195,227 +7715,341 @@
             <p:ph idx="1"/>
           </p:nvPr>
         </p:nvSpPr>
-        <p:spPr>
-          <a:xfrm>
-            <a:off x="303214" y="981075"/>
-            <a:ext cx="8517258" cy="5400675"/>
-          </a:xfrm>
-        </p:spPr>
+        <p:spPr/>
         <p:txBody>
           <a:bodyPr/>
           <a:lstStyle/>
           <a:p>
-            <a:r>
-              <a:rPr lang="de-DE" altLang="de-DE" dirty="0"/>
-              <a:t>Arbeiten mit Remote Repository ist eine zentrale Komponente in der Nutzung von </a:t>
-            </a:r>
-            <a:r>
-              <a:rPr lang="de-DE" altLang="de-DE" dirty="0" err="1"/>
+            <a:pPr>
+              <a:buFont typeface="Arial" panose="020B0604020202020204" pitchFamily="34" charset="0"/>
+              <a:buChar char="•"/>
+            </a:pPr>
+            <a:r>
+              <a:rPr lang="de-DE" altLang="de-DE" sz="1800" b="1" dirty="0"/>
+              <a:t>Tag 1 – Einführung in </a:t>
+            </a:r>
+            <a:r>
+              <a:rPr lang="de-DE" altLang="de-DE" sz="1800" b="1" dirty="0" err="1"/>
               <a:t>Git</a:t>
             </a:r>
             <a:r>
-              <a:rPr lang="de-DE" altLang="de-DE" dirty="0"/>
-              <a:t> mit mehreren Personen</a:t>
-            </a:r>
-          </a:p>
-          <a:p>
-            <a:r>
-              <a:rPr lang="de-DE" altLang="de-DE" dirty="0">
-                <a:sym typeface="Wingdings" panose="05000000000000000000" pitchFamily="2" charset="2"/>
-              </a:rPr>
-              <a:t>Auch oft einfach nur als Remote bezeichnet</a:t>
-            </a:r>
-          </a:p>
-          <a:p>
-            <a:r>
-              <a:rPr lang="de-DE" altLang="de-DE" dirty="0">
-                <a:sym typeface="Wingdings" panose="05000000000000000000" pitchFamily="2" charset="2"/>
-              </a:rPr>
-              <a:t>Wird im Netzwerk gehostet</a:t>
-            </a:r>
-          </a:p>
-          <a:p>
-            <a:pPr lvl="1"/>
-            <a:r>
-              <a:rPr lang="de-DE" altLang="de-DE" dirty="0">
-                <a:sym typeface="Wingdings" panose="05000000000000000000" pitchFamily="2" charset="2"/>
-              </a:rPr>
-              <a:t>Kann als einfaches </a:t>
-            </a:r>
-            <a:r>
-              <a:rPr lang="de-DE" altLang="de-DE" dirty="0" err="1">
-                <a:sym typeface="Wingdings" panose="05000000000000000000" pitchFamily="2" charset="2"/>
-              </a:rPr>
+              <a:rPr lang="de-DE" altLang="de-DE" sz="1800" b="1" dirty="0"/>
+              <a:t> und </a:t>
+            </a:r>
+            <a:r>
+              <a:rPr lang="de-DE" altLang="de-DE" sz="1800" b="1" dirty="0" err="1"/>
+              <a:t>GitLab</a:t>
+            </a:r>
+            <a:r>
+              <a:rPr lang="de-DE" altLang="de-DE" sz="1800" b="1" dirty="0"/>
+              <a:t>, </a:t>
+            </a:r>
+            <a:r>
+              <a:rPr lang="de-DE" altLang="de-DE" sz="1800" b="1" dirty="0" err="1"/>
               <a:t>Git</a:t>
             </a:r>
             <a:r>
-              <a:rPr lang="de-DE" altLang="de-DE" dirty="0">
-                <a:sym typeface="Wingdings" panose="05000000000000000000" pitchFamily="2" charset="2"/>
-              </a:rPr>
-              <a:t> Repository auf eigenem Server gehostet werden</a:t>
-            </a:r>
-          </a:p>
-          <a:p>
-            <a:pPr lvl="1"/>
-            <a:r>
-              <a:rPr lang="de-DE" altLang="de-DE" dirty="0">
-                <a:sym typeface="Wingdings" panose="05000000000000000000" pitchFamily="2" charset="2"/>
-              </a:rPr>
-              <a:t>Andere Konzepte wie </a:t>
-            </a:r>
-            <a:r>
-              <a:rPr lang="de-DE" altLang="de-DE" dirty="0" err="1">
-                <a:sym typeface="Wingdings" panose="05000000000000000000" pitchFamily="2" charset="2"/>
-              </a:rPr>
+              <a:rPr lang="de-DE" altLang="de-DE" sz="1800" b="1" dirty="0"/>
+              <a:t>-Workflow im Team</a:t>
+            </a:r>
+          </a:p>
+          <a:p>
+            <a:pPr lvl="1">
+              <a:buFont typeface="Arial" panose="020B0604020202020204" pitchFamily="34" charset="0"/>
+              <a:buChar char="•"/>
+            </a:pPr>
+            <a:r>
+              <a:rPr lang="de-DE" altLang="de-DE" sz="1400" dirty="0"/>
+              <a:t>Einführung &amp; Kursüberblick</a:t>
+            </a:r>
+          </a:p>
+          <a:p>
+            <a:pPr lvl="1">
+              <a:buFont typeface="Arial" panose="020B0604020202020204" pitchFamily="34" charset="0"/>
+              <a:buChar char="•"/>
+            </a:pPr>
+            <a:r>
+              <a:rPr lang="de-DE" altLang="de-DE" sz="1400" dirty="0"/>
+              <a:t>Grundlagen von </a:t>
+            </a:r>
+            <a:r>
+              <a:rPr lang="de-DE" altLang="de-DE" sz="1400" dirty="0" err="1"/>
+              <a:t>Git</a:t>
+            </a:r>
+            <a:endParaRPr lang="de-DE" altLang="de-DE" sz="1400" dirty="0"/>
+          </a:p>
+          <a:p>
+            <a:pPr lvl="1">
+              <a:buFont typeface="Arial" panose="020B0604020202020204" pitchFamily="34" charset="0"/>
+              <a:buChar char="•"/>
+            </a:pPr>
+            <a:r>
+              <a:rPr lang="de-DE" altLang="de-DE" sz="1400" dirty="0" err="1"/>
+              <a:t>Git</a:t>
+            </a:r>
+            <a:r>
+              <a:rPr lang="de-DE" altLang="de-DE" sz="1400" dirty="0"/>
+              <a:t> </a:t>
+            </a:r>
+            <a:r>
+              <a:rPr lang="de-DE" altLang="de-DE" sz="1400" dirty="0" err="1"/>
+              <a:t>Rebase</a:t>
+            </a:r>
+            <a:r>
+              <a:rPr lang="de-DE" altLang="de-DE" sz="1400" dirty="0"/>
+              <a:t> und </a:t>
+            </a:r>
+            <a:r>
+              <a:rPr lang="de-DE" altLang="de-DE" sz="1400" dirty="0" err="1"/>
+              <a:t>Merge</a:t>
+            </a:r>
+            <a:r>
+              <a:rPr lang="de-DE" altLang="de-DE" sz="1400" dirty="0"/>
+              <a:t>-Strategien</a:t>
+            </a:r>
+          </a:p>
+          <a:p>
+            <a:pPr lvl="1">
+              <a:buFont typeface="Arial" panose="020B0604020202020204" pitchFamily="34" charset="0"/>
+              <a:buChar char="•"/>
+            </a:pPr>
+            <a:r>
+              <a:rPr lang="de-DE" altLang="de-DE" sz="1400" u="sng" dirty="0" err="1"/>
+              <a:t>Git</a:t>
+            </a:r>
+            <a:r>
+              <a:rPr lang="de-DE" altLang="de-DE" sz="1400" u="sng" dirty="0"/>
+              <a:t> Remote</a:t>
+            </a:r>
+          </a:p>
+          <a:p>
+            <a:pPr lvl="1">
+              <a:buFont typeface="Arial" panose="020B0604020202020204" pitchFamily="34" charset="0"/>
+              <a:buChar char="•"/>
+            </a:pPr>
+            <a:r>
+              <a:rPr lang="de-DE" altLang="de-DE" sz="1400" dirty="0"/>
+              <a:t>Grundlagen von </a:t>
+            </a:r>
+            <a:r>
+              <a:rPr lang="de-DE" altLang="de-DE" sz="1400" dirty="0" err="1"/>
               <a:t>GitLab</a:t>
             </a:r>
-            <a:r>
-              <a:rPr lang="de-DE" altLang="de-DE" dirty="0">
-                <a:sym typeface="Wingdings" panose="05000000000000000000" pitchFamily="2" charset="2"/>
-              </a:rPr>
-              <a:t>, GitHub, </a:t>
-            </a:r>
-            <a:r>
-              <a:rPr lang="de-DE" altLang="de-DE" dirty="0" err="1">
-                <a:sym typeface="Wingdings" panose="05000000000000000000" pitchFamily="2" charset="2"/>
-              </a:rPr>
-              <a:t>BitBucket</a:t>
-            </a:r>
-            <a:r>
-              <a:rPr lang="de-DE" altLang="de-DE" dirty="0">
-                <a:sym typeface="Wingdings" panose="05000000000000000000" pitchFamily="2" charset="2"/>
-              </a:rPr>
-              <a:t> usw. ergänzen reines Hosting von </a:t>
-            </a:r>
-            <a:r>
-              <a:rPr lang="de-DE" altLang="de-DE" dirty="0" err="1">
-                <a:sym typeface="Wingdings" panose="05000000000000000000" pitchFamily="2" charset="2"/>
-              </a:rPr>
-              <a:t>Repositories</a:t>
-            </a:r>
-            <a:r>
-              <a:rPr lang="de-DE" altLang="de-DE" dirty="0">
-                <a:sym typeface="Wingdings" panose="05000000000000000000" pitchFamily="2" charset="2"/>
-              </a:rPr>
-              <a:t> um viele nützliche Features und sind weit verbreitet</a:t>
-            </a:r>
-          </a:p>
-          <a:p>
-            <a:r>
-              <a:rPr lang="de-DE" altLang="de-DE" dirty="0">
-                <a:sym typeface="Wingdings" panose="05000000000000000000" pitchFamily="2" charset="2"/>
-              </a:rPr>
-              <a:t>Unterscheidet sich technisch nicht von einem lokalen Repository</a:t>
-            </a:r>
-          </a:p>
-          <a:p>
-            <a:pPr lvl="1"/>
-            <a:r>
-              <a:rPr lang="de-DE" altLang="de-DE" dirty="0">
-                <a:sym typeface="Wingdings" panose="05000000000000000000" pitchFamily="2" charset="2"/>
-              </a:rPr>
-              <a:t>Man könnte bspw. das Repository des Kollegen bei sich als Remote Repository hinzufügen</a:t>
-            </a:r>
-          </a:p>
-          <a:p>
-            <a:pPr lvl="1"/>
-            <a:r>
-              <a:rPr lang="de-DE" altLang="de-DE" dirty="0">
-                <a:sym typeface="Wingdings" panose="05000000000000000000" pitchFamily="2" charset="2"/>
-              </a:rPr>
-              <a:t>Remote </a:t>
-            </a:r>
-            <a:r>
-              <a:rPr lang="de-DE" altLang="de-DE" dirty="0" err="1">
-                <a:sym typeface="Wingdings" panose="05000000000000000000" pitchFamily="2" charset="2"/>
-              </a:rPr>
-              <a:t>Repositories</a:t>
-            </a:r>
-            <a:r>
-              <a:rPr lang="de-DE" altLang="de-DE" dirty="0">
-                <a:sym typeface="Wingdings" panose="05000000000000000000" pitchFamily="2" charset="2"/>
-              </a:rPr>
-              <a:t> sind häufig sogenannte </a:t>
-            </a:r>
-            <a:r>
-              <a:rPr lang="de-DE" altLang="de-DE" b="1" dirty="0">
-                <a:sym typeface="Wingdings" panose="05000000000000000000" pitchFamily="2" charset="2"/>
-              </a:rPr>
-              <a:t>Bare</a:t>
-            </a:r>
-            <a:r>
-              <a:rPr lang="de-DE" altLang="de-DE" dirty="0">
-                <a:sym typeface="Wingdings" panose="05000000000000000000" pitchFamily="2" charset="2"/>
-              </a:rPr>
-              <a:t> </a:t>
-            </a:r>
-            <a:r>
-              <a:rPr lang="de-DE" altLang="de-DE" dirty="0" err="1">
-                <a:sym typeface="Wingdings" panose="05000000000000000000" pitchFamily="2" charset="2"/>
-              </a:rPr>
-              <a:t>Repositories</a:t>
-            </a:r>
-            <a:r>
-              <a:rPr lang="de-DE" altLang="de-DE" dirty="0">
-                <a:sym typeface="Wingdings" panose="05000000000000000000" pitchFamily="2" charset="2"/>
-              </a:rPr>
-              <a:t>, besitzen also kein lokalen Workspace</a:t>
-            </a:r>
-          </a:p>
-          <a:p>
-            <a:pPr lvl="1"/>
-            <a:r>
-              <a:rPr lang="de-DE" altLang="de-DE" dirty="0">
-                <a:sym typeface="Wingdings" panose="05000000000000000000" pitchFamily="2" charset="2"/>
-              </a:rPr>
-              <a:t>Bare </a:t>
-            </a:r>
-            <a:r>
-              <a:rPr lang="de-DE" altLang="de-DE" dirty="0" err="1">
-                <a:sym typeface="Wingdings" panose="05000000000000000000" pitchFamily="2" charset="2"/>
-              </a:rPr>
-              <a:t>Repositories</a:t>
-            </a:r>
-            <a:r>
-              <a:rPr lang="de-DE" altLang="de-DE" dirty="0">
-                <a:sym typeface="Wingdings" panose="05000000000000000000" pitchFamily="2" charset="2"/>
-              </a:rPr>
-              <a:t> können keine Dateien auschecken und daher auch keine potenziellen Konflikte lösen</a:t>
-            </a:r>
-          </a:p>
-          <a:p>
-            <a:r>
-              <a:rPr lang="de-DE" altLang="de-DE" dirty="0">
-                <a:sym typeface="Wingdings" panose="05000000000000000000" pitchFamily="2" charset="2"/>
-              </a:rPr>
-              <a:t>Man kann mehrere </a:t>
-            </a:r>
-            <a:r>
-              <a:rPr lang="de-DE" altLang="de-DE" dirty="0" err="1">
-                <a:sym typeface="Wingdings" panose="05000000000000000000" pitchFamily="2" charset="2"/>
-              </a:rPr>
-              <a:t>Remotes</a:t>
-            </a:r>
-            <a:r>
-              <a:rPr lang="de-DE" altLang="de-DE" dirty="0">
-                <a:sym typeface="Wingdings" panose="05000000000000000000" pitchFamily="2" charset="2"/>
-              </a:rPr>
-              <a:t> zu einem lokalen Repository hinzufügen</a:t>
-            </a:r>
-          </a:p>
-          <a:p>
-            <a:pPr lvl="1"/>
-            <a:endParaRPr lang="de-DE" altLang="de-DE" dirty="0">
-              <a:sym typeface="Wingdings" panose="05000000000000000000" pitchFamily="2" charset="2"/>
-            </a:endParaRPr>
-          </a:p>
-          <a:p>
-            <a:pPr marL="358775" indent="0">
-              <a:buNone/>
-            </a:pPr>
-            <a:endParaRPr lang="de-DE" altLang="de-DE" dirty="0">
-              <a:sym typeface="Wingdings" panose="05000000000000000000" pitchFamily="2" charset="2"/>
-            </a:endParaRPr>
+            <a:endParaRPr lang="de-DE" altLang="de-DE" sz="1400" dirty="0"/>
+          </a:p>
+          <a:p>
+            <a:pPr lvl="1">
+              <a:buFont typeface="Arial" panose="020B0604020202020204" pitchFamily="34" charset="0"/>
+              <a:buChar char="•"/>
+            </a:pPr>
+            <a:r>
+              <a:rPr lang="de-DE" altLang="de-DE" sz="1400" dirty="0" err="1"/>
+              <a:t>Git</a:t>
+            </a:r>
+            <a:r>
+              <a:rPr lang="de-DE" altLang="de-DE" sz="1400" dirty="0"/>
+              <a:t>-Workflow im Team</a:t>
+            </a:r>
+          </a:p>
+          <a:p>
+            <a:pPr>
+              <a:buFont typeface="Arial" panose="020B0604020202020204" pitchFamily="34" charset="0"/>
+              <a:buChar char="•"/>
+            </a:pPr>
+            <a:r>
+              <a:rPr lang="de-DE" altLang="de-DE" sz="1800" b="1" dirty="0"/>
+              <a:t>Tag 2 – Vertiefung </a:t>
+            </a:r>
+            <a:r>
+              <a:rPr lang="de-DE" altLang="de-DE" sz="1800" b="1" dirty="0" err="1"/>
+              <a:t>Git</a:t>
+            </a:r>
+            <a:r>
+              <a:rPr lang="de-DE" altLang="de-DE" sz="1800" b="1" dirty="0"/>
+              <a:t>-Workflow, CI/CD &amp; </a:t>
+            </a:r>
+            <a:r>
+              <a:rPr lang="de-DE" altLang="de-DE" sz="1800" b="1" dirty="0" err="1"/>
+              <a:t>GitLab</a:t>
+            </a:r>
+            <a:r>
+              <a:rPr lang="de-DE" altLang="de-DE" sz="1800" b="1" dirty="0"/>
+              <a:t> CI </a:t>
+            </a:r>
+          </a:p>
+          <a:p>
+            <a:pPr lvl="1">
+              <a:buFont typeface="Arial" panose="020B0604020202020204" pitchFamily="34" charset="0"/>
+              <a:buChar char="•"/>
+            </a:pPr>
+            <a:r>
+              <a:rPr lang="de-DE" altLang="de-DE" sz="1400" dirty="0" err="1"/>
+              <a:t>Gitflow</a:t>
+            </a:r>
+            <a:r>
+              <a:rPr lang="de-DE" altLang="de-DE" sz="1400" dirty="0"/>
+              <a:t>-Workflow</a:t>
+            </a:r>
+          </a:p>
+          <a:p>
+            <a:pPr lvl="1">
+              <a:buFont typeface="Arial" panose="020B0604020202020204" pitchFamily="34" charset="0"/>
+              <a:buChar char="•"/>
+            </a:pPr>
+            <a:r>
+              <a:rPr lang="de-DE" altLang="de-DE" sz="1400" dirty="0"/>
+              <a:t>Tags, Releases &amp; deren Verwaltung</a:t>
+            </a:r>
+          </a:p>
+          <a:p>
+            <a:pPr lvl="1">
+              <a:buFont typeface="Arial" panose="020B0604020202020204" pitchFamily="34" charset="0"/>
+              <a:buChar char="•"/>
+            </a:pPr>
+            <a:r>
+              <a:rPr lang="de-DE" altLang="de-DE" sz="1400" dirty="0" err="1"/>
+              <a:t>GitLab</a:t>
+            </a:r>
+            <a:r>
+              <a:rPr lang="de-DE" altLang="de-DE" sz="1400" dirty="0"/>
+              <a:t>-Runner</a:t>
+            </a:r>
+          </a:p>
+          <a:p>
+            <a:pPr lvl="1">
+              <a:buFont typeface="Arial" panose="020B0604020202020204" pitchFamily="34" charset="0"/>
+              <a:buChar char="•"/>
+            </a:pPr>
+            <a:r>
+              <a:rPr lang="de-DE" altLang="de-DE" sz="1400" dirty="0"/>
+              <a:t>Einführung in </a:t>
+            </a:r>
+            <a:r>
+              <a:rPr lang="de-DE" altLang="de-DE" sz="1400" dirty="0" err="1"/>
+              <a:t>GitLab</a:t>
+            </a:r>
+            <a:r>
+              <a:rPr lang="de-DE" altLang="de-DE" sz="1400" dirty="0"/>
+              <a:t> CI/CD &amp; </a:t>
+            </a:r>
+            <a:r>
+              <a:rPr lang="de-DE" altLang="de-DE" sz="1400" dirty="0" err="1"/>
+              <a:t>gitlab.yml</a:t>
+            </a:r>
+            <a:endParaRPr lang="de-DE" altLang="de-DE" sz="1400" dirty="0"/>
+          </a:p>
+          <a:p>
+            <a:pPr>
+              <a:buFont typeface="Arial" panose="020B0604020202020204" pitchFamily="34" charset="0"/>
+              <a:buChar char="•"/>
+            </a:pPr>
+            <a:r>
+              <a:rPr lang="de-DE" altLang="de-DE" sz="1800" b="1" dirty="0"/>
+              <a:t>Tag 3 – </a:t>
+            </a:r>
+            <a:r>
+              <a:rPr lang="de-DE" altLang="de-DE" sz="1800" b="1" dirty="0" err="1"/>
+              <a:t>GitOps</a:t>
+            </a:r>
+            <a:r>
+              <a:rPr lang="de-DE" altLang="de-DE" sz="1800" b="1" dirty="0"/>
+              <a:t>, Docker in der Entwicklung und </a:t>
+            </a:r>
+            <a:r>
+              <a:rPr lang="de-DE" altLang="de-DE" sz="1800" b="1" dirty="0" err="1"/>
+              <a:t>Deployment</a:t>
+            </a:r>
+            <a:r>
+              <a:rPr lang="de-DE" altLang="de-DE" sz="1800" b="1" dirty="0"/>
+              <a:t>-Strategien</a:t>
+            </a:r>
+          </a:p>
+          <a:p>
+            <a:pPr lvl="1">
+              <a:buFont typeface="Arial" panose="020B0604020202020204" pitchFamily="34" charset="0"/>
+              <a:buChar char="•"/>
+            </a:pPr>
+            <a:r>
+              <a:rPr lang="de-DE" altLang="de-DE" sz="1400" dirty="0" err="1"/>
+              <a:t>GitOps</a:t>
+            </a:r>
+            <a:r>
+              <a:rPr lang="de-DE" altLang="de-DE" sz="1400" dirty="0"/>
+              <a:t> Grundlagen</a:t>
+            </a:r>
+          </a:p>
+          <a:p>
+            <a:pPr lvl="1">
+              <a:buFont typeface="Arial" panose="020B0604020202020204" pitchFamily="34" charset="0"/>
+              <a:buChar char="•"/>
+            </a:pPr>
+            <a:r>
+              <a:rPr lang="de-DE" altLang="de-DE" sz="1400" dirty="0"/>
+              <a:t>Lokale Entwicklung mit Docker</a:t>
+            </a:r>
+          </a:p>
+          <a:p>
+            <a:pPr lvl="1">
+              <a:buFont typeface="Arial" panose="020B0604020202020204" pitchFamily="34" charset="0"/>
+              <a:buChar char="•"/>
+            </a:pPr>
+            <a:r>
+              <a:rPr lang="de-DE" altLang="de-DE" sz="1400" dirty="0"/>
+              <a:t>Container/Docker-Registry</a:t>
+            </a:r>
+          </a:p>
+          <a:p>
+            <a:pPr lvl="1">
+              <a:buFont typeface="Arial" panose="020B0604020202020204" pitchFamily="34" charset="0"/>
+              <a:buChar char="•"/>
+            </a:pPr>
+            <a:r>
+              <a:rPr lang="de-DE" altLang="de-DE" sz="1400" dirty="0"/>
+              <a:t>Erstellen von Release- und </a:t>
+            </a:r>
+            <a:r>
+              <a:rPr lang="de-DE" altLang="de-DE" sz="1400" dirty="0" err="1"/>
+              <a:t>Tagged</a:t>
+            </a:r>
+            <a:r>
+              <a:rPr lang="de-DE" altLang="de-DE" sz="1400" dirty="0"/>
+              <a:t>-Images</a:t>
+            </a:r>
+          </a:p>
+          <a:p>
+            <a:pPr lvl="1">
+              <a:buFont typeface="Arial" panose="020B0604020202020204" pitchFamily="34" charset="0"/>
+              <a:buChar char="•"/>
+            </a:pPr>
+            <a:r>
+              <a:rPr lang="de-DE" altLang="de-DE" sz="1400" dirty="0"/>
+              <a:t>Möglichkeiten des </a:t>
+            </a:r>
+            <a:r>
+              <a:rPr lang="de-DE" altLang="de-DE" sz="1400" dirty="0" err="1"/>
+              <a:t>Deployments</a:t>
+            </a:r>
+            <a:r>
+              <a:rPr lang="de-DE" altLang="de-DE" sz="1400" dirty="0"/>
+              <a:t> &amp; Verwaltung von Konfiguration</a:t>
+            </a:r>
+          </a:p>
+          <a:p>
+            <a:pPr lvl="1">
+              <a:buFont typeface="Arial" panose="020B0604020202020204" pitchFamily="34" charset="0"/>
+              <a:buChar char="•"/>
+            </a:pPr>
+            <a:r>
+              <a:rPr lang="de-DE" altLang="de-DE" sz="1400" dirty="0"/>
+              <a:t>Abschlussübung &amp; Diskussion</a:t>
+            </a:r>
+          </a:p>
+          <a:p>
+            <a:pPr lvl="1">
+              <a:buFont typeface="Arial" panose="020B0604020202020204" pitchFamily="34" charset="0"/>
+              <a:buChar char="•"/>
+            </a:pPr>
+            <a:endParaRPr lang="de-DE" altLang="de-DE" sz="1400" dirty="0"/>
           </a:p>
         </p:txBody>
       </p:sp>
@@ -7447,15 +8081,89 @@
           <a:p>
             <a:r>
               <a:rPr lang="de-DE" altLang="de-DE" dirty="0"/>
+              <a:t>Agenda</a:t>
+            </a:r>
+          </a:p>
+        </p:txBody>
+      </p:sp>
+    </p:spTree>
+  </p:cSld>
+  <p:clrMapOvr>
+    <a:masterClrMapping/>
+  </p:clrMapOvr>
+</p:sld>
+</file>
+
+<file path=ppt/slides/slide4.xml><?xml version="1.0" encoding="utf-8"?>
+<p:sld xmlns:a="http://schemas.openxmlformats.org/drawingml/2006/main" xmlns:r="http://schemas.openxmlformats.org/officeDocument/2006/relationships" xmlns:p="http://schemas.openxmlformats.org/presentationml/2006/main">
+  <p:cSld>
+    <p:spTree>
+      <p:nvGrpSpPr>
+        <p:cNvPr id="1" name=""/>
+        <p:cNvGrpSpPr/>
+        <p:nvPr/>
+      </p:nvGrpSpPr>
+      <p:grpSpPr>
+        <a:xfrm>
+          <a:off x="0" y="0"/>
+          <a:ext cx="0" cy="0"/>
+          <a:chOff x="0" y="0"/>
+          <a:chExt cx="0" cy="0"/>
+        </a:xfrm>
+      </p:grpSpPr>
+      <p:sp>
+        <p:nvSpPr>
+          <p:cNvPr id="2" name="Titel 1"/>
+          <p:cNvSpPr>
+            <a:spLocks noGrp="1"/>
+          </p:cNvSpPr>
+          <p:nvPr>
+            <p:ph type="title"/>
+          </p:nvPr>
+        </p:nvSpPr>
+        <p:spPr/>
+        <p:txBody>
+          <a:bodyPr/>
+          <a:lstStyle/>
+          <a:p>
+            <a:r>
+              <a:rPr lang="de-DE" cap="none" dirty="0"/>
               <a:t>Remote Repository</a:t>
             </a:r>
+          </a:p>
+        </p:txBody>
+      </p:sp>
+      <p:sp>
+        <p:nvSpPr>
+          <p:cNvPr id="3" name="Untertitel 2"/>
+          <p:cNvSpPr>
+            <a:spLocks noGrp="1"/>
+          </p:cNvSpPr>
+          <p:nvPr>
+            <p:ph type="body" idx="1"/>
+          </p:nvPr>
+        </p:nvSpPr>
+        <p:spPr/>
+        <p:txBody>
+          <a:bodyPr/>
+          <a:lstStyle/>
+          <a:p>
+            <a:r>
+              <a:rPr lang="de-DE" dirty="0"/>
+              <a:t>Arbeiten mit einem </a:t>
+            </a:r>
+            <a:r>
+              <a:rPr lang="de-DE" dirty="0" err="1"/>
+              <a:t>Git</a:t>
+            </a:r>
+            <a:endParaRPr lang="de-DE" dirty="0"/>
           </a:p>
         </p:txBody>
       </p:sp>
     </p:spTree>
     <p:extLst>
       <p:ext uri="{BB962C8B-B14F-4D97-AF65-F5344CB8AC3E}">
-        <p14:creationId xmlns:p14="http://schemas.microsoft.com/office/powerpoint/2010/main" val="123332739"/>
+        <p14:creationId xmlns:p14="http://schemas.microsoft.com/office/powerpoint/2010/main" val="3092047359"/>
       </p:ext>
     </p:extLst>
   </p:cSld>
@@ -7500,417 +8208,225 @@
         </p:nvSpPr>
         <p:spPr>
           <a:xfrm>
-            <a:off x="303213" y="981075"/>
-            <a:ext cx="8517259" cy="5400675"/>
+            <a:off x="303214" y="981075"/>
+            <a:ext cx="8517258" cy="5400675"/>
           </a:xfrm>
         </p:spPr>
         <p:txBody>
           <a:bodyPr/>
           <a:lstStyle/>
           <a:p>
-            <a:pPr marL="57150" indent="0">
-              <a:spcBef>
-                <a:spcPts val="600"/>
-              </a:spcBef>
-              <a:spcAft>
-                <a:spcPts val="300"/>
-              </a:spcAft>
+            <a:r>
+              <a:rPr lang="de-DE" altLang="de-DE" dirty="0"/>
+              <a:t>Arbeiten mit Remote Repository ist eine zentrale Komponente in der Nutzung von </a:t>
+            </a:r>
+            <a:r>
+              <a:rPr lang="de-DE" altLang="de-DE" dirty="0" err="1"/>
+              <a:t>Git</a:t>
+            </a:r>
+            <a:r>
+              <a:rPr lang="de-DE" altLang="de-DE" dirty="0"/>
+              <a:t> mit mehreren Personen</a:t>
+            </a:r>
+          </a:p>
+          <a:p>
+            <a:r>
+              <a:rPr lang="de-DE" altLang="de-DE" dirty="0">
+                <a:sym typeface="Wingdings" panose="05000000000000000000" pitchFamily="2" charset="2"/>
+              </a:rPr>
+              <a:t>Auch oft einfach nur als Remote bezeichnet</a:t>
+            </a:r>
+          </a:p>
+          <a:p>
+            <a:r>
+              <a:rPr lang="de-DE" altLang="de-DE" dirty="0">
+                <a:sym typeface="Wingdings" panose="05000000000000000000" pitchFamily="2" charset="2"/>
+              </a:rPr>
+              <a:t>Wird im Netzwerk gehostet</a:t>
+            </a:r>
+          </a:p>
+          <a:p>
+            <a:pPr lvl="1"/>
+            <a:r>
+              <a:rPr lang="de-DE" altLang="de-DE" dirty="0">
+                <a:sym typeface="Wingdings" panose="05000000000000000000" pitchFamily="2" charset="2"/>
+              </a:rPr>
+              <a:t>Kann als einfaches </a:t>
+            </a:r>
+            <a:r>
+              <a:rPr lang="de-DE" altLang="de-DE" dirty="0" err="1">
+                <a:sym typeface="Wingdings" panose="05000000000000000000" pitchFamily="2" charset="2"/>
+              </a:rPr>
+              <a:t>Git</a:t>
+            </a:r>
+            <a:r>
+              <a:rPr lang="de-DE" altLang="de-DE" dirty="0">
+                <a:sym typeface="Wingdings" panose="05000000000000000000" pitchFamily="2" charset="2"/>
+              </a:rPr>
+              <a:t> Repository auf eigenem Server gehostet werden</a:t>
+            </a:r>
+          </a:p>
+          <a:p>
+            <a:pPr lvl="1"/>
+            <a:r>
+              <a:rPr lang="de-DE" altLang="de-DE" dirty="0">
+                <a:sym typeface="Wingdings" panose="05000000000000000000" pitchFamily="2" charset="2"/>
+              </a:rPr>
+              <a:t>Andere Konzepte wie </a:t>
+            </a:r>
+            <a:r>
+              <a:rPr lang="de-DE" altLang="de-DE" dirty="0" err="1">
+                <a:sym typeface="Wingdings" panose="05000000000000000000" pitchFamily="2" charset="2"/>
+              </a:rPr>
+              <a:t>GitLab</a:t>
+            </a:r>
+            <a:r>
+              <a:rPr lang="de-DE" altLang="de-DE" dirty="0">
+                <a:sym typeface="Wingdings" panose="05000000000000000000" pitchFamily="2" charset="2"/>
+              </a:rPr>
+              <a:t>, GitHub, </a:t>
+            </a:r>
+            <a:r>
+              <a:rPr lang="de-DE" altLang="de-DE" dirty="0" err="1">
+                <a:sym typeface="Wingdings" panose="05000000000000000000" pitchFamily="2" charset="2"/>
+              </a:rPr>
+              <a:t>BitBucket</a:t>
+            </a:r>
+            <a:r>
+              <a:rPr lang="de-DE" altLang="de-DE" dirty="0">
+                <a:sym typeface="Wingdings" panose="05000000000000000000" pitchFamily="2" charset="2"/>
+              </a:rPr>
+              <a:t> usw. ergänzen reines Hosting von </a:t>
+            </a:r>
+            <a:r>
+              <a:rPr lang="de-DE" altLang="de-DE" dirty="0" err="1">
+                <a:sym typeface="Wingdings" panose="05000000000000000000" pitchFamily="2" charset="2"/>
+              </a:rPr>
+              <a:t>Repositories</a:t>
+            </a:r>
+            <a:r>
+              <a:rPr lang="de-DE" altLang="de-DE" dirty="0">
+                <a:sym typeface="Wingdings" panose="05000000000000000000" pitchFamily="2" charset="2"/>
+              </a:rPr>
+              <a:t> um viele nützliche Features und sind weit verbreitet</a:t>
+            </a:r>
+          </a:p>
+          <a:p>
+            <a:r>
+              <a:rPr lang="de-DE" altLang="de-DE" dirty="0">
+                <a:sym typeface="Wingdings" panose="05000000000000000000" pitchFamily="2" charset="2"/>
+              </a:rPr>
+              <a:t>Unterscheidet sich technisch nicht von einem lokalen Repository</a:t>
+            </a:r>
+          </a:p>
+          <a:p>
+            <a:pPr lvl="1"/>
+            <a:r>
+              <a:rPr lang="de-DE" altLang="de-DE" dirty="0">
+                <a:sym typeface="Wingdings" panose="05000000000000000000" pitchFamily="2" charset="2"/>
+              </a:rPr>
+              <a:t>Man könnte bspw. das Repository des Kollegen bei sich als Remote Repository hinzufügen</a:t>
+            </a:r>
+          </a:p>
+          <a:p>
+            <a:pPr lvl="1"/>
+            <a:r>
+              <a:rPr lang="de-DE" altLang="de-DE" dirty="0">
+                <a:sym typeface="Wingdings" panose="05000000000000000000" pitchFamily="2" charset="2"/>
+              </a:rPr>
+              <a:t>Remote </a:t>
+            </a:r>
+            <a:r>
+              <a:rPr lang="de-DE" altLang="de-DE" dirty="0" err="1">
+                <a:sym typeface="Wingdings" panose="05000000000000000000" pitchFamily="2" charset="2"/>
+              </a:rPr>
+              <a:t>Repositories</a:t>
+            </a:r>
+            <a:r>
+              <a:rPr lang="de-DE" altLang="de-DE" dirty="0">
+                <a:sym typeface="Wingdings" panose="05000000000000000000" pitchFamily="2" charset="2"/>
+              </a:rPr>
+              <a:t> sind häufig sogenannte </a:t>
+            </a:r>
+            <a:r>
+              <a:rPr lang="de-DE" altLang="de-DE" b="1" dirty="0">
+                <a:sym typeface="Wingdings" panose="05000000000000000000" pitchFamily="2" charset="2"/>
+              </a:rPr>
+              <a:t>Bare</a:t>
+            </a:r>
+            <a:r>
+              <a:rPr lang="de-DE" altLang="de-DE" dirty="0">
+                <a:sym typeface="Wingdings" panose="05000000000000000000" pitchFamily="2" charset="2"/>
+              </a:rPr>
+              <a:t> </a:t>
+            </a:r>
+            <a:r>
+              <a:rPr lang="de-DE" altLang="de-DE" dirty="0" err="1">
+                <a:sym typeface="Wingdings" panose="05000000000000000000" pitchFamily="2" charset="2"/>
+              </a:rPr>
+              <a:t>Repositories</a:t>
+            </a:r>
+            <a:r>
+              <a:rPr lang="de-DE" altLang="de-DE" dirty="0">
+                <a:sym typeface="Wingdings" panose="05000000000000000000" pitchFamily="2" charset="2"/>
+              </a:rPr>
+              <a:t>, besitzen also kein lokalen Workspace</a:t>
+            </a:r>
+          </a:p>
+          <a:p>
+            <a:pPr lvl="1"/>
+            <a:r>
+              <a:rPr lang="de-DE" altLang="de-DE" dirty="0">
+                <a:sym typeface="Wingdings" panose="05000000000000000000" pitchFamily="2" charset="2"/>
+              </a:rPr>
+              <a:t>Bare </a:t>
+            </a:r>
+            <a:r>
+              <a:rPr lang="de-DE" altLang="de-DE" dirty="0" err="1">
+                <a:sym typeface="Wingdings" panose="05000000000000000000" pitchFamily="2" charset="2"/>
+              </a:rPr>
+              <a:t>Repositories</a:t>
+            </a:r>
+            <a:r>
+              <a:rPr lang="de-DE" altLang="de-DE" dirty="0">
+                <a:sym typeface="Wingdings" panose="05000000000000000000" pitchFamily="2" charset="2"/>
+              </a:rPr>
+              <a:t> können keine Dateien auschecken und daher auch keine potenziellen Konflikte lösen</a:t>
+            </a:r>
+          </a:p>
+          <a:p>
+            <a:r>
+              <a:rPr lang="de-DE" altLang="de-DE" dirty="0">
+                <a:sym typeface="Wingdings" panose="05000000000000000000" pitchFamily="2" charset="2"/>
+              </a:rPr>
+              <a:t>Man kann mehrere </a:t>
+            </a:r>
+            <a:r>
+              <a:rPr lang="de-DE" altLang="de-DE" dirty="0" err="1">
+                <a:sym typeface="Wingdings" panose="05000000000000000000" pitchFamily="2" charset="2"/>
+              </a:rPr>
+              <a:t>Remotes</a:t>
+            </a:r>
+            <a:r>
+              <a:rPr lang="de-DE" altLang="de-DE" dirty="0">
+                <a:sym typeface="Wingdings" panose="05000000000000000000" pitchFamily="2" charset="2"/>
+              </a:rPr>
+              <a:t> zu einem lokalen Repository hinzufügen</a:t>
+            </a:r>
+          </a:p>
+          <a:p>
+            <a:pPr lvl="1"/>
+            <a:endParaRPr lang="de-DE" altLang="de-DE" dirty="0">
+              <a:sym typeface="Wingdings" panose="05000000000000000000" pitchFamily="2" charset="2"/>
+            </a:endParaRPr>
+          </a:p>
+          <a:p>
+            <a:pPr marL="358775" indent="0">
               <a:buNone/>
             </a:pPr>
-            <a:r>
-              <a:rPr lang="de-DE" altLang="de-DE" b="1" dirty="0" err="1"/>
-              <a:t>Clonen</a:t>
-            </a:r>
-            <a:r>
-              <a:rPr lang="de-DE" altLang="de-DE" b="1" dirty="0"/>
-              <a:t> eines vorhandenen Remote </a:t>
-            </a:r>
-            <a:r>
-              <a:rPr lang="de-DE" altLang="de-DE" b="1" dirty="0" err="1"/>
-              <a:t>Repositories</a:t>
-            </a:r>
-            <a:endParaRPr lang="de-DE" altLang="de-DE" b="1" dirty="0"/>
-          </a:p>
-          <a:p>
-            <a:pPr marL="400050">
-              <a:spcBef>
-                <a:spcPts val="600"/>
-              </a:spcBef>
-              <a:spcAft>
-                <a:spcPts val="300"/>
-              </a:spcAft>
-            </a:pPr>
-            <a:r>
-              <a:rPr lang="de-DE" altLang="de-DE" dirty="0"/>
-              <a:t>Erzeugt eine lokale Kopie (</a:t>
-            </a:r>
-            <a:r>
-              <a:rPr lang="de-DE" altLang="de-DE" b="1" dirty="0" err="1"/>
-              <a:t>local</a:t>
-            </a:r>
-            <a:r>
-              <a:rPr lang="de-DE" altLang="de-DE" dirty="0"/>
-              <a:t>) eines bereits existierenden Remote Repository (</a:t>
-            </a:r>
-            <a:r>
-              <a:rPr lang="de-DE" altLang="de-DE" b="1" dirty="0" err="1"/>
-              <a:t>origin</a:t>
-            </a:r>
-            <a:r>
-              <a:rPr lang="de-DE" altLang="de-DE" dirty="0"/>
-              <a:t>) mittels</a:t>
-            </a:r>
-          </a:p>
-          <a:p>
-            <a:pPr marL="57150" indent="0">
-              <a:spcBef>
-                <a:spcPts val="600"/>
-              </a:spcBef>
-              <a:spcAft>
-                <a:spcPts val="300"/>
-              </a:spcAft>
-              <a:buNone/>
-            </a:pPr>
-            <a:r>
-              <a:rPr lang="de-DE" altLang="de-DE" dirty="0"/>
-              <a:t>	</a:t>
-            </a:r>
-            <a:r>
-              <a:rPr lang="de-DE" altLang="de-DE" dirty="0" err="1">
-                <a:latin typeface="Consolas" panose="020B0609020204030204" pitchFamily="49" charset="0"/>
-              </a:rPr>
-              <a:t>git</a:t>
-            </a:r>
-            <a:r>
-              <a:rPr lang="de-DE" altLang="de-DE" dirty="0">
-                <a:latin typeface="Consolas" panose="020B0609020204030204" pitchFamily="49" charset="0"/>
-              </a:rPr>
-              <a:t> </a:t>
-            </a:r>
-            <a:r>
-              <a:rPr lang="de-DE" altLang="de-DE" dirty="0" err="1">
-                <a:latin typeface="Consolas" panose="020B0609020204030204" pitchFamily="49" charset="0"/>
-              </a:rPr>
-              <a:t>clone</a:t>
-            </a:r>
-            <a:r>
-              <a:rPr lang="de-DE" altLang="de-DE" dirty="0">
-                <a:latin typeface="Consolas" panose="020B0609020204030204" pitchFamily="49" charset="0"/>
-              </a:rPr>
-              <a:t> &lt;remote-</a:t>
-            </a:r>
-            <a:r>
-              <a:rPr lang="de-DE" altLang="de-DE" dirty="0" err="1">
-                <a:latin typeface="Consolas" panose="020B0609020204030204" pitchFamily="49" charset="0"/>
-              </a:rPr>
-              <a:t>refernce</a:t>
-            </a:r>
-            <a:r>
-              <a:rPr lang="de-DE" altLang="de-DE" dirty="0">
-                <a:latin typeface="Consolas" panose="020B0609020204030204" pitchFamily="49" charset="0"/>
-              </a:rPr>
-              <a:t>&gt;</a:t>
-            </a:r>
-          </a:p>
-          <a:p>
-            <a:pPr marL="400050">
-              <a:spcBef>
-                <a:spcPts val="600"/>
-              </a:spcBef>
-              <a:spcAft>
-                <a:spcPts val="300"/>
-              </a:spcAft>
-            </a:pPr>
-            <a:r>
-              <a:rPr lang="de-DE" altLang="de-DE" dirty="0"/>
-              <a:t>Erstellt Verknüpfung zwischen </a:t>
-            </a:r>
-            <a:r>
-              <a:rPr lang="de-DE" altLang="de-DE" b="1" dirty="0" err="1"/>
-              <a:t>local</a:t>
-            </a:r>
-            <a:r>
-              <a:rPr lang="de-DE" altLang="de-DE" dirty="0"/>
-              <a:t> und </a:t>
-            </a:r>
-            <a:r>
-              <a:rPr lang="de-DE" altLang="de-DE" b="1" dirty="0" err="1"/>
-              <a:t>origin</a:t>
-            </a:r>
-            <a:r>
-              <a:rPr lang="de-DE" altLang="de-DE" dirty="0"/>
-              <a:t>, um Synchronisation zu ermöglichen (</a:t>
-            </a:r>
-            <a:r>
-              <a:rPr lang="de-DE" altLang="de-DE" dirty="0">
-                <a:latin typeface="Consolas" panose="020B0609020204030204" pitchFamily="49" charset="0"/>
-              </a:rPr>
-              <a:t>push</a:t>
-            </a:r>
-            <a:r>
-              <a:rPr lang="de-DE" altLang="de-DE" dirty="0"/>
-              <a:t>,</a:t>
-            </a:r>
-            <a:r>
-              <a:rPr lang="de-DE" altLang="de-DE" dirty="0">
-                <a:latin typeface="Consolas" panose="020B0609020204030204" pitchFamily="49" charset="0"/>
-              </a:rPr>
-              <a:t> pull</a:t>
-            </a:r>
-            <a:r>
-              <a:rPr lang="de-DE" altLang="de-DE" dirty="0"/>
-              <a:t>,</a:t>
-            </a:r>
-            <a:r>
-              <a:rPr lang="de-DE" altLang="de-DE" dirty="0">
-                <a:latin typeface="Consolas" panose="020B0609020204030204" pitchFamily="49" charset="0"/>
-              </a:rPr>
-              <a:t> </a:t>
-            </a:r>
-            <a:r>
-              <a:rPr lang="de-DE" altLang="de-DE" dirty="0" err="1">
-                <a:latin typeface="Consolas" panose="020B0609020204030204" pitchFamily="49" charset="0"/>
-              </a:rPr>
-              <a:t>fetch</a:t>
-            </a:r>
-            <a:r>
-              <a:rPr lang="de-DE" altLang="de-DE" dirty="0"/>
-              <a:t>, …)</a:t>
-            </a:r>
-          </a:p>
-          <a:p>
-            <a:pPr marL="400050">
-              <a:spcBef>
-                <a:spcPts val="600"/>
-              </a:spcBef>
-              <a:spcAft>
-                <a:spcPts val="300"/>
-              </a:spcAft>
-            </a:pPr>
-            <a:r>
-              <a:rPr lang="de-DE" altLang="de-DE" b="1" dirty="0" err="1"/>
-              <a:t>local</a:t>
-            </a:r>
-            <a:r>
-              <a:rPr lang="de-DE" altLang="de-DE" dirty="0"/>
-              <a:t> besteht zunächst nur aus </a:t>
-            </a:r>
-            <a:r>
-              <a:rPr lang="de-DE" altLang="de-DE" b="1" dirty="0" err="1"/>
-              <a:t>default</a:t>
-            </a:r>
-            <a:r>
-              <a:rPr lang="de-DE" altLang="de-DE" dirty="0"/>
-              <a:t> Branch</a:t>
-            </a:r>
-          </a:p>
-          <a:p>
-            <a:pPr marL="400050">
-              <a:spcBef>
-                <a:spcPts val="600"/>
-              </a:spcBef>
-              <a:spcAft>
-                <a:spcPts val="300"/>
-              </a:spcAft>
-            </a:pPr>
-            <a:r>
-              <a:rPr lang="de-DE" altLang="de-DE" dirty="0"/>
-              <a:t>Informationen über andere </a:t>
-            </a:r>
-            <a:r>
-              <a:rPr lang="de-DE" altLang="de-DE" dirty="0" err="1"/>
-              <a:t>Branches</a:t>
-            </a:r>
-            <a:r>
-              <a:rPr lang="de-DE" altLang="de-DE" dirty="0"/>
-              <a:t> werden trotzdem abgerufen und können auch </a:t>
-            </a:r>
-            <a:r>
-              <a:rPr lang="de-DE" altLang="de-DE" dirty="0" err="1"/>
-              <a:t>read-only</a:t>
-            </a:r>
-            <a:r>
-              <a:rPr lang="de-DE" altLang="de-DE" dirty="0"/>
-              <a:t> mittels </a:t>
-            </a:r>
-            <a:r>
-              <a:rPr lang="de-DE" altLang="de-DE" dirty="0" err="1">
-                <a:latin typeface="Consolas" panose="020B0609020204030204" pitchFamily="49" charset="0"/>
-              </a:rPr>
-              <a:t>git</a:t>
-            </a:r>
-            <a:r>
-              <a:rPr lang="de-DE" altLang="de-DE" dirty="0">
-                <a:latin typeface="Consolas" panose="020B0609020204030204" pitchFamily="49" charset="0"/>
-              </a:rPr>
-              <a:t> </a:t>
-            </a:r>
-            <a:r>
-              <a:rPr lang="de-DE" altLang="de-DE" dirty="0" err="1">
-                <a:latin typeface="Consolas" panose="020B0609020204030204" pitchFamily="49" charset="0"/>
-              </a:rPr>
-              <a:t>checkout</a:t>
-            </a:r>
-            <a:r>
-              <a:rPr lang="de-DE" altLang="de-DE" dirty="0">
-                <a:latin typeface="Consolas" panose="020B0609020204030204" pitchFamily="49" charset="0"/>
-              </a:rPr>
-              <a:t> </a:t>
-            </a:r>
-            <a:r>
-              <a:rPr lang="de-DE" altLang="de-DE" dirty="0" err="1">
-                <a:latin typeface="Consolas" panose="020B0609020204030204" pitchFamily="49" charset="0"/>
-              </a:rPr>
-              <a:t>origin</a:t>
-            </a:r>
-            <a:r>
-              <a:rPr lang="de-DE" altLang="de-DE" dirty="0">
-                <a:latin typeface="Consolas" panose="020B0609020204030204" pitchFamily="49" charset="0"/>
-              </a:rPr>
-              <a:t>/&lt;</a:t>
-            </a:r>
-            <a:r>
-              <a:rPr lang="de-DE" altLang="de-DE" dirty="0" err="1">
-                <a:latin typeface="Consolas" panose="020B0609020204030204" pitchFamily="49" charset="0"/>
-              </a:rPr>
-              <a:t>branch</a:t>
-            </a:r>
-            <a:r>
-              <a:rPr lang="de-DE" altLang="de-DE" dirty="0">
-                <a:latin typeface="Consolas" panose="020B0609020204030204" pitchFamily="49" charset="0"/>
-              </a:rPr>
-              <a:t>&gt; </a:t>
-            </a:r>
-            <a:r>
-              <a:rPr lang="de-DE" altLang="de-DE" dirty="0"/>
-              <a:t>angeschaut werden (</a:t>
-            </a:r>
-            <a:r>
-              <a:rPr lang="de-DE" altLang="de-DE" b="1" dirty="0"/>
-              <a:t>Remote Tracking</a:t>
-            </a:r>
-            <a:r>
-              <a:rPr lang="de-DE" altLang="de-DE" dirty="0"/>
-              <a:t> Bereich)</a:t>
-            </a:r>
-          </a:p>
-          <a:p>
-            <a:pPr marL="400050">
-              <a:spcBef>
-                <a:spcPts val="600"/>
-              </a:spcBef>
-              <a:spcAft>
-                <a:spcPts val="300"/>
-              </a:spcAft>
-            </a:pPr>
-            <a:r>
-              <a:rPr lang="de-DE" altLang="de-DE" dirty="0"/>
-              <a:t>Erst durch </a:t>
-            </a:r>
-            <a:r>
-              <a:rPr lang="de-DE" altLang="de-DE" dirty="0" err="1">
-                <a:latin typeface="Consolas" panose="020B0609020204030204" pitchFamily="49" charset="0"/>
-              </a:rPr>
-              <a:t>git</a:t>
-            </a:r>
-            <a:r>
-              <a:rPr lang="de-DE" altLang="de-DE" dirty="0">
-                <a:latin typeface="Consolas" panose="020B0609020204030204" pitchFamily="49" charset="0"/>
-              </a:rPr>
-              <a:t> </a:t>
-            </a:r>
-            <a:r>
-              <a:rPr lang="de-DE" altLang="de-DE" dirty="0" err="1">
-                <a:latin typeface="Consolas" panose="020B0609020204030204" pitchFamily="49" charset="0"/>
-              </a:rPr>
-              <a:t>checkout</a:t>
-            </a:r>
-            <a:r>
-              <a:rPr lang="de-DE" altLang="de-DE" dirty="0">
-                <a:latin typeface="Consolas" panose="020B0609020204030204" pitchFamily="49" charset="0"/>
-              </a:rPr>
-              <a:t> &lt;</a:t>
-            </a:r>
-            <a:r>
-              <a:rPr lang="de-DE" altLang="de-DE" dirty="0" err="1">
-                <a:latin typeface="Consolas" panose="020B0609020204030204" pitchFamily="49" charset="0"/>
-              </a:rPr>
-              <a:t>branch</a:t>
-            </a:r>
-            <a:r>
-              <a:rPr lang="de-DE" altLang="de-DE" dirty="0">
-                <a:latin typeface="Consolas" panose="020B0609020204030204" pitchFamily="49" charset="0"/>
-              </a:rPr>
-              <a:t>&gt; </a:t>
-            </a:r>
-            <a:r>
-              <a:rPr lang="de-DE" altLang="de-DE" dirty="0"/>
-              <a:t>wird eine volle lokale Kopie in </a:t>
-            </a:r>
-            <a:r>
-              <a:rPr lang="de-DE" altLang="de-DE" b="1" dirty="0" err="1"/>
-              <a:t>local</a:t>
-            </a:r>
-            <a:r>
-              <a:rPr lang="de-DE" altLang="de-DE" dirty="0"/>
-              <a:t> angelegt und der zugehörige Remote Branch mit diesem als </a:t>
-            </a:r>
-            <a:r>
-              <a:rPr lang="de-DE" altLang="de-DE" b="1" dirty="0"/>
-              <a:t>Upstream</a:t>
-            </a:r>
-            <a:r>
-              <a:rPr lang="de-DE" altLang="de-DE" dirty="0"/>
-              <a:t> verknüpft</a:t>
-            </a:r>
-          </a:p>
-          <a:p>
-            <a:pPr marL="400050">
-              <a:spcBef>
-                <a:spcPts val="600"/>
-              </a:spcBef>
-              <a:spcAft>
-                <a:spcPts val="300"/>
-              </a:spcAft>
-            </a:pPr>
-            <a:r>
-              <a:rPr lang="de-DE" altLang="de-DE" b="1" dirty="0"/>
-              <a:t>Upstream</a:t>
-            </a:r>
-            <a:r>
-              <a:rPr lang="de-DE" altLang="de-DE" dirty="0"/>
-              <a:t> definiert den zu einem lokalen Branch zugehörigen Branch, auf dem beim </a:t>
-            </a:r>
-            <a:r>
-              <a:rPr lang="de-DE" altLang="de-DE" dirty="0" err="1">
-                <a:latin typeface="Consolas" panose="020B0609020204030204" pitchFamily="49" charset="0"/>
-              </a:rPr>
-              <a:t>fetch</a:t>
-            </a:r>
-            <a:r>
-              <a:rPr lang="de-DE" altLang="de-DE" dirty="0"/>
-              <a:t>, </a:t>
-            </a:r>
-            <a:r>
-              <a:rPr lang="de-DE" altLang="de-DE" dirty="0">
-                <a:latin typeface="Consolas" panose="020B0609020204030204" pitchFamily="49" charset="0"/>
-              </a:rPr>
-              <a:t>pull</a:t>
-            </a:r>
-            <a:r>
-              <a:rPr lang="de-DE" altLang="de-DE" dirty="0"/>
-              <a:t> oder </a:t>
-            </a:r>
-            <a:r>
-              <a:rPr lang="de-DE" altLang="de-DE" dirty="0">
-                <a:latin typeface="Consolas" panose="020B0609020204030204" pitchFamily="49" charset="0"/>
-              </a:rPr>
-              <a:t>push</a:t>
-            </a:r>
-            <a:r>
-              <a:rPr lang="de-DE" altLang="de-DE" dirty="0"/>
-              <a:t> zugegriffen wird</a:t>
-            </a:r>
+            <a:endParaRPr lang="de-DE" altLang="de-DE" dirty="0">
+              <a:sym typeface="Wingdings" panose="05000000000000000000" pitchFamily="2" charset="2"/>
+            </a:endParaRPr>
           </a:p>
         </p:txBody>
       </p:sp>
@@ -7950,7 +8466,7 @@
     </p:spTree>
     <p:extLst>
       <p:ext uri="{BB962C8B-B14F-4D97-AF65-F5344CB8AC3E}">
-        <p14:creationId xmlns:p14="http://schemas.microsoft.com/office/powerpoint/2010/main" val="4293719170"/>
+        <p14:creationId xmlns:p14="http://schemas.microsoft.com/office/powerpoint/2010/main" val="123332739"/>
       </p:ext>
     </p:extLst>
   </p:cSld>
@@ -8007,236 +8523,405 @@
               <a:spcBef>
                 <a:spcPts val="600"/>
               </a:spcBef>
+              <a:spcAft>
+                <a:spcPts val="300"/>
+              </a:spcAft>
               <a:buNone/>
             </a:pPr>
             <a:r>
+              <a:rPr lang="de-DE" altLang="de-DE" b="1" dirty="0" err="1"/>
+              <a:t>Clonen</a:t>
+            </a:r>
+            <a:r>
               <a:rPr lang="de-DE" altLang="de-DE" b="1" dirty="0"/>
-              <a:t>Beispiel </a:t>
-            </a:r>
-            <a:r>
-              <a:rPr lang="de-DE" altLang="de-DE" dirty="0" err="1"/>
-              <a:t>clonen</a:t>
-            </a:r>
-            <a:r>
-              <a:rPr lang="de-DE" altLang="de-DE" dirty="0"/>
-              <a:t> eines Projektes</a:t>
-            </a:r>
-          </a:p>
-          <a:p>
-            <a:pPr marL="514350" lvl="1" indent="0">
-              <a:buNone/>
-            </a:pPr>
-            <a:endParaRPr lang="de-DE" altLang="de-DE" sz="1200" dirty="0">
-              <a:latin typeface="Consolas" panose="020B0609020204030204" pitchFamily="49" charset="0"/>
-            </a:endParaRPr>
-          </a:p>
-          <a:p>
-            <a:pPr marL="514350" lvl="1" indent="0">
-              <a:buNone/>
-            </a:pPr>
-            <a:r>
-              <a:rPr lang="de-DE" altLang="de-DE" sz="1200" dirty="0">
-                <a:latin typeface="Consolas" panose="020B0609020204030204" pitchFamily="49" charset="0"/>
-              </a:rPr>
-              <a:t>$ </a:t>
-            </a:r>
-            <a:r>
-              <a:rPr lang="de-DE" altLang="de-DE" sz="1200" dirty="0" err="1">
-                <a:latin typeface="Consolas" panose="020B0609020204030204" pitchFamily="49" charset="0"/>
-              </a:rPr>
-              <a:t>git</a:t>
-            </a:r>
-            <a:r>
-              <a:rPr lang="de-DE" altLang="de-DE" sz="1200" dirty="0">
-                <a:latin typeface="Consolas" panose="020B0609020204030204" pitchFamily="49" charset="0"/>
-              </a:rPr>
-              <a:t> </a:t>
-            </a:r>
-            <a:r>
-              <a:rPr lang="de-DE" altLang="de-DE" sz="1200" dirty="0" err="1">
-                <a:latin typeface="Consolas" panose="020B0609020204030204" pitchFamily="49" charset="0"/>
-              </a:rPr>
-              <a:t>clone</a:t>
-            </a:r>
-            <a:r>
-              <a:rPr lang="de-DE" altLang="de-DE" sz="1200" dirty="0">
-                <a:latin typeface="Consolas" panose="020B0609020204030204" pitchFamily="49" charset="0"/>
-              </a:rPr>
-              <a:t> </a:t>
-            </a:r>
-            <a:r>
-              <a:rPr lang="de-DE" altLang="de-DE" sz="1200" dirty="0" err="1">
-                <a:latin typeface="Consolas" panose="020B0609020204030204" pitchFamily="49" charset="0"/>
-              </a:rPr>
-              <a:t>gituser@gitlab.example.de:git_demo</a:t>
-            </a:r>
-            <a:endParaRPr lang="de-DE" altLang="de-DE" sz="1200" dirty="0">
-              <a:latin typeface="Consolas" panose="020B0609020204030204" pitchFamily="49" charset="0"/>
-            </a:endParaRPr>
-          </a:p>
-          <a:p>
-            <a:pPr marL="514350" lvl="1" indent="0">
-              <a:buNone/>
-            </a:pPr>
-            <a:r>
-              <a:rPr lang="de-DE" altLang="de-DE" sz="1200" dirty="0">
-                <a:latin typeface="Consolas" panose="020B0609020204030204" pitchFamily="49" charset="0"/>
-              </a:rPr>
-              <a:t>$ </a:t>
-            </a:r>
-            <a:r>
-              <a:rPr lang="de-DE" altLang="de-DE" sz="1200" dirty="0" err="1">
-                <a:latin typeface="Consolas" panose="020B0609020204030204" pitchFamily="49" charset="0"/>
-              </a:rPr>
-              <a:t>git</a:t>
-            </a:r>
-            <a:r>
-              <a:rPr lang="de-DE" altLang="de-DE" sz="1200" dirty="0">
-                <a:latin typeface="Consolas" panose="020B0609020204030204" pitchFamily="49" charset="0"/>
-              </a:rPr>
-              <a:t> </a:t>
-            </a:r>
-            <a:r>
-              <a:rPr lang="de-DE" altLang="de-DE" sz="1200" dirty="0" err="1">
-                <a:latin typeface="Consolas" panose="020B0609020204030204" pitchFamily="49" charset="0"/>
-              </a:rPr>
-              <a:t>branch</a:t>
-            </a:r>
-            <a:endParaRPr lang="de-DE" altLang="de-DE" sz="1200" dirty="0">
-              <a:latin typeface="Consolas" panose="020B0609020204030204" pitchFamily="49" charset="0"/>
-            </a:endParaRPr>
-          </a:p>
-          <a:p>
-            <a:pPr marL="514350" lvl="1" indent="0">
-              <a:buNone/>
-            </a:pPr>
-            <a:r>
-              <a:rPr lang="de-DE" altLang="de-DE" sz="1200" dirty="0">
-                <a:latin typeface="Consolas" panose="020B0609020204030204" pitchFamily="49" charset="0"/>
-              </a:rPr>
-              <a:t>* Main</a:t>
-            </a:r>
-          </a:p>
-          <a:p>
-            <a:pPr marL="514350" lvl="1" indent="0">
-              <a:buNone/>
-            </a:pPr>
-            <a:endParaRPr lang="de-DE" altLang="de-DE" sz="1200" dirty="0">
-              <a:latin typeface="Consolas" panose="020B0609020204030204" pitchFamily="49" charset="0"/>
-            </a:endParaRPr>
+              <a:t> eines vorhandenen Remote </a:t>
+            </a:r>
+            <a:r>
+              <a:rPr lang="de-DE" altLang="de-DE" b="1" dirty="0" err="1"/>
+              <a:t>Repositories</a:t>
+            </a:r>
+            <a:endParaRPr lang="de-DE" altLang="de-DE" b="1" dirty="0"/>
           </a:p>
           <a:p>
             <a:pPr marL="400050">
               <a:spcBef>
                 <a:spcPts val="600"/>
               </a:spcBef>
+              <a:spcAft>
+                <a:spcPts val="300"/>
+              </a:spcAft>
             </a:pPr>
             <a:r>
               <a:rPr lang="de-DE" altLang="de-DE" dirty="0"/>
-              <a:t>Alle Remote </a:t>
-            </a:r>
-            <a:r>
-              <a:rPr lang="de-DE" altLang="de-DE" dirty="0" err="1"/>
-              <a:t>Branches</a:t>
+              <a:t>Erzeugt eine lokale Kopie (</a:t>
+            </a:r>
+            <a:r>
+              <a:rPr lang="de-DE" altLang="de-DE" b="1" dirty="0" err="1"/>
+              <a:t>local</a:t>
             </a:r>
             <a:r>
               <a:rPr lang="de-DE" altLang="de-DE" dirty="0"/>
-              <a:t> anzeigen</a:t>
-            </a:r>
-          </a:p>
-          <a:p>
-            <a:pPr marL="457200" lvl="1" indent="0">
-              <a:buNone/>
-            </a:pPr>
-            <a:endParaRPr lang="en-US" altLang="de-DE" sz="1200" dirty="0">
-              <a:latin typeface="Consolas" panose="020B0609020204030204" pitchFamily="49" charset="0"/>
-            </a:endParaRPr>
-          </a:p>
-          <a:p>
-            <a:pPr marL="457200" lvl="1" indent="0">
-              <a:buNone/>
-            </a:pPr>
-            <a:r>
-              <a:rPr lang="en-US" altLang="de-DE" sz="1200" dirty="0">
-                <a:latin typeface="Consolas" panose="020B0609020204030204" pitchFamily="49" charset="0"/>
-              </a:rPr>
-              <a:t>$ git branch --all </a:t>
-            </a:r>
-          </a:p>
-          <a:p>
-            <a:pPr marL="457200" lvl="1" indent="0">
-              <a:buNone/>
-            </a:pPr>
-            <a:r>
-              <a:rPr lang="en-US" altLang="de-DE" sz="1200" dirty="0">
-                <a:latin typeface="Consolas" panose="020B0609020204030204" pitchFamily="49" charset="0"/>
-              </a:rPr>
-              <a:t>* main </a:t>
-            </a:r>
-          </a:p>
-          <a:p>
-            <a:pPr marL="457200" lvl="1" indent="0">
-              <a:buNone/>
-            </a:pPr>
-            <a:r>
-              <a:rPr lang="en-US" altLang="de-DE" sz="1200" dirty="0">
-                <a:latin typeface="Consolas" panose="020B0609020204030204" pitchFamily="49" charset="0"/>
-              </a:rPr>
-              <a:t>remotes/origin/HEAD -&gt; origin/main </a:t>
-            </a:r>
-            <a:br>
-              <a:rPr lang="en-US" altLang="de-DE" sz="1200" dirty="0">
-                <a:latin typeface="Consolas" panose="020B0609020204030204" pitchFamily="49" charset="0"/>
-              </a:rPr>
-            </a:br>
-            <a:r>
-              <a:rPr lang="en-US" altLang="de-DE" sz="1200" dirty="0">
-                <a:latin typeface="Consolas" panose="020B0609020204030204" pitchFamily="49" charset="0"/>
-              </a:rPr>
-              <a:t>remotes/origin/feature1</a:t>
-            </a:r>
-            <a:br>
-              <a:rPr lang="en-US" altLang="de-DE" sz="1200" dirty="0">
-                <a:latin typeface="Consolas" panose="020B0609020204030204" pitchFamily="49" charset="0"/>
-              </a:rPr>
-            </a:br>
-            <a:r>
-              <a:rPr lang="en-US" altLang="de-DE" sz="1200" dirty="0">
-                <a:latin typeface="Consolas" panose="020B0609020204030204" pitchFamily="49" charset="0"/>
-              </a:rPr>
-              <a:t>remotes/origin/feature2</a:t>
-            </a:r>
-            <a:br>
-              <a:rPr lang="en-US" altLang="de-DE" sz="1200" dirty="0">
-                <a:latin typeface="Consolas" panose="020B0609020204030204" pitchFamily="49" charset="0"/>
-              </a:rPr>
-            </a:br>
-            <a:r>
-              <a:rPr lang="en-US" altLang="de-DE" sz="1200" dirty="0">
-                <a:latin typeface="Consolas" panose="020B0609020204030204" pitchFamily="49" charset="0"/>
-              </a:rPr>
-              <a:t>...</a:t>
-            </a:r>
-          </a:p>
-          <a:p>
-            <a:pPr marL="457200" lvl="1" indent="0">
+              <a:t>) eines bereits existierenden Remote Repository (</a:t>
+            </a:r>
+            <a:r>
+              <a:rPr lang="de-DE" altLang="de-DE" b="1" dirty="0" err="1"/>
+              <a:t>origin</a:t>
+            </a:r>
+            <a:r>
+              <a:rPr lang="de-DE" altLang="de-DE" dirty="0"/>
+              <a:t>) mittels</a:t>
+            </a:r>
+          </a:p>
+          <a:p>
+            <a:pPr marL="57150" indent="0">
+              <a:spcBef>
+                <a:spcPts val="600"/>
+              </a:spcBef>
               <a:spcAft>
                 <a:spcPts val="300"/>
               </a:spcAft>
               <a:buNone/>
             </a:pPr>
-            <a:endParaRPr lang="en-US" altLang="de-DE" sz="1200" dirty="0">
-              <a:latin typeface="Consolas" panose="020B0609020204030204" pitchFamily="49" charset="0"/>
-            </a:endParaRPr>
-          </a:p>
-          <a:p>
-            <a:pPr marL="457200" lvl="1" indent="0">
+            <a:r>
+              <a:rPr lang="de-DE" altLang="de-DE" dirty="0"/>
+              <a:t>	</a:t>
+            </a:r>
+            <a:r>
+              <a:rPr lang="de-DE" altLang="de-DE" dirty="0" err="1">
+                <a:latin typeface="Consolas" panose="020B0609020204030204" pitchFamily="49" charset="0"/>
+              </a:rPr>
+              <a:t>git</a:t>
+            </a:r>
+            <a:r>
+              <a:rPr lang="de-DE" altLang="de-DE" dirty="0">
+                <a:latin typeface="Consolas" panose="020B0609020204030204" pitchFamily="49" charset="0"/>
+              </a:rPr>
+              <a:t> </a:t>
+            </a:r>
+            <a:r>
+              <a:rPr lang="de-DE" altLang="de-DE" dirty="0" err="1">
+                <a:latin typeface="Consolas" panose="020B0609020204030204" pitchFamily="49" charset="0"/>
+              </a:rPr>
+              <a:t>clone</a:t>
+            </a:r>
+            <a:r>
+              <a:rPr lang="de-DE" altLang="de-DE" dirty="0">
+                <a:latin typeface="Consolas" panose="020B0609020204030204" pitchFamily="49" charset="0"/>
+              </a:rPr>
+              <a:t> &lt;remote-</a:t>
+            </a:r>
+            <a:r>
+              <a:rPr lang="de-DE" altLang="de-DE" dirty="0" err="1">
+                <a:latin typeface="Consolas" panose="020B0609020204030204" pitchFamily="49" charset="0"/>
+              </a:rPr>
+              <a:t>refernce</a:t>
+            </a:r>
+            <a:r>
+              <a:rPr lang="de-DE" altLang="de-DE" dirty="0">
+                <a:latin typeface="Consolas" panose="020B0609020204030204" pitchFamily="49" charset="0"/>
+              </a:rPr>
+              <a:t>&gt;</a:t>
+            </a:r>
+          </a:p>
+          <a:p>
+            <a:pPr marL="400050">
+              <a:spcBef>
+                <a:spcPts val="600"/>
+              </a:spcBef>
               <a:spcAft>
                 <a:spcPts val="300"/>
               </a:spcAft>
-              <a:buNone/>
-            </a:pPr>
-            <a:endParaRPr lang="de-DE" altLang="de-DE" dirty="0"/>
+            </a:pPr>
+            <a:r>
+              <a:rPr lang="de-DE" altLang="de-DE" dirty="0"/>
+              <a:t>Erstellt Verknüpfung zwischen </a:t>
+            </a:r>
+            <a:r>
+              <a:rPr lang="de-DE" altLang="de-DE" b="1" dirty="0" err="1"/>
+              <a:t>local</a:t>
+            </a:r>
+            <a:r>
+              <a:rPr lang="de-DE" altLang="de-DE" dirty="0"/>
+              <a:t> und </a:t>
+            </a:r>
+            <a:r>
+              <a:rPr lang="de-DE" altLang="de-DE" b="1" dirty="0" err="1"/>
+              <a:t>origin</a:t>
+            </a:r>
+            <a:r>
+              <a:rPr lang="de-DE" altLang="de-DE" dirty="0"/>
+              <a:t>, um Synchronisation zu ermöglichen (</a:t>
+            </a:r>
+            <a:r>
+              <a:rPr lang="de-DE" altLang="de-DE" dirty="0">
+                <a:latin typeface="Consolas" panose="020B0609020204030204" pitchFamily="49" charset="0"/>
+              </a:rPr>
+              <a:t>push</a:t>
+            </a:r>
+            <a:r>
+              <a:rPr lang="de-DE" altLang="de-DE" dirty="0"/>
+              <a:t>,</a:t>
+            </a:r>
+            <a:r>
+              <a:rPr lang="de-DE" altLang="de-DE" dirty="0">
+                <a:latin typeface="Consolas" panose="020B0609020204030204" pitchFamily="49" charset="0"/>
+              </a:rPr>
+              <a:t> pull</a:t>
+            </a:r>
+            <a:r>
+              <a:rPr lang="de-DE" altLang="de-DE" dirty="0"/>
+              <a:t>,</a:t>
+            </a:r>
+            <a:r>
+              <a:rPr lang="de-DE" altLang="de-DE" dirty="0">
+                <a:latin typeface="Consolas" panose="020B0609020204030204" pitchFamily="49" charset="0"/>
+              </a:rPr>
+              <a:t> </a:t>
+            </a:r>
+            <a:r>
+              <a:rPr lang="de-DE" altLang="de-DE" dirty="0" err="1">
+                <a:latin typeface="Consolas" panose="020B0609020204030204" pitchFamily="49" charset="0"/>
+              </a:rPr>
+              <a:t>fetch</a:t>
+            </a:r>
+            <a:r>
+              <a:rPr lang="de-DE" altLang="de-DE" dirty="0"/>
+              <a:t>, …)</a:t>
+            </a:r>
+          </a:p>
+          <a:p>
+            <a:pPr marL="400050">
+              <a:spcBef>
+                <a:spcPts val="600"/>
+              </a:spcBef>
+              <a:spcAft>
+                <a:spcPts val="300"/>
+              </a:spcAft>
+            </a:pPr>
+            <a:r>
+              <a:rPr lang="de-DE" altLang="de-DE" b="1" dirty="0" err="1"/>
+              <a:t>local</a:t>
+            </a:r>
+            <a:r>
+              <a:rPr lang="de-DE" altLang="de-DE" dirty="0"/>
+              <a:t> besteht zunächst nur aus </a:t>
+            </a:r>
+            <a:r>
+              <a:rPr lang="de-DE" altLang="de-DE" b="1" dirty="0" err="1"/>
+              <a:t>default</a:t>
+            </a:r>
+            <a:r>
+              <a:rPr lang="de-DE" altLang="de-DE" dirty="0"/>
+              <a:t> Branch</a:t>
+            </a:r>
+          </a:p>
+          <a:p>
+            <a:pPr marL="400050">
+              <a:spcBef>
+                <a:spcPts val="600"/>
+              </a:spcBef>
+              <a:spcAft>
+                <a:spcPts val="300"/>
+              </a:spcAft>
+            </a:pPr>
+            <a:r>
+              <a:rPr lang="de-DE" altLang="de-DE" dirty="0"/>
+              <a:t>Informationen über andere </a:t>
+            </a:r>
+            <a:r>
+              <a:rPr lang="de-DE" altLang="de-DE" dirty="0" err="1"/>
+              <a:t>Branches</a:t>
+            </a:r>
+            <a:r>
+              <a:rPr lang="de-DE" altLang="de-DE" dirty="0"/>
+              <a:t> werden trotzdem abgerufen und können auch </a:t>
+            </a:r>
+            <a:r>
+              <a:rPr lang="de-DE" altLang="de-DE" dirty="0" err="1"/>
+              <a:t>read-only</a:t>
+            </a:r>
+            <a:r>
+              <a:rPr lang="de-DE" altLang="de-DE" dirty="0"/>
+              <a:t> mittels </a:t>
+            </a:r>
+            <a:r>
+              <a:rPr lang="de-DE" altLang="de-DE" dirty="0" err="1">
+                <a:latin typeface="Consolas" panose="020B0609020204030204" pitchFamily="49" charset="0"/>
+              </a:rPr>
+              <a:t>git</a:t>
+            </a:r>
+            <a:r>
+              <a:rPr lang="de-DE" altLang="de-DE" dirty="0">
+                <a:latin typeface="Consolas" panose="020B0609020204030204" pitchFamily="49" charset="0"/>
+              </a:rPr>
+              <a:t> </a:t>
+            </a:r>
+            <a:r>
+              <a:rPr lang="de-DE" altLang="de-DE" dirty="0" err="1">
+                <a:latin typeface="Consolas" panose="020B0609020204030204" pitchFamily="49" charset="0"/>
+              </a:rPr>
+              <a:t>checkout</a:t>
+            </a:r>
+            <a:r>
+              <a:rPr lang="de-DE" altLang="de-DE" dirty="0">
+                <a:latin typeface="Consolas" panose="020B0609020204030204" pitchFamily="49" charset="0"/>
+              </a:rPr>
+              <a:t> </a:t>
+            </a:r>
+            <a:r>
+              <a:rPr lang="de-DE" altLang="de-DE" dirty="0" err="1">
+                <a:latin typeface="Consolas" panose="020B0609020204030204" pitchFamily="49" charset="0"/>
+              </a:rPr>
+              <a:t>origin</a:t>
+            </a:r>
+            <a:r>
+              <a:rPr lang="de-DE" altLang="de-DE" dirty="0">
+                <a:latin typeface="Consolas" panose="020B0609020204030204" pitchFamily="49" charset="0"/>
+              </a:rPr>
+              <a:t>/&lt;</a:t>
+            </a:r>
+            <a:r>
+              <a:rPr lang="de-DE" altLang="de-DE" dirty="0" err="1">
+                <a:latin typeface="Consolas" panose="020B0609020204030204" pitchFamily="49" charset="0"/>
+              </a:rPr>
+              <a:t>branch</a:t>
+            </a:r>
+            <a:r>
+              <a:rPr lang="de-DE" altLang="de-DE" dirty="0">
+                <a:latin typeface="Consolas" panose="020B0609020204030204" pitchFamily="49" charset="0"/>
+              </a:rPr>
+              <a:t>&gt; </a:t>
+            </a:r>
+            <a:r>
+              <a:rPr lang="de-DE" altLang="de-DE" dirty="0"/>
+              <a:t>angeschaut werden (</a:t>
+            </a:r>
+            <a:r>
+              <a:rPr lang="de-DE" altLang="de-DE" b="1" dirty="0"/>
+              <a:t>Remote Tracking</a:t>
+            </a:r>
+            <a:r>
+              <a:rPr lang="de-DE" altLang="de-DE" dirty="0"/>
+              <a:t> Bereich)</a:t>
+            </a:r>
+          </a:p>
+          <a:p>
+            <a:pPr marL="400050">
+              <a:spcBef>
+                <a:spcPts val="600"/>
+              </a:spcBef>
+              <a:spcAft>
+                <a:spcPts val="300"/>
+              </a:spcAft>
+            </a:pPr>
+            <a:r>
+              <a:rPr lang="de-DE" altLang="de-DE" dirty="0"/>
+              <a:t>Erst durch </a:t>
+            </a:r>
+            <a:r>
+              <a:rPr lang="de-DE" altLang="de-DE" dirty="0" err="1">
+                <a:latin typeface="Consolas" panose="020B0609020204030204" pitchFamily="49" charset="0"/>
+              </a:rPr>
+              <a:t>git</a:t>
+            </a:r>
+            <a:r>
+              <a:rPr lang="de-DE" altLang="de-DE" dirty="0">
+                <a:latin typeface="Consolas" panose="020B0609020204030204" pitchFamily="49" charset="0"/>
+              </a:rPr>
+              <a:t> </a:t>
+            </a:r>
+            <a:r>
+              <a:rPr lang="de-DE" altLang="de-DE" dirty="0" err="1">
+                <a:latin typeface="Consolas" panose="020B0609020204030204" pitchFamily="49" charset="0"/>
+              </a:rPr>
+              <a:t>checkout</a:t>
+            </a:r>
+            <a:r>
+              <a:rPr lang="de-DE" altLang="de-DE" dirty="0">
+                <a:latin typeface="Consolas" panose="020B0609020204030204" pitchFamily="49" charset="0"/>
+              </a:rPr>
+              <a:t> &lt;</a:t>
+            </a:r>
+            <a:r>
+              <a:rPr lang="de-DE" altLang="de-DE" dirty="0" err="1">
+                <a:latin typeface="Consolas" panose="020B0609020204030204" pitchFamily="49" charset="0"/>
+              </a:rPr>
+              <a:t>branch</a:t>
+            </a:r>
+            <a:r>
+              <a:rPr lang="de-DE" altLang="de-DE" dirty="0">
+                <a:latin typeface="Consolas" panose="020B0609020204030204" pitchFamily="49" charset="0"/>
+              </a:rPr>
+              <a:t>&gt; </a:t>
+            </a:r>
+            <a:r>
+              <a:rPr lang="de-DE" altLang="de-DE" dirty="0"/>
+              <a:t>wird eine volle lokale Kopie in </a:t>
+            </a:r>
+            <a:r>
+              <a:rPr lang="de-DE" altLang="de-DE" b="1" dirty="0" err="1"/>
+              <a:t>local</a:t>
+            </a:r>
+            <a:r>
+              <a:rPr lang="de-DE" altLang="de-DE" dirty="0"/>
+              <a:t> angelegt und der zugehörige Remote Branch mit diesem als </a:t>
+            </a:r>
+            <a:r>
+              <a:rPr lang="de-DE" altLang="de-DE" b="1" dirty="0"/>
+              <a:t>Upstream</a:t>
+            </a:r>
+            <a:r>
+              <a:rPr lang="de-DE" altLang="de-DE" dirty="0"/>
+              <a:t> verknüpft</a:t>
+            </a:r>
+          </a:p>
+          <a:p>
+            <a:pPr marL="400050">
+              <a:spcBef>
+                <a:spcPts val="600"/>
+              </a:spcBef>
+              <a:spcAft>
+                <a:spcPts val="300"/>
+              </a:spcAft>
+            </a:pPr>
+            <a:r>
+              <a:rPr lang="de-DE" altLang="de-DE" b="1" dirty="0"/>
+              <a:t>Upstream</a:t>
+            </a:r>
+            <a:r>
+              <a:rPr lang="de-DE" altLang="de-DE" dirty="0"/>
+              <a:t> definiert den zu einem lokalen Branch zugehörigen Branch, auf dem beim </a:t>
+            </a:r>
+            <a:r>
+              <a:rPr lang="de-DE" altLang="de-DE" dirty="0" err="1">
+                <a:latin typeface="Consolas" panose="020B0609020204030204" pitchFamily="49" charset="0"/>
+              </a:rPr>
+              <a:t>fetch</a:t>
+            </a:r>
+            <a:r>
+              <a:rPr lang="de-DE" altLang="de-DE" dirty="0"/>
+              <a:t>, </a:t>
+            </a:r>
+            <a:r>
+              <a:rPr lang="de-DE" altLang="de-DE" dirty="0">
+                <a:latin typeface="Consolas" panose="020B0609020204030204" pitchFamily="49" charset="0"/>
+              </a:rPr>
+              <a:t>pull</a:t>
+            </a:r>
+            <a:r>
+              <a:rPr lang="de-DE" altLang="de-DE" dirty="0"/>
+              <a:t> oder </a:t>
+            </a:r>
+            <a:r>
+              <a:rPr lang="de-DE" altLang="de-DE" dirty="0">
+                <a:latin typeface="Consolas" panose="020B0609020204030204" pitchFamily="49" charset="0"/>
+              </a:rPr>
+              <a:t>push</a:t>
+            </a:r>
+            <a:r>
+              <a:rPr lang="de-DE" altLang="de-DE" dirty="0"/>
+              <a:t> zugegriffen wird</a:t>
+            </a:r>
           </a:p>
         </p:txBody>
       </p:sp>
@@ -8276,7 +8961,7 @@
     </p:spTree>
     <p:extLst>
       <p:ext uri="{BB962C8B-B14F-4D97-AF65-F5344CB8AC3E}">
-        <p14:creationId xmlns:p14="http://schemas.microsoft.com/office/powerpoint/2010/main" val="2739601707"/>
+        <p14:creationId xmlns:p14="http://schemas.microsoft.com/office/powerpoint/2010/main" val="4293719170"/>
       </p:ext>
     </p:extLst>
   </p:cSld>
@@ -8333,324 +9018,236 @@
               <a:spcBef>
                 <a:spcPts val="600"/>
               </a:spcBef>
+              <a:buNone/>
+            </a:pPr>
+            <a:r>
+              <a:rPr lang="de-DE" altLang="de-DE" b="1" dirty="0"/>
+              <a:t>Beispiel </a:t>
+            </a:r>
+            <a:r>
+              <a:rPr lang="de-DE" altLang="de-DE" dirty="0" err="1"/>
+              <a:t>clonen</a:t>
+            </a:r>
+            <a:r>
+              <a:rPr lang="de-DE" altLang="de-DE" dirty="0"/>
+              <a:t> eines Projektes</a:t>
+            </a:r>
+          </a:p>
+          <a:p>
+            <a:pPr marL="514350" lvl="1" indent="0">
+              <a:buNone/>
+            </a:pPr>
+            <a:endParaRPr lang="de-DE" altLang="de-DE" sz="1200" dirty="0">
+              <a:latin typeface="Consolas" panose="020B0609020204030204" pitchFamily="49" charset="0"/>
+            </a:endParaRPr>
+          </a:p>
+          <a:p>
+            <a:pPr marL="514350" lvl="1" indent="0">
+              <a:buNone/>
+            </a:pPr>
+            <a:r>
+              <a:rPr lang="de-DE" altLang="de-DE" sz="1200" dirty="0">
+                <a:latin typeface="Consolas" panose="020B0609020204030204" pitchFamily="49" charset="0"/>
+              </a:rPr>
+              <a:t>$ </a:t>
+            </a:r>
+            <a:r>
+              <a:rPr lang="de-DE" altLang="de-DE" sz="1200" dirty="0" err="1">
+                <a:latin typeface="Consolas" panose="020B0609020204030204" pitchFamily="49" charset="0"/>
+              </a:rPr>
+              <a:t>git</a:t>
+            </a:r>
+            <a:r>
+              <a:rPr lang="de-DE" altLang="de-DE" sz="1200" dirty="0">
+                <a:latin typeface="Consolas" panose="020B0609020204030204" pitchFamily="49" charset="0"/>
+              </a:rPr>
+              <a:t> </a:t>
+            </a:r>
+            <a:r>
+              <a:rPr lang="de-DE" altLang="de-DE" sz="1200" dirty="0" err="1">
+                <a:latin typeface="Consolas" panose="020B0609020204030204" pitchFamily="49" charset="0"/>
+              </a:rPr>
+              <a:t>clone</a:t>
+            </a:r>
+            <a:r>
+              <a:rPr lang="de-DE" altLang="de-DE" sz="1200" dirty="0">
+                <a:latin typeface="Consolas" panose="020B0609020204030204" pitchFamily="49" charset="0"/>
+              </a:rPr>
+              <a:t> </a:t>
+            </a:r>
+            <a:r>
+              <a:rPr lang="de-DE" altLang="de-DE" sz="1200" dirty="0" err="1">
+                <a:latin typeface="Consolas" panose="020B0609020204030204" pitchFamily="49" charset="0"/>
+              </a:rPr>
+              <a:t>gituser@gitlab.example.de:git_demo</a:t>
+            </a:r>
+            <a:endParaRPr lang="de-DE" altLang="de-DE" sz="1200" dirty="0">
+              <a:latin typeface="Consolas" panose="020B0609020204030204" pitchFamily="49" charset="0"/>
+            </a:endParaRPr>
+          </a:p>
+          <a:p>
+            <a:pPr marL="514350" lvl="1" indent="0">
+              <a:buNone/>
+            </a:pPr>
+            <a:r>
+              <a:rPr lang="de-DE" altLang="de-DE" sz="1200" dirty="0">
+                <a:latin typeface="Consolas" panose="020B0609020204030204" pitchFamily="49" charset="0"/>
+              </a:rPr>
+              <a:t>$ </a:t>
+            </a:r>
+            <a:r>
+              <a:rPr lang="de-DE" altLang="de-DE" sz="1200" dirty="0" err="1">
+                <a:latin typeface="Consolas" panose="020B0609020204030204" pitchFamily="49" charset="0"/>
+              </a:rPr>
+              <a:t>git</a:t>
+            </a:r>
+            <a:r>
+              <a:rPr lang="de-DE" altLang="de-DE" sz="1200" dirty="0">
+                <a:latin typeface="Consolas" panose="020B0609020204030204" pitchFamily="49" charset="0"/>
+              </a:rPr>
+              <a:t> </a:t>
+            </a:r>
+            <a:r>
+              <a:rPr lang="de-DE" altLang="de-DE" sz="1200" dirty="0" err="1">
+                <a:latin typeface="Consolas" panose="020B0609020204030204" pitchFamily="49" charset="0"/>
+              </a:rPr>
+              <a:t>branch</a:t>
+            </a:r>
+            <a:endParaRPr lang="de-DE" altLang="de-DE" sz="1200" dirty="0">
+              <a:latin typeface="Consolas" panose="020B0609020204030204" pitchFamily="49" charset="0"/>
+            </a:endParaRPr>
+          </a:p>
+          <a:p>
+            <a:pPr marL="514350" lvl="1" indent="0">
+              <a:buNone/>
+            </a:pPr>
+            <a:r>
+              <a:rPr lang="de-DE" altLang="de-DE" sz="1200" dirty="0">
+                <a:latin typeface="Consolas" panose="020B0609020204030204" pitchFamily="49" charset="0"/>
+              </a:rPr>
+              <a:t>* Main</a:t>
+            </a:r>
+          </a:p>
+          <a:p>
+            <a:pPr marL="514350" lvl="1" indent="0">
+              <a:buNone/>
+            </a:pPr>
+            <a:endParaRPr lang="de-DE" altLang="de-DE" sz="1200" dirty="0">
+              <a:latin typeface="Consolas" panose="020B0609020204030204" pitchFamily="49" charset="0"/>
+            </a:endParaRPr>
+          </a:p>
+          <a:p>
+            <a:pPr marL="400050">
+              <a:spcBef>
+                <a:spcPts val="600"/>
+              </a:spcBef>
+            </a:pPr>
+            <a:r>
+              <a:rPr lang="de-DE" altLang="de-DE" dirty="0"/>
+              <a:t>Alle Remote </a:t>
+            </a:r>
+            <a:r>
+              <a:rPr lang="de-DE" altLang="de-DE" dirty="0" err="1"/>
+              <a:t>Branches</a:t>
+            </a:r>
+            <a:r>
+              <a:rPr lang="de-DE" altLang="de-DE" dirty="0"/>
+              <a:t> anzeigen</a:t>
+            </a:r>
+          </a:p>
+          <a:p>
+            <a:pPr marL="457200" lvl="1" indent="0">
+              <a:buNone/>
+            </a:pPr>
+            <a:endParaRPr lang="en-US" altLang="de-DE" sz="1200" dirty="0">
+              <a:latin typeface="Consolas" panose="020B0609020204030204" pitchFamily="49" charset="0"/>
+            </a:endParaRPr>
+          </a:p>
+          <a:p>
+            <a:pPr marL="457200" lvl="1" indent="0">
+              <a:buNone/>
+            </a:pPr>
+            <a:r>
+              <a:rPr lang="en-US" altLang="de-DE" sz="1200" dirty="0">
+                <a:latin typeface="Consolas" panose="020B0609020204030204" pitchFamily="49" charset="0"/>
+              </a:rPr>
+              <a:t>$ git branch --all </a:t>
+            </a:r>
+          </a:p>
+          <a:p>
+            <a:pPr marL="457200" lvl="1" indent="0">
+              <a:buNone/>
+            </a:pPr>
+            <a:r>
+              <a:rPr lang="en-US" altLang="de-DE" sz="1200" dirty="0">
+                <a:latin typeface="Consolas" panose="020B0609020204030204" pitchFamily="49" charset="0"/>
+              </a:rPr>
+              <a:t>* main </a:t>
+            </a:r>
+          </a:p>
+          <a:p>
+            <a:pPr marL="457200" lvl="1" indent="0">
+              <a:buNone/>
+            </a:pPr>
+            <a:r>
+              <a:rPr lang="en-US" altLang="de-DE" sz="1200" dirty="0">
+                <a:latin typeface="Consolas" panose="020B0609020204030204" pitchFamily="49" charset="0"/>
+              </a:rPr>
+              <a:t>remotes/origin/HEAD -&gt; origin/main </a:t>
+            </a:r>
+            <a:br>
+              <a:rPr lang="en-US" altLang="de-DE" sz="1200" dirty="0">
+                <a:latin typeface="Consolas" panose="020B0609020204030204" pitchFamily="49" charset="0"/>
+              </a:rPr>
+            </a:br>
+            <a:r>
+              <a:rPr lang="en-US" altLang="de-DE" sz="1200" dirty="0">
+                <a:latin typeface="Consolas" panose="020B0609020204030204" pitchFamily="49" charset="0"/>
+              </a:rPr>
+              <a:t>remotes/origin/feature1</a:t>
+            </a:r>
+            <a:br>
+              <a:rPr lang="en-US" altLang="de-DE" sz="1200" dirty="0">
+                <a:latin typeface="Consolas" panose="020B0609020204030204" pitchFamily="49" charset="0"/>
+              </a:rPr>
+            </a:br>
+            <a:r>
+              <a:rPr lang="en-US" altLang="de-DE" sz="1200" dirty="0">
+                <a:latin typeface="Consolas" panose="020B0609020204030204" pitchFamily="49" charset="0"/>
+              </a:rPr>
+              <a:t>remotes/origin/feature2</a:t>
+            </a:r>
+            <a:br>
+              <a:rPr lang="en-US" altLang="de-DE" sz="1200" dirty="0">
+                <a:latin typeface="Consolas" panose="020B0609020204030204" pitchFamily="49" charset="0"/>
+              </a:rPr>
+            </a:br>
+            <a:r>
+              <a:rPr lang="en-US" altLang="de-DE" sz="1200" dirty="0">
+                <a:latin typeface="Consolas" panose="020B0609020204030204" pitchFamily="49" charset="0"/>
+              </a:rPr>
+              <a:t>...</a:t>
+            </a:r>
+          </a:p>
+          <a:p>
+            <a:pPr marL="457200" lvl="1" indent="0">
               <a:spcAft>
                 <a:spcPts val="300"/>
               </a:spcAft>
               <a:buNone/>
             </a:pPr>
-            <a:r>
-              <a:rPr lang="de-DE" altLang="de-DE" b="1" dirty="0"/>
-              <a:t>Hinzufügen eines Remote Repository</a:t>
-            </a:r>
-          </a:p>
-          <a:p>
-            <a:pPr marL="400050">
-              <a:spcBef>
-                <a:spcPts val="600"/>
-              </a:spcBef>
-              <a:spcAft>
-                <a:spcPts val="300"/>
-              </a:spcAft>
-            </a:pPr>
-            <a:r>
-              <a:rPr lang="de-DE" altLang="de-DE" dirty="0"/>
-              <a:t>Um einem lokalen Repository ein Remote hinzuzufügen </a:t>
-            </a:r>
-          </a:p>
-          <a:p>
-            <a:pPr marL="57150" indent="0">
-              <a:spcBef>
-                <a:spcPts val="600"/>
-              </a:spcBef>
+            <a:endParaRPr lang="en-US" altLang="de-DE" sz="1200" dirty="0">
+              <a:latin typeface="Consolas" panose="020B0609020204030204" pitchFamily="49" charset="0"/>
+            </a:endParaRPr>
+          </a:p>
+          <a:p>
+            <a:pPr marL="457200" lvl="1" indent="0">
               <a:spcAft>
                 <a:spcPts val="300"/>
               </a:spcAft>
               <a:buNone/>
             </a:pPr>
-            <a:r>
-              <a:rPr lang="de-DE" altLang="de-DE" dirty="0"/>
-              <a:t>	</a:t>
-            </a:r>
-            <a:r>
-              <a:rPr lang="de-DE" altLang="de-DE" dirty="0" err="1">
-                <a:latin typeface="Consolas" panose="020B0609020204030204" pitchFamily="49" charset="0"/>
-              </a:rPr>
-              <a:t>git</a:t>
-            </a:r>
-            <a:r>
-              <a:rPr lang="de-DE" altLang="de-DE" dirty="0">
-                <a:latin typeface="Consolas" panose="020B0609020204030204" pitchFamily="49" charset="0"/>
-              </a:rPr>
-              <a:t> remote </a:t>
-            </a:r>
-            <a:r>
-              <a:rPr lang="de-DE" altLang="de-DE" dirty="0" err="1">
-                <a:latin typeface="Consolas" panose="020B0609020204030204" pitchFamily="49" charset="0"/>
-              </a:rPr>
-              <a:t>add</a:t>
-            </a:r>
-            <a:r>
-              <a:rPr lang="de-DE" altLang="de-DE" dirty="0">
-                <a:latin typeface="Consolas" panose="020B0609020204030204" pitchFamily="49" charset="0"/>
-              </a:rPr>
-              <a:t> &lt;</a:t>
-            </a:r>
-            <a:r>
-              <a:rPr lang="de-DE" altLang="de-DE" dirty="0" err="1">
-                <a:latin typeface="Consolas" panose="020B0609020204030204" pitchFamily="49" charset="0"/>
-              </a:rPr>
-              <a:t>name</a:t>
-            </a:r>
-            <a:r>
-              <a:rPr lang="de-DE" altLang="de-DE" dirty="0">
-                <a:latin typeface="Consolas" panose="020B0609020204030204" pitchFamily="49" charset="0"/>
-              </a:rPr>
-              <a:t>&gt; &lt;remote-</a:t>
-            </a:r>
-            <a:r>
-              <a:rPr lang="de-DE" altLang="de-DE" dirty="0" err="1">
-                <a:latin typeface="Consolas" panose="020B0609020204030204" pitchFamily="49" charset="0"/>
-              </a:rPr>
-              <a:t>uri</a:t>
-            </a:r>
-            <a:r>
-              <a:rPr lang="de-DE" altLang="de-DE" dirty="0">
-                <a:latin typeface="Consolas" panose="020B0609020204030204" pitchFamily="49" charset="0"/>
-              </a:rPr>
-              <a:t>&gt;</a:t>
-            </a:r>
-          </a:p>
-          <a:p>
-            <a:pPr marL="400050">
-              <a:spcAft>
-                <a:spcPts val="300"/>
-              </a:spcAft>
-            </a:pPr>
-            <a:r>
-              <a:rPr lang="de-DE" altLang="de-DE" dirty="0" err="1">
-                <a:latin typeface="Consolas" panose="020B0609020204030204" pitchFamily="49" charset="0"/>
-              </a:rPr>
-              <a:t>git</a:t>
-            </a:r>
-            <a:r>
-              <a:rPr lang="de-DE" altLang="de-DE" dirty="0">
-                <a:latin typeface="Consolas" panose="020B0609020204030204" pitchFamily="49" charset="0"/>
-              </a:rPr>
-              <a:t> remote </a:t>
-            </a:r>
-            <a:r>
-              <a:rPr lang="de-DE" altLang="de-DE" dirty="0" err="1">
-                <a:latin typeface="Consolas" panose="020B0609020204030204" pitchFamily="49" charset="0"/>
-              </a:rPr>
-              <a:t>add</a:t>
-            </a:r>
-            <a:r>
-              <a:rPr lang="de-DE" altLang="de-DE" dirty="0"/>
-              <a:t> legt alias für die Remote </a:t>
-            </a:r>
-            <a:r>
-              <a:rPr lang="de-DE" altLang="de-DE" dirty="0" err="1"/>
-              <a:t>Addresse</a:t>
-            </a:r>
-            <a:r>
-              <a:rPr lang="de-DE" altLang="de-DE" dirty="0"/>
-              <a:t> an und ruft Informationen über verfügbare </a:t>
-            </a:r>
-            <a:r>
-              <a:rPr lang="de-DE" altLang="de-DE" dirty="0" err="1"/>
-              <a:t>Branches</a:t>
-            </a:r>
-            <a:r>
-              <a:rPr lang="de-DE" altLang="de-DE" dirty="0"/>
-              <a:t> ab, </a:t>
-            </a:r>
-            <a:r>
-              <a:rPr lang="de-DE" altLang="de-DE" dirty="0" err="1"/>
-              <a:t>läd</a:t>
-            </a:r>
-            <a:r>
-              <a:rPr lang="de-DE" altLang="de-DE" dirty="0"/>
-              <a:t> diese aber nicht herunter</a:t>
-            </a:r>
-          </a:p>
-          <a:p>
-            <a:pPr marL="400050">
-              <a:spcAft>
-                <a:spcPts val="300"/>
-              </a:spcAft>
-            </a:pPr>
-            <a:r>
-              <a:rPr lang="de-DE" altLang="de-DE" dirty="0"/>
-              <a:t>Kann sowohl genutzt werden, um nach </a:t>
-            </a:r>
-            <a:r>
-              <a:rPr lang="de-DE" altLang="de-DE" dirty="0" err="1">
-                <a:latin typeface="Consolas" panose="020B0609020204030204" pitchFamily="49" charset="0"/>
-              </a:rPr>
-              <a:t>git</a:t>
-            </a:r>
-            <a:r>
-              <a:rPr lang="de-DE" altLang="de-DE" dirty="0">
-                <a:latin typeface="Consolas" panose="020B0609020204030204" pitchFamily="49" charset="0"/>
-              </a:rPr>
-              <a:t> </a:t>
-            </a:r>
-            <a:r>
-              <a:rPr lang="de-DE" altLang="de-DE" dirty="0" err="1">
-                <a:latin typeface="Consolas" panose="020B0609020204030204" pitchFamily="49" charset="0"/>
-              </a:rPr>
-              <a:t>clone</a:t>
-            </a:r>
-            <a:r>
-              <a:rPr lang="de-DE" altLang="de-DE" dirty="0"/>
-              <a:t> weitere </a:t>
-            </a:r>
-            <a:r>
-              <a:rPr lang="de-DE" altLang="de-DE" dirty="0" err="1"/>
-              <a:t>Remotes</a:t>
-            </a:r>
-            <a:r>
-              <a:rPr lang="de-DE" altLang="de-DE" dirty="0"/>
-              <a:t> hinzuzufügen, als auch um initiales Remote anzugeben (ohne vorher geklont zu haben)</a:t>
-            </a:r>
-          </a:p>
-          <a:p>
-            <a:pPr marL="400050">
-              <a:spcAft>
-                <a:spcPts val="300"/>
-              </a:spcAft>
-            </a:pPr>
-            <a:r>
-              <a:rPr lang="de-DE" altLang="de-DE" dirty="0"/>
-              <a:t>Beispiel</a:t>
-            </a:r>
-          </a:p>
-          <a:p>
-            <a:pPr marL="514350" lvl="1" indent="0">
-              <a:buNone/>
-            </a:pPr>
-            <a:r>
-              <a:rPr lang="en-US" sz="1200" dirty="0">
-                <a:latin typeface="Consolas" panose="020B0609020204030204" pitchFamily="49" charset="0"/>
-              </a:rPr>
-              <a:t>$ git remote add </a:t>
-            </a:r>
-            <a:r>
-              <a:rPr lang="en-US" sz="1200" dirty="0">
-                <a:solidFill>
-                  <a:srgbClr val="0249FC"/>
-                </a:solidFill>
-                <a:latin typeface="Consolas" panose="020B0609020204030204" pitchFamily="49" charset="0"/>
-              </a:rPr>
-              <a:t>other</a:t>
-            </a:r>
-            <a:r>
-              <a:rPr lang="en-US" sz="1200" dirty="0">
-                <a:latin typeface="Consolas" panose="020B0609020204030204" pitchFamily="49" charset="0"/>
-              </a:rPr>
-              <a:t> git@gitlab.example.de:git_demo_2 </a:t>
-            </a:r>
-          </a:p>
-          <a:p>
-            <a:pPr marL="514350" lvl="1" indent="0">
-              <a:buNone/>
-            </a:pPr>
-            <a:r>
-              <a:rPr lang="en-US" sz="1200" dirty="0">
-                <a:latin typeface="Consolas" panose="020B0609020204030204" pitchFamily="49" charset="0"/>
-              </a:rPr>
-              <a:t>$ git branch --all </a:t>
-            </a:r>
-          </a:p>
-          <a:p>
-            <a:pPr marL="514350" lvl="1" indent="0">
-              <a:buNone/>
-            </a:pPr>
-            <a:r>
-              <a:rPr lang="en-US" sz="1200" dirty="0">
-                <a:latin typeface="Consolas" panose="020B0609020204030204" pitchFamily="49" charset="0"/>
-              </a:rPr>
-              <a:t>* main </a:t>
-            </a:r>
-            <a:br>
-              <a:rPr lang="en-US" sz="1200" dirty="0">
-                <a:latin typeface="Consolas" panose="020B0609020204030204" pitchFamily="49" charset="0"/>
-              </a:rPr>
-            </a:br>
-            <a:r>
-              <a:rPr lang="en-US" sz="1200" dirty="0">
-                <a:latin typeface="Consolas" panose="020B0609020204030204" pitchFamily="49" charset="0"/>
-              </a:rPr>
-              <a:t>remotes/origin/HEAD -&gt; origin/main </a:t>
-            </a:r>
-            <a:br>
-              <a:rPr lang="en-US" sz="1200" dirty="0">
-                <a:latin typeface="Consolas" panose="020B0609020204030204" pitchFamily="49" charset="0"/>
-              </a:rPr>
-            </a:br>
-            <a:r>
-              <a:rPr lang="en-US" sz="1200" dirty="0">
-                <a:latin typeface="Consolas" panose="020B0609020204030204" pitchFamily="49" charset="0"/>
-              </a:rPr>
-              <a:t>remotes/origin/feature1 </a:t>
-            </a:r>
-            <a:br>
-              <a:rPr lang="en-US" sz="1200" dirty="0">
-                <a:latin typeface="Consolas" panose="020B0609020204030204" pitchFamily="49" charset="0"/>
-              </a:rPr>
-            </a:br>
-            <a:r>
-              <a:rPr lang="en-US" sz="1200" dirty="0">
-                <a:latin typeface="Consolas" panose="020B0609020204030204" pitchFamily="49" charset="0"/>
-              </a:rPr>
-              <a:t>remotes/origin/feature2 </a:t>
-            </a:r>
-            <a:br>
-              <a:rPr lang="en-US" sz="1200" dirty="0">
-                <a:latin typeface="Consolas" panose="020B0609020204030204" pitchFamily="49" charset="0"/>
-              </a:rPr>
-            </a:br>
-            <a:r>
-              <a:rPr lang="en-US" sz="1200" dirty="0">
-                <a:latin typeface="Consolas" panose="020B0609020204030204" pitchFamily="49" charset="0"/>
-              </a:rPr>
-              <a:t>…</a:t>
-            </a:r>
-            <a:br>
-              <a:rPr lang="en-US" sz="1200" dirty="0">
-                <a:latin typeface="Consolas" panose="020B0609020204030204" pitchFamily="49" charset="0"/>
-              </a:rPr>
-            </a:br>
-            <a:r>
-              <a:rPr lang="en-US" sz="1200" dirty="0">
-                <a:latin typeface="Consolas" panose="020B0609020204030204" pitchFamily="49" charset="0"/>
-              </a:rPr>
-              <a:t>remotes/</a:t>
-            </a:r>
-            <a:r>
-              <a:rPr lang="en-US" sz="1200" dirty="0">
-                <a:solidFill>
-                  <a:srgbClr val="0249FC"/>
-                </a:solidFill>
-                <a:latin typeface="Consolas" panose="020B0609020204030204" pitchFamily="49" charset="0"/>
-              </a:rPr>
-              <a:t>other</a:t>
-            </a:r>
-            <a:r>
-              <a:rPr lang="en-US" sz="1200" dirty="0">
-                <a:latin typeface="Consolas" panose="020B0609020204030204" pitchFamily="49" charset="0"/>
-              </a:rPr>
-              <a:t>/</a:t>
-            </a:r>
-            <a:r>
-              <a:rPr lang="en-US" sz="1200" dirty="0" err="1">
-                <a:latin typeface="Consolas" panose="020B0609020204030204" pitchFamily="49" charset="0"/>
-              </a:rPr>
-              <a:t>other_feature</a:t>
-            </a:r>
-            <a:endParaRPr lang="de-DE" altLang="de-DE" sz="1200" dirty="0">
-              <a:latin typeface="Consolas" panose="020B0609020204030204" pitchFamily="49" charset="0"/>
-            </a:endParaRPr>
+            <a:endParaRPr lang="de-DE" altLang="de-DE" dirty="0"/>
           </a:p>
         </p:txBody>
       </p:sp>
@@ -8690,7 +9287,7 @@
     </p:spTree>
     <p:extLst>
       <p:ext uri="{BB962C8B-B14F-4D97-AF65-F5344CB8AC3E}">
-        <p14:creationId xmlns:p14="http://schemas.microsoft.com/office/powerpoint/2010/main" val="995659121"/>
+        <p14:creationId xmlns:p14="http://schemas.microsoft.com/office/powerpoint/2010/main" val="2739601707"/>
       </p:ext>
     </p:extLst>
   </p:cSld>
@@ -8754,7 +9351,7 @@
             </a:pPr>
             <a:r>
               <a:rPr lang="de-DE" altLang="de-DE" b="1" dirty="0"/>
-              <a:t>Abrufen von Änderungen aus Remote Repository</a:t>
+              <a:t>Hinzufügen eines Remote Repository</a:t>
             </a:r>
           </a:p>
           <a:p>
@@ -8768,23 +9365,7 @@
             </a:pPr>
             <a:r>
               <a:rPr lang="de-DE" altLang="de-DE" dirty="0"/>
-              <a:t>Informationen über </a:t>
-            </a:r>
-            <a:r>
-              <a:rPr lang="de-DE" altLang="de-DE" dirty="0" err="1"/>
-              <a:t>Commits</a:t>
-            </a:r>
-            <a:r>
-              <a:rPr lang="de-DE" altLang="de-DE" dirty="0"/>
-              <a:t>, </a:t>
-            </a:r>
-            <a:r>
-              <a:rPr lang="de-DE" altLang="de-DE" dirty="0" err="1"/>
-              <a:t>Branches</a:t>
-            </a:r>
-            <a:r>
-              <a:rPr lang="de-DE" altLang="de-DE" dirty="0"/>
-              <a:t>, Tags, … abrufen</a:t>
+              <a:t>Um einem lokalen Repository ein Remote hinzuzufügen </a:t>
             </a:r>
           </a:p>
           <a:p>
@@ -8811,74 +9392,43 @@
               <a:rPr lang="de-DE" altLang="de-DE" dirty="0">
                 <a:latin typeface="Consolas" panose="020B0609020204030204" pitchFamily="49" charset="0"/>
               </a:rPr>
-              <a:t> </a:t>
+              <a:t> remote </a:t>
             </a:r>
             <a:r>
               <a:rPr lang="de-DE" altLang="de-DE" dirty="0" err="1">
                 <a:latin typeface="Consolas" panose="020B0609020204030204" pitchFamily="49" charset="0"/>
               </a:rPr>
-              <a:t>fetch</a:t>
+              <a:t>add</a:t>
             </a:r>
             <a:r>
               <a:rPr lang="de-DE" altLang="de-DE" dirty="0">
                 <a:latin typeface="Consolas" panose="020B0609020204030204" pitchFamily="49" charset="0"/>
               </a:rPr>
-              <a:t> &lt;remote&gt;</a:t>
-            </a:r>
-          </a:p>
-          <a:p>
-            <a:pPr marL="57150" indent="0">
-              <a:spcBef>
-                <a:spcPts val="600"/>
-              </a:spcBef>
-              <a:spcAft>
-                <a:spcPts val="300"/>
-              </a:spcAft>
-              <a:buNone/>
-            </a:pPr>
+              <a:t> &lt;</a:t>
+            </a:r>
+            <a:r>
+              <a:rPr lang="de-DE" altLang="de-DE" dirty="0" err="1">
+                <a:latin typeface="Consolas" panose="020B0609020204030204" pitchFamily="49" charset="0"/>
+              </a:rPr>
+              <a:t>name</a:t>
+            </a:r>
             <a:r>
               <a:rPr lang="de-DE" altLang="de-DE" dirty="0">
                 <a:latin typeface="Consolas" panose="020B0609020204030204" pitchFamily="49" charset="0"/>
               </a:rPr>
-              <a:t>	</a:t>
+              <a:t>&gt; &lt;remote-</a:t>
             </a:r>
             <a:r>
               <a:rPr lang="de-DE" altLang="de-DE" dirty="0" err="1">
                 <a:latin typeface="Consolas" panose="020B0609020204030204" pitchFamily="49" charset="0"/>
               </a:rPr>
-              <a:t>git</a:t>
+              <a:t>uri</a:t>
             </a:r>
             <a:r>
               <a:rPr lang="de-DE" altLang="de-DE" dirty="0">
                 <a:latin typeface="Consolas" panose="020B0609020204030204" pitchFamily="49" charset="0"/>
               </a:rPr>
-              <a:t> </a:t>
-            </a:r>
-            <a:r>
-              <a:rPr lang="de-DE" altLang="de-DE" dirty="0" err="1">
-                <a:latin typeface="Consolas" panose="020B0609020204030204" pitchFamily="49" charset="0"/>
-              </a:rPr>
-              <a:t>fetch</a:t>
-            </a:r>
-            <a:r>
-              <a:rPr lang="de-DE" altLang="de-DE" dirty="0">
-                <a:latin typeface="Consolas" panose="020B0609020204030204" pitchFamily="49" charset="0"/>
-              </a:rPr>
-              <a:t> –all (</a:t>
-            </a:r>
-            <a:r>
-              <a:rPr lang="de-DE" altLang="de-DE" dirty="0"/>
-              <a:t>alle verknüpften </a:t>
-            </a:r>
-            <a:r>
-              <a:rPr lang="de-DE" altLang="de-DE" dirty="0" err="1"/>
-              <a:t>Remotes</a:t>
-            </a:r>
-            <a:r>
-              <a:rPr lang="de-DE" altLang="de-DE" dirty="0">
-                <a:latin typeface="Consolas" panose="020B0609020204030204" pitchFamily="49" charset="0"/>
-              </a:rPr>
-              <a:t>)</a:t>
+              <a:t>&gt;</a:t>
             </a:r>
           </a:p>
           <a:p>
@@ -8888,14 +9438,51 @@
               </a:spcAft>
             </a:pPr>
             <a:r>
+              <a:rPr lang="de-DE" altLang="de-DE" dirty="0" err="1">
+                <a:latin typeface="Consolas" panose="020B0609020204030204" pitchFamily="49" charset="0"/>
+              </a:rPr>
+              <a:t>git</a:t>
+            </a:r>
+            <a:r>
+              <a:rPr lang="de-DE" altLang="de-DE" dirty="0">
+                <a:latin typeface="Consolas" panose="020B0609020204030204" pitchFamily="49" charset="0"/>
+              </a:rPr>
+              <a:t> remote </a:t>
+            </a:r>
+            <a:r>
+              <a:rPr lang="de-DE" altLang="de-DE" dirty="0" err="1">
+                <a:latin typeface="Consolas" panose="020B0609020204030204" pitchFamily="49" charset="0"/>
+              </a:rPr>
+              <a:t>add</a:t>
+            </a:r>
+            <a:r>
               <a:rPr lang="de-DE" altLang="de-DE" dirty="0"/>
-              <a:t>Aktualisiert nur Remote Tracking Bereich des </a:t>
+              <a:t> legt alias für die Remote </a:t>
             </a:r>
             <a:r>
               <a:rPr lang="de-DE" altLang="de-DE" dirty="0" err="1"/>
-              <a:t>Repositories</a:t>
-            </a:r>
-            <a:endParaRPr lang="de-DE" altLang="de-DE" dirty="0"/>
+              <a:t>Addresse</a:t>
+            </a:r>
+            <a:r>
+              <a:rPr lang="de-DE" altLang="de-DE" dirty="0"/>
+              <a:t> an und ruft Informationen über verfügbare </a:t>
+            </a:r>
+            <a:r>
+              <a:rPr lang="de-DE" altLang="de-DE" dirty="0" err="1"/>
+              <a:t>Branches</a:t>
+            </a:r>
+            <a:r>
+              <a:rPr lang="de-DE" altLang="de-DE" dirty="0"/>
+              <a:t> ab, </a:t>
+            </a:r>
+            <a:r>
+              <a:rPr lang="de-DE" altLang="de-DE" dirty="0" err="1"/>
+              <a:t>läd</a:t>
+            </a:r>
+            <a:r>
+              <a:rPr lang="de-DE" altLang="de-DE" dirty="0"/>
+              <a:t> diese aber nicht herunter</a:t>
+            </a:r>
           </a:p>
           <a:p>
             <a:pPr marL="400050">
@@ -8905,236 +9492,176 @@
             </a:pPr>
             <a:r>
               <a:rPr lang="de-DE" altLang="de-DE" dirty="0"/>
-              <a:t>Änderungen müssen mittels </a:t>
+              <a:t>Kann sowohl genutzt werden, um nach </a:t>
+            </a:r>
+            <a:r>
+              <a:rPr lang="de-DE" altLang="de-DE" dirty="0" err="1">
+                <a:latin typeface="Consolas" panose="020B0609020204030204" pitchFamily="49" charset="0"/>
+              </a:rPr>
+              <a:t>git</a:t>
+            </a:r>
+            <a:r>
+              <a:rPr lang="de-DE" altLang="de-DE" dirty="0">
+                <a:latin typeface="Consolas" panose="020B0609020204030204" pitchFamily="49" charset="0"/>
+              </a:rPr>
+              <a:t> </a:t>
+            </a:r>
+            <a:r>
+              <a:rPr lang="de-DE" altLang="de-DE" dirty="0" err="1">
+                <a:latin typeface="Consolas" panose="020B0609020204030204" pitchFamily="49" charset="0"/>
+              </a:rPr>
+              <a:t>clone</a:t>
+            </a:r>
+            <a:r>
+              <a:rPr lang="de-DE" altLang="de-DE" dirty="0"/>
+              <a:t> weitere </a:t>
             </a:r>
             <a:r>
               <a:rPr lang="de-DE" altLang="de-DE" dirty="0" err="1"/>
-              <a:t>Merge</a:t>
+              <a:t>Remotes</a:t>
             </a:r>
             <a:r>
               <a:rPr lang="de-DE" altLang="de-DE" dirty="0"/>
-              <a:t> oder </a:t>
-            </a:r>
-            <a:r>
-              <a:rPr lang="de-DE" altLang="de-DE" dirty="0" err="1"/>
-              <a:t>Rebase</a:t>
-            </a:r>
-            <a:r>
-              <a:rPr lang="de-DE" altLang="de-DE" dirty="0"/>
-              <a:t> in lokalen Branch übernommen werden</a:t>
-            </a:r>
-          </a:p>
-          <a:p>
-            <a:pPr marL="57150" indent="0">
+              <a:t> hinzuzufügen, als auch um initiales Remote anzugeben (ohne vorher geklont zu haben)</a:t>
+            </a:r>
+          </a:p>
+          <a:p>
+            <a:pPr marL="400050">
               <a:spcAft>
                 <a:spcPts val="300"/>
               </a:spcAft>
+            </a:pPr>
+            <a:r>
+              <a:rPr lang="de-DE" altLang="de-DE" dirty="0"/>
+              <a:t>Beispiel</a:t>
+            </a:r>
+          </a:p>
+          <a:p>
+            <a:pPr marL="514350" lvl="1" indent="0">
               <a:buNone/>
             </a:pPr>
             <a:r>
-              <a:rPr lang="de-DE" altLang="de-DE" dirty="0"/>
-              <a:t>	</a:t>
-            </a:r>
-            <a:r>
-              <a:rPr lang="de-DE" altLang="de-DE" dirty="0" err="1">
-                <a:latin typeface="Consolas" panose="020B0609020204030204" pitchFamily="49" charset="0"/>
-              </a:rPr>
-              <a:t>git</a:t>
-            </a:r>
-            <a:r>
-              <a:rPr lang="de-DE" altLang="de-DE" dirty="0">
-                <a:latin typeface="Consolas" panose="020B0609020204030204" pitchFamily="49" charset="0"/>
-              </a:rPr>
-              <a:t> </a:t>
-            </a:r>
-            <a:r>
-              <a:rPr lang="de-DE" altLang="de-DE" dirty="0" err="1">
-                <a:latin typeface="Consolas" panose="020B0609020204030204" pitchFamily="49" charset="0"/>
-              </a:rPr>
-              <a:t>checkout</a:t>
-            </a:r>
-            <a:r>
-              <a:rPr lang="de-DE" altLang="de-DE" dirty="0">
-                <a:latin typeface="Consolas" panose="020B0609020204030204" pitchFamily="49" charset="0"/>
-              </a:rPr>
-              <a:t> feature</a:t>
-            </a:r>
-          </a:p>
-          <a:p>
-            <a:pPr marL="57150" indent="0">
-              <a:spcAft>
-                <a:spcPts val="300"/>
-              </a:spcAft>
+              <a:rPr lang="en-US" sz="1200" dirty="0">
+                <a:latin typeface="Consolas" panose="020B0609020204030204" pitchFamily="49" charset="0"/>
+              </a:rPr>
+              <a:t>$ git remote add </a:t>
+            </a:r>
+            <a:r>
+              <a:rPr lang="en-US" sz="1200" dirty="0">
+                <a:solidFill>
+                  <a:srgbClr val="0249FC"/>
+                </a:solidFill>
+                <a:latin typeface="Consolas" panose="020B0609020204030204" pitchFamily="49" charset="0"/>
+              </a:rPr>
+              <a:t>other</a:t>
+            </a:r>
+            <a:r>
+              <a:rPr lang="en-US" sz="1200" dirty="0">
+                <a:latin typeface="Consolas" panose="020B0609020204030204" pitchFamily="49" charset="0"/>
+              </a:rPr>
+              <a:t> git@gitlab.example.de:git_demo_2 </a:t>
+            </a:r>
+          </a:p>
+          <a:p>
+            <a:pPr marL="514350" lvl="1" indent="0">
               <a:buNone/>
             </a:pPr>
             <a:r>
-              <a:rPr lang="de-DE" altLang="de-DE" dirty="0">
-                <a:latin typeface="Consolas" panose="020B0609020204030204" pitchFamily="49" charset="0"/>
-              </a:rPr>
-              <a:t>	</a:t>
-            </a:r>
-            <a:r>
-              <a:rPr lang="de-DE" altLang="de-DE" dirty="0" err="1">
-                <a:latin typeface="Consolas" panose="020B0609020204030204" pitchFamily="49" charset="0"/>
-              </a:rPr>
-              <a:t>git</a:t>
-            </a:r>
-            <a:r>
-              <a:rPr lang="de-DE" altLang="de-DE" dirty="0">
-                <a:latin typeface="Consolas" panose="020B0609020204030204" pitchFamily="49" charset="0"/>
-              </a:rPr>
-              <a:t> </a:t>
-            </a:r>
-            <a:r>
-              <a:rPr lang="de-DE" altLang="de-DE" dirty="0" err="1">
-                <a:latin typeface="Consolas" panose="020B0609020204030204" pitchFamily="49" charset="0"/>
-              </a:rPr>
-              <a:t>fetch</a:t>
-            </a:r>
-            <a:r>
-              <a:rPr lang="de-DE" altLang="de-DE" dirty="0">
-                <a:latin typeface="Consolas" panose="020B0609020204030204" pitchFamily="49" charset="0"/>
-              </a:rPr>
-              <a:t> </a:t>
-            </a:r>
-            <a:r>
-              <a:rPr lang="de-DE" altLang="de-DE" dirty="0" err="1">
-                <a:latin typeface="Consolas" panose="020B0609020204030204" pitchFamily="49" charset="0"/>
-              </a:rPr>
-              <a:t>origin</a:t>
-            </a:r>
-            <a:endParaRPr lang="de-DE" altLang="de-DE" dirty="0">
+              <a:rPr lang="en-US" sz="1200" dirty="0">
+                <a:latin typeface="Consolas" panose="020B0609020204030204" pitchFamily="49" charset="0"/>
+              </a:rPr>
+              <a:t>$ git branch --all </a:t>
+            </a:r>
+          </a:p>
+          <a:p>
+            <a:pPr marL="514350" lvl="1" indent="0">
+              <a:buNone/>
+            </a:pPr>
+            <a:r>
+              <a:rPr lang="en-US" sz="1200" dirty="0">
+                <a:latin typeface="Consolas" panose="020B0609020204030204" pitchFamily="49" charset="0"/>
+              </a:rPr>
+              <a:t>* main </a:t>
+            </a:r>
+            <a:br>
+              <a:rPr lang="en-US" sz="1200" dirty="0">
+                <a:latin typeface="Consolas" panose="020B0609020204030204" pitchFamily="49" charset="0"/>
+              </a:rPr>
+            </a:br>
+            <a:r>
+              <a:rPr lang="en-US" sz="1200" dirty="0">
+                <a:latin typeface="Consolas" panose="020B0609020204030204" pitchFamily="49" charset="0"/>
+              </a:rPr>
+              <a:t>remotes/origin/HEAD -&gt; origin/main </a:t>
+            </a:r>
+            <a:br>
+              <a:rPr lang="en-US" sz="1200" dirty="0">
+                <a:latin typeface="Consolas" panose="020B0609020204030204" pitchFamily="49" charset="0"/>
+              </a:rPr>
+            </a:br>
+            <a:r>
+              <a:rPr lang="en-US" sz="1200" dirty="0">
+                <a:latin typeface="Consolas" panose="020B0609020204030204" pitchFamily="49" charset="0"/>
+              </a:rPr>
+              <a:t>remotes/origin/feature1 </a:t>
+            </a:r>
+            <a:br>
+              <a:rPr lang="en-US" sz="1200" dirty="0">
+                <a:latin typeface="Consolas" panose="020B0609020204030204" pitchFamily="49" charset="0"/>
+              </a:rPr>
+            </a:br>
+            <a:r>
+              <a:rPr lang="en-US" sz="1200" dirty="0">
+                <a:latin typeface="Consolas" panose="020B0609020204030204" pitchFamily="49" charset="0"/>
+              </a:rPr>
+              <a:t>remotes/origin/feature2 </a:t>
+            </a:r>
+            <a:br>
+              <a:rPr lang="en-US" sz="1200" dirty="0">
+                <a:latin typeface="Consolas" panose="020B0609020204030204" pitchFamily="49" charset="0"/>
+              </a:rPr>
+            </a:br>
+            <a:r>
+              <a:rPr lang="en-US" sz="1200" dirty="0">
+                <a:latin typeface="Consolas" panose="020B0609020204030204" pitchFamily="49" charset="0"/>
+              </a:rPr>
+              <a:t>…</a:t>
+            </a:r>
+            <a:br>
+              <a:rPr lang="en-US" sz="1200" dirty="0">
+                <a:latin typeface="Consolas" panose="020B0609020204030204" pitchFamily="49" charset="0"/>
+              </a:rPr>
+            </a:br>
+            <a:r>
+              <a:rPr lang="en-US" sz="1200" dirty="0">
+                <a:latin typeface="Consolas" panose="020B0609020204030204" pitchFamily="49" charset="0"/>
+              </a:rPr>
+              <a:t>remotes/</a:t>
+            </a:r>
+            <a:r>
+              <a:rPr lang="en-US" sz="1200" dirty="0">
+                <a:solidFill>
+                  <a:srgbClr val="0249FC"/>
+                </a:solidFill>
+                <a:latin typeface="Consolas" panose="020B0609020204030204" pitchFamily="49" charset="0"/>
+              </a:rPr>
+              <a:t>other</a:t>
+            </a:r>
+            <a:r>
+              <a:rPr lang="en-US" sz="1200" dirty="0">
+                <a:latin typeface="Consolas" panose="020B0609020204030204" pitchFamily="49" charset="0"/>
+              </a:rPr>
+              <a:t>/</a:t>
+            </a:r>
+            <a:r>
+              <a:rPr lang="en-US" sz="1200" dirty="0" err="1">
+                <a:latin typeface="Consolas" panose="020B0609020204030204" pitchFamily="49" charset="0"/>
+              </a:rPr>
+              <a:t>other_feature</a:t>
+            </a:r>
+            <a:endParaRPr lang="de-DE" altLang="de-DE" sz="1200" dirty="0">
               <a:latin typeface="Consolas" panose="020B0609020204030204" pitchFamily="49" charset="0"/>
             </a:endParaRPr>
-          </a:p>
-          <a:p>
-            <a:pPr marL="57150" indent="0">
-              <a:spcAft>
-                <a:spcPts val="300"/>
-              </a:spcAft>
-              <a:buNone/>
-            </a:pPr>
-            <a:endParaRPr lang="de-DE" altLang="de-DE" dirty="0">
-              <a:latin typeface="Consolas" panose="020B0609020204030204" pitchFamily="49" charset="0"/>
-            </a:endParaRPr>
-          </a:p>
-          <a:p>
-            <a:pPr marL="57150" indent="0">
-              <a:spcAft>
-                <a:spcPts val="300"/>
-              </a:spcAft>
-              <a:buNone/>
-            </a:pPr>
-            <a:r>
-              <a:rPr lang="de-DE" altLang="de-DE" dirty="0">
-                <a:latin typeface="Consolas" panose="020B0609020204030204" pitchFamily="49" charset="0"/>
-              </a:rPr>
-              <a:t>	</a:t>
-            </a:r>
-            <a:r>
-              <a:rPr lang="de-DE" altLang="de-DE" dirty="0" err="1">
-                <a:latin typeface="Consolas" panose="020B0609020204030204" pitchFamily="49" charset="0"/>
-              </a:rPr>
-              <a:t>git</a:t>
-            </a:r>
-            <a:r>
-              <a:rPr lang="de-DE" altLang="de-DE" dirty="0">
-                <a:latin typeface="Consolas" panose="020B0609020204030204" pitchFamily="49" charset="0"/>
-              </a:rPr>
-              <a:t> </a:t>
-            </a:r>
-            <a:r>
-              <a:rPr lang="de-DE" altLang="de-DE" dirty="0" err="1">
-                <a:latin typeface="Consolas" panose="020B0609020204030204" pitchFamily="49" charset="0"/>
-              </a:rPr>
-              <a:t>merge</a:t>
-            </a:r>
-            <a:r>
-              <a:rPr lang="de-DE" altLang="de-DE" dirty="0">
-                <a:latin typeface="Consolas" panose="020B0609020204030204" pitchFamily="49" charset="0"/>
-              </a:rPr>
-              <a:t> </a:t>
-            </a:r>
-            <a:r>
-              <a:rPr lang="de-DE" altLang="de-DE" dirty="0" err="1">
-                <a:latin typeface="Consolas" panose="020B0609020204030204" pitchFamily="49" charset="0"/>
-              </a:rPr>
-              <a:t>origin</a:t>
-            </a:r>
-            <a:r>
-              <a:rPr lang="de-DE" altLang="de-DE" dirty="0">
-                <a:latin typeface="Consolas" panose="020B0609020204030204" pitchFamily="49" charset="0"/>
-              </a:rPr>
-              <a:t>/feature </a:t>
-            </a:r>
-          </a:p>
-          <a:p>
-            <a:pPr marL="57150" indent="0">
-              <a:spcAft>
-                <a:spcPts val="300"/>
-              </a:spcAft>
-              <a:buNone/>
-            </a:pPr>
-            <a:r>
-              <a:rPr lang="de-DE" altLang="de-DE" dirty="0">
-                <a:latin typeface="Consolas" panose="020B0609020204030204" pitchFamily="49" charset="0"/>
-              </a:rPr>
-              <a:t>	</a:t>
-            </a:r>
-            <a:r>
-              <a:rPr lang="de-DE" altLang="de-DE" dirty="0"/>
-              <a:t>oder </a:t>
-            </a:r>
-          </a:p>
-          <a:p>
-            <a:pPr marL="57150" indent="0">
-              <a:spcAft>
-                <a:spcPts val="300"/>
-              </a:spcAft>
-              <a:buNone/>
-            </a:pPr>
-            <a:r>
-              <a:rPr lang="de-DE" altLang="de-DE" dirty="0">
-                <a:latin typeface="Consolas" panose="020B0609020204030204" pitchFamily="49" charset="0"/>
-              </a:rPr>
-              <a:t>	</a:t>
-            </a:r>
-            <a:r>
-              <a:rPr lang="de-DE" altLang="de-DE" dirty="0" err="1">
-                <a:latin typeface="Consolas" panose="020B0609020204030204" pitchFamily="49" charset="0"/>
-              </a:rPr>
-              <a:t>git</a:t>
-            </a:r>
-            <a:r>
-              <a:rPr lang="de-DE" altLang="de-DE" dirty="0">
-                <a:latin typeface="Consolas" panose="020B0609020204030204" pitchFamily="49" charset="0"/>
-              </a:rPr>
-              <a:t> </a:t>
-            </a:r>
-            <a:r>
-              <a:rPr lang="de-DE" altLang="de-DE" dirty="0" err="1">
-                <a:latin typeface="Consolas" panose="020B0609020204030204" pitchFamily="49" charset="0"/>
-              </a:rPr>
-              <a:t>rebase</a:t>
-            </a:r>
-            <a:r>
-              <a:rPr lang="de-DE" altLang="de-DE" dirty="0">
-                <a:latin typeface="Consolas" panose="020B0609020204030204" pitchFamily="49" charset="0"/>
-              </a:rPr>
-              <a:t> </a:t>
-            </a:r>
-            <a:r>
-              <a:rPr lang="de-DE" altLang="de-DE" dirty="0" err="1">
-                <a:latin typeface="Consolas" panose="020B0609020204030204" pitchFamily="49" charset="0"/>
-              </a:rPr>
-              <a:t>origin</a:t>
-            </a:r>
-            <a:r>
-              <a:rPr lang="de-DE" altLang="de-DE" dirty="0">
-                <a:latin typeface="Consolas" panose="020B0609020204030204" pitchFamily="49" charset="0"/>
-              </a:rPr>
-              <a:t>/feature</a:t>
-            </a:r>
           </a:p>
         </p:txBody>
       </p:sp>
@@ -9174,7 +9701,7 @@
     </p:spTree>
     <p:extLst>
       <p:ext uri="{BB962C8B-B14F-4D97-AF65-F5344CB8AC3E}">
-        <p14:creationId xmlns:p14="http://schemas.microsoft.com/office/powerpoint/2010/main" val="3053364118"/>
+        <p14:creationId xmlns:p14="http://schemas.microsoft.com/office/powerpoint/2010/main" val="995659121"/>
       </p:ext>
     </p:extLst>
   </p:cSld>
@@ -9238,7 +9765,7 @@
             </a:pPr>
             <a:r>
               <a:rPr lang="de-DE" altLang="de-DE" b="1" dirty="0"/>
-              <a:t>Pull Befehl</a:t>
+              <a:t>Abrufen von Änderungen aus Remote Repository</a:t>
             </a:r>
           </a:p>
           <a:p>
@@ -9251,98 +9778,25 @@
               </a:spcAft>
             </a:pPr>
             <a:r>
-              <a:rPr lang="de-DE" altLang="de-DE" dirty="0" err="1">
-                <a:latin typeface="Consolas" panose="020B0609020204030204" pitchFamily="49" charset="0"/>
-              </a:rPr>
-              <a:t>git</a:t>
-            </a:r>
-            <a:r>
-              <a:rPr lang="de-DE" altLang="de-DE" dirty="0">
-                <a:latin typeface="Consolas" panose="020B0609020204030204" pitchFamily="49" charset="0"/>
-              </a:rPr>
-              <a:t> pull </a:t>
-            </a:r>
-            <a:r>
               <a:rPr lang="de-DE" altLang="de-DE" dirty="0"/>
-              <a:t>als Kombination von </a:t>
-            </a:r>
-            <a:r>
-              <a:rPr lang="de-DE" altLang="de-DE" dirty="0" err="1">
-                <a:latin typeface="Consolas" panose="020B0609020204030204" pitchFamily="49" charset="0"/>
-              </a:rPr>
-              <a:t>git</a:t>
-            </a:r>
-            <a:r>
-              <a:rPr lang="de-DE" altLang="de-DE" dirty="0">
-                <a:latin typeface="Consolas" panose="020B0609020204030204" pitchFamily="49" charset="0"/>
-              </a:rPr>
-              <a:t> </a:t>
-            </a:r>
-            <a:r>
-              <a:rPr lang="de-DE" altLang="de-DE" dirty="0" err="1">
-                <a:latin typeface="Consolas" panose="020B0609020204030204" pitchFamily="49" charset="0"/>
-              </a:rPr>
-              <a:t>fetch</a:t>
-            </a:r>
-            <a:r>
-              <a:rPr lang="de-DE" altLang="de-DE" dirty="0">
-                <a:latin typeface="Consolas" panose="020B0609020204030204" pitchFamily="49" charset="0"/>
-              </a:rPr>
-              <a:t> </a:t>
+              <a:t>Informationen über </a:t>
+            </a:r>
+            <a:r>
+              <a:rPr lang="de-DE" altLang="de-DE" dirty="0" err="1"/>
+              <a:t>Commits</a:t>
             </a:r>
             <a:r>
               <a:rPr lang="de-DE" altLang="de-DE" dirty="0"/>
-              <a:t>und </a:t>
-            </a:r>
-            <a:r>
-              <a:rPr lang="de-DE" altLang="de-DE" dirty="0" err="1">
-                <a:latin typeface="Consolas" panose="020B0609020204030204" pitchFamily="49" charset="0"/>
-              </a:rPr>
-              <a:t>git</a:t>
-            </a:r>
-            <a:r>
-              <a:rPr lang="de-DE" altLang="de-DE" dirty="0">
-                <a:latin typeface="Consolas" panose="020B0609020204030204" pitchFamily="49" charset="0"/>
-              </a:rPr>
-              <a:t> </a:t>
-            </a:r>
-            <a:r>
-              <a:rPr lang="de-DE" altLang="de-DE" dirty="0" err="1">
-                <a:latin typeface="Consolas" panose="020B0609020204030204" pitchFamily="49" charset="0"/>
-              </a:rPr>
-              <a:t>merge</a:t>
-            </a:r>
-            <a:r>
-              <a:rPr lang="de-DE" altLang="de-DE" dirty="0">
-                <a:latin typeface="Consolas" panose="020B0609020204030204" pitchFamily="49" charset="0"/>
-              </a:rPr>
-              <a:t> </a:t>
+              <a:t>, </a:t>
+            </a:r>
+            <a:r>
+              <a:rPr lang="de-DE" altLang="de-DE" dirty="0" err="1"/>
+              <a:t>Branches</a:t>
             </a:r>
             <a:r>
               <a:rPr lang="de-DE" altLang="de-DE" dirty="0"/>
-              <a:t>oder </a:t>
-            </a:r>
-            <a:r>
-              <a:rPr lang="de-DE" altLang="de-DE" dirty="0" err="1">
-                <a:latin typeface="Consolas" panose="020B0609020204030204" pitchFamily="49" charset="0"/>
-              </a:rPr>
-              <a:t>git</a:t>
-            </a:r>
-            <a:r>
-              <a:rPr lang="de-DE" altLang="de-DE" dirty="0">
-                <a:latin typeface="Consolas" panose="020B0609020204030204" pitchFamily="49" charset="0"/>
-              </a:rPr>
-              <a:t> </a:t>
-            </a:r>
-            <a:r>
-              <a:rPr lang="de-DE" altLang="de-DE" dirty="0" err="1">
-                <a:latin typeface="Consolas" panose="020B0609020204030204" pitchFamily="49" charset="0"/>
-              </a:rPr>
-              <a:t>rebase</a:t>
-            </a:r>
-            <a:endParaRPr lang="de-DE" altLang="de-DE" dirty="0">
-              <a:latin typeface="Consolas" panose="020B0609020204030204" pitchFamily="49" charset="0"/>
-            </a:endParaRPr>
+              <a:t>, Tags, … abrufen</a:t>
+            </a:r>
           </a:p>
           <a:p>
             <a:pPr marL="57150" indent="0">
@@ -9355,22 +9809,32 @@
               <a:buNone/>
             </a:pPr>
             <a:r>
+              <a:rPr lang="de-DE" altLang="de-DE" dirty="0"/>
+              <a:t>	</a:t>
+            </a:r>
+            <a:r>
+              <a:rPr lang="de-DE" altLang="de-DE" dirty="0" err="1">
+                <a:latin typeface="Consolas" panose="020B0609020204030204" pitchFamily="49" charset="0"/>
+              </a:rPr>
+              <a:t>git</a:t>
+            </a:r>
+            <a:r>
               <a:rPr lang="de-DE" altLang="de-DE" dirty="0">
                 <a:latin typeface="Consolas" panose="020B0609020204030204" pitchFamily="49" charset="0"/>
               </a:rPr>
-              <a:t>	</a:t>
+              <a:t> </a:t>
             </a:r>
             <a:r>
               <a:rPr lang="de-DE" altLang="de-DE" dirty="0" err="1">
                 <a:latin typeface="Consolas" panose="020B0609020204030204" pitchFamily="49" charset="0"/>
               </a:rPr>
-              <a:t>git</a:t>
+              <a:t>fetch</a:t>
             </a:r>
             <a:r>
               <a:rPr lang="de-DE" altLang="de-DE" dirty="0">
                 <a:latin typeface="Consolas" panose="020B0609020204030204" pitchFamily="49" charset="0"/>
               </a:rPr>
-              <a:t> pull</a:t>
+              <a:t> &lt;remote&gt;</a:t>
             </a:r>
           </a:p>
           <a:p>
@@ -9399,190 +9863,33 @@
               <a:rPr lang="de-DE" altLang="de-DE" dirty="0">
                 <a:latin typeface="Consolas" panose="020B0609020204030204" pitchFamily="49" charset="0"/>
               </a:rPr>
-              <a:t> pull --</a:t>
+              <a:t> </a:t>
             </a:r>
             <a:r>
               <a:rPr lang="de-DE" altLang="de-DE" dirty="0" err="1">
                 <a:latin typeface="Consolas" panose="020B0609020204030204" pitchFamily="49" charset="0"/>
               </a:rPr>
-              <a:t>merge</a:t>
-            </a:r>
-            <a:endParaRPr lang="de-DE" altLang="de-DE" dirty="0">
-              <a:latin typeface="Consolas" panose="020B0609020204030204" pitchFamily="49" charset="0"/>
-            </a:endParaRPr>
-          </a:p>
-          <a:p>
-            <a:pPr marL="57150" indent="0">
-              <a:spcBef>
-                <a:spcPts val="600"/>
-              </a:spcBef>
-              <a:spcAft>
-                <a:spcPts val="300"/>
-              </a:spcAft>
-              <a:buNone/>
-            </a:pPr>
+              <a:t>fetch</a:t>
+            </a:r>
             <a:r>
               <a:rPr lang="de-DE" altLang="de-DE" dirty="0">
                 <a:latin typeface="Consolas" panose="020B0609020204030204" pitchFamily="49" charset="0"/>
               </a:rPr>
-              <a:t>	</a:t>
-            </a:r>
-            <a:r>
-              <a:rPr lang="de-DE" altLang="de-DE" dirty="0" err="1">
-                <a:latin typeface="Consolas" panose="020B0609020204030204" pitchFamily="49" charset="0"/>
-              </a:rPr>
-              <a:t>git</a:t>
+              <a:t> –all (</a:t>
+            </a:r>
+            <a:r>
+              <a:rPr lang="de-DE" altLang="de-DE" dirty="0"/>
+              <a:t>alle verknüpften </a:t>
+            </a:r>
+            <a:r>
+              <a:rPr lang="de-DE" altLang="de-DE" dirty="0" err="1"/>
+              <a:t>Remotes</a:t>
             </a:r>
             <a:r>
               <a:rPr lang="de-DE" altLang="de-DE" dirty="0">
                 <a:latin typeface="Consolas" panose="020B0609020204030204" pitchFamily="49" charset="0"/>
               </a:rPr>
-              <a:t> pull --</a:t>
-            </a:r>
-            <a:r>
-              <a:rPr lang="de-DE" altLang="de-DE" dirty="0" err="1">
-                <a:latin typeface="Consolas" panose="020B0609020204030204" pitchFamily="49" charset="0"/>
-              </a:rPr>
-              <a:t>rebase</a:t>
-            </a:r>
-            <a:endParaRPr lang="de-DE" altLang="de-DE" dirty="0">
-              <a:latin typeface="Consolas" panose="020B0609020204030204" pitchFamily="49" charset="0"/>
-            </a:endParaRPr>
-          </a:p>
-          <a:p>
-            <a:pPr marL="400050">
-              <a:spcBef>
-                <a:spcPts val="600"/>
-              </a:spcBef>
-              <a:spcAft>
-                <a:spcPts val="300"/>
-              </a:spcAft>
-            </a:pPr>
-            <a:r>
-              <a:rPr lang="de-DE" altLang="de-DE" dirty="0"/>
-              <a:t>Default bei </a:t>
-            </a:r>
-            <a:r>
-              <a:rPr lang="de-DE" altLang="de-DE" dirty="0" err="1"/>
-              <a:t>git</a:t>
-            </a:r>
-            <a:r>
-              <a:rPr lang="de-DE" altLang="de-DE" dirty="0"/>
-              <a:t> pull ist </a:t>
-            </a:r>
-            <a:r>
-              <a:rPr lang="de-DE" altLang="de-DE" dirty="0" err="1"/>
-              <a:t>Merge</a:t>
-            </a:r>
-            <a:endParaRPr lang="de-DE" altLang="de-DE" dirty="0"/>
-          </a:p>
-          <a:p>
-            <a:pPr marL="400050">
-              <a:spcBef>
-                <a:spcPts val="600"/>
-              </a:spcBef>
-              <a:spcAft>
-                <a:spcPts val="300"/>
-              </a:spcAft>
-            </a:pPr>
-            <a:r>
-              <a:rPr lang="de-DE" altLang="de-DE" dirty="0"/>
-              <a:t>Kann in .</a:t>
-            </a:r>
-            <a:r>
-              <a:rPr lang="de-DE" altLang="de-DE" dirty="0" err="1"/>
-              <a:t>gitconfig</a:t>
-            </a:r>
-            <a:r>
-              <a:rPr lang="de-DE" altLang="de-DE" dirty="0"/>
-              <a:t> umgestellt werden</a:t>
-            </a:r>
-          </a:p>
-          <a:p>
-            <a:pPr marL="57150" indent="0">
-              <a:spcBef>
-                <a:spcPts val="600"/>
-              </a:spcBef>
-              <a:spcAft>
-                <a:spcPts val="300"/>
-              </a:spcAft>
-              <a:buNone/>
-            </a:pPr>
-            <a:r>
-              <a:rPr lang="de-DE" altLang="de-DE" dirty="0"/>
-              <a:t>	</a:t>
-            </a:r>
-            <a:r>
-              <a:rPr lang="en-US" altLang="de-DE" dirty="0">
-                <a:latin typeface="Consolas" panose="020B0609020204030204" pitchFamily="49" charset="0"/>
-              </a:rPr>
-              <a:t>git config --global </a:t>
-            </a:r>
-            <a:r>
-              <a:rPr lang="en-US" altLang="de-DE" dirty="0" err="1">
-                <a:latin typeface="Consolas" panose="020B0609020204030204" pitchFamily="49" charset="0"/>
-              </a:rPr>
-              <a:t>pull.rebase</a:t>
-            </a:r>
-            <a:r>
-              <a:rPr lang="en-US" altLang="de-DE" dirty="0">
-                <a:latin typeface="Consolas" panose="020B0609020204030204" pitchFamily="49" charset="0"/>
-              </a:rPr>
-              <a:t> false</a:t>
-            </a:r>
-            <a:r>
-              <a:rPr lang="en-US" altLang="de-DE" dirty="0"/>
-              <a:t> 	</a:t>
-            </a:r>
-            <a:r>
-              <a:rPr lang="en-US" altLang="de-DE" dirty="0">
-                <a:sym typeface="Wingdings" panose="05000000000000000000" pitchFamily="2" charset="2"/>
-              </a:rPr>
-              <a:t> Merge</a:t>
-            </a:r>
-          </a:p>
-          <a:p>
-            <a:pPr marL="57150" indent="0">
-              <a:spcBef>
-                <a:spcPts val="600"/>
-              </a:spcBef>
-              <a:spcAft>
-                <a:spcPts val="300"/>
-              </a:spcAft>
-              <a:buNone/>
-            </a:pPr>
-            <a:r>
-              <a:rPr lang="en-US" altLang="de-DE" dirty="0">
-                <a:sym typeface="Wingdings" panose="05000000000000000000" pitchFamily="2" charset="2"/>
-              </a:rPr>
-              <a:t>	</a:t>
-            </a:r>
-            <a:r>
-              <a:rPr lang="en-US" altLang="de-DE" dirty="0">
-                <a:latin typeface="Consolas" panose="020B0609020204030204" pitchFamily="49" charset="0"/>
-                <a:sym typeface="Wingdings" panose="05000000000000000000" pitchFamily="2" charset="2"/>
-              </a:rPr>
-              <a:t>git config --global </a:t>
-            </a:r>
-            <a:r>
-              <a:rPr lang="en-US" altLang="de-DE" dirty="0" err="1">
-                <a:latin typeface="Consolas" panose="020B0609020204030204" pitchFamily="49" charset="0"/>
-                <a:sym typeface="Wingdings" panose="05000000000000000000" pitchFamily="2" charset="2"/>
-              </a:rPr>
-              <a:t>pull.rebase</a:t>
-            </a:r>
-            <a:r>
-              <a:rPr lang="en-US" altLang="de-DE" dirty="0">
-                <a:latin typeface="Consolas" panose="020B0609020204030204" pitchFamily="49" charset="0"/>
-                <a:sym typeface="Wingdings" panose="05000000000000000000" pitchFamily="2" charset="2"/>
-              </a:rPr>
-              <a:t> true 	</a:t>
-            </a:r>
-            <a:r>
-              <a:rPr lang="en-US" altLang="de-DE" dirty="0">
-                <a:sym typeface="Wingdings" panose="05000000000000000000" pitchFamily="2" charset="2"/>
-              </a:rPr>
-              <a:t> Rebase</a:t>
+              <a:t>)</a:t>
             </a:r>
           </a:p>
           <a:p>
@@ -9592,50 +9899,41 @@
               </a:spcAft>
             </a:pPr>
             <a:r>
-              <a:rPr lang="en-US" altLang="de-DE" dirty="0" err="1">
-                <a:sym typeface="Wingdings" panose="05000000000000000000" pitchFamily="2" charset="2"/>
-              </a:rPr>
-              <a:t>Einstellung</a:t>
-            </a:r>
-            <a:r>
-              <a:rPr lang="en-US" altLang="de-DE" dirty="0">
-                <a:sym typeface="Wingdings" panose="05000000000000000000" pitchFamily="2" charset="2"/>
-              </a:rPr>
-              <a:t> für </a:t>
-            </a:r>
-            <a:r>
-              <a:rPr lang="en-US" altLang="de-DE" dirty="0" err="1">
-                <a:sym typeface="Wingdings" panose="05000000000000000000" pitchFamily="2" charset="2"/>
-              </a:rPr>
-              <a:t>einzelne</a:t>
-            </a:r>
-            <a:r>
-              <a:rPr lang="en-US" altLang="de-DE" dirty="0">
-                <a:sym typeface="Wingdings" panose="05000000000000000000" pitchFamily="2" charset="2"/>
-              </a:rPr>
-              <a:t> Branches </a:t>
-            </a:r>
-            <a:r>
-              <a:rPr lang="en-US" altLang="de-DE" dirty="0" err="1">
-                <a:sym typeface="Wingdings" panose="05000000000000000000" pitchFamily="2" charset="2"/>
-              </a:rPr>
-              <a:t>ebenfalls</a:t>
-            </a:r>
-            <a:r>
-              <a:rPr lang="en-US" altLang="de-DE" dirty="0">
-                <a:sym typeface="Wingdings" panose="05000000000000000000" pitchFamily="2" charset="2"/>
-              </a:rPr>
-              <a:t> </a:t>
-            </a:r>
-            <a:r>
-              <a:rPr lang="en-US" altLang="de-DE" dirty="0" err="1">
-                <a:sym typeface="Wingdings" panose="05000000000000000000" pitchFamily="2" charset="2"/>
-              </a:rPr>
-              <a:t>möglich</a:t>
-            </a:r>
-            <a:endParaRPr lang="en-US" altLang="de-DE" dirty="0">
-              <a:sym typeface="Wingdings" panose="05000000000000000000" pitchFamily="2" charset="2"/>
-            </a:endParaRPr>
+              <a:rPr lang="de-DE" altLang="de-DE" dirty="0"/>
+              <a:t>Aktualisiert nur Remote Tracking Bereich des </a:t>
+            </a:r>
+            <a:r>
+              <a:rPr lang="de-DE" altLang="de-DE" dirty="0" err="1"/>
+              <a:t>Repositories</a:t>
+            </a:r>
+            <a:endParaRPr lang="de-DE" altLang="de-DE" dirty="0"/>
+          </a:p>
+          <a:p>
+            <a:pPr marL="400050">
+              <a:spcAft>
+                <a:spcPts val="300"/>
+              </a:spcAft>
+            </a:pPr>
+            <a:r>
+              <a:rPr lang="de-DE" altLang="de-DE" dirty="0"/>
+              <a:t>Änderungen müssen mittels </a:t>
+            </a:r>
+            <a:r>
+              <a:rPr lang="de-DE" altLang="de-DE" dirty="0" err="1"/>
+              <a:t>Merge</a:t>
+            </a:r>
+            <a:r>
+              <a:rPr lang="de-DE" altLang="de-DE" dirty="0"/>
+              <a:t> oder </a:t>
+            </a:r>
+            <a:r>
+              <a:rPr lang="de-DE" altLang="de-DE" dirty="0" err="1"/>
+              <a:t>Rebase</a:t>
+            </a:r>
+            <a:r>
+              <a:rPr lang="de-DE" altLang="de-DE" dirty="0"/>
+              <a:t> in lokalen Branch übernommen werden</a:t>
+            </a:r>
           </a:p>
           <a:p>
             <a:pPr marL="57150" indent="0">
@@ -9649,22 +9947,205 @@
               <a:t>	</a:t>
             </a:r>
             <a:r>
-              <a:rPr lang="en-US" altLang="de-DE" dirty="0">
-                <a:latin typeface="Consolas" panose="020B0609020204030204" pitchFamily="49" charset="0"/>
-              </a:rPr>
-              <a:t>git config branch.&lt;branch-name&gt;.rebase true</a:t>
+              <a:rPr lang="de-DE" altLang="de-DE" dirty="0" err="1">
+                <a:latin typeface="Consolas" panose="020B0609020204030204" pitchFamily="49" charset="0"/>
+              </a:rPr>
+              <a:t>git</a:t>
+            </a:r>
+            <a:r>
+              <a:rPr lang="de-DE" altLang="de-DE" dirty="0">
+                <a:latin typeface="Consolas" panose="020B0609020204030204" pitchFamily="49" charset="0"/>
+              </a:rPr>
+              <a:t> </a:t>
+            </a:r>
+            <a:r>
+              <a:rPr lang="de-DE" altLang="de-DE" dirty="0" err="1">
+                <a:latin typeface="Consolas" panose="020B0609020204030204" pitchFamily="49" charset="0"/>
+              </a:rPr>
+              <a:t>checkout</a:t>
+            </a:r>
+            <a:r>
+              <a:rPr lang="de-DE" altLang="de-DE" dirty="0">
+                <a:latin typeface="Consolas" panose="020B0609020204030204" pitchFamily="49" charset="0"/>
+              </a:rPr>
+              <a:t> feature</a:t>
+            </a:r>
+          </a:p>
+          <a:p>
+            <a:pPr marL="57150" indent="0">
+              <a:spcAft>
+                <a:spcPts val="300"/>
+              </a:spcAft>
+              <a:buNone/>
+            </a:pPr>
+            <a:r>
+              <a:rPr lang="de-DE" altLang="de-DE" dirty="0">
+                <a:latin typeface="Consolas" panose="020B0609020204030204" pitchFamily="49" charset="0"/>
+              </a:rPr>
+              <a:t>	</a:t>
+            </a:r>
+            <a:r>
+              <a:rPr lang="de-DE" altLang="de-DE" dirty="0" err="1">
+                <a:latin typeface="Consolas" panose="020B0609020204030204" pitchFamily="49" charset="0"/>
+              </a:rPr>
+              <a:t>git</a:t>
+            </a:r>
+            <a:r>
+              <a:rPr lang="de-DE" altLang="de-DE" dirty="0">
+                <a:latin typeface="Consolas" panose="020B0609020204030204" pitchFamily="49" charset="0"/>
+              </a:rPr>
+              <a:t> </a:t>
+            </a:r>
+            <a:r>
+              <a:rPr lang="de-DE" altLang="de-DE" dirty="0" err="1">
+                <a:latin typeface="Consolas" panose="020B0609020204030204" pitchFamily="49" charset="0"/>
+              </a:rPr>
+              <a:t>fetch</a:t>
+            </a:r>
+            <a:r>
+              <a:rPr lang="de-DE" altLang="de-DE" dirty="0">
+                <a:latin typeface="Consolas" panose="020B0609020204030204" pitchFamily="49" charset="0"/>
+              </a:rPr>
+              <a:t> </a:t>
+            </a:r>
+            <a:r>
+              <a:rPr lang="de-DE" altLang="de-DE" dirty="0" err="1">
+                <a:latin typeface="Consolas" panose="020B0609020204030204" pitchFamily="49" charset="0"/>
+              </a:rPr>
+              <a:t>origin</a:t>
             </a:r>
             <a:endParaRPr lang="de-DE" altLang="de-DE" dirty="0">
               <a:latin typeface="Consolas" panose="020B0609020204030204" pitchFamily="49" charset="0"/>
             </a:endParaRPr>
           </a:p>
           <a:p>
-            <a:pPr marL="400050">
+            <a:pPr marL="57150" indent="0">
               <a:spcAft>
                 <a:spcPts val="300"/>
               </a:spcAft>
-            </a:pPr>
-            <a:endParaRPr lang="en-US" altLang="de-DE" dirty="0"/>
+              <a:buNone/>
+            </a:pPr>
+            <a:endParaRPr lang="de-DE" altLang="de-DE" dirty="0">
+              <a:latin typeface="Consolas" panose="020B0609020204030204" pitchFamily="49" charset="0"/>
+            </a:endParaRPr>
+          </a:p>
+          <a:p>
+            <a:pPr marL="57150" indent="0">
+              <a:spcAft>
+                <a:spcPts val="300"/>
+              </a:spcAft>
+              <a:buNone/>
+            </a:pPr>
+            <a:r>
+              <a:rPr lang="de-DE" altLang="de-DE" dirty="0">
+                <a:latin typeface="Consolas" panose="020B0609020204030204" pitchFamily="49" charset="0"/>
+              </a:rPr>
+              <a:t>	</a:t>
+            </a:r>
+            <a:r>
+              <a:rPr lang="de-DE" altLang="de-DE" dirty="0" err="1">
+                <a:latin typeface="Consolas" panose="020B0609020204030204" pitchFamily="49" charset="0"/>
+              </a:rPr>
+              <a:t>git</a:t>
+            </a:r>
+            <a:r>
+              <a:rPr lang="de-DE" altLang="de-DE" dirty="0">
+                <a:latin typeface="Consolas" panose="020B0609020204030204" pitchFamily="49" charset="0"/>
+              </a:rPr>
+              <a:t> </a:t>
+            </a:r>
+            <a:r>
+              <a:rPr lang="de-DE" altLang="de-DE" dirty="0" err="1">
+                <a:latin typeface="Consolas" panose="020B0609020204030204" pitchFamily="49" charset="0"/>
+              </a:rPr>
+              <a:t>merge</a:t>
+            </a:r>
+            <a:r>
+              <a:rPr lang="de-DE" altLang="de-DE" dirty="0">
+                <a:latin typeface="Consolas" panose="020B0609020204030204" pitchFamily="49" charset="0"/>
+              </a:rPr>
+              <a:t> </a:t>
+            </a:r>
+            <a:r>
+              <a:rPr lang="de-DE" altLang="de-DE" dirty="0" err="1">
+                <a:latin typeface="Consolas" panose="020B0609020204030204" pitchFamily="49" charset="0"/>
+              </a:rPr>
+              <a:t>origin</a:t>
+            </a:r>
+            <a:r>
+              <a:rPr lang="de-DE" altLang="de-DE" dirty="0">
+                <a:latin typeface="Consolas" panose="020B0609020204030204" pitchFamily="49" charset="0"/>
+              </a:rPr>
+              <a:t>/feature </a:t>
+            </a:r>
+          </a:p>
+          <a:p>
+            <a:pPr marL="57150" indent="0">
+              <a:spcAft>
+                <a:spcPts val="300"/>
+              </a:spcAft>
+              <a:buNone/>
+            </a:pPr>
+            <a:r>
+              <a:rPr lang="de-DE" altLang="de-DE" dirty="0">
+                <a:latin typeface="Consolas" panose="020B0609020204030204" pitchFamily="49" charset="0"/>
+              </a:rPr>
+              <a:t>	</a:t>
+            </a:r>
+            <a:r>
+              <a:rPr lang="de-DE" altLang="de-DE" dirty="0"/>
+              <a:t>oder </a:t>
+            </a:r>
+          </a:p>
+          <a:p>
+            <a:pPr marL="57150" indent="0">
+              <a:spcAft>
+                <a:spcPts val="300"/>
+              </a:spcAft>
+              <a:buNone/>
+            </a:pPr>
+            <a:r>
+              <a:rPr lang="de-DE" altLang="de-DE" dirty="0">
+                <a:latin typeface="Consolas" panose="020B0609020204030204" pitchFamily="49" charset="0"/>
+              </a:rPr>
+              <a:t>	</a:t>
+            </a:r>
+            <a:r>
+              <a:rPr lang="de-DE" altLang="de-DE" dirty="0" err="1">
+                <a:latin typeface="Consolas" panose="020B0609020204030204" pitchFamily="49" charset="0"/>
+              </a:rPr>
+              <a:t>git</a:t>
+            </a:r>
+            <a:r>
+              <a:rPr lang="de-DE" altLang="de-DE" dirty="0">
+                <a:latin typeface="Consolas" panose="020B0609020204030204" pitchFamily="49" charset="0"/>
+              </a:rPr>
+              <a:t> </a:t>
+            </a:r>
+            <a:r>
+              <a:rPr lang="de-DE" altLang="de-DE" dirty="0" err="1">
+                <a:latin typeface="Consolas" panose="020B0609020204030204" pitchFamily="49" charset="0"/>
+              </a:rPr>
+              <a:t>rebase</a:t>
+            </a:r>
+            <a:r>
+              <a:rPr lang="de-DE" altLang="de-DE" dirty="0">
+                <a:latin typeface="Consolas" panose="020B0609020204030204" pitchFamily="49" charset="0"/>
+              </a:rPr>
+              <a:t> </a:t>
+            </a:r>
+            <a:r>
+              <a:rPr lang="de-DE" altLang="de-DE" dirty="0" err="1">
+                <a:latin typeface="Consolas" panose="020B0609020204030204" pitchFamily="49" charset="0"/>
+              </a:rPr>
+              <a:t>origin</a:t>
+            </a:r>
+            <a:r>
+              <a:rPr lang="de-DE" altLang="de-DE" dirty="0">
+                <a:latin typeface="Consolas" panose="020B0609020204030204" pitchFamily="49" charset="0"/>
+              </a:rPr>
+              <a:t>/feature</a:t>
+            </a:r>
           </a:p>
         </p:txBody>
       </p:sp>
@@ -9704,7 +10185,7 @@
     </p:spTree>
     <p:extLst>
       <p:ext uri="{BB962C8B-B14F-4D97-AF65-F5344CB8AC3E}">
-        <p14:creationId xmlns:p14="http://schemas.microsoft.com/office/powerpoint/2010/main" val="2131263901"/>
+        <p14:creationId xmlns:p14="http://schemas.microsoft.com/office/powerpoint/2010/main" val="3053364118"/>
       </p:ext>
     </p:extLst>
   </p:cSld>

--- a/slides/Tag-1_4-Git-Remote.pptx
+++ b/slides/Tag-1_4-Git-Remote.pptx
@@ -3247,6 +3247,42 @@
           </a:p>
         </p:txBody>
       </p:sp>
+      <p:pic>
+        <p:nvPicPr>
+          <p:cNvPr id="2" name="Grafik 1">
+            <a:extLst>
+              <a:ext uri="{FF2B5EF4-FFF2-40B4-BE49-F238E27FC236}">
+                <a16:creationId xmlns:a16="http://schemas.microsoft.com/office/drawing/2014/main" id="{678D2315-358B-34F4-631F-513BD385FF03}"/>
+              </a:ext>
+            </a:extLst>
+          </p:cNvPr>
+          <p:cNvPicPr>
+            <a:picLocks noChangeAspect="1"/>
+          </p:cNvPicPr>
+          <p:nvPr userDrawn="1"/>
+        </p:nvPicPr>
+        <p:blipFill>
+          <a:blip r:embed="rId5">
+            <a:extLst>
+              <a:ext uri="{28A0092B-C50C-407E-A947-70E740481C1C}">
+                <a14:useLocalDpi xmlns:a14="http://schemas.microsoft.com/office/drawing/2010/main" val="0"/>
+              </a:ext>
+            </a:extLst>
+          </a:blip>
+          <a:stretch>
+            <a:fillRect/>
+          </a:stretch>
+        </p:blipFill>
+        <p:spPr>
+          <a:xfrm>
+            <a:off x="3383868" y="4481736"/>
+            <a:ext cx="2376264" cy="2376264"/>
+          </a:xfrm>
+          <a:prstGeom prst="rect">
+            <a:avLst/>
+          </a:prstGeom>
+        </p:spPr>
+      </p:pic>
     </p:spTree>
   </p:cSld>
   <p:clrMap bg1="lt1" tx1="dk1" bg2="lt2" tx2="dk2" accent1="accent1" accent2="accent2" accent3="accent3" accent4="accent4" accent5="accent5" accent6="accent6" hlink="hlink" folHlink="folHlink"/>

--- a/slides/Tag-1_4-Git-Remote.pptx
+++ b/slides/Tag-1_4-Git-Remote.pptx
@@ -1689,7 +1689,7 @@
               <a:pPr algn="ctr">
                 <a:defRPr/>
               </a:pPr>
-              <a:t>10.06.2024</a:t>
+              <a:t>11.06.2024</a:t>
             </a:fld>
             <a:endParaRPr lang="de-DE" sz="1000" dirty="0">
               <a:solidFill>
@@ -2538,6 +2538,42 @@
           </a:p>
         </p:txBody>
       </p:sp>
+      <p:pic>
+        <p:nvPicPr>
+          <p:cNvPr id="3" name="Grafik 2">
+            <a:extLst>
+              <a:ext uri="{FF2B5EF4-FFF2-40B4-BE49-F238E27FC236}">
+                <a16:creationId xmlns:a16="http://schemas.microsoft.com/office/drawing/2014/main" id="{ECFBE76A-B45E-B477-5BBB-BC32D6F69FF3}"/>
+              </a:ext>
+            </a:extLst>
+          </p:cNvPr>
+          <p:cNvPicPr>
+            <a:picLocks noChangeAspect="1"/>
+          </p:cNvPicPr>
+          <p:nvPr userDrawn="1"/>
+        </p:nvPicPr>
+        <p:blipFill>
+          <a:blip r:embed="rId7">
+            <a:extLst>
+              <a:ext uri="{28A0092B-C50C-407E-A947-70E740481C1C}">
+                <a14:useLocalDpi xmlns:a14="http://schemas.microsoft.com/office/drawing/2010/main" val="0"/>
+              </a:ext>
+            </a:extLst>
+          </a:blip>
+          <a:stretch>
+            <a:fillRect/>
+          </a:stretch>
+        </p:blipFill>
+        <p:spPr>
+          <a:xfrm>
+            <a:off x="8486775" y="-15729"/>
+            <a:ext cx="636272" cy="636272"/>
+          </a:xfrm>
+          <a:prstGeom prst="rect">
+            <a:avLst/>
+          </a:prstGeom>
+        </p:spPr>
+      </p:pic>
     </p:spTree>
   </p:cSld>
   <p:clrMap bg1="lt1" tx1="dk1" bg2="lt2" tx2="dk2" accent1="accent1" accent2="accent2" accent3="accent3" accent4="accent4" accent5="accent5" accent6="accent6" hlink="hlink" folHlink="folHlink"/>
@@ -3823,7 +3859,7 @@
               <a:pPr algn="ctr">
                 <a:defRPr/>
               </a:pPr>
-              <a:t>10.06.2024</a:t>
+              <a:t>11.06.2024</a:t>
             </a:fld>
             <a:endParaRPr lang="de-DE" sz="1000">
               <a:solidFill>
@@ -4672,6 +4708,42 @@
           </a:p>
         </p:txBody>
       </p:sp>
+      <p:pic>
+        <p:nvPicPr>
+          <p:cNvPr id="3" name="Grafik 2">
+            <a:extLst>
+              <a:ext uri="{FF2B5EF4-FFF2-40B4-BE49-F238E27FC236}">
+                <a16:creationId xmlns:a16="http://schemas.microsoft.com/office/drawing/2014/main" id="{340F8291-7FD0-5A9F-BCCB-37D2EF9A279A}"/>
+              </a:ext>
+            </a:extLst>
+          </p:cNvPr>
+          <p:cNvPicPr>
+            <a:picLocks noChangeAspect="1"/>
+          </p:cNvPicPr>
+          <p:nvPr userDrawn="1"/>
+        </p:nvPicPr>
+        <p:blipFill>
+          <a:blip r:embed="rId7">
+            <a:extLst>
+              <a:ext uri="{28A0092B-C50C-407E-A947-70E740481C1C}">
+                <a14:useLocalDpi xmlns:a14="http://schemas.microsoft.com/office/drawing/2010/main" val="0"/>
+              </a:ext>
+            </a:extLst>
+          </a:blip>
+          <a:stretch>
+            <a:fillRect/>
+          </a:stretch>
+        </p:blipFill>
+        <p:spPr>
+          <a:xfrm>
+            <a:off x="8486775" y="-15729"/>
+            <a:ext cx="636272" cy="636272"/>
+          </a:xfrm>
+          <a:prstGeom prst="rect">
+            <a:avLst/>
+          </a:prstGeom>
+        </p:spPr>
+      </p:pic>
     </p:spTree>
     <p:extLst>
       <p:ext uri="{BB962C8B-B14F-4D97-AF65-F5344CB8AC3E}">

--- a/slides/Tag-1_4-Git-Remote.pptx
+++ b/slides/Tag-1_4-Git-Remote.pptx
@@ -1690,7 +1690,7 @@
               <a:pPr algn="ctr">
                 <a:defRPr/>
               </a:pPr>
-              <a:t>11.06.2024</a:t>
+              <a:t>12.06.2024</a:t>
             </a:fld>
             <a:endParaRPr lang="de-DE" sz="1000" dirty="0">
               <a:solidFill>
@@ -2074,8 +2074,8 @@
         </p:nvSpPr>
         <p:spPr bwMode="auto">
           <a:xfrm>
-            <a:off x="4252913" y="6424613"/>
-            <a:ext cx="1978427" cy="246221"/>
+            <a:off x="4046424" y="6451600"/>
+            <a:ext cx="1632178" cy="246221"/>
           </a:xfrm>
           <a:prstGeom prst="rect">
             <a:avLst/>
@@ -2105,7 +2105,7 @@
                 </a:solidFill>
                 <a:latin typeface="Arial" charset="0"/>
               </a:rPr>
-              <a:t>Tag-1_4-Git-Remote_Light.pptx</a:t>
+              <a:t>Tag-1_4-Git-Remote.pptx</a:t>
             </a:r>
             <a:endParaRPr lang="de-DE" dirty="0">
               <a:solidFill>
@@ -3824,7 +3824,7 @@
               <a:pPr algn="ctr">
                 <a:defRPr/>
               </a:pPr>
-              <a:t>11.06.2024</a:t>
+              <a:t>12.06.2024</a:t>
             </a:fld>
             <a:endParaRPr lang="de-DE" sz="1000">
               <a:solidFill>
@@ -4189,64 +4189,6 @@
               </a:rPr>
               <a:t>Daniel Krämer &amp; Malte Fischer</a:t>
             </a:r>
-          </a:p>
-        </p:txBody>
-      </p:sp>
-      <p:sp>
-        <p:nvSpPr>
-          <p:cNvPr id="1054" name="Text Box 30">
-            <a:extLst>
-              <a:ext uri="{FF2B5EF4-FFF2-40B4-BE49-F238E27FC236}">
-                <a16:creationId xmlns:a16="http://schemas.microsoft.com/office/drawing/2014/main" id="{9346920B-D70B-3A57-06DF-529E537954C8}"/>
-              </a:ext>
-            </a:extLst>
-          </p:cNvPr>
-          <p:cNvSpPr txBox="1">
-            <a:spLocks noChangeArrowheads="1"/>
-          </p:cNvSpPr>
-          <p:nvPr/>
-        </p:nvSpPr>
-        <p:spPr bwMode="auto">
-          <a:xfrm>
-            <a:off x="4252913" y="6424613"/>
-            <a:ext cx="1978427" cy="246221"/>
-          </a:xfrm>
-          <a:prstGeom prst="rect">
-            <a:avLst/>
-          </a:prstGeom>
-          <a:noFill/>
-          <a:ln w="12700">
-            <a:noFill/>
-            <a:miter lim="800000"/>
-            <a:headEnd type="none" w="sm" len="sm"/>
-            <a:tailEnd type="none" w="sm" len="sm"/>
-          </a:ln>
-          <a:effectLst/>
-        </p:spPr>
-        <p:txBody>
-          <a:bodyPr wrap="none">
-            <a:spAutoFit/>
-          </a:bodyPr>
-          <a:lstStyle/>
-          <a:p>
-            <a:pPr defTabSz="762000">
-              <a:defRPr/>
-            </a:pPr>
-            <a:r>
-              <a:rPr lang="de-DE" sz="1000" dirty="0">
-                <a:solidFill>
-                  <a:schemeClr val="bg1"/>
-                </a:solidFill>
-                <a:latin typeface="Arial" charset="0"/>
-              </a:rPr>
-              <a:t>Tag-1_4-Git-Remote_Light.pptx</a:t>
-            </a:r>
-            <a:endParaRPr lang="de-DE" dirty="0">
-              <a:solidFill>
-                <a:schemeClr val="bg1"/>
-              </a:solidFill>
-              <a:latin typeface="Arial" pitchFamily="34" charset="0"/>
-            </a:endParaRPr>
           </a:p>
         </p:txBody>
       </p:sp>
@@ -4709,6 +4651,64 @@
           </a:prstGeom>
         </p:spPr>
       </p:pic>
+      <p:sp>
+        <p:nvSpPr>
+          <p:cNvPr id="4" name="Text Box 30">
+            <a:extLst>
+              <a:ext uri="{FF2B5EF4-FFF2-40B4-BE49-F238E27FC236}">
+                <a16:creationId xmlns:a16="http://schemas.microsoft.com/office/drawing/2014/main" id="{840B1428-EDD6-8BC4-829B-5CA69EFA437C}"/>
+              </a:ext>
+            </a:extLst>
+          </p:cNvPr>
+          <p:cNvSpPr txBox="1">
+            <a:spLocks noChangeArrowheads="1"/>
+          </p:cNvSpPr>
+          <p:nvPr userDrawn="1"/>
+        </p:nvSpPr>
+        <p:spPr bwMode="auto">
+          <a:xfrm>
+            <a:off x="4046424" y="6451600"/>
+            <a:ext cx="1632178" cy="246221"/>
+          </a:xfrm>
+          <a:prstGeom prst="rect">
+            <a:avLst/>
+          </a:prstGeom>
+          <a:noFill/>
+          <a:ln w="12700">
+            <a:noFill/>
+            <a:miter lim="800000"/>
+            <a:headEnd type="none" w="sm" len="sm"/>
+            <a:tailEnd type="none" w="sm" len="sm"/>
+          </a:ln>
+          <a:effectLst/>
+        </p:spPr>
+        <p:txBody>
+          <a:bodyPr wrap="none">
+            <a:spAutoFit/>
+          </a:bodyPr>
+          <a:lstStyle/>
+          <a:p>
+            <a:pPr defTabSz="762000">
+              <a:defRPr/>
+            </a:pPr>
+            <a:r>
+              <a:rPr lang="de-DE" sz="1000" dirty="0">
+                <a:solidFill>
+                  <a:schemeClr val="bg1"/>
+                </a:solidFill>
+                <a:latin typeface="Arial" charset="0"/>
+              </a:rPr>
+              <a:t>Tag-1_4-Git-Remote.pptx</a:t>
+            </a:r>
+            <a:endParaRPr lang="de-DE" dirty="0">
+              <a:solidFill>
+                <a:schemeClr val="bg1"/>
+              </a:solidFill>
+              <a:latin typeface="Arial" pitchFamily="34" charset="0"/>
+            </a:endParaRPr>
+          </a:p>
+        </p:txBody>
+      </p:sp>
     </p:spTree>
     <p:extLst>
       <p:ext uri="{BB962C8B-B14F-4D97-AF65-F5344CB8AC3E}">

--- a/slides/Tag-1_4-Git-Remote.pptx
+++ b/slides/Tag-1_4-Git-Remote.pptx
@@ -1690,7 +1690,7 @@
               <a:pPr algn="ctr">
                 <a:defRPr/>
               </a:pPr>
-              <a:t>12.06.2024</a:t>
+              <a:t>14.06.2024</a:t>
             </a:fld>
             <a:endParaRPr lang="de-DE" sz="1000" dirty="0">
               <a:solidFill>
@@ -3284,6 +3284,42 @@
           </a:p>
         </p:txBody>
       </p:sp>
+      <p:pic>
+        <p:nvPicPr>
+          <p:cNvPr id="2" name="Grafik 1">
+            <a:extLst>
+              <a:ext uri="{FF2B5EF4-FFF2-40B4-BE49-F238E27FC236}">
+                <a16:creationId xmlns:a16="http://schemas.microsoft.com/office/drawing/2014/main" id="{04147974-87B9-1D09-EFB8-4534363C5FE6}"/>
+              </a:ext>
+            </a:extLst>
+          </p:cNvPr>
+          <p:cNvPicPr>
+            <a:picLocks noChangeAspect="1"/>
+          </p:cNvPicPr>
+          <p:nvPr userDrawn="1"/>
+        </p:nvPicPr>
+        <p:blipFill>
+          <a:blip r:embed="rId5">
+            <a:extLst>
+              <a:ext uri="{28A0092B-C50C-407E-A947-70E740481C1C}">
+                <a14:useLocalDpi xmlns:a14="http://schemas.microsoft.com/office/drawing/2010/main" val="0"/>
+              </a:ext>
+            </a:extLst>
+          </a:blip>
+          <a:stretch>
+            <a:fillRect/>
+          </a:stretch>
+        </p:blipFill>
+        <p:spPr>
+          <a:xfrm>
+            <a:off x="3383868" y="4481736"/>
+            <a:ext cx="2376264" cy="2376264"/>
+          </a:xfrm>
+          <a:prstGeom prst="rect">
+            <a:avLst/>
+          </a:prstGeom>
+        </p:spPr>
+      </p:pic>
     </p:spTree>
   </p:cSld>
   <p:clrMap bg1="lt1" tx1="dk1" bg2="lt2" tx2="dk2" accent1="accent1" accent2="accent2" accent3="accent3" accent4="accent4" accent5="accent5" accent6="accent6" hlink="hlink" folHlink="folHlink"/>
@@ -3824,7 +3860,7 @@
               <a:pPr algn="ctr">
                 <a:defRPr/>
               </a:pPr>
-              <a:t>12.06.2024</a:t>
+              <a:t>14.06.2024</a:t>
             </a:fld>
             <a:endParaRPr lang="de-DE" sz="1000">
               <a:solidFill>

--- a/slides/Tag-1_4-Git-Remote.pptx
+++ b/slides/Tag-1_4-Git-Remote.pptx
@@ -2118,53 +2118,6 @@
       </p:sp>
       <p:sp>
         <p:nvSpPr>
-          <p:cNvPr id="1063" name="Rectangle 39">
-            <a:hlinkClick r:id="rId4"/>
-            <a:extLst>
-              <a:ext uri="{FF2B5EF4-FFF2-40B4-BE49-F238E27FC236}">
-                <a16:creationId xmlns:a16="http://schemas.microsoft.com/office/drawing/2014/main" id="{613611E0-DAA0-F230-CD0B-8592F1472163}"/>
-              </a:ext>
-            </a:extLst>
-          </p:cNvPr>
-          <p:cNvSpPr>
-            <a:spLocks noChangeArrowheads="1"/>
-          </p:cNvSpPr>
-          <p:nvPr userDrawn="1"/>
-        </p:nvSpPr>
-        <p:spPr bwMode="auto">
-          <a:xfrm>
-            <a:off x="3914775" y="3105150"/>
-            <a:ext cx="9144000" cy="461963"/>
-          </a:xfrm>
-          <a:prstGeom prst="rect">
-            <a:avLst/>
-          </a:prstGeom>
-          <a:noFill/>
-          <a:ln w="12700">
-            <a:noFill/>
-            <a:miter lim="800000"/>
-            <a:headEnd type="none" w="sm" len="sm"/>
-            <a:tailEnd type="none" w="sm" len="sm"/>
-          </a:ln>
-          <a:effectLst/>
-        </p:spPr>
-        <p:txBody>
-          <a:bodyPr>
-            <a:spAutoFit/>
-          </a:bodyPr>
-          <a:lstStyle/>
-          <a:p>
-            <a:pPr>
-              <a:defRPr/>
-            </a:pPr>
-            <a:endParaRPr lang="de-DE" dirty="0">
-              <a:latin typeface="Arial" pitchFamily="34" charset="0"/>
-            </a:endParaRPr>
-          </a:p>
-        </p:txBody>
-      </p:sp>
-      <p:sp>
-        <p:nvSpPr>
           <p:cNvPr id="1064" name="Rectangle 40">
             <a:extLst>
               <a:ext uri="{FF2B5EF4-FFF2-40B4-BE49-F238E27FC236}">
@@ -2370,7 +2323,7 @@
           <p:nvPr userDrawn="1"/>
         </p:nvPicPr>
         <p:blipFill>
-          <a:blip r:embed="rId5">
+          <a:blip r:embed="rId4">
             <a:extLst>
               <a:ext uri="{28A0092B-C50C-407E-A947-70E740481C1C}">
                 <a14:useLocalDpi xmlns:a14="http://schemas.microsoft.com/office/drawing/2010/main" val="0"/>
@@ -2430,7 +2383,7 @@
           <p:nvPr userDrawn="1"/>
         </p:nvPicPr>
         <p:blipFill>
-          <a:blip r:embed="rId6">
+          <a:blip r:embed="rId5">
             <a:extLst>
               <a:ext uri="{28A0092B-C50C-407E-A947-70E740481C1C}">
                 <a14:useLocalDpi xmlns:a14="http://schemas.microsoft.com/office/drawing/2010/main" val="0"/>
@@ -2554,7 +2507,7 @@
           <p:nvPr userDrawn="1"/>
         </p:nvPicPr>
         <p:blipFill>
-          <a:blip r:embed="rId7">
+          <a:blip r:embed="rId6">
             <a:extLst>
               <a:ext uri="{28A0092B-C50C-407E-A947-70E740481C1C}">
                 <a14:useLocalDpi xmlns:a14="http://schemas.microsoft.com/office/drawing/2010/main" val="0"/>
@@ -4230,53 +4183,6 @@
       </p:sp>
       <p:sp>
         <p:nvSpPr>
-          <p:cNvPr id="1063" name="Rectangle 39">
-            <a:hlinkClick r:id="rId4"/>
-            <a:extLst>
-              <a:ext uri="{FF2B5EF4-FFF2-40B4-BE49-F238E27FC236}">
-                <a16:creationId xmlns:a16="http://schemas.microsoft.com/office/drawing/2014/main" id="{613611E0-DAA0-F230-CD0B-8592F1472163}"/>
-              </a:ext>
-            </a:extLst>
-          </p:cNvPr>
-          <p:cNvSpPr>
-            <a:spLocks noChangeArrowheads="1"/>
-          </p:cNvSpPr>
-          <p:nvPr userDrawn="1"/>
-        </p:nvSpPr>
-        <p:spPr bwMode="auto">
-          <a:xfrm>
-            <a:off x="3914775" y="3105150"/>
-            <a:ext cx="9144000" cy="461963"/>
-          </a:xfrm>
-          <a:prstGeom prst="rect">
-            <a:avLst/>
-          </a:prstGeom>
-          <a:noFill/>
-          <a:ln w="12700">
-            <a:noFill/>
-            <a:miter lim="800000"/>
-            <a:headEnd type="none" w="sm" len="sm"/>
-            <a:tailEnd type="none" w="sm" len="sm"/>
-          </a:ln>
-          <a:effectLst/>
-        </p:spPr>
-        <p:txBody>
-          <a:bodyPr>
-            <a:spAutoFit/>
-          </a:bodyPr>
-          <a:lstStyle/>
-          <a:p>
-            <a:pPr>
-              <a:defRPr/>
-            </a:pPr>
-            <a:endParaRPr lang="de-DE" dirty="0">
-              <a:latin typeface="Arial" pitchFamily="34" charset="0"/>
-            </a:endParaRPr>
-          </a:p>
-        </p:txBody>
-      </p:sp>
-      <p:sp>
-        <p:nvSpPr>
           <p:cNvPr id="1064" name="Rectangle 40">
             <a:extLst>
               <a:ext uri="{FF2B5EF4-FFF2-40B4-BE49-F238E27FC236}">
@@ -4482,7 +4388,7 @@
           <p:nvPr userDrawn="1"/>
         </p:nvPicPr>
         <p:blipFill>
-          <a:blip r:embed="rId5">
+          <a:blip r:embed="rId4">
             <a:extLst>
               <a:ext uri="{28A0092B-C50C-407E-A947-70E740481C1C}">
                 <a14:useLocalDpi xmlns:a14="http://schemas.microsoft.com/office/drawing/2010/main" val="0"/>
@@ -4542,7 +4448,7 @@
           <p:nvPr userDrawn="1"/>
         </p:nvPicPr>
         <p:blipFill>
-          <a:blip r:embed="rId6">
+          <a:blip r:embed="rId5">
             <a:extLst>
               <a:ext uri="{28A0092B-C50C-407E-A947-70E740481C1C}">
                 <a14:useLocalDpi xmlns:a14="http://schemas.microsoft.com/office/drawing/2010/main" val="0"/>
@@ -4666,7 +4572,7 @@
           <p:nvPr userDrawn="1"/>
         </p:nvPicPr>
         <p:blipFill>
-          <a:blip r:embed="rId7">
+          <a:blip r:embed="rId6">
             <a:extLst>
               <a:ext uri="{28A0092B-C50C-407E-A947-70E740481C1C}">
                 <a14:useLocalDpi xmlns:a14="http://schemas.microsoft.com/office/drawing/2010/main" val="0"/>

--- a/slides/Tag-1_4-Git-Remote.pptx
+++ b/slides/Tag-1_4-Git-Remote.pptx
@@ -14,8 +14,8 @@
   </p:handoutMasterIdLst>
   <p:sldIdLst>
     <p:sldId id="604" r:id="rId4"/>
-    <p:sldId id="289" r:id="rId5"/>
-    <p:sldId id="598" r:id="rId6"/>
+    <p:sldId id="607" r:id="rId5"/>
+    <p:sldId id="608" r:id="rId6"/>
     <p:sldId id="596" r:id="rId7"/>
     <p:sldId id="371" r:id="rId8"/>
     <p:sldId id="372" r:id="rId9"/>
@@ -1690,7 +1690,7 @@
               <a:pPr algn="ctr">
                 <a:defRPr/>
               </a:pPr>
-              <a:t>14.06.2024</a:t>
+              <a:t>18.06.2024</a:t>
             </a:fld>
             <a:endParaRPr lang="de-DE" sz="1000" dirty="0">
               <a:solidFill>
@@ -2053,7 +2053,7 @@
                 </a:solidFill>
                 <a:latin typeface="Arial" charset="0"/>
               </a:rPr>
-              <a:t>Daniel Krämer &amp; Malte Fischer</a:t>
+              <a:t>Daniel Krämer</a:t>
             </a:r>
           </a:p>
         </p:txBody>
@@ -3813,7 +3813,7 @@
               <a:pPr algn="ctr">
                 <a:defRPr/>
               </a:pPr>
-              <a:t>14.06.2024</a:t>
+              <a:t>18.06.2024</a:t>
             </a:fld>
             <a:endParaRPr lang="de-DE" sz="1000">
               <a:solidFill>
@@ -4176,7 +4176,7 @@
                 </a:solidFill>
                 <a:latin typeface="Arial" charset="0"/>
               </a:rPr>
-              <a:t>Daniel Krämer &amp; Malte Fischer</a:t>
+              <a:t>Daniel Krämer</a:t>
             </a:r>
           </a:p>
         </p:txBody>
@@ -5166,18 +5166,7 @@
               <a:rPr lang="de-DE" altLang="de-DE" sz="3200" dirty="0" err="1"/>
               <a:t>GitLab</a:t>
             </a:r>
-            <a:r>
-              <a:rPr lang="de-DE" altLang="de-DE" sz="3200" dirty="0"/>
-              <a:t>, </a:t>
-            </a:r>
-            <a:r>
-              <a:rPr lang="de-DE" altLang="de-DE" sz="3200" dirty="0" err="1"/>
-              <a:t>Git</a:t>
-            </a:r>
-            <a:r>
-              <a:rPr lang="de-DE" altLang="de-DE" sz="3200" dirty="0"/>
-              <a:t>-Workflow im Team</a:t>
-            </a:r>
+            <a:endParaRPr lang="de-DE" altLang="de-DE" sz="3200" dirty="0"/>
           </a:p>
         </p:txBody>
       </p:sp>
@@ -5236,7 +5225,7 @@
             </a:pPr>
             <a:r>
               <a:rPr lang="de-DE" altLang="de-DE" sz="1600" dirty="0"/>
-              <a:t>17.06.2024, Daniel Krämer &amp; Malte Fischer</a:t>
+              <a:t>17.06.2024, Daniel Krämer</a:t>
             </a:r>
           </a:p>
         </p:txBody>
@@ -7359,18 +7348,7 @@
               <a:rPr lang="de-DE" altLang="de-DE" sz="1800" b="1" dirty="0" err="1"/>
               <a:t>GitLab</a:t>
             </a:r>
-            <a:r>
-              <a:rPr lang="de-DE" altLang="de-DE" sz="1800" b="1" dirty="0"/>
-              <a:t>, </a:t>
-            </a:r>
-            <a:r>
-              <a:rPr lang="de-DE" altLang="de-DE" sz="1800" b="1" dirty="0" err="1"/>
-              <a:t>Git</a:t>
-            </a:r>
-            <a:r>
-              <a:rPr lang="de-DE" altLang="de-DE" sz="1800" b="1" dirty="0"/>
-              <a:t>-Workflow im Team</a:t>
-            </a:r>
+            <a:endParaRPr lang="de-DE" altLang="de-DE" sz="1800" b="1" dirty="0"/>
           </a:p>
           <a:p>
             <a:pPr lvl="1">
@@ -7457,6 +7435,32 @@
             <a:endParaRPr lang="de-DE" altLang="de-DE" sz="1400" dirty="0"/>
           </a:p>
           <a:p>
+            <a:pPr>
+              <a:buFont typeface="Arial" panose="020B0604020202020204" pitchFamily="34" charset="0"/>
+              <a:buChar char="•"/>
+            </a:pPr>
+            <a:r>
+              <a:rPr lang="de-DE" altLang="de-DE" sz="1800" b="1" dirty="0"/>
+              <a:t>Tag 2 – </a:t>
+            </a:r>
+            <a:r>
+              <a:rPr lang="de-DE" altLang="de-DE" sz="1800" b="1" dirty="0" err="1"/>
+              <a:t>Git</a:t>
+            </a:r>
+            <a:r>
+              <a:rPr lang="de-DE" altLang="de-DE" sz="1800" b="1" dirty="0"/>
+              <a:t>-Workflows, CI/CD, </a:t>
+            </a:r>
+            <a:r>
+              <a:rPr lang="de-DE" altLang="de-DE" sz="1800" b="1" dirty="0" err="1"/>
+              <a:t>GitLab</a:t>
+            </a:r>
+            <a:r>
+              <a:rPr lang="de-DE" altLang="de-DE" sz="1800" b="1" dirty="0"/>
+              <a:t> CI </a:t>
+            </a:r>
+          </a:p>
+          <a:p>
             <a:pPr lvl="1">
               <a:buFont typeface="Arial" panose="020B0604020202020204" pitchFamily="34" charset="0"/>
               <a:buChar char="•"/>
@@ -7471,29 +7475,90 @@
             </a:r>
           </a:p>
           <a:p>
+            <a:pPr lvl="1">
+              <a:buFont typeface="Arial" panose="020B0604020202020204" pitchFamily="34" charset="0"/>
+              <a:buChar char="•"/>
+            </a:pPr>
+            <a:r>
+              <a:rPr lang="de-DE" altLang="de-DE" sz="1400" dirty="0" err="1"/>
+              <a:t>Gitflow</a:t>
+            </a:r>
+            <a:r>
+              <a:rPr lang="de-DE" altLang="de-DE" sz="1400" dirty="0"/>
+              <a:t>-Workflow</a:t>
+            </a:r>
+          </a:p>
+          <a:p>
+            <a:pPr lvl="1">
+              <a:buFont typeface="Arial" panose="020B0604020202020204" pitchFamily="34" charset="0"/>
+              <a:buChar char="•"/>
+            </a:pPr>
+            <a:r>
+              <a:rPr lang="de-DE" altLang="de-DE" sz="1400" dirty="0"/>
+              <a:t>Tags, Releases &amp; deren Verwaltung</a:t>
+            </a:r>
+          </a:p>
+          <a:p>
+            <a:pPr lvl="1">
+              <a:buFont typeface="Arial" panose="020B0604020202020204" pitchFamily="34" charset="0"/>
+              <a:buChar char="•"/>
+            </a:pPr>
+            <a:r>
+              <a:rPr lang="de-DE" altLang="de-DE" sz="1400" dirty="0"/>
+              <a:t>Einführung in </a:t>
+            </a:r>
+            <a:r>
+              <a:rPr lang="de-DE" altLang="de-DE" sz="1400" dirty="0" err="1"/>
+              <a:t>GitLab</a:t>
+            </a:r>
+            <a:r>
+              <a:rPr lang="de-DE" altLang="de-DE" sz="1400" dirty="0"/>
+              <a:t> CI/CD &amp; </a:t>
+            </a:r>
+            <a:r>
+              <a:rPr lang="de-DE" altLang="de-DE" sz="1400" dirty="0" err="1"/>
+              <a:t>gitlab-ci.yml</a:t>
+            </a:r>
+            <a:endParaRPr lang="de-DE" altLang="de-DE" sz="1400" dirty="0"/>
+          </a:p>
+          <a:p>
+            <a:pPr lvl="1">
+              <a:buFont typeface="Arial" panose="020B0604020202020204" pitchFamily="34" charset="0"/>
+              <a:buChar char="•"/>
+            </a:pPr>
+            <a:r>
+              <a:rPr lang="de-DE" altLang="de-DE" sz="1400" dirty="0" err="1"/>
+              <a:t>GitLab</a:t>
+            </a:r>
+            <a:r>
+              <a:rPr lang="de-DE" altLang="de-DE" sz="1400" dirty="0"/>
+              <a:t> Runner</a:t>
+            </a:r>
+          </a:p>
+          <a:p>
             <a:pPr>
               <a:buFont typeface="Arial" panose="020B0604020202020204" pitchFamily="34" charset="0"/>
               <a:buChar char="•"/>
             </a:pPr>
             <a:r>
               <a:rPr lang="de-DE" altLang="de-DE" sz="1800" b="1" dirty="0"/>
-              <a:t>Tag 2 – Vertiefung </a:t>
+              <a:t>Tag 3 – </a:t>
             </a:r>
             <a:r>
               <a:rPr lang="de-DE" altLang="de-DE" sz="1800" b="1" dirty="0" err="1"/>
-              <a:t>Git</a:t>
+              <a:t>GitOps</a:t>
             </a:r>
             <a:r>
               <a:rPr lang="de-DE" altLang="de-DE" sz="1800" b="1" dirty="0"/>
-              <a:t>-Workflow, CI/CD &amp; </a:t>
+              <a:t>, Docker, </a:t>
             </a:r>
             <a:r>
               <a:rPr lang="de-DE" altLang="de-DE" sz="1800" b="1" dirty="0" err="1"/>
-              <a:t>GitLab</a:t>
+              <a:t>Deployment</a:t>
             </a:r>
             <a:r>
               <a:rPr lang="de-DE" altLang="de-DE" sz="1800" b="1" dirty="0"/>
-              <a:t> CI </a:t>
+              <a:t>-Strategien</a:t>
             </a:r>
           </a:p>
           <a:p>
@@ -7503,11 +7568,11 @@
             </a:pPr>
             <a:r>
               <a:rPr lang="de-DE" altLang="de-DE" sz="1400" dirty="0" err="1"/>
-              <a:t>Gitflow</a:t>
+              <a:t>GitOps</a:t>
             </a:r>
             <a:r>
               <a:rPr lang="de-DE" altLang="de-DE" sz="1400" dirty="0"/>
-              <a:t>-Workflow</a:t>
+              <a:t> Grundlagen</a:t>
             </a:r>
           </a:p>
           <a:p>
@@ -7517,94 +7582,7 @@
             </a:pPr>
             <a:r>
               <a:rPr lang="de-DE" altLang="de-DE" sz="1400" dirty="0"/>
-              <a:t>Tags, Releases &amp; deren Verwaltung</a:t>
-            </a:r>
-          </a:p>
-          <a:p>
-            <a:pPr lvl="1">
-              <a:buFont typeface="Arial" panose="020B0604020202020204" pitchFamily="34" charset="0"/>
-              <a:buChar char="•"/>
-            </a:pPr>
-            <a:r>
-              <a:rPr lang="de-DE" altLang="de-DE" sz="1400" dirty="0" err="1"/>
-              <a:t>GitLab</a:t>
-            </a:r>
-            <a:r>
-              <a:rPr lang="de-DE" altLang="de-DE" sz="1400" dirty="0"/>
-              <a:t>-Runner</a:t>
-            </a:r>
-          </a:p>
-          <a:p>
-            <a:pPr lvl="1">
-              <a:buFont typeface="Arial" panose="020B0604020202020204" pitchFamily="34" charset="0"/>
-              <a:buChar char="•"/>
-            </a:pPr>
-            <a:r>
-              <a:rPr lang="de-DE" altLang="de-DE" sz="1400" dirty="0"/>
-              <a:t>Einführung in </a:t>
-            </a:r>
-            <a:r>
-              <a:rPr lang="de-DE" altLang="de-DE" sz="1400" dirty="0" err="1"/>
-              <a:t>GitLab</a:t>
-            </a:r>
-            <a:r>
-              <a:rPr lang="de-DE" altLang="de-DE" sz="1400" dirty="0"/>
-              <a:t> CI/CD &amp; </a:t>
-            </a:r>
-            <a:r>
-              <a:rPr lang="de-DE" altLang="de-DE" sz="1400" dirty="0" err="1"/>
-              <a:t>gitlab.yml</a:t>
-            </a:r>
-            <a:endParaRPr lang="de-DE" altLang="de-DE" sz="1400" dirty="0"/>
-          </a:p>
-          <a:p>
-            <a:pPr>
-              <a:buFont typeface="Arial" panose="020B0604020202020204" pitchFamily="34" charset="0"/>
-              <a:buChar char="•"/>
-            </a:pPr>
-            <a:r>
-              <a:rPr lang="de-DE" altLang="de-DE" sz="1800" b="1" dirty="0"/>
-              <a:t>Tag 3 – </a:t>
-            </a:r>
-            <a:r>
-              <a:rPr lang="de-DE" altLang="de-DE" sz="1800" b="1" dirty="0" err="1"/>
-              <a:t>GitOps</a:t>
-            </a:r>
-            <a:r>
-              <a:rPr lang="de-DE" altLang="de-DE" sz="1800" b="1" dirty="0"/>
-              <a:t>, Docker in der Entwicklung und </a:t>
-            </a:r>
-            <a:r>
-              <a:rPr lang="de-DE" altLang="de-DE" sz="1800" b="1" dirty="0" err="1"/>
-              <a:t>Deployment</a:t>
-            </a:r>
-            <a:r>
-              <a:rPr lang="de-DE" altLang="de-DE" sz="1800" b="1" dirty="0"/>
-              <a:t>-Strategien</a:t>
-            </a:r>
-          </a:p>
-          <a:p>
-            <a:pPr lvl="1">
-              <a:buFont typeface="Arial" panose="020B0604020202020204" pitchFamily="34" charset="0"/>
-              <a:buChar char="•"/>
-            </a:pPr>
-            <a:r>
-              <a:rPr lang="de-DE" altLang="de-DE" sz="1400" dirty="0" err="1"/>
-              <a:t>GitOps</a:t>
-            </a:r>
-            <a:r>
-              <a:rPr lang="de-DE" altLang="de-DE" sz="1400" dirty="0"/>
-              <a:t> Grundlagen</a:t>
-            </a:r>
-          </a:p>
-          <a:p>
-            <a:pPr lvl="1">
-              <a:buFont typeface="Arial" panose="020B0604020202020204" pitchFamily="34" charset="0"/>
-              <a:buChar char="•"/>
-            </a:pPr>
-            <a:r>
-              <a:rPr lang="de-DE" altLang="de-DE" sz="1400" dirty="0"/>
-              <a:t>Lokale Entwicklung mit Docker</a:t>
+              <a:t>Entwicklung mit Docker</a:t>
             </a:r>
           </a:p>
           <a:p>
@@ -7771,18 +7749,7 @@
               <a:rPr lang="de-DE" altLang="de-DE" sz="1800" b="1" dirty="0" err="1"/>
               <a:t>GitLab</a:t>
             </a:r>
-            <a:r>
-              <a:rPr lang="de-DE" altLang="de-DE" sz="1800" b="1" dirty="0"/>
-              <a:t>, </a:t>
-            </a:r>
-            <a:r>
-              <a:rPr lang="de-DE" altLang="de-DE" sz="1800" b="1" dirty="0" err="1"/>
-              <a:t>Git</a:t>
-            </a:r>
-            <a:r>
-              <a:rPr lang="de-DE" altLang="de-DE" sz="1800" b="1" dirty="0"/>
-              <a:t>-Workflow im Team</a:t>
-            </a:r>
+            <a:endParaRPr lang="de-DE" altLang="de-DE" sz="1800" b="1" dirty="0"/>
           </a:p>
           <a:p>
             <a:pPr lvl="1">
@@ -7869,6 +7836,32 @@
             <a:endParaRPr lang="de-DE" altLang="de-DE" sz="1400" dirty="0"/>
           </a:p>
           <a:p>
+            <a:pPr>
+              <a:buFont typeface="Arial" panose="020B0604020202020204" pitchFamily="34" charset="0"/>
+              <a:buChar char="•"/>
+            </a:pPr>
+            <a:r>
+              <a:rPr lang="de-DE" altLang="de-DE" sz="1800" b="1" dirty="0"/>
+              <a:t>Tag 2 – </a:t>
+            </a:r>
+            <a:r>
+              <a:rPr lang="de-DE" altLang="de-DE" sz="1800" b="1" dirty="0" err="1"/>
+              <a:t>Git</a:t>
+            </a:r>
+            <a:r>
+              <a:rPr lang="de-DE" altLang="de-DE" sz="1800" b="1" dirty="0"/>
+              <a:t>-Workflows, CI/CD, </a:t>
+            </a:r>
+            <a:r>
+              <a:rPr lang="de-DE" altLang="de-DE" sz="1800" b="1" dirty="0" err="1"/>
+              <a:t>GitLab</a:t>
+            </a:r>
+            <a:r>
+              <a:rPr lang="de-DE" altLang="de-DE" sz="1800" b="1" dirty="0"/>
+              <a:t> CI </a:t>
+            </a:r>
+          </a:p>
+          <a:p>
             <a:pPr lvl="1">
               <a:buFont typeface="Arial" panose="020B0604020202020204" pitchFamily="34" charset="0"/>
               <a:buChar char="•"/>
@@ -7883,29 +7876,90 @@
             </a:r>
           </a:p>
           <a:p>
+            <a:pPr lvl="1">
+              <a:buFont typeface="Arial" panose="020B0604020202020204" pitchFamily="34" charset="0"/>
+              <a:buChar char="•"/>
+            </a:pPr>
+            <a:r>
+              <a:rPr lang="de-DE" altLang="de-DE" sz="1400" dirty="0" err="1"/>
+              <a:t>Gitflow</a:t>
+            </a:r>
+            <a:r>
+              <a:rPr lang="de-DE" altLang="de-DE" sz="1400" dirty="0"/>
+              <a:t>-Workflow</a:t>
+            </a:r>
+          </a:p>
+          <a:p>
+            <a:pPr lvl="1">
+              <a:buFont typeface="Arial" panose="020B0604020202020204" pitchFamily="34" charset="0"/>
+              <a:buChar char="•"/>
+            </a:pPr>
+            <a:r>
+              <a:rPr lang="de-DE" altLang="de-DE" sz="1400" dirty="0"/>
+              <a:t>Tags, Releases &amp; deren Verwaltung</a:t>
+            </a:r>
+          </a:p>
+          <a:p>
+            <a:pPr lvl="1">
+              <a:buFont typeface="Arial" panose="020B0604020202020204" pitchFamily="34" charset="0"/>
+              <a:buChar char="•"/>
+            </a:pPr>
+            <a:r>
+              <a:rPr lang="de-DE" altLang="de-DE" sz="1400" dirty="0"/>
+              <a:t>Einführung in </a:t>
+            </a:r>
+            <a:r>
+              <a:rPr lang="de-DE" altLang="de-DE" sz="1400" dirty="0" err="1"/>
+              <a:t>GitLab</a:t>
+            </a:r>
+            <a:r>
+              <a:rPr lang="de-DE" altLang="de-DE" sz="1400" dirty="0"/>
+              <a:t> CI/CD &amp; </a:t>
+            </a:r>
+            <a:r>
+              <a:rPr lang="de-DE" altLang="de-DE" sz="1400" dirty="0" err="1"/>
+              <a:t>gitlab-ci.yml</a:t>
+            </a:r>
+            <a:endParaRPr lang="de-DE" altLang="de-DE" sz="1400" dirty="0"/>
+          </a:p>
+          <a:p>
+            <a:pPr lvl="1">
+              <a:buFont typeface="Arial" panose="020B0604020202020204" pitchFamily="34" charset="0"/>
+              <a:buChar char="•"/>
+            </a:pPr>
+            <a:r>
+              <a:rPr lang="de-DE" altLang="de-DE" sz="1400" dirty="0" err="1"/>
+              <a:t>GitLab</a:t>
+            </a:r>
+            <a:r>
+              <a:rPr lang="de-DE" altLang="de-DE" sz="1400" dirty="0"/>
+              <a:t> Runner</a:t>
+            </a:r>
+          </a:p>
+          <a:p>
             <a:pPr>
               <a:buFont typeface="Arial" panose="020B0604020202020204" pitchFamily="34" charset="0"/>
               <a:buChar char="•"/>
             </a:pPr>
             <a:r>
               <a:rPr lang="de-DE" altLang="de-DE" sz="1800" b="1" dirty="0"/>
-              <a:t>Tag 2 – Vertiefung </a:t>
+              <a:t>Tag 3 – </a:t>
             </a:r>
             <a:r>
               <a:rPr lang="de-DE" altLang="de-DE" sz="1800" b="1" dirty="0" err="1"/>
-              <a:t>Git</a:t>
+              <a:t>GitOps</a:t>
             </a:r>
             <a:r>
               <a:rPr lang="de-DE" altLang="de-DE" sz="1800" b="1" dirty="0"/>
-              <a:t>-Workflow, CI/CD &amp; </a:t>
+              <a:t>, Docker, </a:t>
             </a:r>
             <a:r>
               <a:rPr lang="de-DE" altLang="de-DE" sz="1800" b="1" dirty="0" err="1"/>
-              <a:t>GitLab</a:t>
+              <a:t>Deployment</a:t>
             </a:r>
             <a:r>
               <a:rPr lang="de-DE" altLang="de-DE" sz="1800" b="1" dirty="0"/>
-              <a:t> CI </a:t>
+              <a:t>-Strategien</a:t>
             </a:r>
           </a:p>
           <a:p>
@@ -7915,11 +7969,11 @@
             </a:pPr>
             <a:r>
               <a:rPr lang="de-DE" altLang="de-DE" sz="1400" dirty="0" err="1"/>
-              <a:t>Gitflow</a:t>
+              <a:t>GitOps</a:t>
             </a:r>
             <a:r>
               <a:rPr lang="de-DE" altLang="de-DE" sz="1400" dirty="0"/>
-              <a:t>-Workflow</a:t>
+              <a:t> Grundlagen</a:t>
             </a:r>
           </a:p>
           <a:p>
@@ -7929,94 +7983,7 @@
             </a:pPr>
             <a:r>
               <a:rPr lang="de-DE" altLang="de-DE" sz="1400" dirty="0"/>
-              <a:t>Tags, Releases &amp; deren Verwaltung</a:t>
-            </a:r>
-          </a:p>
-          <a:p>
-            <a:pPr lvl="1">
-              <a:buFont typeface="Arial" panose="020B0604020202020204" pitchFamily="34" charset="0"/>
-              <a:buChar char="•"/>
-            </a:pPr>
-            <a:r>
-              <a:rPr lang="de-DE" altLang="de-DE" sz="1400" dirty="0" err="1"/>
-              <a:t>GitLab</a:t>
-            </a:r>
-            <a:r>
-              <a:rPr lang="de-DE" altLang="de-DE" sz="1400" dirty="0"/>
-              <a:t>-Runner</a:t>
-            </a:r>
-          </a:p>
-          <a:p>
-            <a:pPr lvl="1">
-              <a:buFont typeface="Arial" panose="020B0604020202020204" pitchFamily="34" charset="0"/>
-              <a:buChar char="•"/>
-            </a:pPr>
-            <a:r>
-              <a:rPr lang="de-DE" altLang="de-DE" sz="1400" dirty="0"/>
-              <a:t>Einführung in </a:t>
-            </a:r>
-            <a:r>
-              <a:rPr lang="de-DE" altLang="de-DE" sz="1400" dirty="0" err="1"/>
-              <a:t>GitLab</a:t>
-            </a:r>
-            <a:r>
-              <a:rPr lang="de-DE" altLang="de-DE" sz="1400" dirty="0"/>
-              <a:t> CI/CD &amp; </a:t>
-            </a:r>
-            <a:r>
-              <a:rPr lang="de-DE" altLang="de-DE" sz="1400" dirty="0" err="1"/>
-              <a:t>gitlab.yml</a:t>
-            </a:r>
-            <a:endParaRPr lang="de-DE" altLang="de-DE" sz="1400" dirty="0"/>
-          </a:p>
-          <a:p>
-            <a:pPr>
-              <a:buFont typeface="Arial" panose="020B0604020202020204" pitchFamily="34" charset="0"/>
-              <a:buChar char="•"/>
-            </a:pPr>
-            <a:r>
-              <a:rPr lang="de-DE" altLang="de-DE" sz="1800" b="1" dirty="0"/>
-              <a:t>Tag 3 – </a:t>
-            </a:r>
-            <a:r>
-              <a:rPr lang="de-DE" altLang="de-DE" sz="1800" b="1" dirty="0" err="1"/>
-              <a:t>GitOps</a:t>
-            </a:r>
-            <a:r>
-              <a:rPr lang="de-DE" altLang="de-DE" sz="1800" b="1" dirty="0"/>
-              <a:t>, Docker in der Entwicklung und </a:t>
-            </a:r>
-            <a:r>
-              <a:rPr lang="de-DE" altLang="de-DE" sz="1800" b="1" dirty="0" err="1"/>
-              <a:t>Deployment</a:t>
-            </a:r>
-            <a:r>
-              <a:rPr lang="de-DE" altLang="de-DE" sz="1800" b="1" dirty="0"/>
-              <a:t>-Strategien</a:t>
-            </a:r>
-          </a:p>
-          <a:p>
-            <a:pPr lvl="1">
-              <a:buFont typeface="Arial" panose="020B0604020202020204" pitchFamily="34" charset="0"/>
-              <a:buChar char="•"/>
-            </a:pPr>
-            <a:r>
-              <a:rPr lang="de-DE" altLang="de-DE" sz="1400" dirty="0" err="1"/>
-              <a:t>GitOps</a:t>
-            </a:r>
-            <a:r>
-              <a:rPr lang="de-DE" altLang="de-DE" sz="1400" dirty="0"/>
-              <a:t> Grundlagen</a:t>
-            </a:r>
-          </a:p>
-          <a:p>
-            <a:pPr lvl="1">
-              <a:buFont typeface="Arial" panose="020B0604020202020204" pitchFamily="34" charset="0"/>
-              <a:buChar char="•"/>
-            </a:pPr>
-            <a:r>
-              <a:rPr lang="de-DE" altLang="de-DE" sz="1400" dirty="0"/>
-              <a:t>Lokale Entwicklung mit Docker</a:t>
+              <a:t>Entwicklung mit Docker</a:t>
             </a:r>
           </a:p>
           <a:p>

--- a/slides/Tag-1_4-Git-Remote.pptx
+++ b/slides/Tag-1_4-Git-Remote.pptx
@@ -14,8 +14,8 @@
   </p:handoutMasterIdLst>
   <p:sldIdLst>
     <p:sldId id="604" r:id="rId4"/>
-    <p:sldId id="607" r:id="rId5"/>
-    <p:sldId id="608" r:id="rId6"/>
+    <p:sldId id="592" r:id="rId5"/>
+    <p:sldId id="609" r:id="rId6"/>
     <p:sldId id="596" r:id="rId7"/>
     <p:sldId id="371" r:id="rId8"/>
     <p:sldId id="372" r:id="rId9"/>
@@ -1690,7 +1690,7 @@
               <a:pPr algn="ctr">
                 <a:defRPr/>
               </a:pPr>
-              <a:t>18.06.2024</a:t>
+              <a:t>19.06.2024</a:t>
             </a:fld>
             <a:endParaRPr lang="de-DE" sz="1000" dirty="0">
               <a:solidFill>
@@ -3813,7 +3813,7 @@
               <a:pPr algn="ctr">
                 <a:defRPr/>
               </a:pPr>
-              <a:t>18.06.2024</a:t>
+              <a:t>19.06.2024</a:t>
             </a:fld>
             <a:endParaRPr lang="de-DE" sz="1000">
               <a:solidFill>
@@ -7542,7 +7542,7 @@
             </a:pPr>
             <a:r>
               <a:rPr lang="de-DE" altLang="de-DE" sz="1800" b="1" dirty="0"/>
-              <a:t>Tag 3 – </a:t>
+              <a:t>Tag 3 – Docker, </a:t>
             </a:r>
             <a:r>
               <a:rPr lang="de-DE" altLang="de-DE" sz="1800" b="1" dirty="0" err="1"/>
@@ -7550,7 +7550,7 @@
             </a:r>
             <a:r>
               <a:rPr lang="de-DE" altLang="de-DE" sz="1800" b="1" dirty="0"/>
-              <a:t>, Docker, </a:t>
+              <a:t>, </a:t>
             </a:r>
             <a:r>
               <a:rPr lang="de-DE" altLang="de-DE" sz="1800" b="1" dirty="0" err="1"/>
@@ -7567,12 +7567,8 @@
               <a:buChar char="•"/>
             </a:pPr>
             <a:r>
-              <a:rPr lang="de-DE" altLang="de-DE" sz="1400" dirty="0" err="1"/>
-              <a:t>GitOps</a:t>
-            </a:r>
-            <a:r>
               <a:rPr lang="de-DE" altLang="de-DE" sz="1400" dirty="0"/>
-              <a:t> Grundlagen</a:t>
+              <a:t>Entwicklung mit Docker</a:t>
             </a:r>
           </a:p>
           <a:p>
@@ -7582,7 +7578,7 @@
             </a:pPr>
             <a:r>
               <a:rPr lang="de-DE" altLang="de-DE" sz="1400" dirty="0"/>
-              <a:t>Entwicklung mit Docker</a:t>
+              <a:t>Container/Docker-Registry</a:t>
             </a:r>
           </a:p>
           <a:p>
@@ -7592,7 +7588,15 @@
             </a:pPr>
             <a:r>
               <a:rPr lang="de-DE" altLang="de-DE" sz="1400" dirty="0"/>
-              <a:t>Container/Docker-Registry</a:t>
+              <a:t>Erstellen von Release- und </a:t>
+            </a:r>
+            <a:r>
+              <a:rPr lang="de-DE" altLang="de-DE" sz="1400" dirty="0" err="1"/>
+              <a:t>Tagged</a:t>
+            </a:r>
+            <a:r>
+              <a:rPr lang="de-DE" altLang="de-DE" sz="1400" dirty="0"/>
+              <a:t>-Images</a:t>
             </a:r>
           </a:p>
           <a:p>
@@ -7601,16 +7605,12 @@
               <a:buChar char="•"/>
             </a:pPr>
             <a:r>
+              <a:rPr lang="de-DE" altLang="de-DE" sz="1400" dirty="0" err="1"/>
+              <a:t>GitOps</a:t>
+            </a:r>
+            <a:r>
               <a:rPr lang="de-DE" altLang="de-DE" sz="1400" dirty="0"/>
-              <a:t>Erstellen von Release- und </a:t>
-            </a:r>
-            <a:r>
-              <a:rPr lang="de-DE" altLang="de-DE" sz="1400" dirty="0" err="1"/>
-              <a:t>Tagged</a:t>
-            </a:r>
-            <a:r>
-              <a:rPr lang="de-DE" altLang="de-DE" sz="1400" dirty="0"/>
-              <a:t>-Images</a:t>
+              <a:t> Grundlagen</a:t>
             </a:r>
           </a:p>
           <a:p>
@@ -7684,6 +7684,11 @@
         </p:txBody>
       </p:sp>
     </p:spTree>
+    <p:extLst>
+      <p:ext uri="{BB962C8B-B14F-4D97-AF65-F5344CB8AC3E}">
+        <p14:creationId xmlns:p14="http://schemas.microsoft.com/office/powerpoint/2010/main" val="3781715788"/>
+      </p:ext>
+    </p:extLst>
   </p:cSld>
   <p:clrMapOvr>
     <a:masterClrMapping/>
@@ -7943,7 +7948,7 @@
             </a:pPr>
             <a:r>
               <a:rPr lang="de-DE" altLang="de-DE" sz="1800" b="1" dirty="0"/>
-              <a:t>Tag 3 – </a:t>
+              <a:t>Tag 3 – Docker, </a:t>
             </a:r>
             <a:r>
               <a:rPr lang="de-DE" altLang="de-DE" sz="1800" b="1" dirty="0" err="1"/>
@@ -7951,7 +7956,7 @@
             </a:r>
             <a:r>
               <a:rPr lang="de-DE" altLang="de-DE" sz="1800" b="1" dirty="0"/>
-              <a:t>, Docker, </a:t>
+              <a:t>, </a:t>
             </a:r>
             <a:r>
               <a:rPr lang="de-DE" altLang="de-DE" sz="1800" b="1" dirty="0" err="1"/>
@@ -7968,12 +7973,8 @@
               <a:buChar char="•"/>
             </a:pPr>
             <a:r>
-              <a:rPr lang="de-DE" altLang="de-DE" sz="1400" dirty="0" err="1"/>
-              <a:t>GitOps</a:t>
-            </a:r>
-            <a:r>
               <a:rPr lang="de-DE" altLang="de-DE" sz="1400" dirty="0"/>
-              <a:t> Grundlagen</a:t>
+              <a:t>Entwicklung mit Docker</a:t>
             </a:r>
           </a:p>
           <a:p>
@@ -7983,7 +7984,7 @@
             </a:pPr>
             <a:r>
               <a:rPr lang="de-DE" altLang="de-DE" sz="1400" dirty="0"/>
-              <a:t>Entwicklung mit Docker</a:t>
+              <a:t>Container/Docker-Registry</a:t>
             </a:r>
           </a:p>
           <a:p>
@@ -7993,7 +7994,15 @@
             </a:pPr>
             <a:r>
               <a:rPr lang="de-DE" altLang="de-DE" sz="1400" dirty="0"/>
-              <a:t>Container/Docker-Registry</a:t>
+              <a:t>Erstellen von Release- und </a:t>
+            </a:r>
+            <a:r>
+              <a:rPr lang="de-DE" altLang="de-DE" sz="1400" dirty="0" err="1"/>
+              <a:t>Tagged</a:t>
+            </a:r>
+            <a:r>
+              <a:rPr lang="de-DE" altLang="de-DE" sz="1400" dirty="0"/>
+              <a:t>-Images</a:t>
             </a:r>
           </a:p>
           <a:p>
@@ -8002,16 +8011,12 @@
               <a:buChar char="•"/>
             </a:pPr>
             <a:r>
+              <a:rPr lang="de-DE" altLang="de-DE" sz="1400" dirty="0" err="1"/>
+              <a:t>GitOps</a:t>
+            </a:r>
+            <a:r>
               <a:rPr lang="de-DE" altLang="de-DE" sz="1400" dirty="0"/>
-              <a:t>Erstellen von Release- und </a:t>
-            </a:r>
-            <a:r>
-              <a:rPr lang="de-DE" altLang="de-DE" sz="1400" dirty="0" err="1"/>
-              <a:t>Tagged</a:t>
-            </a:r>
-            <a:r>
-              <a:rPr lang="de-DE" altLang="de-DE" sz="1400" dirty="0"/>
-              <a:t>-Images</a:t>
+              <a:t> Grundlagen</a:t>
             </a:r>
           </a:p>
           <a:p>
@@ -8085,6 +8090,11 @@
         </p:txBody>
       </p:sp>
     </p:spTree>
+    <p:extLst>
+      <p:ext uri="{BB962C8B-B14F-4D97-AF65-F5344CB8AC3E}">
+        <p14:creationId xmlns:p14="http://schemas.microsoft.com/office/powerpoint/2010/main" val="1612033277"/>
+      </p:ext>
+    </p:extLst>
   </p:cSld>
   <p:clrMapOvr>
     <a:masterClrMapping/>

--- a/slides/Tag-1_4-Git-Remote.pptx
+++ b/slides/Tag-1_4-Git-Remote.pptx
@@ -1690,7 +1690,7 @@
               <a:pPr algn="ctr">
                 <a:defRPr/>
               </a:pPr>
-              <a:t>19.06.2024</a:t>
+              <a:t>06.07.2024</a:t>
             </a:fld>
             <a:endParaRPr lang="de-DE" sz="1000" dirty="0">
               <a:solidFill>
@@ -3813,7 +3813,7 @@
               <a:pPr algn="ctr">
                 <a:defRPr/>
               </a:pPr>
-              <a:t>19.06.2024</a:t>
+              <a:t>06.07.2024</a:t>
             </a:fld>
             <a:endParaRPr lang="de-DE" sz="1000">
               <a:solidFill>
@@ -5224,8 +5224,12 @@
               <a:buNone/>
             </a:pPr>
             <a:r>
+              <a:rPr lang="de-DE" altLang="de-DE" sz="1600"/>
+              <a:t>08.07.2024</a:t>
+            </a:r>
+            <a:r>
               <a:rPr lang="de-DE" altLang="de-DE" sz="1600" dirty="0"/>
-              <a:t>17.06.2024, Daniel Krämer</a:t>
+              <a:t>, Daniel Krämer</a:t>
             </a:r>
           </a:p>
         </p:txBody>

--- a/slides/Tag-1_4-Git-Remote.pptx
+++ b/slides/Tag-1_4-Git-Remote.pptx
@@ -7,27 +7,25 @@
     <p:sldMasterId id="2147483899" r:id="rId3"/>
   </p:sldMasterIdLst>
   <p:notesMasterIdLst>
-    <p:notesMasterId r:id="rId19"/>
+    <p:notesMasterId r:id="rId17"/>
   </p:notesMasterIdLst>
   <p:handoutMasterIdLst>
-    <p:handoutMasterId r:id="rId20"/>
+    <p:handoutMasterId r:id="rId18"/>
   </p:handoutMasterIdLst>
   <p:sldIdLst>
-    <p:sldId id="604" r:id="rId4"/>
-    <p:sldId id="592" r:id="rId5"/>
-    <p:sldId id="609" r:id="rId6"/>
-    <p:sldId id="596" r:id="rId7"/>
-    <p:sldId id="371" r:id="rId8"/>
-    <p:sldId id="372" r:id="rId9"/>
-    <p:sldId id="373" r:id="rId10"/>
-    <p:sldId id="374" r:id="rId11"/>
-    <p:sldId id="375" r:id="rId12"/>
-    <p:sldId id="377" r:id="rId13"/>
-    <p:sldId id="376" r:id="rId14"/>
-    <p:sldId id="378" r:id="rId15"/>
-    <p:sldId id="379" r:id="rId16"/>
-    <p:sldId id="605" r:id="rId17"/>
-    <p:sldId id="606" r:id="rId18"/>
+    <p:sldId id="609" r:id="rId4"/>
+    <p:sldId id="596" r:id="rId5"/>
+    <p:sldId id="371" r:id="rId6"/>
+    <p:sldId id="372" r:id="rId7"/>
+    <p:sldId id="373" r:id="rId8"/>
+    <p:sldId id="374" r:id="rId9"/>
+    <p:sldId id="375" r:id="rId10"/>
+    <p:sldId id="377" r:id="rId11"/>
+    <p:sldId id="376" r:id="rId12"/>
+    <p:sldId id="378" r:id="rId13"/>
+    <p:sldId id="379" r:id="rId14"/>
+    <p:sldId id="605" r:id="rId15"/>
+    <p:sldId id="606" r:id="rId16"/>
   </p:sldIdLst>
   <p:sldSz cx="9144000" cy="6858000" type="screen4x3"/>
   <p:notesSz cx="6784975" cy="9921875"/>
@@ -1690,7 +1688,7 @@
               <a:pPr algn="ctr">
                 <a:defRPr/>
               </a:pPr>
-              <a:t>06.07.2024</a:t>
+              <a:t>06.09.24</a:t>
             </a:fld>
             <a:endParaRPr lang="de-DE" sz="1000" dirty="0">
               <a:solidFill>
@@ -2053,7 +2051,7 @@
                 </a:solidFill>
                 <a:latin typeface="Arial" charset="0"/>
               </a:rPr>
-              <a:t>Daniel Krämer</a:t>
+              <a:t>Jan Lühr</a:t>
             </a:r>
           </a:p>
         </p:txBody>
@@ -3813,7 +3811,7 @@
               <a:pPr algn="ctr">
                 <a:defRPr/>
               </a:pPr>
-              <a:t>06.07.2024</a:t>
+              <a:t>06.09.24</a:t>
             </a:fld>
             <a:endParaRPr lang="de-DE" sz="1000">
               <a:solidFill>
@@ -4176,7 +4174,7 @@
                 </a:solidFill>
                 <a:latin typeface="Arial" charset="0"/>
               </a:rPr>
-              <a:t>Daniel Krämer</a:t>
+              <a:t>Jan Lühr</a:t>
             </a:r>
           </a:p>
         </p:txBody>
@@ -5102,10 +5100,353 @@
       </p:grpSpPr>
       <p:sp>
         <p:nvSpPr>
-          <p:cNvPr id="4098" name="Rectangle 2">
+          <p:cNvPr id="6146" name="Inhaltsplatzhalter 18">
             <a:extLst>
               <a:ext uri="{FF2B5EF4-FFF2-40B4-BE49-F238E27FC236}">
-                <a16:creationId xmlns:a16="http://schemas.microsoft.com/office/drawing/2014/main" id="{E4B2C6CD-AD60-3C79-94C5-A3C58293BC9E}"/>
+                <a16:creationId xmlns:a16="http://schemas.microsoft.com/office/drawing/2014/main" id="{BE3C4C95-FD5D-27F0-ED0C-AB8113CAC9F1}"/>
+              </a:ext>
+            </a:extLst>
+          </p:cNvPr>
+          <p:cNvSpPr>
+            <a:spLocks noGrp="1"/>
+          </p:cNvSpPr>
+          <p:nvPr>
+            <p:ph idx="1"/>
+          </p:nvPr>
+        </p:nvSpPr>
+        <p:spPr/>
+        <p:txBody>
+          <a:bodyPr/>
+          <a:lstStyle/>
+          <a:p>
+            <a:pPr>
+              <a:buFont typeface="Arial" panose="020B0604020202020204" pitchFamily="34" charset="0"/>
+              <a:buChar char="•"/>
+            </a:pPr>
+            <a:r>
+              <a:rPr lang="de-DE" altLang="de-DE" sz="1800" b="1" dirty="0"/>
+              <a:t>Tag 1 – Einführung in </a:t>
+            </a:r>
+            <a:r>
+              <a:rPr lang="de-DE" altLang="de-DE" sz="1800" b="1" dirty="0" err="1"/>
+              <a:t>Git</a:t>
+            </a:r>
+            <a:r>
+              <a:rPr lang="de-DE" altLang="de-DE" sz="1800" b="1" dirty="0"/>
+              <a:t> und </a:t>
+            </a:r>
+            <a:r>
+              <a:rPr lang="de-DE" altLang="de-DE" sz="1800" b="1" dirty="0" err="1"/>
+              <a:t>GitLab</a:t>
+            </a:r>
+            <a:endParaRPr lang="de-DE" altLang="de-DE" sz="1800" b="1" dirty="0"/>
+          </a:p>
+          <a:p>
+            <a:pPr lvl="1">
+              <a:buFont typeface="Arial" panose="020B0604020202020204" pitchFamily="34" charset="0"/>
+              <a:buChar char="•"/>
+            </a:pPr>
+            <a:r>
+              <a:rPr lang="de-DE" altLang="de-DE" sz="1400" dirty="0"/>
+              <a:t>Einführung &amp; Kursüberblick</a:t>
+            </a:r>
+          </a:p>
+          <a:p>
+            <a:pPr lvl="1">
+              <a:buFont typeface="Arial" panose="020B0604020202020204" pitchFamily="34" charset="0"/>
+              <a:buChar char="•"/>
+            </a:pPr>
+            <a:r>
+              <a:rPr lang="de-DE" altLang="de-DE" sz="1400" dirty="0"/>
+              <a:t>Grundlagen von </a:t>
+            </a:r>
+            <a:r>
+              <a:rPr lang="de-DE" altLang="de-DE" sz="1400" dirty="0" err="1"/>
+              <a:t>Git</a:t>
+            </a:r>
+            <a:endParaRPr lang="de-DE" altLang="de-DE" sz="1400" dirty="0"/>
+          </a:p>
+          <a:p>
+            <a:pPr lvl="1">
+              <a:buFont typeface="Arial" panose="020B0604020202020204" pitchFamily="34" charset="0"/>
+              <a:buChar char="•"/>
+            </a:pPr>
+            <a:r>
+              <a:rPr lang="de-DE" altLang="de-DE" sz="1400" dirty="0" err="1"/>
+              <a:t>Git</a:t>
+            </a:r>
+            <a:r>
+              <a:rPr lang="de-DE" altLang="de-DE" sz="1400" dirty="0"/>
+              <a:t> </a:t>
+            </a:r>
+            <a:r>
+              <a:rPr lang="de-DE" altLang="de-DE" sz="1400" dirty="0" err="1"/>
+              <a:t>Rebase</a:t>
+            </a:r>
+            <a:r>
+              <a:rPr lang="de-DE" altLang="de-DE" sz="1400" dirty="0"/>
+              <a:t> und </a:t>
+            </a:r>
+            <a:r>
+              <a:rPr lang="de-DE" altLang="de-DE" sz="1400" dirty="0" err="1"/>
+              <a:t>Merge</a:t>
+            </a:r>
+            <a:r>
+              <a:rPr lang="de-DE" altLang="de-DE" sz="1400" dirty="0"/>
+              <a:t>-Strategien</a:t>
+            </a:r>
+          </a:p>
+          <a:p>
+            <a:pPr lvl="1">
+              <a:buFont typeface="Arial" panose="020B0604020202020204" pitchFamily="34" charset="0"/>
+              <a:buChar char="•"/>
+            </a:pPr>
+            <a:r>
+              <a:rPr lang="de-DE" altLang="de-DE" sz="1400" u="sng" dirty="0" err="1"/>
+              <a:t>Git</a:t>
+            </a:r>
+            <a:r>
+              <a:rPr lang="de-DE" altLang="de-DE" sz="1400" u="sng" dirty="0"/>
+              <a:t> Remote</a:t>
+            </a:r>
+          </a:p>
+          <a:p>
+            <a:pPr lvl="1">
+              <a:buFont typeface="Arial" panose="020B0604020202020204" pitchFamily="34" charset="0"/>
+              <a:buChar char="•"/>
+            </a:pPr>
+            <a:r>
+              <a:rPr lang="de-DE" altLang="de-DE" sz="1400" dirty="0"/>
+              <a:t>Grundlagen von </a:t>
+            </a:r>
+            <a:r>
+              <a:rPr lang="de-DE" altLang="de-DE" sz="1400" dirty="0" err="1"/>
+              <a:t>GitLab</a:t>
+            </a:r>
+            <a:endParaRPr lang="de-DE" altLang="de-DE" sz="1400" dirty="0"/>
+          </a:p>
+          <a:p>
+            <a:pPr>
+              <a:buFont typeface="Arial" panose="020B0604020202020204" pitchFamily="34" charset="0"/>
+              <a:buChar char="•"/>
+            </a:pPr>
+            <a:r>
+              <a:rPr lang="de-DE" altLang="de-DE" sz="1800" b="1" dirty="0"/>
+              <a:t>Tag 2 – </a:t>
+            </a:r>
+            <a:r>
+              <a:rPr lang="de-DE" altLang="de-DE" sz="1800" b="1" dirty="0" err="1"/>
+              <a:t>Git</a:t>
+            </a:r>
+            <a:r>
+              <a:rPr lang="de-DE" altLang="de-DE" sz="1800" b="1" dirty="0"/>
+              <a:t>-Workflows, CI/CD, </a:t>
+            </a:r>
+            <a:r>
+              <a:rPr lang="de-DE" altLang="de-DE" sz="1800" b="1" dirty="0" err="1"/>
+              <a:t>GitLab</a:t>
+            </a:r>
+            <a:r>
+              <a:rPr lang="de-DE" altLang="de-DE" sz="1800" b="1" dirty="0"/>
+              <a:t> CI </a:t>
+            </a:r>
+          </a:p>
+          <a:p>
+            <a:pPr lvl="1">
+              <a:buFont typeface="Arial" panose="020B0604020202020204" pitchFamily="34" charset="0"/>
+              <a:buChar char="•"/>
+            </a:pPr>
+            <a:r>
+              <a:rPr lang="de-DE" altLang="de-DE" sz="1400" dirty="0" err="1"/>
+              <a:t>Git</a:t>
+            </a:r>
+            <a:r>
+              <a:rPr lang="de-DE" altLang="de-DE" sz="1400" dirty="0"/>
+              <a:t>-Workflow im Team</a:t>
+            </a:r>
+          </a:p>
+          <a:p>
+            <a:pPr lvl="1">
+              <a:buFont typeface="Arial" panose="020B0604020202020204" pitchFamily="34" charset="0"/>
+              <a:buChar char="•"/>
+            </a:pPr>
+            <a:r>
+              <a:rPr lang="de-DE" altLang="de-DE" sz="1400" dirty="0" err="1"/>
+              <a:t>Gitflow</a:t>
+            </a:r>
+            <a:r>
+              <a:rPr lang="de-DE" altLang="de-DE" sz="1400" dirty="0"/>
+              <a:t>-Workflow</a:t>
+            </a:r>
+          </a:p>
+          <a:p>
+            <a:pPr lvl="1">
+              <a:buFont typeface="Arial" panose="020B0604020202020204" pitchFamily="34" charset="0"/>
+              <a:buChar char="•"/>
+            </a:pPr>
+            <a:r>
+              <a:rPr lang="de-DE" altLang="de-DE" sz="1400" dirty="0"/>
+              <a:t>Tags, Releases &amp; deren Verwaltung</a:t>
+            </a:r>
+          </a:p>
+          <a:p>
+            <a:pPr lvl="1">
+              <a:buFont typeface="Arial" panose="020B0604020202020204" pitchFamily="34" charset="0"/>
+              <a:buChar char="•"/>
+            </a:pPr>
+            <a:r>
+              <a:rPr lang="de-DE" altLang="de-DE" sz="1400" dirty="0"/>
+              <a:t>Einführung in </a:t>
+            </a:r>
+            <a:r>
+              <a:rPr lang="de-DE" altLang="de-DE" sz="1400" dirty="0" err="1"/>
+              <a:t>GitLab</a:t>
+            </a:r>
+            <a:r>
+              <a:rPr lang="de-DE" altLang="de-DE" sz="1400" dirty="0"/>
+              <a:t> CI/CD &amp; </a:t>
+            </a:r>
+            <a:r>
+              <a:rPr lang="de-DE" altLang="de-DE" sz="1400" dirty="0" err="1"/>
+              <a:t>gitlab-ci.yml</a:t>
+            </a:r>
+            <a:endParaRPr lang="de-DE" altLang="de-DE" sz="1400" dirty="0"/>
+          </a:p>
+          <a:p>
+            <a:pPr lvl="1">
+              <a:buFont typeface="Arial" panose="020B0604020202020204" pitchFamily="34" charset="0"/>
+              <a:buChar char="•"/>
+            </a:pPr>
+            <a:r>
+              <a:rPr lang="de-DE" altLang="de-DE" sz="1400" dirty="0" err="1"/>
+              <a:t>GitLab</a:t>
+            </a:r>
+            <a:r>
+              <a:rPr lang="de-DE" altLang="de-DE" sz="1400" dirty="0"/>
+              <a:t> Runner</a:t>
+            </a:r>
+          </a:p>
+          <a:p>
+            <a:pPr>
+              <a:buFont typeface="Arial" panose="020B0604020202020204" pitchFamily="34" charset="0"/>
+              <a:buChar char="•"/>
+            </a:pPr>
+            <a:r>
+              <a:rPr lang="de-DE" altLang="de-DE" sz="1800" b="1" dirty="0"/>
+              <a:t>Tag 3 – Docker, </a:t>
+            </a:r>
+            <a:r>
+              <a:rPr lang="de-DE" altLang="de-DE" sz="1800" b="1" dirty="0" err="1"/>
+              <a:t>GitOps</a:t>
+            </a:r>
+            <a:r>
+              <a:rPr lang="de-DE" altLang="de-DE" sz="1800" b="1" dirty="0"/>
+              <a:t>, </a:t>
+            </a:r>
+            <a:r>
+              <a:rPr lang="de-DE" altLang="de-DE" sz="1800" b="1" dirty="0" err="1"/>
+              <a:t>Deployment</a:t>
+            </a:r>
+            <a:r>
+              <a:rPr lang="de-DE" altLang="de-DE" sz="1800" b="1" dirty="0"/>
+              <a:t>-Strategien</a:t>
+            </a:r>
+          </a:p>
+          <a:p>
+            <a:pPr lvl="1">
+              <a:buFont typeface="Arial" panose="020B0604020202020204" pitchFamily="34" charset="0"/>
+              <a:buChar char="•"/>
+            </a:pPr>
+            <a:r>
+              <a:rPr lang="de-DE" altLang="de-DE" sz="1400" dirty="0"/>
+              <a:t>Entwicklung mit Docker</a:t>
+            </a:r>
+          </a:p>
+          <a:p>
+            <a:pPr lvl="1">
+              <a:buFont typeface="Arial" panose="020B0604020202020204" pitchFamily="34" charset="0"/>
+              <a:buChar char="•"/>
+            </a:pPr>
+            <a:r>
+              <a:rPr lang="de-DE" altLang="de-DE" sz="1400" dirty="0"/>
+              <a:t>Container/Docker-Registry</a:t>
+            </a:r>
+          </a:p>
+          <a:p>
+            <a:pPr lvl="1">
+              <a:buFont typeface="Arial" panose="020B0604020202020204" pitchFamily="34" charset="0"/>
+              <a:buChar char="•"/>
+            </a:pPr>
+            <a:r>
+              <a:rPr lang="de-DE" altLang="de-DE" sz="1400" dirty="0"/>
+              <a:t>Erstellen von Release- und </a:t>
+            </a:r>
+            <a:r>
+              <a:rPr lang="de-DE" altLang="de-DE" sz="1400" dirty="0" err="1"/>
+              <a:t>Tagged</a:t>
+            </a:r>
+            <a:r>
+              <a:rPr lang="de-DE" altLang="de-DE" sz="1400" dirty="0"/>
+              <a:t>-Images</a:t>
+            </a:r>
+          </a:p>
+          <a:p>
+            <a:pPr lvl="1">
+              <a:buFont typeface="Arial" panose="020B0604020202020204" pitchFamily="34" charset="0"/>
+              <a:buChar char="•"/>
+            </a:pPr>
+            <a:r>
+              <a:rPr lang="de-DE" altLang="de-DE" sz="1400" dirty="0" err="1"/>
+              <a:t>GitOps</a:t>
+            </a:r>
+            <a:r>
+              <a:rPr lang="de-DE" altLang="de-DE" sz="1400" dirty="0"/>
+              <a:t> Grundlagen</a:t>
+            </a:r>
+          </a:p>
+          <a:p>
+            <a:pPr lvl="1">
+              <a:buFont typeface="Arial" panose="020B0604020202020204" pitchFamily="34" charset="0"/>
+              <a:buChar char="•"/>
+            </a:pPr>
+            <a:r>
+              <a:rPr lang="de-DE" altLang="de-DE" sz="1400" dirty="0"/>
+              <a:t>Möglichkeiten des </a:t>
+            </a:r>
+            <a:r>
+              <a:rPr lang="de-DE" altLang="de-DE" sz="1400" dirty="0" err="1"/>
+              <a:t>Deployments</a:t>
+            </a:r>
+            <a:r>
+              <a:rPr lang="de-DE" altLang="de-DE" sz="1400" dirty="0"/>
+              <a:t> &amp; Verwaltung von Konfiguration</a:t>
+            </a:r>
+          </a:p>
+          <a:p>
+            <a:pPr lvl="1">
+              <a:buFont typeface="Arial" panose="020B0604020202020204" pitchFamily="34" charset="0"/>
+              <a:buChar char="•"/>
+            </a:pPr>
+            <a:r>
+              <a:rPr lang="de-DE" altLang="de-DE" sz="1400" dirty="0"/>
+              <a:t>Abschlussübung &amp; Diskussion</a:t>
+            </a:r>
+          </a:p>
+          <a:p>
+            <a:pPr lvl="1">
+              <a:buFont typeface="Arial" panose="020B0604020202020204" pitchFamily="34" charset="0"/>
+              <a:buChar char="•"/>
+            </a:pPr>
+            <a:endParaRPr lang="de-DE" altLang="de-DE" sz="1400" dirty="0"/>
+          </a:p>
+        </p:txBody>
+      </p:sp>
+      <p:sp>
+        <p:nvSpPr>
+          <p:cNvPr id="6147" name="Rectangle 1062">
+            <a:extLst>
+              <a:ext uri="{FF2B5EF4-FFF2-40B4-BE49-F238E27FC236}">
+                <a16:creationId xmlns:a16="http://schemas.microsoft.com/office/drawing/2014/main" id="{C46E9340-3256-8D55-A265-94F2F41E288E}"/>
               </a:ext>
             </a:extLst>
           </p:cNvPr>
@@ -5113,324 +5454,32 @@
             <a:spLocks noGrp="1" noChangeArrowheads="1"/>
           </p:cNvSpPr>
           <p:nvPr>
-            <p:ph type="ctrTitle" idx="4294967295"/>
+            <p:ph type="title"/>
           </p:nvPr>
         </p:nvSpPr>
-        <p:spPr bwMode="auto">
+        <p:spPr>
           <a:xfrm>
-            <a:off x="468313" y="2562225"/>
-            <a:ext cx="4967287" cy="938213"/>
+            <a:off x="285750" y="142875"/>
+            <a:ext cx="5654675" cy="706438"/>
           </a:xfrm>
-          <a:prstGeom prst="rect">
-            <a:avLst/>
-          </a:prstGeom>
-          <a:noFill/>
-          <a:extLst>
-            <a:ext uri="{909E8E84-426E-40DD-AFC4-6F175D3DCCD1}">
-              <a14:hiddenFill xmlns:a14="http://schemas.microsoft.com/office/drawing/2010/main">
-                <a:solidFill>
-                  <a:srgbClr val="FFFFFF"/>
-                </a:solidFill>
-              </a14:hiddenFill>
-            </a:ext>
-            <a:ext uri="{91240B29-F687-4F45-9708-019B960494DF}">
-              <a14:hiddenLine xmlns:a14="http://schemas.microsoft.com/office/drawing/2010/main" w="9525">
-                <a:solidFill>
-                  <a:srgbClr val="000000"/>
-                </a:solidFill>
-                <a:miter lim="800000"/>
-                <a:headEnd/>
-                <a:tailEnd/>
-              </a14:hiddenLine>
-            </a:ext>
-          </a:extLst>
         </p:spPr>
         <p:txBody>
           <a:bodyPr/>
           <a:lstStyle/>
           <a:p>
-            <a:pPr algn="l" eaLnBrk="1" hangingPunct="1"/>
-            <a:r>
-              <a:rPr lang="de-DE" altLang="de-DE" sz="3200" dirty="0"/>
-              <a:t>Tag 1: Einführung in </a:t>
-            </a:r>
-            <a:r>
-              <a:rPr lang="de-DE" altLang="de-DE" sz="3200" dirty="0" err="1"/>
-              <a:t>Git</a:t>
-            </a:r>
-            <a:r>
-              <a:rPr lang="de-DE" altLang="de-DE" sz="3200" dirty="0"/>
-              <a:t> und </a:t>
-            </a:r>
-            <a:r>
-              <a:rPr lang="de-DE" altLang="de-DE" sz="3200" dirty="0" err="1"/>
-              <a:t>GitLab</a:t>
-            </a:r>
-            <a:endParaRPr lang="de-DE" altLang="de-DE" sz="3200" dirty="0"/>
+            <a:r>
+              <a:rPr lang="de-DE" altLang="de-DE" dirty="0"/>
+              <a:t>Agenda</a:t>
+            </a:r>
           </a:p>
         </p:txBody>
       </p:sp>
-      <p:sp>
-        <p:nvSpPr>
-          <p:cNvPr id="4099" name="Rectangle 3">
-            <a:extLst>
-              <a:ext uri="{FF2B5EF4-FFF2-40B4-BE49-F238E27FC236}">
-                <a16:creationId xmlns:a16="http://schemas.microsoft.com/office/drawing/2014/main" id="{89107976-89BA-B819-B0F4-5904DD4F4AAC}"/>
-              </a:ext>
-            </a:extLst>
-          </p:cNvPr>
-          <p:cNvSpPr>
-            <a:spLocks noGrp="1" noChangeArrowheads="1"/>
-          </p:cNvSpPr>
-          <p:nvPr>
-            <p:ph type="subTitle" idx="4294967295"/>
-          </p:nvPr>
-        </p:nvSpPr>
-        <p:spPr bwMode="auto">
-          <a:xfrm>
-            <a:off x="468312" y="4462463"/>
-            <a:ext cx="4190603" cy="622300"/>
-          </a:xfrm>
-          <a:prstGeom prst="rect">
-            <a:avLst/>
-          </a:prstGeom>
-          <a:noFill/>
-          <a:extLst>
-            <a:ext uri="{909E8E84-426E-40DD-AFC4-6F175D3DCCD1}">
-              <a14:hiddenFill xmlns:a14="http://schemas.microsoft.com/office/drawing/2010/main">
-                <a:solidFill>
-                  <a:srgbClr val="FFFFFF"/>
-                </a:solidFill>
-              </a14:hiddenFill>
-            </a:ext>
-            <a:ext uri="{91240B29-F687-4F45-9708-019B960494DF}">
-              <a14:hiddenLine xmlns:a14="http://schemas.microsoft.com/office/drawing/2010/main" w="9525">
-                <a:solidFill>
-                  <a:srgbClr val="000000"/>
-                </a:solidFill>
-                <a:miter lim="800000"/>
-                <a:headEnd/>
-                <a:tailEnd/>
-              </a14:hiddenLine>
-            </a:ext>
-          </a:extLst>
-        </p:spPr>
-        <p:txBody>
-          <a:bodyPr/>
-          <a:lstStyle/>
-          <a:p>
-            <a:pPr eaLnBrk="1" hangingPunct="1">
-              <a:buFontTx/>
-              <a:buNone/>
-            </a:pPr>
-            <a:r>
-              <a:rPr lang="de-DE" altLang="de-DE" sz="1600"/>
-              <a:t>08.07.2024</a:t>
-            </a:r>
-            <a:r>
-              <a:rPr lang="de-DE" altLang="de-DE" sz="1600" dirty="0"/>
-              <a:t>, Daniel Krämer</a:t>
-            </a:r>
-          </a:p>
-        </p:txBody>
-      </p:sp>
-      <p:sp>
-        <p:nvSpPr>
-          <p:cNvPr id="4100" name="Rectangle 4">
-            <a:extLst>
-              <a:ext uri="{FF2B5EF4-FFF2-40B4-BE49-F238E27FC236}">
-                <a16:creationId xmlns:a16="http://schemas.microsoft.com/office/drawing/2014/main" id="{4D866AF1-CD71-C1C5-56DD-B2E98E020155}"/>
-              </a:ext>
-            </a:extLst>
-          </p:cNvPr>
-          <p:cNvSpPr>
-            <a:spLocks noChangeArrowheads="1"/>
-          </p:cNvSpPr>
-          <p:nvPr/>
-        </p:nvSpPr>
-        <p:spPr bwMode="auto">
-          <a:xfrm>
-            <a:off x="468313" y="549275"/>
-            <a:ext cx="4032250" cy="938213"/>
-          </a:xfrm>
-          <a:prstGeom prst="rect">
-            <a:avLst/>
-          </a:prstGeom>
-          <a:noFill/>
-          <a:ln>
-            <a:noFill/>
-          </a:ln>
-          <a:extLst>
-            <a:ext uri="{909E8E84-426E-40DD-AFC4-6F175D3DCCD1}">
-              <a14:hiddenFill xmlns:a14="http://schemas.microsoft.com/office/drawing/2010/main">
-                <a:solidFill>
-                  <a:srgbClr val="FFFFFF"/>
-                </a:solidFill>
-              </a14:hiddenFill>
-            </a:ext>
-            <a:ext uri="{91240B29-F687-4F45-9708-019B960494DF}">
-              <a14:hiddenLine xmlns:a14="http://schemas.microsoft.com/office/drawing/2010/main" w="9525">
-                <a:solidFill>
-                  <a:srgbClr val="000000"/>
-                </a:solidFill>
-                <a:miter lim="800000"/>
-                <a:headEnd/>
-                <a:tailEnd/>
-              </a14:hiddenLine>
-            </a:ext>
-          </a:extLst>
-        </p:spPr>
-        <p:txBody>
-          <a:bodyPr/>
-          <a:lstStyle>
-            <a:lvl1pPr>
-              <a:defRPr sz="2400">
-                <a:solidFill>
-                  <a:schemeClr val="tx1"/>
-                </a:solidFill>
-                <a:latin typeface="Times New Roman" panose="02020603050405020304" pitchFamily="18" charset="0"/>
-              </a:defRPr>
-            </a:lvl1pPr>
-            <a:lvl2pPr marL="742950" indent="-285750">
-              <a:defRPr sz="2400">
-                <a:solidFill>
-                  <a:schemeClr val="tx1"/>
-                </a:solidFill>
-                <a:latin typeface="Times New Roman" panose="02020603050405020304" pitchFamily="18" charset="0"/>
-              </a:defRPr>
-            </a:lvl2pPr>
-            <a:lvl3pPr marL="1143000" indent="-228600">
-              <a:defRPr sz="2400">
-                <a:solidFill>
-                  <a:schemeClr val="tx1"/>
-                </a:solidFill>
-                <a:latin typeface="Times New Roman" panose="02020603050405020304" pitchFamily="18" charset="0"/>
-              </a:defRPr>
-            </a:lvl3pPr>
-            <a:lvl4pPr marL="1600200" indent="-228600">
-              <a:defRPr sz="2400">
-                <a:solidFill>
-                  <a:schemeClr val="tx1"/>
-                </a:solidFill>
-                <a:latin typeface="Times New Roman" panose="02020603050405020304" pitchFamily="18" charset="0"/>
-              </a:defRPr>
-            </a:lvl4pPr>
-            <a:lvl5pPr marL="2057400" indent="-228600">
-              <a:defRPr sz="2400">
-                <a:solidFill>
-                  <a:schemeClr val="tx1"/>
-                </a:solidFill>
-                <a:latin typeface="Times New Roman" panose="02020603050405020304" pitchFamily="18" charset="0"/>
-              </a:defRPr>
-            </a:lvl5pPr>
-            <a:lvl6pPr marL="2514600" indent="-228600" eaLnBrk="0" fontAlgn="base" hangingPunct="0">
-              <a:spcBef>
-                <a:spcPct val="0"/>
-              </a:spcBef>
-              <a:spcAft>
-                <a:spcPct val="0"/>
-              </a:spcAft>
-              <a:defRPr sz="2400">
-                <a:solidFill>
-                  <a:schemeClr val="tx1"/>
-                </a:solidFill>
-                <a:latin typeface="Times New Roman" panose="02020603050405020304" pitchFamily="18" charset="0"/>
-              </a:defRPr>
-            </a:lvl6pPr>
-            <a:lvl7pPr marL="2971800" indent="-228600" eaLnBrk="0" fontAlgn="base" hangingPunct="0">
-              <a:spcBef>
-                <a:spcPct val="0"/>
-              </a:spcBef>
-              <a:spcAft>
-                <a:spcPct val="0"/>
-              </a:spcAft>
-              <a:defRPr sz="2400">
-                <a:solidFill>
-                  <a:schemeClr val="tx1"/>
-                </a:solidFill>
-                <a:latin typeface="Times New Roman" panose="02020603050405020304" pitchFamily="18" charset="0"/>
-              </a:defRPr>
-            </a:lvl7pPr>
-            <a:lvl8pPr marL="3429000" indent="-228600" eaLnBrk="0" fontAlgn="base" hangingPunct="0">
-              <a:spcBef>
-                <a:spcPct val="0"/>
-              </a:spcBef>
-              <a:spcAft>
-                <a:spcPct val="0"/>
-              </a:spcAft>
-              <a:defRPr sz="2400">
-                <a:solidFill>
-                  <a:schemeClr val="tx1"/>
-                </a:solidFill>
-                <a:latin typeface="Times New Roman" panose="02020603050405020304" pitchFamily="18" charset="0"/>
-              </a:defRPr>
-            </a:lvl8pPr>
-            <a:lvl9pPr marL="3886200" indent="-228600" eaLnBrk="0" fontAlgn="base" hangingPunct="0">
-              <a:spcBef>
-                <a:spcPct val="0"/>
-              </a:spcBef>
-              <a:spcAft>
-                <a:spcPct val="0"/>
-              </a:spcAft>
-              <a:defRPr sz="2400">
-                <a:solidFill>
-                  <a:schemeClr val="tx1"/>
-                </a:solidFill>
-                <a:latin typeface="Times New Roman" panose="02020603050405020304" pitchFamily="18" charset="0"/>
-              </a:defRPr>
-            </a:lvl9pPr>
-          </a:lstStyle>
-          <a:p>
-            <a:pPr eaLnBrk="1" hangingPunct="1"/>
-            <a:endParaRPr lang="de-DE" altLang="de-DE" sz="4400" dirty="0">
-              <a:solidFill>
-                <a:schemeClr val="tx2"/>
-              </a:solidFill>
-              <a:latin typeface="Arial" panose="020B0604020202020204" pitchFamily="34" charset="0"/>
-            </a:endParaRPr>
-          </a:p>
-        </p:txBody>
-      </p:sp>
-      <p:pic>
-        <p:nvPicPr>
-          <p:cNvPr id="3" name="Grafik 2">
-            <a:extLst>
-              <a:ext uri="{FF2B5EF4-FFF2-40B4-BE49-F238E27FC236}">
-                <a16:creationId xmlns:a16="http://schemas.microsoft.com/office/drawing/2014/main" id="{F795EC6A-86ED-78D6-3916-EC81E8315965}"/>
-              </a:ext>
-            </a:extLst>
-          </p:cNvPr>
-          <p:cNvPicPr>
-            <a:picLocks noChangeAspect="1"/>
-          </p:cNvPicPr>
-          <p:nvPr/>
-        </p:nvPicPr>
-        <p:blipFill>
-          <a:blip r:embed="rId2">
-            <a:extLst>
-              <a:ext uri="{28A0092B-C50C-407E-A947-70E740481C1C}">
-                <a14:useLocalDpi xmlns:a14="http://schemas.microsoft.com/office/drawing/2010/main" val="0"/>
-              </a:ext>
-              <a:ext uri="{96DAC541-7B7A-43D3-8B79-37D633B846F1}">
-                <asvg:svgBlip xmlns:asvg="http://schemas.microsoft.com/office/drawing/2016/SVG/main" r:embed="rId3"/>
-              </a:ext>
-            </a:extLst>
-          </a:blip>
-          <a:stretch>
-            <a:fillRect/>
-          </a:stretch>
-        </p:blipFill>
-        <p:spPr>
-          <a:xfrm>
-            <a:off x="309959" y="263970"/>
-            <a:ext cx="4348957" cy="1508822"/>
-          </a:xfrm>
-          <a:prstGeom prst="rect">
-            <a:avLst/>
-          </a:prstGeom>
-        </p:spPr>
-      </p:pic>
     </p:spTree>
+    <p:extLst>
+      <p:ext uri="{BB962C8B-B14F-4D97-AF65-F5344CB8AC3E}">
+        <p14:creationId xmlns:p14="http://schemas.microsoft.com/office/powerpoint/2010/main" val="1612033277"/>
+      </p:ext>
+    </p:extLst>
   </p:cSld>
   <p:clrMapOvr>
     <a:masterClrMapping/>
@@ -5492,7 +5541,7 @@
             </a:pPr>
             <a:r>
               <a:rPr lang="de-DE" altLang="de-DE" b="1" dirty="0"/>
-              <a:t>Pull</a:t>
+              <a:t>Remote Branch</a:t>
             </a:r>
           </a:p>
           <a:p>
@@ -5505,98 +5554,9 @@
               </a:spcAft>
             </a:pPr>
             <a:r>
-              <a:rPr lang="de-DE" altLang="de-DE" dirty="0" err="1">
-                <a:latin typeface="Consolas" panose="020B0609020204030204" pitchFamily="49" charset="0"/>
-              </a:rPr>
-              <a:t>git</a:t>
-            </a:r>
-            <a:r>
-              <a:rPr lang="de-DE" altLang="de-DE" dirty="0">
-                <a:latin typeface="Consolas" panose="020B0609020204030204" pitchFamily="49" charset="0"/>
-              </a:rPr>
-              <a:t> pull </a:t>
-            </a:r>
-            <a:r>
               <a:rPr lang="de-DE" altLang="de-DE" dirty="0"/>
-              <a:t>als Kombination von </a:t>
-            </a:r>
-            <a:r>
-              <a:rPr lang="de-DE" altLang="de-DE" dirty="0" err="1">
-                <a:latin typeface="Consolas" panose="020B0609020204030204" pitchFamily="49" charset="0"/>
-              </a:rPr>
-              <a:t>git</a:t>
-            </a:r>
-            <a:r>
-              <a:rPr lang="de-DE" altLang="de-DE" dirty="0">
-                <a:latin typeface="Consolas" panose="020B0609020204030204" pitchFamily="49" charset="0"/>
-              </a:rPr>
-              <a:t> </a:t>
-            </a:r>
-            <a:r>
-              <a:rPr lang="de-DE" altLang="de-DE" dirty="0" err="1">
-                <a:latin typeface="Consolas" panose="020B0609020204030204" pitchFamily="49" charset="0"/>
-              </a:rPr>
-              <a:t>fetch</a:t>
-            </a:r>
-            <a:r>
-              <a:rPr lang="de-DE" altLang="de-DE" dirty="0">
-                <a:latin typeface="Consolas" panose="020B0609020204030204" pitchFamily="49" charset="0"/>
-              </a:rPr>
-              <a:t> </a:t>
-            </a:r>
-            <a:r>
-              <a:rPr lang="de-DE" altLang="de-DE" dirty="0"/>
-              <a:t>und </a:t>
-            </a:r>
-            <a:r>
-              <a:rPr lang="de-DE" altLang="de-DE" dirty="0" err="1">
-                <a:latin typeface="Consolas" panose="020B0609020204030204" pitchFamily="49" charset="0"/>
-              </a:rPr>
-              <a:t>git</a:t>
-            </a:r>
-            <a:r>
-              <a:rPr lang="de-DE" altLang="de-DE" dirty="0">
-                <a:latin typeface="Consolas" panose="020B0609020204030204" pitchFamily="49" charset="0"/>
-              </a:rPr>
-              <a:t> </a:t>
-            </a:r>
-            <a:r>
-              <a:rPr lang="de-DE" altLang="de-DE" dirty="0" err="1">
-                <a:latin typeface="Consolas" panose="020B0609020204030204" pitchFamily="49" charset="0"/>
-              </a:rPr>
-              <a:t>merge</a:t>
-            </a:r>
-            <a:r>
-              <a:rPr lang="de-DE" altLang="de-DE" dirty="0">
-                <a:latin typeface="Consolas" panose="020B0609020204030204" pitchFamily="49" charset="0"/>
-              </a:rPr>
-              <a:t> </a:t>
-            </a:r>
-            <a:r>
-              <a:rPr lang="de-DE" altLang="de-DE" dirty="0"/>
-              <a:t>oder </a:t>
-            </a:r>
-            <a:r>
-              <a:rPr lang="de-DE" altLang="de-DE" dirty="0" err="1">
-                <a:latin typeface="Consolas" panose="020B0609020204030204" pitchFamily="49" charset="0"/>
-              </a:rPr>
-              <a:t>git</a:t>
-            </a:r>
-            <a:r>
-              <a:rPr lang="de-DE" altLang="de-DE" dirty="0">
-                <a:latin typeface="Consolas" panose="020B0609020204030204" pitchFamily="49" charset="0"/>
-              </a:rPr>
-              <a:t> </a:t>
-            </a:r>
-            <a:r>
-              <a:rPr lang="de-DE" altLang="de-DE" dirty="0" err="1">
-                <a:latin typeface="Consolas" panose="020B0609020204030204" pitchFamily="49" charset="0"/>
-              </a:rPr>
-              <a:t>rebase</a:t>
-            </a:r>
-            <a:endParaRPr lang="de-DE" altLang="de-DE" dirty="0">
-              <a:latin typeface="Consolas" panose="020B0609020204030204" pitchFamily="49" charset="0"/>
-            </a:endParaRPr>
+              <a:t>Einem lokalen Branch einen Remote Upstream hinzufügen </a:t>
+            </a:r>
           </a:p>
           <a:p>
             <a:pPr marL="57150" indent="0">
@@ -5609,234 +5569,56 @@
               <a:buNone/>
             </a:pPr>
             <a:r>
-              <a:rPr lang="de-DE" altLang="de-DE" dirty="0">
-                <a:latin typeface="Consolas" panose="020B0609020204030204" pitchFamily="49" charset="0"/>
-              </a:rPr>
-              <a:t>	</a:t>
-            </a:r>
-            <a:r>
-              <a:rPr lang="de-DE" altLang="de-DE" dirty="0" err="1">
-                <a:latin typeface="Consolas" panose="020B0609020204030204" pitchFamily="49" charset="0"/>
-              </a:rPr>
-              <a:t>git</a:t>
-            </a:r>
-            <a:r>
-              <a:rPr lang="de-DE" altLang="de-DE" dirty="0">
-                <a:latin typeface="Consolas" panose="020B0609020204030204" pitchFamily="49" charset="0"/>
-              </a:rPr>
-              <a:t> pull</a:t>
-            </a:r>
-          </a:p>
-          <a:p>
-            <a:pPr marL="57150" indent="0">
-              <a:spcBef>
-                <a:spcPts val="600"/>
-              </a:spcBef>
-              <a:spcAft>
-                <a:spcPts val="300"/>
-              </a:spcAft>
-              <a:buNone/>
-            </a:pPr>
-            <a:r>
-              <a:rPr lang="de-DE" altLang="de-DE" dirty="0">
-                <a:latin typeface="Consolas" panose="020B0609020204030204" pitchFamily="49" charset="0"/>
-              </a:rPr>
-              <a:t>	</a:t>
-            </a:r>
-            <a:r>
-              <a:rPr lang="de-DE" altLang="de-DE" dirty="0" err="1">
-                <a:latin typeface="Consolas" panose="020B0609020204030204" pitchFamily="49" charset="0"/>
-              </a:rPr>
-              <a:t>git</a:t>
-            </a:r>
-            <a:r>
-              <a:rPr lang="de-DE" altLang="de-DE" dirty="0">
-                <a:latin typeface="Consolas" panose="020B0609020204030204" pitchFamily="49" charset="0"/>
-              </a:rPr>
-              <a:t> pull --</a:t>
-            </a:r>
-            <a:r>
-              <a:rPr lang="de-DE" altLang="de-DE" dirty="0" err="1">
-                <a:latin typeface="Consolas" panose="020B0609020204030204" pitchFamily="49" charset="0"/>
-              </a:rPr>
-              <a:t>merge</a:t>
-            </a:r>
-            <a:endParaRPr lang="de-DE" altLang="de-DE" dirty="0">
-              <a:latin typeface="Consolas" panose="020B0609020204030204" pitchFamily="49" charset="0"/>
-            </a:endParaRPr>
-          </a:p>
-          <a:p>
-            <a:pPr marL="57150" indent="0">
-              <a:spcBef>
-                <a:spcPts val="600"/>
-              </a:spcBef>
-              <a:spcAft>
-                <a:spcPts val="300"/>
-              </a:spcAft>
-              <a:buNone/>
-            </a:pPr>
-            <a:r>
-              <a:rPr lang="de-DE" altLang="de-DE" dirty="0">
-                <a:latin typeface="Consolas" panose="020B0609020204030204" pitchFamily="49" charset="0"/>
-              </a:rPr>
-              <a:t>	</a:t>
-            </a:r>
-            <a:r>
-              <a:rPr lang="de-DE" altLang="de-DE" dirty="0" err="1">
-                <a:latin typeface="Consolas" panose="020B0609020204030204" pitchFamily="49" charset="0"/>
-              </a:rPr>
-              <a:t>git</a:t>
-            </a:r>
-            <a:r>
-              <a:rPr lang="de-DE" altLang="de-DE" dirty="0">
-                <a:latin typeface="Consolas" panose="020B0609020204030204" pitchFamily="49" charset="0"/>
-              </a:rPr>
-              <a:t> pull --</a:t>
-            </a:r>
-            <a:r>
-              <a:rPr lang="de-DE" altLang="de-DE" dirty="0" err="1">
-                <a:latin typeface="Consolas" panose="020B0609020204030204" pitchFamily="49" charset="0"/>
-              </a:rPr>
-              <a:t>rebase</a:t>
-            </a:r>
-            <a:endParaRPr lang="de-DE" altLang="de-DE" dirty="0">
-              <a:latin typeface="Consolas" panose="020B0609020204030204" pitchFamily="49" charset="0"/>
-            </a:endParaRPr>
-          </a:p>
-          <a:p>
-            <a:pPr marL="400050">
-              <a:spcBef>
-                <a:spcPts val="600"/>
-              </a:spcBef>
-              <a:spcAft>
-                <a:spcPts val="300"/>
-              </a:spcAft>
-            </a:pPr>
-            <a:r>
-              <a:rPr lang="de-DE" altLang="de-DE" dirty="0"/>
-              <a:t>Default bei </a:t>
-            </a:r>
-            <a:r>
-              <a:rPr lang="de-DE" altLang="de-DE" dirty="0" err="1"/>
-              <a:t>git</a:t>
-            </a:r>
-            <a:r>
-              <a:rPr lang="de-DE" altLang="de-DE" dirty="0"/>
-              <a:t> pull ist --</a:t>
-            </a:r>
-            <a:r>
-              <a:rPr lang="de-DE" altLang="de-DE" dirty="0" err="1"/>
-              <a:t>merge</a:t>
-            </a:r>
-            <a:endParaRPr lang="de-DE" altLang="de-DE" dirty="0"/>
-          </a:p>
-          <a:p>
-            <a:pPr marL="400050">
-              <a:spcBef>
-                <a:spcPts val="600"/>
-              </a:spcBef>
-              <a:spcAft>
-                <a:spcPts val="300"/>
-              </a:spcAft>
-            </a:pPr>
-            <a:r>
-              <a:rPr lang="de-DE" altLang="de-DE" dirty="0"/>
-              <a:t>Kann in .</a:t>
-            </a:r>
-            <a:r>
-              <a:rPr lang="de-DE" altLang="de-DE" dirty="0" err="1"/>
-              <a:t>gitconfig</a:t>
-            </a:r>
-            <a:r>
-              <a:rPr lang="de-DE" altLang="de-DE" dirty="0"/>
-              <a:t> umgestellt werden</a:t>
-            </a:r>
-          </a:p>
-          <a:p>
-            <a:pPr marL="57150" indent="0">
-              <a:spcBef>
-                <a:spcPts val="600"/>
-              </a:spcBef>
-              <a:spcAft>
-                <a:spcPts val="300"/>
-              </a:spcAft>
-              <a:buNone/>
-            </a:pPr>
-            <a:r>
               <a:rPr lang="de-DE" altLang="de-DE" dirty="0"/>
               <a:t>	</a:t>
             </a:r>
             <a:r>
-              <a:rPr lang="en-US" altLang="de-DE" dirty="0">
-                <a:latin typeface="Consolas" panose="020B0609020204030204" pitchFamily="49" charset="0"/>
-              </a:rPr>
-              <a:t>git config --global </a:t>
-            </a:r>
-            <a:r>
-              <a:rPr lang="en-US" altLang="de-DE" dirty="0" err="1">
-                <a:latin typeface="Consolas" panose="020B0609020204030204" pitchFamily="49" charset="0"/>
-              </a:rPr>
-              <a:t>pull.rebase</a:t>
-            </a:r>
-            <a:r>
-              <a:rPr lang="en-US" altLang="de-DE" dirty="0">
-                <a:latin typeface="Consolas" panose="020B0609020204030204" pitchFamily="49" charset="0"/>
-              </a:rPr>
-              <a:t> false</a:t>
-            </a:r>
-            <a:r>
-              <a:rPr lang="en-US" altLang="de-DE" dirty="0"/>
-              <a:t> 	</a:t>
-            </a:r>
-            <a:r>
-              <a:rPr lang="en-US" altLang="de-DE" dirty="0">
-                <a:sym typeface="Wingdings" panose="05000000000000000000" pitchFamily="2" charset="2"/>
-              </a:rPr>
-              <a:t> Merge</a:t>
-            </a:r>
-          </a:p>
-          <a:p>
-            <a:pPr marL="57150" indent="0">
-              <a:spcBef>
-                <a:spcPts val="600"/>
-              </a:spcBef>
-              <a:spcAft>
-                <a:spcPts val="300"/>
-              </a:spcAft>
-              <a:buNone/>
-            </a:pPr>
-            <a:r>
-              <a:rPr lang="en-US" altLang="de-DE" dirty="0">
-                <a:sym typeface="Wingdings" panose="05000000000000000000" pitchFamily="2" charset="2"/>
-              </a:rPr>
-              <a:t>	</a:t>
-            </a:r>
-            <a:r>
-              <a:rPr lang="en-US" altLang="de-DE" dirty="0">
-                <a:latin typeface="Consolas" panose="020B0609020204030204" pitchFamily="49" charset="0"/>
-                <a:sym typeface="Wingdings" panose="05000000000000000000" pitchFamily="2" charset="2"/>
-              </a:rPr>
-              <a:t>git config --global </a:t>
-            </a:r>
-            <a:r>
-              <a:rPr lang="en-US" altLang="de-DE" dirty="0" err="1">
-                <a:latin typeface="Consolas" panose="020B0609020204030204" pitchFamily="49" charset="0"/>
-                <a:sym typeface="Wingdings" panose="05000000000000000000" pitchFamily="2" charset="2"/>
-              </a:rPr>
-              <a:t>pull.rebase</a:t>
-            </a:r>
-            <a:r>
-              <a:rPr lang="en-US" altLang="de-DE" dirty="0">
-                <a:latin typeface="Consolas" panose="020B0609020204030204" pitchFamily="49" charset="0"/>
-                <a:sym typeface="Wingdings" panose="05000000000000000000" pitchFamily="2" charset="2"/>
-              </a:rPr>
-              <a:t> true 	</a:t>
-            </a:r>
-            <a:r>
-              <a:rPr lang="en-US" altLang="de-DE" dirty="0">
-                <a:sym typeface="Wingdings" panose="05000000000000000000" pitchFamily="2" charset="2"/>
-              </a:rPr>
-              <a:t> Rebase</a:t>
+              <a:rPr lang="de-DE" altLang="de-DE" dirty="0" err="1">
+                <a:latin typeface="Consolas" panose="020B0609020204030204" pitchFamily="49" charset="0"/>
+              </a:rPr>
+              <a:t>git</a:t>
+            </a:r>
+            <a:r>
+              <a:rPr lang="de-DE" altLang="de-DE" dirty="0">
+                <a:latin typeface="Consolas" panose="020B0609020204030204" pitchFamily="49" charset="0"/>
+              </a:rPr>
+              <a:t> </a:t>
+            </a:r>
+            <a:r>
+              <a:rPr lang="de-DE" altLang="de-DE" dirty="0" err="1">
+                <a:latin typeface="Consolas" panose="020B0609020204030204" pitchFamily="49" charset="0"/>
+              </a:rPr>
+              <a:t>branch</a:t>
+            </a:r>
+            <a:r>
+              <a:rPr lang="de-DE" altLang="de-DE" dirty="0">
+                <a:latin typeface="Consolas" panose="020B0609020204030204" pitchFamily="49" charset="0"/>
+              </a:rPr>
+              <a:t> --set-</a:t>
+            </a:r>
+            <a:r>
+              <a:rPr lang="de-DE" altLang="de-DE" dirty="0" err="1">
+                <a:latin typeface="Consolas" panose="020B0609020204030204" pitchFamily="49" charset="0"/>
+              </a:rPr>
+              <a:t>upstream</a:t>
+            </a:r>
+            <a:r>
+              <a:rPr lang="de-DE" altLang="de-DE" dirty="0">
+                <a:latin typeface="Consolas" panose="020B0609020204030204" pitchFamily="49" charset="0"/>
+              </a:rPr>
+              <a:t> &lt;remote&gt; &lt;</a:t>
+            </a:r>
+            <a:r>
+              <a:rPr lang="de-DE" altLang="de-DE" dirty="0" err="1">
+                <a:latin typeface="Consolas" panose="020B0609020204030204" pitchFamily="49" charset="0"/>
+              </a:rPr>
+              <a:t>branch</a:t>
+            </a:r>
+            <a:r>
+              <a:rPr lang="de-DE" altLang="de-DE" dirty="0">
+                <a:latin typeface="Consolas" panose="020B0609020204030204" pitchFamily="49" charset="0"/>
+              </a:rPr>
+              <a:t>&gt;</a:t>
             </a:r>
           </a:p>
           <a:p>
@@ -5846,50 +5628,79 @@
               </a:spcAft>
             </a:pPr>
             <a:r>
-              <a:rPr lang="en-US" altLang="de-DE" dirty="0" err="1">
-                <a:sym typeface="Wingdings" panose="05000000000000000000" pitchFamily="2" charset="2"/>
-              </a:rPr>
-              <a:t>Einstellung</a:t>
-            </a:r>
-            <a:r>
-              <a:rPr lang="en-US" altLang="de-DE" dirty="0">
-                <a:sym typeface="Wingdings" panose="05000000000000000000" pitchFamily="2" charset="2"/>
-              </a:rPr>
-              <a:t> für </a:t>
-            </a:r>
-            <a:r>
-              <a:rPr lang="en-US" altLang="de-DE" dirty="0" err="1">
-                <a:sym typeface="Wingdings" panose="05000000000000000000" pitchFamily="2" charset="2"/>
-              </a:rPr>
-              <a:t>einzelne</a:t>
-            </a:r>
-            <a:r>
-              <a:rPr lang="en-US" altLang="de-DE" dirty="0">
-                <a:sym typeface="Wingdings" panose="05000000000000000000" pitchFamily="2" charset="2"/>
-              </a:rPr>
-              <a:t> Branches </a:t>
-            </a:r>
-            <a:r>
-              <a:rPr lang="en-US" altLang="de-DE" dirty="0" err="1">
-                <a:sym typeface="Wingdings" panose="05000000000000000000" pitchFamily="2" charset="2"/>
-              </a:rPr>
-              <a:t>ebenfalls</a:t>
-            </a:r>
-            <a:r>
-              <a:rPr lang="en-US" altLang="de-DE" dirty="0">
-                <a:sym typeface="Wingdings" panose="05000000000000000000" pitchFamily="2" charset="2"/>
+              <a:rPr lang="de-DE" altLang="de-DE" dirty="0">
+                <a:latin typeface="Consolas" panose="020B0609020204030204" pitchFamily="49" charset="0"/>
+              </a:rPr>
+              <a:t>&lt;</a:t>
+            </a:r>
+            <a:r>
+              <a:rPr lang="de-DE" altLang="de-DE" dirty="0" err="1">
+                <a:latin typeface="Consolas" panose="020B0609020204030204" pitchFamily="49" charset="0"/>
+              </a:rPr>
+              <a:t>branch</a:t>
+            </a:r>
+            <a:r>
+              <a:rPr lang="de-DE" altLang="de-DE" dirty="0">
+                <a:latin typeface="Consolas" panose="020B0609020204030204" pitchFamily="49" charset="0"/>
+              </a:rPr>
+              <a:t>&gt; </a:t>
+            </a:r>
+            <a:r>
+              <a:rPr lang="de-DE" altLang="de-DE" dirty="0"/>
+              <a:t>ist optional</a:t>
+            </a:r>
+          </a:p>
+          <a:p>
+            <a:pPr marL="400050">
+              <a:spcAft>
+                <a:spcPts val="300"/>
+              </a:spcAft>
+            </a:pPr>
+            <a:r>
+              <a:rPr lang="de-DE" altLang="de-DE" dirty="0"/>
+              <a:t>Verknüpft lokalen Branch mit Remote Branch</a:t>
+            </a:r>
+          </a:p>
+          <a:p>
+            <a:pPr marL="400050">
+              <a:spcAft>
+                <a:spcPts val="300"/>
+              </a:spcAft>
+            </a:pPr>
+            <a:r>
+              <a:rPr lang="de-DE" altLang="de-DE" dirty="0"/>
+              <a:t>Lokaler Branch lässt sich mit </a:t>
+            </a:r>
+            <a:r>
+              <a:rPr lang="de-DE" altLang="de-DE" dirty="0" err="1">
+                <a:latin typeface="Consolas" panose="020B0609020204030204" pitchFamily="49" charset="0"/>
+              </a:rPr>
+              <a:t>git</a:t>
+            </a:r>
+            <a:r>
+              <a:rPr lang="de-DE" altLang="de-DE" dirty="0">
+                <a:latin typeface="Consolas" panose="020B0609020204030204" pitchFamily="49" charset="0"/>
               </a:rPr>
               <a:t> </a:t>
             </a:r>
             <a:r>
-              <a:rPr lang="en-US" altLang="de-DE" dirty="0" err="1">
-                <a:sym typeface="Wingdings" panose="05000000000000000000" pitchFamily="2" charset="2"/>
-              </a:rPr>
-              <a:t>möglich</a:t>
-            </a:r>
-            <a:endParaRPr lang="en-US" altLang="de-DE" dirty="0">
-              <a:sym typeface="Wingdings" panose="05000000000000000000" pitchFamily="2" charset="2"/>
-            </a:endParaRPr>
+              <a:rPr lang="de-DE" altLang="de-DE" dirty="0" err="1">
+                <a:latin typeface="Consolas" panose="020B0609020204030204" pitchFamily="49" charset="0"/>
+              </a:rPr>
+              <a:t>reset</a:t>
+            </a:r>
+            <a:r>
+              <a:rPr lang="de-DE" altLang="de-DE" dirty="0"/>
+              <a:t> auf Stand des Remote </a:t>
+            </a:r>
+            <a:r>
+              <a:rPr lang="de-DE" altLang="de-DE" dirty="0" err="1"/>
+              <a:t>Branches</a:t>
+            </a:r>
+            <a:r>
+              <a:rPr lang="de-DE" altLang="de-DE" dirty="0"/>
+              <a:t> zurücksetzen</a:t>
+            </a:r>
           </a:p>
           <a:p>
             <a:pPr marL="57150" indent="0">
@@ -5903,22 +5714,53 @@
               <a:t>	</a:t>
             </a:r>
             <a:r>
-              <a:rPr lang="en-US" altLang="de-DE" dirty="0">
-                <a:latin typeface="Consolas" panose="020B0609020204030204" pitchFamily="49" charset="0"/>
-              </a:rPr>
-              <a:t>git config branch.&lt;branch-name&gt;.rebase true</a:t>
-            </a:r>
-            <a:endParaRPr lang="de-DE" altLang="de-DE" dirty="0">
-              <a:latin typeface="Consolas" panose="020B0609020204030204" pitchFamily="49" charset="0"/>
-            </a:endParaRPr>
-          </a:p>
-          <a:p>
-            <a:pPr marL="400050">
-              <a:spcAft>
-                <a:spcPts val="300"/>
-              </a:spcAft>
-            </a:pPr>
-            <a:endParaRPr lang="en-US" altLang="de-DE" dirty="0"/>
+              <a:rPr lang="de-DE" altLang="de-DE" dirty="0" err="1">
+                <a:latin typeface="Consolas" panose="020B0609020204030204" pitchFamily="49" charset="0"/>
+              </a:rPr>
+              <a:t>git</a:t>
+            </a:r>
+            <a:r>
+              <a:rPr lang="de-DE" altLang="de-DE" dirty="0">
+                <a:latin typeface="Consolas" panose="020B0609020204030204" pitchFamily="49" charset="0"/>
+              </a:rPr>
+              <a:t> </a:t>
+            </a:r>
+            <a:r>
+              <a:rPr lang="de-DE" altLang="de-DE" dirty="0" err="1">
+                <a:latin typeface="Consolas" panose="020B0609020204030204" pitchFamily="49" charset="0"/>
+              </a:rPr>
+              <a:t>reset</a:t>
+            </a:r>
+            <a:r>
+              <a:rPr lang="de-DE" altLang="de-DE" dirty="0">
+                <a:latin typeface="Consolas" panose="020B0609020204030204" pitchFamily="49" charset="0"/>
+              </a:rPr>
+              <a:t> --</a:t>
+            </a:r>
+            <a:r>
+              <a:rPr lang="de-DE" altLang="de-DE" dirty="0" err="1">
+                <a:latin typeface="Consolas" panose="020B0609020204030204" pitchFamily="49" charset="0"/>
+              </a:rPr>
+              <a:t>hard</a:t>
+            </a:r>
+            <a:r>
+              <a:rPr lang="de-DE" altLang="de-DE" dirty="0">
+                <a:latin typeface="Consolas" panose="020B0609020204030204" pitchFamily="49" charset="0"/>
+              </a:rPr>
+              <a:t> &lt;remote&gt;/&lt;remote-</a:t>
+            </a:r>
+            <a:r>
+              <a:rPr lang="de-DE" altLang="de-DE" dirty="0" err="1">
+                <a:latin typeface="Consolas" panose="020B0609020204030204" pitchFamily="49" charset="0"/>
+              </a:rPr>
+              <a:t>branch</a:t>
+            </a:r>
+            <a:r>
+              <a:rPr lang="de-DE" altLang="de-DE" dirty="0">
+                <a:latin typeface="Consolas" panose="020B0609020204030204" pitchFamily="49" charset="0"/>
+              </a:rPr>
+              <a:t>&gt;</a:t>
+            </a:r>
           </a:p>
         </p:txBody>
       </p:sp>
@@ -5958,7 +5800,7 @@
     </p:spTree>
     <p:extLst>
       <p:ext uri="{BB962C8B-B14F-4D97-AF65-F5344CB8AC3E}">
-        <p14:creationId xmlns:p14="http://schemas.microsoft.com/office/powerpoint/2010/main" val="2131263901"/>
+        <p14:creationId xmlns:p14="http://schemas.microsoft.com/office/powerpoint/2010/main" val="218934106"/>
       </p:ext>
     </p:extLst>
   </p:cSld>
@@ -6011,48 +5853,138 @@
           <a:bodyPr/>
           <a:lstStyle/>
           <a:p>
+            <a:pPr marL="57150" indent="0">
+              <a:spcBef>
+                <a:spcPts val="600"/>
+              </a:spcBef>
+              <a:spcAft>
+                <a:spcPts val="300"/>
+              </a:spcAft>
+              <a:buNone/>
+            </a:pPr>
+            <a:r>
+              <a:rPr lang="de-DE" altLang="de-DE" b="1" dirty="0"/>
+              <a:t>Push</a:t>
+            </a:r>
+          </a:p>
+          <a:p>
+            <a:pPr marL="400050">
+              <a:spcBef>
+                <a:spcPts val="600"/>
+              </a:spcBef>
+              <a:spcAft>
+                <a:spcPts val="300"/>
+              </a:spcAft>
+            </a:pPr>
+            <a:r>
+              <a:rPr lang="de-DE" altLang="de-DE" dirty="0"/>
+              <a:t>Lokale Änderungen ins Remote Repository übertragen</a:t>
+            </a:r>
+          </a:p>
+          <a:p>
+            <a:pPr marL="57150" indent="0">
+              <a:spcBef>
+                <a:spcPts val="600"/>
+              </a:spcBef>
+              <a:spcAft>
+                <a:spcPts val="300"/>
+              </a:spcAft>
+              <a:buNone/>
+            </a:pPr>
+            <a:r>
+              <a:rPr lang="de-DE" altLang="de-DE" dirty="0">
+                <a:latin typeface="Consolas" panose="020B0609020204030204" pitchFamily="49" charset="0"/>
+              </a:rPr>
+              <a:t>	</a:t>
+            </a:r>
+            <a:r>
+              <a:rPr lang="de-DE" altLang="de-DE" dirty="0" err="1">
+                <a:latin typeface="Consolas" panose="020B0609020204030204" pitchFamily="49" charset="0"/>
+              </a:rPr>
+              <a:t>git</a:t>
+            </a:r>
+            <a:r>
+              <a:rPr lang="de-DE" altLang="de-DE" dirty="0">
+                <a:latin typeface="Consolas" panose="020B0609020204030204" pitchFamily="49" charset="0"/>
+              </a:rPr>
+              <a:t> push &lt;remote&gt; &lt;remote-</a:t>
+            </a:r>
+            <a:r>
+              <a:rPr lang="de-DE" altLang="de-DE" dirty="0" err="1">
+                <a:latin typeface="Consolas" panose="020B0609020204030204" pitchFamily="49" charset="0"/>
+              </a:rPr>
+              <a:t>branch</a:t>
+            </a:r>
+            <a:r>
+              <a:rPr lang="de-DE" altLang="de-DE" dirty="0">
+                <a:latin typeface="Consolas" panose="020B0609020204030204" pitchFamily="49" charset="0"/>
+              </a:rPr>
+              <a:t>&gt;</a:t>
+            </a:r>
+          </a:p>
+          <a:p>
             <a:pPr marL="400050">
               <a:spcAft>
                 <a:spcPts val="300"/>
               </a:spcAft>
             </a:pPr>
             <a:r>
-              <a:rPr lang="en-US" altLang="de-DE" dirty="0" err="1"/>
-              <a:t>Mergeverhalten</a:t>
-            </a:r>
-            <a:r>
-              <a:rPr lang="en-US" altLang="de-DE" dirty="0"/>
-              <a:t> </a:t>
-            </a:r>
-            <a:r>
-              <a:rPr lang="en-US" altLang="de-DE" dirty="0" err="1"/>
-              <a:t>kann</a:t>
-            </a:r>
-            <a:r>
-              <a:rPr lang="en-US" altLang="de-DE" dirty="0"/>
-              <a:t> </a:t>
-            </a:r>
-            <a:r>
-              <a:rPr lang="en-US" altLang="de-DE" dirty="0" err="1"/>
-              <a:t>ebenfalls</a:t>
-            </a:r>
-            <a:r>
-              <a:rPr lang="en-US" altLang="de-DE" dirty="0"/>
-              <a:t> </a:t>
-            </a:r>
-            <a:r>
-              <a:rPr lang="en-US" altLang="de-DE" dirty="0" err="1"/>
-              <a:t>konfiguriert</a:t>
-            </a:r>
-            <a:r>
-              <a:rPr lang="en-US" altLang="de-DE" dirty="0"/>
-              <a:t> </a:t>
-            </a:r>
-            <a:r>
-              <a:rPr lang="en-US" altLang="de-DE" dirty="0" err="1"/>
-              <a:t>werden</a:t>
-            </a:r>
-            <a:endParaRPr lang="en-US" altLang="de-DE" dirty="0"/>
+              <a:rPr lang="de-DE" altLang="de-DE" dirty="0"/>
+              <a:t>Ohne </a:t>
+            </a:r>
+            <a:r>
+              <a:rPr lang="de-DE" altLang="de-DE" dirty="0">
+                <a:latin typeface="Consolas" panose="020B0609020204030204" pitchFamily="49" charset="0"/>
+              </a:rPr>
+              <a:t>&lt;remote&gt;</a:t>
+            </a:r>
+            <a:r>
+              <a:rPr lang="de-DE" altLang="de-DE" dirty="0"/>
+              <a:t> und </a:t>
+            </a:r>
+            <a:r>
+              <a:rPr lang="de-DE" altLang="de-DE" dirty="0">
+                <a:latin typeface="Consolas" panose="020B0609020204030204" pitchFamily="49" charset="0"/>
+              </a:rPr>
+              <a:t>&lt;remote-</a:t>
+            </a:r>
+            <a:r>
+              <a:rPr lang="de-DE" altLang="de-DE" dirty="0" err="1">
+                <a:latin typeface="Consolas" panose="020B0609020204030204" pitchFamily="49" charset="0"/>
+              </a:rPr>
+              <a:t>branch</a:t>
+            </a:r>
+            <a:r>
+              <a:rPr lang="de-DE" altLang="de-DE" dirty="0">
+                <a:latin typeface="Consolas" panose="020B0609020204030204" pitchFamily="49" charset="0"/>
+              </a:rPr>
+              <a:t>&gt;</a:t>
+            </a:r>
+            <a:r>
+              <a:rPr lang="de-DE" altLang="de-DE" dirty="0"/>
+              <a:t> wird konfigurierter Upstream genutzt</a:t>
+            </a:r>
+          </a:p>
+          <a:p>
+            <a:pPr marL="400050">
+              <a:spcAft>
+                <a:spcPts val="300"/>
+              </a:spcAft>
+            </a:pPr>
+            <a:r>
+              <a:rPr lang="de-DE" altLang="de-DE" dirty="0"/>
+              <a:t>Mittels </a:t>
+            </a:r>
+            <a:r>
+              <a:rPr lang="de-DE" altLang="de-DE" dirty="0">
+                <a:latin typeface="Consolas" panose="020B0609020204030204" pitchFamily="49" charset="0"/>
+              </a:rPr>
+              <a:t>-u</a:t>
+            </a:r>
+            <a:r>
+              <a:rPr lang="de-DE" altLang="de-DE" dirty="0"/>
+              <a:t> kann auch beim push ein Upstream eingerichtet werden</a:t>
+            </a:r>
           </a:p>
           <a:p>
             <a:pPr marL="57150" indent="0">
@@ -6062,145 +5994,115 @@
               <a:buNone/>
             </a:pPr>
             <a:r>
-              <a:rPr lang="en-US" altLang="de-DE" dirty="0"/>
-              <a:t>	git config --global </a:t>
-            </a:r>
-            <a:r>
-              <a:rPr lang="en-US" altLang="de-DE" dirty="0" err="1"/>
-              <a:t>pull.ff</a:t>
-            </a:r>
-            <a:r>
-              <a:rPr lang="en-US" altLang="de-DE" dirty="0"/>
-              <a:t> [ true | only | false ]</a:t>
-            </a:r>
-          </a:p>
-          <a:p>
-            <a:pPr lvl="1">
+              <a:rPr lang="de-DE" altLang="de-DE" dirty="0"/>
+              <a:t>	</a:t>
+            </a:r>
+            <a:r>
+              <a:rPr lang="de-DE" altLang="de-DE" dirty="0" err="1">
+                <a:latin typeface="Consolas" panose="020B0609020204030204" pitchFamily="49" charset="0"/>
+              </a:rPr>
+              <a:t>git</a:t>
+            </a:r>
+            <a:r>
+              <a:rPr lang="de-DE" altLang="de-DE" dirty="0">
+                <a:latin typeface="Consolas" panose="020B0609020204030204" pitchFamily="49" charset="0"/>
+              </a:rPr>
+              <a:t> push -u &lt;remote&gt; &lt;remote-</a:t>
+            </a:r>
+            <a:r>
+              <a:rPr lang="de-DE" altLang="de-DE" dirty="0" err="1">
+                <a:latin typeface="Consolas" panose="020B0609020204030204" pitchFamily="49" charset="0"/>
+              </a:rPr>
+              <a:t>branch</a:t>
+            </a:r>
+            <a:r>
+              <a:rPr lang="de-DE" altLang="de-DE" dirty="0">
+                <a:latin typeface="Consolas" panose="020B0609020204030204" pitchFamily="49" charset="0"/>
+              </a:rPr>
+              <a:t>&gt;</a:t>
+            </a:r>
+          </a:p>
+          <a:p>
+            <a:pPr marL="800100" lvl="1">
               <a:spcAft>
                 <a:spcPts val="300"/>
               </a:spcAft>
             </a:pPr>
             <a:r>
-              <a:rPr lang="en-US" altLang="de-DE" b="1" dirty="0"/>
-              <a:t>true</a:t>
-            </a:r>
-            <a:r>
-              <a:rPr lang="en-US" altLang="de-DE" dirty="0"/>
-              <a:t> (Default) </a:t>
-            </a:r>
-            <a:br>
-              <a:rPr lang="en-US" altLang="de-DE" dirty="0"/>
-            </a:br>
-            <a:r>
-              <a:rPr lang="en-US" altLang="de-DE" dirty="0" err="1"/>
-              <a:t>Versucht</a:t>
-            </a:r>
-            <a:r>
-              <a:rPr lang="en-US" altLang="de-DE" dirty="0"/>
-              <a:t> Fast-Forward Merge </a:t>
-            </a:r>
-            <a:r>
-              <a:rPr lang="en-US" altLang="de-DE" dirty="0" err="1"/>
-              <a:t>durchzuführen</a:t>
-            </a:r>
-            <a:r>
-              <a:rPr lang="en-US" altLang="de-DE" dirty="0"/>
-              <a:t>, </a:t>
-            </a:r>
-            <a:r>
-              <a:rPr lang="en-US" altLang="de-DE" dirty="0" err="1"/>
-              <a:t>ansonsten</a:t>
-            </a:r>
-            <a:r>
-              <a:rPr lang="en-US" altLang="de-DE" dirty="0"/>
-              <a:t> Merge-Commit</a:t>
-            </a:r>
-          </a:p>
-          <a:p>
-            <a:pPr lvl="1">
+              <a:rPr lang="de-DE" altLang="de-DE" dirty="0"/>
+              <a:t>Kurzform für </a:t>
+            </a:r>
+            <a:r>
+              <a:rPr lang="de-DE" altLang="de-DE" dirty="0" err="1">
+                <a:latin typeface="Consolas" panose="020B0609020204030204" pitchFamily="49" charset="0"/>
+              </a:rPr>
+              <a:t>git</a:t>
+            </a:r>
+            <a:r>
+              <a:rPr lang="de-DE" altLang="de-DE" dirty="0">
+                <a:latin typeface="Consolas" panose="020B0609020204030204" pitchFamily="49" charset="0"/>
+              </a:rPr>
+              <a:t> </a:t>
+            </a:r>
+            <a:r>
+              <a:rPr lang="de-DE" altLang="de-DE" dirty="0" err="1">
+                <a:latin typeface="Consolas" panose="020B0609020204030204" pitchFamily="49" charset="0"/>
+              </a:rPr>
+              <a:t>branch</a:t>
+            </a:r>
+            <a:r>
+              <a:rPr lang="de-DE" altLang="de-DE" dirty="0">
+                <a:latin typeface="Consolas" panose="020B0609020204030204" pitchFamily="49" charset="0"/>
+              </a:rPr>
+              <a:t> --set-</a:t>
+            </a:r>
+            <a:r>
+              <a:rPr lang="de-DE" altLang="de-DE" dirty="0" err="1">
+                <a:latin typeface="Consolas" panose="020B0609020204030204" pitchFamily="49" charset="0"/>
+              </a:rPr>
+              <a:t>upstream</a:t>
+            </a:r>
+            <a:r>
+              <a:rPr lang="de-DE" altLang="de-DE" dirty="0">
+                <a:latin typeface="Consolas" panose="020B0609020204030204" pitchFamily="49" charset="0"/>
+              </a:rPr>
+              <a:t> </a:t>
+            </a:r>
+            <a:r>
+              <a:rPr lang="de-DE" altLang="de-DE" dirty="0"/>
+              <a:t>und </a:t>
+            </a:r>
+            <a:r>
+              <a:rPr lang="de-DE" altLang="de-DE" dirty="0" err="1">
+                <a:latin typeface="Consolas" panose="020B0609020204030204" pitchFamily="49" charset="0"/>
+              </a:rPr>
+              <a:t>git</a:t>
+            </a:r>
+            <a:r>
+              <a:rPr lang="de-DE" altLang="de-DE" dirty="0">
+                <a:latin typeface="Consolas" panose="020B0609020204030204" pitchFamily="49" charset="0"/>
+              </a:rPr>
+              <a:t> push</a:t>
+            </a:r>
+          </a:p>
+          <a:p>
+            <a:pPr marL="800100" lvl="1">
               <a:spcAft>
                 <a:spcPts val="300"/>
               </a:spcAft>
             </a:pPr>
             <a:r>
-              <a:rPr lang="en-US" altLang="de-DE" b="1" dirty="0"/>
-              <a:t>false </a:t>
-            </a:r>
-            <a:br>
-              <a:rPr lang="en-US" altLang="de-DE" dirty="0"/>
-            </a:br>
-            <a:r>
-              <a:rPr lang="en-US" altLang="de-DE" dirty="0"/>
-              <a:t>Kein FF, Merge-Commit </a:t>
-            </a:r>
-            <a:r>
-              <a:rPr lang="en-US" altLang="de-DE" dirty="0" err="1"/>
-              <a:t>wird</a:t>
-            </a:r>
-            <a:r>
-              <a:rPr lang="en-US" altLang="de-DE" dirty="0"/>
-              <a:t> </a:t>
-            </a:r>
-            <a:r>
-              <a:rPr lang="en-US" altLang="de-DE" dirty="0" err="1"/>
-              <a:t>immer</a:t>
-            </a:r>
-            <a:r>
-              <a:rPr lang="en-US" altLang="de-DE" dirty="0"/>
-              <a:t> </a:t>
-            </a:r>
-            <a:r>
-              <a:rPr lang="en-US" altLang="de-DE" dirty="0" err="1"/>
-              <a:t>erstellt</a:t>
-            </a:r>
-            <a:endParaRPr lang="en-US" altLang="de-DE" dirty="0"/>
-          </a:p>
-          <a:p>
-            <a:pPr lvl="1">
-              <a:spcAft>
-                <a:spcPts val="300"/>
-              </a:spcAft>
-            </a:pPr>
-            <a:r>
-              <a:rPr lang="en-US" altLang="de-DE" b="1" dirty="0"/>
-              <a:t>only</a:t>
-            </a:r>
-            <a:br>
-              <a:rPr lang="en-US" altLang="de-DE" dirty="0"/>
-            </a:br>
-            <a:r>
-              <a:rPr lang="en-US" altLang="de-DE" dirty="0"/>
-              <a:t>Nur FF, falls </a:t>
-            </a:r>
-            <a:r>
-              <a:rPr lang="en-US" altLang="de-DE" dirty="0" err="1"/>
-              <a:t>nicht</a:t>
-            </a:r>
-            <a:r>
-              <a:rPr lang="en-US" altLang="de-DE" dirty="0"/>
-              <a:t> </a:t>
-            </a:r>
-            <a:r>
-              <a:rPr lang="en-US" altLang="de-DE" dirty="0" err="1"/>
-              <a:t>möglich</a:t>
-            </a:r>
-            <a:r>
-              <a:rPr lang="en-US" altLang="de-DE" dirty="0"/>
-              <a:t>, </a:t>
-            </a:r>
-            <a:r>
-              <a:rPr lang="en-US" altLang="de-DE" dirty="0" err="1"/>
-              <a:t>wird</a:t>
-            </a:r>
-            <a:r>
-              <a:rPr lang="en-US" altLang="de-DE" dirty="0"/>
-              <a:t> pull </a:t>
-            </a:r>
-            <a:r>
-              <a:rPr lang="en-US" altLang="de-DE" dirty="0" err="1"/>
-              <a:t>abgebrochen</a:t>
-            </a:r>
-            <a:endParaRPr lang="en-US" altLang="de-DE" dirty="0"/>
+              <a:rPr lang="de-DE" altLang="de-DE" dirty="0"/>
+              <a:t>Üblich bei neuen </a:t>
+            </a:r>
+            <a:r>
+              <a:rPr lang="de-DE" altLang="de-DE" dirty="0" err="1"/>
+              <a:t>Branches</a:t>
+            </a:r>
+            <a:r>
+              <a:rPr lang="de-DE" altLang="de-DE" dirty="0"/>
+              <a:t>, die Remote noch nicht existieren</a:t>
+            </a:r>
           </a:p>
         </p:txBody>
       </p:sp>
@@ -6240,7 +6142,7 @@
     </p:spTree>
     <p:extLst>
       <p:ext uri="{BB962C8B-B14F-4D97-AF65-F5344CB8AC3E}">
-        <p14:creationId xmlns:p14="http://schemas.microsoft.com/office/powerpoint/2010/main" val="281920756"/>
+        <p14:creationId xmlns:p14="http://schemas.microsoft.com/office/powerpoint/2010/main" val="2174251504"/>
       </p:ext>
     </p:extLst>
   </p:cSld>
@@ -6304,84 +6206,7 @@
             </a:pPr>
             <a:r>
               <a:rPr lang="de-DE" altLang="de-DE" b="1" dirty="0"/>
-              <a:t>Remote Branch</a:t>
-            </a:r>
-          </a:p>
-          <a:p>
-            <a:pPr marL="400050">
-              <a:spcBef>
-                <a:spcPts val="600"/>
-              </a:spcBef>
-              <a:spcAft>
-                <a:spcPts val="300"/>
-              </a:spcAft>
-            </a:pPr>
-            <a:r>
-              <a:rPr lang="de-DE" altLang="de-DE" dirty="0"/>
-              <a:t>Einem lokalen Branch einen Remote Upstream hinzufügen </a:t>
-            </a:r>
-          </a:p>
-          <a:p>
-            <a:pPr marL="57150" indent="0">
-              <a:spcBef>
-                <a:spcPts val="600"/>
-              </a:spcBef>
-              <a:spcAft>
-                <a:spcPts val="300"/>
-              </a:spcAft>
-              <a:buNone/>
-            </a:pPr>
-            <a:r>
-              <a:rPr lang="de-DE" altLang="de-DE" dirty="0"/>
-              <a:t>	</a:t>
-            </a:r>
-            <a:r>
-              <a:rPr lang="de-DE" altLang="de-DE" dirty="0" err="1">
-                <a:latin typeface="Consolas" panose="020B0609020204030204" pitchFamily="49" charset="0"/>
-              </a:rPr>
-              <a:t>git</a:t>
-            </a:r>
-            <a:r>
-              <a:rPr lang="de-DE" altLang="de-DE" dirty="0">
-                <a:latin typeface="Consolas" panose="020B0609020204030204" pitchFamily="49" charset="0"/>
-              </a:rPr>
-              <a:t> </a:t>
-            </a:r>
-            <a:r>
-              <a:rPr lang="de-DE" altLang="de-DE" dirty="0" err="1">
-                <a:latin typeface="Consolas" panose="020B0609020204030204" pitchFamily="49" charset="0"/>
-              </a:rPr>
-              <a:t>branch</a:t>
-            </a:r>
-            <a:r>
-              <a:rPr lang="de-DE" altLang="de-DE" dirty="0">
-                <a:latin typeface="Consolas" panose="020B0609020204030204" pitchFamily="49" charset="0"/>
-              </a:rPr>
-              <a:t> --set-</a:t>
-            </a:r>
-            <a:r>
-              <a:rPr lang="de-DE" altLang="de-DE" dirty="0" err="1">
-                <a:latin typeface="Consolas" panose="020B0609020204030204" pitchFamily="49" charset="0"/>
-              </a:rPr>
-              <a:t>upstream</a:t>
-            </a:r>
-            <a:r>
-              <a:rPr lang="de-DE" altLang="de-DE" dirty="0">
-                <a:latin typeface="Consolas" panose="020B0609020204030204" pitchFamily="49" charset="0"/>
-              </a:rPr>
-              <a:t> &lt;remote&gt; &lt;</a:t>
-            </a:r>
-            <a:r>
-              <a:rPr lang="de-DE" altLang="de-DE" dirty="0" err="1">
-                <a:latin typeface="Consolas" panose="020B0609020204030204" pitchFamily="49" charset="0"/>
-              </a:rPr>
-              <a:t>branch</a:t>
-            </a:r>
-            <a:r>
-              <a:rPr lang="de-DE" altLang="de-DE" dirty="0">
-                <a:latin typeface="Consolas" panose="020B0609020204030204" pitchFamily="49" charset="0"/>
-              </a:rPr>
-              <a:t>&gt;</a:t>
+              <a:t>Push</a:t>
             </a:r>
           </a:p>
           <a:p>
@@ -6394,24 +6219,29 @@
               <a:rPr lang="de-DE" altLang="de-DE" dirty="0">
                 <a:latin typeface="Consolas" panose="020B0609020204030204" pitchFamily="49" charset="0"/>
               </a:rPr>
-              <a:t>&lt;</a:t>
-            </a:r>
-            <a:r>
-              <a:rPr lang="de-DE" altLang="de-DE" dirty="0" err="1">
-                <a:latin typeface="Consolas" panose="020B0609020204030204" pitchFamily="49" charset="0"/>
-              </a:rPr>
-              <a:t>branch</a:t>
-            </a:r>
-            <a:r>
-              <a:rPr lang="de-DE" altLang="de-DE" dirty="0">
-                <a:latin typeface="Consolas" panose="020B0609020204030204" pitchFamily="49" charset="0"/>
-              </a:rPr>
-              <a:t>&gt; </a:t>
+              <a:t>--all </a:t>
+            </a:r>
+            <a:r>
+              <a:rPr lang="de-DE" altLang="de-DE" dirty="0" err="1"/>
+              <a:t>pushed</a:t>
             </a:r>
             <a:r>
               <a:rPr lang="de-DE" altLang="de-DE" dirty="0"/>
-              <a:t>ist optional</a:t>
-            </a:r>
+              <a:t> </a:t>
+            </a:r>
+            <a:r>
+              <a:rPr lang="de-DE" altLang="de-DE" i="1" dirty="0"/>
+              <a:t>alle</a:t>
+            </a:r>
+            <a:r>
+              <a:rPr lang="de-DE" altLang="de-DE" dirty="0"/>
+              <a:t> </a:t>
+            </a:r>
+            <a:r>
+              <a:rPr lang="de-DE" altLang="de-DE" dirty="0" err="1"/>
+              <a:t>Branches</a:t>
+            </a:r>
+            <a:endParaRPr lang="de-DE" altLang="de-DE" dirty="0"/>
           </a:p>
           <a:p>
             <a:pPr marL="400050">
@@ -6420,8 +6250,18 @@
               </a:spcAft>
             </a:pPr>
             <a:r>
+              <a:rPr lang="de-DE" altLang="de-DE" dirty="0">
+                <a:latin typeface="Consolas" panose="020B0609020204030204" pitchFamily="49" charset="0"/>
+              </a:rPr>
+              <a:t>--tags </a:t>
+            </a:r>
+            <a:r>
+              <a:rPr lang="de-DE" altLang="de-DE" dirty="0" err="1"/>
+              <a:t>pushed</a:t>
+            </a:r>
+            <a:r>
               <a:rPr lang="de-DE" altLang="de-DE" dirty="0"/>
-              <a:t>Verknüpft lokalen Branch mit Remote Branch</a:t>
+              <a:t> zusätzlich zu dem angegebenen Branch alle Tags</a:t>
             </a:r>
           </a:p>
           <a:p>
@@ -6431,99 +6271,53 @@
               </a:spcAft>
             </a:pPr>
             <a:r>
+              <a:rPr lang="de-DE" altLang="de-DE" dirty="0">
+                <a:latin typeface="Consolas" panose="020B0609020204030204" pitchFamily="49" charset="0"/>
+              </a:rPr>
+              <a:t>--</a:t>
+            </a:r>
+            <a:r>
+              <a:rPr lang="de-DE" altLang="de-DE" dirty="0" err="1">
+                <a:latin typeface="Consolas" panose="020B0609020204030204" pitchFamily="49" charset="0"/>
+              </a:rPr>
+              <a:t>force</a:t>
+            </a:r>
+            <a:r>
+              <a:rPr lang="de-DE" altLang="de-DE" dirty="0">
+                <a:latin typeface="Consolas" panose="020B0609020204030204" pitchFamily="49" charset="0"/>
+              </a:rPr>
+              <a:t> </a:t>
+            </a:r>
+            <a:r>
               <a:rPr lang="de-DE" altLang="de-DE" dirty="0"/>
-              <a:t>Lokaler Branch lässt sich mit </a:t>
-            </a:r>
-            <a:r>
-              <a:rPr lang="de-DE" altLang="de-DE" dirty="0" err="1">
-                <a:latin typeface="Consolas" panose="020B0609020204030204" pitchFamily="49" charset="0"/>
-              </a:rPr>
-              <a:t>git</a:t>
+              <a:t>oder </a:t>
             </a:r>
             <a:r>
               <a:rPr lang="de-DE" altLang="de-DE" dirty="0">
                 <a:latin typeface="Consolas" panose="020B0609020204030204" pitchFamily="49" charset="0"/>
               </a:rPr>
-              <a:t> </a:t>
-            </a:r>
-            <a:r>
-              <a:rPr lang="de-DE" altLang="de-DE" dirty="0" err="1">
-                <a:latin typeface="Consolas" panose="020B0609020204030204" pitchFamily="49" charset="0"/>
-              </a:rPr>
-              <a:t>reset</a:t>
+              <a:t>-f</a:t>
             </a:r>
             <a:r>
               <a:rPr lang="de-DE" altLang="de-DE" dirty="0"/>
-              <a:t> auf Stand des Remote </a:t>
+              <a:t> ermöglicht Push, auch wenn Commit-Historie nicht zusammenpasst (z.B. nach </a:t>
             </a:r>
             <a:r>
               <a:rPr lang="de-DE" altLang="de-DE" dirty="0" err="1"/>
-              <a:t>Branches</a:t>
+              <a:t>Rebase</a:t>
             </a:r>
             <a:r>
               <a:rPr lang="de-DE" altLang="de-DE" dirty="0"/>
-              <a:t> zurücksetzen</a:t>
-            </a:r>
-          </a:p>
-          <a:p>
-            <a:pPr marL="57150" indent="0">
+              <a:t>)</a:t>
+            </a:r>
+          </a:p>
+          <a:p>
+            <a:pPr marL="800100" lvl="1">
               <a:spcAft>
                 <a:spcPts val="300"/>
               </a:spcAft>
-              <a:buNone/>
-            </a:pPr>
-            <a:r>
-              <a:rPr lang="de-DE" altLang="de-DE" dirty="0"/>
-              <a:t>	</a:t>
-            </a:r>
-            <a:r>
-              <a:rPr lang="de-DE" altLang="de-DE" dirty="0" err="1">
-                <a:latin typeface="Consolas" panose="020B0609020204030204" pitchFamily="49" charset="0"/>
-              </a:rPr>
-              <a:t>git</a:t>
-            </a:r>
-            <a:r>
-              <a:rPr lang="de-DE" altLang="de-DE" dirty="0">
-                <a:latin typeface="Consolas" panose="020B0609020204030204" pitchFamily="49" charset="0"/>
-              </a:rPr>
-              <a:t> </a:t>
-            </a:r>
-            <a:r>
-              <a:rPr lang="de-DE" altLang="de-DE" dirty="0" err="1">
-                <a:latin typeface="Consolas" panose="020B0609020204030204" pitchFamily="49" charset="0"/>
-              </a:rPr>
-              <a:t>reset</a:t>
-            </a:r>
-            <a:r>
-              <a:rPr lang="de-DE" altLang="de-DE" dirty="0">
-                <a:latin typeface="Consolas" panose="020B0609020204030204" pitchFamily="49" charset="0"/>
-              </a:rPr>
-              <a:t> --</a:t>
-            </a:r>
-            <a:r>
-              <a:rPr lang="de-DE" altLang="de-DE" dirty="0" err="1">
-                <a:latin typeface="Consolas" panose="020B0609020204030204" pitchFamily="49" charset="0"/>
-              </a:rPr>
-              <a:t>hard</a:t>
-            </a:r>
-            <a:r>
-              <a:rPr lang="de-DE" altLang="de-DE" dirty="0">
-                <a:latin typeface="Consolas" panose="020B0609020204030204" pitchFamily="49" charset="0"/>
-              </a:rPr>
-              <a:t> &lt;remote&gt;/&lt;remote-</a:t>
-            </a:r>
-            <a:r>
-              <a:rPr lang="de-DE" altLang="de-DE" dirty="0" err="1">
-                <a:latin typeface="Consolas" panose="020B0609020204030204" pitchFamily="49" charset="0"/>
-              </a:rPr>
-              <a:t>branch</a:t>
-            </a:r>
-            <a:r>
-              <a:rPr lang="de-DE" altLang="de-DE" dirty="0">
-                <a:latin typeface="Consolas" panose="020B0609020204030204" pitchFamily="49" charset="0"/>
-              </a:rPr>
-              <a:t>&gt;</a:t>
-            </a:r>
+            </a:pPr>
+            <a:endParaRPr lang="de-DE" altLang="de-DE" dirty="0"/>
           </a:p>
         </p:txBody>
       </p:sp>
@@ -6563,7 +6357,7 @@
     </p:spTree>
     <p:extLst>
       <p:ext uri="{BB962C8B-B14F-4D97-AF65-F5344CB8AC3E}">
-        <p14:creationId xmlns:p14="http://schemas.microsoft.com/office/powerpoint/2010/main" val="218934106"/>
+        <p14:creationId xmlns:p14="http://schemas.microsoft.com/office/powerpoint/2010/main" val="3036587770"/>
       </p:ext>
     </p:extLst>
   </p:cSld>
@@ -6641,563 +6435,6 @@
             </a:pPr>
             <a:r>
               <a:rPr lang="de-DE" altLang="de-DE" dirty="0"/>
-              <a:t>Lokale Änderungen ins Remote Repository übertragen</a:t>
-            </a:r>
-          </a:p>
-          <a:p>
-            <a:pPr marL="57150" indent="0">
-              <a:spcBef>
-                <a:spcPts val="600"/>
-              </a:spcBef>
-              <a:spcAft>
-                <a:spcPts val="300"/>
-              </a:spcAft>
-              <a:buNone/>
-            </a:pPr>
-            <a:r>
-              <a:rPr lang="de-DE" altLang="de-DE" dirty="0">
-                <a:latin typeface="Consolas" panose="020B0609020204030204" pitchFamily="49" charset="0"/>
-              </a:rPr>
-              <a:t>	</a:t>
-            </a:r>
-            <a:r>
-              <a:rPr lang="de-DE" altLang="de-DE" dirty="0" err="1">
-                <a:latin typeface="Consolas" panose="020B0609020204030204" pitchFamily="49" charset="0"/>
-              </a:rPr>
-              <a:t>git</a:t>
-            </a:r>
-            <a:r>
-              <a:rPr lang="de-DE" altLang="de-DE" dirty="0">
-                <a:latin typeface="Consolas" panose="020B0609020204030204" pitchFamily="49" charset="0"/>
-              </a:rPr>
-              <a:t> push &lt;remote&gt; &lt;remote-</a:t>
-            </a:r>
-            <a:r>
-              <a:rPr lang="de-DE" altLang="de-DE" dirty="0" err="1">
-                <a:latin typeface="Consolas" panose="020B0609020204030204" pitchFamily="49" charset="0"/>
-              </a:rPr>
-              <a:t>branch</a:t>
-            </a:r>
-            <a:r>
-              <a:rPr lang="de-DE" altLang="de-DE" dirty="0">
-                <a:latin typeface="Consolas" panose="020B0609020204030204" pitchFamily="49" charset="0"/>
-              </a:rPr>
-              <a:t>&gt;</a:t>
-            </a:r>
-          </a:p>
-          <a:p>
-            <a:pPr marL="400050">
-              <a:spcAft>
-                <a:spcPts val="300"/>
-              </a:spcAft>
-            </a:pPr>
-            <a:r>
-              <a:rPr lang="de-DE" altLang="de-DE" dirty="0"/>
-              <a:t>Ohne </a:t>
-            </a:r>
-            <a:r>
-              <a:rPr lang="de-DE" altLang="de-DE" dirty="0">
-                <a:latin typeface="Consolas" panose="020B0609020204030204" pitchFamily="49" charset="0"/>
-              </a:rPr>
-              <a:t>&lt;remote&gt;</a:t>
-            </a:r>
-            <a:r>
-              <a:rPr lang="de-DE" altLang="de-DE" dirty="0"/>
-              <a:t> und </a:t>
-            </a:r>
-            <a:r>
-              <a:rPr lang="de-DE" altLang="de-DE" dirty="0">
-                <a:latin typeface="Consolas" panose="020B0609020204030204" pitchFamily="49" charset="0"/>
-              </a:rPr>
-              <a:t>&lt;remote-</a:t>
-            </a:r>
-            <a:r>
-              <a:rPr lang="de-DE" altLang="de-DE" dirty="0" err="1">
-                <a:latin typeface="Consolas" panose="020B0609020204030204" pitchFamily="49" charset="0"/>
-              </a:rPr>
-              <a:t>branch</a:t>
-            </a:r>
-            <a:r>
-              <a:rPr lang="de-DE" altLang="de-DE" dirty="0">
-                <a:latin typeface="Consolas" panose="020B0609020204030204" pitchFamily="49" charset="0"/>
-              </a:rPr>
-              <a:t>&gt;</a:t>
-            </a:r>
-            <a:r>
-              <a:rPr lang="de-DE" altLang="de-DE" dirty="0"/>
-              <a:t> wird konfigurierter Upstream genutzt</a:t>
-            </a:r>
-          </a:p>
-          <a:p>
-            <a:pPr marL="400050">
-              <a:spcAft>
-                <a:spcPts val="300"/>
-              </a:spcAft>
-            </a:pPr>
-            <a:r>
-              <a:rPr lang="de-DE" altLang="de-DE" dirty="0"/>
-              <a:t>Mittels </a:t>
-            </a:r>
-            <a:r>
-              <a:rPr lang="de-DE" altLang="de-DE" dirty="0">
-                <a:latin typeface="Consolas" panose="020B0609020204030204" pitchFamily="49" charset="0"/>
-              </a:rPr>
-              <a:t>-u</a:t>
-            </a:r>
-            <a:r>
-              <a:rPr lang="de-DE" altLang="de-DE" dirty="0"/>
-              <a:t> kann auch beim push ein Upstream eingerichtet werden</a:t>
-            </a:r>
-          </a:p>
-          <a:p>
-            <a:pPr marL="57150" indent="0">
-              <a:spcAft>
-                <a:spcPts val="300"/>
-              </a:spcAft>
-              <a:buNone/>
-            </a:pPr>
-            <a:r>
-              <a:rPr lang="de-DE" altLang="de-DE" dirty="0"/>
-              <a:t>	</a:t>
-            </a:r>
-            <a:r>
-              <a:rPr lang="de-DE" altLang="de-DE" dirty="0" err="1">
-                <a:latin typeface="Consolas" panose="020B0609020204030204" pitchFamily="49" charset="0"/>
-              </a:rPr>
-              <a:t>git</a:t>
-            </a:r>
-            <a:r>
-              <a:rPr lang="de-DE" altLang="de-DE" dirty="0">
-                <a:latin typeface="Consolas" panose="020B0609020204030204" pitchFamily="49" charset="0"/>
-              </a:rPr>
-              <a:t> push -u &lt;remote&gt; &lt;remote-</a:t>
-            </a:r>
-            <a:r>
-              <a:rPr lang="de-DE" altLang="de-DE" dirty="0" err="1">
-                <a:latin typeface="Consolas" panose="020B0609020204030204" pitchFamily="49" charset="0"/>
-              </a:rPr>
-              <a:t>branch</a:t>
-            </a:r>
-            <a:r>
-              <a:rPr lang="de-DE" altLang="de-DE" dirty="0">
-                <a:latin typeface="Consolas" panose="020B0609020204030204" pitchFamily="49" charset="0"/>
-              </a:rPr>
-              <a:t>&gt;</a:t>
-            </a:r>
-          </a:p>
-          <a:p>
-            <a:pPr marL="800100" lvl="1">
-              <a:spcAft>
-                <a:spcPts val="300"/>
-              </a:spcAft>
-            </a:pPr>
-            <a:r>
-              <a:rPr lang="de-DE" altLang="de-DE" dirty="0"/>
-              <a:t>Kurzform für </a:t>
-            </a:r>
-            <a:r>
-              <a:rPr lang="de-DE" altLang="de-DE" dirty="0" err="1">
-                <a:latin typeface="Consolas" panose="020B0609020204030204" pitchFamily="49" charset="0"/>
-              </a:rPr>
-              <a:t>git</a:t>
-            </a:r>
-            <a:r>
-              <a:rPr lang="de-DE" altLang="de-DE" dirty="0">
-                <a:latin typeface="Consolas" panose="020B0609020204030204" pitchFamily="49" charset="0"/>
-              </a:rPr>
-              <a:t> </a:t>
-            </a:r>
-            <a:r>
-              <a:rPr lang="de-DE" altLang="de-DE" dirty="0" err="1">
-                <a:latin typeface="Consolas" panose="020B0609020204030204" pitchFamily="49" charset="0"/>
-              </a:rPr>
-              <a:t>branch</a:t>
-            </a:r>
-            <a:r>
-              <a:rPr lang="de-DE" altLang="de-DE" dirty="0">
-                <a:latin typeface="Consolas" panose="020B0609020204030204" pitchFamily="49" charset="0"/>
-              </a:rPr>
-              <a:t> --set-</a:t>
-            </a:r>
-            <a:r>
-              <a:rPr lang="de-DE" altLang="de-DE" dirty="0" err="1">
-                <a:latin typeface="Consolas" panose="020B0609020204030204" pitchFamily="49" charset="0"/>
-              </a:rPr>
-              <a:t>upstream</a:t>
-            </a:r>
-            <a:r>
-              <a:rPr lang="de-DE" altLang="de-DE" dirty="0">
-                <a:latin typeface="Consolas" panose="020B0609020204030204" pitchFamily="49" charset="0"/>
-              </a:rPr>
-              <a:t> </a:t>
-            </a:r>
-            <a:r>
-              <a:rPr lang="de-DE" altLang="de-DE" dirty="0"/>
-              <a:t>und </a:t>
-            </a:r>
-            <a:r>
-              <a:rPr lang="de-DE" altLang="de-DE" dirty="0" err="1">
-                <a:latin typeface="Consolas" panose="020B0609020204030204" pitchFamily="49" charset="0"/>
-              </a:rPr>
-              <a:t>git</a:t>
-            </a:r>
-            <a:r>
-              <a:rPr lang="de-DE" altLang="de-DE" dirty="0">
-                <a:latin typeface="Consolas" panose="020B0609020204030204" pitchFamily="49" charset="0"/>
-              </a:rPr>
-              <a:t> push</a:t>
-            </a:r>
-          </a:p>
-          <a:p>
-            <a:pPr marL="800100" lvl="1">
-              <a:spcAft>
-                <a:spcPts val="300"/>
-              </a:spcAft>
-            </a:pPr>
-            <a:r>
-              <a:rPr lang="de-DE" altLang="de-DE" dirty="0"/>
-              <a:t>Üblich bei neuen </a:t>
-            </a:r>
-            <a:r>
-              <a:rPr lang="de-DE" altLang="de-DE" dirty="0" err="1"/>
-              <a:t>Branches</a:t>
-            </a:r>
-            <a:r>
-              <a:rPr lang="de-DE" altLang="de-DE" dirty="0"/>
-              <a:t>, die Remote noch nicht existieren</a:t>
-            </a:r>
-          </a:p>
-        </p:txBody>
-      </p:sp>
-      <p:sp>
-        <p:nvSpPr>
-          <p:cNvPr id="6147" name="Rectangle 1062">
-            <a:extLst>
-              <a:ext uri="{FF2B5EF4-FFF2-40B4-BE49-F238E27FC236}">
-                <a16:creationId xmlns:a16="http://schemas.microsoft.com/office/drawing/2014/main" id="{C46E9340-3256-8D55-A265-94F2F41E288E}"/>
-              </a:ext>
-            </a:extLst>
-          </p:cNvPr>
-          <p:cNvSpPr>
-            <a:spLocks noGrp="1" noChangeArrowheads="1"/>
-          </p:cNvSpPr>
-          <p:nvPr>
-            <p:ph type="title"/>
-          </p:nvPr>
-        </p:nvSpPr>
-        <p:spPr>
-          <a:xfrm>
-            <a:off x="285750" y="142875"/>
-            <a:ext cx="5654675" cy="706438"/>
-          </a:xfrm>
-        </p:spPr>
-        <p:txBody>
-          <a:bodyPr/>
-          <a:lstStyle/>
-          <a:p>
-            <a:r>
-              <a:rPr lang="de-DE" altLang="de-DE" dirty="0"/>
-              <a:t>Remote Repository</a:t>
-            </a:r>
-          </a:p>
-        </p:txBody>
-      </p:sp>
-    </p:spTree>
-    <p:extLst>
-      <p:ext uri="{BB962C8B-B14F-4D97-AF65-F5344CB8AC3E}">
-        <p14:creationId xmlns:p14="http://schemas.microsoft.com/office/powerpoint/2010/main" val="2174251504"/>
-      </p:ext>
-    </p:extLst>
-  </p:cSld>
-  <p:clrMapOvr>
-    <a:masterClrMapping/>
-  </p:clrMapOvr>
-</p:sld>
-</file>
-
-<file path=ppt/slides/slide14.xml><?xml version="1.0" encoding="utf-8"?>
-<p:sld xmlns:a="http://schemas.openxmlformats.org/drawingml/2006/main" xmlns:r="http://schemas.openxmlformats.org/officeDocument/2006/relationships" xmlns:p="http://schemas.openxmlformats.org/presentationml/2006/main">
-  <p:cSld>
-    <p:spTree>
-      <p:nvGrpSpPr>
-        <p:cNvPr id="1" name=""/>
-        <p:cNvGrpSpPr/>
-        <p:nvPr/>
-      </p:nvGrpSpPr>
-      <p:grpSpPr>
-        <a:xfrm>
-          <a:off x="0" y="0"/>
-          <a:ext cx="0" cy="0"/>
-          <a:chOff x="0" y="0"/>
-          <a:chExt cx="0" cy="0"/>
-        </a:xfrm>
-      </p:grpSpPr>
-      <p:sp>
-        <p:nvSpPr>
-          <p:cNvPr id="6146" name="Inhaltsplatzhalter 18">
-            <a:extLst>
-              <a:ext uri="{FF2B5EF4-FFF2-40B4-BE49-F238E27FC236}">
-                <a16:creationId xmlns:a16="http://schemas.microsoft.com/office/drawing/2014/main" id="{BE3C4C95-FD5D-27F0-ED0C-AB8113CAC9F1}"/>
-              </a:ext>
-            </a:extLst>
-          </p:cNvPr>
-          <p:cNvSpPr>
-            <a:spLocks noGrp="1"/>
-          </p:cNvSpPr>
-          <p:nvPr>
-            <p:ph idx="1"/>
-          </p:nvPr>
-        </p:nvSpPr>
-        <p:spPr>
-          <a:xfrm>
-            <a:off x="303213" y="981075"/>
-            <a:ext cx="8517259" cy="5400675"/>
-          </a:xfrm>
-        </p:spPr>
-        <p:txBody>
-          <a:bodyPr/>
-          <a:lstStyle/>
-          <a:p>
-            <a:pPr marL="57150" indent="0">
-              <a:spcBef>
-                <a:spcPts val="600"/>
-              </a:spcBef>
-              <a:spcAft>
-                <a:spcPts val="300"/>
-              </a:spcAft>
-              <a:buNone/>
-            </a:pPr>
-            <a:r>
-              <a:rPr lang="de-DE" altLang="de-DE" b="1" dirty="0"/>
-              <a:t>Push</a:t>
-            </a:r>
-          </a:p>
-          <a:p>
-            <a:pPr marL="400050">
-              <a:spcAft>
-                <a:spcPts val="300"/>
-              </a:spcAft>
-            </a:pPr>
-            <a:r>
-              <a:rPr lang="de-DE" altLang="de-DE" dirty="0">
-                <a:latin typeface="Consolas" panose="020B0609020204030204" pitchFamily="49" charset="0"/>
-              </a:rPr>
-              <a:t>--all </a:t>
-            </a:r>
-            <a:r>
-              <a:rPr lang="de-DE" altLang="de-DE" dirty="0" err="1"/>
-              <a:t>pushed</a:t>
-            </a:r>
-            <a:r>
-              <a:rPr lang="de-DE" altLang="de-DE" dirty="0"/>
-              <a:t> </a:t>
-            </a:r>
-            <a:r>
-              <a:rPr lang="de-DE" altLang="de-DE" i="1" dirty="0"/>
-              <a:t>alle</a:t>
-            </a:r>
-            <a:r>
-              <a:rPr lang="de-DE" altLang="de-DE" dirty="0"/>
-              <a:t> </a:t>
-            </a:r>
-            <a:r>
-              <a:rPr lang="de-DE" altLang="de-DE" dirty="0" err="1"/>
-              <a:t>Branches</a:t>
-            </a:r>
-            <a:endParaRPr lang="de-DE" altLang="de-DE" dirty="0"/>
-          </a:p>
-          <a:p>
-            <a:pPr marL="400050">
-              <a:spcAft>
-                <a:spcPts val="300"/>
-              </a:spcAft>
-            </a:pPr>
-            <a:r>
-              <a:rPr lang="de-DE" altLang="de-DE" dirty="0">
-                <a:latin typeface="Consolas" panose="020B0609020204030204" pitchFamily="49" charset="0"/>
-              </a:rPr>
-              <a:t>--tags </a:t>
-            </a:r>
-            <a:r>
-              <a:rPr lang="de-DE" altLang="de-DE" dirty="0" err="1"/>
-              <a:t>pushed</a:t>
-            </a:r>
-            <a:r>
-              <a:rPr lang="de-DE" altLang="de-DE" dirty="0"/>
-              <a:t> zusätzlich zu dem angegebenen Branch alle Tags</a:t>
-            </a:r>
-          </a:p>
-          <a:p>
-            <a:pPr marL="400050">
-              <a:spcAft>
-                <a:spcPts val="300"/>
-              </a:spcAft>
-            </a:pPr>
-            <a:r>
-              <a:rPr lang="de-DE" altLang="de-DE" dirty="0">
-                <a:latin typeface="Consolas" panose="020B0609020204030204" pitchFamily="49" charset="0"/>
-              </a:rPr>
-              <a:t>--</a:t>
-            </a:r>
-            <a:r>
-              <a:rPr lang="de-DE" altLang="de-DE" dirty="0" err="1">
-                <a:latin typeface="Consolas" panose="020B0609020204030204" pitchFamily="49" charset="0"/>
-              </a:rPr>
-              <a:t>force</a:t>
-            </a:r>
-            <a:r>
-              <a:rPr lang="de-DE" altLang="de-DE" dirty="0">
-                <a:latin typeface="Consolas" panose="020B0609020204030204" pitchFamily="49" charset="0"/>
-              </a:rPr>
-              <a:t> </a:t>
-            </a:r>
-            <a:r>
-              <a:rPr lang="de-DE" altLang="de-DE" dirty="0"/>
-              <a:t>oder </a:t>
-            </a:r>
-            <a:r>
-              <a:rPr lang="de-DE" altLang="de-DE" dirty="0">
-                <a:latin typeface="Consolas" panose="020B0609020204030204" pitchFamily="49" charset="0"/>
-              </a:rPr>
-              <a:t>-f</a:t>
-            </a:r>
-            <a:r>
-              <a:rPr lang="de-DE" altLang="de-DE" dirty="0"/>
-              <a:t> ermöglicht Push, auch wenn Commit-Historie nicht zusammenpasst (z.B. nach </a:t>
-            </a:r>
-            <a:r>
-              <a:rPr lang="de-DE" altLang="de-DE" dirty="0" err="1"/>
-              <a:t>Rebase</a:t>
-            </a:r>
-            <a:r>
-              <a:rPr lang="de-DE" altLang="de-DE" dirty="0"/>
-              <a:t>)</a:t>
-            </a:r>
-          </a:p>
-          <a:p>
-            <a:pPr marL="800100" lvl="1">
-              <a:spcAft>
-                <a:spcPts val="300"/>
-              </a:spcAft>
-            </a:pPr>
-            <a:endParaRPr lang="de-DE" altLang="de-DE" dirty="0"/>
-          </a:p>
-        </p:txBody>
-      </p:sp>
-      <p:sp>
-        <p:nvSpPr>
-          <p:cNvPr id="6147" name="Rectangle 1062">
-            <a:extLst>
-              <a:ext uri="{FF2B5EF4-FFF2-40B4-BE49-F238E27FC236}">
-                <a16:creationId xmlns:a16="http://schemas.microsoft.com/office/drawing/2014/main" id="{C46E9340-3256-8D55-A265-94F2F41E288E}"/>
-              </a:ext>
-            </a:extLst>
-          </p:cNvPr>
-          <p:cNvSpPr>
-            <a:spLocks noGrp="1" noChangeArrowheads="1"/>
-          </p:cNvSpPr>
-          <p:nvPr>
-            <p:ph type="title"/>
-          </p:nvPr>
-        </p:nvSpPr>
-        <p:spPr>
-          <a:xfrm>
-            <a:off x="285750" y="142875"/>
-            <a:ext cx="5654675" cy="706438"/>
-          </a:xfrm>
-        </p:spPr>
-        <p:txBody>
-          <a:bodyPr/>
-          <a:lstStyle/>
-          <a:p>
-            <a:r>
-              <a:rPr lang="de-DE" altLang="de-DE" dirty="0"/>
-              <a:t>Remote Repository</a:t>
-            </a:r>
-          </a:p>
-        </p:txBody>
-      </p:sp>
-    </p:spTree>
-    <p:extLst>
-      <p:ext uri="{BB962C8B-B14F-4D97-AF65-F5344CB8AC3E}">
-        <p14:creationId xmlns:p14="http://schemas.microsoft.com/office/powerpoint/2010/main" val="3036587770"/>
-      </p:ext>
-    </p:extLst>
-  </p:cSld>
-  <p:clrMapOvr>
-    <a:masterClrMapping/>
-  </p:clrMapOvr>
-</p:sld>
-</file>
-
-<file path=ppt/slides/slide15.xml><?xml version="1.0" encoding="utf-8"?>
-<p:sld xmlns:a="http://schemas.openxmlformats.org/drawingml/2006/main" xmlns:r="http://schemas.openxmlformats.org/officeDocument/2006/relationships" xmlns:p="http://schemas.openxmlformats.org/presentationml/2006/main">
-  <p:cSld>
-    <p:spTree>
-      <p:nvGrpSpPr>
-        <p:cNvPr id="1" name=""/>
-        <p:cNvGrpSpPr/>
-        <p:nvPr/>
-      </p:nvGrpSpPr>
-      <p:grpSpPr>
-        <a:xfrm>
-          <a:off x="0" y="0"/>
-          <a:ext cx="0" cy="0"/>
-          <a:chOff x="0" y="0"/>
-          <a:chExt cx="0" cy="0"/>
-        </a:xfrm>
-      </p:grpSpPr>
-      <p:sp>
-        <p:nvSpPr>
-          <p:cNvPr id="6146" name="Inhaltsplatzhalter 18">
-            <a:extLst>
-              <a:ext uri="{FF2B5EF4-FFF2-40B4-BE49-F238E27FC236}">
-                <a16:creationId xmlns:a16="http://schemas.microsoft.com/office/drawing/2014/main" id="{BE3C4C95-FD5D-27F0-ED0C-AB8113CAC9F1}"/>
-              </a:ext>
-            </a:extLst>
-          </p:cNvPr>
-          <p:cNvSpPr>
-            <a:spLocks noGrp="1"/>
-          </p:cNvSpPr>
-          <p:nvPr>
-            <p:ph idx="1"/>
-          </p:nvPr>
-        </p:nvSpPr>
-        <p:spPr>
-          <a:xfrm>
-            <a:off x="303213" y="981075"/>
-            <a:ext cx="8517259" cy="5400675"/>
-          </a:xfrm>
-        </p:spPr>
-        <p:txBody>
-          <a:bodyPr/>
-          <a:lstStyle/>
-          <a:p>
-            <a:pPr marL="57150" indent="0">
-              <a:spcBef>
-                <a:spcPts val="600"/>
-              </a:spcBef>
-              <a:spcAft>
-                <a:spcPts val="300"/>
-              </a:spcAft>
-              <a:buNone/>
-            </a:pPr>
-            <a:r>
-              <a:rPr lang="de-DE" altLang="de-DE" b="1" dirty="0"/>
-              <a:t>Push</a:t>
-            </a:r>
-          </a:p>
-          <a:p>
-            <a:pPr marL="400050">
-              <a:spcBef>
-                <a:spcPts val="600"/>
-              </a:spcBef>
-              <a:spcAft>
-                <a:spcPts val="300"/>
-              </a:spcAft>
-            </a:pPr>
-            <a:r>
-              <a:rPr lang="de-DE" altLang="de-DE" dirty="0"/>
               <a:t>Schreibrechte auf jeweilige Remote benötigt</a:t>
             </a:r>
           </a:p>
@@ -7313,18 +6550,12 @@
       </p:grpSpPr>
       <p:sp>
         <p:nvSpPr>
-          <p:cNvPr id="6146" name="Inhaltsplatzhalter 18">
-            <a:extLst>
-              <a:ext uri="{FF2B5EF4-FFF2-40B4-BE49-F238E27FC236}">
-                <a16:creationId xmlns:a16="http://schemas.microsoft.com/office/drawing/2014/main" id="{BE3C4C95-FD5D-27F0-ED0C-AB8113CAC9F1}"/>
-              </a:ext>
-            </a:extLst>
-          </p:cNvPr>
+          <p:cNvPr id="2" name="Titel 1"/>
           <p:cNvSpPr>
             <a:spLocks noGrp="1"/>
           </p:cNvSpPr>
           <p:nvPr>
-            <p:ph idx="1"/>
+            <p:ph type="title"/>
           </p:nvPr>
         </p:nvSpPr>
         <p:spPr/>
@@ -7332,365 +6563,44 @@
           <a:bodyPr/>
           <a:lstStyle/>
           <a:p>
-            <a:pPr>
-              <a:buFont typeface="Arial" panose="020B0604020202020204" pitchFamily="34" charset="0"/>
-              <a:buChar char="•"/>
-            </a:pPr>
-            <a:r>
-              <a:rPr lang="de-DE" altLang="de-DE" sz="1800" b="1" dirty="0"/>
-              <a:t>Tag 1 – Einführung in </a:t>
-            </a:r>
-            <a:r>
-              <a:rPr lang="de-DE" altLang="de-DE" sz="1800" b="1" dirty="0" err="1"/>
-              <a:t>Git</a:t>
-            </a:r>
-            <a:r>
-              <a:rPr lang="de-DE" altLang="de-DE" sz="1800" b="1" dirty="0"/>
-              <a:t> und </a:t>
-            </a:r>
-            <a:r>
-              <a:rPr lang="de-DE" altLang="de-DE" sz="1800" b="1" dirty="0" err="1"/>
-              <a:t>GitLab</a:t>
-            </a:r>
-            <a:endParaRPr lang="de-DE" altLang="de-DE" sz="1800" b="1" dirty="0"/>
-          </a:p>
-          <a:p>
-            <a:pPr lvl="1">
-              <a:buFont typeface="Arial" panose="020B0604020202020204" pitchFamily="34" charset="0"/>
-              <a:buChar char="•"/>
-            </a:pPr>
-            <a:r>
-              <a:rPr lang="de-DE" altLang="de-DE" sz="1400" dirty="0"/>
-              <a:t>Einführung &amp; Kursüberblick</a:t>
-            </a:r>
-          </a:p>
-          <a:p>
-            <a:pPr lvl="1">
-              <a:buFont typeface="Arial" panose="020B0604020202020204" pitchFamily="34" charset="0"/>
-              <a:buChar char="•"/>
-            </a:pPr>
-            <a:r>
-              <a:rPr lang="de-DE" altLang="de-DE" sz="1400" dirty="0"/>
-              <a:t>Grundlagen von </a:t>
-            </a:r>
-            <a:r>
-              <a:rPr lang="de-DE" altLang="de-DE" sz="1400" dirty="0" err="1"/>
-              <a:t>Git</a:t>
-            </a:r>
-            <a:endParaRPr lang="de-DE" altLang="de-DE" sz="1400" dirty="0"/>
-          </a:p>
-          <a:p>
-            <a:pPr lvl="1">
-              <a:buFont typeface="Arial" panose="020B0604020202020204" pitchFamily="34" charset="0"/>
-              <a:buChar char="•"/>
-            </a:pPr>
-            <a:r>
-              <a:rPr lang="de-DE" altLang="de-DE" sz="1400" dirty="0" err="1"/>
-              <a:t>Git</a:t>
-            </a:r>
-            <a:r>
-              <a:rPr lang="de-DE" altLang="de-DE" sz="1400" dirty="0"/>
-              <a:t> </a:t>
-            </a:r>
-            <a:r>
-              <a:rPr lang="de-DE" altLang="de-DE" sz="1400" dirty="0" err="1"/>
-              <a:t>Rebase</a:t>
-            </a:r>
-            <a:r>
-              <a:rPr lang="de-DE" altLang="de-DE" sz="1400" dirty="0"/>
-              <a:t> und </a:t>
-            </a:r>
-            <a:r>
-              <a:rPr lang="de-DE" altLang="de-DE" sz="1400" dirty="0" err="1"/>
-              <a:t>Merge</a:t>
-            </a:r>
-            <a:r>
-              <a:rPr lang="de-DE" altLang="de-DE" sz="1400" dirty="0"/>
-              <a:t>-Strategien</a:t>
-            </a:r>
-          </a:p>
-          <a:p>
-            <a:pPr lvl="1">
-              <a:buFont typeface="Arial" panose="020B0604020202020204" pitchFamily="34" charset="0"/>
-              <a:buChar char="•"/>
-            </a:pPr>
-            <a:r>
-              <a:rPr lang="de-DE" altLang="de-DE" sz="1400" dirty="0" err="1"/>
-              <a:t>Git</a:t>
-            </a:r>
-            <a:r>
-              <a:rPr lang="de-DE" altLang="de-DE" sz="1400" dirty="0"/>
-              <a:t> Remote</a:t>
-            </a:r>
-          </a:p>
-          <a:p>
-            <a:pPr lvl="1">
-              <a:buFont typeface="Arial" panose="020B0604020202020204" pitchFamily="34" charset="0"/>
-              <a:buChar char="•"/>
-            </a:pPr>
-            <a:r>
-              <a:rPr lang="de-DE" altLang="de-DE" sz="1400" dirty="0"/>
-              <a:t>Grundlagen von </a:t>
-            </a:r>
-            <a:r>
-              <a:rPr lang="de-DE" altLang="de-DE" sz="1400" dirty="0" err="1"/>
-              <a:t>GitLab</a:t>
-            </a:r>
-            <a:endParaRPr lang="de-DE" altLang="de-DE" sz="1400" dirty="0"/>
-          </a:p>
-          <a:p>
-            <a:pPr>
-              <a:buFont typeface="Arial" panose="020B0604020202020204" pitchFamily="34" charset="0"/>
-              <a:buChar char="•"/>
-            </a:pPr>
-            <a:r>
-              <a:rPr lang="de-DE" altLang="de-DE" sz="1800" b="1" dirty="0"/>
-              <a:t>Tag 2 – </a:t>
-            </a:r>
-            <a:r>
-              <a:rPr lang="de-DE" altLang="de-DE" sz="1800" b="1" dirty="0" err="1"/>
-              <a:t>Git</a:t>
-            </a:r>
-            <a:r>
-              <a:rPr lang="de-DE" altLang="de-DE" sz="1800" b="1" dirty="0"/>
-              <a:t>-Workflows, CI/CD, </a:t>
-            </a:r>
-            <a:r>
-              <a:rPr lang="de-DE" altLang="de-DE" sz="1800" b="1" dirty="0" err="1"/>
-              <a:t>GitLab</a:t>
-            </a:r>
-            <a:r>
-              <a:rPr lang="de-DE" altLang="de-DE" sz="1800" b="1" dirty="0"/>
-              <a:t> CI </a:t>
-            </a:r>
-          </a:p>
-          <a:p>
-            <a:pPr lvl="1">
-              <a:buFont typeface="Arial" panose="020B0604020202020204" pitchFamily="34" charset="0"/>
-              <a:buChar char="•"/>
-            </a:pPr>
-            <a:r>
-              <a:rPr lang="de-DE" altLang="de-DE" sz="1400" dirty="0" err="1"/>
-              <a:t>Git</a:t>
-            </a:r>
-            <a:r>
-              <a:rPr lang="de-DE" altLang="de-DE" sz="1400" dirty="0"/>
-              <a:t>-Workflow im Team</a:t>
-            </a:r>
-          </a:p>
-          <a:p>
-            <a:pPr lvl="1">
-              <a:buFont typeface="Arial" panose="020B0604020202020204" pitchFamily="34" charset="0"/>
-              <a:buChar char="•"/>
-            </a:pPr>
-            <a:r>
-              <a:rPr lang="de-DE" altLang="de-DE" sz="1400" dirty="0" err="1"/>
-              <a:t>Gitflow</a:t>
-            </a:r>
-            <a:r>
-              <a:rPr lang="de-DE" altLang="de-DE" sz="1400" dirty="0"/>
-              <a:t>-Workflow</a:t>
-            </a:r>
-          </a:p>
-          <a:p>
-            <a:pPr lvl="1">
-              <a:buFont typeface="Arial" panose="020B0604020202020204" pitchFamily="34" charset="0"/>
-              <a:buChar char="•"/>
-            </a:pPr>
-            <a:r>
-              <a:rPr lang="de-DE" altLang="de-DE" sz="1400" dirty="0"/>
-              <a:t>Tags, Releases &amp; deren Verwaltung</a:t>
-            </a:r>
-          </a:p>
-          <a:p>
-            <a:pPr lvl="1">
-              <a:buFont typeface="Arial" panose="020B0604020202020204" pitchFamily="34" charset="0"/>
-              <a:buChar char="•"/>
-            </a:pPr>
-            <a:r>
-              <a:rPr lang="de-DE" altLang="de-DE" sz="1400" dirty="0"/>
-              <a:t>Einführung in </a:t>
-            </a:r>
-            <a:r>
-              <a:rPr lang="de-DE" altLang="de-DE" sz="1400" dirty="0" err="1"/>
-              <a:t>GitLab</a:t>
-            </a:r>
-            <a:r>
-              <a:rPr lang="de-DE" altLang="de-DE" sz="1400" dirty="0"/>
-              <a:t> CI/CD &amp; </a:t>
-            </a:r>
-            <a:r>
-              <a:rPr lang="de-DE" altLang="de-DE" sz="1400" dirty="0" err="1"/>
-              <a:t>gitlab-ci.yml</a:t>
-            </a:r>
-            <a:endParaRPr lang="de-DE" altLang="de-DE" sz="1400" dirty="0"/>
-          </a:p>
-          <a:p>
-            <a:pPr lvl="1">
-              <a:buFont typeface="Arial" panose="020B0604020202020204" pitchFamily="34" charset="0"/>
-              <a:buChar char="•"/>
-            </a:pPr>
-            <a:r>
-              <a:rPr lang="de-DE" altLang="de-DE" sz="1400" dirty="0" err="1"/>
-              <a:t>GitLab</a:t>
-            </a:r>
-            <a:r>
-              <a:rPr lang="de-DE" altLang="de-DE" sz="1400" dirty="0"/>
-              <a:t> Runner</a:t>
-            </a:r>
-          </a:p>
-          <a:p>
-            <a:pPr>
-              <a:buFont typeface="Arial" panose="020B0604020202020204" pitchFamily="34" charset="0"/>
-              <a:buChar char="•"/>
-            </a:pPr>
-            <a:r>
-              <a:rPr lang="de-DE" altLang="de-DE" sz="1800" b="1" dirty="0"/>
-              <a:t>Tag 3 – Docker, </a:t>
-            </a:r>
-            <a:r>
-              <a:rPr lang="de-DE" altLang="de-DE" sz="1800" b="1" dirty="0" err="1"/>
-              <a:t>GitOps</a:t>
-            </a:r>
-            <a:r>
-              <a:rPr lang="de-DE" altLang="de-DE" sz="1800" b="1" dirty="0"/>
-              <a:t>, </a:t>
-            </a:r>
-            <a:r>
-              <a:rPr lang="de-DE" altLang="de-DE" sz="1800" b="1" dirty="0" err="1"/>
-              <a:t>Deployment</a:t>
-            </a:r>
-            <a:r>
-              <a:rPr lang="de-DE" altLang="de-DE" sz="1800" b="1" dirty="0"/>
-              <a:t>-Strategien</a:t>
-            </a:r>
-          </a:p>
-          <a:p>
-            <a:pPr lvl="1">
-              <a:buFont typeface="Arial" panose="020B0604020202020204" pitchFamily="34" charset="0"/>
-              <a:buChar char="•"/>
-            </a:pPr>
-            <a:r>
-              <a:rPr lang="de-DE" altLang="de-DE" sz="1400" dirty="0"/>
-              <a:t>Entwicklung mit Docker</a:t>
-            </a:r>
-          </a:p>
-          <a:p>
-            <a:pPr lvl="1">
-              <a:buFont typeface="Arial" panose="020B0604020202020204" pitchFamily="34" charset="0"/>
-              <a:buChar char="•"/>
-            </a:pPr>
-            <a:r>
-              <a:rPr lang="de-DE" altLang="de-DE" sz="1400" dirty="0"/>
-              <a:t>Container/Docker-Registry</a:t>
-            </a:r>
-          </a:p>
-          <a:p>
-            <a:pPr lvl="1">
-              <a:buFont typeface="Arial" panose="020B0604020202020204" pitchFamily="34" charset="0"/>
-              <a:buChar char="•"/>
-            </a:pPr>
-            <a:r>
-              <a:rPr lang="de-DE" altLang="de-DE" sz="1400" dirty="0"/>
-              <a:t>Erstellen von Release- und </a:t>
-            </a:r>
-            <a:r>
-              <a:rPr lang="de-DE" altLang="de-DE" sz="1400" dirty="0" err="1"/>
-              <a:t>Tagged</a:t>
-            </a:r>
-            <a:r>
-              <a:rPr lang="de-DE" altLang="de-DE" sz="1400" dirty="0"/>
-              <a:t>-Images</a:t>
-            </a:r>
-          </a:p>
-          <a:p>
-            <a:pPr lvl="1">
-              <a:buFont typeface="Arial" panose="020B0604020202020204" pitchFamily="34" charset="0"/>
-              <a:buChar char="•"/>
-            </a:pPr>
-            <a:r>
-              <a:rPr lang="de-DE" altLang="de-DE" sz="1400" dirty="0" err="1"/>
-              <a:t>GitOps</a:t>
-            </a:r>
-            <a:r>
-              <a:rPr lang="de-DE" altLang="de-DE" sz="1400" dirty="0"/>
-              <a:t> Grundlagen</a:t>
-            </a:r>
-          </a:p>
-          <a:p>
-            <a:pPr lvl="1">
-              <a:buFont typeface="Arial" panose="020B0604020202020204" pitchFamily="34" charset="0"/>
-              <a:buChar char="•"/>
-            </a:pPr>
-            <a:r>
-              <a:rPr lang="de-DE" altLang="de-DE" sz="1400" dirty="0"/>
-              <a:t>Möglichkeiten des </a:t>
-            </a:r>
-            <a:r>
-              <a:rPr lang="de-DE" altLang="de-DE" sz="1400" dirty="0" err="1"/>
-              <a:t>Deployments</a:t>
-            </a:r>
-            <a:r>
-              <a:rPr lang="de-DE" altLang="de-DE" sz="1400" dirty="0"/>
-              <a:t> &amp; Verwaltung von Konfiguration</a:t>
-            </a:r>
-          </a:p>
-          <a:p>
-            <a:pPr lvl="1">
-              <a:buFont typeface="Arial" panose="020B0604020202020204" pitchFamily="34" charset="0"/>
-              <a:buChar char="•"/>
-            </a:pPr>
-            <a:r>
-              <a:rPr lang="de-DE" altLang="de-DE" sz="1400" dirty="0"/>
-              <a:t>Abschlussübung &amp; Diskussion</a:t>
-            </a:r>
-          </a:p>
-          <a:p>
-            <a:pPr lvl="1">
-              <a:buFont typeface="Arial" panose="020B0604020202020204" pitchFamily="34" charset="0"/>
-              <a:buChar char="•"/>
-            </a:pPr>
-            <a:endParaRPr lang="de-DE" altLang="de-DE" sz="1400" dirty="0"/>
+            <a:r>
+              <a:rPr lang="de-DE" cap="none" dirty="0"/>
+              <a:t>Remote Repository</a:t>
+            </a:r>
           </a:p>
         </p:txBody>
       </p:sp>
       <p:sp>
         <p:nvSpPr>
-          <p:cNvPr id="6147" name="Rectangle 1062">
-            <a:extLst>
-              <a:ext uri="{FF2B5EF4-FFF2-40B4-BE49-F238E27FC236}">
-                <a16:creationId xmlns:a16="http://schemas.microsoft.com/office/drawing/2014/main" id="{C46E9340-3256-8D55-A265-94F2F41E288E}"/>
-              </a:ext>
-            </a:extLst>
-          </p:cNvPr>
+          <p:cNvPr id="3" name="Untertitel 2"/>
           <p:cNvSpPr>
-            <a:spLocks noGrp="1" noChangeArrowheads="1"/>
+            <a:spLocks noGrp="1"/>
           </p:cNvSpPr>
           <p:nvPr>
-            <p:ph type="title"/>
+            <p:ph type="body" idx="1"/>
           </p:nvPr>
         </p:nvSpPr>
-        <p:spPr>
-          <a:xfrm>
-            <a:off x="285750" y="142875"/>
-            <a:ext cx="5654675" cy="706438"/>
-          </a:xfrm>
-        </p:spPr>
+        <p:spPr/>
         <p:txBody>
           <a:bodyPr/>
           <a:lstStyle/>
           <a:p>
             <a:r>
-              <a:rPr lang="de-DE" altLang="de-DE" dirty="0"/>
-              <a:t>Agenda</a:t>
-            </a:r>
+              <a:rPr lang="de-DE" dirty="0"/>
+              <a:t>Arbeiten mit einem </a:t>
+            </a:r>
+            <a:r>
+              <a:rPr lang="de-DE" dirty="0" err="1"/>
+              <a:t>Git</a:t>
+            </a:r>
+            <a:endParaRPr lang="de-DE" dirty="0"/>
           </a:p>
         </p:txBody>
       </p:sp>
     </p:spTree>
     <p:extLst>
       <p:ext uri="{BB962C8B-B14F-4D97-AF65-F5344CB8AC3E}">
-        <p14:creationId xmlns:p14="http://schemas.microsoft.com/office/powerpoint/2010/main" val="3781715788"/>
+        <p14:creationId xmlns:p14="http://schemas.microsoft.com/office/powerpoint/2010/main" val="3092047359"/>
       </p:ext>
     </p:extLst>
   </p:cSld>
@@ -7733,330 +6643,191 @@
             <p:ph idx="1"/>
           </p:nvPr>
         </p:nvSpPr>
-        <p:spPr/>
+        <p:spPr>
+          <a:xfrm>
+            <a:off x="303214" y="981075"/>
+            <a:ext cx="8517258" cy="5400675"/>
+          </a:xfrm>
+        </p:spPr>
         <p:txBody>
           <a:bodyPr/>
           <a:lstStyle/>
           <a:p>
-            <a:pPr>
-              <a:buFont typeface="Arial" panose="020B0604020202020204" pitchFamily="34" charset="0"/>
-              <a:buChar char="•"/>
-            </a:pPr>
-            <a:r>
-              <a:rPr lang="de-DE" altLang="de-DE" sz="1800" b="1" dirty="0"/>
-              <a:t>Tag 1 – Einführung in </a:t>
-            </a:r>
-            <a:r>
-              <a:rPr lang="de-DE" altLang="de-DE" sz="1800" b="1" dirty="0" err="1"/>
+            <a:r>
+              <a:rPr lang="de-DE" altLang="de-DE" dirty="0"/>
+              <a:t>Remote Repository ist eine zentrale Komponente in der Nutzung von </a:t>
+            </a:r>
+            <a:r>
+              <a:rPr lang="de-DE" altLang="de-DE" dirty="0" err="1"/>
               <a:t>Git</a:t>
             </a:r>
             <a:r>
-              <a:rPr lang="de-DE" altLang="de-DE" sz="1800" b="1" dirty="0"/>
-              <a:t> und </a:t>
-            </a:r>
-            <a:r>
-              <a:rPr lang="de-DE" altLang="de-DE" sz="1800" b="1" dirty="0" err="1"/>
+              <a:rPr lang="de-DE" altLang="de-DE" dirty="0"/>
+              <a:t> mit mehreren Personen</a:t>
+            </a:r>
+          </a:p>
+          <a:p>
+            <a:r>
+              <a:rPr lang="de-DE" altLang="de-DE" dirty="0">
+                <a:sym typeface="Wingdings" panose="05000000000000000000" pitchFamily="2" charset="2"/>
+              </a:rPr>
+              <a:t>Oft einfach als Remote bezeichnet</a:t>
+            </a:r>
+          </a:p>
+          <a:p>
+            <a:r>
+              <a:rPr lang="de-DE" altLang="de-DE" dirty="0">
+                <a:sym typeface="Wingdings" panose="05000000000000000000" pitchFamily="2" charset="2"/>
+              </a:rPr>
+              <a:t>Wird im Netzwerk gehostet</a:t>
+            </a:r>
+          </a:p>
+          <a:p>
+            <a:pPr lvl="1"/>
+            <a:r>
+              <a:rPr lang="de-DE" altLang="de-DE" dirty="0">
+                <a:sym typeface="Wingdings" panose="05000000000000000000" pitchFamily="2" charset="2"/>
+              </a:rPr>
+              <a:t>Einfaches </a:t>
+            </a:r>
+            <a:r>
+              <a:rPr lang="de-DE" altLang="de-DE" dirty="0" err="1">
+                <a:sym typeface="Wingdings" panose="05000000000000000000" pitchFamily="2" charset="2"/>
+              </a:rPr>
+              <a:t>Git</a:t>
+            </a:r>
+            <a:r>
+              <a:rPr lang="de-DE" altLang="de-DE" dirty="0">
+                <a:sym typeface="Wingdings" panose="05000000000000000000" pitchFamily="2" charset="2"/>
+              </a:rPr>
+              <a:t> Repository auf eigenem Server</a:t>
+            </a:r>
+          </a:p>
+          <a:p>
+            <a:pPr lvl="1"/>
+            <a:r>
+              <a:rPr lang="de-DE" altLang="de-DE" dirty="0">
+                <a:sym typeface="Wingdings" panose="05000000000000000000" pitchFamily="2" charset="2"/>
+              </a:rPr>
+              <a:t>Zugriff über HTTPS oder SSH</a:t>
+            </a:r>
+          </a:p>
+          <a:p>
+            <a:pPr lvl="1"/>
+            <a:r>
+              <a:rPr lang="de-DE" altLang="de-DE" dirty="0">
+                <a:sym typeface="Wingdings" panose="05000000000000000000" pitchFamily="2" charset="2"/>
+              </a:rPr>
+              <a:t>Dienste wie </a:t>
+            </a:r>
+            <a:r>
+              <a:rPr lang="de-DE" altLang="de-DE" dirty="0" err="1">
+                <a:sym typeface="Wingdings" panose="05000000000000000000" pitchFamily="2" charset="2"/>
+              </a:rPr>
               <a:t>GitLab</a:t>
             </a:r>
-            <a:endParaRPr lang="de-DE" altLang="de-DE" sz="1800" b="1" dirty="0"/>
-          </a:p>
-          <a:p>
-            <a:pPr lvl="1">
-              <a:buFont typeface="Arial" panose="020B0604020202020204" pitchFamily="34" charset="0"/>
-              <a:buChar char="•"/>
-            </a:pPr>
-            <a:r>
-              <a:rPr lang="de-DE" altLang="de-DE" sz="1400" dirty="0"/>
-              <a:t>Einführung &amp; Kursüberblick</a:t>
-            </a:r>
-          </a:p>
-          <a:p>
-            <a:pPr lvl="1">
-              <a:buFont typeface="Arial" panose="020B0604020202020204" pitchFamily="34" charset="0"/>
-              <a:buChar char="•"/>
-            </a:pPr>
-            <a:r>
-              <a:rPr lang="de-DE" altLang="de-DE" sz="1400" dirty="0"/>
-              <a:t>Grundlagen von </a:t>
-            </a:r>
-            <a:r>
-              <a:rPr lang="de-DE" altLang="de-DE" sz="1400" dirty="0" err="1"/>
-              <a:t>Git</a:t>
-            </a:r>
-            <a:endParaRPr lang="de-DE" altLang="de-DE" sz="1400" dirty="0"/>
-          </a:p>
-          <a:p>
-            <a:pPr lvl="1">
-              <a:buFont typeface="Arial" panose="020B0604020202020204" pitchFamily="34" charset="0"/>
-              <a:buChar char="•"/>
-            </a:pPr>
-            <a:r>
-              <a:rPr lang="de-DE" altLang="de-DE" sz="1400" dirty="0" err="1"/>
-              <a:t>Git</a:t>
-            </a:r>
-            <a:r>
-              <a:rPr lang="de-DE" altLang="de-DE" sz="1400" dirty="0"/>
+            <a:r>
+              <a:rPr lang="de-DE" altLang="de-DE" dirty="0">
+                <a:sym typeface="Wingdings" panose="05000000000000000000" pitchFamily="2" charset="2"/>
+              </a:rPr>
+              <a:t>, GitHub, </a:t>
+            </a:r>
+            <a:r>
+              <a:rPr lang="de-DE" altLang="de-DE" dirty="0" err="1">
+                <a:sym typeface="Wingdings" panose="05000000000000000000" pitchFamily="2" charset="2"/>
+              </a:rPr>
+              <a:t>BitBucket</a:t>
+            </a:r>
+            <a:r>
+              <a:rPr lang="de-DE" altLang="de-DE" dirty="0">
+                <a:sym typeface="Wingdings" panose="05000000000000000000" pitchFamily="2" charset="2"/>
+              </a:rPr>
+              <a:t> usw. ergänzen Hosting um weitere Features</a:t>
+            </a:r>
+          </a:p>
+          <a:p>
+            <a:r>
+              <a:rPr lang="de-DE" altLang="de-DE" dirty="0">
+                <a:sym typeface="Wingdings" panose="05000000000000000000" pitchFamily="2" charset="2"/>
+              </a:rPr>
+              <a:t>Unterscheidet sich technisch nicht von einem lokalen Repository</a:t>
+            </a:r>
+          </a:p>
+          <a:p>
+            <a:pPr lvl="1"/>
+            <a:r>
+              <a:rPr lang="de-DE" altLang="de-DE" dirty="0">
+                <a:sym typeface="Wingdings" panose="05000000000000000000" pitchFamily="2" charset="2"/>
+              </a:rPr>
+              <a:t>Remote </a:t>
+            </a:r>
+            <a:r>
+              <a:rPr lang="de-DE" altLang="de-DE" dirty="0" err="1">
+                <a:sym typeface="Wingdings" panose="05000000000000000000" pitchFamily="2" charset="2"/>
+              </a:rPr>
+              <a:t>Repositories</a:t>
+            </a:r>
+            <a:r>
+              <a:rPr lang="de-DE" altLang="de-DE" dirty="0">
+                <a:sym typeface="Wingdings" panose="05000000000000000000" pitchFamily="2" charset="2"/>
+              </a:rPr>
+              <a:t> sind häufig </a:t>
+            </a:r>
+            <a:r>
+              <a:rPr lang="de-DE" altLang="de-DE" i="1" dirty="0">
+                <a:sym typeface="Wingdings" panose="05000000000000000000" pitchFamily="2" charset="2"/>
+              </a:rPr>
+              <a:t>Bare</a:t>
+            </a:r>
+            <a:r>
+              <a:rPr lang="de-DE" altLang="de-DE" dirty="0">
+                <a:sym typeface="Wingdings" panose="05000000000000000000" pitchFamily="2" charset="2"/>
+              </a:rPr>
               <a:t> </a:t>
             </a:r>
             <a:r>
-              <a:rPr lang="de-DE" altLang="de-DE" sz="1400" dirty="0" err="1"/>
-              <a:t>Rebase</a:t>
-            </a:r>
-            <a:r>
-              <a:rPr lang="de-DE" altLang="de-DE" sz="1400" dirty="0"/>
-              <a:t> und </a:t>
-            </a:r>
-            <a:r>
-              <a:rPr lang="de-DE" altLang="de-DE" sz="1400" dirty="0" err="1"/>
-              <a:t>Merge</a:t>
-            </a:r>
-            <a:r>
-              <a:rPr lang="de-DE" altLang="de-DE" sz="1400" dirty="0"/>
-              <a:t>-Strategien</a:t>
-            </a:r>
-          </a:p>
-          <a:p>
-            <a:pPr lvl="1">
-              <a:buFont typeface="Arial" panose="020B0604020202020204" pitchFamily="34" charset="0"/>
-              <a:buChar char="•"/>
-            </a:pPr>
-            <a:r>
-              <a:rPr lang="de-DE" altLang="de-DE" sz="1400" u="sng" dirty="0" err="1"/>
-              <a:t>Git</a:t>
-            </a:r>
-            <a:r>
-              <a:rPr lang="de-DE" altLang="de-DE" sz="1400" u="sng" dirty="0"/>
-              <a:t> Remote</a:t>
-            </a:r>
-          </a:p>
-          <a:p>
-            <a:pPr lvl="1">
-              <a:buFont typeface="Arial" panose="020B0604020202020204" pitchFamily="34" charset="0"/>
-              <a:buChar char="•"/>
-            </a:pPr>
-            <a:r>
-              <a:rPr lang="de-DE" altLang="de-DE" sz="1400" dirty="0"/>
-              <a:t>Grundlagen von </a:t>
-            </a:r>
-            <a:r>
-              <a:rPr lang="de-DE" altLang="de-DE" sz="1400" dirty="0" err="1"/>
-              <a:t>GitLab</a:t>
-            </a:r>
-            <a:endParaRPr lang="de-DE" altLang="de-DE" sz="1400" dirty="0"/>
-          </a:p>
-          <a:p>
-            <a:pPr>
-              <a:buFont typeface="Arial" panose="020B0604020202020204" pitchFamily="34" charset="0"/>
-              <a:buChar char="•"/>
-            </a:pPr>
-            <a:r>
-              <a:rPr lang="de-DE" altLang="de-DE" sz="1800" b="1" dirty="0"/>
-              <a:t>Tag 2 – </a:t>
-            </a:r>
-            <a:r>
-              <a:rPr lang="de-DE" altLang="de-DE" sz="1800" b="1" dirty="0" err="1"/>
-              <a:t>Git</a:t>
-            </a:r>
-            <a:r>
-              <a:rPr lang="de-DE" altLang="de-DE" sz="1800" b="1" dirty="0"/>
-              <a:t>-Workflows, CI/CD, </a:t>
-            </a:r>
-            <a:r>
-              <a:rPr lang="de-DE" altLang="de-DE" sz="1800" b="1" dirty="0" err="1"/>
-              <a:t>GitLab</a:t>
-            </a:r>
-            <a:r>
-              <a:rPr lang="de-DE" altLang="de-DE" sz="1800" b="1" dirty="0"/>
-              <a:t> CI </a:t>
-            </a:r>
-          </a:p>
-          <a:p>
-            <a:pPr lvl="1">
-              <a:buFont typeface="Arial" panose="020B0604020202020204" pitchFamily="34" charset="0"/>
-              <a:buChar char="•"/>
-            </a:pPr>
-            <a:r>
-              <a:rPr lang="de-DE" altLang="de-DE" sz="1400" dirty="0" err="1"/>
-              <a:t>Git</a:t>
-            </a:r>
-            <a:r>
-              <a:rPr lang="de-DE" altLang="de-DE" sz="1400" dirty="0"/>
-              <a:t>-Workflow im Team</a:t>
-            </a:r>
-          </a:p>
-          <a:p>
-            <a:pPr lvl="1">
-              <a:buFont typeface="Arial" panose="020B0604020202020204" pitchFamily="34" charset="0"/>
-              <a:buChar char="•"/>
-            </a:pPr>
-            <a:r>
-              <a:rPr lang="de-DE" altLang="de-DE" sz="1400" dirty="0" err="1"/>
-              <a:t>Gitflow</a:t>
-            </a:r>
-            <a:r>
-              <a:rPr lang="de-DE" altLang="de-DE" sz="1400" dirty="0"/>
-              <a:t>-Workflow</a:t>
-            </a:r>
-          </a:p>
-          <a:p>
-            <a:pPr lvl="1">
-              <a:buFont typeface="Arial" panose="020B0604020202020204" pitchFamily="34" charset="0"/>
-              <a:buChar char="•"/>
-            </a:pPr>
-            <a:r>
-              <a:rPr lang="de-DE" altLang="de-DE" sz="1400" dirty="0"/>
-              <a:t>Tags, Releases &amp; deren Verwaltung</a:t>
-            </a:r>
-          </a:p>
-          <a:p>
-            <a:pPr lvl="1">
-              <a:buFont typeface="Arial" panose="020B0604020202020204" pitchFamily="34" charset="0"/>
-              <a:buChar char="•"/>
-            </a:pPr>
-            <a:r>
-              <a:rPr lang="de-DE" altLang="de-DE" sz="1400" dirty="0"/>
-              <a:t>Einführung in </a:t>
-            </a:r>
-            <a:r>
-              <a:rPr lang="de-DE" altLang="de-DE" sz="1400" dirty="0" err="1"/>
-              <a:t>GitLab</a:t>
-            </a:r>
-            <a:r>
-              <a:rPr lang="de-DE" altLang="de-DE" sz="1400" dirty="0"/>
-              <a:t> CI/CD &amp; </a:t>
-            </a:r>
-            <a:r>
-              <a:rPr lang="de-DE" altLang="de-DE" sz="1400" dirty="0" err="1"/>
-              <a:t>gitlab-ci.yml</a:t>
-            </a:r>
-            <a:endParaRPr lang="de-DE" altLang="de-DE" sz="1400" dirty="0"/>
-          </a:p>
-          <a:p>
-            <a:pPr lvl="1">
-              <a:buFont typeface="Arial" panose="020B0604020202020204" pitchFamily="34" charset="0"/>
-              <a:buChar char="•"/>
-            </a:pPr>
-            <a:r>
-              <a:rPr lang="de-DE" altLang="de-DE" sz="1400" dirty="0" err="1"/>
-              <a:t>GitLab</a:t>
-            </a:r>
-            <a:r>
-              <a:rPr lang="de-DE" altLang="de-DE" sz="1400" dirty="0"/>
-              <a:t> Runner</a:t>
-            </a:r>
-          </a:p>
-          <a:p>
-            <a:pPr>
-              <a:buFont typeface="Arial" panose="020B0604020202020204" pitchFamily="34" charset="0"/>
-              <a:buChar char="•"/>
-            </a:pPr>
-            <a:r>
-              <a:rPr lang="de-DE" altLang="de-DE" sz="1800" b="1" dirty="0"/>
-              <a:t>Tag 3 – Docker, </a:t>
-            </a:r>
-            <a:r>
-              <a:rPr lang="de-DE" altLang="de-DE" sz="1800" b="1" dirty="0" err="1"/>
-              <a:t>GitOps</a:t>
-            </a:r>
-            <a:r>
-              <a:rPr lang="de-DE" altLang="de-DE" sz="1800" b="1" dirty="0"/>
-              <a:t>, </a:t>
-            </a:r>
-            <a:r>
-              <a:rPr lang="de-DE" altLang="de-DE" sz="1800" b="1" dirty="0" err="1"/>
-              <a:t>Deployment</a:t>
-            </a:r>
-            <a:r>
-              <a:rPr lang="de-DE" altLang="de-DE" sz="1800" b="1" dirty="0"/>
-              <a:t>-Strategien</a:t>
-            </a:r>
-          </a:p>
-          <a:p>
-            <a:pPr lvl="1">
-              <a:buFont typeface="Arial" panose="020B0604020202020204" pitchFamily="34" charset="0"/>
-              <a:buChar char="•"/>
-            </a:pPr>
-            <a:r>
-              <a:rPr lang="de-DE" altLang="de-DE" sz="1400" dirty="0"/>
-              <a:t>Entwicklung mit Docker</a:t>
-            </a:r>
-          </a:p>
-          <a:p>
-            <a:pPr lvl="1">
-              <a:buFont typeface="Arial" panose="020B0604020202020204" pitchFamily="34" charset="0"/>
-              <a:buChar char="•"/>
-            </a:pPr>
-            <a:r>
-              <a:rPr lang="de-DE" altLang="de-DE" sz="1400" dirty="0"/>
-              <a:t>Container/Docker-Registry</a:t>
-            </a:r>
-          </a:p>
-          <a:p>
-            <a:pPr lvl="1">
-              <a:buFont typeface="Arial" panose="020B0604020202020204" pitchFamily="34" charset="0"/>
-              <a:buChar char="•"/>
-            </a:pPr>
-            <a:r>
-              <a:rPr lang="de-DE" altLang="de-DE" sz="1400" dirty="0"/>
-              <a:t>Erstellen von Release- und </a:t>
-            </a:r>
-            <a:r>
-              <a:rPr lang="de-DE" altLang="de-DE" sz="1400" dirty="0" err="1"/>
-              <a:t>Tagged</a:t>
-            </a:r>
-            <a:r>
-              <a:rPr lang="de-DE" altLang="de-DE" sz="1400" dirty="0"/>
-              <a:t>-Images</a:t>
-            </a:r>
-          </a:p>
-          <a:p>
-            <a:pPr lvl="1">
-              <a:buFont typeface="Arial" panose="020B0604020202020204" pitchFamily="34" charset="0"/>
-              <a:buChar char="•"/>
-            </a:pPr>
-            <a:r>
-              <a:rPr lang="de-DE" altLang="de-DE" sz="1400" dirty="0" err="1"/>
-              <a:t>GitOps</a:t>
-            </a:r>
-            <a:r>
-              <a:rPr lang="de-DE" altLang="de-DE" sz="1400" dirty="0"/>
-              <a:t> Grundlagen</a:t>
-            </a:r>
-          </a:p>
-          <a:p>
-            <a:pPr lvl="1">
-              <a:buFont typeface="Arial" panose="020B0604020202020204" pitchFamily="34" charset="0"/>
-              <a:buChar char="•"/>
-            </a:pPr>
-            <a:r>
-              <a:rPr lang="de-DE" altLang="de-DE" sz="1400" dirty="0"/>
-              <a:t>Möglichkeiten des </a:t>
-            </a:r>
-            <a:r>
-              <a:rPr lang="de-DE" altLang="de-DE" sz="1400" dirty="0" err="1"/>
-              <a:t>Deployments</a:t>
-            </a:r>
-            <a:r>
-              <a:rPr lang="de-DE" altLang="de-DE" sz="1400" dirty="0"/>
-              <a:t> &amp; Verwaltung von Konfiguration</a:t>
-            </a:r>
-          </a:p>
-          <a:p>
-            <a:pPr lvl="1">
-              <a:buFont typeface="Arial" panose="020B0604020202020204" pitchFamily="34" charset="0"/>
-              <a:buChar char="•"/>
-            </a:pPr>
-            <a:r>
-              <a:rPr lang="de-DE" altLang="de-DE" sz="1400" dirty="0"/>
-              <a:t>Abschlussübung &amp; Diskussion</a:t>
-            </a:r>
-          </a:p>
-          <a:p>
-            <a:pPr lvl="1">
-              <a:buFont typeface="Arial" panose="020B0604020202020204" pitchFamily="34" charset="0"/>
-              <a:buChar char="•"/>
-            </a:pPr>
-            <a:endParaRPr lang="de-DE" altLang="de-DE" sz="1400" dirty="0"/>
+              <a:rPr lang="de-DE" altLang="de-DE" dirty="0" err="1">
+                <a:sym typeface="Wingdings" panose="05000000000000000000" pitchFamily="2" charset="2"/>
+              </a:rPr>
+              <a:t>Repositories</a:t>
+            </a:r>
+            <a:endParaRPr lang="de-DE" altLang="de-DE" dirty="0">
+              <a:sym typeface="Wingdings" panose="05000000000000000000" pitchFamily="2" charset="2"/>
+            </a:endParaRPr>
+          </a:p>
+          <a:p>
+            <a:r>
+              <a:rPr lang="de-DE" altLang="de-DE" dirty="0">
+                <a:sym typeface="Wingdings" panose="05000000000000000000" pitchFamily="2" charset="2"/>
+              </a:rPr>
+              <a:t>Mehrere </a:t>
+            </a:r>
+            <a:r>
+              <a:rPr lang="de-DE" altLang="de-DE" dirty="0" err="1">
+                <a:sym typeface="Wingdings" panose="05000000000000000000" pitchFamily="2" charset="2"/>
+              </a:rPr>
+              <a:t>Remotes</a:t>
+            </a:r>
+            <a:r>
+              <a:rPr lang="de-DE" altLang="de-DE" dirty="0">
+                <a:sym typeface="Wingdings" panose="05000000000000000000" pitchFamily="2" charset="2"/>
+              </a:rPr>
+              <a:t> zu einem lokalen Repository möglich</a:t>
+            </a:r>
+          </a:p>
+          <a:p>
+            <a:pPr lvl="1"/>
+            <a:endParaRPr lang="de-DE" altLang="de-DE" dirty="0">
+              <a:sym typeface="Wingdings" panose="05000000000000000000" pitchFamily="2" charset="2"/>
+            </a:endParaRPr>
+          </a:p>
+          <a:p>
+            <a:pPr marL="358775" indent="0">
+              <a:buNone/>
+            </a:pPr>
+            <a:endParaRPr lang="de-DE" altLang="de-DE" dirty="0">
+              <a:sym typeface="Wingdings" panose="05000000000000000000" pitchFamily="2" charset="2"/>
+            </a:endParaRPr>
           </a:p>
         </p:txBody>
       </p:sp>
@@ -8088,7 +6859,7 @@
           <a:p>
             <a:r>
               <a:rPr lang="de-DE" altLang="de-DE" dirty="0"/>
-              <a:t>Agenda</a:t>
+              <a:t>Remote Repository</a:t>
             </a:r>
           </a:p>
         </p:txBody>
@@ -8096,7 +6867,7 @@
     </p:spTree>
     <p:extLst>
       <p:ext uri="{BB962C8B-B14F-4D97-AF65-F5344CB8AC3E}">
-        <p14:creationId xmlns:p14="http://schemas.microsoft.com/office/powerpoint/2010/main" val="1612033277"/>
+        <p14:creationId xmlns:p14="http://schemas.microsoft.com/office/powerpoint/2010/main" val="123332739"/>
       </p:ext>
     </p:extLst>
   </p:cSld>
@@ -8125,57 +6896,316 @@
       </p:grpSpPr>
       <p:sp>
         <p:nvSpPr>
-          <p:cNvPr id="2" name="Titel 1"/>
+          <p:cNvPr id="6146" name="Inhaltsplatzhalter 18">
+            <a:extLst>
+              <a:ext uri="{FF2B5EF4-FFF2-40B4-BE49-F238E27FC236}">
+                <a16:creationId xmlns:a16="http://schemas.microsoft.com/office/drawing/2014/main" id="{BE3C4C95-FD5D-27F0-ED0C-AB8113CAC9F1}"/>
+              </a:ext>
+            </a:extLst>
+          </p:cNvPr>
           <p:cNvSpPr>
             <a:spLocks noGrp="1"/>
+          </p:cNvSpPr>
+          <p:nvPr>
+            <p:ph idx="1"/>
+          </p:nvPr>
+        </p:nvSpPr>
+        <p:spPr>
+          <a:xfrm>
+            <a:off x="303213" y="981075"/>
+            <a:ext cx="8517259" cy="5400675"/>
+          </a:xfrm>
+        </p:spPr>
+        <p:txBody>
+          <a:bodyPr/>
+          <a:lstStyle/>
+          <a:p>
+            <a:pPr marL="57150" indent="0">
+              <a:spcBef>
+                <a:spcPts val="600"/>
+              </a:spcBef>
+              <a:spcAft>
+                <a:spcPts val="300"/>
+              </a:spcAft>
+              <a:buNone/>
+            </a:pPr>
+            <a:r>
+              <a:rPr lang="de-DE" altLang="de-DE" b="1" dirty="0"/>
+              <a:t>Klonen eines vorhandenen Remote </a:t>
+            </a:r>
+            <a:r>
+              <a:rPr lang="de-DE" altLang="de-DE" b="1" dirty="0" err="1"/>
+              <a:t>Repositories</a:t>
+            </a:r>
+            <a:endParaRPr lang="de-DE" altLang="de-DE" b="1" dirty="0"/>
+          </a:p>
+          <a:p>
+            <a:pPr marL="400050">
+              <a:spcBef>
+                <a:spcPts val="600"/>
+              </a:spcBef>
+              <a:spcAft>
+                <a:spcPts val="300"/>
+              </a:spcAft>
+            </a:pPr>
+            <a:r>
+              <a:rPr lang="de-DE" altLang="de-DE" dirty="0"/>
+              <a:t>Erzeugt lokale Kopie (</a:t>
+            </a:r>
+            <a:r>
+              <a:rPr lang="de-DE" altLang="de-DE" b="1" dirty="0" err="1"/>
+              <a:t>local</a:t>
+            </a:r>
+            <a:r>
+              <a:rPr lang="de-DE" altLang="de-DE" dirty="0"/>
+              <a:t>) eines Remote Repository (</a:t>
+            </a:r>
+            <a:r>
+              <a:rPr lang="de-DE" altLang="de-DE" b="1" dirty="0" err="1"/>
+              <a:t>origin</a:t>
+            </a:r>
+            <a:r>
+              <a:rPr lang="de-DE" altLang="de-DE" dirty="0"/>
+              <a:t>) mittels</a:t>
+            </a:r>
+          </a:p>
+          <a:p>
+            <a:pPr marL="57150" indent="0">
+              <a:spcBef>
+                <a:spcPts val="600"/>
+              </a:spcBef>
+              <a:spcAft>
+                <a:spcPts val="300"/>
+              </a:spcAft>
+              <a:buNone/>
+            </a:pPr>
+            <a:r>
+              <a:rPr lang="de-DE" altLang="de-DE" dirty="0"/>
+              <a:t>	</a:t>
+            </a:r>
+            <a:r>
+              <a:rPr lang="de-DE" altLang="de-DE" dirty="0" err="1">
+                <a:latin typeface="Consolas" panose="020B0609020204030204" pitchFamily="49" charset="0"/>
+              </a:rPr>
+              <a:t>git</a:t>
+            </a:r>
+            <a:r>
+              <a:rPr lang="de-DE" altLang="de-DE" dirty="0">
+                <a:latin typeface="Consolas" panose="020B0609020204030204" pitchFamily="49" charset="0"/>
+              </a:rPr>
+              <a:t> </a:t>
+            </a:r>
+            <a:r>
+              <a:rPr lang="de-DE" altLang="de-DE" dirty="0" err="1">
+                <a:latin typeface="Consolas" panose="020B0609020204030204" pitchFamily="49" charset="0"/>
+              </a:rPr>
+              <a:t>clone</a:t>
+            </a:r>
+            <a:r>
+              <a:rPr lang="de-DE" altLang="de-DE" dirty="0">
+                <a:latin typeface="Consolas" panose="020B0609020204030204" pitchFamily="49" charset="0"/>
+              </a:rPr>
+              <a:t> &lt;remote-</a:t>
+            </a:r>
+            <a:r>
+              <a:rPr lang="de-DE" altLang="de-DE" dirty="0" err="1">
+                <a:latin typeface="Consolas" panose="020B0609020204030204" pitchFamily="49" charset="0"/>
+              </a:rPr>
+              <a:t>reference</a:t>
+            </a:r>
+            <a:r>
+              <a:rPr lang="de-DE" altLang="de-DE" dirty="0">
+                <a:latin typeface="Consolas" panose="020B0609020204030204" pitchFamily="49" charset="0"/>
+              </a:rPr>
+              <a:t>&gt;</a:t>
+            </a:r>
+          </a:p>
+          <a:p>
+            <a:pPr marL="400050">
+              <a:spcBef>
+                <a:spcPts val="600"/>
+              </a:spcBef>
+              <a:spcAft>
+                <a:spcPts val="300"/>
+              </a:spcAft>
+            </a:pPr>
+            <a:r>
+              <a:rPr lang="de-DE" altLang="de-DE" dirty="0"/>
+              <a:t>Erstellt Verknüpfung zwischen </a:t>
+            </a:r>
+            <a:r>
+              <a:rPr lang="de-DE" altLang="de-DE" b="1" dirty="0" err="1"/>
+              <a:t>local</a:t>
+            </a:r>
+            <a:r>
+              <a:rPr lang="de-DE" altLang="de-DE" dirty="0"/>
+              <a:t> und </a:t>
+            </a:r>
+            <a:r>
+              <a:rPr lang="de-DE" altLang="de-DE" b="1" dirty="0" err="1"/>
+              <a:t>origin</a:t>
+            </a:r>
+            <a:r>
+              <a:rPr lang="de-DE" altLang="de-DE" dirty="0"/>
+              <a:t> </a:t>
+            </a:r>
+            <a:br>
+              <a:rPr lang="de-DE" altLang="de-DE" dirty="0"/>
+            </a:br>
+            <a:r>
+              <a:rPr lang="de-DE" altLang="de-DE" dirty="0"/>
+              <a:t>(</a:t>
+            </a:r>
+            <a:r>
+              <a:rPr lang="de-DE" altLang="de-DE" dirty="0">
+                <a:latin typeface="Consolas" panose="020B0609020204030204" pitchFamily="49" charset="0"/>
+              </a:rPr>
+              <a:t>push</a:t>
+            </a:r>
+            <a:r>
+              <a:rPr lang="de-DE" altLang="de-DE" dirty="0"/>
+              <a:t>,</a:t>
+            </a:r>
+            <a:r>
+              <a:rPr lang="de-DE" altLang="de-DE" dirty="0">
+                <a:latin typeface="Consolas" panose="020B0609020204030204" pitchFamily="49" charset="0"/>
+              </a:rPr>
+              <a:t> pull</a:t>
+            </a:r>
+            <a:r>
+              <a:rPr lang="de-DE" altLang="de-DE" dirty="0"/>
+              <a:t>,</a:t>
+            </a:r>
+            <a:r>
+              <a:rPr lang="de-DE" altLang="de-DE" dirty="0">
+                <a:latin typeface="Consolas" panose="020B0609020204030204" pitchFamily="49" charset="0"/>
+              </a:rPr>
+              <a:t> </a:t>
+            </a:r>
+            <a:r>
+              <a:rPr lang="de-DE" altLang="de-DE" dirty="0" err="1">
+                <a:latin typeface="Consolas" panose="020B0609020204030204" pitchFamily="49" charset="0"/>
+              </a:rPr>
+              <a:t>fetch</a:t>
+            </a:r>
+            <a:r>
+              <a:rPr lang="de-DE" altLang="de-DE" dirty="0"/>
+              <a:t>, …)</a:t>
+            </a:r>
+          </a:p>
+          <a:p>
+            <a:pPr marL="400050">
+              <a:spcBef>
+                <a:spcPts val="600"/>
+              </a:spcBef>
+              <a:spcAft>
+                <a:spcPts val="300"/>
+              </a:spcAft>
+            </a:pPr>
+            <a:r>
+              <a:rPr lang="de-DE" altLang="de-DE" b="1" dirty="0" err="1"/>
+              <a:t>local</a:t>
+            </a:r>
+            <a:r>
+              <a:rPr lang="de-DE" altLang="de-DE" dirty="0"/>
+              <a:t> besteht zunächst nur aus </a:t>
+            </a:r>
+            <a:r>
+              <a:rPr lang="de-DE" altLang="de-DE" b="1" dirty="0" err="1"/>
+              <a:t>default</a:t>
+            </a:r>
+            <a:r>
+              <a:rPr lang="de-DE" altLang="de-DE" dirty="0"/>
+              <a:t> Branch</a:t>
+            </a:r>
+          </a:p>
+          <a:p>
+            <a:pPr marL="400050">
+              <a:spcBef>
+                <a:spcPts val="600"/>
+              </a:spcBef>
+              <a:spcAft>
+                <a:spcPts val="300"/>
+              </a:spcAft>
+            </a:pPr>
+            <a:r>
+              <a:rPr lang="de-DE" altLang="de-DE" b="1" dirty="0"/>
+              <a:t>Upstream</a:t>
+            </a:r>
+            <a:r>
+              <a:rPr lang="de-DE" altLang="de-DE" dirty="0"/>
+              <a:t> definiert den zu einem lokalen Branch zugehörigen remote Branch, auf dem beim </a:t>
+            </a:r>
+            <a:r>
+              <a:rPr lang="de-DE" altLang="de-DE" dirty="0" err="1">
+                <a:latin typeface="Consolas" panose="020B0609020204030204" pitchFamily="49" charset="0"/>
+              </a:rPr>
+              <a:t>fetch</a:t>
+            </a:r>
+            <a:r>
+              <a:rPr lang="de-DE" altLang="de-DE" dirty="0"/>
+              <a:t>, </a:t>
+            </a:r>
+            <a:r>
+              <a:rPr lang="de-DE" altLang="de-DE" dirty="0">
+                <a:latin typeface="Consolas" panose="020B0609020204030204" pitchFamily="49" charset="0"/>
+              </a:rPr>
+              <a:t>pull</a:t>
+            </a:r>
+            <a:r>
+              <a:rPr lang="de-DE" altLang="de-DE" dirty="0"/>
+              <a:t> oder </a:t>
+            </a:r>
+            <a:r>
+              <a:rPr lang="de-DE" altLang="de-DE" dirty="0">
+                <a:latin typeface="Consolas" panose="020B0609020204030204" pitchFamily="49" charset="0"/>
+              </a:rPr>
+              <a:t>push</a:t>
+            </a:r>
+            <a:r>
+              <a:rPr lang="de-DE" altLang="de-DE" dirty="0"/>
+              <a:t> zugegriffen wird</a:t>
+            </a:r>
+          </a:p>
+        </p:txBody>
+      </p:sp>
+      <p:sp>
+        <p:nvSpPr>
+          <p:cNvPr id="6147" name="Rectangle 1062">
+            <a:extLst>
+              <a:ext uri="{FF2B5EF4-FFF2-40B4-BE49-F238E27FC236}">
+                <a16:creationId xmlns:a16="http://schemas.microsoft.com/office/drawing/2014/main" id="{C46E9340-3256-8D55-A265-94F2F41E288E}"/>
+              </a:ext>
+            </a:extLst>
+          </p:cNvPr>
+          <p:cNvSpPr>
+            <a:spLocks noGrp="1" noChangeArrowheads="1"/>
           </p:cNvSpPr>
           <p:nvPr>
             <p:ph type="title"/>
           </p:nvPr>
         </p:nvSpPr>
-        <p:spPr/>
+        <p:spPr>
+          <a:xfrm>
+            <a:off x="285750" y="142875"/>
+            <a:ext cx="5654675" cy="706438"/>
+          </a:xfrm>
+        </p:spPr>
         <p:txBody>
           <a:bodyPr/>
           <a:lstStyle/>
           <a:p>
             <a:r>
-              <a:rPr lang="de-DE" cap="none" dirty="0"/>
+              <a:rPr lang="de-DE" altLang="de-DE" dirty="0"/>
               <a:t>Remote Repository</a:t>
             </a:r>
-          </a:p>
-        </p:txBody>
-      </p:sp>
-      <p:sp>
-        <p:nvSpPr>
-          <p:cNvPr id="3" name="Untertitel 2"/>
-          <p:cNvSpPr>
-            <a:spLocks noGrp="1"/>
-          </p:cNvSpPr>
-          <p:nvPr>
-            <p:ph type="body" idx="1"/>
-          </p:nvPr>
-        </p:nvSpPr>
-        <p:spPr/>
-        <p:txBody>
-          <a:bodyPr/>
-          <a:lstStyle/>
-          <a:p>
-            <a:r>
-              <a:rPr lang="de-DE" dirty="0"/>
-              <a:t>Arbeiten mit einem </a:t>
-            </a:r>
-            <a:r>
-              <a:rPr lang="de-DE" dirty="0" err="1"/>
-              <a:t>Git</a:t>
-            </a:r>
-            <a:endParaRPr lang="de-DE" dirty="0"/>
           </a:p>
         </p:txBody>
       </p:sp>
     </p:spTree>
     <p:extLst>
       <p:ext uri="{BB962C8B-B14F-4D97-AF65-F5344CB8AC3E}">
-        <p14:creationId xmlns:p14="http://schemas.microsoft.com/office/powerpoint/2010/main" val="3092047359"/>
+        <p14:creationId xmlns:p14="http://schemas.microsoft.com/office/powerpoint/2010/main" val="4293719170"/>
       </p:ext>
     </p:extLst>
   </p:cSld>
@@ -8220,189 +7250,244 @@
         </p:nvSpPr>
         <p:spPr>
           <a:xfrm>
-            <a:off x="303214" y="981075"/>
-            <a:ext cx="8517258" cy="5400675"/>
+            <a:off x="303213" y="981075"/>
+            <a:ext cx="8517259" cy="5400675"/>
           </a:xfrm>
         </p:spPr>
         <p:txBody>
           <a:bodyPr/>
           <a:lstStyle/>
           <a:p>
+            <a:pPr marL="57150" indent="0">
+              <a:spcBef>
+                <a:spcPts val="600"/>
+              </a:spcBef>
+              <a:buNone/>
+            </a:pPr>
+            <a:r>
+              <a:rPr lang="de-DE" altLang="de-DE" b="1" dirty="0"/>
+              <a:t>Beispiel: </a:t>
+            </a:r>
             <a:r>
               <a:rPr lang="de-DE" altLang="de-DE" dirty="0"/>
-              <a:t>Remote Repository ist eine zentrale Komponente in der Nutzung von </a:t>
+              <a:t>Klonen eines Projektes</a:t>
+            </a:r>
+          </a:p>
+          <a:p>
+            <a:pPr marL="514350" lvl="1" indent="0">
+              <a:buNone/>
+            </a:pPr>
+            <a:endParaRPr lang="de-DE" altLang="de-DE" sz="1200" dirty="0">
+              <a:latin typeface="Consolas" panose="020B0609020204030204" pitchFamily="49" charset="0"/>
+            </a:endParaRPr>
+          </a:p>
+          <a:p>
+            <a:pPr marL="514350" lvl="1" indent="0">
+              <a:buNone/>
+            </a:pPr>
+            <a:r>
+              <a:rPr lang="de-DE" altLang="de-DE" sz="1200" dirty="0">
+                <a:latin typeface="Consolas" panose="020B0609020204030204" pitchFamily="49" charset="0"/>
+              </a:rPr>
+              <a:t>$ </a:t>
+            </a:r>
+            <a:r>
+              <a:rPr lang="de-DE" altLang="de-DE" sz="1200" dirty="0" err="1">
+                <a:latin typeface="Consolas" panose="020B0609020204030204" pitchFamily="49" charset="0"/>
+              </a:rPr>
+              <a:t>git</a:t>
+            </a:r>
+            <a:r>
+              <a:rPr lang="de-DE" altLang="de-DE" sz="1200" dirty="0">
+                <a:latin typeface="Consolas" panose="020B0609020204030204" pitchFamily="49" charset="0"/>
+              </a:rPr>
+              <a:t> </a:t>
+            </a:r>
+            <a:r>
+              <a:rPr lang="de-DE" altLang="de-DE" sz="1200" dirty="0" err="1">
+                <a:latin typeface="Consolas" panose="020B0609020204030204" pitchFamily="49" charset="0"/>
+              </a:rPr>
+              <a:t>clone</a:t>
+            </a:r>
+            <a:r>
+              <a:rPr lang="de-DE" altLang="de-DE" sz="1200" dirty="0">
+                <a:latin typeface="Consolas" panose="020B0609020204030204" pitchFamily="49" charset="0"/>
+              </a:rPr>
+              <a:t> </a:t>
+            </a:r>
+            <a:r>
+              <a:rPr lang="de-DE" altLang="de-DE" sz="1200" dirty="0" err="1">
+                <a:latin typeface="Consolas" panose="020B0609020204030204" pitchFamily="49" charset="0"/>
+              </a:rPr>
+              <a:t>gituser@gitlab.example.de:git_demo</a:t>
+            </a:r>
+            <a:endParaRPr lang="de-DE" altLang="de-DE" sz="1200" dirty="0">
+              <a:latin typeface="Consolas" panose="020B0609020204030204" pitchFamily="49" charset="0"/>
+            </a:endParaRPr>
+          </a:p>
+          <a:p>
+            <a:pPr marL="514350" lvl="1" indent="0">
+              <a:buNone/>
+            </a:pPr>
+            <a:r>
+              <a:rPr lang="de-DE" altLang="de-DE" sz="1200" dirty="0">
+                <a:latin typeface="Consolas" panose="020B0609020204030204" pitchFamily="49" charset="0"/>
+              </a:rPr>
+              <a:t>$ </a:t>
+            </a:r>
+            <a:r>
+              <a:rPr lang="de-DE" altLang="de-DE" sz="1200" dirty="0" err="1">
+                <a:latin typeface="Consolas" panose="020B0609020204030204" pitchFamily="49" charset="0"/>
+              </a:rPr>
+              <a:t>git</a:t>
+            </a:r>
+            <a:r>
+              <a:rPr lang="de-DE" altLang="de-DE" sz="1200" dirty="0">
+                <a:latin typeface="Consolas" panose="020B0609020204030204" pitchFamily="49" charset="0"/>
+              </a:rPr>
+              <a:t> </a:t>
+            </a:r>
+            <a:r>
+              <a:rPr lang="de-DE" altLang="de-DE" sz="1200" dirty="0" err="1">
+                <a:latin typeface="Consolas" panose="020B0609020204030204" pitchFamily="49" charset="0"/>
+              </a:rPr>
+              <a:t>branch</a:t>
+            </a:r>
+            <a:endParaRPr lang="de-DE" altLang="de-DE" sz="1200" dirty="0">
+              <a:latin typeface="Consolas" panose="020B0609020204030204" pitchFamily="49" charset="0"/>
+            </a:endParaRPr>
+          </a:p>
+          <a:p>
+            <a:pPr marL="514350" lvl="1" indent="0">
+              <a:buNone/>
+            </a:pPr>
+            <a:r>
+              <a:rPr lang="de-DE" altLang="de-DE" sz="1200" dirty="0">
+                <a:latin typeface="Consolas" panose="020B0609020204030204" pitchFamily="49" charset="0"/>
+              </a:rPr>
+              <a:t>* Main</a:t>
+            </a:r>
+          </a:p>
+          <a:p>
+            <a:pPr marL="514350" lvl="1" indent="0">
+              <a:buNone/>
+            </a:pPr>
+            <a:endParaRPr lang="de-DE" altLang="de-DE" sz="1200" dirty="0">
+              <a:latin typeface="Consolas" panose="020B0609020204030204" pitchFamily="49" charset="0"/>
+            </a:endParaRPr>
+          </a:p>
+          <a:p>
+            <a:pPr marL="400050">
+              <a:spcBef>
+                <a:spcPts val="600"/>
+              </a:spcBef>
+            </a:pPr>
+            <a:r>
+              <a:rPr lang="de-DE" altLang="de-DE" dirty="0"/>
+              <a:t>Alle Remote </a:t>
             </a:r>
             <a:r>
               <a:rPr lang="de-DE" altLang="de-DE" dirty="0" err="1"/>
-              <a:t>Git</a:t>
+              <a:t>Branches</a:t>
             </a:r>
             <a:r>
               <a:rPr lang="de-DE" altLang="de-DE" dirty="0"/>
-              <a:t> mit mehreren Personen</a:t>
-            </a:r>
-          </a:p>
-          <a:p>
-            <a:r>
-              <a:rPr lang="de-DE" altLang="de-DE" dirty="0">
-                <a:sym typeface="Wingdings" panose="05000000000000000000" pitchFamily="2" charset="2"/>
-              </a:rPr>
-              <a:t>Oft einfach als Remote bezeichnet</a:t>
-            </a:r>
-          </a:p>
-          <a:p>
-            <a:r>
-              <a:rPr lang="de-DE" altLang="de-DE" dirty="0">
-                <a:sym typeface="Wingdings" panose="05000000000000000000" pitchFamily="2" charset="2"/>
-              </a:rPr>
-              <a:t>Wird im Netzwerk gehostet</a:t>
-            </a:r>
-          </a:p>
-          <a:p>
-            <a:pPr lvl="1"/>
-            <a:r>
-              <a:rPr lang="de-DE" altLang="de-DE" dirty="0">
-                <a:sym typeface="Wingdings" panose="05000000000000000000" pitchFamily="2" charset="2"/>
-              </a:rPr>
-              <a:t>Einfaches </a:t>
-            </a:r>
-            <a:r>
-              <a:rPr lang="de-DE" altLang="de-DE" dirty="0" err="1">
-                <a:sym typeface="Wingdings" panose="05000000000000000000" pitchFamily="2" charset="2"/>
-              </a:rPr>
-              <a:t>Git</a:t>
-            </a:r>
-            <a:r>
-              <a:rPr lang="de-DE" altLang="de-DE" dirty="0">
-                <a:sym typeface="Wingdings" panose="05000000000000000000" pitchFamily="2" charset="2"/>
-              </a:rPr>
-              <a:t> Repository auf eigenem Server</a:t>
-            </a:r>
-          </a:p>
-          <a:p>
-            <a:pPr lvl="1"/>
-            <a:r>
-              <a:rPr lang="de-DE" altLang="de-DE" dirty="0">
-                <a:sym typeface="Wingdings" panose="05000000000000000000" pitchFamily="2" charset="2"/>
-              </a:rPr>
-              <a:t>Zugriff über HTTPS oder SSH</a:t>
-            </a:r>
-          </a:p>
-          <a:p>
-            <a:pPr lvl="1"/>
-            <a:r>
-              <a:rPr lang="de-DE" altLang="de-DE" dirty="0">
-                <a:sym typeface="Wingdings" panose="05000000000000000000" pitchFamily="2" charset="2"/>
-              </a:rPr>
-              <a:t>Dienste wie </a:t>
-            </a:r>
-            <a:r>
-              <a:rPr lang="de-DE" altLang="de-DE" dirty="0" err="1">
-                <a:sym typeface="Wingdings" panose="05000000000000000000" pitchFamily="2" charset="2"/>
-              </a:rPr>
-              <a:t>GitLab</a:t>
-            </a:r>
-            <a:r>
-              <a:rPr lang="de-DE" altLang="de-DE" dirty="0">
-                <a:sym typeface="Wingdings" panose="05000000000000000000" pitchFamily="2" charset="2"/>
-              </a:rPr>
-              <a:t>, GitHub, </a:t>
-            </a:r>
-            <a:r>
-              <a:rPr lang="de-DE" altLang="de-DE" dirty="0" err="1">
-                <a:sym typeface="Wingdings" panose="05000000000000000000" pitchFamily="2" charset="2"/>
-              </a:rPr>
-              <a:t>BitBucket</a:t>
-            </a:r>
-            <a:r>
-              <a:rPr lang="de-DE" altLang="de-DE" dirty="0">
-                <a:sym typeface="Wingdings" panose="05000000000000000000" pitchFamily="2" charset="2"/>
-              </a:rPr>
-              <a:t> usw. ergänzen Hosting um weitere Features</a:t>
-            </a:r>
-          </a:p>
-          <a:p>
-            <a:r>
-              <a:rPr lang="de-DE" altLang="de-DE" dirty="0">
-                <a:sym typeface="Wingdings" panose="05000000000000000000" pitchFamily="2" charset="2"/>
-              </a:rPr>
-              <a:t>Unterscheidet sich technisch nicht von einem lokalen Repository</a:t>
-            </a:r>
-          </a:p>
-          <a:p>
-            <a:pPr lvl="1"/>
-            <a:r>
-              <a:rPr lang="de-DE" altLang="de-DE" dirty="0">
-                <a:sym typeface="Wingdings" panose="05000000000000000000" pitchFamily="2" charset="2"/>
-              </a:rPr>
-              <a:t>Remote </a:t>
-            </a:r>
-            <a:r>
-              <a:rPr lang="de-DE" altLang="de-DE" dirty="0" err="1">
-                <a:sym typeface="Wingdings" panose="05000000000000000000" pitchFamily="2" charset="2"/>
-              </a:rPr>
-              <a:t>Repositories</a:t>
-            </a:r>
-            <a:r>
-              <a:rPr lang="de-DE" altLang="de-DE" dirty="0">
-                <a:sym typeface="Wingdings" panose="05000000000000000000" pitchFamily="2" charset="2"/>
-              </a:rPr>
-              <a:t> sind häufig </a:t>
-            </a:r>
-            <a:r>
-              <a:rPr lang="de-DE" altLang="de-DE" i="1" dirty="0">
-                <a:sym typeface="Wingdings" panose="05000000000000000000" pitchFamily="2" charset="2"/>
-              </a:rPr>
-              <a:t>Bare</a:t>
-            </a:r>
-            <a:r>
-              <a:rPr lang="de-DE" altLang="de-DE" dirty="0">
-                <a:sym typeface="Wingdings" panose="05000000000000000000" pitchFamily="2" charset="2"/>
-              </a:rPr>
-              <a:t> </a:t>
-            </a:r>
-            <a:r>
-              <a:rPr lang="de-DE" altLang="de-DE" dirty="0" err="1">
-                <a:sym typeface="Wingdings" panose="05000000000000000000" pitchFamily="2" charset="2"/>
-              </a:rPr>
-              <a:t>Repositories</a:t>
-            </a:r>
-            <a:endParaRPr lang="de-DE" altLang="de-DE" dirty="0">
-              <a:sym typeface="Wingdings" panose="05000000000000000000" pitchFamily="2" charset="2"/>
+              <a:t> anzeigen</a:t>
+            </a:r>
+          </a:p>
+          <a:p>
+            <a:pPr marL="457200" lvl="1" indent="0">
+              <a:buNone/>
+            </a:pPr>
+            <a:endParaRPr lang="en-US" altLang="de-DE" sz="1200" dirty="0">
+              <a:latin typeface="Consolas" panose="020B0609020204030204" pitchFamily="49" charset="0"/>
             </a:endParaRPr>
           </a:p>
           <a:p>
-            <a:r>
-              <a:rPr lang="de-DE" altLang="de-DE" dirty="0">
-                <a:sym typeface="Wingdings" panose="05000000000000000000" pitchFamily="2" charset="2"/>
-              </a:rPr>
-              <a:t>Mehrere </a:t>
-            </a:r>
-            <a:r>
-              <a:rPr lang="de-DE" altLang="de-DE" dirty="0" err="1">
-                <a:sym typeface="Wingdings" panose="05000000000000000000" pitchFamily="2" charset="2"/>
-              </a:rPr>
-              <a:t>Remotes</a:t>
-            </a:r>
-            <a:r>
-              <a:rPr lang="de-DE" altLang="de-DE" dirty="0">
-                <a:sym typeface="Wingdings" panose="05000000000000000000" pitchFamily="2" charset="2"/>
-              </a:rPr>
-              <a:t> zu einem lokalen Repository möglich</a:t>
-            </a:r>
-          </a:p>
-          <a:p>
-            <a:pPr lvl="1"/>
-            <a:endParaRPr lang="de-DE" altLang="de-DE" dirty="0">
-              <a:sym typeface="Wingdings" panose="05000000000000000000" pitchFamily="2" charset="2"/>
+            <a:pPr marL="457200" lvl="1" indent="0">
+              <a:buNone/>
+            </a:pPr>
+            <a:r>
+              <a:rPr lang="en-US" altLang="de-DE" sz="1200" dirty="0">
+                <a:latin typeface="Consolas" panose="020B0609020204030204" pitchFamily="49" charset="0"/>
+              </a:rPr>
+              <a:t>$ git branch --all </a:t>
+            </a:r>
+          </a:p>
+          <a:p>
+            <a:pPr marL="457200" lvl="1" indent="0">
+              <a:buNone/>
+            </a:pPr>
+            <a:r>
+              <a:rPr lang="en-US" altLang="de-DE" sz="1200" dirty="0">
+                <a:latin typeface="Consolas" panose="020B0609020204030204" pitchFamily="49" charset="0"/>
+              </a:rPr>
+              <a:t>* main </a:t>
+            </a:r>
+          </a:p>
+          <a:p>
+            <a:pPr marL="457200" lvl="1" indent="0">
+              <a:buNone/>
+            </a:pPr>
+            <a:r>
+              <a:rPr lang="en-US" altLang="de-DE" sz="1200" dirty="0">
+                <a:latin typeface="Consolas" panose="020B0609020204030204" pitchFamily="49" charset="0"/>
+              </a:rPr>
+              <a:t>remotes/origin/HEAD -&gt; origin/main </a:t>
+            </a:r>
+            <a:br>
+              <a:rPr lang="en-US" altLang="de-DE" sz="1200" dirty="0">
+                <a:latin typeface="Consolas" panose="020B0609020204030204" pitchFamily="49" charset="0"/>
+              </a:rPr>
+            </a:br>
+            <a:r>
+              <a:rPr lang="en-US" altLang="de-DE" sz="1200" dirty="0">
+                <a:latin typeface="Consolas" panose="020B0609020204030204" pitchFamily="49" charset="0"/>
+              </a:rPr>
+              <a:t>remotes/origin/feature1</a:t>
+            </a:r>
+            <a:br>
+              <a:rPr lang="en-US" altLang="de-DE" sz="1200" dirty="0">
+                <a:latin typeface="Consolas" panose="020B0609020204030204" pitchFamily="49" charset="0"/>
+              </a:rPr>
+            </a:br>
+            <a:r>
+              <a:rPr lang="en-US" altLang="de-DE" sz="1200" dirty="0">
+                <a:latin typeface="Consolas" panose="020B0609020204030204" pitchFamily="49" charset="0"/>
+              </a:rPr>
+              <a:t>remotes/origin/feature2</a:t>
+            </a:r>
+            <a:br>
+              <a:rPr lang="en-US" altLang="de-DE" sz="1200" dirty="0">
+                <a:latin typeface="Consolas" panose="020B0609020204030204" pitchFamily="49" charset="0"/>
+              </a:rPr>
+            </a:br>
+            <a:r>
+              <a:rPr lang="en-US" altLang="de-DE" sz="1200" dirty="0">
+                <a:latin typeface="Consolas" panose="020B0609020204030204" pitchFamily="49" charset="0"/>
+              </a:rPr>
+              <a:t>...</a:t>
+            </a:r>
+          </a:p>
+          <a:p>
+            <a:pPr marL="457200" lvl="1" indent="0">
+              <a:spcAft>
+                <a:spcPts val="300"/>
+              </a:spcAft>
+              <a:buNone/>
+            </a:pPr>
+            <a:endParaRPr lang="en-US" altLang="de-DE" sz="1200" dirty="0">
+              <a:latin typeface="Consolas" panose="020B0609020204030204" pitchFamily="49" charset="0"/>
             </a:endParaRPr>
           </a:p>
           <a:p>
-            <a:pPr marL="358775" indent="0">
+            <a:pPr marL="457200" lvl="1" indent="0">
+              <a:spcAft>
+                <a:spcPts val="300"/>
+              </a:spcAft>
               <a:buNone/>
             </a:pPr>
-            <a:endParaRPr lang="de-DE" altLang="de-DE" dirty="0">
-              <a:sym typeface="Wingdings" panose="05000000000000000000" pitchFamily="2" charset="2"/>
-            </a:endParaRPr>
+            <a:endParaRPr lang="de-DE" altLang="de-DE" dirty="0"/>
           </a:p>
         </p:txBody>
       </p:sp>
@@ -8442,7 +7527,7 @@
     </p:spTree>
     <p:extLst>
       <p:ext uri="{BB962C8B-B14F-4D97-AF65-F5344CB8AC3E}">
-        <p14:creationId xmlns:p14="http://schemas.microsoft.com/office/powerpoint/2010/main" val="123332739"/>
+        <p14:creationId xmlns:p14="http://schemas.microsoft.com/office/powerpoint/2010/main" val="2739601707"/>
       </p:ext>
     </p:extLst>
   </p:cSld>
@@ -8506,13 +7591,8 @@
             </a:pPr>
             <a:r>
               <a:rPr lang="de-DE" altLang="de-DE" b="1" dirty="0"/>
-              <a:t>Klonen eines vorhandenen Remote </a:t>
-            </a:r>
-            <a:r>
-              <a:rPr lang="de-DE" altLang="de-DE" b="1" dirty="0" err="1"/>
-              <a:t>Repositories</a:t>
-            </a:r>
-            <a:endParaRPr lang="de-DE" altLang="de-DE" b="1" dirty="0"/>
+              <a:t>Hinzufügen eines Remote Repository</a:t>
+            </a:r>
           </a:p>
           <a:p>
             <a:pPr marL="400050">
@@ -8525,23 +7605,7 @@
             </a:pPr>
             <a:r>
               <a:rPr lang="de-DE" altLang="de-DE" dirty="0"/>
-              <a:t>Erzeugt lokale Kopie (</a:t>
-            </a:r>
-            <a:r>
-              <a:rPr lang="de-DE" altLang="de-DE" b="1" dirty="0" err="1"/>
-              <a:t>local</a:t>
-            </a:r>
-            <a:r>
-              <a:rPr lang="de-DE" altLang="de-DE" dirty="0"/>
-              <a:t>) eines Remote Repository (</a:t>
-            </a:r>
-            <a:r>
-              <a:rPr lang="de-DE" altLang="de-DE" b="1" dirty="0" err="1"/>
-              <a:t>origin</a:t>
-            </a:r>
-            <a:r>
-              <a:rPr lang="de-DE" altLang="de-DE" dirty="0"/>
-              <a:t>) mittels</a:t>
+              <a:t>Remote zu lokalem Repository hinzuzufügen </a:t>
             </a:r>
           </a:p>
           <a:p>
@@ -8568,179 +7632,238 @@
               <a:rPr lang="de-DE" altLang="de-DE" dirty="0">
                 <a:latin typeface="Consolas" panose="020B0609020204030204" pitchFamily="49" charset="0"/>
               </a:rPr>
-              <a:t> </a:t>
+              <a:t> remote </a:t>
             </a:r>
             <a:r>
               <a:rPr lang="de-DE" altLang="de-DE" dirty="0" err="1">
                 <a:latin typeface="Consolas" panose="020B0609020204030204" pitchFamily="49" charset="0"/>
               </a:rPr>
-              <a:t>clone</a:t>
+              <a:t>add</a:t>
             </a:r>
             <a:r>
               <a:rPr lang="de-DE" altLang="de-DE" dirty="0">
                 <a:latin typeface="Consolas" panose="020B0609020204030204" pitchFamily="49" charset="0"/>
               </a:rPr>
-              <a:t> &lt;remote-</a:t>
+              <a:t> &lt;</a:t>
             </a:r>
             <a:r>
               <a:rPr lang="de-DE" altLang="de-DE" dirty="0" err="1">
                 <a:latin typeface="Consolas" panose="020B0609020204030204" pitchFamily="49" charset="0"/>
               </a:rPr>
-              <a:t>reference</a:t>
+              <a:t>name</a:t>
             </a:r>
             <a:r>
               <a:rPr lang="de-DE" altLang="de-DE" dirty="0">
                 <a:latin typeface="Consolas" panose="020B0609020204030204" pitchFamily="49" charset="0"/>
               </a:rPr>
+              <a:t>&gt; &lt;remote-</a:t>
+            </a:r>
+            <a:r>
+              <a:rPr lang="de-DE" altLang="de-DE" dirty="0" err="1">
+                <a:latin typeface="Consolas" panose="020B0609020204030204" pitchFamily="49" charset="0"/>
+              </a:rPr>
+              <a:t>uri</a:t>
+            </a:r>
+            <a:r>
+              <a:rPr lang="de-DE" altLang="de-DE" dirty="0">
+                <a:latin typeface="Consolas" panose="020B0609020204030204" pitchFamily="49" charset="0"/>
+              </a:rPr>
               <a:t>&gt;</a:t>
             </a:r>
           </a:p>
           <a:p>
             <a:pPr marL="400050">
-              <a:spcBef>
-                <a:spcPts val="600"/>
-              </a:spcBef>
               <a:spcAft>
                 <a:spcPts val="300"/>
               </a:spcAft>
             </a:pPr>
             <a:r>
+              <a:rPr lang="de-DE" altLang="de-DE" dirty="0" err="1">
+                <a:latin typeface="Consolas" panose="020B0609020204030204" pitchFamily="49" charset="0"/>
+              </a:rPr>
+              <a:t>git</a:t>
+            </a:r>
+            <a:r>
+              <a:rPr lang="de-DE" altLang="de-DE" dirty="0">
+                <a:latin typeface="Consolas" panose="020B0609020204030204" pitchFamily="49" charset="0"/>
+              </a:rPr>
+              <a:t> remote </a:t>
+            </a:r>
+            <a:r>
+              <a:rPr lang="de-DE" altLang="de-DE" dirty="0" err="1">
+                <a:latin typeface="Consolas" panose="020B0609020204030204" pitchFamily="49" charset="0"/>
+              </a:rPr>
+              <a:t>add</a:t>
+            </a:r>
+            <a:r>
               <a:rPr lang="de-DE" altLang="de-DE" dirty="0"/>
-              <a:t>Erstellt Verknüpfung zwischen </a:t>
-            </a:r>
-            <a:r>
-              <a:rPr lang="de-DE" altLang="de-DE" b="1" dirty="0" err="1"/>
-              <a:t>local</a:t>
+              <a:t> legt alias für die Remote </a:t>
+            </a:r>
+            <a:r>
+              <a:rPr lang="de-DE" altLang="de-DE" dirty="0" err="1"/>
+              <a:t>Addresse</a:t>
             </a:r>
             <a:r>
               <a:rPr lang="de-DE" altLang="de-DE" dirty="0"/>
-              <a:t> und </a:t>
-            </a:r>
-            <a:r>
-              <a:rPr lang="de-DE" altLang="de-DE" b="1" dirty="0" err="1"/>
-              <a:t>origin</a:t>
-            </a:r>
-            <a:r>
-              <a:rPr lang="de-DE" altLang="de-DE" dirty="0"/>
-              <a:t> </a:t>
-            </a:r>
-            <a:br>
-              <a:rPr lang="de-DE" altLang="de-DE" dirty="0"/>
-            </a:br>
-            <a:r>
-              <a:rPr lang="de-DE" altLang="de-DE" dirty="0"/>
-              <a:t>(</a:t>
-            </a:r>
-            <a:r>
-              <a:rPr lang="de-DE" altLang="de-DE" dirty="0">
-                <a:latin typeface="Consolas" panose="020B0609020204030204" pitchFamily="49" charset="0"/>
-              </a:rPr>
-              <a:t>push</a:t>
-            </a:r>
-            <a:r>
-              <a:rPr lang="de-DE" altLang="de-DE" dirty="0"/>
-              <a:t>,</a:t>
-            </a:r>
-            <a:r>
-              <a:rPr lang="de-DE" altLang="de-DE" dirty="0">
-                <a:latin typeface="Consolas" panose="020B0609020204030204" pitchFamily="49" charset="0"/>
-              </a:rPr>
-              <a:t> pull</a:t>
-            </a:r>
-            <a:r>
-              <a:rPr lang="de-DE" altLang="de-DE" dirty="0"/>
-              <a:t>,</a:t>
-            </a:r>
-            <a:r>
-              <a:rPr lang="de-DE" altLang="de-DE" dirty="0">
-                <a:latin typeface="Consolas" panose="020B0609020204030204" pitchFamily="49" charset="0"/>
-              </a:rPr>
-              <a:t> </a:t>
-            </a:r>
-            <a:r>
-              <a:rPr lang="de-DE" altLang="de-DE" dirty="0" err="1">
-                <a:latin typeface="Consolas" panose="020B0609020204030204" pitchFamily="49" charset="0"/>
-              </a:rPr>
-              <a:t>fetch</a:t>
-            </a:r>
-            <a:r>
-              <a:rPr lang="de-DE" altLang="de-DE" dirty="0"/>
-              <a:t>, …)</a:t>
+              <a:t> an</a:t>
             </a:r>
           </a:p>
           <a:p>
             <a:pPr marL="400050">
-              <a:spcBef>
-                <a:spcPts val="600"/>
-              </a:spcBef>
               <a:spcAft>
                 <a:spcPts val="300"/>
               </a:spcAft>
             </a:pPr>
             <a:r>
-              <a:rPr lang="de-DE" altLang="de-DE" b="1" dirty="0" err="1"/>
-              <a:t>local</a:t>
-            </a:r>
-            <a:r>
               <a:rPr lang="de-DE" altLang="de-DE" dirty="0"/>
-              <a:t> besteht zunächst nur aus </a:t>
-            </a:r>
-            <a:r>
-              <a:rPr lang="de-DE" altLang="de-DE" b="1" dirty="0" err="1"/>
-              <a:t>default</a:t>
+              <a:t>Ruft Informationen über verfügbare </a:t>
+            </a:r>
+            <a:r>
+              <a:rPr lang="de-DE" altLang="de-DE" dirty="0" err="1"/>
+              <a:t>Branches</a:t>
             </a:r>
             <a:r>
               <a:rPr lang="de-DE" altLang="de-DE" dirty="0"/>
-              <a:t> Branch</a:t>
+              <a:t> ab</a:t>
             </a:r>
           </a:p>
           <a:p>
             <a:pPr marL="400050">
-              <a:spcBef>
-                <a:spcPts val="600"/>
-              </a:spcBef>
               <a:spcAft>
                 <a:spcPts val="300"/>
               </a:spcAft>
             </a:pPr>
             <a:r>
-              <a:rPr lang="de-DE" altLang="de-DE" b="1" dirty="0"/>
-              <a:t>Upstream</a:t>
-            </a:r>
-            <a:r>
               <a:rPr lang="de-DE" altLang="de-DE" dirty="0"/>
-              <a:t> definiert den zu einem lokalen Branch zugehörigen remote Branch, auf dem beim </a:t>
-            </a:r>
-            <a:r>
-              <a:rPr lang="de-DE" altLang="de-DE" dirty="0" err="1">
-                <a:latin typeface="Consolas" panose="020B0609020204030204" pitchFamily="49" charset="0"/>
-              </a:rPr>
-              <a:t>fetch</a:t>
-            </a:r>
-            <a:r>
-              <a:rPr lang="de-DE" altLang="de-DE" dirty="0"/>
-              <a:t>, </a:t>
-            </a:r>
-            <a:r>
-              <a:rPr lang="de-DE" altLang="de-DE" dirty="0">
-                <a:latin typeface="Consolas" panose="020B0609020204030204" pitchFamily="49" charset="0"/>
-              </a:rPr>
-              <a:t>pull</a:t>
-            </a:r>
-            <a:r>
-              <a:rPr lang="de-DE" altLang="de-DE" dirty="0"/>
-              <a:t> oder </a:t>
-            </a:r>
-            <a:r>
-              <a:rPr lang="de-DE" altLang="de-DE" dirty="0">
-                <a:latin typeface="Consolas" panose="020B0609020204030204" pitchFamily="49" charset="0"/>
-              </a:rPr>
-              <a:t>push</a:t>
-            </a:r>
-            <a:r>
-              <a:rPr lang="de-DE" altLang="de-DE" dirty="0"/>
-              <a:t> zugegriffen wird</a:t>
-            </a:r>
+              <a:t>Beispiel:</a:t>
+            </a:r>
+          </a:p>
+          <a:p>
+            <a:pPr marL="514350" lvl="1" indent="0">
+              <a:buNone/>
+            </a:pPr>
+            <a:r>
+              <a:rPr lang="en-US" sz="1200" dirty="0">
+                <a:latin typeface="Consolas" panose="020B0609020204030204" pitchFamily="49" charset="0"/>
+              </a:rPr>
+              <a:t>$ git remote add </a:t>
+            </a:r>
+            <a:r>
+              <a:rPr lang="en-US" sz="1200" dirty="0">
+                <a:solidFill>
+                  <a:srgbClr val="0249FC"/>
+                </a:solidFill>
+                <a:latin typeface="Consolas" panose="020B0609020204030204" pitchFamily="49" charset="0"/>
+              </a:rPr>
+              <a:t>other</a:t>
+            </a:r>
+            <a:r>
+              <a:rPr lang="en-US" sz="1200" dirty="0">
+                <a:latin typeface="Consolas" panose="020B0609020204030204" pitchFamily="49" charset="0"/>
+              </a:rPr>
+              <a:t> git@gitlab.example.de:git_demo_2 </a:t>
+            </a:r>
+          </a:p>
+          <a:p>
+            <a:pPr marL="514350" lvl="1" indent="0">
+              <a:buNone/>
+            </a:pPr>
+            <a:r>
+              <a:rPr lang="en-US" sz="1200" dirty="0">
+                <a:latin typeface="Consolas" panose="020B0609020204030204" pitchFamily="49" charset="0"/>
+              </a:rPr>
+              <a:t>$ git branch --all </a:t>
+            </a:r>
+          </a:p>
+          <a:p>
+            <a:pPr marL="514350" lvl="1" indent="0">
+              <a:buNone/>
+            </a:pPr>
+            <a:r>
+              <a:rPr lang="en-US" sz="1200" dirty="0">
+                <a:latin typeface="Consolas" panose="020B0609020204030204" pitchFamily="49" charset="0"/>
+              </a:rPr>
+              <a:t>* main </a:t>
+            </a:r>
+            <a:br>
+              <a:rPr lang="en-US" sz="1200" dirty="0">
+                <a:latin typeface="Consolas" panose="020B0609020204030204" pitchFamily="49" charset="0"/>
+              </a:rPr>
+            </a:br>
+            <a:r>
+              <a:rPr lang="en-US" sz="1200" dirty="0">
+                <a:latin typeface="Consolas" panose="020B0609020204030204" pitchFamily="49" charset="0"/>
+              </a:rPr>
+              <a:t>remotes/origin/HEAD -&gt; origin/main </a:t>
+            </a:r>
+            <a:br>
+              <a:rPr lang="en-US" sz="1200" dirty="0">
+                <a:latin typeface="Consolas" panose="020B0609020204030204" pitchFamily="49" charset="0"/>
+              </a:rPr>
+            </a:br>
+            <a:r>
+              <a:rPr lang="en-US" sz="1200" dirty="0">
+                <a:latin typeface="Consolas" panose="020B0609020204030204" pitchFamily="49" charset="0"/>
+              </a:rPr>
+              <a:t>remotes/origin/feature1 </a:t>
+            </a:r>
+            <a:br>
+              <a:rPr lang="en-US" sz="1200" dirty="0">
+                <a:latin typeface="Consolas" panose="020B0609020204030204" pitchFamily="49" charset="0"/>
+              </a:rPr>
+            </a:br>
+            <a:r>
+              <a:rPr lang="en-US" sz="1200" dirty="0">
+                <a:latin typeface="Consolas" panose="020B0609020204030204" pitchFamily="49" charset="0"/>
+              </a:rPr>
+              <a:t>remotes/origin/feature2 </a:t>
+            </a:r>
+            <a:br>
+              <a:rPr lang="en-US" sz="1200" dirty="0">
+                <a:latin typeface="Consolas" panose="020B0609020204030204" pitchFamily="49" charset="0"/>
+              </a:rPr>
+            </a:br>
+            <a:r>
+              <a:rPr lang="en-US" sz="1200" dirty="0">
+                <a:latin typeface="Consolas" panose="020B0609020204030204" pitchFamily="49" charset="0"/>
+              </a:rPr>
+              <a:t>…</a:t>
+            </a:r>
+            <a:br>
+              <a:rPr lang="en-US" sz="1200" dirty="0">
+                <a:latin typeface="Consolas" panose="020B0609020204030204" pitchFamily="49" charset="0"/>
+              </a:rPr>
+            </a:br>
+            <a:r>
+              <a:rPr lang="en-US" sz="1200" dirty="0">
+                <a:latin typeface="Consolas" panose="020B0609020204030204" pitchFamily="49" charset="0"/>
+              </a:rPr>
+              <a:t>remotes/</a:t>
+            </a:r>
+            <a:r>
+              <a:rPr lang="en-US" sz="1200" dirty="0">
+                <a:solidFill>
+                  <a:srgbClr val="0249FC"/>
+                </a:solidFill>
+                <a:latin typeface="Consolas" panose="020B0609020204030204" pitchFamily="49" charset="0"/>
+              </a:rPr>
+              <a:t>other</a:t>
+            </a:r>
+            <a:r>
+              <a:rPr lang="en-US" sz="1200" dirty="0">
+                <a:latin typeface="Consolas" panose="020B0609020204030204" pitchFamily="49" charset="0"/>
+              </a:rPr>
+              <a:t>/</a:t>
+            </a:r>
+            <a:r>
+              <a:rPr lang="en-US" sz="1200" dirty="0" err="1">
+                <a:latin typeface="Consolas" panose="020B0609020204030204" pitchFamily="49" charset="0"/>
+              </a:rPr>
+              <a:t>other_feature</a:t>
+            </a:r>
+            <a:endParaRPr lang="de-DE" altLang="de-DE" sz="1200" dirty="0">
+              <a:latin typeface="Consolas" panose="020B0609020204030204" pitchFamily="49" charset="0"/>
+            </a:endParaRPr>
           </a:p>
         </p:txBody>
       </p:sp>
@@ -8780,7 +7903,7 @@
     </p:spTree>
     <p:extLst>
       <p:ext uri="{BB962C8B-B14F-4D97-AF65-F5344CB8AC3E}">
-        <p14:creationId xmlns:p14="http://schemas.microsoft.com/office/powerpoint/2010/main" val="4293719170"/>
+        <p14:creationId xmlns:p14="http://schemas.microsoft.com/office/powerpoint/2010/main" val="995659121"/>
       </p:ext>
     </p:extLst>
   </p:cSld>
@@ -8837,129 +7960,36 @@
               <a:spcBef>
                 <a:spcPts val="600"/>
               </a:spcBef>
+              <a:spcAft>
+                <a:spcPts val="300"/>
+              </a:spcAft>
               <a:buNone/>
             </a:pPr>
             <a:r>
               <a:rPr lang="de-DE" altLang="de-DE" b="1" dirty="0"/>
-              <a:t>Beispiel: </a:t>
-            </a:r>
-            <a:r>
-              <a:rPr lang="de-DE" altLang="de-DE" dirty="0"/>
-              <a:t>Klonen eines Projektes</a:t>
-            </a:r>
-          </a:p>
-          <a:p>
-            <a:pPr marL="514350" lvl="1" indent="0">
-              <a:buNone/>
-            </a:pPr>
-            <a:endParaRPr lang="de-DE" altLang="de-DE" sz="1200" dirty="0">
-              <a:latin typeface="Consolas" panose="020B0609020204030204" pitchFamily="49" charset="0"/>
-            </a:endParaRPr>
-          </a:p>
-          <a:p>
-            <a:pPr marL="514350" lvl="1" indent="0">
-              <a:buNone/>
-            </a:pPr>
-            <a:r>
-              <a:rPr lang="de-DE" altLang="de-DE" sz="1200" dirty="0">
-                <a:latin typeface="Consolas" panose="020B0609020204030204" pitchFamily="49" charset="0"/>
-              </a:rPr>
-              <a:t>$ </a:t>
-            </a:r>
-            <a:r>
-              <a:rPr lang="de-DE" altLang="de-DE" sz="1200" dirty="0" err="1">
-                <a:latin typeface="Consolas" panose="020B0609020204030204" pitchFamily="49" charset="0"/>
-              </a:rPr>
-              <a:t>git</a:t>
-            </a:r>
-            <a:r>
-              <a:rPr lang="de-DE" altLang="de-DE" sz="1200" dirty="0">
-                <a:latin typeface="Consolas" panose="020B0609020204030204" pitchFamily="49" charset="0"/>
-              </a:rPr>
-              <a:t> </a:t>
-            </a:r>
-            <a:r>
-              <a:rPr lang="de-DE" altLang="de-DE" sz="1200" dirty="0" err="1">
-                <a:latin typeface="Consolas" panose="020B0609020204030204" pitchFamily="49" charset="0"/>
-              </a:rPr>
-              <a:t>clone</a:t>
-            </a:r>
-            <a:r>
-              <a:rPr lang="de-DE" altLang="de-DE" sz="1200" dirty="0">
-                <a:latin typeface="Consolas" panose="020B0609020204030204" pitchFamily="49" charset="0"/>
-              </a:rPr>
-              <a:t> </a:t>
-            </a:r>
-            <a:r>
-              <a:rPr lang="de-DE" altLang="de-DE" sz="1200" dirty="0" err="1">
-                <a:latin typeface="Consolas" panose="020B0609020204030204" pitchFamily="49" charset="0"/>
-              </a:rPr>
-              <a:t>gituser@gitlab.example.de:git_demo</a:t>
-            </a:r>
-            <a:endParaRPr lang="de-DE" altLang="de-DE" sz="1200" dirty="0">
-              <a:latin typeface="Consolas" panose="020B0609020204030204" pitchFamily="49" charset="0"/>
-            </a:endParaRPr>
-          </a:p>
-          <a:p>
-            <a:pPr marL="514350" lvl="1" indent="0">
-              <a:buNone/>
-            </a:pPr>
-            <a:r>
-              <a:rPr lang="de-DE" altLang="de-DE" sz="1200" dirty="0">
-                <a:latin typeface="Consolas" panose="020B0609020204030204" pitchFamily="49" charset="0"/>
-              </a:rPr>
-              <a:t>$ </a:t>
-            </a:r>
-            <a:r>
-              <a:rPr lang="de-DE" altLang="de-DE" sz="1200" dirty="0" err="1">
-                <a:latin typeface="Consolas" panose="020B0609020204030204" pitchFamily="49" charset="0"/>
-              </a:rPr>
-              <a:t>git</a:t>
-            </a:r>
-            <a:r>
-              <a:rPr lang="de-DE" altLang="de-DE" sz="1200" dirty="0">
-                <a:latin typeface="Consolas" panose="020B0609020204030204" pitchFamily="49" charset="0"/>
-              </a:rPr>
-              <a:t> </a:t>
-            </a:r>
-            <a:r>
-              <a:rPr lang="de-DE" altLang="de-DE" sz="1200" dirty="0" err="1">
-                <a:latin typeface="Consolas" panose="020B0609020204030204" pitchFamily="49" charset="0"/>
-              </a:rPr>
-              <a:t>branch</a:t>
-            </a:r>
-            <a:endParaRPr lang="de-DE" altLang="de-DE" sz="1200" dirty="0">
-              <a:latin typeface="Consolas" panose="020B0609020204030204" pitchFamily="49" charset="0"/>
-            </a:endParaRPr>
-          </a:p>
-          <a:p>
-            <a:pPr marL="514350" lvl="1" indent="0">
-              <a:buNone/>
-            </a:pPr>
-            <a:r>
-              <a:rPr lang="de-DE" altLang="de-DE" sz="1200" dirty="0">
-                <a:latin typeface="Consolas" panose="020B0609020204030204" pitchFamily="49" charset="0"/>
-              </a:rPr>
-              <a:t>* Main</a:t>
-            </a:r>
-          </a:p>
-          <a:p>
-            <a:pPr marL="514350" lvl="1" indent="0">
-              <a:buNone/>
-            </a:pPr>
-            <a:endParaRPr lang="de-DE" altLang="de-DE" sz="1200" dirty="0">
-              <a:latin typeface="Consolas" panose="020B0609020204030204" pitchFamily="49" charset="0"/>
-            </a:endParaRPr>
+              <a:t>Abrufen von Änderungen aus Remote Repository</a:t>
+            </a:r>
           </a:p>
           <a:p>
             <a:pPr marL="400050">
               <a:spcBef>
                 <a:spcPts val="600"/>
               </a:spcBef>
+              <a:spcAft>
+                <a:spcPts val="300"/>
+              </a:spcAft>
             </a:pPr>
             <a:r>
               <a:rPr lang="de-DE" altLang="de-DE" dirty="0"/>
-              <a:t>Alle Remote </a:t>
+              <a:t>Informationen über </a:t>
+            </a:r>
+            <a:r>
+              <a:rPr lang="de-DE" altLang="de-DE" dirty="0" err="1"/>
+              <a:t>Commits</a:t>
+            </a:r>
+            <a:r>
+              <a:rPr lang="de-DE" altLang="de-DE" dirty="0"/>
+              <a:t>, </a:t>
             </a:r>
             <a:r>
               <a:rPr lang="de-DE" altLang="de-DE" dirty="0" err="1"/>
@@ -8967,102 +7997,357 @@
             </a:r>
             <a:r>
               <a:rPr lang="de-DE" altLang="de-DE" dirty="0"/>
-              <a:t> anzeigen</a:t>
-            </a:r>
-          </a:p>
-          <a:p>
-            <a:pPr marL="457200" lvl="1" indent="0">
-              <a:buNone/>
-            </a:pPr>
-            <a:endParaRPr lang="en-US" altLang="de-DE" sz="1200" dirty="0">
-              <a:latin typeface="Consolas" panose="020B0609020204030204" pitchFamily="49" charset="0"/>
-            </a:endParaRPr>
-          </a:p>
-          <a:p>
-            <a:pPr marL="457200" lvl="1" indent="0">
-              <a:buNone/>
-            </a:pPr>
-            <a:r>
-              <a:rPr lang="en-US" altLang="de-DE" sz="1200" dirty="0">
-                <a:latin typeface="Consolas" panose="020B0609020204030204" pitchFamily="49" charset="0"/>
-              </a:rPr>
-              <a:t>$ git branch --all </a:t>
-            </a:r>
-          </a:p>
-          <a:p>
-            <a:pPr marL="457200" lvl="1" indent="0">
-              <a:buNone/>
-            </a:pPr>
-            <a:r>
-              <a:rPr lang="en-US" altLang="de-DE" sz="1200" dirty="0">
-                <a:latin typeface="Consolas" panose="020B0609020204030204" pitchFamily="49" charset="0"/>
-              </a:rPr>
-              <a:t>* main </a:t>
-            </a:r>
-          </a:p>
-          <a:p>
-            <a:pPr marL="457200" lvl="1" indent="0">
-              <a:buNone/>
-            </a:pPr>
-            <a:r>
-              <a:rPr lang="en-US" altLang="de-DE" sz="1200" dirty="0">
-                <a:latin typeface="Consolas" panose="020B0609020204030204" pitchFamily="49" charset="0"/>
-              </a:rPr>
-              <a:t>remotes/origin/HEAD -&gt; origin/main </a:t>
-            </a:r>
-            <a:br>
-              <a:rPr lang="en-US" altLang="de-DE" sz="1200" dirty="0">
-                <a:latin typeface="Consolas" panose="020B0609020204030204" pitchFamily="49" charset="0"/>
-              </a:rPr>
-            </a:br>
-            <a:r>
-              <a:rPr lang="en-US" altLang="de-DE" sz="1200" dirty="0">
-                <a:latin typeface="Consolas" panose="020B0609020204030204" pitchFamily="49" charset="0"/>
-              </a:rPr>
-              <a:t>remotes/origin/feature1</a:t>
-            </a:r>
-            <a:br>
-              <a:rPr lang="en-US" altLang="de-DE" sz="1200" dirty="0">
-                <a:latin typeface="Consolas" panose="020B0609020204030204" pitchFamily="49" charset="0"/>
-              </a:rPr>
-            </a:br>
-            <a:r>
-              <a:rPr lang="en-US" altLang="de-DE" sz="1200" dirty="0">
-                <a:latin typeface="Consolas" panose="020B0609020204030204" pitchFamily="49" charset="0"/>
-              </a:rPr>
-              <a:t>remotes/origin/feature2</a:t>
-            </a:r>
-            <a:br>
-              <a:rPr lang="en-US" altLang="de-DE" sz="1200" dirty="0">
-                <a:latin typeface="Consolas" panose="020B0609020204030204" pitchFamily="49" charset="0"/>
-              </a:rPr>
-            </a:br>
-            <a:r>
-              <a:rPr lang="en-US" altLang="de-DE" sz="1200" dirty="0">
-                <a:latin typeface="Consolas" panose="020B0609020204030204" pitchFamily="49" charset="0"/>
-              </a:rPr>
-              <a:t>...</a:t>
-            </a:r>
-          </a:p>
-          <a:p>
-            <a:pPr marL="457200" lvl="1" indent="0">
+              <a:t>, Tags, … abrufen</a:t>
+            </a:r>
+          </a:p>
+          <a:p>
+            <a:pPr marL="57150" indent="0">
+              <a:spcBef>
+                <a:spcPts val="600"/>
+              </a:spcBef>
               <a:spcAft>
                 <a:spcPts val="300"/>
               </a:spcAft>
               <a:buNone/>
             </a:pPr>
-            <a:endParaRPr lang="en-US" altLang="de-DE" sz="1200" dirty="0">
-              <a:latin typeface="Consolas" panose="020B0609020204030204" pitchFamily="49" charset="0"/>
-            </a:endParaRPr>
-          </a:p>
-          <a:p>
-            <a:pPr marL="457200" lvl="1" indent="0">
+            <a:r>
+              <a:rPr lang="de-DE" altLang="de-DE" dirty="0"/>
+              <a:t>	</a:t>
+            </a:r>
+            <a:r>
+              <a:rPr lang="de-DE" altLang="de-DE" dirty="0" err="1">
+                <a:latin typeface="Consolas" panose="020B0609020204030204" pitchFamily="49" charset="0"/>
+              </a:rPr>
+              <a:t>git</a:t>
+            </a:r>
+            <a:r>
+              <a:rPr lang="de-DE" altLang="de-DE" dirty="0">
+                <a:latin typeface="Consolas" panose="020B0609020204030204" pitchFamily="49" charset="0"/>
+              </a:rPr>
+              <a:t> </a:t>
+            </a:r>
+            <a:r>
+              <a:rPr lang="de-DE" altLang="de-DE" dirty="0" err="1">
+                <a:latin typeface="Consolas" panose="020B0609020204030204" pitchFamily="49" charset="0"/>
+              </a:rPr>
+              <a:t>fetch</a:t>
+            </a:r>
+            <a:r>
+              <a:rPr lang="de-DE" altLang="de-DE" dirty="0">
+                <a:latin typeface="Consolas" panose="020B0609020204030204" pitchFamily="49" charset="0"/>
+              </a:rPr>
+              <a:t> &lt;remote&gt;</a:t>
+            </a:r>
+          </a:p>
+          <a:p>
+            <a:pPr marL="57150" indent="0">
+              <a:spcBef>
+                <a:spcPts val="600"/>
+              </a:spcBef>
               <a:spcAft>
                 <a:spcPts val="300"/>
               </a:spcAft>
               <a:buNone/>
             </a:pPr>
+            <a:r>
+              <a:rPr lang="de-DE" altLang="de-DE" dirty="0">
+                <a:latin typeface="Consolas" panose="020B0609020204030204" pitchFamily="49" charset="0"/>
+              </a:rPr>
+              <a:t>	</a:t>
+            </a:r>
+            <a:r>
+              <a:rPr lang="de-DE" altLang="de-DE" dirty="0" err="1">
+                <a:latin typeface="Consolas" panose="020B0609020204030204" pitchFamily="49" charset="0"/>
+              </a:rPr>
+              <a:t>git</a:t>
+            </a:r>
+            <a:r>
+              <a:rPr lang="de-DE" altLang="de-DE" dirty="0">
+                <a:latin typeface="Consolas" panose="020B0609020204030204" pitchFamily="49" charset="0"/>
+              </a:rPr>
+              <a:t> </a:t>
+            </a:r>
+            <a:r>
+              <a:rPr lang="de-DE" altLang="de-DE" dirty="0" err="1">
+                <a:latin typeface="Consolas" panose="020B0609020204030204" pitchFamily="49" charset="0"/>
+              </a:rPr>
+              <a:t>fetch</a:t>
+            </a:r>
+            <a:r>
+              <a:rPr lang="de-DE" altLang="de-DE" dirty="0">
+                <a:latin typeface="Consolas" panose="020B0609020204030204" pitchFamily="49" charset="0"/>
+              </a:rPr>
+              <a:t> --all (</a:t>
+            </a:r>
+            <a:r>
+              <a:rPr lang="de-DE" altLang="de-DE" dirty="0"/>
+              <a:t>alle verknüpften </a:t>
+            </a:r>
+            <a:r>
+              <a:rPr lang="de-DE" altLang="de-DE" dirty="0" err="1"/>
+              <a:t>Remotes</a:t>
+            </a:r>
+            <a:r>
+              <a:rPr lang="de-DE" altLang="de-DE" dirty="0">
+                <a:latin typeface="Consolas" panose="020B0609020204030204" pitchFamily="49" charset="0"/>
+              </a:rPr>
+              <a:t>)</a:t>
+            </a:r>
+          </a:p>
+          <a:p>
+            <a:pPr marL="400050">
+              <a:spcAft>
+                <a:spcPts val="300"/>
+              </a:spcAft>
+            </a:pPr>
+            <a:r>
+              <a:rPr lang="de-DE" altLang="de-DE" dirty="0"/>
+              <a:t>Aktualisiert nur Remote Tracking Bereich des </a:t>
+            </a:r>
+            <a:r>
+              <a:rPr lang="de-DE" altLang="de-DE" dirty="0" err="1"/>
+              <a:t>Repositorys</a:t>
+            </a:r>
             <a:endParaRPr lang="de-DE" altLang="de-DE" dirty="0"/>
+          </a:p>
+          <a:p>
+            <a:pPr marL="400050">
+              <a:spcAft>
+                <a:spcPts val="300"/>
+              </a:spcAft>
+            </a:pPr>
+            <a:r>
+              <a:rPr lang="de-DE" altLang="de-DE" dirty="0"/>
+              <a:t>Änderungen müssen mittels </a:t>
+            </a:r>
+            <a:r>
+              <a:rPr lang="de-DE" altLang="de-DE" dirty="0" err="1"/>
+              <a:t>Merge</a:t>
+            </a:r>
+            <a:r>
+              <a:rPr lang="de-DE" altLang="de-DE" dirty="0"/>
+              <a:t> oder </a:t>
+            </a:r>
+            <a:r>
+              <a:rPr lang="de-DE" altLang="de-DE" dirty="0" err="1"/>
+              <a:t>Rebase</a:t>
+            </a:r>
+            <a:r>
+              <a:rPr lang="de-DE" altLang="de-DE" dirty="0"/>
+              <a:t> in lokalen Branch übernommen werden</a:t>
+            </a:r>
+          </a:p>
+          <a:p>
+            <a:pPr marL="57150" indent="0">
+              <a:spcAft>
+                <a:spcPts val="300"/>
+              </a:spcAft>
+              <a:buNone/>
+            </a:pPr>
+            <a:r>
+              <a:rPr lang="de-DE" altLang="de-DE" dirty="0"/>
+              <a:t>	</a:t>
+            </a:r>
+            <a:r>
+              <a:rPr lang="de-DE" altLang="de-DE" dirty="0" err="1">
+                <a:latin typeface="Consolas" panose="020B0609020204030204" pitchFamily="49" charset="0"/>
+              </a:rPr>
+              <a:t>git</a:t>
+            </a:r>
+            <a:r>
+              <a:rPr lang="de-DE" altLang="de-DE" dirty="0">
+                <a:latin typeface="Consolas" panose="020B0609020204030204" pitchFamily="49" charset="0"/>
+              </a:rPr>
+              <a:t> </a:t>
+            </a:r>
+            <a:r>
+              <a:rPr lang="de-DE" altLang="de-DE" dirty="0" err="1">
+                <a:latin typeface="Consolas" panose="020B0609020204030204" pitchFamily="49" charset="0"/>
+              </a:rPr>
+              <a:t>checkout</a:t>
+            </a:r>
+            <a:r>
+              <a:rPr lang="de-DE" altLang="de-DE" dirty="0">
+                <a:latin typeface="Consolas" panose="020B0609020204030204" pitchFamily="49" charset="0"/>
+              </a:rPr>
+              <a:t> feature</a:t>
+            </a:r>
+          </a:p>
+          <a:p>
+            <a:pPr marL="57150" indent="0">
+              <a:spcAft>
+                <a:spcPts val="300"/>
+              </a:spcAft>
+              <a:buNone/>
+            </a:pPr>
+            <a:r>
+              <a:rPr lang="de-DE" altLang="de-DE" dirty="0">
+                <a:latin typeface="Consolas" panose="020B0609020204030204" pitchFamily="49" charset="0"/>
+              </a:rPr>
+              <a:t>	</a:t>
+            </a:r>
+            <a:r>
+              <a:rPr lang="de-DE" altLang="de-DE" dirty="0" err="1">
+                <a:latin typeface="Consolas" panose="020B0609020204030204" pitchFamily="49" charset="0"/>
+              </a:rPr>
+              <a:t>git</a:t>
+            </a:r>
+            <a:r>
+              <a:rPr lang="de-DE" altLang="de-DE" dirty="0">
+                <a:latin typeface="Consolas" panose="020B0609020204030204" pitchFamily="49" charset="0"/>
+              </a:rPr>
+              <a:t> </a:t>
+            </a:r>
+            <a:r>
+              <a:rPr lang="de-DE" altLang="de-DE" dirty="0" err="1">
+                <a:latin typeface="Consolas" panose="020B0609020204030204" pitchFamily="49" charset="0"/>
+              </a:rPr>
+              <a:t>fetch</a:t>
+            </a:r>
+            <a:r>
+              <a:rPr lang="de-DE" altLang="de-DE" dirty="0">
+                <a:latin typeface="Consolas" panose="020B0609020204030204" pitchFamily="49" charset="0"/>
+              </a:rPr>
+              <a:t> </a:t>
+            </a:r>
+            <a:r>
+              <a:rPr lang="de-DE" altLang="de-DE" dirty="0" err="1">
+                <a:latin typeface="Consolas" panose="020B0609020204030204" pitchFamily="49" charset="0"/>
+              </a:rPr>
+              <a:t>origin</a:t>
+            </a:r>
+            <a:endParaRPr lang="de-DE" altLang="de-DE" dirty="0">
+              <a:latin typeface="Consolas" panose="020B0609020204030204" pitchFamily="49" charset="0"/>
+            </a:endParaRPr>
+          </a:p>
+          <a:p>
+            <a:pPr marL="57150" indent="0">
+              <a:spcAft>
+                <a:spcPts val="300"/>
+              </a:spcAft>
+              <a:buNone/>
+            </a:pPr>
+            <a:endParaRPr lang="de-DE" altLang="de-DE" dirty="0">
+              <a:latin typeface="Consolas" panose="020B0609020204030204" pitchFamily="49" charset="0"/>
+            </a:endParaRPr>
+          </a:p>
+          <a:p>
+            <a:pPr marL="57150" indent="0">
+              <a:spcAft>
+                <a:spcPts val="300"/>
+              </a:spcAft>
+              <a:buNone/>
+            </a:pPr>
+            <a:r>
+              <a:rPr lang="de-DE" altLang="de-DE" dirty="0">
+                <a:latin typeface="Consolas" panose="020B0609020204030204" pitchFamily="49" charset="0"/>
+              </a:rPr>
+              <a:t>	</a:t>
+            </a:r>
+            <a:r>
+              <a:rPr lang="de-DE" altLang="de-DE" dirty="0" err="1">
+                <a:latin typeface="Consolas" panose="020B0609020204030204" pitchFamily="49" charset="0"/>
+              </a:rPr>
+              <a:t>git</a:t>
+            </a:r>
+            <a:r>
+              <a:rPr lang="de-DE" altLang="de-DE" dirty="0">
+                <a:latin typeface="Consolas" panose="020B0609020204030204" pitchFamily="49" charset="0"/>
+              </a:rPr>
+              <a:t> </a:t>
+            </a:r>
+            <a:r>
+              <a:rPr lang="de-DE" altLang="de-DE" dirty="0" err="1">
+                <a:latin typeface="Consolas" panose="020B0609020204030204" pitchFamily="49" charset="0"/>
+              </a:rPr>
+              <a:t>merge</a:t>
+            </a:r>
+            <a:r>
+              <a:rPr lang="de-DE" altLang="de-DE" dirty="0">
+                <a:latin typeface="Consolas" panose="020B0609020204030204" pitchFamily="49" charset="0"/>
+              </a:rPr>
+              <a:t> </a:t>
+            </a:r>
+            <a:r>
+              <a:rPr lang="de-DE" altLang="de-DE" dirty="0" err="1">
+                <a:latin typeface="Consolas" panose="020B0609020204030204" pitchFamily="49" charset="0"/>
+              </a:rPr>
+              <a:t>origin</a:t>
+            </a:r>
+            <a:r>
+              <a:rPr lang="de-DE" altLang="de-DE" dirty="0">
+                <a:latin typeface="Consolas" panose="020B0609020204030204" pitchFamily="49" charset="0"/>
+              </a:rPr>
+              <a:t>/feature </a:t>
+            </a:r>
+          </a:p>
+          <a:p>
+            <a:pPr marL="57150" indent="0">
+              <a:spcAft>
+                <a:spcPts val="300"/>
+              </a:spcAft>
+              <a:buNone/>
+            </a:pPr>
+            <a:r>
+              <a:rPr lang="de-DE" altLang="de-DE" dirty="0">
+                <a:latin typeface="Consolas" panose="020B0609020204030204" pitchFamily="49" charset="0"/>
+              </a:rPr>
+              <a:t>	</a:t>
+            </a:r>
+            <a:r>
+              <a:rPr lang="de-DE" altLang="de-DE" dirty="0"/>
+              <a:t>oder </a:t>
+            </a:r>
+          </a:p>
+          <a:p>
+            <a:pPr marL="57150" indent="0">
+              <a:spcAft>
+                <a:spcPts val="300"/>
+              </a:spcAft>
+              <a:buNone/>
+            </a:pPr>
+            <a:r>
+              <a:rPr lang="de-DE" altLang="de-DE" dirty="0">
+                <a:latin typeface="Consolas" panose="020B0609020204030204" pitchFamily="49" charset="0"/>
+              </a:rPr>
+              <a:t>	</a:t>
+            </a:r>
+            <a:r>
+              <a:rPr lang="de-DE" altLang="de-DE" dirty="0" err="1">
+                <a:latin typeface="Consolas" panose="020B0609020204030204" pitchFamily="49" charset="0"/>
+              </a:rPr>
+              <a:t>git</a:t>
+            </a:r>
+            <a:r>
+              <a:rPr lang="de-DE" altLang="de-DE" dirty="0">
+                <a:latin typeface="Consolas" panose="020B0609020204030204" pitchFamily="49" charset="0"/>
+              </a:rPr>
+              <a:t> </a:t>
+            </a:r>
+            <a:r>
+              <a:rPr lang="de-DE" altLang="de-DE" dirty="0" err="1">
+                <a:latin typeface="Consolas" panose="020B0609020204030204" pitchFamily="49" charset="0"/>
+              </a:rPr>
+              <a:t>rebase</a:t>
+            </a:r>
+            <a:r>
+              <a:rPr lang="de-DE" altLang="de-DE" dirty="0">
+                <a:latin typeface="Consolas" panose="020B0609020204030204" pitchFamily="49" charset="0"/>
+              </a:rPr>
+              <a:t> </a:t>
+            </a:r>
+            <a:r>
+              <a:rPr lang="de-DE" altLang="de-DE" dirty="0" err="1">
+                <a:latin typeface="Consolas" panose="020B0609020204030204" pitchFamily="49" charset="0"/>
+              </a:rPr>
+              <a:t>origin</a:t>
+            </a:r>
+            <a:r>
+              <a:rPr lang="de-DE" altLang="de-DE" dirty="0">
+                <a:latin typeface="Consolas" panose="020B0609020204030204" pitchFamily="49" charset="0"/>
+              </a:rPr>
+              <a:t>/feature</a:t>
+            </a:r>
           </a:p>
         </p:txBody>
       </p:sp>
@@ -9102,7 +8387,7 @@
     </p:spTree>
     <p:extLst>
       <p:ext uri="{BB962C8B-B14F-4D97-AF65-F5344CB8AC3E}">
-        <p14:creationId xmlns:p14="http://schemas.microsoft.com/office/powerpoint/2010/main" val="2739601707"/>
+        <p14:creationId xmlns:p14="http://schemas.microsoft.com/office/powerpoint/2010/main" val="3053364118"/>
       </p:ext>
     </p:extLst>
   </p:cSld>
@@ -9166,7 +8451,7 @@
             </a:pPr>
             <a:r>
               <a:rPr lang="de-DE" altLang="de-DE" b="1" dirty="0"/>
-              <a:t>Hinzufügen eines Remote Repository</a:t>
+              <a:t>Pull</a:t>
             </a:r>
           </a:p>
           <a:p>
@@ -9179,9 +8464,98 @@
               </a:spcAft>
             </a:pPr>
             <a:r>
+              <a:rPr lang="de-DE" altLang="de-DE" dirty="0" err="1">
+                <a:latin typeface="Consolas" panose="020B0609020204030204" pitchFamily="49" charset="0"/>
+              </a:rPr>
+              <a:t>git</a:t>
+            </a:r>
+            <a:r>
+              <a:rPr lang="de-DE" altLang="de-DE" dirty="0">
+                <a:latin typeface="Consolas" panose="020B0609020204030204" pitchFamily="49" charset="0"/>
+              </a:rPr>
+              <a:t> pull </a:t>
+            </a:r>
+            <a:r>
               <a:rPr lang="de-DE" altLang="de-DE" dirty="0"/>
-              <a:t>Remote zu lokalem Repository hinzuzufügen </a:t>
-            </a:r>
+              <a:t>als Kombination von </a:t>
+            </a:r>
+            <a:r>
+              <a:rPr lang="de-DE" altLang="de-DE" dirty="0" err="1">
+                <a:latin typeface="Consolas" panose="020B0609020204030204" pitchFamily="49" charset="0"/>
+              </a:rPr>
+              <a:t>git</a:t>
+            </a:r>
+            <a:r>
+              <a:rPr lang="de-DE" altLang="de-DE" dirty="0">
+                <a:latin typeface="Consolas" panose="020B0609020204030204" pitchFamily="49" charset="0"/>
+              </a:rPr>
+              <a:t> </a:t>
+            </a:r>
+            <a:r>
+              <a:rPr lang="de-DE" altLang="de-DE" dirty="0" err="1">
+                <a:latin typeface="Consolas" panose="020B0609020204030204" pitchFamily="49" charset="0"/>
+              </a:rPr>
+              <a:t>fetch</a:t>
+            </a:r>
+            <a:r>
+              <a:rPr lang="de-DE" altLang="de-DE" dirty="0">
+                <a:latin typeface="Consolas" panose="020B0609020204030204" pitchFamily="49" charset="0"/>
+              </a:rPr>
+              <a:t> </a:t>
+            </a:r>
+            <a:r>
+              <a:rPr lang="de-DE" altLang="de-DE" dirty="0"/>
+              <a:t>und </a:t>
+            </a:r>
+            <a:r>
+              <a:rPr lang="de-DE" altLang="de-DE" dirty="0" err="1">
+                <a:latin typeface="Consolas" panose="020B0609020204030204" pitchFamily="49" charset="0"/>
+              </a:rPr>
+              <a:t>git</a:t>
+            </a:r>
+            <a:r>
+              <a:rPr lang="de-DE" altLang="de-DE" dirty="0">
+                <a:latin typeface="Consolas" panose="020B0609020204030204" pitchFamily="49" charset="0"/>
+              </a:rPr>
+              <a:t> </a:t>
+            </a:r>
+            <a:r>
+              <a:rPr lang="de-DE" altLang="de-DE" dirty="0" err="1">
+                <a:latin typeface="Consolas" panose="020B0609020204030204" pitchFamily="49" charset="0"/>
+              </a:rPr>
+              <a:t>merge</a:t>
+            </a:r>
+            <a:r>
+              <a:rPr lang="de-DE" altLang="de-DE" dirty="0">
+                <a:latin typeface="Consolas" panose="020B0609020204030204" pitchFamily="49" charset="0"/>
+              </a:rPr>
+              <a:t> </a:t>
+            </a:r>
+            <a:r>
+              <a:rPr lang="de-DE" altLang="de-DE" dirty="0"/>
+              <a:t>oder </a:t>
+            </a:r>
+            <a:r>
+              <a:rPr lang="de-DE" altLang="de-DE" dirty="0" err="1">
+                <a:latin typeface="Consolas" panose="020B0609020204030204" pitchFamily="49" charset="0"/>
+              </a:rPr>
+              <a:t>git</a:t>
+            </a:r>
+            <a:r>
+              <a:rPr lang="de-DE" altLang="de-DE" dirty="0">
+                <a:latin typeface="Consolas" panose="020B0609020204030204" pitchFamily="49" charset="0"/>
+              </a:rPr>
+              <a:t> </a:t>
+            </a:r>
+            <a:r>
+              <a:rPr lang="de-DE" altLang="de-DE" dirty="0" err="1">
+                <a:latin typeface="Consolas" panose="020B0609020204030204" pitchFamily="49" charset="0"/>
+              </a:rPr>
+              <a:t>rebase</a:t>
+            </a:r>
+            <a:endParaRPr lang="de-DE" altLang="de-DE" dirty="0">
+              <a:latin typeface="Consolas" panose="020B0609020204030204" pitchFamily="49" charset="0"/>
+            </a:endParaRPr>
           </a:p>
           <a:p>
             <a:pPr marL="57150" indent="0">
@@ -9194,56 +8568,234 @@
               <a:buNone/>
             </a:pPr>
             <a:r>
+              <a:rPr lang="de-DE" altLang="de-DE" dirty="0">
+                <a:latin typeface="Consolas" panose="020B0609020204030204" pitchFamily="49" charset="0"/>
+              </a:rPr>
+              <a:t>	</a:t>
+            </a:r>
+            <a:r>
+              <a:rPr lang="de-DE" altLang="de-DE" dirty="0" err="1">
+                <a:latin typeface="Consolas" panose="020B0609020204030204" pitchFamily="49" charset="0"/>
+              </a:rPr>
+              <a:t>git</a:t>
+            </a:r>
+            <a:r>
+              <a:rPr lang="de-DE" altLang="de-DE" dirty="0">
+                <a:latin typeface="Consolas" panose="020B0609020204030204" pitchFamily="49" charset="0"/>
+              </a:rPr>
+              <a:t> pull</a:t>
+            </a:r>
+          </a:p>
+          <a:p>
+            <a:pPr marL="57150" indent="0">
+              <a:spcBef>
+                <a:spcPts val="600"/>
+              </a:spcBef>
+              <a:spcAft>
+                <a:spcPts val="300"/>
+              </a:spcAft>
+              <a:buNone/>
+            </a:pPr>
+            <a:r>
+              <a:rPr lang="de-DE" altLang="de-DE" dirty="0">
+                <a:latin typeface="Consolas" panose="020B0609020204030204" pitchFamily="49" charset="0"/>
+              </a:rPr>
+              <a:t>	</a:t>
+            </a:r>
+            <a:r>
+              <a:rPr lang="de-DE" altLang="de-DE" dirty="0" err="1">
+                <a:latin typeface="Consolas" panose="020B0609020204030204" pitchFamily="49" charset="0"/>
+              </a:rPr>
+              <a:t>git</a:t>
+            </a:r>
+            <a:r>
+              <a:rPr lang="de-DE" altLang="de-DE" dirty="0">
+                <a:latin typeface="Consolas" panose="020B0609020204030204" pitchFamily="49" charset="0"/>
+              </a:rPr>
+              <a:t> pull --</a:t>
+            </a:r>
+            <a:r>
+              <a:rPr lang="de-DE" altLang="de-DE" dirty="0" err="1">
+                <a:latin typeface="Consolas" panose="020B0609020204030204" pitchFamily="49" charset="0"/>
+              </a:rPr>
+              <a:t>merge</a:t>
+            </a:r>
+            <a:endParaRPr lang="de-DE" altLang="de-DE" dirty="0">
+              <a:latin typeface="Consolas" panose="020B0609020204030204" pitchFamily="49" charset="0"/>
+            </a:endParaRPr>
+          </a:p>
+          <a:p>
+            <a:pPr marL="57150" indent="0">
+              <a:spcBef>
+                <a:spcPts val="600"/>
+              </a:spcBef>
+              <a:spcAft>
+                <a:spcPts val="300"/>
+              </a:spcAft>
+              <a:buNone/>
+            </a:pPr>
+            <a:r>
+              <a:rPr lang="de-DE" altLang="de-DE" dirty="0">
+                <a:latin typeface="Consolas" panose="020B0609020204030204" pitchFamily="49" charset="0"/>
+              </a:rPr>
+              <a:t>	</a:t>
+            </a:r>
+            <a:r>
+              <a:rPr lang="de-DE" altLang="de-DE" dirty="0" err="1">
+                <a:latin typeface="Consolas" panose="020B0609020204030204" pitchFamily="49" charset="0"/>
+              </a:rPr>
+              <a:t>git</a:t>
+            </a:r>
+            <a:r>
+              <a:rPr lang="de-DE" altLang="de-DE" dirty="0">
+                <a:latin typeface="Consolas" panose="020B0609020204030204" pitchFamily="49" charset="0"/>
+              </a:rPr>
+              <a:t> pull --</a:t>
+            </a:r>
+            <a:r>
+              <a:rPr lang="de-DE" altLang="de-DE" dirty="0" err="1">
+                <a:latin typeface="Consolas" panose="020B0609020204030204" pitchFamily="49" charset="0"/>
+              </a:rPr>
+              <a:t>rebase</a:t>
+            </a:r>
+            <a:endParaRPr lang="de-DE" altLang="de-DE" dirty="0">
+              <a:latin typeface="Consolas" panose="020B0609020204030204" pitchFamily="49" charset="0"/>
+            </a:endParaRPr>
+          </a:p>
+          <a:p>
+            <a:pPr marL="400050">
+              <a:spcBef>
+                <a:spcPts val="600"/>
+              </a:spcBef>
+              <a:spcAft>
+                <a:spcPts val="300"/>
+              </a:spcAft>
+            </a:pPr>
+            <a:r>
+              <a:rPr lang="de-DE" altLang="de-DE" dirty="0"/>
+              <a:t>Default bei </a:t>
+            </a:r>
+            <a:r>
+              <a:rPr lang="de-DE" altLang="de-DE" dirty="0" err="1"/>
+              <a:t>git</a:t>
+            </a:r>
+            <a:r>
+              <a:rPr lang="de-DE" altLang="de-DE" dirty="0"/>
+              <a:t> pull ist --</a:t>
+            </a:r>
+            <a:r>
+              <a:rPr lang="de-DE" altLang="de-DE" dirty="0" err="1"/>
+              <a:t>merge</a:t>
+            </a:r>
+            <a:endParaRPr lang="de-DE" altLang="de-DE" dirty="0"/>
+          </a:p>
+          <a:p>
+            <a:pPr marL="400050">
+              <a:spcBef>
+                <a:spcPts val="600"/>
+              </a:spcBef>
+              <a:spcAft>
+                <a:spcPts val="300"/>
+              </a:spcAft>
+            </a:pPr>
+            <a:r>
+              <a:rPr lang="de-DE" altLang="de-DE" dirty="0"/>
+              <a:t>Kann in .</a:t>
+            </a:r>
+            <a:r>
+              <a:rPr lang="de-DE" altLang="de-DE" dirty="0" err="1"/>
+              <a:t>gitconfig</a:t>
+            </a:r>
+            <a:r>
+              <a:rPr lang="de-DE" altLang="de-DE" dirty="0"/>
+              <a:t> umgestellt werden</a:t>
+            </a:r>
+          </a:p>
+          <a:p>
+            <a:pPr marL="57150" indent="0">
+              <a:spcBef>
+                <a:spcPts val="600"/>
+              </a:spcBef>
+              <a:spcAft>
+                <a:spcPts val="300"/>
+              </a:spcAft>
+              <a:buNone/>
+            </a:pPr>
+            <a:r>
               <a:rPr lang="de-DE" altLang="de-DE" dirty="0"/>
               <a:t>	</a:t>
             </a:r>
             <a:r>
-              <a:rPr lang="de-DE" altLang="de-DE" dirty="0" err="1">
-                <a:latin typeface="Consolas" panose="020B0609020204030204" pitchFamily="49" charset="0"/>
-              </a:rPr>
-              <a:t>git</a:t>
-            </a:r>
-            <a:r>
-              <a:rPr lang="de-DE" altLang="de-DE" dirty="0">
-                <a:latin typeface="Consolas" panose="020B0609020204030204" pitchFamily="49" charset="0"/>
-              </a:rPr>
-              <a:t> remote </a:t>
-            </a:r>
-            <a:r>
-              <a:rPr lang="de-DE" altLang="de-DE" dirty="0" err="1">
-                <a:latin typeface="Consolas" panose="020B0609020204030204" pitchFamily="49" charset="0"/>
-              </a:rPr>
-              <a:t>add</a:t>
-            </a:r>
-            <a:r>
-              <a:rPr lang="de-DE" altLang="de-DE" dirty="0">
-                <a:latin typeface="Consolas" panose="020B0609020204030204" pitchFamily="49" charset="0"/>
-              </a:rPr>
-              <a:t> &lt;</a:t>
-            </a:r>
-            <a:r>
-              <a:rPr lang="de-DE" altLang="de-DE" dirty="0" err="1">
-                <a:latin typeface="Consolas" panose="020B0609020204030204" pitchFamily="49" charset="0"/>
-              </a:rPr>
-              <a:t>name</a:t>
-            </a:r>
-            <a:r>
-              <a:rPr lang="de-DE" altLang="de-DE" dirty="0">
-                <a:latin typeface="Consolas" panose="020B0609020204030204" pitchFamily="49" charset="0"/>
-              </a:rPr>
-              <a:t>&gt; &lt;remote-</a:t>
-            </a:r>
-            <a:r>
-              <a:rPr lang="de-DE" altLang="de-DE" dirty="0" err="1">
-                <a:latin typeface="Consolas" panose="020B0609020204030204" pitchFamily="49" charset="0"/>
-              </a:rPr>
-              <a:t>uri</a:t>
-            </a:r>
-            <a:r>
-              <a:rPr lang="de-DE" altLang="de-DE" dirty="0">
-                <a:latin typeface="Consolas" panose="020B0609020204030204" pitchFamily="49" charset="0"/>
-              </a:rPr>
-              <a:t>&gt;</a:t>
+              <a:rPr lang="en-US" altLang="de-DE" dirty="0">
+                <a:latin typeface="Consolas" panose="020B0609020204030204" pitchFamily="49" charset="0"/>
+              </a:rPr>
+              <a:t>git config --global </a:t>
+            </a:r>
+            <a:r>
+              <a:rPr lang="en-US" altLang="de-DE" dirty="0" err="1">
+                <a:latin typeface="Consolas" panose="020B0609020204030204" pitchFamily="49" charset="0"/>
+              </a:rPr>
+              <a:t>pull.rebase</a:t>
+            </a:r>
+            <a:r>
+              <a:rPr lang="en-US" altLang="de-DE" dirty="0">
+                <a:latin typeface="Consolas" panose="020B0609020204030204" pitchFamily="49" charset="0"/>
+              </a:rPr>
+              <a:t> false</a:t>
+            </a:r>
+            <a:r>
+              <a:rPr lang="en-US" altLang="de-DE" dirty="0"/>
+              <a:t> 	</a:t>
+            </a:r>
+            <a:r>
+              <a:rPr lang="en-US" altLang="de-DE" dirty="0">
+                <a:sym typeface="Wingdings" panose="05000000000000000000" pitchFamily="2" charset="2"/>
+              </a:rPr>
+              <a:t> Merge</a:t>
+            </a:r>
+          </a:p>
+          <a:p>
+            <a:pPr marL="57150" indent="0">
+              <a:spcBef>
+                <a:spcPts val="600"/>
+              </a:spcBef>
+              <a:spcAft>
+                <a:spcPts val="300"/>
+              </a:spcAft>
+              <a:buNone/>
+            </a:pPr>
+            <a:r>
+              <a:rPr lang="en-US" altLang="de-DE" dirty="0">
+                <a:sym typeface="Wingdings" panose="05000000000000000000" pitchFamily="2" charset="2"/>
+              </a:rPr>
+              <a:t>	</a:t>
+            </a:r>
+            <a:r>
+              <a:rPr lang="en-US" altLang="de-DE" dirty="0">
+                <a:latin typeface="Consolas" panose="020B0609020204030204" pitchFamily="49" charset="0"/>
+                <a:sym typeface="Wingdings" panose="05000000000000000000" pitchFamily="2" charset="2"/>
+              </a:rPr>
+              <a:t>git config --global </a:t>
+            </a:r>
+            <a:r>
+              <a:rPr lang="en-US" altLang="de-DE" dirty="0" err="1">
+                <a:latin typeface="Consolas" panose="020B0609020204030204" pitchFamily="49" charset="0"/>
+                <a:sym typeface="Wingdings" panose="05000000000000000000" pitchFamily="2" charset="2"/>
+              </a:rPr>
+              <a:t>pull.rebase</a:t>
+            </a:r>
+            <a:r>
+              <a:rPr lang="en-US" altLang="de-DE" dirty="0">
+                <a:latin typeface="Consolas" panose="020B0609020204030204" pitchFamily="49" charset="0"/>
+                <a:sym typeface="Wingdings" panose="05000000000000000000" pitchFamily="2" charset="2"/>
+              </a:rPr>
+              <a:t> true 	</a:t>
+            </a:r>
+            <a:r>
+              <a:rPr lang="en-US" altLang="de-DE" dirty="0">
+                <a:sym typeface="Wingdings" panose="05000000000000000000" pitchFamily="2" charset="2"/>
+              </a:rPr>
+              <a:t> Rebase</a:t>
             </a:r>
           </a:p>
           <a:p>
@@ -9253,35 +8805,71 @@
               </a:spcAft>
             </a:pPr>
             <a:r>
-              <a:rPr lang="de-DE" altLang="de-DE" dirty="0" err="1">
-                <a:latin typeface="Consolas" panose="020B0609020204030204" pitchFamily="49" charset="0"/>
-              </a:rPr>
-              <a:t>git</a:t>
-            </a:r>
-            <a:r>
-              <a:rPr lang="de-DE" altLang="de-DE" dirty="0">
-                <a:latin typeface="Consolas" panose="020B0609020204030204" pitchFamily="49" charset="0"/>
-              </a:rPr>
-              <a:t> remote </a:t>
-            </a:r>
-            <a:r>
-              <a:rPr lang="de-DE" altLang="de-DE" dirty="0" err="1">
-                <a:latin typeface="Consolas" panose="020B0609020204030204" pitchFamily="49" charset="0"/>
-              </a:rPr>
-              <a:t>add</a:t>
-            </a:r>
+              <a:rPr lang="en-US" altLang="de-DE" dirty="0" err="1">
+                <a:sym typeface="Wingdings" panose="05000000000000000000" pitchFamily="2" charset="2"/>
+              </a:rPr>
+              <a:t>Einstellung</a:t>
+            </a:r>
+            <a:r>
+              <a:rPr lang="en-US" altLang="de-DE" dirty="0">
+                <a:sym typeface="Wingdings" panose="05000000000000000000" pitchFamily="2" charset="2"/>
+              </a:rPr>
+              <a:t> für </a:t>
+            </a:r>
+            <a:r>
+              <a:rPr lang="en-US" altLang="de-DE" dirty="0" err="1">
+                <a:sym typeface="Wingdings" panose="05000000000000000000" pitchFamily="2" charset="2"/>
+              </a:rPr>
+              <a:t>einzelne</a:t>
+            </a:r>
+            <a:r>
+              <a:rPr lang="en-US" altLang="de-DE" dirty="0">
+                <a:sym typeface="Wingdings" panose="05000000000000000000" pitchFamily="2" charset="2"/>
+              </a:rPr>
+              <a:t> Branches </a:t>
+            </a:r>
+            <a:r>
+              <a:rPr lang="en-US" altLang="de-DE" dirty="0" err="1">
+                <a:sym typeface="Wingdings" panose="05000000000000000000" pitchFamily="2" charset="2"/>
+              </a:rPr>
+              <a:t>ebenfalls</a:t>
+            </a:r>
+            <a:r>
+              <a:rPr lang="en-US" altLang="de-DE" dirty="0">
+                <a:sym typeface="Wingdings" panose="05000000000000000000" pitchFamily="2" charset="2"/>
+              </a:rPr>
+              <a:t> </a:t>
+            </a:r>
+            <a:r>
+              <a:rPr lang="en-US" altLang="de-DE" dirty="0" err="1">
+                <a:sym typeface="Wingdings" panose="05000000000000000000" pitchFamily="2" charset="2"/>
+              </a:rPr>
+              <a:t>möglich</a:t>
+            </a:r>
+            <a:endParaRPr lang="en-US" altLang="de-DE" dirty="0">
+              <a:sym typeface="Wingdings" panose="05000000000000000000" pitchFamily="2" charset="2"/>
+            </a:endParaRPr>
+          </a:p>
+          <a:p>
+            <a:pPr marL="57150" indent="0">
+              <a:spcAft>
+                <a:spcPts val="300"/>
+              </a:spcAft>
+              <a:buNone/>
+            </a:pPr>
             <a:r>
               <a:rPr lang="de-DE" altLang="de-DE" dirty="0"/>
-              <a:t> legt alias für die Remote </a:t>
-            </a:r>
-            <a:r>
-              <a:rPr lang="de-DE" altLang="de-DE" dirty="0" err="1"/>
-              <a:t>Addresse</a:t>
-            </a:r>
-            <a:r>
-              <a:rPr lang="de-DE" altLang="de-DE" dirty="0"/>
-              <a:t> an</a:t>
-            </a:r>
+              <a:t>	</a:t>
+            </a:r>
+            <a:r>
+              <a:rPr lang="en-US" altLang="de-DE" dirty="0">
+                <a:latin typeface="Consolas" panose="020B0609020204030204" pitchFamily="49" charset="0"/>
+              </a:rPr>
+              <a:t>git config branch.&lt;branch-name&gt;.rebase true</a:t>
+            </a:r>
+            <a:endParaRPr lang="de-DE" altLang="de-DE" dirty="0">
+              <a:latin typeface="Consolas" panose="020B0609020204030204" pitchFamily="49" charset="0"/>
+            </a:endParaRPr>
           </a:p>
           <a:p>
             <a:pPr marL="400050">
@@ -9289,156 +8877,7 @@
                 <a:spcPts val="300"/>
               </a:spcAft>
             </a:pPr>
-            <a:r>
-              <a:rPr lang="de-DE" altLang="de-DE" dirty="0"/>
-              <a:t>Ruft Informationen über verfügbare </a:t>
-            </a:r>
-            <a:r>
-              <a:rPr lang="de-DE" altLang="de-DE" dirty="0" err="1"/>
-              <a:t>Branches</a:t>
-            </a:r>
-            <a:r>
-              <a:rPr lang="de-DE" altLang="de-DE" dirty="0"/>
-              <a:t> ab</a:t>
-            </a:r>
-          </a:p>
-          <a:p>
-            <a:pPr marL="400050">
-              <a:spcAft>
-                <a:spcPts val="300"/>
-              </a:spcAft>
-            </a:pPr>
-            <a:r>
-              <a:rPr lang="de-DE" altLang="de-DE" dirty="0"/>
-              <a:t>Beispiel:</a:t>
-            </a:r>
-          </a:p>
-          <a:p>
-            <a:pPr marL="514350" lvl="1" indent="0">
-              <a:buNone/>
-            </a:pPr>
-            <a:r>
-              <a:rPr lang="en-US" sz="1200" dirty="0">
-                <a:latin typeface="Consolas" panose="020B0609020204030204" pitchFamily="49" charset="0"/>
-              </a:rPr>
-              <a:t>$ git remote add </a:t>
-            </a:r>
-            <a:r>
-              <a:rPr lang="en-US" sz="1200" dirty="0">
-                <a:solidFill>
-                  <a:srgbClr val="0249FC"/>
-                </a:solidFill>
-                <a:latin typeface="Consolas" panose="020B0609020204030204" pitchFamily="49" charset="0"/>
-              </a:rPr>
-              <a:t>other</a:t>
-            </a:r>
-            <a:r>
-              <a:rPr lang="en-US" sz="1200" dirty="0">
-                <a:latin typeface="Consolas" panose="020B0609020204030204" pitchFamily="49" charset="0"/>
-              </a:rPr>
-              <a:t> git@gitlab.example.de:git_demo_2 </a:t>
-            </a:r>
-          </a:p>
-          <a:p>
-            <a:pPr marL="514350" lvl="1" indent="0">
-              <a:buNone/>
-            </a:pPr>
-            <a:r>
-              <a:rPr lang="en-US" sz="1200" dirty="0">
-                <a:latin typeface="Consolas" panose="020B0609020204030204" pitchFamily="49" charset="0"/>
-              </a:rPr>
-              <a:t>$ git branch --all </a:t>
-            </a:r>
-          </a:p>
-          <a:p>
-            <a:pPr marL="514350" lvl="1" indent="0">
-              <a:buNone/>
-            </a:pPr>
-            <a:r>
-              <a:rPr lang="en-US" sz="1200" dirty="0">
-                <a:latin typeface="Consolas" panose="020B0609020204030204" pitchFamily="49" charset="0"/>
-              </a:rPr>
-              <a:t>* main </a:t>
-            </a:r>
-            <a:br>
-              <a:rPr lang="en-US" sz="1200" dirty="0">
-                <a:latin typeface="Consolas" panose="020B0609020204030204" pitchFamily="49" charset="0"/>
-              </a:rPr>
-            </a:br>
-            <a:r>
-              <a:rPr lang="en-US" sz="1200" dirty="0">
-                <a:latin typeface="Consolas" panose="020B0609020204030204" pitchFamily="49" charset="0"/>
-              </a:rPr>
-              <a:t>remotes/origin/HEAD -&gt; origin/main </a:t>
-            </a:r>
-            <a:br>
-              <a:rPr lang="en-US" sz="1200" dirty="0">
-                <a:latin typeface="Consolas" panose="020B0609020204030204" pitchFamily="49" charset="0"/>
-              </a:rPr>
-            </a:br>
-            <a:r>
-              <a:rPr lang="en-US" sz="1200" dirty="0">
-                <a:latin typeface="Consolas" panose="020B0609020204030204" pitchFamily="49" charset="0"/>
-              </a:rPr>
-              <a:t>remotes/origin/feature1 </a:t>
-            </a:r>
-            <a:br>
-              <a:rPr lang="en-US" sz="1200" dirty="0">
-                <a:latin typeface="Consolas" panose="020B0609020204030204" pitchFamily="49" charset="0"/>
-              </a:rPr>
-            </a:br>
-            <a:r>
-              <a:rPr lang="en-US" sz="1200" dirty="0">
-                <a:latin typeface="Consolas" panose="020B0609020204030204" pitchFamily="49" charset="0"/>
-              </a:rPr>
-              <a:t>remotes/origin/feature2 </a:t>
-            </a:r>
-            <a:br>
-              <a:rPr lang="en-US" sz="1200" dirty="0">
-                <a:latin typeface="Consolas" panose="020B0609020204030204" pitchFamily="49" charset="0"/>
-              </a:rPr>
-            </a:br>
-            <a:r>
-              <a:rPr lang="en-US" sz="1200" dirty="0">
-                <a:latin typeface="Consolas" panose="020B0609020204030204" pitchFamily="49" charset="0"/>
-              </a:rPr>
-              <a:t>…</a:t>
-            </a:r>
-            <a:br>
-              <a:rPr lang="en-US" sz="1200" dirty="0">
-                <a:latin typeface="Consolas" panose="020B0609020204030204" pitchFamily="49" charset="0"/>
-              </a:rPr>
-            </a:br>
-            <a:r>
-              <a:rPr lang="en-US" sz="1200" dirty="0">
-                <a:latin typeface="Consolas" panose="020B0609020204030204" pitchFamily="49" charset="0"/>
-              </a:rPr>
-              <a:t>remotes/</a:t>
-            </a:r>
-            <a:r>
-              <a:rPr lang="en-US" sz="1200" dirty="0">
-                <a:solidFill>
-                  <a:srgbClr val="0249FC"/>
-                </a:solidFill>
-                <a:latin typeface="Consolas" panose="020B0609020204030204" pitchFamily="49" charset="0"/>
-              </a:rPr>
-              <a:t>other</a:t>
-            </a:r>
-            <a:r>
-              <a:rPr lang="en-US" sz="1200" dirty="0">
-                <a:latin typeface="Consolas" panose="020B0609020204030204" pitchFamily="49" charset="0"/>
-              </a:rPr>
-              <a:t>/</a:t>
-            </a:r>
-            <a:r>
-              <a:rPr lang="en-US" sz="1200" dirty="0" err="1">
-                <a:latin typeface="Consolas" panose="020B0609020204030204" pitchFamily="49" charset="0"/>
-              </a:rPr>
-              <a:t>other_feature</a:t>
-            </a:r>
-            <a:endParaRPr lang="de-DE" altLang="de-DE" sz="1200" dirty="0">
-              <a:latin typeface="Consolas" panose="020B0609020204030204" pitchFamily="49" charset="0"/>
-            </a:endParaRPr>
+            <a:endParaRPr lang="en-US" altLang="de-DE" dirty="0"/>
           </a:p>
         </p:txBody>
       </p:sp>
@@ -9478,7 +8917,7 @@
     </p:spTree>
     <p:extLst>
       <p:ext uri="{BB962C8B-B14F-4D97-AF65-F5344CB8AC3E}">
-        <p14:creationId xmlns:p14="http://schemas.microsoft.com/office/powerpoint/2010/main" val="995659121"/>
+        <p14:creationId xmlns:p14="http://schemas.microsoft.com/office/powerpoint/2010/main" val="2131263901"/>
       </p:ext>
     </p:extLst>
   </p:cSld>
@@ -9531,186 +8970,48 @@
           <a:bodyPr/>
           <a:lstStyle/>
           <a:p>
-            <a:pPr marL="57150" indent="0">
-              <a:spcBef>
-                <a:spcPts val="600"/>
-              </a:spcBef>
-              <a:spcAft>
-                <a:spcPts val="300"/>
-              </a:spcAft>
-              <a:buNone/>
-            </a:pPr>
-            <a:r>
-              <a:rPr lang="de-DE" altLang="de-DE" b="1" dirty="0"/>
-              <a:t>Abrufen von Änderungen aus Remote Repository</a:t>
-            </a:r>
-          </a:p>
-          <a:p>
-            <a:pPr marL="400050">
-              <a:spcBef>
-                <a:spcPts val="600"/>
-              </a:spcBef>
-              <a:spcAft>
-                <a:spcPts val="300"/>
-              </a:spcAft>
-            </a:pPr>
-            <a:r>
-              <a:rPr lang="de-DE" altLang="de-DE" dirty="0"/>
-              <a:t>Informationen über </a:t>
-            </a:r>
-            <a:r>
-              <a:rPr lang="de-DE" altLang="de-DE" dirty="0" err="1"/>
-              <a:t>Commits</a:t>
-            </a:r>
-            <a:r>
-              <a:rPr lang="de-DE" altLang="de-DE" dirty="0"/>
-              <a:t>, </a:t>
-            </a:r>
-            <a:r>
-              <a:rPr lang="de-DE" altLang="de-DE" dirty="0" err="1"/>
-              <a:t>Branches</a:t>
-            </a:r>
-            <a:r>
-              <a:rPr lang="de-DE" altLang="de-DE" dirty="0"/>
-              <a:t>, Tags, … abrufen</a:t>
-            </a:r>
-          </a:p>
-          <a:p>
-            <a:pPr marL="57150" indent="0">
-              <a:spcBef>
-                <a:spcPts val="600"/>
-              </a:spcBef>
-              <a:spcAft>
-                <a:spcPts val="300"/>
-              </a:spcAft>
-              <a:buNone/>
-            </a:pPr>
-            <a:r>
-              <a:rPr lang="de-DE" altLang="de-DE" dirty="0"/>
-              <a:t>	</a:t>
-            </a:r>
-            <a:r>
-              <a:rPr lang="de-DE" altLang="de-DE" dirty="0" err="1">
-                <a:latin typeface="Consolas" panose="020B0609020204030204" pitchFamily="49" charset="0"/>
-              </a:rPr>
-              <a:t>git</a:t>
-            </a:r>
-            <a:r>
-              <a:rPr lang="de-DE" altLang="de-DE" dirty="0">
-                <a:latin typeface="Consolas" panose="020B0609020204030204" pitchFamily="49" charset="0"/>
-              </a:rPr>
-              <a:t> </a:t>
-            </a:r>
-            <a:r>
-              <a:rPr lang="de-DE" altLang="de-DE" dirty="0" err="1">
-                <a:latin typeface="Consolas" panose="020B0609020204030204" pitchFamily="49" charset="0"/>
-              </a:rPr>
-              <a:t>fetch</a:t>
-            </a:r>
-            <a:r>
-              <a:rPr lang="de-DE" altLang="de-DE" dirty="0">
-                <a:latin typeface="Consolas" panose="020B0609020204030204" pitchFamily="49" charset="0"/>
-              </a:rPr>
-              <a:t> &lt;remote&gt;</a:t>
-            </a:r>
-          </a:p>
-          <a:p>
-            <a:pPr marL="57150" indent="0">
-              <a:spcBef>
-                <a:spcPts val="600"/>
-              </a:spcBef>
-              <a:spcAft>
-                <a:spcPts val="300"/>
-              </a:spcAft>
-              <a:buNone/>
-            </a:pPr>
-            <a:r>
-              <a:rPr lang="de-DE" altLang="de-DE" dirty="0">
-                <a:latin typeface="Consolas" panose="020B0609020204030204" pitchFamily="49" charset="0"/>
-              </a:rPr>
-              <a:t>	</a:t>
-            </a:r>
-            <a:r>
-              <a:rPr lang="de-DE" altLang="de-DE" dirty="0" err="1">
-                <a:latin typeface="Consolas" panose="020B0609020204030204" pitchFamily="49" charset="0"/>
-              </a:rPr>
-              <a:t>git</a:t>
-            </a:r>
-            <a:r>
-              <a:rPr lang="de-DE" altLang="de-DE" dirty="0">
-                <a:latin typeface="Consolas" panose="020B0609020204030204" pitchFamily="49" charset="0"/>
-              </a:rPr>
-              <a:t> </a:t>
-            </a:r>
-            <a:r>
-              <a:rPr lang="de-DE" altLang="de-DE" dirty="0" err="1">
-                <a:latin typeface="Consolas" panose="020B0609020204030204" pitchFamily="49" charset="0"/>
-              </a:rPr>
-              <a:t>fetch</a:t>
-            </a:r>
-            <a:r>
-              <a:rPr lang="de-DE" altLang="de-DE" dirty="0">
-                <a:latin typeface="Consolas" panose="020B0609020204030204" pitchFamily="49" charset="0"/>
-              </a:rPr>
-              <a:t> --all (</a:t>
-            </a:r>
-            <a:r>
-              <a:rPr lang="de-DE" altLang="de-DE" dirty="0"/>
-              <a:t>alle verknüpften </a:t>
-            </a:r>
-            <a:r>
-              <a:rPr lang="de-DE" altLang="de-DE" dirty="0" err="1"/>
-              <a:t>Remotes</a:t>
-            </a:r>
-            <a:r>
-              <a:rPr lang="de-DE" altLang="de-DE" dirty="0">
-                <a:latin typeface="Consolas" panose="020B0609020204030204" pitchFamily="49" charset="0"/>
-              </a:rPr>
-              <a:t>)</a:t>
-            </a:r>
-          </a:p>
-          <a:p>
             <a:pPr marL="400050">
               <a:spcAft>
                 <a:spcPts val="300"/>
               </a:spcAft>
             </a:pPr>
             <a:r>
-              <a:rPr lang="de-DE" altLang="de-DE" dirty="0"/>
-              <a:t>Aktualisiert nur Remote Tracking Bereich des </a:t>
-            </a:r>
-            <a:r>
-              <a:rPr lang="de-DE" altLang="de-DE" dirty="0" err="1"/>
-              <a:t>Repositorys</a:t>
-            </a:r>
-            <a:endParaRPr lang="de-DE" altLang="de-DE" dirty="0"/>
-          </a:p>
-          <a:p>
-            <a:pPr marL="400050">
-              <a:spcAft>
-                <a:spcPts val="300"/>
-              </a:spcAft>
-            </a:pPr>
-            <a:r>
-              <a:rPr lang="de-DE" altLang="de-DE" dirty="0"/>
-              <a:t>Änderungen müssen mittels </a:t>
-            </a:r>
-            <a:r>
-              <a:rPr lang="de-DE" altLang="de-DE" dirty="0" err="1"/>
-              <a:t>Merge</a:t>
-            </a:r>
-            <a:r>
-              <a:rPr lang="de-DE" altLang="de-DE" dirty="0"/>
-              <a:t> oder </a:t>
-            </a:r>
-            <a:r>
-              <a:rPr lang="de-DE" altLang="de-DE" dirty="0" err="1"/>
-              <a:t>Rebase</a:t>
-            </a:r>
-            <a:r>
-              <a:rPr lang="de-DE" altLang="de-DE" dirty="0"/>
-              <a:t> in lokalen Branch übernommen werden</a:t>
-            </a:r>
+              <a:rPr lang="en-US" altLang="de-DE" dirty="0" err="1"/>
+              <a:t>Mergeverhalten</a:t>
+            </a:r>
+            <a:r>
+              <a:rPr lang="en-US" altLang="de-DE" dirty="0"/>
+              <a:t> </a:t>
+            </a:r>
+            <a:r>
+              <a:rPr lang="en-US" altLang="de-DE" dirty="0" err="1"/>
+              <a:t>kann</a:t>
+            </a:r>
+            <a:r>
+              <a:rPr lang="en-US" altLang="de-DE" dirty="0"/>
+              <a:t> </a:t>
+            </a:r>
+            <a:r>
+              <a:rPr lang="en-US" altLang="de-DE" dirty="0" err="1"/>
+              <a:t>ebenfalls</a:t>
+            </a:r>
+            <a:r>
+              <a:rPr lang="en-US" altLang="de-DE" dirty="0"/>
+              <a:t> </a:t>
+            </a:r>
+            <a:r>
+              <a:rPr lang="en-US" altLang="de-DE" dirty="0" err="1"/>
+              <a:t>konfiguriert</a:t>
+            </a:r>
+            <a:r>
+              <a:rPr lang="en-US" altLang="de-DE" dirty="0"/>
+              <a:t> </a:t>
+            </a:r>
+            <a:r>
+              <a:rPr lang="en-US" altLang="de-DE" dirty="0" err="1"/>
+              <a:t>werden</a:t>
+            </a:r>
+            <a:endParaRPr lang="en-US" altLang="de-DE" dirty="0"/>
           </a:p>
           <a:p>
             <a:pPr marL="57150" indent="0">
@@ -9720,209 +9021,145 @@
               <a:buNone/>
             </a:pPr>
             <a:r>
-              <a:rPr lang="de-DE" altLang="de-DE" dirty="0"/>
-              <a:t>	</a:t>
-            </a:r>
-            <a:r>
-              <a:rPr lang="de-DE" altLang="de-DE" dirty="0" err="1">
-                <a:latin typeface="Consolas" panose="020B0609020204030204" pitchFamily="49" charset="0"/>
-              </a:rPr>
-              <a:t>git</a:t>
-            </a:r>
-            <a:r>
-              <a:rPr lang="de-DE" altLang="de-DE" dirty="0">
-                <a:latin typeface="Consolas" panose="020B0609020204030204" pitchFamily="49" charset="0"/>
-              </a:rPr>
-              <a:t> </a:t>
-            </a:r>
-            <a:r>
-              <a:rPr lang="de-DE" altLang="de-DE" dirty="0" err="1">
-                <a:latin typeface="Consolas" panose="020B0609020204030204" pitchFamily="49" charset="0"/>
-              </a:rPr>
-              <a:t>checkout</a:t>
-            </a:r>
-            <a:r>
-              <a:rPr lang="de-DE" altLang="de-DE" dirty="0">
-                <a:latin typeface="Consolas" panose="020B0609020204030204" pitchFamily="49" charset="0"/>
-              </a:rPr>
-              <a:t> feature</a:t>
-            </a:r>
-          </a:p>
-          <a:p>
-            <a:pPr marL="57150" indent="0">
+              <a:rPr lang="en-US" altLang="de-DE" dirty="0"/>
+              <a:t>	git config --global </a:t>
+            </a:r>
+            <a:r>
+              <a:rPr lang="en-US" altLang="de-DE" dirty="0" err="1"/>
+              <a:t>pull.ff</a:t>
+            </a:r>
+            <a:r>
+              <a:rPr lang="en-US" altLang="de-DE" dirty="0"/>
+              <a:t> [ true | only | false ]</a:t>
+            </a:r>
+          </a:p>
+          <a:p>
+            <a:pPr lvl="1">
               <a:spcAft>
                 <a:spcPts val="300"/>
               </a:spcAft>
-              <a:buNone/>
-            </a:pPr>
-            <a:r>
-              <a:rPr lang="de-DE" altLang="de-DE" dirty="0">
-                <a:latin typeface="Consolas" panose="020B0609020204030204" pitchFamily="49" charset="0"/>
-              </a:rPr>
-              <a:t>	</a:t>
-            </a:r>
-            <a:r>
-              <a:rPr lang="de-DE" altLang="de-DE" dirty="0" err="1">
-                <a:latin typeface="Consolas" panose="020B0609020204030204" pitchFamily="49" charset="0"/>
-              </a:rPr>
-              <a:t>git</a:t>
-            </a:r>
-            <a:r>
-              <a:rPr lang="de-DE" altLang="de-DE" dirty="0">
-                <a:latin typeface="Consolas" panose="020B0609020204030204" pitchFamily="49" charset="0"/>
-              </a:rPr>
-              <a:t> </a:t>
-            </a:r>
-            <a:r>
-              <a:rPr lang="de-DE" altLang="de-DE" dirty="0" err="1">
-                <a:latin typeface="Consolas" panose="020B0609020204030204" pitchFamily="49" charset="0"/>
-              </a:rPr>
-              <a:t>fetch</a:t>
-            </a:r>
-            <a:r>
-              <a:rPr lang="de-DE" altLang="de-DE" dirty="0">
-                <a:latin typeface="Consolas" panose="020B0609020204030204" pitchFamily="49" charset="0"/>
-              </a:rPr>
-              <a:t> </a:t>
-            </a:r>
-            <a:r>
-              <a:rPr lang="de-DE" altLang="de-DE" dirty="0" err="1">
-                <a:latin typeface="Consolas" panose="020B0609020204030204" pitchFamily="49" charset="0"/>
-              </a:rPr>
-              <a:t>origin</a:t>
-            </a:r>
-            <a:endParaRPr lang="de-DE" altLang="de-DE" dirty="0">
-              <a:latin typeface="Consolas" panose="020B0609020204030204" pitchFamily="49" charset="0"/>
-            </a:endParaRPr>
-          </a:p>
-          <a:p>
-            <a:pPr marL="57150" indent="0">
+            </a:pPr>
+            <a:r>
+              <a:rPr lang="en-US" altLang="de-DE" b="1" dirty="0"/>
+              <a:t>true</a:t>
+            </a:r>
+            <a:r>
+              <a:rPr lang="en-US" altLang="de-DE" dirty="0"/>
+              <a:t> (Default) </a:t>
+            </a:r>
+            <a:br>
+              <a:rPr lang="en-US" altLang="de-DE" dirty="0"/>
+            </a:br>
+            <a:r>
+              <a:rPr lang="en-US" altLang="de-DE" dirty="0" err="1"/>
+              <a:t>Versucht</a:t>
+            </a:r>
+            <a:r>
+              <a:rPr lang="en-US" altLang="de-DE" dirty="0"/>
+              <a:t> Fast-Forward Merge </a:t>
+            </a:r>
+            <a:r>
+              <a:rPr lang="en-US" altLang="de-DE" dirty="0" err="1"/>
+              <a:t>durchzuführen</a:t>
+            </a:r>
+            <a:r>
+              <a:rPr lang="en-US" altLang="de-DE" dirty="0"/>
+              <a:t>, </a:t>
+            </a:r>
+            <a:r>
+              <a:rPr lang="en-US" altLang="de-DE" dirty="0" err="1"/>
+              <a:t>ansonsten</a:t>
+            </a:r>
+            <a:r>
+              <a:rPr lang="en-US" altLang="de-DE" dirty="0"/>
+              <a:t> Merge-Commit</a:t>
+            </a:r>
+          </a:p>
+          <a:p>
+            <a:pPr lvl="1">
               <a:spcAft>
                 <a:spcPts val="300"/>
               </a:spcAft>
-              <a:buNone/>
-            </a:pPr>
-            <a:endParaRPr lang="de-DE" altLang="de-DE" dirty="0">
-              <a:latin typeface="Consolas" panose="020B0609020204030204" pitchFamily="49" charset="0"/>
-            </a:endParaRPr>
-          </a:p>
-          <a:p>
-            <a:pPr marL="57150" indent="0">
+            </a:pPr>
+            <a:r>
+              <a:rPr lang="en-US" altLang="de-DE" b="1" dirty="0"/>
+              <a:t>false </a:t>
+            </a:r>
+            <a:br>
+              <a:rPr lang="en-US" altLang="de-DE" dirty="0"/>
+            </a:br>
+            <a:r>
+              <a:rPr lang="en-US" altLang="de-DE" dirty="0"/>
+              <a:t>Kein FF, Merge-Commit </a:t>
+            </a:r>
+            <a:r>
+              <a:rPr lang="en-US" altLang="de-DE" dirty="0" err="1"/>
+              <a:t>wird</a:t>
+            </a:r>
+            <a:r>
+              <a:rPr lang="en-US" altLang="de-DE" dirty="0"/>
+              <a:t> </a:t>
+            </a:r>
+            <a:r>
+              <a:rPr lang="en-US" altLang="de-DE" dirty="0" err="1"/>
+              <a:t>immer</a:t>
+            </a:r>
+            <a:r>
+              <a:rPr lang="en-US" altLang="de-DE" dirty="0"/>
+              <a:t> </a:t>
+            </a:r>
+            <a:r>
+              <a:rPr lang="en-US" altLang="de-DE" dirty="0" err="1"/>
+              <a:t>erstellt</a:t>
+            </a:r>
+            <a:endParaRPr lang="en-US" altLang="de-DE" dirty="0"/>
+          </a:p>
+          <a:p>
+            <a:pPr lvl="1">
               <a:spcAft>
                 <a:spcPts val="300"/>
               </a:spcAft>
-              <a:buNone/>
-            </a:pPr>
-            <a:r>
-              <a:rPr lang="de-DE" altLang="de-DE" dirty="0">
-                <a:latin typeface="Consolas" panose="020B0609020204030204" pitchFamily="49" charset="0"/>
-              </a:rPr>
-              <a:t>	</a:t>
-            </a:r>
-            <a:r>
-              <a:rPr lang="de-DE" altLang="de-DE" dirty="0" err="1">
-                <a:latin typeface="Consolas" panose="020B0609020204030204" pitchFamily="49" charset="0"/>
-              </a:rPr>
-              <a:t>git</a:t>
-            </a:r>
-            <a:r>
-              <a:rPr lang="de-DE" altLang="de-DE" dirty="0">
-                <a:latin typeface="Consolas" panose="020B0609020204030204" pitchFamily="49" charset="0"/>
-              </a:rPr>
+            </a:pPr>
+            <a:r>
+              <a:rPr lang="en-US" altLang="de-DE" b="1" dirty="0"/>
+              <a:t>only</a:t>
+            </a:r>
+            <a:br>
+              <a:rPr lang="en-US" altLang="de-DE" dirty="0"/>
+            </a:br>
+            <a:r>
+              <a:rPr lang="en-US" altLang="de-DE" dirty="0"/>
+              <a:t>Nur FF, falls </a:t>
+            </a:r>
+            <a:r>
+              <a:rPr lang="en-US" altLang="de-DE" dirty="0" err="1"/>
+              <a:t>nicht</a:t>
+            </a:r>
+            <a:r>
+              <a:rPr lang="en-US" altLang="de-DE" dirty="0"/>
               <a:t> </a:t>
             </a:r>
             <a:r>
-              <a:rPr lang="de-DE" altLang="de-DE" dirty="0" err="1">
-                <a:latin typeface="Consolas" panose="020B0609020204030204" pitchFamily="49" charset="0"/>
-              </a:rPr>
-              <a:t>merge</a:t>
-            </a:r>
-            <a:r>
-              <a:rPr lang="de-DE" altLang="de-DE" dirty="0">
-                <a:latin typeface="Consolas" panose="020B0609020204030204" pitchFamily="49" charset="0"/>
-              </a:rPr>
-              <a:t> </a:t>
-            </a:r>
-            <a:r>
-              <a:rPr lang="de-DE" altLang="de-DE" dirty="0" err="1">
-                <a:latin typeface="Consolas" panose="020B0609020204030204" pitchFamily="49" charset="0"/>
-              </a:rPr>
-              <a:t>origin</a:t>
-            </a:r>
-            <a:r>
-              <a:rPr lang="de-DE" altLang="de-DE" dirty="0">
-                <a:latin typeface="Consolas" panose="020B0609020204030204" pitchFamily="49" charset="0"/>
-              </a:rPr>
-              <a:t>/feature </a:t>
-            </a:r>
-          </a:p>
-          <a:p>
-            <a:pPr marL="57150" indent="0">
-              <a:spcAft>
-                <a:spcPts val="300"/>
-              </a:spcAft>
-              <a:buNone/>
-            </a:pPr>
-            <a:r>
-              <a:rPr lang="de-DE" altLang="de-DE" dirty="0">
-                <a:latin typeface="Consolas" panose="020B0609020204030204" pitchFamily="49" charset="0"/>
-              </a:rPr>
-              <a:t>	</a:t>
-            </a:r>
-            <a:r>
-              <a:rPr lang="de-DE" altLang="de-DE" dirty="0"/>
-              <a:t>oder </a:t>
-            </a:r>
-          </a:p>
-          <a:p>
-            <a:pPr marL="57150" indent="0">
-              <a:spcAft>
-                <a:spcPts val="300"/>
-              </a:spcAft>
-              <a:buNone/>
-            </a:pPr>
-            <a:r>
-              <a:rPr lang="de-DE" altLang="de-DE" dirty="0">
-                <a:latin typeface="Consolas" panose="020B0609020204030204" pitchFamily="49" charset="0"/>
-              </a:rPr>
-              <a:t>	</a:t>
-            </a:r>
-            <a:r>
-              <a:rPr lang="de-DE" altLang="de-DE" dirty="0" err="1">
-                <a:latin typeface="Consolas" panose="020B0609020204030204" pitchFamily="49" charset="0"/>
-              </a:rPr>
-              <a:t>git</a:t>
-            </a:r>
-            <a:r>
-              <a:rPr lang="de-DE" altLang="de-DE" dirty="0">
-                <a:latin typeface="Consolas" panose="020B0609020204030204" pitchFamily="49" charset="0"/>
-              </a:rPr>
-              <a:t> </a:t>
-            </a:r>
-            <a:r>
-              <a:rPr lang="de-DE" altLang="de-DE" dirty="0" err="1">
-                <a:latin typeface="Consolas" panose="020B0609020204030204" pitchFamily="49" charset="0"/>
-              </a:rPr>
-              <a:t>rebase</a:t>
-            </a:r>
-            <a:r>
-              <a:rPr lang="de-DE" altLang="de-DE" dirty="0">
-                <a:latin typeface="Consolas" panose="020B0609020204030204" pitchFamily="49" charset="0"/>
-              </a:rPr>
-              <a:t> </a:t>
-            </a:r>
-            <a:r>
-              <a:rPr lang="de-DE" altLang="de-DE" dirty="0" err="1">
-                <a:latin typeface="Consolas" panose="020B0609020204030204" pitchFamily="49" charset="0"/>
-              </a:rPr>
-              <a:t>origin</a:t>
-            </a:r>
-            <a:r>
-              <a:rPr lang="de-DE" altLang="de-DE" dirty="0">
-                <a:latin typeface="Consolas" panose="020B0609020204030204" pitchFamily="49" charset="0"/>
-              </a:rPr>
-              <a:t>/feature</a:t>
-            </a:r>
+              <a:rPr lang="en-US" altLang="de-DE" dirty="0" err="1"/>
+              <a:t>möglich</a:t>
+            </a:r>
+            <a:r>
+              <a:rPr lang="en-US" altLang="de-DE" dirty="0"/>
+              <a:t>, </a:t>
+            </a:r>
+            <a:r>
+              <a:rPr lang="en-US" altLang="de-DE" dirty="0" err="1"/>
+              <a:t>wird</a:t>
+            </a:r>
+            <a:r>
+              <a:rPr lang="en-US" altLang="de-DE" dirty="0"/>
+              <a:t> pull </a:t>
+            </a:r>
+            <a:r>
+              <a:rPr lang="en-US" altLang="de-DE" dirty="0" err="1"/>
+              <a:t>abgebrochen</a:t>
+            </a:r>
+            <a:endParaRPr lang="en-US" altLang="de-DE" dirty="0"/>
           </a:p>
         </p:txBody>
       </p:sp>
@@ -9962,7 +9199,7 @@
     </p:spTree>
     <p:extLst>
       <p:ext uri="{BB962C8B-B14F-4D97-AF65-F5344CB8AC3E}">
-        <p14:creationId xmlns:p14="http://schemas.microsoft.com/office/powerpoint/2010/main" val="3053364118"/>
+        <p14:creationId xmlns:p14="http://schemas.microsoft.com/office/powerpoint/2010/main" val="281920756"/>
       </p:ext>
     </p:extLst>
   </p:cSld>
